--- a/Documents for Progress/AnalysisStatus_31August2020.pptx
+++ b/Documents for Progress/AnalysisStatus_31August2020.pptx
@@ -6,10 +6,10 @@
     <p:sldMasterId id="2147483661" r:id="rId2"/>
   </p:sldMasterIdLst>
   <p:notesMasterIdLst>
-    <p:notesMasterId r:id="rId36"/>
+    <p:notesMasterId r:id="rId39"/>
   </p:notesMasterIdLst>
   <p:handoutMasterIdLst>
-    <p:handoutMasterId r:id="rId37"/>
+    <p:handoutMasterId r:id="rId40"/>
   </p:handoutMasterIdLst>
   <p:sldIdLst>
     <p:sldId id="256" r:id="rId3"/>
@@ -36,15 +36,18 @@
     <p:sldId id="537" r:id="rId24"/>
     <p:sldId id="538" r:id="rId25"/>
     <p:sldId id="539" r:id="rId26"/>
-    <p:sldId id="540" r:id="rId27"/>
-    <p:sldId id="541" r:id="rId28"/>
-    <p:sldId id="542" r:id="rId29"/>
-    <p:sldId id="543" r:id="rId30"/>
-    <p:sldId id="544" r:id="rId31"/>
-    <p:sldId id="535" r:id="rId32"/>
-    <p:sldId id="529" r:id="rId33"/>
-    <p:sldId id="530" r:id="rId34"/>
-    <p:sldId id="532" r:id="rId35"/>
+    <p:sldId id="545" r:id="rId27"/>
+    <p:sldId id="540" r:id="rId28"/>
+    <p:sldId id="546" r:id="rId29"/>
+    <p:sldId id="541" r:id="rId30"/>
+    <p:sldId id="547" r:id="rId31"/>
+    <p:sldId id="542" r:id="rId32"/>
+    <p:sldId id="543" r:id="rId33"/>
+    <p:sldId id="544" r:id="rId34"/>
+    <p:sldId id="535" r:id="rId35"/>
+    <p:sldId id="529" r:id="rId36"/>
+    <p:sldId id="530" r:id="rId37"/>
+    <p:sldId id="532" r:id="rId38"/>
   </p:sldIdLst>
   <p:sldSz cx="12192000" cy="6858000"/>
   <p:notesSz cx="6858000" cy="9144000"/>
@@ -906,7 +909,7 @@
           <a:p>
             <a:fld id="{5033F1CD-332F-48CC-8A24-9D0A5CE7D91D}" type="slidenum">
               <a:rPr lang="en-GB" smtClean="0"/>
-              <a:t>33</a:t>
+              <a:t>36</a:t>
             </a:fld>
             <a:endParaRPr lang="en-GB"/>
           </a:p>
@@ -10305,8 +10308,8 @@
           </a:p>
         </p:txBody>
       </p:sp>
-      <mc:AlternateContent xmlns:mc="http://schemas.openxmlformats.org/markup-compatibility/2006">
-        <mc:Choice xmlns:a14="http://schemas.microsoft.com/office/drawing/2010/main" Requires="a14">
+      <mc:AlternateContent xmlns:mc="http://schemas.openxmlformats.org/markup-compatibility/2006" xmlns:a14="http://schemas.microsoft.com/office/drawing/2010/main">
+        <mc:Choice Requires="a14">
           <p:sp>
             <p:nvSpPr>
               <p:cNvPr id="4" name="TextBox 3">
@@ -10727,7 +10730,7 @@
             </p:txBody>
           </p:sp>
         </mc:Choice>
-        <mc:Fallback>
+        <mc:Fallback xmlns="">
           <p:sp>
             <p:nvSpPr>
               <p:cNvPr id="4" name="TextBox 3">
@@ -11920,217 +11923,6 @@
           </a:p>
         </p:txBody>
       </p:sp>
-      <p:sp>
-        <p:nvSpPr>
-          <p:cNvPr id="7" name="TextBox 6"/>
-          <p:cNvSpPr txBox="1"/>
-          <p:nvPr/>
-        </p:nvSpPr>
-        <p:spPr>
-          <a:xfrm>
-            <a:off x="130629" y="937162"/>
-            <a:ext cx="11771786" cy="5078313"/>
-          </a:xfrm>
-          <a:prstGeom prst="rect">
-            <a:avLst/>
-          </a:prstGeom>
-          <a:noFill/>
-        </p:spPr>
-        <p:txBody>
-          <a:bodyPr wrap="square" rtlCol="0">
-            <a:spAutoFit/>
-          </a:bodyPr>
-          <a:lstStyle/>
-          <a:p>
-            <a:pPr marL="285750" indent="-285750">
-              <a:buClr>
-                <a:schemeClr val="accent1"/>
-              </a:buClr>
-              <a:buFont typeface="Arial" panose="020B0604020202020204" pitchFamily="34" charset="0"/>
-              <a:buChar char="•"/>
-            </a:pPr>
-            <a:r>
-              <a:rPr lang="en-US" dirty="0"/>
-              <a:t>We have identified that the contamination in the control region coming form the subdominant processes is also significant and, in some cases, even more significant than the one coming from ttbar. </a:t>
-            </a:r>
-          </a:p>
-          <a:p>
-            <a:pPr marL="285750" indent="-285750">
-              <a:buClr>
-                <a:schemeClr val="accent1"/>
-              </a:buClr>
-              <a:buFont typeface="Arial" panose="020B0604020202020204" pitchFamily="34" charset="0"/>
-              <a:buChar char="•"/>
-            </a:pPr>
-            <a:r>
-              <a:rPr lang="en-US" dirty="0"/>
-              <a:t>Although it can be seen that selecting the b-tagging  loose working point for our control region improves the situation concerning the ttbar contamination, the subdominant </a:t>
-            </a:r>
-            <a:r>
-              <a:rPr lang="en-US" dirty="0" err="1"/>
-              <a:t>bkg</a:t>
-            </a:r>
-            <a:r>
-              <a:rPr lang="en-US" dirty="0"/>
-              <a:t>  still remains significant especially in the area around the W mass.</a:t>
-            </a:r>
-          </a:p>
-          <a:p>
-            <a:pPr>
-              <a:buClr>
-                <a:schemeClr val="accent1"/>
-              </a:buClr>
-            </a:pPr>
-            <a:endParaRPr lang="en-US" dirty="0"/>
-          </a:p>
-          <a:p>
-            <a:pPr>
-              <a:buClr>
-                <a:schemeClr val="accent1"/>
-              </a:buClr>
-            </a:pPr>
-            <a:r>
-              <a:rPr lang="en-US" dirty="0"/>
-              <a:t>We tried 3 different fitting methods, all using the medium b-tagging working point for both regions (Signal and Control</a:t>
-            </a:r>
-            <a:br>
-              <a:rPr lang="en-US" dirty="0"/>
-            </a:br>
-            <a:r>
-              <a:rPr lang="en-US" dirty="0"/>
-              <a:t>region).</a:t>
-            </a:r>
-          </a:p>
-          <a:p>
-            <a:pPr>
-              <a:buClr>
-                <a:schemeClr val="accent1"/>
-              </a:buClr>
-            </a:pPr>
-            <a:endParaRPr lang="en-US" dirty="0"/>
-          </a:p>
-          <a:p>
-            <a:pPr marL="285750" indent="-285750">
-              <a:buClr>
-                <a:schemeClr val="accent1"/>
-              </a:buClr>
-              <a:buFont typeface="Arial" panose="020B0604020202020204" pitchFamily="34" charset="0"/>
-              <a:buChar char="•"/>
-            </a:pPr>
-            <a:r>
-              <a:rPr lang="en-US" dirty="0"/>
-              <a:t>First, we fit only the 2btag region but we use a ttbar and subdominant </a:t>
-            </a:r>
-            <a:r>
-              <a:rPr lang="en-US" dirty="0" err="1"/>
-              <a:t>bkg</a:t>
-            </a:r>
-            <a:r>
-              <a:rPr lang="en-US" dirty="0"/>
-              <a:t> free area to generate the </a:t>
-            </a:r>
-            <a:r>
-              <a:rPr lang="en-US" dirty="0" err="1"/>
-              <a:t>qcd</a:t>
-            </a:r>
-            <a:r>
-              <a:rPr lang="en-US" dirty="0"/>
-              <a:t> template.</a:t>
-            </a:r>
-            <a:br>
-              <a:rPr lang="en-US" dirty="0"/>
-            </a:br>
-            <a:r>
-              <a:rPr lang="en-US" dirty="0"/>
-              <a:t>We calculate this area using QCD = Data(0btag) – </a:t>
-            </a:r>
-            <a:r>
-              <a:rPr lang="en-US" dirty="0" err="1"/>
-              <a:t>ttbar</a:t>
-            </a:r>
-            <a:r>
-              <a:rPr lang="en-US" dirty="0"/>
-              <a:t> (0btag) – subdominant (0btag) where both </a:t>
-            </a:r>
-            <a:r>
-              <a:rPr lang="en-US" dirty="0" err="1"/>
-              <a:t>ttbar</a:t>
-            </a:r>
-            <a:r>
-              <a:rPr lang="en-US" dirty="0"/>
-              <a:t> and subdominant </a:t>
-            </a:r>
-            <a:br>
-              <a:rPr lang="en-US" dirty="0"/>
-            </a:br>
-            <a:r>
-              <a:rPr lang="en-US" dirty="0"/>
-              <a:t>are taken from MC.</a:t>
-            </a:r>
-          </a:p>
-          <a:p>
-            <a:pPr>
-              <a:buClr>
-                <a:schemeClr val="accent1"/>
-              </a:buClr>
-            </a:pPr>
-            <a:endParaRPr lang="en-US" dirty="0"/>
-          </a:p>
-          <a:p>
-            <a:pPr marL="285750" indent="-285750">
-              <a:buClr>
-                <a:schemeClr val="accent1"/>
-              </a:buClr>
-              <a:buFont typeface="Arial" panose="020B0604020202020204" pitchFamily="34" charset="0"/>
-              <a:buChar char="•"/>
-            </a:pPr>
-            <a:r>
-              <a:rPr lang="en-US" dirty="0"/>
-              <a:t>We do a simultaneous fit in the 0btag and 2 </a:t>
-            </a:r>
-            <a:r>
-              <a:rPr lang="en-US" dirty="0" err="1"/>
-              <a:t>btag</a:t>
-            </a:r>
-            <a:r>
-              <a:rPr lang="en-US" dirty="0"/>
-              <a:t> regions where we add an extra Gaussian in the QCD template in order to</a:t>
-            </a:r>
-            <a:br>
-              <a:rPr lang="en-US" dirty="0"/>
-            </a:br>
-            <a:r>
-              <a:rPr lang="en-US" dirty="0"/>
-              <a:t>compensate for the contamination coming from the subdominant backgrounds.</a:t>
-            </a:r>
-          </a:p>
-          <a:p>
-            <a:pPr>
-              <a:buClr>
-                <a:schemeClr val="accent1"/>
-              </a:buClr>
-            </a:pPr>
-            <a:endParaRPr lang="en-US" dirty="0"/>
-          </a:p>
-          <a:p>
-            <a:pPr marL="285750" indent="-285750">
-              <a:buClr>
-                <a:schemeClr val="accent1"/>
-              </a:buClr>
-              <a:buFont typeface="Arial" panose="020B0604020202020204" pitchFamily="34" charset="0"/>
-              <a:buChar char="•"/>
-            </a:pPr>
-            <a:r>
-              <a:rPr lang="en-US" dirty="0"/>
-              <a:t>We do a simultaneous fit where we use the initial fitting procedure with nothing extra.</a:t>
-            </a:r>
-            <a:br>
-              <a:rPr lang="en-US" dirty="0"/>
-            </a:br>
-            <a:endParaRPr lang="en-US" dirty="0"/>
-          </a:p>
-        </p:txBody>
-      </p:sp>
     </p:spTree>
     <p:extLst>
       <p:ext uri="{BB962C8B-B14F-4D97-AF65-F5344CB8AC3E}">
@@ -13818,15 +13610,15 @@
         </p:nvSpPr>
         <p:spPr>
           <a:xfrm>
-            <a:off x="228600" y="1582340"/>
-            <a:ext cx="6096000" cy="3693319"/>
+            <a:off x="1237088" y="1582339"/>
+            <a:ext cx="3691717" cy="3693319"/>
           </a:xfrm>
           <a:prstGeom prst="rect">
             <a:avLst/>
           </a:prstGeom>
         </p:spPr>
         <p:txBody>
-          <a:bodyPr>
+          <a:bodyPr wrap="square">
             <a:spAutoFit/>
           </a:bodyPr>
           <a:lstStyle/>
@@ -13928,15 +13720,15 @@
         </p:nvSpPr>
         <p:spPr>
           <a:xfrm>
-            <a:off x="6324600" y="1582340"/>
-            <a:ext cx="6096000" cy="3693319"/>
+            <a:off x="7069541" y="1582338"/>
+            <a:ext cx="3691717" cy="3693319"/>
           </a:xfrm>
           <a:prstGeom prst="rect">
             <a:avLst/>
           </a:prstGeom>
         </p:spPr>
         <p:txBody>
-          <a:bodyPr>
+          <a:bodyPr wrap="square">
             <a:spAutoFit/>
           </a:bodyPr>
           <a:lstStyle/>
@@ -14083,53 +13875,6 @@
       </p:sp>
       <p:sp>
         <p:nvSpPr>
-          <p:cNvPr id="7" name="TextBox 6"/>
-          <p:cNvSpPr txBox="1"/>
-          <p:nvPr/>
-        </p:nvSpPr>
-        <p:spPr>
-          <a:xfrm>
-            <a:off x="3276600" y="33090"/>
-            <a:ext cx="5638800" cy="523220"/>
-          </a:xfrm>
-          <a:prstGeom prst="rect">
-            <a:avLst/>
-          </a:prstGeom>
-          <a:noFill/>
-        </p:spPr>
-        <p:txBody>
-          <a:bodyPr wrap="square" rtlCol="0">
-            <a:spAutoFit/>
-          </a:bodyPr>
-          <a:lstStyle/>
-          <a:p>
-            <a:pPr algn="ctr"/>
-            <a:r>
-              <a:rPr lang="en-US" sz="2800" u="sng" dirty="0"/>
-              <a:t>Tag And Probe Calculations </a:t>
-            </a:r>
-            <a:r>
-              <a:rPr lang="en-US" sz="2800" u="sng" dirty="0">
-                <a:solidFill>
-                  <a:srgbClr val="FF0000"/>
-                </a:solidFill>
-              </a:rPr>
-              <a:t>2017</a:t>
-            </a:r>
-            <a:r>
-              <a:rPr lang="en-US" sz="2800" u="sng" dirty="0"/>
-              <a:t> </a:t>
-            </a:r>
-            <a:endParaRPr lang="en-US" sz="2800" u="sng" dirty="0">
-              <a:solidFill>
-                <a:srgbClr val="00B050"/>
-              </a:solidFill>
-            </a:endParaRPr>
-          </a:p>
-        </p:txBody>
-      </p:sp>
-      <p:sp>
-        <p:nvSpPr>
           <p:cNvPr id="5" name="Slide Number Placeholder 4">
             <a:extLst>
               <a:ext uri="{FF2B5EF4-FFF2-40B4-BE49-F238E27FC236}">
@@ -14179,7 +13924,7 @@
           <a:bodyPr/>
           <a:lstStyle/>
           <a:p>
-            <a:fld id="{3DBB7BD0-9B8D-1F47-8ABF-BE3CF9BD2848}" type="datetime1">
+            <a:fld id="{D52D66B2-0E0A-F441-A1DA-8039F615D612}" type="datetime1">
               <a:rPr lang="en-US" smtClean="0"/>
               <a:t>8/31/20</a:t>
             </a:fld>
@@ -14187,12 +13932,255 @@
           </a:p>
         </p:txBody>
       </p:sp>
-      <p:sp>
-        <p:nvSpPr>
-          <p:cNvPr id="6" name="Rectangle 5">
+      <p:pic>
+        <p:nvPicPr>
+          <p:cNvPr id="14" name="Picture 13">
             <a:extLst>
               <a:ext uri="{FF2B5EF4-FFF2-40B4-BE49-F238E27FC236}">
-                <a16:creationId xmlns:a16="http://schemas.microsoft.com/office/drawing/2014/main" id="{1D3A9800-C923-F943-ACA5-B4B9B9A1D73D}"/>
+                <a16:creationId xmlns:a16="http://schemas.microsoft.com/office/drawing/2014/main" id="{484BB678-EF03-1E4B-8F08-99BE279810A5}"/>
+              </a:ext>
+            </a:extLst>
+          </p:cNvPr>
+          <p:cNvPicPr>
+            <a:picLocks noChangeAspect="1"/>
+          </p:cNvPicPr>
+          <p:nvPr/>
+        </p:nvPicPr>
+        <p:blipFill>
+          <a:blip r:embed="rId2"/>
+          <a:stretch>
+            <a:fillRect/>
+          </a:stretch>
+        </p:blipFill>
+        <p:spPr>
+          <a:xfrm rot="5400000">
+            <a:off x="7944248" y="-147063"/>
+            <a:ext cx="3012694" cy="4176522"/>
+          </a:xfrm>
+          <a:prstGeom prst="rect">
+            <a:avLst/>
+          </a:prstGeom>
+        </p:spPr>
+      </p:pic>
+      <p:pic>
+        <p:nvPicPr>
+          <p:cNvPr id="16" name="Picture 15">
+            <a:extLst>
+              <a:ext uri="{FF2B5EF4-FFF2-40B4-BE49-F238E27FC236}">
+                <a16:creationId xmlns:a16="http://schemas.microsoft.com/office/drawing/2014/main" id="{9D6EE389-A52D-4F4C-A2D8-E6BDAB28B6D9}"/>
+              </a:ext>
+            </a:extLst>
+          </p:cNvPr>
+          <p:cNvPicPr>
+            <a:picLocks noChangeAspect="1"/>
+          </p:cNvPicPr>
+          <p:nvPr/>
+        </p:nvPicPr>
+        <p:blipFill>
+          <a:blip r:embed="rId3"/>
+          <a:stretch>
+            <a:fillRect/>
+          </a:stretch>
+        </p:blipFill>
+        <p:spPr>
+          <a:xfrm rot="5400000">
+            <a:off x="7944248" y="2883723"/>
+            <a:ext cx="3012694" cy="4176522"/>
+          </a:xfrm>
+          <a:prstGeom prst="rect">
+            <a:avLst/>
+          </a:prstGeom>
+        </p:spPr>
+      </p:pic>
+      <p:sp>
+        <p:nvSpPr>
+          <p:cNvPr id="12" name="TextBox 11">
+            <a:extLst>
+              <a:ext uri="{FF2B5EF4-FFF2-40B4-BE49-F238E27FC236}">
+                <a16:creationId xmlns:a16="http://schemas.microsoft.com/office/drawing/2014/main" id="{0DA88F88-061A-7948-9105-8D7B2578CE9D}"/>
+              </a:ext>
+            </a:extLst>
+          </p:cNvPr>
+          <p:cNvSpPr txBox="1"/>
+          <p:nvPr/>
+        </p:nvSpPr>
+        <p:spPr>
+          <a:xfrm>
+            <a:off x="3752850" y="-76347"/>
+            <a:ext cx="4686300" cy="523220"/>
+          </a:xfrm>
+          <a:prstGeom prst="rect">
+            <a:avLst/>
+          </a:prstGeom>
+          <a:noFill/>
+        </p:spPr>
+        <p:txBody>
+          <a:bodyPr wrap="square" rtlCol="0">
+            <a:spAutoFit/>
+          </a:bodyPr>
+          <a:lstStyle/>
+          <a:p>
+            <a:r>
+              <a:rPr lang="en-GR" sz="2800" u="sng" dirty="0"/>
+              <a:t>TagAndProbe Efficiency </a:t>
+            </a:r>
+            <a:r>
+              <a:rPr lang="en-US" sz="2800" u="sng" dirty="0"/>
+              <a:t>(</a:t>
+            </a:r>
+            <a:r>
+              <a:rPr lang="en-US" sz="2800" u="sng" dirty="0">
+                <a:solidFill>
+                  <a:srgbClr val="00B0F0"/>
+                </a:solidFill>
+              </a:rPr>
+              <a:t>2016</a:t>
+            </a:r>
+            <a:r>
+              <a:rPr lang="en-US" sz="2800" u="sng" dirty="0"/>
+              <a:t>)</a:t>
+            </a:r>
+          </a:p>
+        </p:txBody>
+      </p:sp>
+      <p:pic>
+        <p:nvPicPr>
+          <p:cNvPr id="4" name="Picture 3">
+            <a:extLst>
+              <a:ext uri="{FF2B5EF4-FFF2-40B4-BE49-F238E27FC236}">
+                <a16:creationId xmlns:a16="http://schemas.microsoft.com/office/drawing/2014/main" id="{445DFE14-0581-C04E-BF1A-15D93312C5B0}"/>
+              </a:ext>
+            </a:extLst>
+          </p:cNvPr>
+          <p:cNvPicPr>
+            <a:picLocks noChangeAspect="1"/>
+          </p:cNvPicPr>
+          <p:nvPr/>
+        </p:nvPicPr>
+        <p:blipFill>
+          <a:blip r:embed="rId4"/>
+          <a:stretch>
+            <a:fillRect/>
+          </a:stretch>
+        </p:blipFill>
+        <p:spPr>
+          <a:xfrm rot="5400000">
+            <a:off x="1450594" y="-223701"/>
+            <a:ext cx="3012694" cy="4176522"/>
+          </a:xfrm>
+          <a:prstGeom prst="rect">
+            <a:avLst/>
+          </a:prstGeom>
+        </p:spPr>
+      </p:pic>
+      <p:pic>
+        <p:nvPicPr>
+          <p:cNvPr id="8" name="Picture 7">
+            <a:extLst>
+              <a:ext uri="{FF2B5EF4-FFF2-40B4-BE49-F238E27FC236}">
+                <a16:creationId xmlns:a16="http://schemas.microsoft.com/office/drawing/2014/main" id="{17C44605-60F4-E547-9DEF-B768885A5780}"/>
+              </a:ext>
+            </a:extLst>
+          </p:cNvPr>
+          <p:cNvPicPr>
+            <a:picLocks noChangeAspect="1"/>
+          </p:cNvPicPr>
+          <p:nvPr/>
+        </p:nvPicPr>
+        <p:blipFill>
+          <a:blip r:embed="rId5"/>
+          <a:stretch>
+            <a:fillRect/>
+          </a:stretch>
+        </p:blipFill>
+        <p:spPr>
+          <a:xfrm rot="5400000">
+            <a:off x="1450594" y="2859107"/>
+            <a:ext cx="3012694" cy="4176522"/>
+          </a:xfrm>
+          <a:prstGeom prst="rect">
+            <a:avLst/>
+          </a:prstGeom>
+        </p:spPr>
+      </p:pic>
+      <p:sp>
+        <p:nvSpPr>
+          <p:cNvPr id="22" name="TextBox 21">
+            <a:extLst>
+              <a:ext uri="{FF2B5EF4-FFF2-40B4-BE49-F238E27FC236}">
+                <a16:creationId xmlns:a16="http://schemas.microsoft.com/office/drawing/2014/main" id="{EA21A52B-1999-2A4B-A31D-E57CC60160A2}"/>
+              </a:ext>
+            </a:extLst>
+          </p:cNvPr>
+          <p:cNvSpPr txBox="1"/>
+          <p:nvPr/>
+        </p:nvSpPr>
+        <p:spPr>
+          <a:xfrm>
+            <a:off x="4683689" y="4680680"/>
+            <a:ext cx="3243263" cy="369332"/>
+          </a:xfrm>
+          <a:prstGeom prst="rect">
+            <a:avLst/>
+          </a:prstGeom>
+          <a:noFill/>
+        </p:spPr>
+        <p:txBody>
+          <a:bodyPr wrap="square" rtlCol="0">
+            <a:spAutoFit/>
+          </a:bodyPr>
+          <a:lstStyle/>
+          <a:p>
+            <a:pPr algn="ctr"/>
+            <a:r>
+              <a:rPr lang="en-GR" dirty="0"/>
+              <a:t>Tight TopTagger + Probe</a:t>
+            </a:r>
+          </a:p>
+        </p:txBody>
+      </p:sp>
+      <p:sp>
+        <p:nvSpPr>
+          <p:cNvPr id="19" name="TextBox 18">
+            <a:extLst>
+              <a:ext uri="{FF2B5EF4-FFF2-40B4-BE49-F238E27FC236}">
+                <a16:creationId xmlns:a16="http://schemas.microsoft.com/office/drawing/2014/main" id="{491F4ED5-8A54-D243-B516-026EF6F12778}"/>
+              </a:ext>
+            </a:extLst>
+          </p:cNvPr>
+          <p:cNvSpPr txBox="1"/>
+          <p:nvPr/>
+        </p:nvSpPr>
+        <p:spPr>
+          <a:xfrm>
+            <a:off x="4559413" y="1807989"/>
+            <a:ext cx="3243263" cy="369332"/>
+          </a:xfrm>
+          <a:prstGeom prst="rect">
+            <a:avLst/>
+          </a:prstGeom>
+          <a:noFill/>
+        </p:spPr>
+        <p:txBody>
+          <a:bodyPr wrap="square" rtlCol="0">
+            <a:spAutoFit/>
+          </a:bodyPr>
+          <a:lstStyle/>
+          <a:p>
+            <a:pPr algn="ctr"/>
+            <a:r>
+              <a:rPr lang="en-GR" dirty="0"/>
+              <a:t>Tight TopTagger + SR TopTagger</a:t>
+            </a:r>
+          </a:p>
+        </p:txBody>
+      </p:sp>
+      <p:sp>
+        <p:nvSpPr>
+          <p:cNvPr id="17" name="Rectangle 16">
+            <a:extLst>
+              <a:ext uri="{FF2B5EF4-FFF2-40B4-BE49-F238E27FC236}">
+                <a16:creationId xmlns:a16="http://schemas.microsoft.com/office/drawing/2014/main" id="{77F1A5DE-010C-8A49-9DFD-F714D88BF2CC}"/>
               </a:ext>
             </a:extLst>
           </p:cNvPr>
@@ -14201,8 +14189,8 @@
         </p:nvSpPr>
         <p:spPr>
           <a:xfrm>
-            <a:off x="7939701" y="638586"/>
-            <a:ext cx="2289346" cy="369332"/>
+            <a:off x="2049125" y="3186241"/>
+            <a:ext cx="1520674" cy="369332"/>
           </a:xfrm>
           <a:prstGeom prst="rect">
             <a:avLst/>
@@ -14216,18 +14204,22 @@
           <a:p>
             <a:pPr algn="ctr"/>
             <a:r>
-              <a:rPr lang="en-US" u="sng" dirty="0"/>
-              <a:t>without b tagging SF’s </a:t>
-            </a:r>
-          </a:p>
-        </p:txBody>
-      </p:sp>
-      <p:sp>
-        <p:nvSpPr>
-          <p:cNvPr id="8" name="Rectangle 7">
+              <a:rPr lang="en-US" b="1" u="sng" dirty="0">
+                <a:solidFill>
+                  <a:srgbClr val="FF0000"/>
+                </a:solidFill>
+              </a:rPr>
+              <a:t>b tagging SF’s </a:t>
+            </a:r>
+          </a:p>
+        </p:txBody>
+      </p:sp>
+      <p:sp>
+        <p:nvSpPr>
+          <p:cNvPr id="21" name="Rectangle 20">
             <a:extLst>
               <a:ext uri="{FF2B5EF4-FFF2-40B4-BE49-F238E27FC236}">
-                <a16:creationId xmlns:a16="http://schemas.microsoft.com/office/drawing/2014/main" id="{FE0D63A0-1633-E841-944F-B91BFC6F0FEB}"/>
+                <a16:creationId xmlns:a16="http://schemas.microsoft.com/office/drawing/2014/main" id="{D299BB8B-A7C3-284A-BF5C-C54CD55AAB5A}"/>
               </a:ext>
             </a:extLst>
           </p:cNvPr>
@@ -14236,8 +14228,8 @@
         </p:nvSpPr>
         <p:spPr>
           <a:xfrm>
-            <a:off x="2333415" y="638586"/>
-            <a:ext cx="1499065" cy="369332"/>
+            <a:off x="8457894" y="3204932"/>
+            <a:ext cx="1849289" cy="369332"/>
           </a:xfrm>
           <a:prstGeom prst="rect">
             <a:avLst/>
@@ -14251,228 +14243,12 @@
           <a:p>
             <a:pPr algn="ctr"/>
             <a:r>
-              <a:rPr lang="en-US" u="sng" dirty="0"/>
-              <a:t>b tagging SF’s </a:t>
-            </a:r>
-          </a:p>
-        </p:txBody>
-      </p:sp>
-      <p:sp>
-        <p:nvSpPr>
-          <p:cNvPr id="2" name="Rectangle 1">
-            <a:extLst>
-              <a:ext uri="{FF2B5EF4-FFF2-40B4-BE49-F238E27FC236}">
-                <a16:creationId xmlns:a16="http://schemas.microsoft.com/office/drawing/2014/main" id="{2DC1FF26-71A8-0242-A173-4ED7A7EC3B5E}"/>
-              </a:ext>
-            </a:extLst>
-          </p:cNvPr>
-          <p:cNvSpPr/>
-          <p:nvPr/>
-        </p:nvSpPr>
-        <p:spPr>
-          <a:xfrm>
-            <a:off x="228600" y="1582339"/>
-            <a:ext cx="6096000" cy="3693319"/>
-          </a:xfrm>
-          <a:prstGeom prst="rect">
-            <a:avLst/>
-          </a:prstGeom>
-        </p:spPr>
-        <p:txBody>
-          <a:bodyPr>
-            <a:spAutoFit/>
-          </a:bodyPr>
-          <a:lstStyle/>
-          <a:p>
-            <a:r>
-              <a:rPr lang="en-GR" dirty="0"/>
-              <a:t>Efficiency-- with btagging SF's</a:t>
-            </a:r>
-          </a:p>
-          <a:p>
-            <a:r>
-              <a:rPr lang="en-GR" dirty="0"/>
-              <a:t>eff data: 0.857 ± 0.040</a:t>
-            </a:r>
-          </a:p>
-          <a:p>
-            <a:r>
-              <a:rPr lang="en-GR" b="1" u="sng" dirty="0">
+              <a:rPr lang="en-US" b="1" u="sng" dirty="0">
                 <a:solidFill>
                   <a:srgbClr val="FF0000"/>
                 </a:solidFill>
               </a:rPr>
-              <a:t>eff ttbar: 0.875 ± 0.0072</a:t>
-            </a:r>
-          </a:p>
-          <a:p>
-            <a:r>
-              <a:rPr lang="en-GR" dirty="0"/>
-              <a:t>-----------</a:t>
-            </a:r>
-          </a:p>
-          <a:p>
-            <a:r>
-              <a:rPr lang="en-GR" dirty="0"/>
-              <a:t>Efficiency per Pt region</a:t>
-            </a:r>
-          </a:p>
-          <a:p>
-            <a:r>
-              <a:rPr lang="en-GR" dirty="0"/>
-              <a:t>eff data pT[400-600]: 0.872 ± 0.047</a:t>
-            </a:r>
-          </a:p>
-          <a:p>
-            <a:r>
-              <a:rPr lang="en-GR" dirty="0"/>
-              <a:t>eff ttbar pT[400-600]: 0.874 ± 0.008</a:t>
-            </a:r>
-          </a:p>
-          <a:p>
-            <a:r>
-              <a:rPr lang="en-GR" dirty="0"/>
-              <a:t>-----------</a:t>
-            </a:r>
-          </a:p>
-          <a:p>
-            <a:r>
-              <a:rPr lang="en-GR" dirty="0"/>
-              <a:t>eff data pT[600-800]: 0.795 ± 0.088</a:t>
-            </a:r>
-          </a:p>
-          <a:p>
-            <a:r>
-              <a:rPr lang="en-GR" dirty="0"/>
-              <a:t>eff ttbar pT[600-800]: 0.876 ± 0.018</a:t>
-            </a:r>
-          </a:p>
-          <a:p>
-            <a:r>
-              <a:rPr lang="en-GR" dirty="0"/>
-              <a:t>-----------</a:t>
-            </a:r>
-          </a:p>
-          <a:p>
-            <a:r>
-              <a:rPr lang="en-GR" dirty="0"/>
-              <a:t>eff data pT[800-Inf]: 0.797 ± 0.186</a:t>
-            </a:r>
-          </a:p>
-          <a:p>
-            <a:r>
-              <a:rPr lang="en-GR" dirty="0"/>
-              <a:t>eff ttbar pT[800-Inf]: 0.899 ± 0.045</a:t>
-            </a:r>
-          </a:p>
-        </p:txBody>
-      </p:sp>
-      <p:sp>
-        <p:nvSpPr>
-          <p:cNvPr id="4" name="Rectangle 3">
-            <a:extLst>
-              <a:ext uri="{FF2B5EF4-FFF2-40B4-BE49-F238E27FC236}">
-                <a16:creationId xmlns:a16="http://schemas.microsoft.com/office/drawing/2014/main" id="{17DD903E-E2EE-ED4A-B9BA-6BDA6FAA4776}"/>
-              </a:ext>
-            </a:extLst>
-          </p:cNvPr>
-          <p:cNvSpPr/>
-          <p:nvPr/>
-        </p:nvSpPr>
-        <p:spPr>
-          <a:xfrm>
-            <a:off x="6852458" y="1582339"/>
-            <a:ext cx="6096000" cy="3693319"/>
-          </a:xfrm>
-          <a:prstGeom prst="rect">
-            <a:avLst/>
-          </a:prstGeom>
-        </p:spPr>
-        <p:txBody>
-          <a:bodyPr>
-            <a:spAutoFit/>
-          </a:bodyPr>
-          <a:lstStyle/>
-          <a:p>
-            <a:r>
-              <a:rPr lang="en-GR" dirty="0"/>
-              <a:t>Efficiency-- without btagging SF's</a:t>
-            </a:r>
-          </a:p>
-          <a:p>
-            <a:r>
-              <a:rPr lang="en-GR" dirty="0"/>
-              <a:t>eff data: 0.864 ± 0.043</a:t>
-            </a:r>
-          </a:p>
-          <a:p>
-            <a:r>
-              <a:rPr lang="en-GR" dirty="0">
-                <a:solidFill>
-                  <a:srgbClr val="FF0000"/>
-                </a:solidFill>
-              </a:rPr>
-              <a:t>eff ttbar: 0.875 ± 0.007</a:t>
-            </a:r>
-          </a:p>
-          <a:p>
-            <a:r>
-              <a:rPr lang="en-GR" dirty="0"/>
-              <a:t>-----------</a:t>
-            </a:r>
-          </a:p>
-          <a:p>
-            <a:r>
-              <a:rPr lang="en-GR" dirty="0"/>
-              <a:t>Efficiency per Pt region</a:t>
-            </a:r>
-          </a:p>
-          <a:p>
-            <a:r>
-              <a:rPr lang="en-GR" dirty="0"/>
-              <a:t>eff data pT[400-600]: 0.880 ± 0.049</a:t>
-            </a:r>
-          </a:p>
-          <a:p>
-            <a:r>
-              <a:rPr lang="en-GR" dirty="0"/>
-              <a:t>eff ttbar pT[400-600]: 0.874 ± 0.008</a:t>
-            </a:r>
-          </a:p>
-          <a:p>
-            <a:r>
-              <a:rPr lang="en-GR" dirty="0"/>
-              <a:t>-----------</a:t>
-            </a:r>
-          </a:p>
-          <a:p>
-            <a:r>
-              <a:rPr lang="en-GR" dirty="0"/>
-              <a:t>eff data pT[600-800]: 0.8 ± 0.091</a:t>
-            </a:r>
-          </a:p>
-          <a:p>
-            <a:r>
-              <a:rPr lang="en-GR" dirty="0"/>
-              <a:t>eff ttbar pT[600-800]: 0.876 ± 0.018</a:t>
-            </a:r>
-          </a:p>
-          <a:p>
-            <a:r>
-              <a:rPr lang="en-GR" dirty="0"/>
-              <a:t>-----------</a:t>
-            </a:r>
-          </a:p>
-          <a:p>
-            <a:r>
-              <a:rPr lang="en-GR" dirty="0"/>
-              <a:t>eff data pT[800-Inf]: 0.796 ± 0.2</a:t>
-            </a:r>
-          </a:p>
-          <a:p>
-            <a:r>
-              <a:rPr lang="en-GR" dirty="0"/>
-              <a:t>eff ttbar pT[800-Inf]: 0.898 ± 0.045</a:t>
+              <a:t>No b tagging SF’s </a:t>
             </a:r>
           </a:p>
         </p:txBody>
@@ -14480,7 +14256,7 @@
     </p:spTree>
     <p:extLst>
       <p:ext uri="{BB962C8B-B14F-4D97-AF65-F5344CB8AC3E}">
-        <p14:creationId xmlns:p14="http://schemas.microsoft.com/office/powerpoint/2010/main" val="305433567"/>
+        <p14:creationId xmlns:p14="http://schemas.microsoft.com/office/powerpoint/2010/main" val="2146348735"/>
       </p:ext>
     </p:extLst>
   </p:cSld>
@@ -14564,10 +14340,10 @@
             <a:r>
               <a:rPr lang="en-US" sz="2800" u="sng" dirty="0">
                 <a:solidFill>
-                  <a:srgbClr val="00B050"/>
+                  <a:srgbClr val="FF0000"/>
                 </a:solidFill>
               </a:rPr>
-              <a:t>2018</a:t>
+              <a:t>2017</a:t>
             </a:r>
             <a:r>
               <a:rPr lang="en-US" sz="2800" u="sng" dirty="0"/>
@@ -14715,7 +14491,7 @@
           <p:cNvPr id="2" name="Rectangle 1">
             <a:extLst>
               <a:ext uri="{FF2B5EF4-FFF2-40B4-BE49-F238E27FC236}">
-                <a16:creationId xmlns:a16="http://schemas.microsoft.com/office/drawing/2014/main" id="{5C0AC30A-7E8B-5E44-B107-1CFE415896F6}"/>
+                <a16:creationId xmlns:a16="http://schemas.microsoft.com/office/drawing/2014/main" id="{2DC1FF26-71A8-0242-A173-4ED7A7EC3B5E}"/>
               </a:ext>
             </a:extLst>
           </p:cNvPr>
@@ -14724,45 +14500,38 @@
         </p:nvSpPr>
         <p:spPr>
           <a:xfrm>
-            <a:off x="228600" y="1582340"/>
-            <a:ext cx="6096000" cy="3693319"/>
+            <a:off x="1211284" y="1582339"/>
+            <a:ext cx="3743325" cy="3693319"/>
           </a:xfrm>
           <a:prstGeom prst="rect">
             <a:avLst/>
           </a:prstGeom>
         </p:spPr>
         <p:txBody>
-          <a:bodyPr>
+          <a:bodyPr wrap="square">
             <a:spAutoFit/>
           </a:bodyPr>
           <a:lstStyle/>
           <a:p>
             <a:r>
               <a:rPr lang="en-GR" dirty="0"/>
-              <a:t>Efficiency-- with tag SF's</a:t>
-            </a:r>
-          </a:p>
-          <a:p>
-            <a:r>
-              <a:rPr lang="en-GR" dirty="0">
+              <a:t>Efficiency-- with btagging SF's</a:t>
+            </a:r>
+          </a:p>
+          <a:p>
+            <a:r>
+              <a:rPr lang="en-GR" dirty="0"/>
+              <a:t>eff data: 0.857 ± 0.040</a:t>
+            </a:r>
+          </a:p>
+          <a:p>
+            <a:r>
+              <a:rPr lang="en-GR" b="1" u="sng" dirty="0">
                 <a:solidFill>
-                  <a:schemeClr val="tx1">
-                    <a:lumMod val="95000"/>
-                    <a:lumOff val="5000"/>
-                  </a:schemeClr>
+                  <a:srgbClr val="FF0000"/>
                 </a:solidFill>
               </a:rPr>
-              <a:t>eff data: 0.816 ± 0.032</a:t>
-            </a:r>
-          </a:p>
-          <a:p>
-            <a:r>
-              <a:rPr lang="en-GR" b="1" u="sng" dirty="0">
-                <a:solidFill>
-                  <a:srgbClr val="00B050"/>
-                </a:solidFill>
-              </a:rPr>
-              <a:t>eff ttbar: 0.839 ± 0.005</a:t>
+              <a:t>eff ttbar: 0.875 ± 0.0072</a:t>
             </a:r>
           </a:p>
           <a:p>
@@ -14780,13 +14549,13 @@
           <a:p>
             <a:r>
               <a:rPr lang="en-GR" dirty="0"/>
-              <a:t>eff data pT[400-600]: 0.8176 ± 0.038</a:t>
+              <a:t>eff data pT[400-600]: 0.872 ± 0.047</a:t>
             </a:r>
           </a:p>
           <a:p>
             <a:r>
               <a:rPr lang="en-GR" dirty="0"/>
-              <a:t>eff ttbar pT[400-600]: 0.837 ± 0.006</a:t>
+              <a:t>eff ttbar pT[400-600]: 0.874 ± 0.008</a:t>
             </a:r>
           </a:p>
           <a:p>
@@ -14798,13 +14567,13 @@
           <a:p>
             <a:r>
               <a:rPr lang="en-GR" dirty="0"/>
-              <a:t>eff data pT[600-800]: 0.809 ± 0.063</a:t>
+              <a:t>eff data pT[600-800]: 0.795 ± 0.088</a:t>
             </a:r>
           </a:p>
           <a:p>
             <a:r>
               <a:rPr lang="en-GR" dirty="0"/>
-              <a:t>eff ttbar pT[600-800]: 0.847 ± 0.013</a:t>
+              <a:t>eff ttbar pT[600-800]: 0.876 ± 0.018</a:t>
             </a:r>
           </a:p>
           <a:p>
@@ -14816,13 +14585,13 @@
           <a:p>
             <a:r>
               <a:rPr lang="en-GR" dirty="0"/>
-              <a:t>eff data pT[800-Inf]: 0.772 ± 0.132</a:t>
+              <a:t>eff data pT[800-Inf]: 0.797 ± 0.186</a:t>
             </a:r>
           </a:p>
           <a:p>
             <a:r>
               <a:rPr lang="en-GR" dirty="0"/>
-              <a:t>eff ttbar pT[800-Inf]: 0.868 ± 0.032</a:t>
+              <a:t>eff ttbar pT[800-Inf]: 0.899 ± 0.045</a:t>
             </a:r>
           </a:p>
         </p:txBody>
@@ -14832,7 +14601,7 @@
           <p:cNvPr id="4" name="Rectangle 3">
             <a:extLst>
               <a:ext uri="{FF2B5EF4-FFF2-40B4-BE49-F238E27FC236}">
-                <a16:creationId xmlns:a16="http://schemas.microsoft.com/office/drawing/2014/main" id="{6A55B372-F163-CB40-91A8-4182F6465250}"/>
+                <a16:creationId xmlns:a16="http://schemas.microsoft.com/office/drawing/2014/main" id="{17DD903E-E2EE-ED4A-B9BA-6BDA6FAA4776}"/>
               </a:ext>
             </a:extLst>
           </p:cNvPr>
@@ -14841,45 +14610,38 @@
         </p:nvSpPr>
         <p:spPr>
           <a:xfrm>
-            <a:off x="6096000" y="1582339"/>
-            <a:ext cx="6096000" cy="3693319"/>
+            <a:off x="7212711" y="1582339"/>
+            <a:ext cx="3743325" cy="3693319"/>
           </a:xfrm>
           <a:prstGeom prst="rect">
             <a:avLst/>
           </a:prstGeom>
         </p:spPr>
         <p:txBody>
-          <a:bodyPr>
+          <a:bodyPr wrap="square">
             <a:spAutoFit/>
           </a:bodyPr>
           <a:lstStyle/>
           <a:p>
             <a:r>
               <a:rPr lang="en-GR" dirty="0"/>
-              <a:t>Efficiency-- without tag sf's</a:t>
+              <a:t>Efficiency-- without btagging SF's</a:t>
+            </a:r>
+          </a:p>
+          <a:p>
+            <a:r>
+              <a:rPr lang="en-GR" dirty="0"/>
+              <a:t>eff data: 0.864 ± 0.043</a:t>
             </a:r>
           </a:p>
           <a:p>
             <a:r>
               <a:rPr lang="en-GR" dirty="0">
                 <a:solidFill>
-                  <a:schemeClr val="tx1">
-                    <a:lumMod val="95000"/>
-                    <a:lumOff val="5000"/>
-                  </a:schemeClr>
+                  <a:srgbClr val="FF0000"/>
                 </a:solidFill>
               </a:rPr>
-              <a:t>eff data: 0.822 ± 0.034</a:t>
-            </a:r>
-          </a:p>
-          <a:p>
-            <a:r>
-              <a:rPr lang="en-GR" dirty="0">
-                <a:solidFill>
-                  <a:srgbClr val="00B050"/>
-                </a:solidFill>
-              </a:rPr>
-              <a:t>eff ttbar: 0.839 ± 0.005</a:t>
+              <a:t>eff ttbar: 0.875 ± 0.007</a:t>
             </a:r>
           </a:p>
           <a:p>
@@ -14897,13 +14659,13 @@
           <a:p>
             <a:r>
               <a:rPr lang="en-GR" dirty="0"/>
-              <a:t>eff data pT[400-600]: 0.824 ± 0.039</a:t>
+              <a:t>eff data pT[400-600]: 0.880 ± 0.049</a:t>
             </a:r>
           </a:p>
           <a:p>
             <a:r>
               <a:rPr lang="en-GR" dirty="0"/>
-              <a:t>eff ttbar pT[400-600]: 0.837 ± 0.006</a:t>
+              <a:t>eff ttbar pT[400-600]: 0.874 ± 0.008</a:t>
             </a:r>
           </a:p>
           <a:p>
@@ -14915,13 +14677,13 @@
           <a:p>
             <a:r>
               <a:rPr lang="en-GR" dirty="0"/>
-              <a:t>eff data pT[600-800]: 0.819 ± 0.066</a:t>
+              <a:t>eff data pT[600-800]: 0.8 ± 0.091</a:t>
             </a:r>
           </a:p>
           <a:p>
             <a:r>
               <a:rPr lang="en-GR" dirty="0"/>
-              <a:t>eff ttbar pT[600-800]: 0.847 ± 0.013</a:t>
+              <a:t>eff ttbar pT[600-800]: 0.876 ± 0.018</a:t>
             </a:r>
           </a:p>
           <a:p>
@@ -14933,13 +14695,13 @@
           <a:p>
             <a:r>
               <a:rPr lang="en-GR" dirty="0"/>
-              <a:t>eff data pT[800-Inf]: 0.789 ± 0.141</a:t>
+              <a:t>eff data pT[800-Inf]: 0.796 ± 0.2</a:t>
             </a:r>
           </a:p>
           <a:p>
             <a:r>
               <a:rPr lang="en-GR" dirty="0"/>
-              <a:t>eff ttbar pT[800-Inf]: 0.868 ± 0.032</a:t>
+              <a:t>eff ttbar pT[800-Inf]: 0.898 ± 0.045</a:t>
             </a:r>
           </a:p>
         </p:txBody>
@@ -14947,7 +14709,7 @@
     </p:spTree>
     <p:extLst>
       <p:ext uri="{BB962C8B-B14F-4D97-AF65-F5344CB8AC3E}">
-        <p14:creationId xmlns:p14="http://schemas.microsoft.com/office/powerpoint/2010/main" val="4027163055"/>
+        <p14:creationId xmlns:p14="http://schemas.microsoft.com/office/powerpoint/2010/main" val="305433567"/>
       </p:ext>
     </p:extLst>
   </p:cSld>
@@ -15003,53 +14765,6 @@
       </p:sp>
       <p:sp>
         <p:nvSpPr>
-          <p:cNvPr id="7" name="TextBox 6"/>
-          <p:cNvSpPr txBox="1"/>
-          <p:nvPr/>
-        </p:nvSpPr>
-        <p:spPr>
-          <a:xfrm>
-            <a:off x="2805007" y="33090"/>
-            <a:ext cx="6581985" cy="523220"/>
-          </a:xfrm>
-          <a:prstGeom prst="rect">
-            <a:avLst/>
-          </a:prstGeom>
-          <a:noFill/>
-        </p:spPr>
-        <p:txBody>
-          <a:bodyPr wrap="square" rtlCol="0">
-            <a:spAutoFit/>
-          </a:bodyPr>
-          <a:lstStyle/>
-          <a:p>
-            <a:pPr algn="ctr"/>
-            <a:r>
-              <a:rPr lang="en-US" sz="2800" u="sng" dirty="0"/>
-              <a:t>Data Vs MC Stacks for BDT output </a:t>
-            </a:r>
-            <a:r>
-              <a:rPr lang="en-US" sz="2800" u="sng" dirty="0">
-                <a:solidFill>
-                  <a:srgbClr val="00B0F0"/>
-                </a:solidFill>
-              </a:rPr>
-              <a:t>2016</a:t>
-            </a:r>
-            <a:r>
-              <a:rPr lang="en-US" sz="2800" u="sng" dirty="0"/>
-              <a:t> </a:t>
-            </a:r>
-            <a:endParaRPr lang="en-US" sz="2800" u="sng" dirty="0">
-              <a:solidFill>
-                <a:srgbClr val="00B050"/>
-              </a:solidFill>
-            </a:endParaRPr>
-          </a:p>
-        </p:txBody>
-      </p:sp>
-      <p:sp>
-        <p:nvSpPr>
           <p:cNvPr id="5" name="Slide Number Placeholder 4">
             <a:extLst>
               <a:ext uri="{FF2B5EF4-FFF2-40B4-BE49-F238E27FC236}">
@@ -15099,7 +14814,7 @@
           <a:bodyPr/>
           <a:lstStyle/>
           <a:p>
-            <a:fld id="{3DBB7BD0-9B8D-1F47-8ABF-BE3CF9BD2848}" type="datetime1">
+            <a:fld id="{D52D66B2-0E0A-F441-A1DA-8039F615D612}" type="datetime1">
               <a:rPr lang="en-US" smtClean="0"/>
               <a:t>8/31/20</a:t>
             </a:fld>
@@ -15107,82 +14822,12 @@
           </a:p>
         </p:txBody>
       </p:sp>
-      <p:sp>
-        <p:nvSpPr>
-          <p:cNvPr id="6" name="Rectangle 5">
+      <p:pic>
+        <p:nvPicPr>
+          <p:cNvPr id="6" name="Picture 5">
             <a:extLst>
               <a:ext uri="{FF2B5EF4-FFF2-40B4-BE49-F238E27FC236}">
-                <a16:creationId xmlns:a16="http://schemas.microsoft.com/office/drawing/2014/main" id="{1D3A9800-C923-F943-ACA5-B4B9B9A1D73D}"/>
-              </a:ext>
-            </a:extLst>
-          </p:cNvPr>
-          <p:cNvSpPr/>
-          <p:nvPr/>
-        </p:nvSpPr>
-        <p:spPr>
-          <a:xfrm>
-            <a:off x="7939701" y="638586"/>
-            <a:ext cx="2289346" cy="369332"/>
-          </a:xfrm>
-          <a:prstGeom prst="rect">
-            <a:avLst/>
-          </a:prstGeom>
-        </p:spPr>
-        <p:txBody>
-          <a:bodyPr wrap="none">
-            <a:spAutoFit/>
-          </a:bodyPr>
-          <a:lstStyle/>
-          <a:p>
-            <a:pPr algn="ctr"/>
-            <a:r>
-              <a:rPr lang="en-US" u="sng" dirty="0"/>
-              <a:t>without b tagging SF’s </a:t>
-            </a:r>
-          </a:p>
-        </p:txBody>
-      </p:sp>
-      <p:sp>
-        <p:nvSpPr>
-          <p:cNvPr id="8" name="Rectangle 7">
-            <a:extLst>
-              <a:ext uri="{FF2B5EF4-FFF2-40B4-BE49-F238E27FC236}">
-                <a16:creationId xmlns:a16="http://schemas.microsoft.com/office/drawing/2014/main" id="{FE0D63A0-1633-E841-944F-B91BFC6F0FEB}"/>
-              </a:ext>
-            </a:extLst>
-          </p:cNvPr>
-          <p:cNvSpPr/>
-          <p:nvPr/>
-        </p:nvSpPr>
-        <p:spPr>
-          <a:xfrm>
-            <a:off x="2333415" y="638586"/>
-            <a:ext cx="1499065" cy="369332"/>
-          </a:xfrm>
-          <a:prstGeom prst="rect">
-            <a:avLst/>
-          </a:prstGeom>
-        </p:spPr>
-        <p:txBody>
-          <a:bodyPr wrap="none">
-            <a:spAutoFit/>
-          </a:bodyPr>
-          <a:lstStyle/>
-          <a:p>
-            <a:pPr algn="ctr"/>
-            <a:r>
-              <a:rPr lang="en-US" u="sng" dirty="0"/>
-              <a:t>b tagging SF’s </a:t>
-            </a:r>
-          </a:p>
-        </p:txBody>
-      </p:sp>
-      <p:pic>
-        <p:nvPicPr>
-          <p:cNvPr id="16" name="Picture 15">
-            <a:extLst>
-              <a:ext uri="{FF2B5EF4-FFF2-40B4-BE49-F238E27FC236}">
-                <a16:creationId xmlns:a16="http://schemas.microsoft.com/office/drawing/2014/main" id="{5D8E6EFC-97AF-244B-A2EE-506157EAA619}"/>
+                <a16:creationId xmlns:a16="http://schemas.microsoft.com/office/drawing/2014/main" id="{76577AAD-70A0-9B43-8DBE-57FA2136BB3A}"/>
               </a:ext>
             </a:extLst>
           </p:cNvPr>
@@ -15199,18 +14844,309 @@
         </p:blipFill>
         <p:spPr>
           <a:xfrm rot="5400000">
-            <a:off x="1096075" y="0"/>
-            <a:ext cx="4946952" cy="6858000"/>
+            <a:off x="7709105" y="-192065"/>
+            <a:ext cx="3012694" cy="4176522"/>
           </a:xfrm>
           <a:prstGeom prst="rect">
             <a:avLst/>
           </a:prstGeom>
         </p:spPr>
       </p:pic>
+      <p:pic>
+        <p:nvPicPr>
+          <p:cNvPr id="9" name="Picture 8">
+            <a:extLst>
+              <a:ext uri="{FF2B5EF4-FFF2-40B4-BE49-F238E27FC236}">
+                <a16:creationId xmlns:a16="http://schemas.microsoft.com/office/drawing/2014/main" id="{E69FA34F-44BB-8144-9394-18EA05CD1FF7}"/>
+              </a:ext>
+            </a:extLst>
+          </p:cNvPr>
+          <p:cNvPicPr>
+            <a:picLocks noChangeAspect="1"/>
+          </p:cNvPicPr>
+          <p:nvPr/>
+        </p:nvPicPr>
+        <p:blipFill>
+          <a:blip r:embed="rId3"/>
+          <a:stretch>
+            <a:fillRect/>
+          </a:stretch>
+        </p:blipFill>
+        <p:spPr>
+          <a:xfrm rot="5400000">
+            <a:off x="7711792" y="2820629"/>
+            <a:ext cx="3012694" cy="4176522"/>
+          </a:xfrm>
+          <a:prstGeom prst="rect">
+            <a:avLst/>
+          </a:prstGeom>
+        </p:spPr>
+      </p:pic>
+      <p:sp>
+        <p:nvSpPr>
+          <p:cNvPr id="12" name="TextBox 11">
+            <a:extLst>
+              <a:ext uri="{FF2B5EF4-FFF2-40B4-BE49-F238E27FC236}">
+                <a16:creationId xmlns:a16="http://schemas.microsoft.com/office/drawing/2014/main" id="{9235591C-B2E3-1F4E-A8D0-58AEACB0FD0A}"/>
+              </a:ext>
+            </a:extLst>
+          </p:cNvPr>
+          <p:cNvSpPr txBox="1"/>
+          <p:nvPr/>
+        </p:nvSpPr>
+        <p:spPr>
+          <a:xfrm>
+            <a:off x="3752850" y="-76347"/>
+            <a:ext cx="4686300" cy="523220"/>
+          </a:xfrm>
+          <a:prstGeom prst="rect">
+            <a:avLst/>
+          </a:prstGeom>
+          <a:noFill/>
+        </p:spPr>
+        <p:txBody>
+          <a:bodyPr wrap="square" rtlCol="0">
+            <a:spAutoFit/>
+          </a:bodyPr>
+          <a:lstStyle/>
+          <a:p>
+            <a:r>
+              <a:rPr lang="en-GR" sz="2800" u="sng" dirty="0"/>
+              <a:t>TagAndProbe Efficiency </a:t>
+            </a:r>
+            <a:r>
+              <a:rPr lang="en-US" sz="2800" u="sng" dirty="0"/>
+              <a:t>(</a:t>
+            </a:r>
+            <a:r>
+              <a:rPr lang="en-US" sz="2800" u="sng" dirty="0">
+                <a:solidFill>
+                  <a:srgbClr val="FF0000"/>
+                </a:solidFill>
+              </a:rPr>
+              <a:t>2017</a:t>
+            </a:r>
+            <a:r>
+              <a:rPr lang="en-US" sz="2800" u="sng" dirty="0"/>
+              <a:t>)</a:t>
+            </a:r>
+          </a:p>
+        </p:txBody>
+      </p:sp>
+      <p:pic>
+        <p:nvPicPr>
+          <p:cNvPr id="4" name="Picture 3">
+            <a:extLst>
+              <a:ext uri="{FF2B5EF4-FFF2-40B4-BE49-F238E27FC236}">
+                <a16:creationId xmlns:a16="http://schemas.microsoft.com/office/drawing/2014/main" id="{2A0B0CBB-9430-DB4A-8230-417D7635DCEF}"/>
+              </a:ext>
+            </a:extLst>
+          </p:cNvPr>
+          <p:cNvPicPr>
+            <a:picLocks noChangeAspect="1"/>
+          </p:cNvPicPr>
+          <p:nvPr/>
+        </p:nvPicPr>
+        <p:blipFill>
+          <a:blip r:embed="rId4"/>
+          <a:stretch>
+            <a:fillRect/>
+          </a:stretch>
+        </p:blipFill>
+        <p:spPr>
+          <a:xfrm rot="5400000">
+            <a:off x="1341824" y="-192065"/>
+            <a:ext cx="3012694" cy="4176522"/>
+          </a:xfrm>
+          <a:prstGeom prst="rect">
+            <a:avLst/>
+          </a:prstGeom>
+        </p:spPr>
+      </p:pic>
+      <p:pic>
+        <p:nvPicPr>
+          <p:cNvPr id="10" name="Picture 9">
+            <a:extLst>
+              <a:ext uri="{FF2B5EF4-FFF2-40B4-BE49-F238E27FC236}">
+                <a16:creationId xmlns:a16="http://schemas.microsoft.com/office/drawing/2014/main" id="{C82386EE-D7CA-224B-9B0C-7F5E3D376BCD}"/>
+              </a:ext>
+            </a:extLst>
+          </p:cNvPr>
+          <p:cNvPicPr>
+            <a:picLocks noChangeAspect="1"/>
+          </p:cNvPicPr>
+          <p:nvPr/>
+        </p:nvPicPr>
+        <p:blipFill>
+          <a:blip r:embed="rId5"/>
+          <a:stretch>
+            <a:fillRect/>
+          </a:stretch>
+        </p:blipFill>
+        <p:spPr>
+          <a:xfrm rot="5400000">
+            <a:off x="1341824" y="2820629"/>
+            <a:ext cx="3012694" cy="4176522"/>
+          </a:xfrm>
+          <a:prstGeom prst="rect">
+            <a:avLst/>
+          </a:prstGeom>
+        </p:spPr>
+      </p:pic>
+      <p:sp>
+        <p:nvSpPr>
+          <p:cNvPr id="17" name="TextBox 16">
+            <a:extLst>
+              <a:ext uri="{FF2B5EF4-FFF2-40B4-BE49-F238E27FC236}">
+                <a16:creationId xmlns:a16="http://schemas.microsoft.com/office/drawing/2014/main" id="{2CCEE914-8706-CD47-AD02-11049E45D610}"/>
+              </a:ext>
+            </a:extLst>
+          </p:cNvPr>
+          <p:cNvSpPr txBox="1"/>
+          <p:nvPr/>
+        </p:nvSpPr>
+        <p:spPr>
+          <a:xfrm>
+            <a:off x="4564347" y="1926143"/>
+            <a:ext cx="3243263" cy="369332"/>
+          </a:xfrm>
+          <a:prstGeom prst="rect">
+            <a:avLst/>
+          </a:prstGeom>
+          <a:noFill/>
+        </p:spPr>
+        <p:txBody>
+          <a:bodyPr wrap="square" rtlCol="0">
+            <a:spAutoFit/>
+          </a:bodyPr>
+          <a:lstStyle/>
+          <a:p>
+            <a:pPr algn="ctr"/>
+            <a:r>
+              <a:rPr lang="en-GR" dirty="0"/>
+              <a:t>Tight TopTagger + SR TopTagger</a:t>
+            </a:r>
+          </a:p>
+        </p:txBody>
+      </p:sp>
+      <p:sp>
+        <p:nvSpPr>
+          <p:cNvPr id="18" name="TextBox 17">
+            <a:extLst>
+              <a:ext uri="{FF2B5EF4-FFF2-40B4-BE49-F238E27FC236}">
+                <a16:creationId xmlns:a16="http://schemas.microsoft.com/office/drawing/2014/main" id="{6C7E105D-5296-2242-84F9-5547FDE0873C}"/>
+              </a:ext>
+            </a:extLst>
+          </p:cNvPr>
+          <p:cNvSpPr txBox="1"/>
+          <p:nvPr/>
+        </p:nvSpPr>
+        <p:spPr>
+          <a:xfrm>
+            <a:off x="4564348" y="4747191"/>
+            <a:ext cx="3243263" cy="369332"/>
+          </a:xfrm>
+          <a:prstGeom prst="rect">
+            <a:avLst/>
+          </a:prstGeom>
+          <a:noFill/>
+        </p:spPr>
+        <p:txBody>
+          <a:bodyPr wrap="square" rtlCol="0">
+            <a:spAutoFit/>
+          </a:bodyPr>
+          <a:lstStyle/>
+          <a:p>
+            <a:pPr algn="ctr"/>
+            <a:r>
+              <a:rPr lang="en-GR" dirty="0"/>
+              <a:t>Tight TopTagger + Probe</a:t>
+            </a:r>
+          </a:p>
+        </p:txBody>
+      </p:sp>
+      <p:sp>
+        <p:nvSpPr>
+          <p:cNvPr id="19" name="Rectangle 18">
+            <a:extLst>
+              <a:ext uri="{FF2B5EF4-FFF2-40B4-BE49-F238E27FC236}">
+                <a16:creationId xmlns:a16="http://schemas.microsoft.com/office/drawing/2014/main" id="{F18E505C-0E8D-5D4F-9340-1B44147C83AA}"/>
+              </a:ext>
+            </a:extLst>
+          </p:cNvPr>
+          <p:cNvSpPr/>
+          <p:nvPr/>
+        </p:nvSpPr>
+        <p:spPr>
+          <a:xfrm>
+            <a:off x="2049125" y="3186241"/>
+            <a:ext cx="1520674" cy="369332"/>
+          </a:xfrm>
+          <a:prstGeom prst="rect">
+            <a:avLst/>
+          </a:prstGeom>
+        </p:spPr>
+        <p:txBody>
+          <a:bodyPr wrap="none">
+            <a:spAutoFit/>
+          </a:bodyPr>
+          <a:lstStyle/>
+          <a:p>
+            <a:pPr algn="ctr"/>
+            <a:r>
+              <a:rPr lang="en-US" b="1" u="sng" dirty="0">
+                <a:solidFill>
+                  <a:srgbClr val="FF0000"/>
+                </a:solidFill>
+              </a:rPr>
+              <a:t>b tagging SF’s </a:t>
+            </a:r>
+          </a:p>
+        </p:txBody>
+      </p:sp>
+      <p:sp>
+        <p:nvSpPr>
+          <p:cNvPr id="20" name="Rectangle 19">
+            <a:extLst>
+              <a:ext uri="{FF2B5EF4-FFF2-40B4-BE49-F238E27FC236}">
+                <a16:creationId xmlns:a16="http://schemas.microsoft.com/office/drawing/2014/main" id="{67D4E5C2-0B92-0048-8D4F-4E4A55880973}"/>
+              </a:ext>
+            </a:extLst>
+          </p:cNvPr>
+          <p:cNvSpPr/>
+          <p:nvPr/>
+        </p:nvSpPr>
+        <p:spPr>
+          <a:xfrm>
+            <a:off x="8457894" y="3204932"/>
+            <a:ext cx="1849289" cy="369332"/>
+          </a:xfrm>
+          <a:prstGeom prst="rect">
+            <a:avLst/>
+          </a:prstGeom>
+        </p:spPr>
+        <p:txBody>
+          <a:bodyPr wrap="none">
+            <a:spAutoFit/>
+          </a:bodyPr>
+          <a:lstStyle/>
+          <a:p>
+            <a:pPr algn="ctr"/>
+            <a:r>
+              <a:rPr lang="en-US" b="1" u="sng" dirty="0">
+                <a:solidFill>
+                  <a:srgbClr val="FF0000"/>
+                </a:solidFill>
+              </a:rPr>
+              <a:t>No b tagging SF’s </a:t>
+            </a:r>
+          </a:p>
+        </p:txBody>
+      </p:sp>
     </p:spTree>
     <p:extLst>
       <p:ext uri="{BB962C8B-B14F-4D97-AF65-F5344CB8AC3E}">
-        <p14:creationId xmlns:p14="http://schemas.microsoft.com/office/powerpoint/2010/main" val="83094305"/>
+        <p14:creationId xmlns:p14="http://schemas.microsoft.com/office/powerpoint/2010/main" val="4150945209"/>
       </p:ext>
     </p:extLst>
   </p:cSld>
@@ -15272,8 +15208,8 @@
         </p:nvSpPr>
         <p:spPr>
           <a:xfrm>
-            <a:off x="2805007" y="33090"/>
-            <a:ext cx="6581985" cy="523220"/>
+            <a:off x="3276600" y="33090"/>
+            <a:ext cx="5638800" cy="523220"/>
           </a:xfrm>
           <a:prstGeom prst="rect">
             <a:avLst/>
@@ -15289,15 +15225,15 @@
             <a:pPr algn="ctr"/>
             <a:r>
               <a:rPr lang="en-US" sz="2800" u="sng" dirty="0"/>
-              <a:t>Data Vs MC Stacks for BDT output </a:t>
+              <a:t>Tag And Probe Calculations </a:t>
             </a:r>
             <a:r>
               <a:rPr lang="en-US" sz="2800" u="sng" dirty="0">
                 <a:solidFill>
-                  <a:srgbClr val="FF0000"/>
+                  <a:srgbClr val="00B050"/>
                 </a:solidFill>
               </a:rPr>
-              <a:t>2017</a:t>
+              <a:t>2018</a:t>
             </a:r>
             <a:r>
               <a:rPr lang="en-US" sz="2800" u="sng" dirty="0"/>
@@ -15440,40 +15376,244 @@
           </a:p>
         </p:txBody>
       </p:sp>
-      <p:pic>
-        <p:nvPicPr>
-          <p:cNvPr id="9" name="Picture 8">
+      <p:sp>
+        <p:nvSpPr>
+          <p:cNvPr id="2" name="Rectangle 1">
             <a:extLst>
               <a:ext uri="{FF2B5EF4-FFF2-40B4-BE49-F238E27FC236}">
-                <a16:creationId xmlns:a16="http://schemas.microsoft.com/office/drawing/2014/main" id="{13D08969-8D76-0B4A-9D6A-3E49FD898264}"/>
+                <a16:creationId xmlns:a16="http://schemas.microsoft.com/office/drawing/2014/main" id="{5C0AC30A-7E8B-5E44-B107-1CFE415896F6}"/>
               </a:ext>
             </a:extLst>
           </p:cNvPr>
-          <p:cNvPicPr>
-            <a:picLocks noChangeAspect="1"/>
-          </p:cNvPicPr>
+          <p:cNvSpPr/>
           <p:nvPr/>
-        </p:nvPicPr>
-        <p:blipFill>
-          <a:blip r:embed="rId2"/>
-          <a:stretch>
-            <a:fillRect/>
-          </a:stretch>
-        </p:blipFill>
-        <p:spPr>
-          <a:xfrm rot="5400000">
-            <a:off x="955524" y="105701"/>
-            <a:ext cx="4946952" cy="6858000"/>
+        </p:nvSpPr>
+        <p:spPr>
+          <a:xfrm>
+            <a:off x="1180718" y="1582339"/>
+            <a:ext cx="3804458" cy="3693319"/>
           </a:xfrm>
           <a:prstGeom prst="rect">
             <a:avLst/>
           </a:prstGeom>
         </p:spPr>
-      </p:pic>
+        <p:txBody>
+          <a:bodyPr wrap="square">
+            <a:spAutoFit/>
+          </a:bodyPr>
+          <a:lstStyle/>
+          <a:p>
+            <a:r>
+              <a:rPr lang="en-GR" dirty="0"/>
+              <a:t>Efficiency-- with tag SF's</a:t>
+            </a:r>
+          </a:p>
+          <a:p>
+            <a:r>
+              <a:rPr lang="en-GR" dirty="0">
+                <a:solidFill>
+                  <a:schemeClr val="tx1">
+                    <a:lumMod val="95000"/>
+                    <a:lumOff val="5000"/>
+                  </a:schemeClr>
+                </a:solidFill>
+              </a:rPr>
+              <a:t>eff data: 0.816 ± 0.032</a:t>
+            </a:r>
+          </a:p>
+          <a:p>
+            <a:r>
+              <a:rPr lang="en-GR" b="1" u="sng" dirty="0">
+                <a:solidFill>
+                  <a:srgbClr val="00B050"/>
+                </a:solidFill>
+              </a:rPr>
+              <a:t>eff ttbar: 0.839 ± 0.005</a:t>
+            </a:r>
+          </a:p>
+          <a:p>
+            <a:r>
+              <a:rPr lang="en-GR" dirty="0"/>
+              <a:t>-----------</a:t>
+            </a:r>
+          </a:p>
+          <a:p>
+            <a:r>
+              <a:rPr lang="en-GR" dirty="0"/>
+              <a:t>Efficiency per Pt region</a:t>
+            </a:r>
+          </a:p>
+          <a:p>
+            <a:r>
+              <a:rPr lang="en-GR" dirty="0"/>
+              <a:t>eff data pT[400-600]: 0.8176 ± 0.038</a:t>
+            </a:r>
+          </a:p>
+          <a:p>
+            <a:r>
+              <a:rPr lang="en-GR" dirty="0"/>
+              <a:t>eff ttbar pT[400-600]: 0.837 ± 0.006</a:t>
+            </a:r>
+          </a:p>
+          <a:p>
+            <a:r>
+              <a:rPr lang="en-GR" dirty="0"/>
+              <a:t>-----------</a:t>
+            </a:r>
+          </a:p>
+          <a:p>
+            <a:r>
+              <a:rPr lang="en-GR" dirty="0"/>
+              <a:t>eff data pT[600-800]: 0.809 ± 0.063</a:t>
+            </a:r>
+          </a:p>
+          <a:p>
+            <a:r>
+              <a:rPr lang="en-GR" dirty="0"/>
+              <a:t>eff ttbar pT[600-800]: 0.847 ± 0.013</a:t>
+            </a:r>
+          </a:p>
+          <a:p>
+            <a:r>
+              <a:rPr lang="en-GR" dirty="0"/>
+              <a:t>-----------</a:t>
+            </a:r>
+          </a:p>
+          <a:p>
+            <a:r>
+              <a:rPr lang="en-GR" dirty="0"/>
+              <a:t>eff data pT[800-Inf]: 0.772 ± 0.132</a:t>
+            </a:r>
+          </a:p>
+          <a:p>
+            <a:r>
+              <a:rPr lang="en-GR" dirty="0"/>
+              <a:t>eff ttbar pT[800-Inf]: 0.868 ± 0.032</a:t>
+            </a:r>
+          </a:p>
+        </p:txBody>
+      </p:sp>
+      <p:sp>
+        <p:nvSpPr>
+          <p:cNvPr id="4" name="Rectangle 3">
+            <a:extLst>
+              <a:ext uri="{FF2B5EF4-FFF2-40B4-BE49-F238E27FC236}">
+                <a16:creationId xmlns:a16="http://schemas.microsoft.com/office/drawing/2014/main" id="{6A55B372-F163-CB40-91A8-4182F6465250}"/>
+              </a:ext>
+            </a:extLst>
+          </p:cNvPr>
+          <p:cNvSpPr/>
+          <p:nvPr/>
+        </p:nvSpPr>
+        <p:spPr>
+          <a:xfrm>
+            <a:off x="7182145" y="1582339"/>
+            <a:ext cx="3804458" cy="3693319"/>
+          </a:xfrm>
+          <a:prstGeom prst="rect">
+            <a:avLst/>
+          </a:prstGeom>
+        </p:spPr>
+        <p:txBody>
+          <a:bodyPr wrap="square">
+            <a:spAutoFit/>
+          </a:bodyPr>
+          <a:lstStyle/>
+          <a:p>
+            <a:r>
+              <a:rPr lang="en-GR" dirty="0"/>
+              <a:t>Efficiency-- without tag sf's</a:t>
+            </a:r>
+          </a:p>
+          <a:p>
+            <a:r>
+              <a:rPr lang="en-GR" dirty="0">
+                <a:solidFill>
+                  <a:schemeClr val="tx1">
+                    <a:lumMod val="95000"/>
+                    <a:lumOff val="5000"/>
+                  </a:schemeClr>
+                </a:solidFill>
+              </a:rPr>
+              <a:t>eff data: 0.822 ± 0.034</a:t>
+            </a:r>
+          </a:p>
+          <a:p>
+            <a:r>
+              <a:rPr lang="en-GR" dirty="0">
+                <a:solidFill>
+                  <a:srgbClr val="00B050"/>
+                </a:solidFill>
+              </a:rPr>
+              <a:t>eff ttbar: 0.839 ± 0.005</a:t>
+            </a:r>
+          </a:p>
+          <a:p>
+            <a:r>
+              <a:rPr lang="en-GR" dirty="0"/>
+              <a:t>-----------</a:t>
+            </a:r>
+          </a:p>
+          <a:p>
+            <a:r>
+              <a:rPr lang="en-GR" dirty="0"/>
+              <a:t>Efficiency per Pt region</a:t>
+            </a:r>
+          </a:p>
+          <a:p>
+            <a:r>
+              <a:rPr lang="en-GR" dirty="0"/>
+              <a:t>eff data pT[400-600]: 0.824 ± 0.039</a:t>
+            </a:r>
+          </a:p>
+          <a:p>
+            <a:r>
+              <a:rPr lang="en-GR" dirty="0"/>
+              <a:t>eff ttbar pT[400-600]: 0.837 ± 0.006</a:t>
+            </a:r>
+          </a:p>
+          <a:p>
+            <a:r>
+              <a:rPr lang="en-GR" dirty="0"/>
+              <a:t>-----------</a:t>
+            </a:r>
+          </a:p>
+          <a:p>
+            <a:r>
+              <a:rPr lang="en-GR" dirty="0"/>
+              <a:t>eff data pT[600-800]: 0.819 ± 0.066</a:t>
+            </a:r>
+          </a:p>
+          <a:p>
+            <a:r>
+              <a:rPr lang="en-GR" dirty="0"/>
+              <a:t>eff ttbar pT[600-800]: 0.847 ± 0.013</a:t>
+            </a:r>
+          </a:p>
+          <a:p>
+            <a:r>
+              <a:rPr lang="en-GR" dirty="0"/>
+              <a:t>-----------</a:t>
+            </a:r>
+          </a:p>
+          <a:p>
+            <a:r>
+              <a:rPr lang="en-GR" dirty="0"/>
+              <a:t>eff data pT[800-Inf]: 0.789 ± 0.141</a:t>
+            </a:r>
+          </a:p>
+          <a:p>
+            <a:r>
+              <a:rPr lang="en-GR" dirty="0"/>
+              <a:t>eff ttbar pT[800-Inf]: 0.868 ± 0.032</a:t>
+            </a:r>
+          </a:p>
+        </p:txBody>
+      </p:sp>
     </p:spTree>
     <p:extLst>
       <p:ext uri="{BB962C8B-B14F-4D97-AF65-F5344CB8AC3E}">
-        <p14:creationId xmlns:p14="http://schemas.microsoft.com/office/powerpoint/2010/main" val="2071165039"/>
+        <p14:creationId xmlns:p14="http://schemas.microsoft.com/office/powerpoint/2010/main" val="4027163055"/>
       </p:ext>
     </p:extLst>
   </p:cSld>
@@ -15529,53 +15669,6 @@
       </p:sp>
       <p:sp>
         <p:nvSpPr>
-          <p:cNvPr id="7" name="TextBox 6"/>
-          <p:cNvSpPr txBox="1"/>
-          <p:nvPr/>
-        </p:nvSpPr>
-        <p:spPr>
-          <a:xfrm>
-            <a:off x="2805007" y="33090"/>
-            <a:ext cx="6581985" cy="523220"/>
-          </a:xfrm>
-          <a:prstGeom prst="rect">
-            <a:avLst/>
-          </a:prstGeom>
-          <a:noFill/>
-        </p:spPr>
-        <p:txBody>
-          <a:bodyPr wrap="square" rtlCol="0">
-            <a:spAutoFit/>
-          </a:bodyPr>
-          <a:lstStyle/>
-          <a:p>
-            <a:pPr algn="ctr"/>
-            <a:r>
-              <a:rPr lang="en-US" sz="2800" u="sng" dirty="0"/>
-              <a:t>Data Vs MC Stacks for BDT output </a:t>
-            </a:r>
-            <a:r>
-              <a:rPr lang="en-US" sz="2800" u="sng" dirty="0">
-                <a:solidFill>
-                  <a:srgbClr val="00B050"/>
-                </a:solidFill>
-              </a:rPr>
-              <a:t>2018</a:t>
-            </a:r>
-            <a:r>
-              <a:rPr lang="en-US" sz="2800" u="sng" dirty="0"/>
-              <a:t> </a:t>
-            </a:r>
-            <a:endParaRPr lang="en-US" sz="2800" u="sng" dirty="0">
-              <a:solidFill>
-                <a:srgbClr val="00B050"/>
-              </a:solidFill>
-            </a:endParaRPr>
-          </a:p>
-        </p:txBody>
-      </p:sp>
-      <p:sp>
-        <p:nvSpPr>
           <p:cNvPr id="5" name="Slide Number Placeholder 4">
             <a:extLst>
               <a:ext uri="{FF2B5EF4-FFF2-40B4-BE49-F238E27FC236}">
@@ -15625,7 +15718,7 @@
           <a:bodyPr/>
           <a:lstStyle/>
           <a:p>
-            <a:fld id="{3DBB7BD0-9B8D-1F47-8ABF-BE3CF9BD2848}" type="datetime1">
+            <a:fld id="{D52D66B2-0E0A-F441-A1DA-8039F615D612}" type="datetime1">
               <a:rPr lang="en-US" smtClean="0"/>
               <a:t>8/31/20</a:t>
             </a:fld>
@@ -15633,82 +15726,12 @@
           </a:p>
         </p:txBody>
       </p:sp>
-      <p:sp>
-        <p:nvSpPr>
-          <p:cNvPr id="6" name="Rectangle 5">
+      <p:pic>
+        <p:nvPicPr>
+          <p:cNvPr id="8" name="Picture 7">
             <a:extLst>
               <a:ext uri="{FF2B5EF4-FFF2-40B4-BE49-F238E27FC236}">
-                <a16:creationId xmlns:a16="http://schemas.microsoft.com/office/drawing/2014/main" id="{1D3A9800-C923-F943-ACA5-B4B9B9A1D73D}"/>
-              </a:ext>
-            </a:extLst>
-          </p:cNvPr>
-          <p:cNvSpPr/>
-          <p:nvPr/>
-        </p:nvSpPr>
-        <p:spPr>
-          <a:xfrm>
-            <a:off x="7939701" y="638586"/>
-            <a:ext cx="2289346" cy="369332"/>
-          </a:xfrm>
-          <a:prstGeom prst="rect">
-            <a:avLst/>
-          </a:prstGeom>
-        </p:spPr>
-        <p:txBody>
-          <a:bodyPr wrap="none">
-            <a:spAutoFit/>
-          </a:bodyPr>
-          <a:lstStyle/>
-          <a:p>
-            <a:pPr algn="ctr"/>
-            <a:r>
-              <a:rPr lang="en-US" u="sng" dirty="0"/>
-              <a:t>without b tagging SF’s </a:t>
-            </a:r>
-          </a:p>
-        </p:txBody>
-      </p:sp>
-      <p:sp>
-        <p:nvSpPr>
-          <p:cNvPr id="8" name="Rectangle 7">
-            <a:extLst>
-              <a:ext uri="{FF2B5EF4-FFF2-40B4-BE49-F238E27FC236}">
-                <a16:creationId xmlns:a16="http://schemas.microsoft.com/office/drawing/2014/main" id="{FE0D63A0-1633-E841-944F-B91BFC6F0FEB}"/>
-              </a:ext>
-            </a:extLst>
-          </p:cNvPr>
-          <p:cNvSpPr/>
-          <p:nvPr/>
-        </p:nvSpPr>
-        <p:spPr>
-          <a:xfrm>
-            <a:off x="2333415" y="638586"/>
-            <a:ext cx="1499065" cy="369332"/>
-          </a:xfrm>
-          <a:prstGeom prst="rect">
-            <a:avLst/>
-          </a:prstGeom>
-        </p:spPr>
-        <p:txBody>
-          <a:bodyPr wrap="none">
-            <a:spAutoFit/>
-          </a:bodyPr>
-          <a:lstStyle/>
-          <a:p>
-            <a:pPr algn="ctr"/>
-            <a:r>
-              <a:rPr lang="en-US" u="sng" dirty="0"/>
-              <a:t>b tagging SF’s </a:t>
-            </a:r>
-          </a:p>
-        </p:txBody>
-      </p:sp>
-      <p:pic>
-        <p:nvPicPr>
-          <p:cNvPr id="4" name="Picture 3">
-            <a:extLst>
-              <a:ext uri="{FF2B5EF4-FFF2-40B4-BE49-F238E27FC236}">
-                <a16:creationId xmlns:a16="http://schemas.microsoft.com/office/drawing/2014/main" id="{53CB29FE-D3FF-7140-B31A-B3D94133F50C}"/>
+                <a16:creationId xmlns:a16="http://schemas.microsoft.com/office/drawing/2014/main" id="{08124A33-50C0-BB46-BE06-3467BA03726B}"/>
               </a:ext>
             </a:extLst>
           </p:cNvPr>
@@ -15725,18 +15748,303 @@
         </p:blipFill>
         <p:spPr>
           <a:xfrm rot="5400000">
-            <a:off x="955524" y="134670"/>
-            <a:ext cx="4946952" cy="6858000"/>
+            <a:off x="7617875" y="-241793"/>
+            <a:ext cx="3012694" cy="4176522"/>
           </a:xfrm>
           <a:prstGeom prst="rect">
             <a:avLst/>
           </a:prstGeom>
         </p:spPr>
       </p:pic>
+      <p:pic>
+        <p:nvPicPr>
+          <p:cNvPr id="11" name="Picture 10">
+            <a:extLst>
+              <a:ext uri="{FF2B5EF4-FFF2-40B4-BE49-F238E27FC236}">
+                <a16:creationId xmlns:a16="http://schemas.microsoft.com/office/drawing/2014/main" id="{4744943B-E532-864E-8A77-D62B2B7A8DFA}"/>
+              </a:ext>
+            </a:extLst>
+          </p:cNvPr>
+          <p:cNvPicPr>
+            <a:picLocks noChangeAspect="1"/>
+          </p:cNvPicPr>
+          <p:nvPr/>
+        </p:nvPicPr>
+        <p:blipFill>
+          <a:blip r:embed="rId3"/>
+          <a:stretch>
+            <a:fillRect/>
+          </a:stretch>
+        </p:blipFill>
+        <p:spPr>
+          <a:xfrm rot="5400000">
+            <a:off x="7617875" y="2837987"/>
+            <a:ext cx="3012694" cy="4176522"/>
+          </a:xfrm>
+          <a:prstGeom prst="rect">
+            <a:avLst/>
+          </a:prstGeom>
+        </p:spPr>
+      </p:pic>
+      <p:sp>
+        <p:nvSpPr>
+          <p:cNvPr id="7" name="TextBox 6"/>
+          <p:cNvSpPr txBox="1"/>
+          <p:nvPr/>
+        </p:nvSpPr>
+        <p:spPr>
+          <a:xfrm>
+            <a:off x="3752850" y="-76347"/>
+            <a:ext cx="4686300" cy="523220"/>
+          </a:xfrm>
+          <a:prstGeom prst="rect">
+            <a:avLst/>
+          </a:prstGeom>
+          <a:noFill/>
+        </p:spPr>
+        <p:txBody>
+          <a:bodyPr wrap="square" rtlCol="0">
+            <a:spAutoFit/>
+          </a:bodyPr>
+          <a:lstStyle/>
+          <a:p>
+            <a:r>
+              <a:rPr lang="en-GR" sz="2800" u="sng" dirty="0"/>
+              <a:t>TagAndProbe Efficiency </a:t>
+            </a:r>
+            <a:r>
+              <a:rPr lang="en-US" sz="2800" u="sng" dirty="0"/>
+              <a:t>(</a:t>
+            </a:r>
+            <a:r>
+              <a:rPr lang="en-US" sz="2800" u="sng" dirty="0">
+                <a:solidFill>
+                  <a:srgbClr val="00B050"/>
+                </a:solidFill>
+              </a:rPr>
+              <a:t>2018</a:t>
+            </a:r>
+            <a:r>
+              <a:rPr lang="en-US" sz="2800" u="sng" dirty="0"/>
+              <a:t>)</a:t>
+            </a:r>
+          </a:p>
+        </p:txBody>
+      </p:sp>
+      <p:pic>
+        <p:nvPicPr>
+          <p:cNvPr id="4" name="Picture 3">
+            <a:extLst>
+              <a:ext uri="{FF2B5EF4-FFF2-40B4-BE49-F238E27FC236}">
+                <a16:creationId xmlns:a16="http://schemas.microsoft.com/office/drawing/2014/main" id="{5F632B27-92BD-1E45-8665-EF48ACC1307B}"/>
+              </a:ext>
+            </a:extLst>
+          </p:cNvPr>
+          <p:cNvPicPr>
+            <a:picLocks noChangeAspect="1"/>
+          </p:cNvPicPr>
+          <p:nvPr/>
+        </p:nvPicPr>
+        <p:blipFill>
+          <a:blip r:embed="rId4"/>
+          <a:stretch>
+            <a:fillRect/>
+          </a:stretch>
+        </p:blipFill>
+        <p:spPr>
+          <a:xfrm rot="5400000">
+            <a:off x="1204475" y="-241793"/>
+            <a:ext cx="3012694" cy="4176522"/>
+          </a:xfrm>
+          <a:prstGeom prst="rect">
+            <a:avLst/>
+          </a:prstGeom>
+        </p:spPr>
+      </p:pic>
+      <p:pic>
+        <p:nvPicPr>
+          <p:cNvPr id="9" name="Picture 8">
+            <a:extLst>
+              <a:ext uri="{FF2B5EF4-FFF2-40B4-BE49-F238E27FC236}">
+                <a16:creationId xmlns:a16="http://schemas.microsoft.com/office/drawing/2014/main" id="{CC987474-2518-244B-A899-90EA804E300B}"/>
+              </a:ext>
+            </a:extLst>
+          </p:cNvPr>
+          <p:cNvPicPr>
+            <a:picLocks noChangeAspect="1"/>
+          </p:cNvPicPr>
+          <p:nvPr/>
+        </p:nvPicPr>
+        <p:blipFill>
+          <a:blip r:embed="rId5"/>
+          <a:stretch>
+            <a:fillRect/>
+          </a:stretch>
+        </p:blipFill>
+        <p:spPr>
+          <a:xfrm rot="5400000">
+            <a:off x="1204475" y="2822489"/>
+            <a:ext cx="3012694" cy="4176522"/>
+          </a:xfrm>
+          <a:prstGeom prst="rect">
+            <a:avLst/>
+          </a:prstGeom>
+        </p:spPr>
+      </p:pic>
+      <p:sp>
+        <p:nvSpPr>
+          <p:cNvPr id="19" name="TextBox 18">
+            <a:extLst>
+              <a:ext uri="{FF2B5EF4-FFF2-40B4-BE49-F238E27FC236}">
+                <a16:creationId xmlns:a16="http://schemas.microsoft.com/office/drawing/2014/main" id="{87A7433F-F7CC-2844-A37A-B9EF728D6FE8}"/>
+              </a:ext>
+            </a:extLst>
+          </p:cNvPr>
+          <p:cNvSpPr txBox="1"/>
+          <p:nvPr/>
+        </p:nvSpPr>
+        <p:spPr>
+          <a:xfrm>
+            <a:off x="4271791" y="4994770"/>
+            <a:ext cx="3243263" cy="369332"/>
+          </a:xfrm>
+          <a:prstGeom prst="rect">
+            <a:avLst/>
+          </a:prstGeom>
+          <a:noFill/>
+        </p:spPr>
+        <p:txBody>
+          <a:bodyPr wrap="square" rtlCol="0">
+            <a:spAutoFit/>
+          </a:bodyPr>
+          <a:lstStyle/>
+          <a:p>
+            <a:pPr algn="ctr"/>
+            <a:r>
+              <a:rPr lang="en-GR" dirty="0"/>
+              <a:t>Tight TopTagger + Probe</a:t>
+            </a:r>
+          </a:p>
+        </p:txBody>
+      </p:sp>
+      <p:sp>
+        <p:nvSpPr>
+          <p:cNvPr id="18" name="TextBox 17">
+            <a:extLst>
+              <a:ext uri="{FF2B5EF4-FFF2-40B4-BE49-F238E27FC236}">
+                <a16:creationId xmlns:a16="http://schemas.microsoft.com/office/drawing/2014/main" id="{531AB382-FCD2-4B43-82A6-0D98FF6E618F}"/>
+              </a:ext>
+            </a:extLst>
+          </p:cNvPr>
+          <p:cNvSpPr txBox="1"/>
+          <p:nvPr/>
+        </p:nvSpPr>
+        <p:spPr>
+          <a:xfrm>
+            <a:off x="4271790" y="1557986"/>
+            <a:ext cx="3243263" cy="369332"/>
+          </a:xfrm>
+          <a:prstGeom prst="rect">
+            <a:avLst/>
+          </a:prstGeom>
+          <a:noFill/>
+        </p:spPr>
+        <p:txBody>
+          <a:bodyPr wrap="square" rtlCol="0">
+            <a:spAutoFit/>
+          </a:bodyPr>
+          <a:lstStyle/>
+          <a:p>
+            <a:pPr algn="ctr"/>
+            <a:r>
+              <a:rPr lang="en-GR" dirty="0"/>
+              <a:t>Tight TopTagger + SR TopTagger</a:t>
+            </a:r>
+          </a:p>
+        </p:txBody>
+      </p:sp>
+      <p:sp>
+        <p:nvSpPr>
+          <p:cNvPr id="17" name="Rectangle 16">
+            <a:extLst>
+              <a:ext uri="{FF2B5EF4-FFF2-40B4-BE49-F238E27FC236}">
+                <a16:creationId xmlns:a16="http://schemas.microsoft.com/office/drawing/2014/main" id="{7F2195D5-6AF3-B94D-B444-5C47384FD281}"/>
+              </a:ext>
+            </a:extLst>
+          </p:cNvPr>
+          <p:cNvSpPr/>
+          <p:nvPr/>
+        </p:nvSpPr>
+        <p:spPr>
+          <a:xfrm>
+            <a:off x="2049125" y="3186241"/>
+            <a:ext cx="1520674" cy="369332"/>
+          </a:xfrm>
+          <a:prstGeom prst="rect">
+            <a:avLst/>
+          </a:prstGeom>
+        </p:spPr>
+        <p:txBody>
+          <a:bodyPr wrap="none">
+            <a:spAutoFit/>
+          </a:bodyPr>
+          <a:lstStyle/>
+          <a:p>
+            <a:pPr algn="ctr"/>
+            <a:r>
+              <a:rPr lang="en-US" b="1" u="sng" dirty="0">
+                <a:solidFill>
+                  <a:srgbClr val="FF0000"/>
+                </a:solidFill>
+              </a:rPr>
+              <a:t>b tagging SF’s </a:t>
+            </a:r>
+          </a:p>
+        </p:txBody>
+      </p:sp>
+      <p:sp>
+        <p:nvSpPr>
+          <p:cNvPr id="20" name="Rectangle 19">
+            <a:extLst>
+              <a:ext uri="{FF2B5EF4-FFF2-40B4-BE49-F238E27FC236}">
+                <a16:creationId xmlns:a16="http://schemas.microsoft.com/office/drawing/2014/main" id="{43E24579-13E4-6140-97A9-7386D280E896}"/>
+              </a:ext>
+            </a:extLst>
+          </p:cNvPr>
+          <p:cNvSpPr/>
+          <p:nvPr/>
+        </p:nvSpPr>
+        <p:spPr>
+          <a:xfrm>
+            <a:off x="8457894" y="3204932"/>
+            <a:ext cx="1849289" cy="369332"/>
+          </a:xfrm>
+          <a:prstGeom prst="rect">
+            <a:avLst/>
+          </a:prstGeom>
+        </p:spPr>
+        <p:txBody>
+          <a:bodyPr wrap="none">
+            <a:spAutoFit/>
+          </a:bodyPr>
+          <a:lstStyle/>
+          <a:p>
+            <a:pPr algn="ctr"/>
+            <a:r>
+              <a:rPr lang="en-US" b="1" u="sng" dirty="0">
+                <a:solidFill>
+                  <a:srgbClr val="FF0000"/>
+                </a:solidFill>
+              </a:rPr>
+              <a:t>No b tagging SF’s </a:t>
+            </a:r>
+          </a:p>
+        </p:txBody>
+      </p:sp>
     </p:spTree>
     <p:extLst>
       <p:ext uri="{BB962C8B-B14F-4D97-AF65-F5344CB8AC3E}">
-        <p14:creationId xmlns:p14="http://schemas.microsoft.com/office/powerpoint/2010/main" val="1051090531"/>
+        <p14:creationId xmlns:p14="http://schemas.microsoft.com/office/powerpoint/2010/main" val="270366993"/>
       </p:ext>
     </p:extLst>
   </p:cSld>
@@ -16960,8 +17268,8 @@
         </p:nvSpPr>
         <p:spPr>
           <a:xfrm>
-            <a:off x="3276600" y="2640823"/>
-            <a:ext cx="5638800" cy="523220"/>
+            <a:off x="2805007" y="33090"/>
+            <a:ext cx="6581985" cy="523220"/>
           </a:xfrm>
           <a:prstGeom prst="rect">
             <a:avLst/>
@@ -16977,8 +17285,25 @@
             <a:pPr algn="ctr"/>
             <a:r>
               <a:rPr lang="en-US" sz="2800" u="sng" dirty="0"/>
-              <a:t>BACKUP SLIDES</a:t>
-            </a:r>
+              <a:t>Data Vs MC Stacks for BDT output </a:t>
+            </a:r>
+            <a:r>
+              <a:rPr lang="en-US" sz="2800" u="sng" dirty="0">
+                <a:solidFill>
+                  <a:srgbClr val="00B0F0"/>
+                </a:solidFill>
+              </a:rPr>
+              <a:t>2016</a:t>
+            </a:r>
+            <a:r>
+              <a:rPr lang="en-US" sz="2800" u="sng" dirty="0"/>
+              <a:t> </a:t>
+            </a:r>
+            <a:endParaRPr lang="en-US" sz="2800" u="sng" dirty="0">
+              <a:solidFill>
+                <a:srgbClr val="00B050"/>
+              </a:solidFill>
+            </a:endParaRPr>
           </a:p>
         </p:txBody>
       </p:sp>
@@ -17041,10 +17366,140 @@
           </a:p>
         </p:txBody>
       </p:sp>
+      <p:sp>
+        <p:nvSpPr>
+          <p:cNvPr id="6" name="Rectangle 5">
+            <a:extLst>
+              <a:ext uri="{FF2B5EF4-FFF2-40B4-BE49-F238E27FC236}">
+                <a16:creationId xmlns:a16="http://schemas.microsoft.com/office/drawing/2014/main" id="{1D3A9800-C923-F943-ACA5-B4B9B9A1D73D}"/>
+              </a:ext>
+            </a:extLst>
+          </p:cNvPr>
+          <p:cNvSpPr/>
+          <p:nvPr/>
+        </p:nvSpPr>
+        <p:spPr>
+          <a:xfrm>
+            <a:off x="7939701" y="638586"/>
+            <a:ext cx="2289346" cy="369332"/>
+          </a:xfrm>
+          <a:prstGeom prst="rect">
+            <a:avLst/>
+          </a:prstGeom>
+        </p:spPr>
+        <p:txBody>
+          <a:bodyPr wrap="none">
+            <a:spAutoFit/>
+          </a:bodyPr>
+          <a:lstStyle/>
+          <a:p>
+            <a:pPr algn="ctr"/>
+            <a:r>
+              <a:rPr lang="en-US" u="sng" dirty="0"/>
+              <a:t>without b tagging SF’s </a:t>
+            </a:r>
+          </a:p>
+        </p:txBody>
+      </p:sp>
+      <p:sp>
+        <p:nvSpPr>
+          <p:cNvPr id="8" name="Rectangle 7">
+            <a:extLst>
+              <a:ext uri="{FF2B5EF4-FFF2-40B4-BE49-F238E27FC236}">
+                <a16:creationId xmlns:a16="http://schemas.microsoft.com/office/drawing/2014/main" id="{FE0D63A0-1633-E841-944F-B91BFC6F0FEB}"/>
+              </a:ext>
+            </a:extLst>
+          </p:cNvPr>
+          <p:cNvSpPr/>
+          <p:nvPr/>
+        </p:nvSpPr>
+        <p:spPr>
+          <a:xfrm>
+            <a:off x="2333415" y="638586"/>
+            <a:ext cx="1499065" cy="369332"/>
+          </a:xfrm>
+          <a:prstGeom prst="rect">
+            <a:avLst/>
+          </a:prstGeom>
+        </p:spPr>
+        <p:txBody>
+          <a:bodyPr wrap="none">
+            <a:spAutoFit/>
+          </a:bodyPr>
+          <a:lstStyle/>
+          <a:p>
+            <a:pPr algn="ctr"/>
+            <a:r>
+              <a:rPr lang="en-US" u="sng" dirty="0"/>
+              <a:t>b tagging SF’s </a:t>
+            </a:r>
+          </a:p>
+        </p:txBody>
+      </p:sp>
+      <p:pic>
+        <p:nvPicPr>
+          <p:cNvPr id="4" name="Picture 3">
+            <a:extLst>
+              <a:ext uri="{FF2B5EF4-FFF2-40B4-BE49-F238E27FC236}">
+                <a16:creationId xmlns:a16="http://schemas.microsoft.com/office/drawing/2014/main" id="{0479B1E7-F202-554C-ADE3-707F5402EA48}"/>
+              </a:ext>
+            </a:extLst>
+          </p:cNvPr>
+          <p:cNvPicPr>
+            <a:picLocks noChangeAspect="1"/>
+          </p:cNvPicPr>
+          <p:nvPr/>
+        </p:nvPicPr>
+        <p:blipFill>
+          <a:blip r:embed="rId2"/>
+          <a:stretch>
+            <a:fillRect/>
+          </a:stretch>
+        </p:blipFill>
+        <p:spPr>
+          <a:xfrm rot="5400000">
+            <a:off x="832739" y="440626"/>
+            <a:ext cx="4311269" cy="5976747"/>
+          </a:xfrm>
+          <a:prstGeom prst="rect">
+            <a:avLst/>
+          </a:prstGeom>
+        </p:spPr>
+      </p:pic>
+      <p:pic>
+        <p:nvPicPr>
+          <p:cNvPr id="10" name="Picture 9">
+            <a:extLst>
+              <a:ext uri="{FF2B5EF4-FFF2-40B4-BE49-F238E27FC236}">
+                <a16:creationId xmlns:a16="http://schemas.microsoft.com/office/drawing/2014/main" id="{B59D90DA-3524-084C-9B71-560A98282EE8}"/>
+              </a:ext>
+            </a:extLst>
+          </p:cNvPr>
+          <p:cNvPicPr>
+            <a:picLocks noChangeAspect="1"/>
+          </p:cNvPicPr>
+          <p:nvPr/>
+        </p:nvPicPr>
+        <p:blipFill>
+          <a:blip r:embed="rId3"/>
+          <a:stretch>
+            <a:fillRect/>
+          </a:stretch>
+        </p:blipFill>
+        <p:spPr>
+          <a:xfrm rot="5400000">
+            <a:off x="6928739" y="440626"/>
+            <a:ext cx="4311269" cy="5976747"/>
+          </a:xfrm>
+          <a:prstGeom prst="rect">
+            <a:avLst/>
+          </a:prstGeom>
+        </p:spPr>
+      </p:pic>
     </p:spTree>
     <p:extLst>
       <p:ext uri="{BB962C8B-B14F-4D97-AF65-F5344CB8AC3E}">
-        <p14:creationId xmlns:p14="http://schemas.microsoft.com/office/powerpoint/2010/main" val="1998869109"/>
+        <p14:creationId xmlns:p14="http://schemas.microsoft.com/office/powerpoint/2010/main" val="83094305"/>
       </p:ext>
     </p:extLst>
   </p:cSld>
@@ -17106,8 +17561,8 @@
         </p:nvSpPr>
         <p:spPr>
           <a:xfrm>
-            <a:off x="504044" y="33090"/>
-            <a:ext cx="10940340" cy="523220"/>
+            <a:off x="2805007" y="33090"/>
+            <a:ext cx="6581985" cy="523220"/>
           </a:xfrm>
           <a:prstGeom prst="rect">
             <a:avLst/>
@@ -17123,16 +17578,25 @@
             <a:pPr algn="ctr"/>
             <a:r>
               <a:rPr lang="en-US" sz="2800" u="sng" dirty="0"/>
-              <a:t>Response Matrices </a:t>
+              <a:t>Data Vs MC Stacks for BDT output </a:t>
             </a:r>
             <a:r>
               <a:rPr lang="en-US" sz="2800" u="sng" dirty="0">
                 <a:solidFill>
-                  <a:srgbClr val="00B0F0"/>
+                  <a:srgbClr val="FF0000"/>
                 </a:solidFill>
               </a:rPr>
-              <a:t>2016</a:t>
-            </a:r>
+              <a:t>2017</a:t>
+            </a:r>
+            <a:r>
+              <a:rPr lang="en-US" sz="2800" u="sng" dirty="0"/>
+              <a:t> </a:t>
+            </a:r>
+            <a:endParaRPr lang="en-US" sz="2800" u="sng" dirty="0">
+              <a:solidFill>
+                <a:srgbClr val="00B050"/>
+              </a:solidFill>
+            </a:endParaRPr>
           </a:p>
         </p:txBody>
       </p:sp>
@@ -17187,7 +17651,7 @@
           <a:bodyPr/>
           <a:lstStyle/>
           <a:p>
-            <a:fld id="{01554C39-4607-164F-AA23-65A72270ACF7}" type="datetime1">
+            <a:fld id="{3DBB7BD0-9B8D-1F47-8ABF-BE3CF9BD2848}" type="datetime1">
               <a:rPr lang="en-US" smtClean="0"/>
               <a:t>8/31/20</a:t>
             </a:fld>
@@ -17197,10 +17661,10 @@
       </p:sp>
       <p:sp>
         <p:nvSpPr>
-          <p:cNvPr id="8" name="Rectangle 7">
+          <p:cNvPr id="6" name="Rectangle 5">
             <a:extLst>
               <a:ext uri="{FF2B5EF4-FFF2-40B4-BE49-F238E27FC236}">
-                <a16:creationId xmlns:a16="http://schemas.microsoft.com/office/drawing/2014/main" id="{137E0740-341B-B64B-AE26-A2C5357809F1}"/>
+                <a16:creationId xmlns:a16="http://schemas.microsoft.com/office/drawing/2014/main" id="{1D3A9800-C923-F943-ACA5-B4B9B9A1D73D}"/>
               </a:ext>
             </a:extLst>
           </p:cNvPr>
@@ -17232,10 +17696,10 @@
       </p:sp>
       <p:sp>
         <p:nvSpPr>
-          <p:cNvPr id="15" name="Rectangle 14">
+          <p:cNvPr id="8" name="Rectangle 7">
             <a:extLst>
               <a:ext uri="{FF2B5EF4-FFF2-40B4-BE49-F238E27FC236}">
-                <a16:creationId xmlns:a16="http://schemas.microsoft.com/office/drawing/2014/main" id="{F855E7F2-8E22-A345-8A7F-56F49B61AE54}"/>
+                <a16:creationId xmlns:a16="http://schemas.microsoft.com/office/drawing/2014/main" id="{FE0D63A0-1633-E841-944F-B91BFC6F0FEB}"/>
               </a:ext>
             </a:extLst>
           </p:cNvPr>
@@ -17267,10 +17731,10 @@
       </p:sp>
       <p:pic>
         <p:nvPicPr>
-          <p:cNvPr id="6" name="Picture 5">
+          <p:cNvPr id="4" name="Picture 3">
             <a:extLst>
               <a:ext uri="{FF2B5EF4-FFF2-40B4-BE49-F238E27FC236}">
-                <a16:creationId xmlns:a16="http://schemas.microsoft.com/office/drawing/2014/main" id="{B916B196-3F50-1042-AB31-52400AFC2C68}"/>
+                <a16:creationId xmlns:a16="http://schemas.microsoft.com/office/drawing/2014/main" id="{A37CDE29-0165-8540-AFD9-47BF96CD3E63}"/>
               </a:ext>
             </a:extLst>
           </p:cNvPr>
@@ -17287,7 +17751,7 @@
         </p:blipFill>
         <p:spPr>
           <a:xfrm rot="5400000">
-            <a:off x="951992" y="691187"/>
+            <a:off x="927312" y="440626"/>
             <a:ext cx="4311269" cy="5976747"/>
           </a:xfrm>
           <a:prstGeom prst="rect">
@@ -17300,7 +17764,7 @@
           <p:cNvPr id="11" name="Picture 10">
             <a:extLst>
               <a:ext uri="{FF2B5EF4-FFF2-40B4-BE49-F238E27FC236}">
-                <a16:creationId xmlns:a16="http://schemas.microsoft.com/office/drawing/2014/main" id="{6FB3C2F5-1028-5449-B5C2-93EE2A79669C}"/>
+                <a16:creationId xmlns:a16="http://schemas.microsoft.com/office/drawing/2014/main" id="{F1BD224C-3E78-0A47-9667-7B654BD6FB2A}"/>
               </a:ext>
             </a:extLst>
           </p:cNvPr>
@@ -17317,7 +17781,7 @@
         </p:blipFill>
         <p:spPr>
           <a:xfrm rot="5400000">
-            <a:off x="7047992" y="691187"/>
+            <a:off x="6904059" y="440626"/>
             <a:ext cx="4311269" cy="5976747"/>
           </a:xfrm>
           <a:prstGeom prst="rect">
@@ -17328,7 +17792,7 @@
     </p:spTree>
     <p:extLst>
       <p:ext uri="{BB962C8B-B14F-4D97-AF65-F5344CB8AC3E}">
-        <p14:creationId xmlns:p14="http://schemas.microsoft.com/office/powerpoint/2010/main" val="1218244233"/>
+        <p14:creationId xmlns:p14="http://schemas.microsoft.com/office/powerpoint/2010/main" val="2071165039"/>
       </p:ext>
     </p:extLst>
   </p:cSld>
@@ -17390,8 +17854,8 @@
         </p:nvSpPr>
         <p:spPr>
           <a:xfrm>
-            <a:off x="504044" y="33090"/>
-            <a:ext cx="10940340" cy="523220"/>
+            <a:off x="2805007" y="33090"/>
+            <a:ext cx="6581985" cy="523220"/>
           </a:xfrm>
           <a:prstGeom prst="rect">
             <a:avLst/>
@@ -17407,16 +17871,25 @@
             <a:pPr algn="ctr"/>
             <a:r>
               <a:rPr lang="en-US" sz="2800" u="sng" dirty="0"/>
-              <a:t>Response Matrices </a:t>
+              <a:t>Data Vs MC Stacks for BDT output </a:t>
             </a:r>
             <a:r>
               <a:rPr lang="en-US" sz="2800" u="sng" dirty="0">
                 <a:solidFill>
-                  <a:srgbClr val="FF0000"/>
+                  <a:srgbClr val="00B050"/>
                 </a:solidFill>
               </a:rPr>
-              <a:t>2017</a:t>
-            </a:r>
+              <a:t>2018</a:t>
+            </a:r>
+            <a:r>
+              <a:rPr lang="en-US" sz="2800" u="sng" dirty="0"/>
+              <a:t> </a:t>
+            </a:r>
+            <a:endParaRPr lang="en-US" sz="2800" u="sng" dirty="0">
+              <a:solidFill>
+                <a:srgbClr val="00B050"/>
+              </a:solidFill>
+            </a:endParaRPr>
           </a:p>
         </p:txBody>
       </p:sp>
@@ -17471,7 +17944,7 @@
           <a:bodyPr/>
           <a:lstStyle/>
           <a:p>
-            <a:fld id="{01554C39-4607-164F-AA23-65A72270ACF7}" type="datetime1">
+            <a:fld id="{3DBB7BD0-9B8D-1F47-8ABF-BE3CF9BD2848}" type="datetime1">
               <a:rPr lang="en-US" smtClean="0"/>
               <a:t>8/31/20</a:t>
             </a:fld>
@@ -17481,10 +17954,10 @@
       </p:sp>
       <p:sp>
         <p:nvSpPr>
-          <p:cNvPr id="8" name="Rectangle 7">
+          <p:cNvPr id="6" name="Rectangle 5">
             <a:extLst>
               <a:ext uri="{FF2B5EF4-FFF2-40B4-BE49-F238E27FC236}">
-                <a16:creationId xmlns:a16="http://schemas.microsoft.com/office/drawing/2014/main" id="{137E0740-341B-B64B-AE26-A2C5357809F1}"/>
+                <a16:creationId xmlns:a16="http://schemas.microsoft.com/office/drawing/2014/main" id="{1D3A9800-C923-F943-ACA5-B4B9B9A1D73D}"/>
               </a:ext>
             </a:extLst>
           </p:cNvPr>
@@ -17516,10 +17989,10 @@
       </p:sp>
       <p:sp>
         <p:nvSpPr>
-          <p:cNvPr id="15" name="Rectangle 14">
+          <p:cNvPr id="8" name="Rectangle 7">
             <a:extLst>
               <a:ext uri="{FF2B5EF4-FFF2-40B4-BE49-F238E27FC236}">
-                <a16:creationId xmlns:a16="http://schemas.microsoft.com/office/drawing/2014/main" id="{F855E7F2-8E22-A345-8A7F-56F49B61AE54}"/>
+                <a16:creationId xmlns:a16="http://schemas.microsoft.com/office/drawing/2014/main" id="{FE0D63A0-1633-E841-944F-B91BFC6F0FEB}"/>
               </a:ext>
             </a:extLst>
           </p:cNvPr>
@@ -17551,10 +18024,10 @@
       </p:sp>
       <p:pic>
         <p:nvPicPr>
-          <p:cNvPr id="4" name="Picture 3">
+          <p:cNvPr id="9" name="Picture 8">
             <a:extLst>
               <a:ext uri="{FF2B5EF4-FFF2-40B4-BE49-F238E27FC236}">
-                <a16:creationId xmlns:a16="http://schemas.microsoft.com/office/drawing/2014/main" id="{22F19D61-6B3F-2C4C-B756-CB9ED5548A92}"/>
+                <a16:creationId xmlns:a16="http://schemas.microsoft.com/office/drawing/2014/main" id="{2E336555-93F3-FD4F-B090-6BE11BE0DBFF}"/>
               </a:ext>
             </a:extLst>
           </p:cNvPr>
@@ -17571,7 +18044,7 @@
         </p:blipFill>
         <p:spPr>
           <a:xfrm rot="5400000">
-            <a:off x="832739" y="702986"/>
+            <a:off x="951991" y="439725"/>
             <a:ext cx="4311269" cy="5976747"/>
           </a:xfrm>
           <a:prstGeom prst="rect">
@@ -17581,10 +18054,10 @@
       </p:pic>
       <p:pic>
         <p:nvPicPr>
-          <p:cNvPr id="9" name="Picture 8">
+          <p:cNvPr id="11" name="Picture 10">
             <a:extLst>
               <a:ext uri="{FF2B5EF4-FFF2-40B4-BE49-F238E27FC236}">
-                <a16:creationId xmlns:a16="http://schemas.microsoft.com/office/drawing/2014/main" id="{88C1BB65-3065-F74E-B7A9-01E27DF2352D}"/>
+                <a16:creationId xmlns:a16="http://schemas.microsoft.com/office/drawing/2014/main" id="{10CBFBAD-304D-7948-AD39-DEB83BD977DD}"/>
               </a:ext>
             </a:extLst>
           </p:cNvPr>
@@ -17601,7 +18074,7 @@
         </p:blipFill>
         <p:spPr>
           <a:xfrm rot="5400000">
-            <a:off x="6953421" y="702986"/>
+            <a:off x="6928738" y="439724"/>
             <a:ext cx="4311269" cy="5976747"/>
           </a:xfrm>
           <a:prstGeom prst="rect">
@@ -17612,7 +18085,7 @@
     </p:spTree>
     <p:extLst>
       <p:ext uri="{BB962C8B-B14F-4D97-AF65-F5344CB8AC3E}">
-        <p14:creationId xmlns:p14="http://schemas.microsoft.com/office/powerpoint/2010/main" val="585653806"/>
+        <p14:creationId xmlns:p14="http://schemas.microsoft.com/office/powerpoint/2010/main" val="1051090531"/>
       </p:ext>
     </p:extLst>
   </p:cSld>
@@ -17674,8 +18147,8 @@
         </p:nvSpPr>
         <p:spPr>
           <a:xfrm>
-            <a:off x="504044" y="33090"/>
-            <a:ext cx="10940340" cy="523220"/>
+            <a:off x="3276600" y="2640823"/>
+            <a:ext cx="5638800" cy="523220"/>
           </a:xfrm>
           <a:prstGeom prst="rect">
             <a:avLst/>
@@ -17691,15 +18164,7 @@
             <a:pPr algn="ctr"/>
             <a:r>
               <a:rPr lang="en-US" sz="2800" u="sng" dirty="0"/>
-              <a:t>Response Matrices </a:t>
-            </a:r>
-            <a:r>
-              <a:rPr lang="en-US" sz="2800" u="sng" dirty="0">
-                <a:solidFill>
-                  <a:srgbClr val="00B050"/>
-                </a:solidFill>
-              </a:rPr>
-              <a:t>2018</a:t>
+              <a:t>BACKUP SLIDES</a:t>
             </a:r>
           </a:p>
         </p:txBody>
@@ -17729,6 +18194,728 @@
               <a:rPr lang="en-US" smtClean="0"/>
               <a:pPr/>
               <a:t>33</a:t>
+            </a:fld>
+            <a:endParaRPr lang="en-US" dirty="0"/>
+          </a:p>
+        </p:txBody>
+      </p:sp>
+      <p:sp>
+        <p:nvSpPr>
+          <p:cNvPr id="24" name="Date Placeholder 23">
+            <a:extLst>
+              <a:ext uri="{FF2B5EF4-FFF2-40B4-BE49-F238E27FC236}">
+                <a16:creationId xmlns:a16="http://schemas.microsoft.com/office/drawing/2014/main" id="{056D71EF-2E89-4043-8F92-90A4D46A3E69}"/>
+              </a:ext>
+            </a:extLst>
+          </p:cNvPr>
+          <p:cNvSpPr>
+            <a:spLocks noGrp="1"/>
+          </p:cNvSpPr>
+          <p:nvPr>
+            <p:ph type="dt" sz="half" idx="10"/>
+          </p:nvPr>
+        </p:nvSpPr>
+        <p:spPr/>
+        <p:txBody>
+          <a:bodyPr/>
+          <a:lstStyle/>
+          <a:p>
+            <a:fld id="{3DBB7BD0-9B8D-1F47-8ABF-BE3CF9BD2848}" type="datetime1">
+              <a:rPr lang="en-US" smtClean="0"/>
+              <a:t>8/31/20</a:t>
+            </a:fld>
+            <a:endParaRPr lang="en-US" dirty="0"/>
+          </a:p>
+        </p:txBody>
+      </p:sp>
+    </p:spTree>
+    <p:extLst>
+      <p:ext uri="{BB962C8B-B14F-4D97-AF65-F5344CB8AC3E}">
+        <p14:creationId xmlns:p14="http://schemas.microsoft.com/office/powerpoint/2010/main" val="1998869109"/>
+      </p:ext>
+    </p:extLst>
+  </p:cSld>
+  <p:clrMapOvr>
+    <a:masterClrMapping/>
+  </p:clrMapOvr>
+</p:sld>
+</file>
+
+<file path=ppt/slides/slide34.xml><?xml version="1.0" encoding="utf-8"?>
+<p:sld xmlns:a="http://schemas.openxmlformats.org/drawingml/2006/main" xmlns:r="http://schemas.openxmlformats.org/officeDocument/2006/relationships" xmlns:p="http://schemas.openxmlformats.org/presentationml/2006/main">
+  <p:cSld>
+    <p:spTree>
+      <p:nvGrpSpPr>
+        <p:cNvPr id="1" name=""/>
+        <p:cNvGrpSpPr/>
+        <p:nvPr/>
+      </p:nvGrpSpPr>
+      <p:grpSpPr>
+        <a:xfrm>
+          <a:off x="0" y="0"/>
+          <a:ext cx="0" cy="0"/>
+          <a:chOff x="0" y="0"/>
+          <a:chExt cx="0" cy="0"/>
+        </a:xfrm>
+      </p:grpSpPr>
+      <p:sp>
+        <p:nvSpPr>
+          <p:cNvPr id="3" name="Footer Placeholder 2"/>
+          <p:cNvSpPr>
+            <a:spLocks noGrp="1"/>
+          </p:cNvSpPr>
+          <p:nvPr>
+            <p:ph type="ftr" sz="quarter" idx="11"/>
+          </p:nvPr>
+        </p:nvSpPr>
+        <p:spPr/>
+        <p:txBody>
+          <a:bodyPr/>
+          <a:lstStyle/>
+          <a:p>
+            <a:r>
+              <a:rPr lang="fi-FI" dirty="0"/>
+              <a:t>NTUA G. </a:t>
+            </a:r>
+            <a:r>
+              <a:rPr lang="fi-FI" dirty="0" err="1"/>
+              <a:t>Bakas</a:t>
+            </a:r>
+            <a:endParaRPr lang="en-US" dirty="0"/>
+          </a:p>
+        </p:txBody>
+      </p:sp>
+      <p:sp>
+        <p:nvSpPr>
+          <p:cNvPr id="7" name="TextBox 6"/>
+          <p:cNvSpPr txBox="1"/>
+          <p:nvPr/>
+        </p:nvSpPr>
+        <p:spPr>
+          <a:xfrm>
+            <a:off x="504044" y="33090"/>
+            <a:ext cx="10940340" cy="523220"/>
+          </a:xfrm>
+          <a:prstGeom prst="rect">
+            <a:avLst/>
+          </a:prstGeom>
+          <a:noFill/>
+        </p:spPr>
+        <p:txBody>
+          <a:bodyPr wrap="square" rtlCol="0">
+            <a:spAutoFit/>
+          </a:bodyPr>
+          <a:lstStyle/>
+          <a:p>
+            <a:pPr algn="ctr"/>
+            <a:r>
+              <a:rPr lang="en-US" sz="2800" u="sng" dirty="0"/>
+              <a:t>Response Matrices </a:t>
+            </a:r>
+            <a:r>
+              <a:rPr lang="en-US" sz="2800" u="sng" dirty="0">
+                <a:solidFill>
+                  <a:srgbClr val="00B0F0"/>
+                </a:solidFill>
+              </a:rPr>
+              <a:t>2016</a:t>
+            </a:r>
+          </a:p>
+        </p:txBody>
+      </p:sp>
+      <p:sp>
+        <p:nvSpPr>
+          <p:cNvPr id="5" name="Slide Number Placeholder 4">
+            <a:extLst>
+              <a:ext uri="{FF2B5EF4-FFF2-40B4-BE49-F238E27FC236}">
+                <a16:creationId xmlns:a16="http://schemas.microsoft.com/office/drawing/2014/main" id="{69A96869-DB60-5345-ACD9-F1C41035B064}"/>
+              </a:ext>
+            </a:extLst>
+          </p:cNvPr>
+          <p:cNvSpPr>
+            <a:spLocks noGrp="1"/>
+          </p:cNvSpPr>
+          <p:nvPr>
+            <p:ph type="sldNum" sz="quarter" idx="12"/>
+          </p:nvPr>
+        </p:nvSpPr>
+        <p:spPr/>
+        <p:txBody>
+          <a:bodyPr/>
+          <a:lstStyle/>
+          <a:p>
+            <a:fld id="{4FAB73BC-B049-4115-A692-8D63A059BFB8}" type="slidenum">
+              <a:rPr lang="en-US" smtClean="0"/>
+              <a:pPr/>
+              <a:t>34</a:t>
+            </a:fld>
+            <a:endParaRPr lang="en-US" dirty="0"/>
+          </a:p>
+        </p:txBody>
+      </p:sp>
+      <p:sp>
+        <p:nvSpPr>
+          <p:cNvPr id="24" name="Date Placeholder 23">
+            <a:extLst>
+              <a:ext uri="{FF2B5EF4-FFF2-40B4-BE49-F238E27FC236}">
+                <a16:creationId xmlns:a16="http://schemas.microsoft.com/office/drawing/2014/main" id="{056D71EF-2E89-4043-8F92-90A4D46A3E69}"/>
+              </a:ext>
+            </a:extLst>
+          </p:cNvPr>
+          <p:cNvSpPr>
+            <a:spLocks noGrp="1"/>
+          </p:cNvSpPr>
+          <p:nvPr>
+            <p:ph type="dt" sz="half" idx="10"/>
+          </p:nvPr>
+        </p:nvSpPr>
+        <p:spPr/>
+        <p:txBody>
+          <a:bodyPr/>
+          <a:lstStyle/>
+          <a:p>
+            <a:fld id="{01554C39-4607-164F-AA23-65A72270ACF7}" type="datetime1">
+              <a:rPr lang="en-US" smtClean="0"/>
+              <a:t>8/31/20</a:t>
+            </a:fld>
+            <a:endParaRPr lang="en-US" dirty="0"/>
+          </a:p>
+        </p:txBody>
+      </p:sp>
+      <p:sp>
+        <p:nvSpPr>
+          <p:cNvPr id="8" name="Rectangle 7">
+            <a:extLst>
+              <a:ext uri="{FF2B5EF4-FFF2-40B4-BE49-F238E27FC236}">
+                <a16:creationId xmlns:a16="http://schemas.microsoft.com/office/drawing/2014/main" id="{137E0740-341B-B64B-AE26-A2C5357809F1}"/>
+              </a:ext>
+            </a:extLst>
+          </p:cNvPr>
+          <p:cNvSpPr/>
+          <p:nvPr/>
+        </p:nvSpPr>
+        <p:spPr>
+          <a:xfrm>
+            <a:off x="7939701" y="638586"/>
+            <a:ext cx="2289346" cy="369332"/>
+          </a:xfrm>
+          <a:prstGeom prst="rect">
+            <a:avLst/>
+          </a:prstGeom>
+        </p:spPr>
+        <p:txBody>
+          <a:bodyPr wrap="none">
+            <a:spAutoFit/>
+          </a:bodyPr>
+          <a:lstStyle/>
+          <a:p>
+            <a:pPr algn="ctr"/>
+            <a:r>
+              <a:rPr lang="en-US" u="sng" dirty="0"/>
+              <a:t>without b tagging SF’s </a:t>
+            </a:r>
+          </a:p>
+        </p:txBody>
+      </p:sp>
+      <p:sp>
+        <p:nvSpPr>
+          <p:cNvPr id="15" name="Rectangle 14">
+            <a:extLst>
+              <a:ext uri="{FF2B5EF4-FFF2-40B4-BE49-F238E27FC236}">
+                <a16:creationId xmlns:a16="http://schemas.microsoft.com/office/drawing/2014/main" id="{F855E7F2-8E22-A345-8A7F-56F49B61AE54}"/>
+              </a:ext>
+            </a:extLst>
+          </p:cNvPr>
+          <p:cNvSpPr/>
+          <p:nvPr/>
+        </p:nvSpPr>
+        <p:spPr>
+          <a:xfrm>
+            <a:off x="2333415" y="638586"/>
+            <a:ext cx="1499065" cy="369332"/>
+          </a:xfrm>
+          <a:prstGeom prst="rect">
+            <a:avLst/>
+          </a:prstGeom>
+        </p:spPr>
+        <p:txBody>
+          <a:bodyPr wrap="none">
+            <a:spAutoFit/>
+          </a:bodyPr>
+          <a:lstStyle/>
+          <a:p>
+            <a:pPr algn="ctr"/>
+            <a:r>
+              <a:rPr lang="en-US" u="sng" dirty="0"/>
+              <a:t>b tagging SF’s </a:t>
+            </a:r>
+          </a:p>
+        </p:txBody>
+      </p:sp>
+      <p:pic>
+        <p:nvPicPr>
+          <p:cNvPr id="6" name="Picture 5">
+            <a:extLst>
+              <a:ext uri="{FF2B5EF4-FFF2-40B4-BE49-F238E27FC236}">
+                <a16:creationId xmlns:a16="http://schemas.microsoft.com/office/drawing/2014/main" id="{B916B196-3F50-1042-AB31-52400AFC2C68}"/>
+              </a:ext>
+            </a:extLst>
+          </p:cNvPr>
+          <p:cNvPicPr>
+            <a:picLocks noChangeAspect="1"/>
+          </p:cNvPicPr>
+          <p:nvPr/>
+        </p:nvPicPr>
+        <p:blipFill>
+          <a:blip r:embed="rId2"/>
+          <a:stretch>
+            <a:fillRect/>
+          </a:stretch>
+        </p:blipFill>
+        <p:spPr>
+          <a:xfrm rot="5400000">
+            <a:off x="951992" y="691187"/>
+            <a:ext cx="4311269" cy="5976747"/>
+          </a:xfrm>
+          <a:prstGeom prst="rect">
+            <a:avLst/>
+          </a:prstGeom>
+        </p:spPr>
+      </p:pic>
+      <p:pic>
+        <p:nvPicPr>
+          <p:cNvPr id="11" name="Picture 10">
+            <a:extLst>
+              <a:ext uri="{FF2B5EF4-FFF2-40B4-BE49-F238E27FC236}">
+                <a16:creationId xmlns:a16="http://schemas.microsoft.com/office/drawing/2014/main" id="{6FB3C2F5-1028-5449-B5C2-93EE2A79669C}"/>
+              </a:ext>
+            </a:extLst>
+          </p:cNvPr>
+          <p:cNvPicPr>
+            <a:picLocks noChangeAspect="1"/>
+          </p:cNvPicPr>
+          <p:nvPr/>
+        </p:nvPicPr>
+        <p:blipFill>
+          <a:blip r:embed="rId3"/>
+          <a:stretch>
+            <a:fillRect/>
+          </a:stretch>
+        </p:blipFill>
+        <p:spPr>
+          <a:xfrm rot="5400000">
+            <a:off x="7047992" y="691187"/>
+            <a:ext cx="4311269" cy="5976747"/>
+          </a:xfrm>
+          <a:prstGeom prst="rect">
+            <a:avLst/>
+          </a:prstGeom>
+        </p:spPr>
+      </p:pic>
+    </p:spTree>
+    <p:extLst>
+      <p:ext uri="{BB962C8B-B14F-4D97-AF65-F5344CB8AC3E}">
+        <p14:creationId xmlns:p14="http://schemas.microsoft.com/office/powerpoint/2010/main" val="1218244233"/>
+      </p:ext>
+    </p:extLst>
+  </p:cSld>
+  <p:clrMapOvr>
+    <a:masterClrMapping/>
+  </p:clrMapOvr>
+</p:sld>
+</file>
+
+<file path=ppt/slides/slide35.xml><?xml version="1.0" encoding="utf-8"?>
+<p:sld xmlns:a="http://schemas.openxmlformats.org/drawingml/2006/main" xmlns:r="http://schemas.openxmlformats.org/officeDocument/2006/relationships" xmlns:p="http://schemas.openxmlformats.org/presentationml/2006/main">
+  <p:cSld>
+    <p:spTree>
+      <p:nvGrpSpPr>
+        <p:cNvPr id="1" name=""/>
+        <p:cNvGrpSpPr/>
+        <p:nvPr/>
+      </p:nvGrpSpPr>
+      <p:grpSpPr>
+        <a:xfrm>
+          <a:off x="0" y="0"/>
+          <a:ext cx="0" cy="0"/>
+          <a:chOff x="0" y="0"/>
+          <a:chExt cx="0" cy="0"/>
+        </a:xfrm>
+      </p:grpSpPr>
+      <p:sp>
+        <p:nvSpPr>
+          <p:cNvPr id="3" name="Footer Placeholder 2"/>
+          <p:cNvSpPr>
+            <a:spLocks noGrp="1"/>
+          </p:cNvSpPr>
+          <p:nvPr>
+            <p:ph type="ftr" sz="quarter" idx="11"/>
+          </p:nvPr>
+        </p:nvSpPr>
+        <p:spPr/>
+        <p:txBody>
+          <a:bodyPr/>
+          <a:lstStyle/>
+          <a:p>
+            <a:r>
+              <a:rPr lang="fi-FI" dirty="0"/>
+              <a:t>NTUA G. </a:t>
+            </a:r>
+            <a:r>
+              <a:rPr lang="fi-FI" dirty="0" err="1"/>
+              <a:t>Bakas</a:t>
+            </a:r>
+            <a:endParaRPr lang="en-US" dirty="0"/>
+          </a:p>
+        </p:txBody>
+      </p:sp>
+      <p:sp>
+        <p:nvSpPr>
+          <p:cNvPr id="7" name="TextBox 6"/>
+          <p:cNvSpPr txBox="1"/>
+          <p:nvPr/>
+        </p:nvSpPr>
+        <p:spPr>
+          <a:xfrm>
+            <a:off x="504044" y="33090"/>
+            <a:ext cx="10940340" cy="523220"/>
+          </a:xfrm>
+          <a:prstGeom prst="rect">
+            <a:avLst/>
+          </a:prstGeom>
+          <a:noFill/>
+        </p:spPr>
+        <p:txBody>
+          <a:bodyPr wrap="square" rtlCol="0">
+            <a:spAutoFit/>
+          </a:bodyPr>
+          <a:lstStyle/>
+          <a:p>
+            <a:pPr algn="ctr"/>
+            <a:r>
+              <a:rPr lang="en-US" sz="2800" u="sng" dirty="0"/>
+              <a:t>Response Matrices </a:t>
+            </a:r>
+            <a:r>
+              <a:rPr lang="en-US" sz="2800" u="sng" dirty="0">
+                <a:solidFill>
+                  <a:srgbClr val="FF0000"/>
+                </a:solidFill>
+              </a:rPr>
+              <a:t>2017</a:t>
+            </a:r>
+          </a:p>
+        </p:txBody>
+      </p:sp>
+      <p:sp>
+        <p:nvSpPr>
+          <p:cNvPr id="5" name="Slide Number Placeholder 4">
+            <a:extLst>
+              <a:ext uri="{FF2B5EF4-FFF2-40B4-BE49-F238E27FC236}">
+                <a16:creationId xmlns:a16="http://schemas.microsoft.com/office/drawing/2014/main" id="{69A96869-DB60-5345-ACD9-F1C41035B064}"/>
+              </a:ext>
+            </a:extLst>
+          </p:cNvPr>
+          <p:cNvSpPr>
+            <a:spLocks noGrp="1"/>
+          </p:cNvSpPr>
+          <p:nvPr>
+            <p:ph type="sldNum" sz="quarter" idx="12"/>
+          </p:nvPr>
+        </p:nvSpPr>
+        <p:spPr/>
+        <p:txBody>
+          <a:bodyPr/>
+          <a:lstStyle/>
+          <a:p>
+            <a:fld id="{4FAB73BC-B049-4115-A692-8D63A059BFB8}" type="slidenum">
+              <a:rPr lang="en-US" smtClean="0"/>
+              <a:pPr/>
+              <a:t>35</a:t>
+            </a:fld>
+            <a:endParaRPr lang="en-US" dirty="0"/>
+          </a:p>
+        </p:txBody>
+      </p:sp>
+      <p:sp>
+        <p:nvSpPr>
+          <p:cNvPr id="24" name="Date Placeholder 23">
+            <a:extLst>
+              <a:ext uri="{FF2B5EF4-FFF2-40B4-BE49-F238E27FC236}">
+                <a16:creationId xmlns:a16="http://schemas.microsoft.com/office/drawing/2014/main" id="{056D71EF-2E89-4043-8F92-90A4D46A3E69}"/>
+              </a:ext>
+            </a:extLst>
+          </p:cNvPr>
+          <p:cNvSpPr>
+            <a:spLocks noGrp="1"/>
+          </p:cNvSpPr>
+          <p:nvPr>
+            <p:ph type="dt" sz="half" idx="10"/>
+          </p:nvPr>
+        </p:nvSpPr>
+        <p:spPr/>
+        <p:txBody>
+          <a:bodyPr/>
+          <a:lstStyle/>
+          <a:p>
+            <a:fld id="{01554C39-4607-164F-AA23-65A72270ACF7}" type="datetime1">
+              <a:rPr lang="en-US" smtClean="0"/>
+              <a:t>8/31/20</a:t>
+            </a:fld>
+            <a:endParaRPr lang="en-US" dirty="0"/>
+          </a:p>
+        </p:txBody>
+      </p:sp>
+      <p:sp>
+        <p:nvSpPr>
+          <p:cNvPr id="8" name="Rectangle 7">
+            <a:extLst>
+              <a:ext uri="{FF2B5EF4-FFF2-40B4-BE49-F238E27FC236}">
+                <a16:creationId xmlns:a16="http://schemas.microsoft.com/office/drawing/2014/main" id="{137E0740-341B-B64B-AE26-A2C5357809F1}"/>
+              </a:ext>
+            </a:extLst>
+          </p:cNvPr>
+          <p:cNvSpPr/>
+          <p:nvPr/>
+        </p:nvSpPr>
+        <p:spPr>
+          <a:xfrm>
+            <a:off x="7939701" y="638586"/>
+            <a:ext cx="2289346" cy="369332"/>
+          </a:xfrm>
+          <a:prstGeom prst="rect">
+            <a:avLst/>
+          </a:prstGeom>
+        </p:spPr>
+        <p:txBody>
+          <a:bodyPr wrap="none">
+            <a:spAutoFit/>
+          </a:bodyPr>
+          <a:lstStyle/>
+          <a:p>
+            <a:pPr algn="ctr"/>
+            <a:r>
+              <a:rPr lang="en-US" u="sng" dirty="0"/>
+              <a:t>without b tagging SF’s </a:t>
+            </a:r>
+          </a:p>
+        </p:txBody>
+      </p:sp>
+      <p:sp>
+        <p:nvSpPr>
+          <p:cNvPr id="15" name="Rectangle 14">
+            <a:extLst>
+              <a:ext uri="{FF2B5EF4-FFF2-40B4-BE49-F238E27FC236}">
+                <a16:creationId xmlns:a16="http://schemas.microsoft.com/office/drawing/2014/main" id="{F855E7F2-8E22-A345-8A7F-56F49B61AE54}"/>
+              </a:ext>
+            </a:extLst>
+          </p:cNvPr>
+          <p:cNvSpPr/>
+          <p:nvPr/>
+        </p:nvSpPr>
+        <p:spPr>
+          <a:xfrm>
+            <a:off x="2333415" y="638586"/>
+            <a:ext cx="1499065" cy="369332"/>
+          </a:xfrm>
+          <a:prstGeom prst="rect">
+            <a:avLst/>
+          </a:prstGeom>
+        </p:spPr>
+        <p:txBody>
+          <a:bodyPr wrap="none">
+            <a:spAutoFit/>
+          </a:bodyPr>
+          <a:lstStyle/>
+          <a:p>
+            <a:pPr algn="ctr"/>
+            <a:r>
+              <a:rPr lang="en-US" u="sng" dirty="0"/>
+              <a:t>b tagging SF’s </a:t>
+            </a:r>
+          </a:p>
+        </p:txBody>
+      </p:sp>
+      <p:pic>
+        <p:nvPicPr>
+          <p:cNvPr id="4" name="Picture 3">
+            <a:extLst>
+              <a:ext uri="{FF2B5EF4-FFF2-40B4-BE49-F238E27FC236}">
+                <a16:creationId xmlns:a16="http://schemas.microsoft.com/office/drawing/2014/main" id="{22F19D61-6B3F-2C4C-B756-CB9ED5548A92}"/>
+              </a:ext>
+            </a:extLst>
+          </p:cNvPr>
+          <p:cNvPicPr>
+            <a:picLocks noChangeAspect="1"/>
+          </p:cNvPicPr>
+          <p:nvPr/>
+        </p:nvPicPr>
+        <p:blipFill>
+          <a:blip r:embed="rId2"/>
+          <a:stretch>
+            <a:fillRect/>
+          </a:stretch>
+        </p:blipFill>
+        <p:spPr>
+          <a:xfrm rot="5400000">
+            <a:off x="832739" y="702986"/>
+            <a:ext cx="4311269" cy="5976747"/>
+          </a:xfrm>
+          <a:prstGeom prst="rect">
+            <a:avLst/>
+          </a:prstGeom>
+        </p:spPr>
+      </p:pic>
+      <p:pic>
+        <p:nvPicPr>
+          <p:cNvPr id="9" name="Picture 8">
+            <a:extLst>
+              <a:ext uri="{FF2B5EF4-FFF2-40B4-BE49-F238E27FC236}">
+                <a16:creationId xmlns:a16="http://schemas.microsoft.com/office/drawing/2014/main" id="{88C1BB65-3065-F74E-B7A9-01E27DF2352D}"/>
+              </a:ext>
+            </a:extLst>
+          </p:cNvPr>
+          <p:cNvPicPr>
+            <a:picLocks noChangeAspect="1"/>
+          </p:cNvPicPr>
+          <p:nvPr/>
+        </p:nvPicPr>
+        <p:blipFill>
+          <a:blip r:embed="rId3"/>
+          <a:stretch>
+            <a:fillRect/>
+          </a:stretch>
+        </p:blipFill>
+        <p:spPr>
+          <a:xfrm rot="5400000">
+            <a:off x="6953421" y="702986"/>
+            <a:ext cx="4311269" cy="5976747"/>
+          </a:xfrm>
+          <a:prstGeom prst="rect">
+            <a:avLst/>
+          </a:prstGeom>
+        </p:spPr>
+      </p:pic>
+    </p:spTree>
+    <p:extLst>
+      <p:ext uri="{BB962C8B-B14F-4D97-AF65-F5344CB8AC3E}">
+        <p14:creationId xmlns:p14="http://schemas.microsoft.com/office/powerpoint/2010/main" val="585653806"/>
+      </p:ext>
+    </p:extLst>
+  </p:cSld>
+  <p:clrMapOvr>
+    <a:masterClrMapping/>
+  </p:clrMapOvr>
+</p:sld>
+</file>
+
+<file path=ppt/slides/slide36.xml><?xml version="1.0" encoding="utf-8"?>
+<p:sld xmlns:a="http://schemas.openxmlformats.org/drawingml/2006/main" xmlns:r="http://schemas.openxmlformats.org/officeDocument/2006/relationships" xmlns:p="http://schemas.openxmlformats.org/presentationml/2006/main">
+  <p:cSld>
+    <p:spTree>
+      <p:nvGrpSpPr>
+        <p:cNvPr id="1" name=""/>
+        <p:cNvGrpSpPr/>
+        <p:nvPr/>
+      </p:nvGrpSpPr>
+      <p:grpSpPr>
+        <a:xfrm>
+          <a:off x="0" y="0"/>
+          <a:ext cx="0" cy="0"/>
+          <a:chOff x="0" y="0"/>
+          <a:chExt cx="0" cy="0"/>
+        </a:xfrm>
+      </p:grpSpPr>
+      <p:sp>
+        <p:nvSpPr>
+          <p:cNvPr id="3" name="Footer Placeholder 2"/>
+          <p:cNvSpPr>
+            <a:spLocks noGrp="1"/>
+          </p:cNvSpPr>
+          <p:nvPr>
+            <p:ph type="ftr" sz="quarter" idx="11"/>
+          </p:nvPr>
+        </p:nvSpPr>
+        <p:spPr/>
+        <p:txBody>
+          <a:bodyPr/>
+          <a:lstStyle/>
+          <a:p>
+            <a:r>
+              <a:rPr lang="fi-FI" dirty="0"/>
+              <a:t>NTUA G. </a:t>
+            </a:r>
+            <a:r>
+              <a:rPr lang="fi-FI" dirty="0" err="1"/>
+              <a:t>Bakas</a:t>
+            </a:r>
+            <a:endParaRPr lang="en-US" dirty="0"/>
+          </a:p>
+        </p:txBody>
+      </p:sp>
+      <p:sp>
+        <p:nvSpPr>
+          <p:cNvPr id="7" name="TextBox 6"/>
+          <p:cNvSpPr txBox="1"/>
+          <p:nvPr/>
+        </p:nvSpPr>
+        <p:spPr>
+          <a:xfrm>
+            <a:off x="504044" y="33090"/>
+            <a:ext cx="10940340" cy="523220"/>
+          </a:xfrm>
+          <a:prstGeom prst="rect">
+            <a:avLst/>
+          </a:prstGeom>
+          <a:noFill/>
+        </p:spPr>
+        <p:txBody>
+          <a:bodyPr wrap="square" rtlCol="0">
+            <a:spAutoFit/>
+          </a:bodyPr>
+          <a:lstStyle/>
+          <a:p>
+            <a:pPr algn="ctr"/>
+            <a:r>
+              <a:rPr lang="en-US" sz="2800" u="sng" dirty="0"/>
+              <a:t>Response Matrices </a:t>
+            </a:r>
+            <a:r>
+              <a:rPr lang="en-US" sz="2800" u="sng" dirty="0">
+                <a:solidFill>
+                  <a:srgbClr val="00B050"/>
+                </a:solidFill>
+              </a:rPr>
+              <a:t>2018</a:t>
+            </a:r>
+          </a:p>
+        </p:txBody>
+      </p:sp>
+      <p:sp>
+        <p:nvSpPr>
+          <p:cNvPr id="5" name="Slide Number Placeholder 4">
+            <a:extLst>
+              <a:ext uri="{FF2B5EF4-FFF2-40B4-BE49-F238E27FC236}">
+                <a16:creationId xmlns:a16="http://schemas.microsoft.com/office/drawing/2014/main" id="{69A96869-DB60-5345-ACD9-F1C41035B064}"/>
+              </a:ext>
+            </a:extLst>
+          </p:cNvPr>
+          <p:cNvSpPr>
+            <a:spLocks noGrp="1"/>
+          </p:cNvSpPr>
+          <p:nvPr>
+            <p:ph type="sldNum" sz="quarter" idx="12"/>
+          </p:nvPr>
+        </p:nvSpPr>
+        <p:spPr/>
+        <p:txBody>
+          <a:bodyPr/>
+          <a:lstStyle/>
+          <a:p>
+            <a:fld id="{4FAB73BC-B049-4115-A692-8D63A059BFB8}" type="slidenum">
+              <a:rPr lang="en-US" smtClean="0"/>
+              <a:pPr/>
+              <a:t>36</a:t>
             </a:fld>
             <a:endParaRPr lang="en-US" dirty="0"/>
           </a:p>

--- a/Documents for Progress/AnalysisStatus_31August2020.pptx
+++ b/Documents for Progress/AnalysisStatus_31August2020.pptx
@@ -6,10 +6,10 @@
     <p:sldMasterId id="2147483661" r:id="rId2"/>
   </p:sldMasterIdLst>
   <p:notesMasterIdLst>
-    <p:notesMasterId r:id="rId39"/>
+    <p:notesMasterId r:id="rId40"/>
   </p:notesMasterIdLst>
   <p:handoutMasterIdLst>
-    <p:handoutMasterId r:id="rId40"/>
+    <p:handoutMasterId r:id="rId41"/>
   </p:handoutMasterIdLst>
   <p:sldIdLst>
     <p:sldId id="256" r:id="rId3"/>
@@ -36,18 +36,19 @@
     <p:sldId id="537" r:id="rId24"/>
     <p:sldId id="538" r:id="rId25"/>
     <p:sldId id="539" r:id="rId26"/>
-    <p:sldId id="545" r:id="rId27"/>
-    <p:sldId id="540" r:id="rId28"/>
-    <p:sldId id="546" r:id="rId29"/>
-    <p:sldId id="541" r:id="rId30"/>
-    <p:sldId id="547" r:id="rId31"/>
-    <p:sldId id="542" r:id="rId32"/>
-    <p:sldId id="543" r:id="rId33"/>
-    <p:sldId id="544" r:id="rId34"/>
-    <p:sldId id="535" r:id="rId35"/>
-    <p:sldId id="529" r:id="rId36"/>
-    <p:sldId id="530" r:id="rId37"/>
-    <p:sldId id="532" r:id="rId38"/>
+    <p:sldId id="548" r:id="rId27"/>
+    <p:sldId id="545" r:id="rId28"/>
+    <p:sldId id="540" r:id="rId29"/>
+    <p:sldId id="546" r:id="rId30"/>
+    <p:sldId id="541" r:id="rId31"/>
+    <p:sldId id="547" r:id="rId32"/>
+    <p:sldId id="542" r:id="rId33"/>
+    <p:sldId id="543" r:id="rId34"/>
+    <p:sldId id="544" r:id="rId35"/>
+    <p:sldId id="535" r:id="rId36"/>
+    <p:sldId id="529" r:id="rId37"/>
+    <p:sldId id="530" r:id="rId38"/>
+    <p:sldId id="532" r:id="rId39"/>
   </p:sldIdLst>
   <p:sldSz cx="12192000" cy="6858000"/>
   <p:notesSz cx="6858000" cy="9144000"/>
@@ -239,7 +240,7 @@
           <a:p>
             <a:fld id="{EC97F6CE-C9BA-5B44-AF0F-C73B1C17650F}" type="datetime1">
               <a:rPr lang="en-US" smtClean="0"/>
-              <a:t>8/31/20</a:t>
+              <a:t>9/1/20</a:t>
             </a:fld>
             <a:endParaRPr lang="en-GB"/>
           </a:p>
@@ -445,7 +446,7 @@
           <a:p>
             <a:fld id="{7F9D4A26-E586-E648-884B-C9B1EA03133F}" type="datetime1">
               <a:rPr lang="en-US" smtClean="0"/>
-              <a:t>8/31/20</a:t>
+              <a:t>9/1/20</a:t>
             </a:fld>
             <a:endParaRPr lang="en-GB"/>
           </a:p>
@@ -779,7 +780,7 @@
           <a:p>
             <a:fld id="{33D9703A-F6B0-E34C-B7F9-5A8864FF4F07}" type="datetime1">
               <a:rPr lang="en-US" smtClean="0"/>
-              <a:t>8/31/20</a:t>
+              <a:t>9/1/20</a:t>
             </a:fld>
             <a:endParaRPr lang="en-GB"/>
           </a:p>
@@ -886,7 +887,7 @@
           <a:p>
             <a:fld id="{7F9D4A26-E586-E648-884B-C9B1EA03133F}" type="datetime1">
               <a:rPr lang="en-US" smtClean="0"/>
-              <a:t>8/31/20</a:t>
+              <a:t>9/1/20</a:t>
             </a:fld>
             <a:endParaRPr lang="en-GB"/>
           </a:p>
@@ -909,7 +910,7 @@
           <a:p>
             <a:fld id="{5033F1CD-332F-48CC-8A24-9D0A5CE7D91D}" type="slidenum">
               <a:rPr lang="en-GB" smtClean="0"/>
-              <a:t>36</a:t>
+              <a:t>37</a:t>
             </a:fld>
             <a:endParaRPr lang="en-GB"/>
           </a:p>
@@ -1154,7 +1155,7 @@
           <a:p>
             <a:fld id="{DC51A3BE-CA11-4547-A39A-766971096B34}" type="datetime1">
               <a:rPr lang="en-US" smtClean="0"/>
-              <a:t>8/31/20</a:t>
+              <a:t>9/1/20</a:t>
             </a:fld>
             <a:endParaRPr lang="en-US" dirty="0"/>
           </a:p>
@@ -1361,7 +1362,7 @@
           <a:p>
             <a:fld id="{42B2CF9A-A7BF-1245-99D9-4054301C36E0}" type="datetime1">
               <a:rPr lang="en-US" smtClean="0"/>
-              <a:t>8/31/20</a:t>
+              <a:t>9/1/20</a:t>
             </a:fld>
             <a:endParaRPr lang="en-US" dirty="0"/>
           </a:p>
@@ -1616,7 +1617,7 @@
           <a:p>
             <a:fld id="{F88F3968-5050-1740-9AB7-A06844E87E5F}" type="datetime1">
               <a:rPr lang="en-US" smtClean="0"/>
-              <a:t>8/31/20</a:t>
+              <a:t>9/1/20</a:t>
             </a:fld>
             <a:endParaRPr lang="en-US" dirty="0"/>
           </a:p>
@@ -1807,7 +1808,7 @@
           <a:p>
             <a:fld id="{6A19A844-E33A-B644-A0FB-7455E93D924C}" type="datetime1">
               <a:rPr lang="en-US" smtClean="0"/>
-              <a:t>8/31/20</a:t>
+              <a:t>9/1/20</a:t>
             </a:fld>
             <a:endParaRPr lang="en-GB"/>
           </a:p>
@@ -1981,7 +1982,7 @@
           <a:p>
             <a:fld id="{F61E92BF-DA59-B546-88AE-9835521A3798}" type="datetime1">
               <a:rPr lang="en-US" smtClean="0"/>
-              <a:t>8/31/20</a:t>
+              <a:t>9/1/20</a:t>
             </a:fld>
             <a:endParaRPr lang="en-GB"/>
           </a:p>
@@ -2231,7 +2232,7 @@
           <a:p>
             <a:fld id="{61C78CAC-926A-EF4D-9608-460C3A301243}" type="datetime1">
               <a:rPr lang="en-US" smtClean="0"/>
-              <a:t>8/31/20</a:t>
+              <a:t>9/1/20</a:t>
             </a:fld>
             <a:endParaRPr lang="en-GB"/>
           </a:p>
@@ -2467,7 +2468,7 @@
           <a:p>
             <a:fld id="{32675A6D-6B9B-6546-A3DC-004E809EED54}" type="datetime1">
               <a:rPr lang="en-US" smtClean="0"/>
-              <a:t>8/31/20</a:t>
+              <a:t>9/1/20</a:t>
             </a:fld>
             <a:endParaRPr lang="en-GB"/>
           </a:p>
@@ -2838,7 +2839,7 @@
           <a:p>
             <a:fld id="{55D89806-B328-B147-9EC9-15D0307996ED}" type="datetime1">
               <a:rPr lang="en-US" smtClean="0"/>
-              <a:t>8/31/20</a:t>
+              <a:t>9/1/20</a:t>
             </a:fld>
             <a:endParaRPr lang="en-GB"/>
           </a:p>
@@ -2960,7 +2961,7 @@
           <a:p>
             <a:fld id="{702FE0D6-14B8-A94B-B441-7BA984189CE2}" type="datetime1">
               <a:rPr lang="en-US" smtClean="0"/>
-              <a:t>8/31/20</a:t>
+              <a:t>9/1/20</a:t>
             </a:fld>
             <a:endParaRPr lang="en-GB"/>
           </a:p>
@@ -3059,7 +3060,7 @@
           <a:p>
             <a:fld id="{4C294EA8-7AEB-3247-9A81-8483D03B0462}" type="datetime1">
               <a:rPr lang="en-US" smtClean="0"/>
-              <a:t>8/31/20</a:t>
+              <a:t>9/1/20</a:t>
             </a:fld>
             <a:endParaRPr lang="en-GB"/>
           </a:p>
@@ -3340,7 +3341,7 @@
           <a:p>
             <a:fld id="{D72E9315-386E-6846-8498-4330F1BBFC0A}" type="datetime1">
               <a:rPr lang="en-US" smtClean="0"/>
-              <a:t>8/31/20</a:t>
+              <a:t>9/1/20</a:t>
             </a:fld>
             <a:endParaRPr lang="en-GB"/>
           </a:p>
@@ -3496,7 +3497,7 @@
           <a:p>
             <a:fld id="{0E394EB9-E681-C34A-89D4-D81E4C62EA5B}" type="datetime1">
               <a:rPr lang="en-US" smtClean="0"/>
-              <a:t>8/31/20</a:t>
+              <a:t>9/1/20</a:t>
             </a:fld>
             <a:endParaRPr lang="en-US" dirty="0"/>
           </a:p>
@@ -3777,7 +3778,7 @@
           <a:p>
             <a:fld id="{E220BF5D-E794-2B42-91EC-2A3B4450069D}" type="datetime1">
               <a:rPr lang="en-US" smtClean="0"/>
-              <a:t>8/31/20</a:t>
+              <a:t>9/1/20</a:t>
             </a:fld>
             <a:endParaRPr lang="en-GB"/>
           </a:p>
@@ -3951,7 +3952,7 @@
           <a:p>
             <a:fld id="{BA4C039E-7082-7D42-AA91-9FF3EF6ADB5B}" type="datetime1">
               <a:rPr lang="en-US" smtClean="0"/>
-              <a:t>8/31/20</a:t>
+              <a:t>9/1/20</a:t>
             </a:fld>
             <a:endParaRPr lang="en-GB"/>
           </a:p>
@@ -4135,7 +4136,7 @@
           <a:p>
             <a:fld id="{2817B3FE-3894-A848-8D78-14007FB2FF94}" type="datetime1">
               <a:rPr lang="en-US" smtClean="0"/>
-              <a:t>8/31/20</a:t>
+              <a:t>9/1/20</a:t>
             </a:fld>
             <a:endParaRPr lang="en-GB"/>
           </a:p>
@@ -4482,7 +4483,7 @@
           <a:p>
             <a:fld id="{2DEEC64B-3E48-2F44-A6A9-A1C06A2C021E}" type="datetime1">
               <a:rPr lang="en-US" smtClean="0"/>
-              <a:t>8/31/20</a:t>
+              <a:t>9/1/20</a:t>
             </a:fld>
             <a:endParaRPr lang="en-US" dirty="0"/>
           </a:p>
@@ -4756,7 +4757,7 @@
           <a:p>
             <a:fld id="{61E195D8-183A-7F4D-8D17-8ADC90214B8A}" type="datetime1">
               <a:rPr lang="en-US" smtClean="0"/>
-              <a:t>8/31/20</a:t>
+              <a:t>9/1/20</a:t>
             </a:fld>
             <a:endParaRPr lang="en-US" dirty="0"/>
           </a:p>
@@ -5134,7 +5135,7 @@
           <a:p>
             <a:fld id="{0DD0A991-48AE-1D43-8113-23F8EAF6681B}" type="datetime1">
               <a:rPr lang="en-US" smtClean="0"/>
-              <a:t>8/31/20</a:t>
+              <a:t>9/1/20</a:t>
             </a:fld>
             <a:endParaRPr lang="en-US" dirty="0"/>
           </a:p>
@@ -5251,7 +5252,7 @@
           <a:p>
             <a:fld id="{DC12579A-EC7F-EB4A-BC5C-80733D051D29}" type="datetime1">
               <a:rPr lang="en-US" smtClean="0"/>
-              <a:t>8/31/20</a:t>
+              <a:t>9/1/20</a:t>
             </a:fld>
             <a:endParaRPr lang="en-US" dirty="0"/>
           </a:p>
@@ -5421,7 +5422,7 @@
           <a:p>
             <a:fld id="{669454CD-6DAB-7942-9B1D-8F3E2B882464}" type="datetime1">
               <a:rPr lang="en-US" smtClean="0"/>
-              <a:t>8/31/20</a:t>
+              <a:t>9/1/20</a:t>
             </a:fld>
             <a:endParaRPr lang="en-US" dirty="0"/>
           </a:p>
@@ -5805,7 +5806,7 @@
           <a:p>
             <a:fld id="{BD2CAD36-D42B-D445-A707-AA59905C7768}" type="datetime1">
               <a:rPr lang="en-US" smtClean="0"/>
-              <a:t>8/31/20</a:t>
+              <a:t>9/1/20</a:t>
             </a:fld>
             <a:endParaRPr lang="en-US" dirty="0"/>
           </a:p>
@@ -6187,7 +6188,7 @@
           <a:p>
             <a:fld id="{2D1D63B8-BB32-E649-92D4-94351543394C}" type="datetime1">
               <a:rPr lang="en-US" smtClean="0"/>
-              <a:t>8/31/20</a:t>
+              <a:t>9/1/20</a:t>
             </a:fld>
             <a:endParaRPr lang="en-US" dirty="0"/>
           </a:p>
@@ -6473,7 +6474,7 @@
           <a:p>
             <a:fld id="{FD02AE22-A9EA-FE42-BAB8-AD1D7606FF2E}" type="datetime1">
               <a:rPr lang="en-US" smtClean="0"/>
-              <a:t>8/31/20</a:t>
+              <a:t>9/1/20</a:t>
             </a:fld>
             <a:endParaRPr lang="en-US" dirty="0"/>
           </a:p>
@@ -7163,7 +7164,7 @@
           <a:p>
             <a:fld id="{307A731C-B4EF-644F-8FDB-2EBA3EC9415A}" type="datetime1">
               <a:rPr lang="en-US" smtClean="0"/>
-              <a:t>8/31/20</a:t>
+              <a:t>9/1/20</a:t>
             </a:fld>
             <a:endParaRPr lang="en-GB"/>
           </a:p>
@@ -7611,11 +7612,11 @@
               <a:t>NTUA</a:t>
             </a:r>
             <a:br>
-              <a:rPr lang="en-US" sz="4400" dirty="0"/>
+              <a:rPr lang="en-US" sz="4400"/>
             </a:br>
             <a:r>
-              <a:rPr lang="en-US" sz="4400" dirty="0"/>
-              <a:t>31/8/2020</a:t>
+              <a:rPr lang="en-US" sz="4400"/>
+              <a:t>1/9/2020</a:t>
             </a:r>
             <a:endParaRPr lang="en-GB" sz="4400" dirty="0"/>
           </a:p>
@@ -7880,7 +7881,7 @@
           <a:p>
             <a:fld id="{01554C39-4607-164F-AA23-65A72270ACF7}" type="datetime1">
               <a:rPr lang="en-US" smtClean="0"/>
-              <a:t>8/31/20</a:t>
+              <a:t>9/1/20</a:t>
             </a:fld>
             <a:endParaRPr lang="en-US" dirty="0"/>
           </a:p>
@@ -8164,7 +8165,7 @@
           <a:p>
             <a:fld id="{01554C39-4607-164F-AA23-65A72270ACF7}" type="datetime1">
               <a:rPr lang="en-US" smtClean="0"/>
-              <a:t>8/31/20</a:t>
+              <a:t>9/1/20</a:t>
             </a:fld>
             <a:endParaRPr lang="en-US" dirty="0"/>
           </a:p>
@@ -8448,7 +8449,7 @@
           <a:p>
             <a:fld id="{01554C39-4607-164F-AA23-65A72270ACF7}" type="datetime1">
               <a:rPr lang="en-US" smtClean="0"/>
-              <a:t>8/31/20</a:t>
+              <a:t>9/1/20</a:t>
             </a:fld>
             <a:endParaRPr lang="en-US" dirty="0"/>
           </a:p>
@@ -8732,7 +8733,7 @@
           <a:p>
             <a:fld id="{01554C39-4607-164F-AA23-65A72270ACF7}" type="datetime1">
               <a:rPr lang="en-US" smtClean="0"/>
-              <a:t>8/31/20</a:t>
+              <a:t>9/1/20</a:t>
             </a:fld>
             <a:endParaRPr lang="en-US" dirty="0"/>
           </a:p>
@@ -8950,7 +8951,7 @@
             <a:pPr algn="ctr"/>
             <a:r>
               <a:rPr lang="en-US" sz="2800" u="sng" dirty="0"/>
-              <a:t>Contamination Plots Medium WP (CR, SR) </a:t>
+              <a:t>Contamination Plots Medium WP (CR) </a:t>
             </a:r>
             <a:r>
               <a:rPr lang="en-US" sz="2800" u="sng" dirty="0">
@@ -9016,7 +9017,7 @@
           <a:p>
             <a:fld id="{01554C39-4607-164F-AA23-65A72270ACF7}" type="datetime1">
               <a:rPr lang="en-US" smtClean="0"/>
-              <a:t>8/31/20</a:t>
+              <a:t>9/1/20</a:t>
             </a:fld>
             <a:endParaRPr lang="en-US" dirty="0"/>
           </a:p>
@@ -9262,7 +9263,7 @@
           <a:p>
             <a:fld id="{01554C39-4607-164F-AA23-65A72270ACF7}" type="datetime1">
               <a:rPr lang="en-US" smtClean="0"/>
-              <a:t>8/31/20</a:t>
+              <a:t>9/1/20</a:t>
             </a:fld>
             <a:endParaRPr lang="en-US" dirty="0"/>
           </a:p>
@@ -9368,7 +9369,7 @@
             <a:pPr algn="ctr"/>
             <a:r>
               <a:rPr lang="en-US" sz="2800" u="sng" dirty="0"/>
-              <a:t>Contamination Plots Medium WP (CR, SR) </a:t>
+              <a:t>Contamination Plots Medium WP (CR) </a:t>
             </a:r>
             <a:r>
               <a:rPr lang="en-US" sz="2800" u="sng" dirty="0">
@@ -9591,7 +9592,7 @@
           <a:p>
             <a:fld id="{01554C39-4607-164F-AA23-65A72270ACF7}" type="datetime1">
               <a:rPr lang="en-US" smtClean="0"/>
-              <a:t>8/31/20</a:t>
+              <a:t>9/1/20</a:t>
             </a:fld>
             <a:endParaRPr lang="en-US" dirty="0"/>
           </a:p>
@@ -9658,7 +9659,7 @@
             <a:pPr algn="ctr"/>
             <a:r>
               <a:rPr lang="en-US" sz="2800" u="sng" dirty="0"/>
-              <a:t>Contamination Plots Medium WP (CR, SR) </a:t>
+              <a:t>Contamination Plots Medium WP (CR) </a:t>
             </a:r>
             <a:r>
               <a:rPr lang="en-US" sz="2800" u="sng" dirty="0">
@@ -9881,7 +9882,7 @@
           <a:p>
             <a:fld id="{01554C39-4607-164F-AA23-65A72270ACF7}" type="datetime1">
               <a:rPr lang="en-US" smtClean="0"/>
-              <a:t>8/31/20</a:t>
+              <a:t>9/1/20</a:t>
             </a:fld>
             <a:endParaRPr lang="en-US" dirty="0"/>
           </a:p>
@@ -10105,7 +10106,26 @@
             <a:pPr algn="ctr"/>
             <a:r>
               <a:rPr lang="en-GR" u="sng" dirty="0"/>
-              <a:t>Comments</a:t>
+              <a:t>Comment</a:t>
+            </a:r>
+          </a:p>
+          <a:p>
+            <a:pPr algn="ctr"/>
+            <a:endParaRPr lang="en-GR" u="sng" dirty="0"/>
+          </a:p>
+          <a:p>
+            <a:pPr algn="ctr"/>
+            <a:r>
+              <a:rPr lang="en-GR" dirty="0"/>
+              <a:t>Shapes and in general contamination is </a:t>
+            </a:r>
+            <a:r>
+              <a:rPr lang="en-GR" u="sng" dirty="0"/>
+              <a:t>NOT</a:t>
+            </a:r>
+            <a:r>
+              <a:rPr lang="en-GR" dirty="0"/>
+              <a:t> affected by btagging by Scale factors</a:t>
             </a:r>
           </a:p>
         </p:txBody>
@@ -10250,7 +10270,7 @@
           <a:p>
             <a:fld id="{D52D66B2-0E0A-F441-A1DA-8039F615D612}" type="datetime1">
               <a:rPr lang="en-US" smtClean="0"/>
-              <a:t>8/31/20</a:t>
+              <a:t>9/1/20</a:t>
             </a:fld>
             <a:endParaRPr lang="en-US" dirty="0"/>
           </a:p>
@@ -11349,7 +11369,7 @@
           <a:p>
             <a:fld id="{18FD8BA5-77B4-654F-B2FF-4855A5BA42B8}" type="datetime1">
               <a:rPr lang="en-US" smtClean="0"/>
-              <a:t>8/31/20</a:t>
+              <a:t>9/1/20</a:t>
             </a:fld>
             <a:endParaRPr lang="en-US" dirty="0"/>
           </a:p>
@@ -11841,7 +11861,7 @@
           <a:p>
             <a:fld id="{37E2C1DD-94AF-5B41-A54A-0C8426B7BC1A}" type="datetime1">
               <a:rPr lang="en-US" smtClean="0"/>
-              <a:t>8/31/20</a:t>
+              <a:t>9/1/20</a:t>
             </a:fld>
             <a:endParaRPr lang="en-US" dirty="0"/>
           </a:p>
@@ -12063,7 +12083,7 @@
           <a:p>
             <a:fld id="{3DBB7BD0-9B8D-1F47-8ABF-BE3CF9BD2848}" type="datetime1">
               <a:rPr lang="en-US" smtClean="0"/>
-              <a:t>8/31/20</a:t>
+              <a:t>9/1/20</a:t>
             </a:fld>
             <a:endParaRPr lang="en-US" dirty="0"/>
           </a:p>
@@ -12659,7 +12679,7 @@
           <a:p>
             <a:fld id="{3DBB7BD0-9B8D-1F47-8ABF-BE3CF9BD2848}" type="datetime1">
               <a:rPr lang="en-US" smtClean="0"/>
-              <a:t>8/31/20</a:t>
+              <a:t>9/1/20</a:t>
             </a:fld>
             <a:endParaRPr lang="en-US" dirty="0"/>
           </a:p>
@@ -12943,7 +12963,7 @@
           <a:p>
             <a:fld id="{3DBB7BD0-9B8D-1F47-8ABF-BE3CF9BD2848}" type="datetime1">
               <a:rPr lang="en-US" smtClean="0"/>
-              <a:t>8/31/20</a:t>
+              <a:t>9/1/20</a:t>
             </a:fld>
             <a:endParaRPr lang="en-US" dirty="0"/>
           </a:p>
@@ -13227,7 +13247,7 @@
           <a:p>
             <a:fld id="{3DBB7BD0-9B8D-1F47-8ABF-BE3CF9BD2848}" type="datetime1">
               <a:rPr lang="en-US" smtClean="0"/>
-              <a:t>8/31/20</a:t>
+              <a:t>9/1/20</a:t>
             </a:fld>
             <a:endParaRPr lang="en-US" dirty="0"/>
           </a:p>
@@ -13445,19 +13465,7 @@
             <a:pPr algn="ctr"/>
             <a:r>
               <a:rPr lang="en-US" sz="2800" u="sng" dirty="0"/>
-              <a:t>Tag And Probe Calculations </a:t>
-            </a:r>
-            <a:r>
-              <a:rPr lang="en-US" sz="2800" u="sng" dirty="0">
-                <a:solidFill>
-                  <a:srgbClr val="00B0F0"/>
-                </a:solidFill>
-              </a:rPr>
-              <a:t>2016</a:t>
-            </a:r>
-            <a:r>
-              <a:rPr lang="en-US" sz="2800" u="sng" dirty="0"/>
-              <a:t> </a:t>
+              <a:t>Tag And Probe</a:t>
             </a:r>
             <a:endParaRPr lang="en-US" sz="2800" u="sng" dirty="0">
               <a:solidFill>
@@ -13520,302 +13528,715 @@
           <a:p>
             <a:fld id="{3DBB7BD0-9B8D-1F47-8ABF-BE3CF9BD2848}" type="datetime1">
               <a:rPr lang="en-US" smtClean="0"/>
-              <a:t>8/31/20</a:t>
+              <a:t>9/1/20</a:t>
             </a:fld>
             <a:endParaRPr lang="en-US" dirty="0"/>
           </a:p>
         </p:txBody>
       </p:sp>
-      <p:sp>
-        <p:nvSpPr>
-          <p:cNvPr id="6" name="Rectangle 5">
-            <a:extLst>
-              <a:ext uri="{FF2B5EF4-FFF2-40B4-BE49-F238E27FC236}">
-                <a16:creationId xmlns:a16="http://schemas.microsoft.com/office/drawing/2014/main" id="{1D3A9800-C923-F943-ACA5-B4B9B9A1D73D}"/>
-              </a:ext>
-            </a:extLst>
-          </p:cNvPr>
-          <p:cNvSpPr/>
-          <p:nvPr/>
-        </p:nvSpPr>
-        <p:spPr>
-          <a:xfrm>
-            <a:off x="7939701" y="638586"/>
-            <a:ext cx="2289346" cy="369332"/>
-          </a:xfrm>
-          <a:prstGeom prst="rect">
-            <a:avLst/>
-          </a:prstGeom>
-        </p:spPr>
-        <p:txBody>
-          <a:bodyPr wrap="none">
-            <a:spAutoFit/>
-          </a:bodyPr>
-          <a:lstStyle/>
-          <a:p>
-            <a:pPr algn="ctr"/>
-            <a:r>
-              <a:rPr lang="en-US" u="sng" dirty="0"/>
-              <a:t>without b tagging SF’s </a:t>
-            </a:r>
-          </a:p>
-        </p:txBody>
-      </p:sp>
-      <p:sp>
-        <p:nvSpPr>
-          <p:cNvPr id="8" name="Rectangle 7">
-            <a:extLst>
-              <a:ext uri="{FF2B5EF4-FFF2-40B4-BE49-F238E27FC236}">
-                <a16:creationId xmlns:a16="http://schemas.microsoft.com/office/drawing/2014/main" id="{FE0D63A0-1633-E841-944F-B91BFC6F0FEB}"/>
-              </a:ext>
-            </a:extLst>
-          </p:cNvPr>
-          <p:cNvSpPr/>
-          <p:nvPr/>
-        </p:nvSpPr>
-        <p:spPr>
-          <a:xfrm>
-            <a:off x="2333415" y="638586"/>
-            <a:ext cx="1499065" cy="369332"/>
-          </a:xfrm>
-          <a:prstGeom prst="rect">
-            <a:avLst/>
-          </a:prstGeom>
-        </p:spPr>
-        <p:txBody>
-          <a:bodyPr wrap="none">
-            <a:spAutoFit/>
-          </a:bodyPr>
-          <a:lstStyle/>
-          <a:p>
-            <a:pPr algn="ctr"/>
-            <a:r>
-              <a:rPr lang="en-US" u="sng" dirty="0"/>
-              <a:t>b tagging SF’s </a:t>
-            </a:r>
-          </a:p>
-        </p:txBody>
-      </p:sp>
-      <p:sp>
-        <p:nvSpPr>
-          <p:cNvPr id="4" name="Rectangle 3">
-            <a:extLst>
-              <a:ext uri="{FF2B5EF4-FFF2-40B4-BE49-F238E27FC236}">
-                <a16:creationId xmlns:a16="http://schemas.microsoft.com/office/drawing/2014/main" id="{5C3FEF86-DEE2-7A46-9297-5B0B54F82785}"/>
-              </a:ext>
-            </a:extLst>
-          </p:cNvPr>
-          <p:cNvSpPr/>
-          <p:nvPr/>
-        </p:nvSpPr>
-        <p:spPr>
-          <a:xfrm>
-            <a:off x="1237088" y="1582339"/>
-            <a:ext cx="3691717" cy="3693319"/>
-          </a:xfrm>
-          <a:prstGeom prst="rect">
-            <a:avLst/>
-          </a:prstGeom>
-        </p:spPr>
-        <p:txBody>
-          <a:bodyPr wrap="square">
-            <a:spAutoFit/>
-          </a:bodyPr>
-          <a:lstStyle/>
-          <a:p>
-            <a:r>
-              <a:rPr lang="en-GR" dirty="0"/>
-              <a:t>Efficiency--with btagging SF's</a:t>
-            </a:r>
-          </a:p>
-          <a:p>
-            <a:r>
-              <a:rPr lang="en-GR" dirty="0"/>
-              <a:t>eff data: 0.781 ± 0.038</a:t>
-            </a:r>
-          </a:p>
-          <a:p>
-            <a:r>
-              <a:rPr lang="en-GR" b="1" u="sng" dirty="0">
-                <a:solidFill>
-                  <a:srgbClr val="00B0F0"/>
-                </a:solidFill>
-              </a:rPr>
-              <a:t>eff ttbar: 0.772 ± 0.014</a:t>
-            </a:r>
-          </a:p>
-          <a:p>
-            <a:r>
-              <a:rPr lang="en-GR" dirty="0"/>
-              <a:t>-----------</a:t>
-            </a:r>
-          </a:p>
-          <a:p>
-            <a:r>
-              <a:rPr lang="en-GR" dirty="0"/>
-              <a:t>Efficiency per Pt region</a:t>
-            </a:r>
-          </a:p>
-          <a:p>
-            <a:r>
-              <a:rPr lang="en-GR" dirty="0"/>
-              <a:t>eff data pT[400-600]: 0.761 ± 0.042</a:t>
-            </a:r>
-          </a:p>
-          <a:p>
-            <a:r>
-              <a:rPr lang="en-GR" dirty="0"/>
-              <a:t>eff ttbar pT[400-600]: 0.778 ± 0.016</a:t>
-            </a:r>
-          </a:p>
-          <a:p>
-            <a:r>
-              <a:rPr lang="en-GR" dirty="0"/>
-              <a:t>-----------</a:t>
-            </a:r>
-          </a:p>
-          <a:p>
-            <a:r>
-              <a:rPr lang="en-GR" dirty="0"/>
-              <a:t>eff data pT[600-800]: 0.851 ± 0.100</a:t>
-            </a:r>
-          </a:p>
-          <a:p>
-            <a:r>
-              <a:rPr lang="en-GR" dirty="0"/>
-              <a:t>eff ttbar pT[600-800]: 0.748 ± 0.031</a:t>
-            </a:r>
-          </a:p>
-          <a:p>
-            <a:r>
-              <a:rPr lang="en-GR" dirty="0"/>
-              <a:t>-----------</a:t>
-            </a:r>
-          </a:p>
-          <a:p>
-            <a:r>
-              <a:rPr lang="en-GR" dirty="0"/>
-              <a:t>eff data pT[800-Inf]: 0.886 ± 0.160</a:t>
-            </a:r>
-          </a:p>
-          <a:p>
-            <a:r>
-              <a:rPr lang="en-GR" dirty="0"/>
-              <a:t>eff ttbar pT[800-Inf]: 0.775 ± 0.063</a:t>
-            </a:r>
-          </a:p>
-        </p:txBody>
-      </p:sp>
-      <p:sp>
-        <p:nvSpPr>
-          <p:cNvPr id="9" name="Rectangle 8">
-            <a:extLst>
-              <a:ext uri="{FF2B5EF4-FFF2-40B4-BE49-F238E27FC236}">
-                <a16:creationId xmlns:a16="http://schemas.microsoft.com/office/drawing/2014/main" id="{B6B55A27-C83E-6643-BB7E-E5EEB2946D8C}"/>
-              </a:ext>
-            </a:extLst>
-          </p:cNvPr>
-          <p:cNvSpPr/>
-          <p:nvPr/>
-        </p:nvSpPr>
-        <p:spPr>
-          <a:xfrm>
-            <a:off x="7069541" y="1582338"/>
-            <a:ext cx="3691717" cy="3693319"/>
-          </a:xfrm>
-          <a:prstGeom prst="rect">
-            <a:avLst/>
-          </a:prstGeom>
-        </p:spPr>
-        <p:txBody>
-          <a:bodyPr wrap="square">
-            <a:spAutoFit/>
-          </a:bodyPr>
-          <a:lstStyle/>
-          <a:p>
-            <a:r>
-              <a:rPr lang="en-GR" dirty="0"/>
-              <a:t>Efficiency--without btagging SF's</a:t>
-            </a:r>
-          </a:p>
-          <a:p>
-            <a:r>
-              <a:rPr lang="en-GR" dirty="0"/>
-              <a:t>eff data: 0.782 ± 0.039</a:t>
-            </a:r>
-          </a:p>
-          <a:p>
-            <a:r>
-              <a:rPr lang="en-GR" dirty="0">
-                <a:solidFill>
-                  <a:srgbClr val="00B0F0"/>
-                </a:solidFill>
-              </a:rPr>
-              <a:t>eff ttbar: 0.772 ± 0.014</a:t>
-            </a:r>
-          </a:p>
-          <a:p>
-            <a:r>
-              <a:rPr lang="en-GR" dirty="0"/>
-              <a:t>-----------</a:t>
-            </a:r>
-          </a:p>
-          <a:p>
-            <a:r>
-              <a:rPr lang="en-GR" dirty="0"/>
-              <a:t>Efficiency per Pt region</a:t>
-            </a:r>
-          </a:p>
-          <a:p>
-            <a:r>
-              <a:rPr lang="en-GR" dirty="0"/>
-              <a:t>eff data pT[400-600]: 0.762 ± 0.043 </a:t>
-            </a:r>
-          </a:p>
-          <a:p>
-            <a:r>
-              <a:rPr lang="en-GR" dirty="0"/>
-              <a:t>eff ttbar pT[400-600]: 0.778 ± 0.016</a:t>
-            </a:r>
-          </a:p>
-          <a:p>
-            <a:r>
-              <a:rPr lang="en-GR" dirty="0"/>
-              <a:t>-----------</a:t>
-            </a:r>
-          </a:p>
-          <a:p>
-            <a:r>
-              <a:rPr lang="en-GR" dirty="0"/>
-              <a:t>eff data pT[600-800]: 0.854 ± 0.103</a:t>
-            </a:r>
-          </a:p>
-          <a:p>
-            <a:r>
-              <a:rPr lang="en-GR" dirty="0"/>
-              <a:t>eff ttbar pT[600-800]: 0.748 ± 0.031</a:t>
-            </a:r>
-          </a:p>
-          <a:p>
-            <a:r>
-              <a:rPr lang="en-GR" dirty="0"/>
-              <a:t>-----------</a:t>
-            </a:r>
-          </a:p>
-          <a:p>
-            <a:r>
-              <a:rPr lang="en-GR" dirty="0"/>
-              <a:t>eff data pT[800-Inf]: 0.888 ± 0.161</a:t>
-            </a:r>
-          </a:p>
-          <a:p>
-            <a:r>
-              <a:rPr lang="en-GR" dirty="0"/>
-              <a:t>eff ttbar pT[800-Inf]: 0.775 ± 0.064</a:t>
-            </a:r>
-          </a:p>
-        </p:txBody>
-      </p:sp>
+      <mc:AlternateContent xmlns:mc="http://schemas.openxmlformats.org/markup-compatibility/2006">
+        <mc:Choice xmlns:a14="http://schemas.microsoft.com/office/drawing/2010/main" Requires="a14">
+          <p:sp>
+            <p:nvSpPr>
+              <p:cNvPr id="2" name="Rectangle 1">
+                <a:extLst>
+                  <a:ext uri="{FF2B5EF4-FFF2-40B4-BE49-F238E27FC236}">
+                    <a16:creationId xmlns:a16="http://schemas.microsoft.com/office/drawing/2014/main" id="{C1AABF11-DCDD-AF47-A02C-ABB44C4DD19D}"/>
+                  </a:ext>
+                </a:extLst>
+              </p:cNvPr>
+              <p:cNvSpPr/>
+              <p:nvPr/>
+            </p:nvSpPr>
+            <p:spPr>
+              <a:xfrm>
+                <a:off x="70757" y="1270646"/>
+                <a:ext cx="12050486" cy="3810915"/>
+              </a:xfrm>
+              <a:prstGeom prst="rect">
+                <a:avLst/>
+              </a:prstGeom>
+            </p:spPr>
+            <p:txBody>
+              <a:bodyPr wrap="square">
+                <a:spAutoFit/>
+              </a:bodyPr>
+              <a:lstStyle/>
+              <a:p>
+                <a:pPr marL="342900" indent="-342900">
+                  <a:buClr>
+                    <a:schemeClr val="accent1"/>
+                  </a:buClr>
+                  <a:buFont typeface="Arial" panose="020B0604020202020204" pitchFamily="34" charset="0"/>
+                  <a:buChar char="•"/>
+                </a:pPr>
+                <a:r>
+                  <a:rPr lang="en-US" sz="2000" u="sng" dirty="0"/>
+                  <a:t>Top Tagger Scale Factors</a:t>
+                </a:r>
+              </a:p>
+              <a:p>
+                <a:pPr marL="800100" lvl="1" indent="-342900">
+                  <a:buClr>
+                    <a:schemeClr val="accent1"/>
+                  </a:buClr>
+                  <a:buFont typeface="Arial" panose="020B0604020202020204" pitchFamily="34" charset="0"/>
+                  <a:buChar char="•"/>
+                </a:pPr>
+                <a:r>
+                  <a:rPr lang="en-US" sz="2000" dirty="0"/>
+                  <a:t>Tag and Probe: Data and MC don’t show inconsistency </a:t>
+                </a:r>
+              </a:p>
+              <a:p>
+                <a:pPr marL="800100" lvl="1" indent="-342900">
+                  <a:buClr>
+                    <a:schemeClr val="accent1"/>
+                  </a:buClr>
+                  <a:buFont typeface="Arial" panose="020B0604020202020204" pitchFamily="34" charset="0"/>
+                  <a:buChar char="•"/>
+                </a:pPr>
+                <a:r>
+                  <a:rPr lang="en-US" sz="2000" dirty="0"/>
+                  <a:t>Data is subtracted QCD and Subdominant </a:t>
+                </a:r>
+                <a:r>
+                  <a:rPr lang="en-US" sz="2000" dirty="0" err="1"/>
+                  <a:t>bkgs</a:t>
+                </a:r>
+                <a:r>
+                  <a:rPr lang="en-US" sz="2000" dirty="0"/>
+                  <a:t> (MC) so that the data sample is pure</a:t>
+                </a:r>
+              </a:p>
+              <a:p>
+                <a:pPr lvl="1">
+                  <a:buClr>
+                    <a:schemeClr val="accent1"/>
+                  </a:buClr>
+                </a:pPr>
+                <a:endParaRPr lang="en-US" sz="2000" i="1" dirty="0">
+                  <a:solidFill>
+                    <a:srgbClr val="FF0000"/>
+                  </a:solidFill>
+                  <a:latin typeface="Cambria Math" panose="02040503050406030204" pitchFamily="18" charset="0"/>
+                </a:endParaRPr>
+              </a:p>
+              <a:p>
+                <a:pPr lvl="1">
+                  <a:buClr>
+                    <a:schemeClr val="accent1"/>
+                  </a:buClr>
+                </a:pPr>
+                <a14:m>
+                  <m:oMathPara xmlns:m="http://schemas.openxmlformats.org/officeDocument/2006/math">
+                    <m:oMathParaPr>
+                      <m:jc m:val="centerGroup"/>
+                    </m:oMathParaPr>
+                    <m:oMath xmlns:m="http://schemas.openxmlformats.org/officeDocument/2006/math">
+                      <m:r>
+                        <a:rPr lang="en-US" sz="2000" i="1">
+                          <a:solidFill>
+                            <a:srgbClr val="FF0000"/>
+                          </a:solidFill>
+                          <a:latin typeface="Cambria Math" panose="02040503050406030204" pitchFamily="18" charset="0"/>
+                        </a:rPr>
+                        <m:t>𝑒𝑓𝑓𝑖𝑐𝑖𝑒𝑛𝑐𝑦</m:t>
+                      </m:r>
+                      <m:r>
+                        <a:rPr lang="en-US" sz="2000" i="1">
+                          <a:solidFill>
+                            <a:srgbClr val="FF0000"/>
+                          </a:solidFill>
+                          <a:latin typeface="Cambria Math" panose="02040503050406030204" pitchFamily="18" charset="0"/>
+                        </a:rPr>
+                        <m:t>= </m:t>
+                      </m:r>
+                      <m:f>
+                        <m:fPr>
+                          <m:ctrlPr>
+                            <a:rPr lang="en-US" sz="2000" i="1">
+                              <a:solidFill>
+                                <a:srgbClr val="FF0000"/>
+                              </a:solidFill>
+                              <a:latin typeface="Cambria Math" panose="02040503050406030204" pitchFamily="18" charset="0"/>
+                            </a:rPr>
+                          </m:ctrlPr>
+                        </m:fPr>
+                        <m:num>
+                          <m:r>
+                            <a:rPr lang="en-US" sz="2000" i="1">
+                              <a:solidFill>
+                                <a:srgbClr val="FF0000"/>
+                              </a:solidFill>
+                              <a:latin typeface="Cambria Math" panose="02040503050406030204" pitchFamily="18" charset="0"/>
+                            </a:rPr>
+                            <m:t># (1 </m:t>
+                          </m:r>
+                          <m:r>
+                            <a:rPr lang="en-US" sz="2000" i="1">
+                              <a:solidFill>
+                                <a:srgbClr val="FF0000"/>
+                              </a:solidFill>
+                              <a:latin typeface="Cambria Math" panose="02040503050406030204" pitchFamily="18" charset="0"/>
+                            </a:rPr>
+                            <m:t>𝑗𝑒𝑡</m:t>
+                          </m:r>
+                          <m:r>
+                            <a:rPr lang="en-US" sz="2000" i="1">
+                              <a:solidFill>
+                                <a:srgbClr val="FF0000"/>
+                              </a:solidFill>
+                              <a:latin typeface="Cambria Math" panose="02040503050406030204" pitchFamily="18" charset="0"/>
+                            </a:rPr>
+                            <m:t> </m:t>
+                          </m:r>
+                          <m:r>
+                            <a:rPr lang="en-US" sz="2000" i="1">
+                              <a:solidFill>
+                                <a:srgbClr val="FF0000"/>
+                              </a:solidFill>
+                              <a:latin typeface="Cambria Math" panose="02040503050406030204" pitchFamily="18" charset="0"/>
+                            </a:rPr>
+                            <m:t>𝑝𝑎𝑠𝑠</m:t>
+                          </m:r>
+                          <m:r>
+                            <a:rPr lang="en-US" sz="2000" i="1">
+                              <a:solidFill>
+                                <a:srgbClr val="FF0000"/>
+                              </a:solidFill>
+                              <a:latin typeface="Cambria Math" panose="02040503050406030204" pitchFamily="18" charset="0"/>
+                            </a:rPr>
+                            <m:t> </m:t>
+                          </m:r>
+                          <m:r>
+                            <a:rPr lang="en-US" sz="2000" i="1">
+                              <a:solidFill>
+                                <a:srgbClr val="FF0000"/>
+                              </a:solidFill>
+                              <a:latin typeface="Cambria Math" panose="02040503050406030204" pitchFamily="18" charset="0"/>
+                            </a:rPr>
+                            <m:t>𝑏𝑎𝑠𝑒𝑙𝑖𝑛𝑒</m:t>
+                          </m:r>
+                          <m:r>
+                            <a:rPr lang="en-US" sz="2000" i="1">
+                              <a:solidFill>
+                                <a:srgbClr val="FF0000"/>
+                              </a:solidFill>
+                              <a:latin typeface="Cambria Math" panose="02040503050406030204" pitchFamily="18" charset="0"/>
+                            </a:rPr>
+                            <m:t>+</m:t>
+                          </m:r>
+                          <m:r>
+                            <a:rPr lang="en-US" sz="2000" i="1">
+                              <a:solidFill>
+                                <a:srgbClr val="FF0000"/>
+                              </a:solidFill>
+                              <a:latin typeface="Cambria Math" panose="02040503050406030204" pitchFamily="18" charset="0"/>
+                            </a:rPr>
+                            <m:t>𝑇𝑖𝑔h𝑡</m:t>
+                          </m:r>
+                          <m:r>
+                            <a:rPr lang="en-US" sz="2000" i="1">
+                              <a:solidFill>
+                                <a:srgbClr val="FF0000"/>
+                              </a:solidFill>
+                              <a:latin typeface="Cambria Math" panose="02040503050406030204" pitchFamily="18" charset="0"/>
+                            </a:rPr>
+                            <m:t> </m:t>
+                          </m:r>
+                          <m:r>
+                            <a:rPr lang="en-US" sz="2000" i="1">
+                              <a:solidFill>
+                                <a:srgbClr val="FF0000"/>
+                              </a:solidFill>
+                              <a:latin typeface="Cambria Math" panose="02040503050406030204" pitchFamily="18" charset="0"/>
+                            </a:rPr>
+                            <m:t>𝑇𝑜𝑝𝑇𝑎𝑔𝑔𝑒𝑟</m:t>
+                          </m:r>
+                          <m:r>
+                            <a:rPr lang="en-US" sz="2000" i="1">
+                              <a:solidFill>
+                                <a:srgbClr val="FF0000"/>
+                              </a:solidFill>
+                              <a:latin typeface="Cambria Math" panose="02040503050406030204" pitchFamily="18" charset="0"/>
+                            </a:rPr>
+                            <m:t> </m:t>
+                          </m:r>
+                          <m:r>
+                            <a:rPr lang="en-US" sz="2000" i="1">
+                              <a:solidFill>
+                                <a:srgbClr val="FF0000"/>
+                              </a:solidFill>
+                              <a:latin typeface="Cambria Math" panose="02040503050406030204" pitchFamily="18" charset="0"/>
+                            </a:rPr>
+                            <m:t>𝐶𝑢𝑡</m:t>
+                          </m:r>
+                          <m:r>
+                            <a:rPr lang="en-US" sz="2000" i="1">
+                              <a:solidFill>
+                                <a:srgbClr val="FF0000"/>
+                              </a:solidFill>
+                              <a:latin typeface="Cambria Math" panose="02040503050406030204" pitchFamily="18" charset="0"/>
+                            </a:rPr>
+                            <m:t> </m:t>
+                          </m:r>
+                          <m:r>
+                            <a:rPr lang="en-US" sz="2000" i="1">
+                              <a:solidFill>
+                                <a:srgbClr val="FF0000"/>
+                              </a:solidFill>
+                              <a:latin typeface="Cambria Math" panose="02040503050406030204" pitchFamily="18" charset="0"/>
+                            </a:rPr>
+                            <m:t>𝐴𝑁𝐷</m:t>
+                          </m:r>
+                          <m:r>
+                            <a:rPr lang="en-US" sz="2000" i="1">
+                              <a:solidFill>
+                                <a:srgbClr val="FF0000"/>
+                              </a:solidFill>
+                              <a:latin typeface="Cambria Math" panose="02040503050406030204" pitchFamily="18" charset="0"/>
+                            </a:rPr>
+                            <m:t> 1 </m:t>
+                          </m:r>
+                          <m:r>
+                            <a:rPr lang="en-US" sz="2000" i="1">
+                              <a:solidFill>
+                                <a:srgbClr val="FF0000"/>
+                              </a:solidFill>
+                              <a:latin typeface="Cambria Math" panose="02040503050406030204" pitchFamily="18" charset="0"/>
+                            </a:rPr>
+                            <m:t>𝑗𝑒𝑡</m:t>
+                          </m:r>
+                          <m:r>
+                            <a:rPr lang="en-US" sz="2000" i="1">
+                              <a:solidFill>
+                                <a:srgbClr val="FF0000"/>
+                              </a:solidFill>
+                              <a:latin typeface="Cambria Math" panose="02040503050406030204" pitchFamily="18" charset="0"/>
+                            </a:rPr>
+                            <m:t> </m:t>
+                          </m:r>
+                          <m:r>
+                            <a:rPr lang="en-US" sz="2000" i="1">
+                              <a:solidFill>
+                                <a:srgbClr val="FF0000"/>
+                              </a:solidFill>
+                              <a:latin typeface="Cambria Math" panose="02040503050406030204" pitchFamily="18" charset="0"/>
+                            </a:rPr>
+                            <m:t>𝑝𝑎𝑠𝑠</m:t>
+                          </m:r>
+                          <m:r>
+                            <a:rPr lang="en-US" sz="2000" i="1">
+                              <a:solidFill>
+                                <a:srgbClr val="FF0000"/>
+                              </a:solidFill>
+                              <a:latin typeface="Cambria Math" panose="02040503050406030204" pitchFamily="18" charset="0"/>
+                            </a:rPr>
+                            <m:t> </m:t>
+                          </m:r>
+                          <m:r>
+                            <a:rPr lang="en-US" sz="2000" i="1">
+                              <a:solidFill>
+                                <a:srgbClr val="FF0000"/>
+                              </a:solidFill>
+                              <a:latin typeface="Cambria Math" panose="02040503050406030204" pitchFamily="18" charset="0"/>
+                            </a:rPr>
+                            <m:t>𝑆𝑅</m:t>
+                          </m:r>
+                          <m:r>
+                            <a:rPr lang="en-US" sz="2000" i="1">
+                              <a:solidFill>
+                                <a:srgbClr val="FF0000"/>
+                              </a:solidFill>
+                              <a:latin typeface="Cambria Math" panose="02040503050406030204" pitchFamily="18" charset="0"/>
+                            </a:rPr>
+                            <m:t>)</m:t>
+                          </m:r>
+                        </m:num>
+                        <m:den>
+                          <m:r>
+                            <a:rPr lang="en-US" sz="2000" i="1">
+                              <a:solidFill>
+                                <a:srgbClr val="FF0000"/>
+                              </a:solidFill>
+                              <a:latin typeface="Cambria Math" panose="02040503050406030204" pitchFamily="18" charset="0"/>
+                            </a:rPr>
+                            <m:t># (1 </m:t>
+                          </m:r>
+                          <m:r>
+                            <a:rPr lang="en-US" sz="2000" i="1">
+                              <a:solidFill>
+                                <a:srgbClr val="FF0000"/>
+                              </a:solidFill>
+                              <a:latin typeface="Cambria Math" panose="02040503050406030204" pitchFamily="18" charset="0"/>
+                            </a:rPr>
+                            <m:t>𝑗𝑒𝑡</m:t>
+                          </m:r>
+                          <m:r>
+                            <a:rPr lang="en-US" sz="2000" i="1">
+                              <a:solidFill>
+                                <a:srgbClr val="FF0000"/>
+                              </a:solidFill>
+                              <a:latin typeface="Cambria Math" panose="02040503050406030204" pitchFamily="18" charset="0"/>
+                            </a:rPr>
+                            <m:t> </m:t>
+                          </m:r>
+                          <m:r>
+                            <a:rPr lang="en-US" sz="2000" i="1">
+                              <a:solidFill>
+                                <a:srgbClr val="FF0000"/>
+                              </a:solidFill>
+                              <a:latin typeface="Cambria Math" panose="02040503050406030204" pitchFamily="18" charset="0"/>
+                            </a:rPr>
+                            <m:t>𝑝𝑎𝑠𝑠</m:t>
+                          </m:r>
+                          <m:r>
+                            <a:rPr lang="en-US" sz="2000" i="1">
+                              <a:solidFill>
+                                <a:srgbClr val="FF0000"/>
+                              </a:solidFill>
+                              <a:latin typeface="Cambria Math" panose="02040503050406030204" pitchFamily="18" charset="0"/>
+                            </a:rPr>
+                            <m:t> </m:t>
+                          </m:r>
+                          <m:r>
+                            <a:rPr lang="en-US" sz="2000" i="1">
+                              <a:solidFill>
+                                <a:srgbClr val="FF0000"/>
+                              </a:solidFill>
+                              <a:latin typeface="Cambria Math" panose="02040503050406030204" pitchFamily="18" charset="0"/>
+                            </a:rPr>
+                            <m:t>𝑏𝑎𝑠𝑒𝑙𝑖𝑛𝑒</m:t>
+                          </m:r>
+                          <m:r>
+                            <a:rPr lang="en-US" sz="2000" i="1">
+                              <a:solidFill>
+                                <a:srgbClr val="FF0000"/>
+                              </a:solidFill>
+                              <a:latin typeface="Cambria Math" panose="02040503050406030204" pitchFamily="18" charset="0"/>
+                            </a:rPr>
+                            <m:t>+</m:t>
+                          </m:r>
+                          <m:r>
+                            <a:rPr lang="en-US" sz="2000" i="1">
+                              <a:solidFill>
+                                <a:srgbClr val="FF0000"/>
+                              </a:solidFill>
+                              <a:latin typeface="Cambria Math" panose="02040503050406030204" pitchFamily="18" charset="0"/>
+                            </a:rPr>
+                            <m:t>𝑇𝑖𝑔h𝑡</m:t>
+                          </m:r>
+                          <m:r>
+                            <a:rPr lang="en-US" sz="2000" i="1">
+                              <a:solidFill>
+                                <a:srgbClr val="FF0000"/>
+                              </a:solidFill>
+                              <a:latin typeface="Cambria Math" panose="02040503050406030204" pitchFamily="18" charset="0"/>
+                            </a:rPr>
+                            <m:t> </m:t>
+                          </m:r>
+                          <m:r>
+                            <a:rPr lang="en-US" sz="2000" i="1">
+                              <a:solidFill>
+                                <a:srgbClr val="FF0000"/>
+                              </a:solidFill>
+                              <a:latin typeface="Cambria Math" panose="02040503050406030204" pitchFamily="18" charset="0"/>
+                            </a:rPr>
+                            <m:t>𝑇𝑜𝑝𝑇𝑎𝑔𝑔𝑒𝑟</m:t>
+                          </m:r>
+                          <m:r>
+                            <a:rPr lang="en-US" sz="2000" i="1">
+                              <a:solidFill>
+                                <a:srgbClr val="FF0000"/>
+                              </a:solidFill>
+                              <a:latin typeface="Cambria Math" panose="02040503050406030204" pitchFamily="18" charset="0"/>
+                            </a:rPr>
+                            <m:t> </m:t>
+                          </m:r>
+                          <m:r>
+                            <a:rPr lang="en-US" sz="2000" i="1">
+                              <a:solidFill>
+                                <a:srgbClr val="FF0000"/>
+                              </a:solidFill>
+                              <a:latin typeface="Cambria Math" panose="02040503050406030204" pitchFamily="18" charset="0"/>
+                            </a:rPr>
+                            <m:t>𝐶𝑢𝑡</m:t>
+                          </m:r>
+                          <m:r>
+                            <a:rPr lang="en-US" sz="2000" i="1">
+                              <a:solidFill>
+                                <a:srgbClr val="FF0000"/>
+                              </a:solidFill>
+                              <a:latin typeface="Cambria Math" panose="02040503050406030204" pitchFamily="18" charset="0"/>
+                            </a:rPr>
+                            <m:t> </m:t>
+                          </m:r>
+                          <m:r>
+                            <a:rPr lang="en-US" sz="2000" i="1">
+                              <a:solidFill>
+                                <a:srgbClr val="FF0000"/>
+                              </a:solidFill>
+                              <a:latin typeface="Cambria Math" panose="02040503050406030204" pitchFamily="18" charset="0"/>
+                            </a:rPr>
+                            <m:t>𝐴𝑁𝐷</m:t>
+                          </m:r>
+                          <m:r>
+                            <a:rPr lang="en-US" sz="2000" i="1">
+                              <a:solidFill>
+                                <a:srgbClr val="FF0000"/>
+                              </a:solidFill>
+                              <a:latin typeface="Cambria Math" panose="02040503050406030204" pitchFamily="18" charset="0"/>
+                            </a:rPr>
+                            <m:t> 1 </m:t>
+                          </m:r>
+                          <m:r>
+                            <a:rPr lang="en-US" sz="2000" i="1">
+                              <a:solidFill>
+                                <a:srgbClr val="FF0000"/>
+                              </a:solidFill>
+                              <a:latin typeface="Cambria Math" panose="02040503050406030204" pitchFamily="18" charset="0"/>
+                            </a:rPr>
+                            <m:t>𝑗𝑒𝑡</m:t>
+                          </m:r>
+                          <m:r>
+                            <a:rPr lang="en-US" sz="2000" i="1">
+                              <a:solidFill>
+                                <a:srgbClr val="FF0000"/>
+                              </a:solidFill>
+                              <a:latin typeface="Cambria Math" panose="02040503050406030204" pitchFamily="18" charset="0"/>
+                            </a:rPr>
+                            <m:t> </m:t>
+                          </m:r>
+                          <m:r>
+                            <a:rPr lang="en-US" sz="2000" i="1">
+                              <a:solidFill>
+                                <a:srgbClr val="FF0000"/>
+                              </a:solidFill>
+                              <a:latin typeface="Cambria Math" panose="02040503050406030204" pitchFamily="18" charset="0"/>
+                            </a:rPr>
+                            <m:t>𝑝𝑎𝑠𝑠</m:t>
+                          </m:r>
+                          <m:r>
+                            <a:rPr lang="en-US" sz="2000" i="1">
+                              <a:solidFill>
+                                <a:srgbClr val="FF0000"/>
+                              </a:solidFill>
+                              <a:latin typeface="Cambria Math" panose="02040503050406030204" pitchFamily="18" charset="0"/>
+                            </a:rPr>
+                            <m:t> </m:t>
+                          </m:r>
+                          <m:r>
+                            <a:rPr lang="en-US" sz="2000" i="1">
+                              <a:solidFill>
+                                <a:srgbClr val="FF0000"/>
+                              </a:solidFill>
+                              <a:latin typeface="Cambria Math" panose="02040503050406030204" pitchFamily="18" charset="0"/>
+                            </a:rPr>
+                            <m:t>𝑜𝑛𝑙𝑦</m:t>
+                          </m:r>
+                          <m:r>
+                            <a:rPr lang="en-US" sz="2000" i="1">
+                              <a:solidFill>
+                                <a:srgbClr val="FF0000"/>
+                              </a:solidFill>
+                              <a:latin typeface="Cambria Math" panose="02040503050406030204" pitchFamily="18" charset="0"/>
+                            </a:rPr>
+                            <m:t> </m:t>
+                          </m:r>
+                          <m:r>
+                            <a:rPr lang="en-US" sz="2000" i="1">
+                              <a:solidFill>
+                                <a:srgbClr val="FF0000"/>
+                              </a:solidFill>
+                              <a:latin typeface="Cambria Math" panose="02040503050406030204" pitchFamily="18" charset="0"/>
+                            </a:rPr>
+                            <m:t>𝑏𝑎𝑠𝑒𝑙𝑖𝑛𝑒</m:t>
+                          </m:r>
+                          <m:r>
+                            <a:rPr lang="en-US" sz="2000" i="1">
+                              <a:solidFill>
+                                <a:srgbClr val="FF0000"/>
+                              </a:solidFill>
+                              <a:latin typeface="Cambria Math" panose="02040503050406030204" pitchFamily="18" charset="0"/>
+                            </a:rPr>
+                            <m:t>)</m:t>
+                          </m:r>
+                        </m:den>
+                      </m:f>
+                    </m:oMath>
+                  </m:oMathPara>
+                </a14:m>
+                <a:endParaRPr lang="en-US" sz="2000" dirty="0">
+                  <a:solidFill>
+                    <a:srgbClr val="FF0000"/>
+                  </a:solidFill>
+                </a:endParaRPr>
+              </a:p>
+              <a:p>
+                <a:pPr lvl="1">
+                  <a:buClr>
+                    <a:schemeClr val="accent1"/>
+                  </a:buClr>
+                </a:pPr>
+                <a:endParaRPr lang="en-US" sz="2000" dirty="0">
+                  <a:solidFill>
+                    <a:srgbClr val="FF0000"/>
+                  </a:solidFill>
+                </a:endParaRPr>
+              </a:p>
+              <a:p>
+                <a:pPr marL="800100" lvl="1" indent="-342900">
+                  <a:buClr>
+                    <a:schemeClr val="accent1"/>
+                  </a:buClr>
+                  <a:buFont typeface="Arial" panose="020B0604020202020204" pitchFamily="34" charset="0"/>
+                  <a:buChar char="•"/>
+                </a:pPr>
+                <a:r>
+                  <a:rPr lang="en-US" sz="2000" dirty="0"/>
+                  <a:t>Randomization (check random jet) to fill histogram to avoid </a:t>
+                </a:r>
+                <a:r>
+                  <a:rPr lang="en-US" sz="2000" dirty="0" err="1"/>
+                  <a:t>pT</a:t>
+                </a:r>
+                <a:r>
+                  <a:rPr lang="en-US" sz="2000" dirty="0"/>
+                  <a:t> bias</a:t>
+                </a:r>
+              </a:p>
+              <a:p>
+                <a:pPr marL="800100" lvl="1" indent="-342900">
+                  <a:buClr>
+                    <a:schemeClr val="accent1"/>
+                  </a:buClr>
+                  <a:buFont typeface="Arial" panose="020B0604020202020204" pitchFamily="34" charset="0"/>
+                  <a:buChar char="•"/>
+                </a:pPr>
+                <a:r>
+                  <a:rPr lang="en-US" sz="2000" dirty="0" err="1"/>
+                  <a:t>mTop</a:t>
+                </a:r>
+                <a:r>
+                  <a:rPr lang="en-US" sz="2000" dirty="0"/>
+                  <a:t> candidate distributions for Numerator and Denominator of efficiency</a:t>
+                </a:r>
+              </a:p>
+              <a:p>
+                <a:pPr marL="1257300" lvl="2" indent="-342900">
+                  <a:buClr>
+                    <a:schemeClr val="accent1"/>
+                  </a:buClr>
+                  <a:buFont typeface="Arial" panose="020B0604020202020204" pitchFamily="34" charset="0"/>
+                  <a:buChar char="•"/>
+                </a:pPr>
+                <a:r>
+                  <a:rPr lang="en-US" sz="2000" dirty="0"/>
+                  <a:t>To scale the ttbar </a:t>
+                </a:r>
+                <a:r>
+                  <a:rPr lang="en-US" sz="2000" dirty="0">
+                    <a:sym typeface="Wingdings" pitchFamily="2" charset="2"/>
+                  </a:rPr>
+                  <a:t> fit the </a:t>
+                </a:r>
+                <a:r>
+                  <a:rPr lang="en-US" sz="2000" dirty="0" err="1">
+                    <a:sym typeface="Wingdings" pitchFamily="2" charset="2"/>
+                  </a:rPr>
+                  <a:t>mTop</a:t>
+                </a:r>
+                <a:r>
+                  <a:rPr lang="en-US" sz="2000" dirty="0">
+                    <a:sym typeface="Wingdings" pitchFamily="2" charset="2"/>
+                  </a:rPr>
+                  <a:t> in each of these regions (ttbar compatible ~ with SR)</a:t>
+                </a:r>
+                <a:endParaRPr lang="en-US" sz="2000" dirty="0"/>
+              </a:p>
+              <a:p>
+                <a:pPr marL="800100" lvl="1" indent="-342900">
+                  <a:buClr>
+                    <a:schemeClr val="accent1"/>
+                  </a:buClr>
+                  <a:buFont typeface="Arial" panose="020B0604020202020204" pitchFamily="34" charset="0"/>
+                  <a:buChar char="•"/>
+                </a:pPr>
+                <a:r>
+                  <a:rPr lang="en-US" sz="2000" dirty="0"/>
+                  <a:t>Divide the phase space into </a:t>
+                </a:r>
+                <a:r>
+                  <a:rPr lang="en-US" sz="2000" dirty="0" err="1"/>
+                  <a:t>pT</a:t>
+                </a:r>
+                <a:r>
+                  <a:rPr lang="en-US" sz="2000" dirty="0"/>
+                  <a:t> regions: [400-600] GeV, [600-800] GeV, [800-Inf] GeV</a:t>
+                </a:r>
+              </a:p>
+              <a:p>
+                <a:pPr marL="1257300" lvl="2" indent="-342900">
+                  <a:buClr>
+                    <a:schemeClr val="accent1"/>
+                  </a:buClr>
+                  <a:buFont typeface="Arial" panose="020B0604020202020204" pitchFamily="34" charset="0"/>
+                  <a:buChar char="•"/>
+                </a:pPr>
+                <a:r>
+                  <a:rPr lang="en-US" sz="2000" dirty="0"/>
+                  <a:t>Again no inconsistencies</a:t>
+                </a:r>
+              </a:p>
+            </p:txBody>
+          </p:sp>
+        </mc:Choice>
+        <mc:Fallback>
+          <p:sp>
+            <p:nvSpPr>
+              <p:cNvPr id="2" name="Rectangle 1">
+                <a:extLst>
+                  <a:ext uri="{FF2B5EF4-FFF2-40B4-BE49-F238E27FC236}">
+                    <a16:creationId xmlns:a16="http://schemas.microsoft.com/office/drawing/2014/main" id="{C1AABF11-DCDD-AF47-A02C-ABB44C4DD19D}"/>
+                  </a:ext>
+                </a:extLst>
+              </p:cNvPr>
+              <p:cNvSpPr>
+                <a:spLocks noRot="1" noChangeAspect="1" noMove="1" noResize="1" noEditPoints="1" noAdjustHandles="1" noChangeArrowheads="1" noChangeShapeType="1" noTextEdit="1"/>
+              </p:cNvSpPr>
+              <p:nvPr/>
+            </p:nvSpPr>
+            <p:spPr>
+              <a:xfrm>
+                <a:off x="70757" y="1270646"/>
+                <a:ext cx="12050486" cy="3810915"/>
+              </a:xfrm>
+              <a:prstGeom prst="rect">
+                <a:avLst/>
+              </a:prstGeom>
+              <a:blipFill>
+                <a:blip r:embed="rId2"/>
+                <a:stretch>
+                  <a:fillRect l="-421" t="-664" b="-1993"/>
+                </a:stretch>
+              </a:blipFill>
+            </p:spPr>
+            <p:txBody>
+              <a:bodyPr/>
+              <a:lstStyle/>
+              <a:p>
+                <a:r>
+                  <a:rPr lang="en-GR">
+                    <a:noFill/>
+                  </a:rPr>
+                  <a:t> </a:t>
+                </a:r>
+              </a:p>
+            </p:txBody>
+          </p:sp>
+        </mc:Fallback>
+      </mc:AlternateContent>
     </p:spTree>
     <p:extLst>
       <p:ext uri="{BB962C8B-B14F-4D97-AF65-F5344CB8AC3E}">
@@ -13875,6 +14296,53 @@
       </p:sp>
       <p:sp>
         <p:nvSpPr>
+          <p:cNvPr id="7" name="TextBox 6"/>
+          <p:cNvSpPr txBox="1"/>
+          <p:nvPr/>
+        </p:nvSpPr>
+        <p:spPr>
+          <a:xfrm>
+            <a:off x="3276600" y="33090"/>
+            <a:ext cx="5638800" cy="523220"/>
+          </a:xfrm>
+          <a:prstGeom prst="rect">
+            <a:avLst/>
+          </a:prstGeom>
+          <a:noFill/>
+        </p:spPr>
+        <p:txBody>
+          <a:bodyPr wrap="square" rtlCol="0">
+            <a:spAutoFit/>
+          </a:bodyPr>
+          <a:lstStyle/>
+          <a:p>
+            <a:pPr algn="ctr"/>
+            <a:r>
+              <a:rPr lang="en-US" sz="2800" u="sng" dirty="0"/>
+              <a:t>Tag And Probe Calculations </a:t>
+            </a:r>
+            <a:r>
+              <a:rPr lang="en-US" sz="2800" u="sng" dirty="0">
+                <a:solidFill>
+                  <a:srgbClr val="00B0F0"/>
+                </a:solidFill>
+              </a:rPr>
+              <a:t>2016</a:t>
+            </a:r>
+            <a:r>
+              <a:rPr lang="en-US" sz="2800" u="sng" dirty="0"/>
+              <a:t> </a:t>
+            </a:r>
+            <a:endParaRPr lang="en-US" sz="2800" u="sng" dirty="0">
+              <a:solidFill>
+                <a:srgbClr val="00B050"/>
+              </a:solidFill>
+            </a:endParaRPr>
+          </a:p>
+        </p:txBody>
+      </p:sp>
+      <p:sp>
+        <p:nvSpPr>
           <p:cNvPr id="5" name="Slide Number Placeholder 4">
             <a:extLst>
               <a:ext uri="{FF2B5EF4-FFF2-40B4-BE49-F238E27FC236}">
@@ -13924,263 +14392,20 @@
           <a:bodyPr/>
           <a:lstStyle/>
           <a:p>
-            <a:fld id="{D52D66B2-0E0A-F441-A1DA-8039F615D612}" type="datetime1">
+            <a:fld id="{3DBB7BD0-9B8D-1F47-8ABF-BE3CF9BD2848}" type="datetime1">
               <a:rPr lang="en-US" smtClean="0"/>
-              <a:t>8/31/20</a:t>
+              <a:t>9/1/20</a:t>
             </a:fld>
             <a:endParaRPr lang="en-US" dirty="0"/>
           </a:p>
         </p:txBody>
       </p:sp>
-      <p:pic>
-        <p:nvPicPr>
-          <p:cNvPr id="14" name="Picture 13">
+      <p:sp>
+        <p:nvSpPr>
+          <p:cNvPr id="6" name="Rectangle 5">
             <a:extLst>
               <a:ext uri="{FF2B5EF4-FFF2-40B4-BE49-F238E27FC236}">
-                <a16:creationId xmlns:a16="http://schemas.microsoft.com/office/drawing/2014/main" id="{484BB678-EF03-1E4B-8F08-99BE279810A5}"/>
-              </a:ext>
-            </a:extLst>
-          </p:cNvPr>
-          <p:cNvPicPr>
-            <a:picLocks noChangeAspect="1"/>
-          </p:cNvPicPr>
-          <p:nvPr/>
-        </p:nvPicPr>
-        <p:blipFill>
-          <a:blip r:embed="rId2"/>
-          <a:stretch>
-            <a:fillRect/>
-          </a:stretch>
-        </p:blipFill>
-        <p:spPr>
-          <a:xfrm rot="5400000">
-            <a:off x="7944248" y="-147063"/>
-            <a:ext cx="3012694" cy="4176522"/>
-          </a:xfrm>
-          <a:prstGeom prst="rect">
-            <a:avLst/>
-          </a:prstGeom>
-        </p:spPr>
-      </p:pic>
-      <p:pic>
-        <p:nvPicPr>
-          <p:cNvPr id="16" name="Picture 15">
-            <a:extLst>
-              <a:ext uri="{FF2B5EF4-FFF2-40B4-BE49-F238E27FC236}">
-                <a16:creationId xmlns:a16="http://schemas.microsoft.com/office/drawing/2014/main" id="{9D6EE389-A52D-4F4C-A2D8-E6BDAB28B6D9}"/>
-              </a:ext>
-            </a:extLst>
-          </p:cNvPr>
-          <p:cNvPicPr>
-            <a:picLocks noChangeAspect="1"/>
-          </p:cNvPicPr>
-          <p:nvPr/>
-        </p:nvPicPr>
-        <p:blipFill>
-          <a:blip r:embed="rId3"/>
-          <a:stretch>
-            <a:fillRect/>
-          </a:stretch>
-        </p:blipFill>
-        <p:spPr>
-          <a:xfrm rot="5400000">
-            <a:off x="7944248" y="2883723"/>
-            <a:ext cx="3012694" cy="4176522"/>
-          </a:xfrm>
-          <a:prstGeom prst="rect">
-            <a:avLst/>
-          </a:prstGeom>
-        </p:spPr>
-      </p:pic>
-      <p:sp>
-        <p:nvSpPr>
-          <p:cNvPr id="12" name="TextBox 11">
-            <a:extLst>
-              <a:ext uri="{FF2B5EF4-FFF2-40B4-BE49-F238E27FC236}">
-                <a16:creationId xmlns:a16="http://schemas.microsoft.com/office/drawing/2014/main" id="{0DA88F88-061A-7948-9105-8D7B2578CE9D}"/>
-              </a:ext>
-            </a:extLst>
-          </p:cNvPr>
-          <p:cNvSpPr txBox="1"/>
-          <p:nvPr/>
-        </p:nvSpPr>
-        <p:spPr>
-          <a:xfrm>
-            <a:off x="3752850" y="-76347"/>
-            <a:ext cx="4686300" cy="523220"/>
-          </a:xfrm>
-          <a:prstGeom prst="rect">
-            <a:avLst/>
-          </a:prstGeom>
-          <a:noFill/>
-        </p:spPr>
-        <p:txBody>
-          <a:bodyPr wrap="square" rtlCol="0">
-            <a:spAutoFit/>
-          </a:bodyPr>
-          <a:lstStyle/>
-          <a:p>
-            <a:r>
-              <a:rPr lang="en-GR" sz="2800" u="sng" dirty="0"/>
-              <a:t>TagAndProbe Efficiency </a:t>
-            </a:r>
-            <a:r>
-              <a:rPr lang="en-US" sz="2800" u="sng" dirty="0"/>
-              <a:t>(</a:t>
-            </a:r>
-            <a:r>
-              <a:rPr lang="en-US" sz="2800" u="sng" dirty="0">
-                <a:solidFill>
-                  <a:srgbClr val="00B0F0"/>
-                </a:solidFill>
-              </a:rPr>
-              <a:t>2016</a:t>
-            </a:r>
-            <a:r>
-              <a:rPr lang="en-US" sz="2800" u="sng" dirty="0"/>
-              <a:t>)</a:t>
-            </a:r>
-          </a:p>
-        </p:txBody>
-      </p:sp>
-      <p:pic>
-        <p:nvPicPr>
-          <p:cNvPr id="4" name="Picture 3">
-            <a:extLst>
-              <a:ext uri="{FF2B5EF4-FFF2-40B4-BE49-F238E27FC236}">
-                <a16:creationId xmlns:a16="http://schemas.microsoft.com/office/drawing/2014/main" id="{445DFE14-0581-C04E-BF1A-15D93312C5B0}"/>
-              </a:ext>
-            </a:extLst>
-          </p:cNvPr>
-          <p:cNvPicPr>
-            <a:picLocks noChangeAspect="1"/>
-          </p:cNvPicPr>
-          <p:nvPr/>
-        </p:nvPicPr>
-        <p:blipFill>
-          <a:blip r:embed="rId4"/>
-          <a:stretch>
-            <a:fillRect/>
-          </a:stretch>
-        </p:blipFill>
-        <p:spPr>
-          <a:xfrm rot="5400000">
-            <a:off x="1450594" y="-223701"/>
-            <a:ext cx="3012694" cy="4176522"/>
-          </a:xfrm>
-          <a:prstGeom prst="rect">
-            <a:avLst/>
-          </a:prstGeom>
-        </p:spPr>
-      </p:pic>
-      <p:pic>
-        <p:nvPicPr>
-          <p:cNvPr id="8" name="Picture 7">
-            <a:extLst>
-              <a:ext uri="{FF2B5EF4-FFF2-40B4-BE49-F238E27FC236}">
-                <a16:creationId xmlns:a16="http://schemas.microsoft.com/office/drawing/2014/main" id="{17C44605-60F4-E547-9DEF-B768885A5780}"/>
-              </a:ext>
-            </a:extLst>
-          </p:cNvPr>
-          <p:cNvPicPr>
-            <a:picLocks noChangeAspect="1"/>
-          </p:cNvPicPr>
-          <p:nvPr/>
-        </p:nvPicPr>
-        <p:blipFill>
-          <a:blip r:embed="rId5"/>
-          <a:stretch>
-            <a:fillRect/>
-          </a:stretch>
-        </p:blipFill>
-        <p:spPr>
-          <a:xfrm rot="5400000">
-            <a:off x="1450594" y="2859107"/>
-            <a:ext cx="3012694" cy="4176522"/>
-          </a:xfrm>
-          <a:prstGeom prst="rect">
-            <a:avLst/>
-          </a:prstGeom>
-        </p:spPr>
-      </p:pic>
-      <p:sp>
-        <p:nvSpPr>
-          <p:cNvPr id="22" name="TextBox 21">
-            <a:extLst>
-              <a:ext uri="{FF2B5EF4-FFF2-40B4-BE49-F238E27FC236}">
-                <a16:creationId xmlns:a16="http://schemas.microsoft.com/office/drawing/2014/main" id="{EA21A52B-1999-2A4B-A31D-E57CC60160A2}"/>
-              </a:ext>
-            </a:extLst>
-          </p:cNvPr>
-          <p:cNvSpPr txBox="1"/>
-          <p:nvPr/>
-        </p:nvSpPr>
-        <p:spPr>
-          <a:xfrm>
-            <a:off x="4683689" y="4680680"/>
-            <a:ext cx="3243263" cy="369332"/>
-          </a:xfrm>
-          <a:prstGeom prst="rect">
-            <a:avLst/>
-          </a:prstGeom>
-          <a:noFill/>
-        </p:spPr>
-        <p:txBody>
-          <a:bodyPr wrap="square" rtlCol="0">
-            <a:spAutoFit/>
-          </a:bodyPr>
-          <a:lstStyle/>
-          <a:p>
-            <a:pPr algn="ctr"/>
-            <a:r>
-              <a:rPr lang="en-GR" dirty="0"/>
-              <a:t>Tight TopTagger + Probe</a:t>
-            </a:r>
-          </a:p>
-        </p:txBody>
-      </p:sp>
-      <p:sp>
-        <p:nvSpPr>
-          <p:cNvPr id="19" name="TextBox 18">
-            <a:extLst>
-              <a:ext uri="{FF2B5EF4-FFF2-40B4-BE49-F238E27FC236}">
-                <a16:creationId xmlns:a16="http://schemas.microsoft.com/office/drawing/2014/main" id="{491F4ED5-8A54-D243-B516-026EF6F12778}"/>
-              </a:ext>
-            </a:extLst>
-          </p:cNvPr>
-          <p:cNvSpPr txBox="1"/>
-          <p:nvPr/>
-        </p:nvSpPr>
-        <p:spPr>
-          <a:xfrm>
-            <a:off x="4559413" y="1807989"/>
-            <a:ext cx="3243263" cy="369332"/>
-          </a:xfrm>
-          <a:prstGeom prst="rect">
-            <a:avLst/>
-          </a:prstGeom>
-          <a:noFill/>
-        </p:spPr>
-        <p:txBody>
-          <a:bodyPr wrap="square" rtlCol="0">
-            <a:spAutoFit/>
-          </a:bodyPr>
-          <a:lstStyle/>
-          <a:p>
-            <a:pPr algn="ctr"/>
-            <a:r>
-              <a:rPr lang="en-GR" dirty="0"/>
-              <a:t>Tight TopTagger + SR TopTagger</a:t>
-            </a:r>
-          </a:p>
-        </p:txBody>
-      </p:sp>
-      <p:sp>
-        <p:nvSpPr>
-          <p:cNvPr id="17" name="Rectangle 16">
-            <a:extLst>
-              <a:ext uri="{FF2B5EF4-FFF2-40B4-BE49-F238E27FC236}">
-                <a16:creationId xmlns:a16="http://schemas.microsoft.com/office/drawing/2014/main" id="{77F1A5DE-010C-8A49-9DFD-F714D88BF2CC}"/>
+                <a16:creationId xmlns:a16="http://schemas.microsoft.com/office/drawing/2014/main" id="{1D3A9800-C923-F943-ACA5-B4B9B9A1D73D}"/>
               </a:ext>
             </a:extLst>
           </p:cNvPr>
@@ -14189,8 +14414,8 @@
         </p:nvSpPr>
         <p:spPr>
           <a:xfrm>
-            <a:off x="2049125" y="3186241"/>
-            <a:ext cx="1520674" cy="369332"/>
+            <a:off x="7939701" y="638586"/>
+            <a:ext cx="2289346" cy="369332"/>
           </a:xfrm>
           <a:prstGeom prst="rect">
             <a:avLst/>
@@ -14204,22 +14429,18 @@
           <a:p>
             <a:pPr algn="ctr"/>
             <a:r>
-              <a:rPr lang="en-US" b="1" u="sng" dirty="0">
-                <a:solidFill>
-                  <a:srgbClr val="FF0000"/>
-                </a:solidFill>
-              </a:rPr>
-              <a:t>b tagging SF’s </a:t>
-            </a:r>
-          </a:p>
-        </p:txBody>
-      </p:sp>
-      <p:sp>
-        <p:nvSpPr>
-          <p:cNvPr id="21" name="Rectangle 20">
+              <a:rPr lang="en-US" u="sng" dirty="0"/>
+              <a:t>without b tagging SF’s </a:t>
+            </a:r>
+          </a:p>
+        </p:txBody>
+      </p:sp>
+      <p:sp>
+        <p:nvSpPr>
+          <p:cNvPr id="8" name="Rectangle 7">
             <a:extLst>
               <a:ext uri="{FF2B5EF4-FFF2-40B4-BE49-F238E27FC236}">
-                <a16:creationId xmlns:a16="http://schemas.microsoft.com/office/drawing/2014/main" id="{D299BB8B-A7C3-284A-BF5C-C54CD55AAB5A}"/>
+                <a16:creationId xmlns:a16="http://schemas.microsoft.com/office/drawing/2014/main" id="{FE0D63A0-1633-E841-944F-B91BFC6F0FEB}"/>
               </a:ext>
             </a:extLst>
           </p:cNvPr>
@@ -14228,8 +14449,8 @@
         </p:nvSpPr>
         <p:spPr>
           <a:xfrm>
-            <a:off x="8457894" y="3204932"/>
-            <a:ext cx="1849289" cy="369332"/>
+            <a:off x="2333415" y="638586"/>
+            <a:ext cx="1499065" cy="369332"/>
           </a:xfrm>
           <a:prstGeom prst="rect">
             <a:avLst/>
@@ -14243,12 +14464,228 @@
           <a:p>
             <a:pPr algn="ctr"/>
             <a:r>
-              <a:rPr lang="en-US" b="1" u="sng" dirty="0">
+              <a:rPr lang="en-US" u="sng" dirty="0"/>
+              <a:t>b tagging SF’s </a:t>
+            </a:r>
+          </a:p>
+        </p:txBody>
+      </p:sp>
+      <p:sp>
+        <p:nvSpPr>
+          <p:cNvPr id="4" name="Rectangle 3">
+            <a:extLst>
+              <a:ext uri="{FF2B5EF4-FFF2-40B4-BE49-F238E27FC236}">
+                <a16:creationId xmlns:a16="http://schemas.microsoft.com/office/drawing/2014/main" id="{5C3FEF86-DEE2-7A46-9297-5B0B54F82785}"/>
+              </a:ext>
+            </a:extLst>
+          </p:cNvPr>
+          <p:cNvSpPr/>
+          <p:nvPr/>
+        </p:nvSpPr>
+        <p:spPr>
+          <a:xfrm>
+            <a:off x="1237088" y="1582339"/>
+            <a:ext cx="3691717" cy="3693319"/>
+          </a:xfrm>
+          <a:prstGeom prst="rect">
+            <a:avLst/>
+          </a:prstGeom>
+        </p:spPr>
+        <p:txBody>
+          <a:bodyPr wrap="square">
+            <a:spAutoFit/>
+          </a:bodyPr>
+          <a:lstStyle/>
+          <a:p>
+            <a:r>
+              <a:rPr lang="en-GR" dirty="0"/>
+              <a:t>Efficiency--with btagging SF's</a:t>
+            </a:r>
+          </a:p>
+          <a:p>
+            <a:r>
+              <a:rPr lang="en-GR" dirty="0"/>
+              <a:t>eff data: 0.781 ± 0.038</a:t>
+            </a:r>
+          </a:p>
+          <a:p>
+            <a:r>
+              <a:rPr lang="en-GR" b="1" u="sng" dirty="0">
                 <a:solidFill>
-                  <a:srgbClr val="FF0000"/>
+                  <a:srgbClr val="00B0F0"/>
                 </a:solidFill>
               </a:rPr>
-              <a:t>No b tagging SF’s </a:t>
+              <a:t>eff ttbar: 0.772 ± 0.014</a:t>
+            </a:r>
+          </a:p>
+          <a:p>
+            <a:r>
+              <a:rPr lang="en-GR" dirty="0"/>
+              <a:t>-----------</a:t>
+            </a:r>
+          </a:p>
+          <a:p>
+            <a:r>
+              <a:rPr lang="en-GR" dirty="0"/>
+              <a:t>Efficiency per Pt region</a:t>
+            </a:r>
+          </a:p>
+          <a:p>
+            <a:r>
+              <a:rPr lang="en-GR" dirty="0"/>
+              <a:t>eff data pT[400-600]: 0.761 ± 0.042</a:t>
+            </a:r>
+          </a:p>
+          <a:p>
+            <a:r>
+              <a:rPr lang="en-GR" dirty="0"/>
+              <a:t>eff ttbar pT[400-600]: 0.778 ± 0.016</a:t>
+            </a:r>
+          </a:p>
+          <a:p>
+            <a:r>
+              <a:rPr lang="en-GR" dirty="0"/>
+              <a:t>-----------</a:t>
+            </a:r>
+          </a:p>
+          <a:p>
+            <a:r>
+              <a:rPr lang="en-GR" dirty="0"/>
+              <a:t>eff data pT[600-800]: 0.851 ± 0.100</a:t>
+            </a:r>
+          </a:p>
+          <a:p>
+            <a:r>
+              <a:rPr lang="en-GR" dirty="0"/>
+              <a:t>eff ttbar pT[600-800]: 0.748 ± 0.031</a:t>
+            </a:r>
+          </a:p>
+          <a:p>
+            <a:r>
+              <a:rPr lang="en-GR" dirty="0"/>
+              <a:t>-----------</a:t>
+            </a:r>
+          </a:p>
+          <a:p>
+            <a:r>
+              <a:rPr lang="en-GR" dirty="0"/>
+              <a:t>eff data pT[800-Inf]: 0.886 ± 0.160</a:t>
+            </a:r>
+          </a:p>
+          <a:p>
+            <a:r>
+              <a:rPr lang="en-GR" dirty="0"/>
+              <a:t>eff ttbar pT[800-Inf]: 0.775 ± 0.063</a:t>
+            </a:r>
+          </a:p>
+        </p:txBody>
+      </p:sp>
+      <p:sp>
+        <p:nvSpPr>
+          <p:cNvPr id="9" name="Rectangle 8">
+            <a:extLst>
+              <a:ext uri="{FF2B5EF4-FFF2-40B4-BE49-F238E27FC236}">
+                <a16:creationId xmlns:a16="http://schemas.microsoft.com/office/drawing/2014/main" id="{B6B55A27-C83E-6643-BB7E-E5EEB2946D8C}"/>
+              </a:ext>
+            </a:extLst>
+          </p:cNvPr>
+          <p:cNvSpPr/>
+          <p:nvPr/>
+        </p:nvSpPr>
+        <p:spPr>
+          <a:xfrm>
+            <a:off x="7069541" y="1582338"/>
+            <a:ext cx="3691717" cy="3693319"/>
+          </a:xfrm>
+          <a:prstGeom prst="rect">
+            <a:avLst/>
+          </a:prstGeom>
+        </p:spPr>
+        <p:txBody>
+          <a:bodyPr wrap="square">
+            <a:spAutoFit/>
+          </a:bodyPr>
+          <a:lstStyle/>
+          <a:p>
+            <a:r>
+              <a:rPr lang="en-GR" dirty="0"/>
+              <a:t>Efficiency--without btagging SF's</a:t>
+            </a:r>
+          </a:p>
+          <a:p>
+            <a:r>
+              <a:rPr lang="en-GR" dirty="0"/>
+              <a:t>eff data: 0.782 ± 0.039</a:t>
+            </a:r>
+          </a:p>
+          <a:p>
+            <a:r>
+              <a:rPr lang="en-GR" dirty="0">
+                <a:solidFill>
+                  <a:srgbClr val="00B0F0"/>
+                </a:solidFill>
+              </a:rPr>
+              <a:t>eff ttbar: 0.772 ± 0.014</a:t>
+            </a:r>
+          </a:p>
+          <a:p>
+            <a:r>
+              <a:rPr lang="en-GR" dirty="0"/>
+              <a:t>-----------</a:t>
+            </a:r>
+          </a:p>
+          <a:p>
+            <a:r>
+              <a:rPr lang="en-GR" dirty="0"/>
+              <a:t>Efficiency per Pt region</a:t>
+            </a:r>
+          </a:p>
+          <a:p>
+            <a:r>
+              <a:rPr lang="en-GR" dirty="0"/>
+              <a:t>eff data pT[400-600]: 0.762 ± 0.043 </a:t>
+            </a:r>
+          </a:p>
+          <a:p>
+            <a:r>
+              <a:rPr lang="en-GR" dirty="0"/>
+              <a:t>eff ttbar pT[400-600]: 0.778 ± 0.016</a:t>
+            </a:r>
+          </a:p>
+          <a:p>
+            <a:r>
+              <a:rPr lang="en-GR" dirty="0"/>
+              <a:t>-----------</a:t>
+            </a:r>
+          </a:p>
+          <a:p>
+            <a:r>
+              <a:rPr lang="en-GR" dirty="0"/>
+              <a:t>eff data pT[600-800]: 0.854 ± 0.103</a:t>
+            </a:r>
+          </a:p>
+          <a:p>
+            <a:r>
+              <a:rPr lang="en-GR" dirty="0"/>
+              <a:t>eff ttbar pT[600-800]: 0.748 ± 0.031</a:t>
+            </a:r>
+          </a:p>
+          <a:p>
+            <a:r>
+              <a:rPr lang="en-GR" dirty="0"/>
+              <a:t>-----------</a:t>
+            </a:r>
+          </a:p>
+          <a:p>
+            <a:r>
+              <a:rPr lang="en-GR" dirty="0"/>
+              <a:t>eff data pT[800-Inf]: 0.888 ± 0.161</a:t>
+            </a:r>
+          </a:p>
+          <a:p>
+            <a:r>
+              <a:rPr lang="en-GR" dirty="0"/>
+              <a:t>eff ttbar pT[800-Inf]: 0.775 ± 0.064</a:t>
             </a:r>
           </a:p>
         </p:txBody>
@@ -14256,7 +14693,7 @@
     </p:spTree>
     <p:extLst>
       <p:ext uri="{BB962C8B-B14F-4D97-AF65-F5344CB8AC3E}">
-        <p14:creationId xmlns:p14="http://schemas.microsoft.com/office/powerpoint/2010/main" val="2146348735"/>
+        <p14:creationId xmlns:p14="http://schemas.microsoft.com/office/powerpoint/2010/main" val="3727702470"/>
       </p:ext>
     </p:extLst>
   </p:cSld>
@@ -14312,53 +14749,6 @@
       </p:sp>
       <p:sp>
         <p:nvSpPr>
-          <p:cNvPr id="7" name="TextBox 6"/>
-          <p:cNvSpPr txBox="1"/>
-          <p:nvPr/>
-        </p:nvSpPr>
-        <p:spPr>
-          <a:xfrm>
-            <a:off x="3276600" y="33090"/>
-            <a:ext cx="5638800" cy="523220"/>
-          </a:xfrm>
-          <a:prstGeom prst="rect">
-            <a:avLst/>
-          </a:prstGeom>
-          <a:noFill/>
-        </p:spPr>
-        <p:txBody>
-          <a:bodyPr wrap="square" rtlCol="0">
-            <a:spAutoFit/>
-          </a:bodyPr>
-          <a:lstStyle/>
-          <a:p>
-            <a:pPr algn="ctr"/>
-            <a:r>
-              <a:rPr lang="en-US" sz="2800" u="sng" dirty="0"/>
-              <a:t>Tag And Probe Calculations </a:t>
-            </a:r>
-            <a:r>
-              <a:rPr lang="en-US" sz="2800" u="sng" dirty="0">
-                <a:solidFill>
-                  <a:srgbClr val="FF0000"/>
-                </a:solidFill>
-              </a:rPr>
-              <a:t>2017</a:t>
-            </a:r>
-            <a:r>
-              <a:rPr lang="en-US" sz="2800" u="sng" dirty="0"/>
-              <a:t> </a:t>
-            </a:r>
-            <a:endParaRPr lang="en-US" sz="2800" u="sng" dirty="0">
-              <a:solidFill>
-                <a:srgbClr val="00B050"/>
-              </a:solidFill>
-            </a:endParaRPr>
-          </a:p>
-        </p:txBody>
-      </p:sp>
-      <p:sp>
-        <p:nvSpPr>
           <p:cNvPr id="5" name="Slide Number Placeholder 4">
             <a:extLst>
               <a:ext uri="{FF2B5EF4-FFF2-40B4-BE49-F238E27FC236}">
@@ -14408,20 +14798,263 @@
           <a:bodyPr/>
           <a:lstStyle/>
           <a:p>
-            <a:fld id="{3DBB7BD0-9B8D-1F47-8ABF-BE3CF9BD2848}" type="datetime1">
+            <a:fld id="{D52D66B2-0E0A-F441-A1DA-8039F615D612}" type="datetime1">
               <a:rPr lang="en-US" smtClean="0"/>
-              <a:t>8/31/20</a:t>
+              <a:t>9/1/20</a:t>
             </a:fld>
             <a:endParaRPr lang="en-US" dirty="0"/>
           </a:p>
         </p:txBody>
       </p:sp>
-      <p:sp>
-        <p:nvSpPr>
-          <p:cNvPr id="6" name="Rectangle 5">
+      <p:pic>
+        <p:nvPicPr>
+          <p:cNvPr id="14" name="Picture 13">
             <a:extLst>
               <a:ext uri="{FF2B5EF4-FFF2-40B4-BE49-F238E27FC236}">
-                <a16:creationId xmlns:a16="http://schemas.microsoft.com/office/drawing/2014/main" id="{1D3A9800-C923-F943-ACA5-B4B9B9A1D73D}"/>
+                <a16:creationId xmlns:a16="http://schemas.microsoft.com/office/drawing/2014/main" id="{484BB678-EF03-1E4B-8F08-99BE279810A5}"/>
+              </a:ext>
+            </a:extLst>
+          </p:cNvPr>
+          <p:cNvPicPr>
+            <a:picLocks noChangeAspect="1"/>
+          </p:cNvPicPr>
+          <p:nvPr/>
+        </p:nvPicPr>
+        <p:blipFill>
+          <a:blip r:embed="rId2"/>
+          <a:stretch>
+            <a:fillRect/>
+          </a:stretch>
+        </p:blipFill>
+        <p:spPr>
+          <a:xfrm rot="5400000">
+            <a:off x="7944248" y="-147063"/>
+            <a:ext cx="3012694" cy="4176522"/>
+          </a:xfrm>
+          <a:prstGeom prst="rect">
+            <a:avLst/>
+          </a:prstGeom>
+        </p:spPr>
+      </p:pic>
+      <p:pic>
+        <p:nvPicPr>
+          <p:cNvPr id="16" name="Picture 15">
+            <a:extLst>
+              <a:ext uri="{FF2B5EF4-FFF2-40B4-BE49-F238E27FC236}">
+                <a16:creationId xmlns:a16="http://schemas.microsoft.com/office/drawing/2014/main" id="{9D6EE389-A52D-4F4C-A2D8-E6BDAB28B6D9}"/>
+              </a:ext>
+            </a:extLst>
+          </p:cNvPr>
+          <p:cNvPicPr>
+            <a:picLocks noChangeAspect="1"/>
+          </p:cNvPicPr>
+          <p:nvPr/>
+        </p:nvPicPr>
+        <p:blipFill>
+          <a:blip r:embed="rId3"/>
+          <a:stretch>
+            <a:fillRect/>
+          </a:stretch>
+        </p:blipFill>
+        <p:spPr>
+          <a:xfrm rot="5400000">
+            <a:off x="7944248" y="2883723"/>
+            <a:ext cx="3012694" cy="4176522"/>
+          </a:xfrm>
+          <a:prstGeom prst="rect">
+            <a:avLst/>
+          </a:prstGeom>
+        </p:spPr>
+      </p:pic>
+      <p:sp>
+        <p:nvSpPr>
+          <p:cNvPr id="12" name="TextBox 11">
+            <a:extLst>
+              <a:ext uri="{FF2B5EF4-FFF2-40B4-BE49-F238E27FC236}">
+                <a16:creationId xmlns:a16="http://schemas.microsoft.com/office/drawing/2014/main" id="{0DA88F88-061A-7948-9105-8D7B2578CE9D}"/>
+              </a:ext>
+            </a:extLst>
+          </p:cNvPr>
+          <p:cNvSpPr txBox="1"/>
+          <p:nvPr/>
+        </p:nvSpPr>
+        <p:spPr>
+          <a:xfrm>
+            <a:off x="3752850" y="-76347"/>
+            <a:ext cx="4686300" cy="523220"/>
+          </a:xfrm>
+          <a:prstGeom prst="rect">
+            <a:avLst/>
+          </a:prstGeom>
+          <a:noFill/>
+        </p:spPr>
+        <p:txBody>
+          <a:bodyPr wrap="square" rtlCol="0">
+            <a:spAutoFit/>
+          </a:bodyPr>
+          <a:lstStyle/>
+          <a:p>
+            <a:r>
+              <a:rPr lang="en-GR" sz="2800" u="sng" dirty="0"/>
+              <a:t>TagAndProbe Efficiency </a:t>
+            </a:r>
+            <a:r>
+              <a:rPr lang="en-US" sz="2800" u="sng" dirty="0"/>
+              <a:t>(</a:t>
+            </a:r>
+            <a:r>
+              <a:rPr lang="en-US" sz="2800" u="sng" dirty="0">
+                <a:solidFill>
+                  <a:srgbClr val="00B0F0"/>
+                </a:solidFill>
+              </a:rPr>
+              <a:t>2016</a:t>
+            </a:r>
+            <a:r>
+              <a:rPr lang="en-US" sz="2800" u="sng" dirty="0"/>
+              <a:t>)</a:t>
+            </a:r>
+          </a:p>
+        </p:txBody>
+      </p:sp>
+      <p:pic>
+        <p:nvPicPr>
+          <p:cNvPr id="4" name="Picture 3">
+            <a:extLst>
+              <a:ext uri="{FF2B5EF4-FFF2-40B4-BE49-F238E27FC236}">
+                <a16:creationId xmlns:a16="http://schemas.microsoft.com/office/drawing/2014/main" id="{445DFE14-0581-C04E-BF1A-15D93312C5B0}"/>
+              </a:ext>
+            </a:extLst>
+          </p:cNvPr>
+          <p:cNvPicPr>
+            <a:picLocks noChangeAspect="1"/>
+          </p:cNvPicPr>
+          <p:nvPr/>
+        </p:nvPicPr>
+        <p:blipFill>
+          <a:blip r:embed="rId4"/>
+          <a:stretch>
+            <a:fillRect/>
+          </a:stretch>
+        </p:blipFill>
+        <p:spPr>
+          <a:xfrm rot="5400000">
+            <a:off x="1450594" y="-223701"/>
+            <a:ext cx="3012694" cy="4176522"/>
+          </a:xfrm>
+          <a:prstGeom prst="rect">
+            <a:avLst/>
+          </a:prstGeom>
+        </p:spPr>
+      </p:pic>
+      <p:pic>
+        <p:nvPicPr>
+          <p:cNvPr id="8" name="Picture 7">
+            <a:extLst>
+              <a:ext uri="{FF2B5EF4-FFF2-40B4-BE49-F238E27FC236}">
+                <a16:creationId xmlns:a16="http://schemas.microsoft.com/office/drawing/2014/main" id="{17C44605-60F4-E547-9DEF-B768885A5780}"/>
+              </a:ext>
+            </a:extLst>
+          </p:cNvPr>
+          <p:cNvPicPr>
+            <a:picLocks noChangeAspect="1"/>
+          </p:cNvPicPr>
+          <p:nvPr/>
+        </p:nvPicPr>
+        <p:blipFill>
+          <a:blip r:embed="rId5"/>
+          <a:stretch>
+            <a:fillRect/>
+          </a:stretch>
+        </p:blipFill>
+        <p:spPr>
+          <a:xfrm rot="5400000">
+            <a:off x="1450594" y="2859107"/>
+            <a:ext cx="3012694" cy="4176522"/>
+          </a:xfrm>
+          <a:prstGeom prst="rect">
+            <a:avLst/>
+          </a:prstGeom>
+        </p:spPr>
+      </p:pic>
+      <p:sp>
+        <p:nvSpPr>
+          <p:cNvPr id="22" name="TextBox 21">
+            <a:extLst>
+              <a:ext uri="{FF2B5EF4-FFF2-40B4-BE49-F238E27FC236}">
+                <a16:creationId xmlns:a16="http://schemas.microsoft.com/office/drawing/2014/main" id="{EA21A52B-1999-2A4B-A31D-E57CC60160A2}"/>
+              </a:ext>
+            </a:extLst>
+          </p:cNvPr>
+          <p:cNvSpPr txBox="1"/>
+          <p:nvPr/>
+        </p:nvSpPr>
+        <p:spPr>
+          <a:xfrm>
+            <a:off x="4683689" y="4680680"/>
+            <a:ext cx="3243263" cy="369332"/>
+          </a:xfrm>
+          <a:prstGeom prst="rect">
+            <a:avLst/>
+          </a:prstGeom>
+          <a:noFill/>
+        </p:spPr>
+        <p:txBody>
+          <a:bodyPr wrap="square" rtlCol="0">
+            <a:spAutoFit/>
+          </a:bodyPr>
+          <a:lstStyle/>
+          <a:p>
+            <a:pPr algn="ctr"/>
+            <a:r>
+              <a:rPr lang="en-GR" dirty="0"/>
+              <a:t>Tight TopTagger + Probe</a:t>
+            </a:r>
+          </a:p>
+        </p:txBody>
+      </p:sp>
+      <p:sp>
+        <p:nvSpPr>
+          <p:cNvPr id="19" name="TextBox 18">
+            <a:extLst>
+              <a:ext uri="{FF2B5EF4-FFF2-40B4-BE49-F238E27FC236}">
+                <a16:creationId xmlns:a16="http://schemas.microsoft.com/office/drawing/2014/main" id="{491F4ED5-8A54-D243-B516-026EF6F12778}"/>
+              </a:ext>
+            </a:extLst>
+          </p:cNvPr>
+          <p:cNvSpPr txBox="1"/>
+          <p:nvPr/>
+        </p:nvSpPr>
+        <p:spPr>
+          <a:xfrm>
+            <a:off x="4559413" y="1807989"/>
+            <a:ext cx="3243263" cy="369332"/>
+          </a:xfrm>
+          <a:prstGeom prst="rect">
+            <a:avLst/>
+          </a:prstGeom>
+          <a:noFill/>
+        </p:spPr>
+        <p:txBody>
+          <a:bodyPr wrap="square" rtlCol="0">
+            <a:spAutoFit/>
+          </a:bodyPr>
+          <a:lstStyle/>
+          <a:p>
+            <a:pPr algn="ctr"/>
+            <a:r>
+              <a:rPr lang="en-GR" dirty="0"/>
+              <a:t>Tight TopTagger + SR TopTagger</a:t>
+            </a:r>
+          </a:p>
+        </p:txBody>
+      </p:sp>
+      <p:sp>
+        <p:nvSpPr>
+          <p:cNvPr id="17" name="Rectangle 16">
+            <a:extLst>
+              <a:ext uri="{FF2B5EF4-FFF2-40B4-BE49-F238E27FC236}">
+                <a16:creationId xmlns:a16="http://schemas.microsoft.com/office/drawing/2014/main" id="{77F1A5DE-010C-8A49-9DFD-F714D88BF2CC}"/>
               </a:ext>
             </a:extLst>
           </p:cNvPr>
@@ -14430,8 +15063,8 @@
         </p:nvSpPr>
         <p:spPr>
           <a:xfrm>
-            <a:off x="7939701" y="638586"/>
-            <a:ext cx="2289346" cy="369332"/>
+            <a:off x="2049125" y="3186241"/>
+            <a:ext cx="1520674" cy="369332"/>
           </a:xfrm>
           <a:prstGeom prst="rect">
             <a:avLst/>
@@ -14445,18 +15078,22 @@
           <a:p>
             <a:pPr algn="ctr"/>
             <a:r>
-              <a:rPr lang="en-US" u="sng" dirty="0"/>
-              <a:t>without b tagging SF’s </a:t>
-            </a:r>
-          </a:p>
-        </p:txBody>
-      </p:sp>
-      <p:sp>
-        <p:nvSpPr>
-          <p:cNvPr id="8" name="Rectangle 7">
+              <a:rPr lang="en-US" b="1" u="sng" dirty="0">
+                <a:solidFill>
+                  <a:srgbClr val="FF0000"/>
+                </a:solidFill>
+              </a:rPr>
+              <a:t>b tagging SF’s </a:t>
+            </a:r>
+          </a:p>
+        </p:txBody>
+      </p:sp>
+      <p:sp>
+        <p:nvSpPr>
+          <p:cNvPr id="21" name="Rectangle 20">
             <a:extLst>
               <a:ext uri="{FF2B5EF4-FFF2-40B4-BE49-F238E27FC236}">
-                <a16:creationId xmlns:a16="http://schemas.microsoft.com/office/drawing/2014/main" id="{FE0D63A0-1633-E841-944F-B91BFC6F0FEB}"/>
+                <a16:creationId xmlns:a16="http://schemas.microsoft.com/office/drawing/2014/main" id="{D299BB8B-A7C3-284A-BF5C-C54CD55AAB5A}"/>
               </a:ext>
             </a:extLst>
           </p:cNvPr>
@@ -14465,8 +15102,8 @@
         </p:nvSpPr>
         <p:spPr>
           <a:xfrm>
-            <a:off x="2333415" y="638586"/>
-            <a:ext cx="1499065" cy="369332"/>
+            <a:off x="8457894" y="3204932"/>
+            <a:ext cx="1849289" cy="369332"/>
           </a:xfrm>
           <a:prstGeom prst="rect">
             <a:avLst/>
@@ -14480,228 +15117,12 @@
           <a:p>
             <a:pPr algn="ctr"/>
             <a:r>
-              <a:rPr lang="en-US" u="sng" dirty="0"/>
-              <a:t>b tagging SF’s </a:t>
-            </a:r>
-          </a:p>
-        </p:txBody>
-      </p:sp>
-      <p:sp>
-        <p:nvSpPr>
-          <p:cNvPr id="2" name="Rectangle 1">
-            <a:extLst>
-              <a:ext uri="{FF2B5EF4-FFF2-40B4-BE49-F238E27FC236}">
-                <a16:creationId xmlns:a16="http://schemas.microsoft.com/office/drawing/2014/main" id="{2DC1FF26-71A8-0242-A173-4ED7A7EC3B5E}"/>
-              </a:ext>
-            </a:extLst>
-          </p:cNvPr>
-          <p:cNvSpPr/>
-          <p:nvPr/>
-        </p:nvSpPr>
-        <p:spPr>
-          <a:xfrm>
-            <a:off x="1211284" y="1582339"/>
-            <a:ext cx="3743325" cy="3693319"/>
-          </a:xfrm>
-          <a:prstGeom prst="rect">
-            <a:avLst/>
-          </a:prstGeom>
-        </p:spPr>
-        <p:txBody>
-          <a:bodyPr wrap="square">
-            <a:spAutoFit/>
-          </a:bodyPr>
-          <a:lstStyle/>
-          <a:p>
-            <a:r>
-              <a:rPr lang="en-GR" dirty="0"/>
-              <a:t>Efficiency-- with btagging SF's</a:t>
-            </a:r>
-          </a:p>
-          <a:p>
-            <a:r>
-              <a:rPr lang="en-GR" dirty="0"/>
-              <a:t>eff data: 0.857 ± 0.040</a:t>
-            </a:r>
-          </a:p>
-          <a:p>
-            <a:r>
-              <a:rPr lang="en-GR" b="1" u="sng" dirty="0">
+              <a:rPr lang="en-US" b="1" u="sng" dirty="0">
                 <a:solidFill>
                   <a:srgbClr val="FF0000"/>
                 </a:solidFill>
               </a:rPr>
-              <a:t>eff ttbar: 0.875 ± 0.0072</a:t>
-            </a:r>
-          </a:p>
-          <a:p>
-            <a:r>
-              <a:rPr lang="en-GR" dirty="0"/>
-              <a:t>-----------</a:t>
-            </a:r>
-          </a:p>
-          <a:p>
-            <a:r>
-              <a:rPr lang="en-GR" dirty="0"/>
-              <a:t>Efficiency per Pt region</a:t>
-            </a:r>
-          </a:p>
-          <a:p>
-            <a:r>
-              <a:rPr lang="en-GR" dirty="0"/>
-              <a:t>eff data pT[400-600]: 0.872 ± 0.047</a:t>
-            </a:r>
-          </a:p>
-          <a:p>
-            <a:r>
-              <a:rPr lang="en-GR" dirty="0"/>
-              <a:t>eff ttbar pT[400-600]: 0.874 ± 0.008</a:t>
-            </a:r>
-          </a:p>
-          <a:p>
-            <a:r>
-              <a:rPr lang="en-GR" dirty="0"/>
-              <a:t>-----------</a:t>
-            </a:r>
-          </a:p>
-          <a:p>
-            <a:r>
-              <a:rPr lang="en-GR" dirty="0"/>
-              <a:t>eff data pT[600-800]: 0.795 ± 0.088</a:t>
-            </a:r>
-          </a:p>
-          <a:p>
-            <a:r>
-              <a:rPr lang="en-GR" dirty="0"/>
-              <a:t>eff ttbar pT[600-800]: 0.876 ± 0.018</a:t>
-            </a:r>
-          </a:p>
-          <a:p>
-            <a:r>
-              <a:rPr lang="en-GR" dirty="0"/>
-              <a:t>-----------</a:t>
-            </a:r>
-          </a:p>
-          <a:p>
-            <a:r>
-              <a:rPr lang="en-GR" dirty="0"/>
-              <a:t>eff data pT[800-Inf]: 0.797 ± 0.186</a:t>
-            </a:r>
-          </a:p>
-          <a:p>
-            <a:r>
-              <a:rPr lang="en-GR" dirty="0"/>
-              <a:t>eff ttbar pT[800-Inf]: 0.899 ± 0.045</a:t>
-            </a:r>
-          </a:p>
-        </p:txBody>
-      </p:sp>
-      <p:sp>
-        <p:nvSpPr>
-          <p:cNvPr id="4" name="Rectangle 3">
-            <a:extLst>
-              <a:ext uri="{FF2B5EF4-FFF2-40B4-BE49-F238E27FC236}">
-                <a16:creationId xmlns:a16="http://schemas.microsoft.com/office/drawing/2014/main" id="{17DD903E-E2EE-ED4A-B9BA-6BDA6FAA4776}"/>
-              </a:ext>
-            </a:extLst>
-          </p:cNvPr>
-          <p:cNvSpPr/>
-          <p:nvPr/>
-        </p:nvSpPr>
-        <p:spPr>
-          <a:xfrm>
-            <a:off x="7212711" y="1582339"/>
-            <a:ext cx="3743325" cy="3693319"/>
-          </a:xfrm>
-          <a:prstGeom prst="rect">
-            <a:avLst/>
-          </a:prstGeom>
-        </p:spPr>
-        <p:txBody>
-          <a:bodyPr wrap="square">
-            <a:spAutoFit/>
-          </a:bodyPr>
-          <a:lstStyle/>
-          <a:p>
-            <a:r>
-              <a:rPr lang="en-GR" dirty="0"/>
-              <a:t>Efficiency-- without btagging SF's</a:t>
-            </a:r>
-          </a:p>
-          <a:p>
-            <a:r>
-              <a:rPr lang="en-GR" dirty="0"/>
-              <a:t>eff data: 0.864 ± 0.043</a:t>
-            </a:r>
-          </a:p>
-          <a:p>
-            <a:r>
-              <a:rPr lang="en-GR" dirty="0">
-                <a:solidFill>
-                  <a:srgbClr val="FF0000"/>
-                </a:solidFill>
-              </a:rPr>
-              <a:t>eff ttbar: 0.875 ± 0.007</a:t>
-            </a:r>
-          </a:p>
-          <a:p>
-            <a:r>
-              <a:rPr lang="en-GR" dirty="0"/>
-              <a:t>-----------</a:t>
-            </a:r>
-          </a:p>
-          <a:p>
-            <a:r>
-              <a:rPr lang="en-GR" dirty="0"/>
-              <a:t>Efficiency per Pt region</a:t>
-            </a:r>
-          </a:p>
-          <a:p>
-            <a:r>
-              <a:rPr lang="en-GR" dirty="0"/>
-              <a:t>eff data pT[400-600]: 0.880 ± 0.049</a:t>
-            </a:r>
-          </a:p>
-          <a:p>
-            <a:r>
-              <a:rPr lang="en-GR" dirty="0"/>
-              <a:t>eff ttbar pT[400-600]: 0.874 ± 0.008</a:t>
-            </a:r>
-          </a:p>
-          <a:p>
-            <a:r>
-              <a:rPr lang="en-GR" dirty="0"/>
-              <a:t>-----------</a:t>
-            </a:r>
-          </a:p>
-          <a:p>
-            <a:r>
-              <a:rPr lang="en-GR" dirty="0"/>
-              <a:t>eff data pT[600-800]: 0.8 ± 0.091</a:t>
-            </a:r>
-          </a:p>
-          <a:p>
-            <a:r>
-              <a:rPr lang="en-GR" dirty="0"/>
-              <a:t>eff ttbar pT[600-800]: 0.876 ± 0.018</a:t>
-            </a:r>
-          </a:p>
-          <a:p>
-            <a:r>
-              <a:rPr lang="en-GR" dirty="0"/>
-              <a:t>-----------</a:t>
-            </a:r>
-          </a:p>
-          <a:p>
-            <a:r>
-              <a:rPr lang="en-GR" dirty="0"/>
-              <a:t>eff data pT[800-Inf]: 0.796 ± 0.2</a:t>
-            </a:r>
-          </a:p>
-          <a:p>
-            <a:r>
-              <a:rPr lang="en-GR" dirty="0"/>
-              <a:t>eff ttbar pT[800-Inf]: 0.898 ± 0.045</a:t>
+              <a:t>No b tagging SF’s </a:t>
             </a:r>
           </a:p>
         </p:txBody>
@@ -14709,7 +15130,7 @@
     </p:spTree>
     <p:extLst>
       <p:ext uri="{BB962C8B-B14F-4D97-AF65-F5344CB8AC3E}">
-        <p14:creationId xmlns:p14="http://schemas.microsoft.com/office/powerpoint/2010/main" val="305433567"/>
+        <p14:creationId xmlns:p14="http://schemas.microsoft.com/office/powerpoint/2010/main" val="2146348735"/>
       </p:ext>
     </p:extLst>
   </p:cSld>
@@ -14765,6 +15186,53 @@
       </p:sp>
       <p:sp>
         <p:nvSpPr>
+          <p:cNvPr id="7" name="TextBox 6"/>
+          <p:cNvSpPr txBox="1"/>
+          <p:nvPr/>
+        </p:nvSpPr>
+        <p:spPr>
+          <a:xfrm>
+            <a:off x="3276600" y="33090"/>
+            <a:ext cx="5638800" cy="523220"/>
+          </a:xfrm>
+          <a:prstGeom prst="rect">
+            <a:avLst/>
+          </a:prstGeom>
+          <a:noFill/>
+        </p:spPr>
+        <p:txBody>
+          <a:bodyPr wrap="square" rtlCol="0">
+            <a:spAutoFit/>
+          </a:bodyPr>
+          <a:lstStyle/>
+          <a:p>
+            <a:pPr algn="ctr"/>
+            <a:r>
+              <a:rPr lang="en-US" sz="2800" u="sng" dirty="0"/>
+              <a:t>Tag And Probe Calculations </a:t>
+            </a:r>
+            <a:r>
+              <a:rPr lang="en-US" sz="2800" u="sng" dirty="0">
+                <a:solidFill>
+                  <a:srgbClr val="FF0000"/>
+                </a:solidFill>
+              </a:rPr>
+              <a:t>2017</a:t>
+            </a:r>
+            <a:r>
+              <a:rPr lang="en-US" sz="2800" u="sng" dirty="0"/>
+              <a:t> </a:t>
+            </a:r>
+            <a:endParaRPr lang="en-US" sz="2800" u="sng" dirty="0">
+              <a:solidFill>
+                <a:srgbClr val="00B050"/>
+              </a:solidFill>
+            </a:endParaRPr>
+          </a:p>
+        </p:txBody>
+      </p:sp>
+      <p:sp>
+        <p:nvSpPr>
           <p:cNvPr id="5" name="Slide Number Placeholder 4">
             <a:extLst>
               <a:ext uri="{FF2B5EF4-FFF2-40B4-BE49-F238E27FC236}">
@@ -14814,263 +15282,20 @@
           <a:bodyPr/>
           <a:lstStyle/>
           <a:p>
-            <a:fld id="{D52D66B2-0E0A-F441-A1DA-8039F615D612}" type="datetime1">
+            <a:fld id="{3DBB7BD0-9B8D-1F47-8ABF-BE3CF9BD2848}" type="datetime1">
               <a:rPr lang="en-US" smtClean="0"/>
-              <a:t>8/31/20</a:t>
+              <a:t>9/1/20</a:t>
             </a:fld>
             <a:endParaRPr lang="en-US" dirty="0"/>
           </a:p>
         </p:txBody>
       </p:sp>
-      <p:pic>
-        <p:nvPicPr>
-          <p:cNvPr id="6" name="Picture 5">
+      <p:sp>
+        <p:nvSpPr>
+          <p:cNvPr id="6" name="Rectangle 5">
             <a:extLst>
               <a:ext uri="{FF2B5EF4-FFF2-40B4-BE49-F238E27FC236}">
-                <a16:creationId xmlns:a16="http://schemas.microsoft.com/office/drawing/2014/main" id="{76577AAD-70A0-9B43-8DBE-57FA2136BB3A}"/>
-              </a:ext>
-            </a:extLst>
-          </p:cNvPr>
-          <p:cNvPicPr>
-            <a:picLocks noChangeAspect="1"/>
-          </p:cNvPicPr>
-          <p:nvPr/>
-        </p:nvPicPr>
-        <p:blipFill>
-          <a:blip r:embed="rId2"/>
-          <a:stretch>
-            <a:fillRect/>
-          </a:stretch>
-        </p:blipFill>
-        <p:spPr>
-          <a:xfrm rot="5400000">
-            <a:off x="7709105" y="-192065"/>
-            <a:ext cx="3012694" cy="4176522"/>
-          </a:xfrm>
-          <a:prstGeom prst="rect">
-            <a:avLst/>
-          </a:prstGeom>
-        </p:spPr>
-      </p:pic>
-      <p:pic>
-        <p:nvPicPr>
-          <p:cNvPr id="9" name="Picture 8">
-            <a:extLst>
-              <a:ext uri="{FF2B5EF4-FFF2-40B4-BE49-F238E27FC236}">
-                <a16:creationId xmlns:a16="http://schemas.microsoft.com/office/drawing/2014/main" id="{E69FA34F-44BB-8144-9394-18EA05CD1FF7}"/>
-              </a:ext>
-            </a:extLst>
-          </p:cNvPr>
-          <p:cNvPicPr>
-            <a:picLocks noChangeAspect="1"/>
-          </p:cNvPicPr>
-          <p:nvPr/>
-        </p:nvPicPr>
-        <p:blipFill>
-          <a:blip r:embed="rId3"/>
-          <a:stretch>
-            <a:fillRect/>
-          </a:stretch>
-        </p:blipFill>
-        <p:spPr>
-          <a:xfrm rot="5400000">
-            <a:off x="7711792" y="2820629"/>
-            <a:ext cx="3012694" cy="4176522"/>
-          </a:xfrm>
-          <a:prstGeom prst="rect">
-            <a:avLst/>
-          </a:prstGeom>
-        </p:spPr>
-      </p:pic>
-      <p:sp>
-        <p:nvSpPr>
-          <p:cNvPr id="12" name="TextBox 11">
-            <a:extLst>
-              <a:ext uri="{FF2B5EF4-FFF2-40B4-BE49-F238E27FC236}">
-                <a16:creationId xmlns:a16="http://schemas.microsoft.com/office/drawing/2014/main" id="{9235591C-B2E3-1F4E-A8D0-58AEACB0FD0A}"/>
-              </a:ext>
-            </a:extLst>
-          </p:cNvPr>
-          <p:cNvSpPr txBox="1"/>
-          <p:nvPr/>
-        </p:nvSpPr>
-        <p:spPr>
-          <a:xfrm>
-            <a:off x="3752850" y="-76347"/>
-            <a:ext cx="4686300" cy="523220"/>
-          </a:xfrm>
-          <a:prstGeom prst="rect">
-            <a:avLst/>
-          </a:prstGeom>
-          <a:noFill/>
-        </p:spPr>
-        <p:txBody>
-          <a:bodyPr wrap="square" rtlCol="0">
-            <a:spAutoFit/>
-          </a:bodyPr>
-          <a:lstStyle/>
-          <a:p>
-            <a:r>
-              <a:rPr lang="en-GR" sz="2800" u="sng" dirty="0"/>
-              <a:t>TagAndProbe Efficiency </a:t>
-            </a:r>
-            <a:r>
-              <a:rPr lang="en-US" sz="2800" u="sng" dirty="0"/>
-              <a:t>(</a:t>
-            </a:r>
-            <a:r>
-              <a:rPr lang="en-US" sz="2800" u="sng" dirty="0">
-                <a:solidFill>
-                  <a:srgbClr val="FF0000"/>
-                </a:solidFill>
-              </a:rPr>
-              <a:t>2017</a:t>
-            </a:r>
-            <a:r>
-              <a:rPr lang="en-US" sz="2800" u="sng" dirty="0"/>
-              <a:t>)</a:t>
-            </a:r>
-          </a:p>
-        </p:txBody>
-      </p:sp>
-      <p:pic>
-        <p:nvPicPr>
-          <p:cNvPr id="4" name="Picture 3">
-            <a:extLst>
-              <a:ext uri="{FF2B5EF4-FFF2-40B4-BE49-F238E27FC236}">
-                <a16:creationId xmlns:a16="http://schemas.microsoft.com/office/drawing/2014/main" id="{2A0B0CBB-9430-DB4A-8230-417D7635DCEF}"/>
-              </a:ext>
-            </a:extLst>
-          </p:cNvPr>
-          <p:cNvPicPr>
-            <a:picLocks noChangeAspect="1"/>
-          </p:cNvPicPr>
-          <p:nvPr/>
-        </p:nvPicPr>
-        <p:blipFill>
-          <a:blip r:embed="rId4"/>
-          <a:stretch>
-            <a:fillRect/>
-          </a:stretch>
-        </p:blipFill>
-        <p:spPr>
-          <a:xfrm rot="5400000">
-            <a:off x="1341824" y="-192065"/>
-            <a:ext cx="3012694" cy="4176522"/>
-          </a:xfrm>
-          <a:prstGeom prst="rect">
-            <a:avLst/>
-          </a:prstGeom>
-        </p:spPr>
-      </p:pic>
-      <p:pic>
-        <p:nvPicPr>
-          <p:cNvPr id="10" name="Picture 9">
-            <a:extLst>
-              <a:ext uri="{FF2B5EF4-FFF2-40B4-BE49-F238E27FC236}">
-                <a16:creationId xmlns:a16="http://schemas.microsoft.com/office/drawing/2014/main" id="{C82386EE-D7CA-224B-9B0C-7F5E3D376BCD}"/>
-              </a:ext>
-            </a:extLst>
-          </p:cNvPr>
-          <p:cNvPicPr>
-            <a:picLocks noChangeAspect="1"/>
-          </p:cNvPicPr>
-          <p:nvPr/>
-        </p:nvPicPr>
-        <p:blipFill>
-          <a:blip r:embed="rId5"/>
-          <a:stretch>
-            <a:fillRect/>
-          </a:stretch>
-        </p:blipFill>
-        <p:spPr>
-          <a:xfrm rot="5400000">
-            <a:off x="1341824" y="2820629"/>
-            <a:ext cx="3012694" cy="4176522"/>
-          </a:xfrm>
-          <a:prstGeom prst="rect">
-            <a:avLst/>
-          </a:prstGeom>
-        </p:spPr>
-      </p:pic>
-      <p:sp>
-        <p:nvSpPr>
-          <p:cNvPr id="17" name="TextBox 16">
-            <a:extLst>
-              <a:ext uri="{FF2B5EF4-FFF2-40B4-BE49-F238E27FC236}">
-                <a16:creationId xmlns:a16="http://schemas.microsoft.com/office/drawing/2014/main" id="{2CCEE914-8706-CD47-AD02-11049E45D610}"/>
-              </a:ext>
-            </a:extLst>
-          </p:cNvPr>
-          <p:cNvSpPr txBox="1"/>
-          <p:nvPr/>
-        </p:nvSpPr>
-        <p:spPr>
-          <a:xfrm>
-            <a:off x="4564347" y="1926143"/>
-            <a:ext cx="3243263" cy="369332"/>
-          </a:xfrm>
-          <a:prstGeom prst="rect">
-            <a:avLst/>
-          </a:prstGeom>
-          <a:noFill/>
-        </p:spPr>
-        <p:txBody>
-          <a:bodyPr wrap="square" rtlCol="0">
-            <a:spAutoFit/>
-          </a:bodyPr>
-          <a:lstStyle/>
-          <a:p>
-            <a:pPr algn="ctr"/>
-            <a:r>
-              <a:rPr lang="en-GR" dirty="0"/>
-              <a:t>Tight TopTagger + SR TopTagger</a:t>
-            </a:r>
-          </a:p>
-        </p:txBody>
-      </p:sp>
-      <p:sp>
-        <p:nvSpPr>
-          <p:cNvPr id="18" name="TextBox 17">
-            <a:extLst>
-              <a:ext uri="{FF2B5EF4-FFF2-40B4-BE49-F238E27FC236}">
-                <a16:creationId xmlns:a16="http://schemas.microsoft.com/office/drawing/2014/main" id="{6C7E105D-5296-2242-84F9-5547FDE0873C}"/>
-              </a:ext>
-            </a:extLst>
-          </p:cNvPr>
-          <p:cNvSpPr txBox="1"/>
-          <p:nvPr/>
-        </p:nvSpPr>
-        <p:spPr>
-          <a:xfrm>
-            <a:off x="4564348" y="4747191"/>
-            <a:ext cx="3243263" cy="369332"/>
-          </a:xfrm>
-          <a:prstGeom prst="rect">
-            <a:avLst/>
-          </a:prstGeom>
-          <a:noFill/>
-        </p:spPr>
-        <p:txBody>
-          <a:bodyPr wrap="square" rtlCol="0">
-            <a:spAutoFit/>
-          </a:bodyPr>
-          <a:lstStyle/>
-          <a:p>
-            <a:pPr algn="ctr"/>
-            <a:r>
-              <a:rPr lang="en-GR" dirty="0"/>
-              <a:t>Tight TopTagger + Probe</a:t>
-            </a:r>
-          </a:p>
-        </p:txBody>
-      </p:sp>
-      <p:sp>
-        <p:nvSpPr>
-          <p:cNvPr id="19" name="Rectangle 18">
-            <a:extLst>
-              <a:ext uri="{FF2B5EF4-FFF2-40B4-BE49-F238E27FC236}">
-                <a16:creationId xmlns:a16="http://schemas.microsoft.com/office/drawing/2014/main" id="{F18E505C-0E8D-5D4F-9340-1B44147C83AA}"/>
+                <a16:creationId xmlns:a16="http://schemas.microsoft.com/office/drawing/2014/main" id="{1D3A9800-C923-F943-ACA5-B4B9B9A1D73D}"/>
               </a:ext>
             </a:extLst>
           </p:cNvPr>
@@ -15079,8 +15304,8 @@
         </p:nvSpPr>
         <p:spPr>
           <a:xfrm>
-            <a:off x="2049125" y="3186241"/>
-            <a:ext cx="1520674" cy="369332"/>
+            <a:off x="7939701" y="638586"/>
+            <a:ext cx="2289346" cy="369332"/>
           </a:xfrm>
           <a:prstGeom prst="rect">
             <a:avLst/>
@@ -15094,22 +15319,18 @@
           <a:p>
             <a:pPr algn="ctr"/>
             <a:r>
-              <a:rPr lang="en-US" b="1" u="sng" dirty="0">
-                <a:solidFill>
-                  <a:srgbClr val="FF0000"/>
-                </a:solidFill>
-              </a:rPr>
-              <a:t>b tagging SF’s </a:t>
-            </a:r>
-          </a:p>
-        </p:txBody>
-      </p:sp>
-      <p:sp>
-        <p:nvSpPr>
-          <p:cNvPr id="20" name="Rectangle 19">
+              <a:rPr lang="en-US" u="sng" dirty="0"/>
+              <a:t>without b tagging SF’s </a:t>
+            </a:r>
+          </a:p>
+        </p:txBody>
+      </p:sp>
+      <p:sp>
+        <p:nvSpPr>
+          <p:cNvPr id="8" name="Rectangle 7">
             <a:extLst>
               <a:ext uri="{FF2B5EF4-FFF2-40B4-BE49-F238E27FC236}">
-                <a16:creationId xmlns:a16="http://schemas.microsoft.com/office/drawing/2014/main" id="{67D4E5C2-0B92-0048-8D4F-4E4A55880973}"/>
+                <a16:creationId xmlns:a16="http://schemas.microsoft.com/office/drawing/2014/main" id="{FE0D63A0-1633-E841-944F-B91BFC6F0FEB}"/>
               </a:ext>
             </a:extLst>
           </p:cNvPr>
@@ -15118,8 +15339,8 @@
         </p:nvSpPr>
         <p:spPr>
           <a:xfrm>
-            <a:off x="8457894" y="3204932"/>
-            <a:ext cx="1849289" cy="369332"/>
+            <a:off x="2333415" y="638586"/>
+            <a:ext cx="1499065" cy="369332"/>
           </a:xfrm>
           <a:prstGeom prst="rect">
             <a:avLst/>
@@ -15133,12 +15354,228 @@
           <a:p>
             <a:pPr algn="ctr"/>
             <a:r>
-              <a:rPr lang="en-US" b="1" u="sng" dirty="0">
+              <a:rPr lang="en-US" u="sng" dirty="0"/>
+              <a:t>b tagging SF’s </a:t>
+            </a:r>
+          </a:p>
+        </p:txBody>
+      </p:sp>
+      <p:sp>
+        <p:nvSpPr>
+          <p:cNvPr id="2" name="Rectangle 1">
+            <a:extLst>
+              <a:ext uri="{FF2B5EF4-FFF2-40B4-BE49-F238E27FC236}">
+                <a16:creationId xmlns:a16="http://schemas.microsoft.com/office/drawing/2014/main" id="{2DC1FF26-71A8-0242-A173-4ED7A7EC3B5E}"/>
+              </a:ext>
+            </a:extLst>
+          </p:cNvPr>
+          <p:cNvSpPr/>
+          <p:nvPr/>
+        </p:nvSpPr>
+        <p:spPr>
+          <a:xfrm>
+            <a:off x="1211284" y="1582339"/>
+            <a:ext cx="3743325" cy="3693319"/>
+          </a:xfrm>
+          <a:prstGeom prst="rect">
+            <a:avLst/>
+          </a:prstGeom>
+        </p:spPr>
+        <p:txBody>
+          <a:bodyPr wrap="square">
+            <a:spAutoFit/>
+          </a:bodyPr>
+          <a:lstStyle/>
+          <a:p>
+            <a:r>
+              <a:rPr lang="en-GR" dirty="0"/>
+              <a:t>Efficiency-- with btagging SF's</a:t>
+            </a:r>
+          </a:p>
+          <a:p>
+            <a:r>
+              <a:rPr lang="en-GR" dirty="0"/>
+              <a:t>eff data: 0.857 ± 0.040</a:t>
+            </a:r>
+          </a:p>
+          <a:p>
+            <a:r>
+              <a:rPr lang="en-GR" b="1" u="sng" dirty="0">
                 <a:solidFill>
                   <a:srgbClr val="FF0000"/>
                 </a:solidFill>
               </a:rPr>
-              <a:t>No b tagging SF’s </a:t>
+              <a:t>eff ttbar: 0.875 ± 0.0072</a:t>
+            </a:r>
+          </a:p>
+          <a:p>
+            <a:r>
+              <a:rPr lang="en-GR" dirty="0"/>
+              <a:t>-----------</a:t>
+            </a:r>
+          </a:p>
+          <a:p>
+            <a:r>
+              <a:rPr lang="en-GR" dirty="0"/>
+              <a:t>Efficiency per Pt region</a:t>
+            </a:r>
+          </a:p>
+          <a:p>
+            <a:r>
+              <a:rPr lang="en-GR" dirty="0"/>
+              <a:t>eff data pT[400-600]: 0.872 ± 0.047</a:t>
+            </a:r>
+          </a:p>
+          <a:p>
+            <a:r>
+              <a:rPr lang="en-GR" dirty="0"/>
+              <a:t>eff ttbar pT[400-600]: 0.874 ± 0.008</a:t>
+            </a:r>
+          </a:p>
+          <a:p>
+            <a:r>
+              <a:rPr lang="en-GR" dirty="0"/>
+              <a:t>-----------</a:t>
+            </a:r>
+          </a:p>
+          <a:p>
+            <a:r>
+              <a:rPr lang="en-GR" dirty="0"/>
+              <a:t>eff data pT[600-800]: 0.795 ± 0.088</a:t>
+            </a:r>
+          </a:p>
+          <a:p>
+            <a:r>
+              <a:rPr lang="en-GR" dirty="0"/>
+              <a:t>eff ttbar pT[600-800]: 0.876 ± 0.018</a:t>
+            </a:r>
+          </a:p>
+          <a:p>
+            <a:r>
+              <a:rPr lang="en-GR" dirty="0"/>
+              <a:t>-----------</a:t>
+            </a:r>
+          </a:p>
+          <a:p>
+            <a:r>
+              <a:rPr lang="en-GR" dirty="0"/>
+              <a:t>eff data pT[800-Inf]: 0.797 ± 0.186</a:t>
+            </a:r>
+          </a:p>
+          <a:p>
+            <a:r>
+              <a:rPr lang="en-GR" dirty="0"/>
+              <a:t>eff ttbar pT[800-Inf]: 0.899 ± 0.045</a:t>
+            </a:r>
+          </a:p>
+        </p:txBody>
+      </p:sp>
+      <p:sp>
+        <p:nvSpPr>
+          <p:cNvPr id="4" name="Rectangle 3">
+            <a:extLst>
+              <a:ext uri="{FF2B5EF4-FFF2-40B4-BE49-F238E27FC236}">
+                <a16:creationId xmlns:a16="http://schemas.microsoft.com/office/drawing/2014/main" id="{17DD903E-E2EE-ED4A-B9BA-6BDA6FAA4776}"/>
+              </a:ext>
+            </a:extLst>
+          </p:cNvPr>
+          <p:cNvSpPr/>
+          <p:nvPr/>
+        </p:nvSpPr>
+        <p:spPr>
+          <a:xfrm>
+            <a:off x="7212711" y="1582339"/>
+            <a:ext cx="3743325" cy="3693319"/>
+          </a:xfrm>
+          <a:prstGeom prst="rect">
+            <a:avLst/>
+          </a:prstGeom>
+        </p:spPr>
+        <p:txBody>
+          <a:bodyPr wrap="square">
+            <a:spAutoFit/>
+          </a:bodyPr>
+          <a:lstStyle/>
+          <a:p>
+            <a:r>
+              <a:rPr lang="en-GR" dirty="0"/>
+              <a:t>Efficiency-- without btagging SF's</a:t>
+            </a:r>
+          </a:p>
+          <a:p>
+            <a:r>
+              <a:rPr lang="en-GR" dirty="0"/>
+              <a:t>eff data: 0.864 ± 0.043</a:t>
+            </a:r>
+          </a:p>
+          <a:p>
+            <a:r>
+              <a:rPr lang="en-GR" dirty="0">
+                <a:solidFill>
+                  <a:srgbClr val="FF0000"/>
+                </a:solidFill>
+              </a:rPr>
+              <a:t>eff ttbar: 0.875 ± 0.007</a:t>
+            </a:r>
+          </a:p>
+          <a:p>
+            <a:r>
+              <a:rPr lang="en-GR" dirty="0"/>
+              <a:t>-----------</a:t>
+            </a:r>
+          </a:p>
+          <a:p>
+            <a:r>
+              <a:rPr lang="en-GR" dirty="0"/>
+              <a:t>Efficiency per Pt region</a:t>
+            </a:r>
+          </a:p>
+          <a:p>
+            <a:r>
+              <a:rPr lang="en-GR" dirty="0"/>
+              <a:t>eff data pT[400-600]: 0.880 ± 0.049</a:t>
+            </a:r>
+          </a:p>
+          <a:p>
+            <a:r>
+              <a:rPr lang="en-GR" dirty="0"/>
+              <a:t>eff ttbar pT[400-600]: 0.874 ± 0.008</a:t>
+            </a:r>
+          </a:p>
+          <a:p>
+            <a:r>
+              <a:rPr lang="en-GR" dirty="0"/>
+              <a:t>-----------</a:t>
+            </a:r>
+          </a:p>
+          <a:p>
+            <a:r>
+              <a:rPr lang="en-GR" dirty="0"/>
+              <a:t>eff data pT[600-800]: 0.8 ± 0.091</a:t>
+            </a:r>
+          </a:p>
+          <a:p>
+            <a:r>
+              <a:rPr lang="en-GR" dirty="0"/>
+              <a:t>eff ttbar pT[600-800]: 0.876 ± 0.018</a:t>
+            </a:r>
+          </a:p>
+          <a:p>
+            <a:r>
+              <a:rPr lang="en-GR" dirty="0"/>
+              <a:t>-----------</a:t>
+            </a:r>
+          </a:p>
+          <a:p>
+            <a:r>
+              <a:rPr lang="en-GR" dirty="0"/>
+              <a:t>eff data pT[800-Inf]: 0.796 ± 0.2</a:t>
+            </a:r>
+          </a:p>
+          <a:p>
+            <a:r>
+              <a:rPr lang="en-GR" dirty="0"/>
+              <a:t>eff ttbar pT[800-Inf]: 0.898 ± 0.045</a:t>
             </a:r>
           </a:p>
         </p:txBody>
@@ -15146,7 +15583,7 @@
     </p:spTree>
     <p:extLst>
       <p:ext uri="{BB962C8B-B14F-4D97-AF65-F5344CB8AC3E}">
-        <p14:creationId xmlns:p14="http://schemas.microsoft.com/office/powerpoint/2010/main" val="4150945209"/>
+        <p14:creationId xmlns:p14="http://schemas.microsoft.com/office/powerpoint/2010/main" val="305433567"/>
       </p:ext>
     </p:extLst>
   </p:cSld>
@@ -15202,53 +15639,6 @@
       </p:sp>
       <p:sp>
         <p:nvSpPr>
-          <p:cNvPr id="7" name="TextBox 6"/>
-          <p:cNvSpPr txBox="1"/>
-          <p:nvPr/>
-        </p:nvSpPr>
-        <p:spPr>
-          <a:xfrm>
-            <a:off x="3276600" y="33090"/>
-            <a:ext cx="5638800" cy="523220"/>
-          </a:xfrm>
-          <a:prstGeom prst="rect">
-            <a:avLst/>
-          </a:prstGeom>
-          <a:noFill/>
-        </p:spPr>
-        <p:txBody>
-          <a:bodyPr wrap="square" rtlCol="0">
-            <a:spAutoFit/>
-          </a:bodyPr>
-          <a:lstStyle/>
-          <a:p>
-            <a:pPr algn="ctr"/>
-            <a:r>
-              <a:rPr lang="en-US" sz="2800" u="sng" dirty="0"/>
-              <a:t>Tag And Probe Calculations </a:t>
-            </a:r>
-            <a:r>
-              <a:rPr lang="en-US" sz="2800" u="sng" dirty="0">
-                <a:solidFill>
-                  <a:srgbClr val="00B050"/>
-                </a:solidFill>
-              </a:rPr>
-              <a:t>2018</a:t>
-            </a:r>
-            <a:r>
-              <a:rPr lang="en-US" sz="2800" u="sng" dirty="0"/>
-              <a:t> </a:t>
-            </a:r>
-            <a:endParaRPr lang="en-US" sz="2800" u="sng" dirty="0">
-              <a:solidFill>
-                <a:srgbClr val="00B050"/>
-              </a:solidFill>
-            </a:endParaRPr>
-          </a:p>
-        </p:txBody>
-      </p:sp>
-      <p:sp>
-        <p:nvSpPr>
           <p:cNvPr id="5" name="Slide Number Placeholder 4">
             <a:extLst>
               <a:ext uri="{FF2B5EF4-FFF2-40B4-BE49-F238E27FC236}">
@@ -15298,20 +15688,263 @@
           <a:bodyPr/>
           <a:lstStyle/>
           <a:p>
-            <a:fld id="{3DBB7BD0-9B8D-1F47-8ABF-BE3CF9BD2848}" type="datetime1">
+            <a:fld id="{D52D66B2-0E0A-F441-A1DA-8039F615D612}" type="datetime1">
               <a:rPr lang="en-US" smtClean="0"/>
-              <a:t>8/31/20</a:t>
+              <a:t>9/1/20</a:t>
             </a:fld>
             <a:endParaRPr lang="en-US" dirty="0"/>
           </a:p>
         </p:txBody>
       </p:sp>
-      <p:sp>
-        <p:nvSpPr>
-          <p:cNvPr id="6" name="Rectangle 5">
+      <p:pic>
+        <p:nvPicPr>
+          <p:cNvPr id="6" name="Picture 5">
             <a:extLst>
               <a:ext uri="{FF2B5EF4-FFF2-40B4-BE49-F238E27FC236}">
-                <a16:creationId xmlns:a16="http://schemas.microsoft.com/office/drawing/2014/main" id="{1D3A9800-C923-F943-ACA5-B4B9B9A1D73D}"/>
+                <a16:creationId xmlns:a16="http://schemas.microsoft.com/office/drawing/2014/main" id="{76577AAD-70A0-9B43-8DBE-57FA2136BB3A}"/>
+              </a:ext>
+            </a:extLst>
+          </p:cNvPr>
+          <p:cNvPicPr>
+            <a:picLocks noChangeAspect="1"/>
+          </p:cNvPicPr>
+          <p:nvPr/>
+        </p:nvPicPr>
+        <p:blipFill>
+          <a:blip r:embed="rId2"/>
+          <a:stretch>
+            <a:fillRect/>
+          </a:stretch>
+        </p:blipFill>
+        <p:spPr>
+          <a:xfrm rot="5400000">
+            <a:off x="7709105" y="-192065"/>
+            <a:ext cx="3012694" cy="4176522"/>
+          </a:xfrm>
+          <a:prstGeom prst="rect">
+            <a:avLst/>
+          </a:prstGeom>
+        </p:spPr>
+      </p:pic>
+      <p:pic>
+        <p:nvPicPr>
+          <p:cNvPr id="9" name="Picture 8">
+            <a:extLst>
+              <a:ext uri="{FF2B5EF4-FFF2-40B4-BE49-F238E27FC236}">
+                <a16:creationId xmlns:a16="http://schemas.microsoft.com/office/drawing/2014/main" id="{E69FA34F-44BB-8144-9394-18EA05CD1FF7}"/>
+              </a:ext>
+            </a:extLst>
+          </p:cNvPr>
+          <p:cNvPicPr>
+            <a:picLocks noChangeAspect="1"/>
+          </p:cNvPicPr>
+          <p:nvPr/>
+        </p:nvPicPr>
+        <p:blipFill>
+          <a:blip r:embed="rId3"/>
+          <a:stretch>
+            <a:fillRect/>
+          </a:stretch>
+        </p:blipFill>
+        <p:spPr>
+          <a:xfrm rot="5400000">
+            <a:off x="7711792" y="2820629"/>
+            <a:ext cx="3012694" cy="4176522"/>
+          </a:xfrm>
+          <a:prstGeom prst="rect">
+            <a:avLst/>
+          </a:prstGeom>
+        </p:spPr>
+      </p:pic>
+      <p:sp>
+        <p:nvSpPr>
+          <p:cNvPr id="12" name="TextBox 11">
+            <a:extLst>
+              <a:ext uri="{FF2B5EF4-FFF2-40B4-BE49-F238E27FC236}">
+                <a16:creationId xmlns:a16="http://schemas.microsoft.com/office/drawing/2014/main" id="{9235591C-B2E3-1F4E-A8D0-58AEACB0FD0A}"/>
+              </a:ext>
+            </a:extLst>
+          </p:cNvPr>
+          <p:cNvSpPr txBox="1"/>
+          <p:nvPr/>
+        </p:nvSpPr>
+        <p:spPr>
+          <a:xfrm>
+            <a:off x="3752850" y="-76347"/>
+            <a:ext cx="4686300" cy="523220"/>
+          </a:xfrm>
+          <a:prstGeom prst="rect">
+            <a:avLst/>
+          </a:prstGeom>
+          <a:noFill/>
+        </p:spPr>
+        <p:txBody>
+          <a:bodyPr wrap="square" rtlCol="0">
+            <a:spAutoFit/>
+          </a:bodyPr>
+          <a:lstStyle/>
+          <a:p>
+            <a:r>
+              <a:rPr lang="en-GR" sz="2800" u="sng" dirty="0"/>
+              <a:t>TagAndProbe Efficiency </a:t>
+            </a:r>
+            <a:r>
+              <a:rPr lang="en-US" sz="2800" u="sng" dirty="0"/>
+              <a:t>(</a:t>
+            </a:r>
+            <a:r>
+              <a:rPr lang="en-US" sz="2800" u="sng" dirty="0">
+                <a:solidFill>
+                  <a:srgbClr val="FF0000"/>
+                </a:solidFill>
+              </a:rPr>
+              <a:t>2017</a:t>
+            </a:r>
+            <a:r>
+              <a:rPr lang="en-US" sz="2800" u="sng" dirty="0"/>
+              <a:t>)</a:t>
+            </a:r>
+          </a:p>
+        </p:txBody>
+      </p:sp>
+      <p:pic>
+        <p:nvPicPr>
+          <p:cNvPr id="4" name="Picture 3">
+            <a:extLst>
+              <a:ext uri="{FF2B5EF4-FFF2-40B4-BE49-F238E27FC236}">
+                <a16:creationId xmlns:a16="http://schemas.microsoft.com/office/drawing/2014/main" id="{2A0B0CBB-9430-DB4A-8230-417D7635DCEF}"/>
+              </a:ext>
+            </a:extLst>
+          </p:cNvPr>
+          <p:cNvPicPr>
+            <a:picLocks noChangeAspect="1"/>
+          </p:cNvPicPr>
+          <p:nvPr/>
+        </p:nvPicPr>
+        <p:blipFill>
+          <a:blip r:embed="rId4"/>
+          <a:stretch>
+            <a:fillRect/>
+          </a:stretch>
+        </p:blipFill>
+        <p:spPr>
+          <a:xfrm rot="5400000">
+            <a:off x="1341824" y="-192065"/>
+            <a:ext cx="3012694" cy="4176522"/>
+          </a:xfrm>
+          <a:prstGeom prst="rect">
+            <a:avLst/>
+          </a:prstGeom>
+        </p:spPr>
+      </p:pic>
+      <p:pic>
+        <p:nvPicPr>
+          <p:cNvPr id="10" name="Picture 9">
+            <a:extLst>
+              <a:ext uri="{FF2B5EF4-FFF2-40B4-BE49-F238E27FC236}">
+                <a16:creationId xmlns:a16="http://schemas.microsoft.com/office/drawing/2014/main" id="{C82386EE-D7CA-224B-9B0C-7F5E3D376BCD}"/>
+              </a:ext>
+            </a:extLst>
+          </p:cNvPr>
+          <p:cNvPicPr>
+            <a:picLocks noChangeAspect="1"/>
+          </p:cNvPicPr>
+          <p:nvPr/>
+        </p:nvPicPr>
+        <p:blipFill>
+          <a:blip r:embed="rId5"/>
+          <a:stretch>
+            <a:fillRect/>
+          </a:stretch>
+        </p:blipFill>
+        <p:spPr>
+          <a:xfrm rot="5400000">
+            <a:off x="1341824" y="2820629"/>
+            <a:ext cx="3012694" cy="4176522"/>
+          </a:xfrm>
+          <a:prstGeom prst="rect">
+            <a:avLst/>
+          </a:prstGeom>
+        </p:spPr>
+      </p:pic>
+      <p:sp>
+        <p:nvSpPr>
+          <p:cNvPr id="17" name="TextBox 16">
+            <a:extLst>
+              <a:ext uri="{FF2B5EF4-FFF2-40B4-BE49-F238E27FC236}">
+                <a16:creationId xmlns:a16="http://schemas.microsoft.com/office/drawing/2014/main" id="{2CCEE914-8706-CD47-AD02-11049E45D610}"/>
+              </a:ext>
+            </a:extLst>
+          </p:cNvPr>
+          <p:cNvSpPr txBox="1"/>
+          <p:nvPr/>
+        </p:nvSpPr>
+        <p:spPr>
+          <a:xfrm>
+            <a:off x="4564347" y="1926143"/>
+            <a:ext cx="3243263" cy="369332"/>
+          </a:xfrm>
+          <a:prstGeom prst="rect">
+            <a:avLst/>
+          </a:prstGeom>
+          <a:noFill/>
+        </p:spPr>
+        <p:txBody>
+          <a:bodyPr wrap="square" rtlCol="0">
+            <a:spAutoFit/>
+          </a:bodyPr>
+          <a:lstStyle/>
+          <a:p>
+            <a:pPr algn="ctr"/>
+            <a:r>
+              <a:rPr lang="en-GR" dirty="0"/>
+              <a:t>Tight TopTagger + SR TopTagger</a:t>
+            </a:r>
+          </a:p>
+        </p:txBody>
+      </p:sp>
+      <p:sp>
+        <p:nvSpPr>
+          <p:cNvPr id="18" name="TextBox 17">
+            <a:extLst>
+              <a:ext uri="{FF2B5EF4-FFF2-40B4-BE49-F238E27FC236}">
+                <a16:creationId xmlns:a16="http://schemas.microsoft.com/office/drawing/2014/main" id="{6C7E105D-5296-2242-84F9-5547FDE0873C}"/>
+              </a:ext>
+            </a:extLst>
+          </p:cNvPr>
+          <p:cNvSpPr txBox="1"/>
+          <p:nvPr/>
+        </p:nvSpPr>
+        <p:spPr>
+          <a:xfrm>
+            <a:off x="4564348" y="4747191"/>
+            <a:ext cx="3243263" cy="369332"/>
+          </a:xfrm>
+          <a:prstGeom prst="rect">
+            <a:avLst/>
+          </a:prstGeom>
+          <a:noFill/>
+        </p:spPr>
+        <p:txBody>
+          <a:bodyPr wrap="square" rtlCol="0">
+            <a:spAutoFit/>
+          </a:bodyPr>
+          <a:lstStyle/>
+          <a:p>
+            <a:pPr algn="ctr"/>
+            <a:r>
+              <a:rPr lang="en-GR" dirty="0"/>
+              <a:t>Tight TopTagger + Probe</a:t>
+            </a:r>
+          </a:p>
+        </p:txBody>
+      </p:sp>
+      <p:sp>
+        <p:nvSpPr>
+          <p:cNvPr id="19" name="Rectangle 18">
+            <a:extLst>
+              <a:ext uri="{FF2B5EF4-FFF2-40B4-BE49-F238E27FC236}">
+                <a16:creationId xmlns:a16="http://schemas.microsoft.com/office/drawing/2014/main" id="{F18E505C-0E8D-5D4F-9340-1B44147C83AA}"/>
               </a:ext>
             </a:extLst>
           </p:cNvPr>
@@ -15320,8 +15953,8 @@
         </p:nvSpPr>
         <p:spPr>
           <a:xfrm>
-            <a:off x="7939701" y="638586"/>
-            <a:ext cx="2289346" cy="369332"/>
+            <a:off x="2049125" y="3186241"/>
+            <a:ext cx="1520674" cy="369332"/>
           </a:xfrm>
           <a:prstGeom prst="rect">
             <a:avLst/>
@@ -15335,18 +15968,22 @@
           <a:p>
             <a:pPr algn="ctr"/>
             <a:r>
-              <a:rPr lang="en-US" u="sng" dirty="0"/>
-              <a:t>without b tagging SF’s </a:t>
-            </a:r>
-          </a:p>
-        </p:txBody>
-      </p:sp>
-      <p:sp>
-        <p:nvSpPr>
-          <p:cNvPr id="8" name="Rectangle 7">
+              <a:rPr lang="en-US" b="1" u="sng" dirty="0">
+                <a:solidFill>
+                  <a:srgbClr val="FF0000"/>
+                </a:solidFill>
+              </a:rPr>
+              <a:t>b tagging SF’s </a:t>
+            </a:r>
+          </a:p>
+        </p:txBody>
+      </p:sp>
+      <p:sp>
+        <p:nvSpPr>
+          <p:cNvPr id="20" name="Rectangle 19">
             <a:extLst>
               <a:ext uri="{FF2B5EF4-FFF2-40B4-BE49-F238E27FC236}">
-                <a16:creationId xmlns:a16="http://schemas.microsoft.com/office/drawing/2014/main" id="{FE0D63A0-1633-E841-944F-B91BFC6F0FEB}"/>
+                <a16:creationId xmlns:a16="http://schemas.microsoft.com/office/drawing/2014/main" id="{67D4E5C2-0B92-0048-8D4F-4E4A55880973}"/>
               </a:ext>
             </a:extLst>
           </p:cNvPr>
@@ -15355,8 +15992,8 @@
         </p:nvSpPr>
         <p:spPr>
           <a:xfrm>
-            <a:off x="2333415" y="638586"/>
-            <a:ext cx="1499065" cy="369332"/>
+            <a:off x="8457894" y="3204932"/>
+            <a:ext cx="1849289" cy="369332"/>
           </a:xfrm>
           <a:prstGeom prst="rect">
             <a:avLst/>
@@ -15370,242 +16007,12 @@
           <a:p>
             <a:pPr algn="ctr"/>
             <a:r>
-              <a:rPr lang="en-US" u="sng" dirty="0"/>
-              <a:t>b tagging SF’s </a:t>
-            </a:r>
-          </a:p>
-        </p:txBody>
-      </p:sp>
-      <p:sp>
-        <p:nvSpPr>
-          <p:cNvPr id="2" name="Rectangle 1">
-            <a:extLst>
-              <a:ext uri="{FF2B5EF4-FFF2-40B4-BE49-F238E27FC236}">
-                <a16:creationId xmlns:a16="http://schemas.microsoft.com/office/drawing/2014/main" id="{5C0AC30A-7E8B-5E44-B107-1CFE415896F6}"/>
-              </a:ext>
-            </a:extLst>
-          </p:cNvPr>
-          <p:cNvSpPr/>
-          <p:nvPr/>
-        </p:nvSpPr>
-        <p:spPr>
-          <a:xfrm>
-            <a:off x="1180718" y="1582339"/>
-            <a:ext cx="3804458" cy="3693319"/>
-          </a:xfrm>
-          <a:prstGeom prst="rect">
-            <a:avLst/>
-          </a:prstGeom>
-        </p:spPr>
-        <p:txBody>
-          <a:bodyPr wrap="square">
-            <a:spAutoFit/>
-          </a:bodyPr>
-          <a:lstStyle/>
-          <a:p>
-            <a:r>
-              <a:rPr lang="en-GR" dirty="0"/>
-              <a:t>Efficiency-- with tag SF's</a:t>
-            </a:r>
-          </a:p>
-          <a:p>
-            <a:r>
-              <a:rPr lang="en-GR" dirty="0">
+              <a:rPr lang="en-US" b="1" u="sng" dirty="0">
                 <a:solidFill>
-                  <a:schemeClr val="tx1">
-                    <a:lumMod val="95000"/>
-                    <a:lumOff val="5000"/>
-                  </a:schemeClr>
+                  <a:srgbClr val="FF0000"/>
                 </a:solidFill>
               </a:rPr>
-              <a:t>eff data: 0.816 ± 0.032</a:t>
-            </a:r>
-          </a:p>
-          <a:p>
-            <a:r>
-              <a:rPr lang="en-GR" b="1" u="sng" dirty="0">
-                <a:solidFill>
-                  <a:srgbClr val="00B050"/>
-                </a:solidFill>
-              </a:rPr>
-              <a:t>eff ttbar: 0.839 ± 0.005</a:t>
-            </a:r>
-          </a:p>
-          <a:p>
-            <a:r>
-              <a:rPr lang="en-GR" dirty="0"/>
-              <a:t>-----------</a:t>
-            </a:r>
-          </a:p>
-          <a:p>
-            <a:r>
-              <a:rPr lang="en-GR" dirty="0"/>
-              <a:t>Efficiency per Pt region</a:t>
-            </a:r>
-          </a:p>
-          <a:p>
-            <a:r>
-              <a:rPr lang="en-GR" dirty="0"/>
-              <a:t>eff data pT[400-600]: 0.8176 ± 0.038</a:t>
-            </a:r>
-          </a:p>
-          <a:p>
-            <a:r>
-              <a:rPr lang="en-GR" dirty="0"/>
-              <a:t>eff ttbar pT[400-600]: 0.837 ± 0.006</a:t>
-            </a:r>
-          </a:p>
-          <a:p>
-            <a:r>
-              <a:rPr lang="en-GR" dirty="0"/>
-              <a:t>-----------</a:t>
-            </a:r>
-          </a:p>
-          <a:p>
-            <a:r>
-              <a:rPr lang="en-GR" dirty="0"/>
-              <a:t>eff data pT[600-800]: 0.809 ± 0.063</a:t>
-            </a:r>
-          </a:p>
-          <a:p>
-            <a:r>
-              <a:rPr lang="en-GR" dirty="0"/>
-              <a:t>eff ttbar pT[600-800]: 0.847 ± 0.013</a:t>
-            </a:r>
-          </a:p>
-          <a:p>
-            <a:r>
-              <a:rPr lang="en-GR" dirty="0"/>
-              <a:t>-----------</a:t>
-            </a:r>
-          </a:p>
-          <a:p>
-            <a:r>
-              <a:rPr lang="en-GR" dirty="0"/>
-              <a:t>eff data pT[800-Inf]: 0.772 ± 0.132</a:t>
-            </a:r>
-          </a:p>
-          <a:p>
-            <a:r>
-              <a:rPr lang="en-GR" dirty="0"/>
-              <a:t>eff ttbar pT[800-Inf]: 0.868 ± 0.032</a:t>
-            </a:r>
-          </a:p>
-        </p:txBody>
-      </p:sp>
-      <p:sp>
-        <p:nvSpPr>
-          <p:cNvPr id="4" name="Rectangle 3">
-            <a:extLst>
-              <a:ext uri="{FF2B5EF4-FFF2-40B4-BE49-F238E27FC236}">
-                <a16:creationId xmlns:a16="http://schemas.microsoft.com/office/drawing/2014/main" id="{6A55B372-F163-CB40-91A8-4182F6465250}"/>
-              </a:ext>
-            </a:extLst>
-          </p:cNvPr>
-          <p:cNvSpPr/>
-          <p:nvPr/>
-        </p:nvSpPr>
-        <p:spPr>
-          <a:xfrm>
-            <a:off x="7182145" y="1582339"/>
-            <a:ext cx="3804458" cy="3693319"/>
-          </a:xfrm>
-          <a:prstGeom prst="rect">
-            <a:avLst/>
-          </a:prstGeom>
-        </p:spPr>
-        <p:txBody>
-          <a:bodyPr wrap="square">
-            <a:spAutoFit/>
-          </a:bodyPr>
-          <a:lstStyle/>
-          <a:p>
-            <a:r>
-              <a:rPr lang="en-GR" dirty="0"/>
-              <a:t>Efficiency-- without tag sf's</a:t>
-            </a:r>
-          </a:p>
-          <a:p>
-            <a:r>
-              <a:rPr lang="en-GR" dirty="0">
-                <a:solidFill>
-                  <a:schemeClr val="tx1">
-                    <a:lumMod val="95000"/>
-                    <a:lumOff val="5000"/>
-                  </a:schemeClr>
-                </a:solidFill>
-              </a:rPr>
-              <a:t>eff data: 0.822 ± 0.034</a:t>
-            </a:r>
-          </a:p>
-          <a:p>
-            <a:r>
-              <a:rPr lang="en-GR" dirty="0">
-                <a:solidFill>
-                  <a:srgbClr val="00B050"/>
-                </a:solidFill>
-              </a:rPr>
-              <a:t>eff ttbar: 0.839 ± 0.005</a:t>
-            </a:r>
-          </a:p>
-          <a:p>
-            <a:r>
-              <a:rPr lang="en-GR" dirty="0"/>
-              <a:t>-----------</a:t>
-            </a:r>
-          </a:p>
-          <a:p>
-            <a:r>
-              <a:rPr lang="en-GR" dirty="0"/>
-              <a:t>Efficiency per Pt region</a:t>
-            </a:r>
-          </a:p>
-          <a:p>
-            <a:r>
-              <a:rPr lang="en-GR" dirty="0"/>
-              <a:t>eff data pT[400-600]: 0.824 ± 0.039</a:t>
-            </a:r>
-          </a:p>
-          <a:p>
-            <a:r>
-              <a:rPr lang="en-GR" dirty="0"/>
-              <a:t>eff ttbar pT[400-600]: 0.837 ± 0.006</a:t>
-            </a:r>
-          </a:p>
-          <a:p>
-            <a:r>
-              <a:rPr lang="en-GR" dirty="0"/>
-              <a:t>-----------</a:t>
-            </a:r>
-          </a:p>
-          <a:p>
-            <a:r>
-              <a:rPr lang="en-GR" dirty="0"/>
-              <a:t>eff data pT[600-800]: 0.819 ± 0.066</a:t>
-            </a:r>
-          </a:p>
-          <a:p>
-            <a:r>
-              <a:rPr lang="en-GR" dirty="0"/>
-              <a:t>eff ttbar pT[600-800]: 0.847 ± 0.013</a:t>
-            </a:r>
-          </a:p>
-          <a:p>
-            <a:r>
-              <a:rPr lang="en-GR" dirty="0"/>
-              <a:t>-----------</a:t>
-            </a:r>
-          </a:p>
-          <a:p>
-            <a:r>
-              <a:rPr lang="en-GR" dirty="0"/>
-              <a:t>eff data pT[800-Inf]: 0.789 ± 0.141</a:t>
-            </a:r>
-          </a:p>
-          <a:p>
-            <a:r>
-              <a:rPr lang="en-GR" dirty="0"/>
-              <a:t>eff ttbar pT[800-Inf]: 0.868 ± 0.032</a:t>
+              <a:t>No b tagging SF’s </a:t>
             </a:r>
           </a:p>
         </p:txBody>
@@ -15613,7 +16020,7 @@
     </p:spTree>
     <p:extLst>
       <p:ext uri="{BB962C8B-B14F-4D97-AF65-F5344CB8AC3E}">
-        <p14:creationId xmlns:p14="http://schemas.microsoft.com/office/powerpoint/2010/main" val="4027163055"/>
+        <p14:creationId xmlns:p14="http://schemas.microsoft.com/office/powerpoint/2010/main" val="4150945209"/>
       </p:ext>
     </p:extLst>
   </p:cSld>
@@ -15669,6 +16076,53 @@
       </p:sp>
       <p:sp>
         <p:nvSpPr>
+          <p:cNvPr id="7" name="TextBox 6"/>
+          <p:cNvSpPr txBox="1"/>
+          <p:nvPr/>
+        </p:nvSpPr>
+        <p:spPr>
+          <a:xfrm>
+            <a:off x="3276600" y="33090"/>
+            <a:ext cx="5638800" cy="523220"/>
+          </a:xfrm>
+          <a:prstGeom prst="rect">
+            <a:avLst/>
+          </a:prstGeom>
+          <a:noFill/>
+        </p:spPr>
+        <p:txBody>
+          <a:bodyPr wrap="square" rtlCol="0">
+            <a:spAutoFit/>
+          </a:bodyPr>
+          <a:lstStyle/>
+          <a:p>
+            <a:pPr algn="ctr"/>
+            <a:r>
+              <a:rPr lang="en-US" sz="2800" u="sng" dirty="0"/>
+              <a:t>Tag And Probe Calculations </a:t>
+            </a:r>
+            <a:r>
+              <a:rPr lang="en-US" sz="2800" u="sng" dirty="0">
+                <a:solidFill>
+                  <a:srgbClr val="00B050"/>
+                </a:solidFill>
+              </a:rPr>
+              <a:t>2018</a:t>
+            </a:r>
+            <a:r>
+              <a:rPr lang="en-US" sz="2800" u="sng" dirty="0"/>
+              <a:t> </a:t>
+            </a:r>
+            <a:endParaRPr lang="en-US" sz="2800" u="sng" dirty="0">
+              <a:solidFill>
+                <a:srgbClr val="00B050"/>
+              </a:solidFill>
+            </a:endParaRPr>
+          </a:p>
+        </p:txBody>
+      </p:sp>
+      <p:sp>
+        <p:nvSpPr>
           <p:cNvPr id="5" name="Slide Number Placeholder 4">
             <a:extLst>
               <a:ext uri="{FF2B5EF4-FFF2-40B4-BE49-F238E27FC236}">
@@ -15718,257 +16172,20 @@
           <a:bodyPr/>
           <a:lstStyle/>
           <a:p>
-            <a:fld id="{D52D66B2-0E0A-F441-A1DA-8039F615D612}" type="datetime1">
+            <a:fld id="{3DBB7BD0-9B8D-1F47-8ABF-BE3CF9BD2848}" type="datetime1">
               <a:rPr lang="en-US" smtClean="0"/>
-              <a:t>8/31/20</a:t>
+              <a:t>9/1/20</a:t>
             </a:fld>
             <a:endParaRPr lang="en-US" dirty="0"/>
           </a:p>
         </p:txBody>
       </p:sp>
-      <p:pic>
-        <p:nvPicPr>
-          <p:cNvPr id="8" name="Picture 7">
+      <p:sp>
+        <p:nvSpPr>
+          <p:cNvPr id="6" name="Rectangle 5">
             <a:extLst>
               <a:ext uri="{FF2B5EF4-FFF2-40B4-BE49-F238E27FC236}">
-                <a16:creationId xmlns:a16="http://schemas.microsoft.com/office/drawing/2014/main" id="{08124A33-50C0-BB46-BE06-3467BA03726B}"/>
-              </a:ext>
-            </a:extLst>
-          </p:cNvPr>
-          <p:cNvPicPr>
-            <a:picLocks noChangeAspect="1"/>
-          </p:cNvPicPr>
-          <p:nvPr/>
-        </p:nvPicPr>
-        <p:blipFill>
-          <a:blip r:embed="rId2"/>
-          <a:stretch>
-            <a:fillRect/>
-          </a:stretch>
-        </p:blipFill>
-        <p:spPr>
-          <a:xfrm rot="5400000">
-            <a:off x="7617875" y="-241793"/>
-            <a:ext cx="3012694" cy="4176522"/>
-          </a:xfrm>
-          <a:prstGeom prst="rect">
-            <a:avLst/>
-          </a:prstGeom>
-        </p:spPr>
-      </p:pic>
-      <p:pic>
-        <p:nvPicPr>
-          <p:cNvPr id="11" name="Picture 10">
-            <a:extLst>
-              <a:ext uri="{FF2B5EF4-FFF2-40B4-BE49-F238E27FC236}">
-                <a16:creationId xmlns:a16="http://schemas.microsoft.com/office/drawing/2014/main" id="{4744943B-E532-864E-8A77-D62B2B7A8DFA}"/>
-              </a:ext>
-            </a:extLst>
-          </p:cNvPr>
-          <p:cNvPicPr>
-            <a:picLocks noChangeAspect="1"/>
-          </p:cNvPicPr>
-          <p:nvPr/>
-        </p:nvPicPr>
-        <p:blipFill>
-          <a:blip r:embed="rId3"/>
-          <a:stretch>
-            <a:fillRect/>
-          </a:stretch>
-        </p:blipFill>
-        <p:spPr>
-          <a:xfrm rot="5400000">
-            <a:off x="7617875" y="2837987"/>
-            <a:ext cx="3012694" cy="4176522"/>
-          </a:xfrm>
-          <a:prstGeom prst="rect">
-            <a:avLst/>
-          </a:prstGeom>
-        </p:spPr>
-      </p:pic>
-      <p:sp>
-        <p:nvSpPr>
-          <p:cNvPr id="7" name="TextBox 6"/>
-          <p:cNvSpPr txBox="1"/>
-          <p:nvPr/>
-        </p:nvSpPr>
-        <p:spPr>
-          <a:xfrm>
-            <a:off x="3752850" y="-76347"/>
-            <a:ext cx="4686300" cy="523220"/>
-          </a:xfrm>
-          <a:prstGeom prst="rect">
-            <a:avLst/>
-          </a:prstGeom>
-          <a:noFill/>
-        </p:spPr>
-        <p:txBody>
-          <a:bodyPr wrap="square" rtlCol="0">
-            <a:spAutoFit/>
-          </a:bodyPr>
-          <a:lstStyle/>
-          <a:p>
-            <a:r>
-              <a:rPr lang="en-GR" sz="2800" u="sng" dirty="0"/>
-              <a:t>TagAndProbe Efficiency </a:t>
-            </a:r>
-            <a:r>
-              <a:rPr lang="en-US" sz="2800" u="sng" dirty="0"/>
-              <a:t>(</a:t>
-            </a:r>
-            <a:r>
-              <a:rPr lang="en-US" sz="2800" u="sng" dirty="0">
-                <a:solidFill>
-                  <a:srgbClr val="00B050"/>
-                </a:solidFill>
-              </a:rPr>
-              <a:t>2018</a:t>
-            </a:r>
-            <a:r>
-              <a:rPr lang="en-US" sz="2800" u="sng" dirty="0"/>
-              <a:t>)</a:t>
-            </a:r>
-          </a:p>
-        </p:txBody>
-      </p:sp>
-      <p:pic>
-        <p:nvPicPr>
-          <p:cNvPr id="4" name="Picture 3">
-            <a:extLst>
-              <a:ext uri="{FF2B5EF4-FFF2-40B4-BE49-F238E27FC236}">
-                <a16:creationId xmlns:a16="http://schemas.microsoft.com/office/drawing/2014/main" id="{5F632B27-92BD-1E45-8665-EF48ACC1307B}"/>
-              </a:ext>
-            </a:extLst>
-          </p:cNvPr>
-          <p:cNvPicPr>
-            <a:picLocks noChangeAspect="1"/>
-          </p:cNvPicPr>
-          <p:nvPr/>
-        </p:nvPicPr>
-        <p:blipFill>
-          <a:blip r:embed="rId4"/>
-          <a:stretch>
-            <a:fillRect/>
-          </a:stretch>
-        </p:blipFill>
-        <p:spPr>
-          <a:xfrm rot="5400000">
-            <a:off x="1204475" y="-241793"/>
-            <a:ext cx="3012694" cy="4176522"/>
-          </a:xfrm>
-          <a:prstGeom prst="rect">
-            <a:avLst/>
-          </a:prstGeom>
-        </p:spPr>
-      </p:pic>
-      <p:pic>
-        <p:nvPicPr>
-          <p:cNvPr id="9" name="Picture 8">
-            <a:extLst>
-              <a:ext uri="{FF2B5EF4-FFF2-40B4-BE49-F238E27FC236}">
-                <a16:creationId xmlns:a16="http://schemas.microsoft.com/office/drawing/2014/main" id="{CC987474-2518-244B-A899-90EA804E300B}"/>
-              </a:ext>
-            </a:extLst>
-          </p:cNvPr>
-          <p:cNvPicPr>
-            <a:picLocks noChangeAspect="1"/>
-          </p:cNvPicPr>
-          <p:nvPr/>
-        </p:nvPicPr>
-        <p:blipFill>
-          <a:blip r:embed="rId5"/>
-          <a:stretch>
-            <a:fillRect/>
-          </a:stretch>
-        </p:blipFill>
-        <p:spPr>
-          <a:xfrm rot="5400000">
-            <a:off x="1204475" y="2822489"/>
-            <a:ext cx="3012694" cy="4176522"/>
-          </a:xfrm>
-          <a:prstGeom prst="rect">
-            <a:avLst/>
-          </a:prstGeom>
-        </p:spPr>
-      </p:pic>
-      <p:sp>
-        <p:nvSpPr>
-          <p:cNvPr id="19" name="TextBox 18">
-            <a:extLst>
-              <a:ext uri="{FF2B5EF4-FFF2-40B4-BE49-F238E27FC236}">
-                <a16:creationId xmlns:a16="http://schemas.microsoft.com/office/drawing/2014/main" id="{87A7433F-F7CC-2844-A37A-B9EF728D6FE8}"/>
-              </a:ext>
-            </a:extLst>
-          </p:cNvPr>
-          <p:cNvSpPr txBox="1"/>
-          <p:nvPr/>
-        </p:nvSpPr>
-        <p:spPr>
-          <a:xfrm>
-            <a:off x="4271791" y="4994770"/>
-            <a:ext cx="3243263" cy="369332"/>
-          </a:xfrm>
-          <a:prstGeom prst="rect">
-            <a:avLst/>
-          </a:prstGeom>
-          <a:noFill/>
-        </p:spPr>
-        <p:txBody>
-          <a:bodyPr wrap="square" rtlCol="0">
-            <a:spAutoFit/>
-          </a:bodyPr>
-          <a:lstStyle/>
-          <a:p>
-            <a:pPr algn="ctr"/>
-            <a:r>
-              <a:rPr lang="en-GR" dirty="0"/>
-              <a:t>Tight TopTagger + Probe</a:t>
-            </a:r>
-          </a:p>
-        </p:txBody>
-      </p:sp>
-      <p:sp>
-        <p:nvSpPr>
-          <p:cNvPr id="18" name="TextBox 17">
-            <a:extLst>
-              <a:ext uri="{FF2B5EF4-FFF2-40B4-BE49-F238E27FC236}">
-                <a16:creationId xmlns:a16="http://schemas.microsoft.com/office/drawing/2014/main" id="{531AB382-FCD2-4B43-82A6-0D98FF6E618F}"/>
-              </a:ext>
-            </a:extLst>
-          </p:cNvPr>
-          <p:cNvSpPr txBox="1"/>
-          <p:nvPr/>
-        </p:nvSpPr>
-        <p:spPr>
-          <a:xfrm>
-            <a:off x="4271790" y="1557986"/>
-            <a:ext cx="3243263" cy="369332"/>
-          </a:xfrm>
-          <a:prstGeom prst="rect">
-            <a:avLst/>
-          </a:prstGeom>
-          <a:noFill/>
-        </p:spPr>
-        <p:txBody>
-          <a:bodyPr wrap="square" rtlCol="0">
-            <a:spAutoFit/>
-          </a:bodyPr>
-          <a:lstStyle/>
-          <a:p>
-            <a:pPr algn="ctr"/>
-            <a:r>
-              <a:rPr lang="en-GR" dirty="0"/>
-              <a:t>Tight TopTagger + SR TopTagger</a:t>
-            </a:r>
-          </a:p>
-        </p:txBody>
-      </p:sp>
-      <p:sp>
-        <p:nvSpPr>
-          <p:cNvPr id="17" name="Rectangle 16">
-            <a:extLst>
-              <a:ext uri="{FF2B5EF4-FFF2-40B4-BE49-F238E27FC236}">
-                <a16:creationId xmlns:a16="http://schemas.microsoft.com/office/drawing/2014/main" id="{7F2195D5-6AF3-B94D-B444-5C47384FD281}"/>
+                <a16:creationId xmlns:a16="http://schemas.microsoft.com/office/drawing/2014/main" id="{1D3A9800-C923-F943-ACA5-B4B9B9A1D73D}"/>
               </a:ext>
             </a:extLst>
           </p:cNvPr>
@@ -15977,8 +16194,8 @@
         </p:nvSpPr>
         <p:spPr>
           <a:xfrm>
-            <a:off x="2049125" y="3186241"/>
-            <a:ext cx="1520674" cy="369332"/>
+            <a:off x="7939701" y="638586"/>
+            <a:ext cx="2289346" cy="369332"/>
           </a:xfrm>
           <a:prstGeom prst="rect">
             <a:avLst/>
@@ -15992,22 +16209,18 @@
           <a:p>
             <a:pPr algn="ctr"/>
             <a:r>
-              <a:rPr lang="en-US" b="1" u="sng" dirty="0">
-                <a:solidFill>
-                  <a:srgbClr val="FF0000"/>
-                </a:solidFill>
-              </a:rPr>
-              <a:t>b tagging SF’s </a:t>
-            </a:r>
-          </a:p>
-        </p:txBody>
-      </p:sp>
-      <p:sp>
-        <p:nvSpPr>
-          <p:cNvPr id="20" name="Rectangle 19">
+              <a:rPr lang="en-US" u="sng" dirty="0"/>
+              <a:t>without b tagging SF’s </a:t>
+            </a:r>
+          </a:p>
+        </p:txBody>
+      </p:sp>
+      <p:sp>
+        <p:nvSpPr>
+          <p:cNvPr id="8" name="Rectangle 7">
             <a:extLst>
               <a:ext uri="{FF2B5EF4-FFF2-40B4-BE49-F238E27FC236}">
-                <a16:creationId xmlns:a16="http://schemas.microsoft.com/office/drawing/2014/main" id="{43E24579-13E4-6140-97A9-7386D280E896}"/>
+                <a16:creationId xmlns:a16="http://schemas.microsoft.com/office/drawing/2014/main" id="{FE0D63A0-1633-E841-944F-B91BFC6F0FEB}"/>
               </a:ext>
             </a:extLst>
           </p:cNvPr>
@@ -16016,8 +16229,8 @@
         </p:nvSpPr>
         <p:spPr>
           <a:xfrm>
-            <a:off x="8457894" y="3204932"/>
-            <a:ext cx="1849289" cy="369332"/>
+            <a:off x="2333415" y="638586"/>
+            <a:ext cx="1499065" cy="369332"/>
           </a:xfrm>
           <a:prstGeom prst="rect">
             <a:avLst/>
@@ -16031,12 +16244,242 @@
           <a:p>
             <a:pPr algn="ctr"/>
             <a:r>
-              <a:rPr lang="en-US" b="1" u="sng" dirty="0">
+              <a:rPr lang="en-US" u="sng" dirty="0"/>
+              <a:t>b tagging SF’s </a:t>
+            </a:r>
+          </a:p>
+        </p:txBody>
+      </p:sp>
+      <p:sp>
+        <p:nvSpPr>
+          <p:cNvPr id="2" name="Rectangle 1">
+            <a:extLst>
+              <a:ext uri="{FF2B5EF4-FFF2-40B4-BE49-F238E27FC236}">
+                <a16:creationId xmlns:a16="http://schemas.microsoft.com/office/drawing/2014/main" id="{5C0AC30A-7E8B-5E44-B107-1CFE415896F6}"/>
+              </a:ext>
+            </a:extLst>
+          </p:cNvPr>
+          <p:cNvSpPr/>
+          <p:nvPr/>
+        </p:nvSpPr>
+        <p:spPr>
+          <a:xfrm>
+            <a:off x="1180718" y="1582339"/>
+            <a:ext cx="3804458" cy="3693319"/>
+          </a:xfrm>
+          <a:prstGeom prst="rect">
+            <a:avLst/>
+          </a:prstGeom>
+        </p:spPr>
+        <p:txBody>
+          <a:bodyPr wrap="square">
+            <a:spAutoFit/>
+          </a:bodyPr>
+          <a:lstStyle/>
+          <a:p>
+            <a:r>
+              <a:rPr lang="en-GR" dirty="0"/>
+              <a:t>Efficiency-- with tag SF's</a:t>
+            </a:r>
+          </a:p>
+          <a:p>
+            <a:r>
+              <a:rPr lang="en-GR" dirty="0">
                 <a:solidFill>
-                  <a:srgbClr val="FF0000"/>
+                  <a:schemeClr val="tx1">
+                    <a:lumMod val="95000"/>
+                    <a:lumOff val="5000"/>
+                  </a:schemeClr>
                 </a:solidFill>
               </a:rPr>
-              <a:t>No b tagging SF’s </a:t>
+              <a:t>eff data: 0.816 ± 0.032</a:t>
+            </a:r>
+          </a:p>
+          <a:p>
+            <a:r>
+              <a:rPr lang="en-GR" b="1" u="sng" dirty="0">
+                <a:solidFill>
+                  <a:srgbClr val="00B050"/>
+                </a:solidFill>
+              </a:rPr>
+              <a:t>eff ttbar: 0.839 ± 0.005</a:t>
+            </a:r>
+          </a:p>
+          <a:p>
+            <a:r>
+              <a:rPr lang="en-GR" dirty="0"/>
+              <a:t>-----------</a:t>
+            </a:r>
+          </a:p>
+          <a:p>
+            <a:r>
+              <a:rPr lang="en-GR" dirty="0"/>
+              <a:t>Efficiency per Pt region</a:t>
+            </a:r>
+          </a:p>
+          <a:p>
+            <a:r>
+              <a:rPr lang="en-GR" dirty="0"/>
+              <a:t>eff data pT[400-600]: 0.8176 ± 0.038</a:t>
+            </a:r>
+          </a:p>
+          <a:p>
+            <a:r>
+              <a:rPr lang="en-GR" dirty="0"/>
+              <a:t>eff ttbar pT[400-600]: 0.837 ± 0.006</a:t>
+            </a:r>
+          </a:p>
+          <a:p>
+            <a:r>
+              <a:rPr lang="en-GR" dirty="0"/>
+              <a:t>-----------</a:t>
+            </a:r>
+          </a:p>
+          <a:p>
+            <a:r>
+              <a:rPr lang="en-GR" dirty="0"/>
+              <a:t>eff data pT[600-800]: 0.809 ± 0.063</a:t>
+            </a:r>
+          </a:p>
+          <a:p>
+            <a:r>
+              <a:rPr lang="en-GR" dirty="0"/>
+              <a:t>eff ttbar pT[600-800]: 0.847 ± 0.013</a:t>
+            </a:r>
+          </a:p>
+          <a:p>
+            <a:r>
+              <a:rPr lang="en-GR" dirty="0"/>
+              <a:t>-----------</a:t>
+            </a:r>
+          </a:p>
+          <a:p>
+            <a:r>
+              <a:rPr lang="en-GR" dirty="0"/>
+              <a:t>eff data pT[800-Inf]: 0.772 ± 0.132</a:t>
+            </a:r>
+          </a:p>
+          <a:p>
+            <a:r>
+              <a:rPr lang="en-GR" dirty="0"/>
+              <a:t>eff ttbar pT[800-Inf]: 0.868 ± 0.032</a:t>
+            </a:r>
+          </a:p>
+        </p:txBody>
+      </p:sp>
+      <p:sp>
+        <p:nvSpPr>
+          <p:cNvPr id="4" name="Rectangle 3">
+            <a:extLst>
+              <a:ext uri="{FF2B5EF4-FFF2-40B4-BE49-F238E27FC236}">
+                <a16:creationId xmlns:a16="http://schemas.microsoft.com/office/drawing/2014/main" id="{6A55B372-F163-CB40-91A8-4182F6465250}"/>
+              </a:ext>
+            </a:extLst>
+          </p:cNvPr>
+          <p:cNvSpPr/>
+          <p:nvPr/>
+        </p:nvSpPr>
+        <p:spPr>
+          <a:xfrm>
+            <a:off x="7182145" y="1582339"/>
+            <a:ext cx="3804458" cy="3693319"/>
+          </a:xfrm>
+          <a:prstGeom prst="rect">
+            <a:avLst/>
+          </a:prstGeom>
+        </p:spPr>
+        <p:txBody>
+          <a:bodyPr wrap="square">
+            <a:spAutoFit/>
+          </a:bodyPr>
+          <a:lstStyle/>
+          <a:p>
+            <a:r>
+              <a:rPr lang="en-GR" dirty="0"/>
+              <a:t>Efficiency-- without tag sf's</a:t>
+            </a:r>
+          </a:p>
+          <a:p>
+            <a:r>
+              <a:rPr lang="en-GR" dirty="0">
+                <a:solidFill>
+                  <a:schemeClr val="tx1">
+                    <a:lumMod val="95000"/>
+                    <a:lumOff val="5000"/>
+                  </a:schemeClr>
+                </a:solidFill>
+              </a:rPr>
+              <a:t>eff data: 0.822 ± 0.034</a:t>
+            </a:r>
+          </a:p>
+          <a:p>
+            <a:r>
+              <a:rPr lang="en-GR" dirty="0">
+                <a:solidFill>
+                  <a:srgbClr val="00B050"/>
+                </a:solidFill>
+              </a:rPr>
+              <a:t>eff ttbar: 0.839 ± 0.005</a:t>
+            </a:r>
+          </a:p>
+          <a:p>
+            <a:r>
+              <a:rPr lang="en-GR" dirty="0"/>
+              <a:t>-----------</a:t>
+            </a:r>
+          </a:p>
+          <a:p>
+            <a:r>
+              <a:rPr lang="en-GR" dirty="0"/>
+              <a:t>Efficiency per Pt region</a:t>
+            </a:r>
+          </a:p>
+          <a:p>
+            <a:r>
+              <a:rPr lang="en-GR" dirty="0"/>
+              <a:t>eff data pT[400-600]: 0.824 ± 0.039</a:t>
+            </a:r>
+          </a:p>
+          <a:p>
+            <a:r>
+              <a:rPr lang="en-GR" dirty="0"/>
+              <a:t>eff ttbar pT[400-600]: 0.837 ± 0.006</a:t>
+            </a:r>
+          </a:p>
+          <a:p>
+            <a:r>
+              <a:rPr lang="en-GR" dirty="0"/>
+              <a:t>-----------</a:t>
+            </a:r>
+          </a:p>
+          <a:p>
+            <a:r>
+              <a:rPr lang="en-GR" dirty="0"/>
+              <a:t>eff data pT[600-800]: 0.819 ± 0.066</a:t>
+            </a:r>
+          </a:p>
+          <a:p>
+            <a:r>
+              <a:rPr lang="en-GR" dirty="0"/>
+              <a:t>eff ttbar pT[600-800]: 0.847 ± 0.013</a:t>
+            </a:r>
+          </a:p>
+          <a:p>
+            <a:r>
+              <a:rPr lang="en-GR" dirty="0"/>
+              <a:t>-----------</a:t>
+            </a:r>
+          </a:p>
+          <a:p>
+            <a:r>
+              <a:rPr lang="en-GR" dirty="0"/>
+              <a:t>eff data pT[800-Inf]: 0.789 ± 0.141</a:t>
+            </a:r>
+          </a:p>
+          <a:p>
+            <a:r>
+              <a:rPr lang="en-GR" dirty="0"/>
+              <a:t>eff ttbar pT[800-Inf]: 0.868 ± 0.032</a:t>
             </a:r>
           </a:p>
         </p:txBody>
@@ -16044,7 +16487,7 @@
     </p:spTree>
     <p:extLst>
       <p:ext uri="{BB962C8B-B14F-4D97-AF65-F5344CB8AC3E}">
-        <p14:creationId xmlns:p14="http://schemas.microsoft.com/office/powerpoint/2010/main" val="270366993"/>
+        <p14:creationId xmlns:p14="http://schemas.microsoft.com/office/powerpoint/2010/main" val="4027163055"/>
       </p:ext>
     </p:extLst>
   </p:cSld>
@@ -16191,7 +16634,7 @@
           <a:p>
             <a:fld id="{F7AFF6A5-F1FB-284A-BF72-2836D5A0B341}" type="datetime1">
               <a:rPr lang="en-US" smtClean="0"/>
-              <a:t>8/31/20</a:t>
+              <a:t>9/1/20</a:t>
             </a:fld>
             <a:endParaRPr lang="en-US" dirty="0"/>
           </a:p>
@@ -17262,53 +17705,6 @@
       </p:sp>
       <p:sp>
         <p:nvSpPr>
-          <p:cNvPr id="7" name="TextBox 6"/>
-          <p:cNvSpPr txBox="1"/>
-          <p:nvPr/>
-        </p:nvSpPr>
-        <p:spPr>
-          <a:xfrm>
-            <a:off x="2805007" y="33090"/>
-            <a:ext cx="6581985" cy="523220"/>
-          </a:xfrm>
-          <a:prstGeom prst="rect">
-            <a:avLst/>
-          </a:prstGeom>
-          <a:noFill/>
-        </p:spPr>
-        <p:txBody>
-          <a:bodyPr wrap="square" rtlCol="0">
-            <a:spAutoFit/>
-          </a:bodyPr>
-          <a:lstStyle/>
-          <a:p>
-            <a:pPr algn="ctr"/>
-            <a:r>
-              <a:rPr lang="en-US" sz="2800" u="sng" dirty="0"/>
-              <a:t>Data Vs MC Stacks for BDT output </a:t>
-            </a:r>
-            <a:r>
-              <a:rPr lang="en-US" sz="2800" u="sng" dirty="0">
-                <a:solidFill>
-                  <a:srgbClr val="00B0F0"/>
-                </a:solidFill>
-              </a:rPr>
-              <a:t>2016</a:t>
-            </a:r>
-            <a:r>
-              <a:rPr lang="en-US" sz="2800" u="sng" dirty="0"/>
-              <a:t> </a:t>
-            </a:r>
-            <a:endParaRPr lang="en-US" sz="2800" u="sng" dirty="0">
-              <a:solidFill>
-                <a:srgbClr val="00B050"/>
-              </a:solidFill>
-            </a:endParaRPr>
-          </a:p>
-        </p:txBody>
-      </p:sp>
-      <p:sp>
-        <p:nvSpPr>
           <p:cNvPr id="5" name="Slide Number Placeholder 4">
             <a:extLst>
               <a:ext uri="{FF2B5EF4-FFF2-40B4-BE49-F238E27FC236}">
@@ -17358,90 +17754,20 @@
           <a:bodyPr/>
           <a:lstStyle/>
           <a:p>
-            <a:fld id="{3DBB7BD0-9B8D-1F47-8ABF-BE3CF9BD2848}" type="datetime1">
+            <a:fld id="{D52D66B2-0E0A-F441-A1DA-8039F615D612}" type="datetime1">
               <a:rPr lang="en-US" smtClean="0"/>
-              <a:t>8/31/20</a:t>
+              <a:t>9/1/20</a:t>
             </a:fld>
             <a:endParaRPr lang="en-US" dirty="0"/>
           </a:p>
         </p:txBody>
       </p:sp>
-      <p:sp>
-        <p:nvSpPr>
-          <p:cNvPr id="6" name="Rectangle 5">
+      <p:pic>
+        <p:nvPicPr>
+          <p:cNvPr id="8" name="Picture 7">
             <a:extLst>
               <a:ext uri="{FF2B5EF4-FFF2-40B4-BE49-F238E27FC236}">
-                <a16:creationId xmlns:a16="http://schemas.microsoft.com/office/drawing/2014/main" id="{1D3A9800-C923-F943-ACA5-B4B9B9A1D73D}"/>
-              </a:ext>
-            </a:extLst>
-          </p:cNvPr>
-          <p:cNvSpPr/>
-          <p:nvPr/>
-        </p:nvSpPr>
-        <p:spPr>
-          <a:xfrm>
-            <a:off x="7939701" y="638586"/>
-            <a:ext cx="2289346" cy="369332"/>
-          </a:xfrm>
-          <a:prstGeom prst="rect">
-            <a:avLst/>
-          </a:prstGeom>
-        </p:spPr>
-        <p:txBody>
-          <a:bodyPr wrap="none">
-            <a:spAutoFit/>
-          </a:bodyPr>
-          <a:lstStyle/>
-          <a:p>
-            <a:pPr algn="ctr"/>
-            <a:r>
-              <a:rPr lang="en-US" u="sng" dirty="0"/>
-              <a:t>without b tagging SF’s </a:t>
-            </a:r>
-          </a:p>
-        </p:txBody>
-      </p:sp>
-      <p:sp>
-        <p:nvSpPr>
-          <p:cNvPr id="8" name="Rectangle 7">
-            <a:extLst>
-              <a:ext uri="{FF2B5EF4-FFF2-40B4-BE49-F238E27FC236}">
-                <a16:creationId xmlns:a16="http://schemas.microsoft.com/office/drawing/2014/main" id="{FE0D63A0-1633-E841-944F-B91BFC6F0FEB}"/>
-              </a:ext>
-            </a:extLst>
-          </p:cNvPr>
-          <p:cNvSpPr/>
-          <p:nvPr/>
-        </p:nvSpPr>
-        <p:spPr>
-          <a:xfrm>
-            <a:off x="2333415" y="638586"/>
-            <a:ext cx="1499065" cy="369332"/>
-          </a:xfrm>
-          <a:prstGeom prst="rect">
-            <a:avLst/>
-          </a:prstGeom>
-        </p:spPr>
-        <p:txBody>
-          <a:bodyPr wrap="none">
-            <a:spAutoFit/>
-          </a:bodyPr>
-          <a:lstStyle/>
-          <a:p>
-            <a:pPr algn="ctr"/>
-            <a:r>
-              <a:rPr lang="en-US" u="sng" dirty="0"/>
-              <a:t>b tagging SF’s </a:t>
-            </a:r>
-          </a:p>
-        </p:txBody>
-      </p:sp>
-      <p:pic>
-        <p:nvPicPr>
-          <p:cNvPr id="4" name="Picture 3">
-            <a:extLst>
-              <a:ext uri="{FF2B5EF4-FFF2-40B4-BE49-F238E27FC236}">
-                <a16:creationId xmlns:a16="http://schemas.microsoft.com/office/drawing/2014/main" id="{0479B1E7-F202-554C-ADE3-707F5402EA48}"/>
+                <a16:creationId xmlns:a16="http://schemas.microsoft.com/office/drawing/2014/main" id="{08124A33-50C0-BB46-BE06-3467BA03726B}"/>
               </a:ext>
             </a:extLst>
           </p:cNvPr>
@@ -17458,8 +17784,8 @@
         </p:blipFill>
         <p:spPr>
           <a:xfrm rot="5400000">
-            <a:off x="832739" y="440626"/>
-            <a:ext cx="4311269" cy="5976747"/>
+            <a:off x="7617875" y="-241793"/>
+            <a:ext cx="3012694" cy="4176522"/>
           </a:xfrm>
           <a:prstGeom prst="rect">
             <a:avLst/>
@@ -17468,10 +17794,10 @@
       </p:pic>
       <p:pic>
         <p:nvPicPr>
-          <p:cNvPr id="10" name="Picture 9">
+          <p:cNvPr id="11" name="Picture 10">
             <a:extLst>
               <a:ext uri="{FF2B5EF4-FFF2-40B4-BE49-F238E27FC236}">
-                <a16:creationId xmlns:a16="http://schemas.microsoft.com/office/drawing/2014/main" id="{B59D90DA-3524-084C-9B71-560A98282EE8}"/>
+                <a16:creationId xmlns:a16="http://schemas.microsoft.com/office/drawing/2014/main" id="{4744943B-E532-864E-8A77-D62B2B7A8DFA}"/>
               </a:ext>
             </a:extLst>
           </p:cNvPr>
@@ -17488,18 +17814,273 @@
         </p:blipFill>
         <p:spPr>
           <a:xfrm rot="5400000">
-            <a:off x="6928739" y="440626"/>
-            <a:ext cx="4311269" cy="5976747"/>
+            <a:off x="7617875" y="2837987"/>
+            <a:ext cx="3012694" cy="4176522"/>
           </a:xfrm>
           <a:prstGeom prst="rect">
             <a:avLst/>
           </a:prstGeom>
         </p:spPr>
       </p:pic>
+      <p:sp>
+        <p:nvSpPr>
+          <p:cNvPr id="7" name="TextBox 6"/>
+          <p:cNvSpPr txBox="1"/>
+          <p:nvPr/>
+        </p:nvSpPr>
+        <p:spPr>
+          <a:xfrm>
+            <a:off x="3752850" y="-76347"/>
+            <a:ext cx="4686300" cy="523220"/>
+          </a:xfrm>
+          <a:prstGeom prst="rect">
+            <a:avLst/>
+          </a:prstGeom>
+          <a:noFill/>
+        </p:spPr>
+        <p:txBody>
+          <a:bodyPr wrap="square" rtlCol="0">
+            <a:spAutoFit/>
+          </a:bodyPr>
+          <a:lstStyle/>
+          <a:p>
+            <a:r>
+              <a:rPr lang="en-GR" sz="2800" u="sng" dirty="0"/>
+              <a:t>TagAndProbe Efficiency </a:t>
+            </a:r>
+            <a:r>
+              <a:rPr lang="en-US" sz="2800" u="sng" dirty="0"/>
+              <a:t>(</a:t>
+            </a:r>
+            <a:r>
+              <a:rPr lang="en-US" sz="2800" u="sng" dirty="0">
+                <a:solidFill>
+                  <a:srgbClr val="00B050"/>
+                </a:solidFill>
+              </a:rPr>
+              <a:t>2018</a:t>
+            </a:r>
+            <a:r>
+              <a:rPr lang="en-US" sz="2800" u="sng" dirty="0"/>
+              <a:t>)</a:t>
+            </a:r>
+          </a:p>
+        </p:txBody>
+      </p:sp>
+      <p:pic>
+        <p:nvPicPr>
+          <p:cNvPr id="4" name="Picture 3">
+            <a:extLst>
+              <a:ext uri="{FF2B5EF4-FFF2-40B4-BE49-F238E27FC236}">
+                <a16:creationId xmlns:a16="http://schemas.microsoft.com/office/drawing/2014/main" id="{5F632B27-92BD-1E45-8665-EF48ACC1307B}"/>
+              </a:ext>
+            </a:extLst>
+          </p:cNvPr>
+          <p:cNvPicPr>
+            <a:picLocks noChangeAspect="1"/>
+          </p:cNvPicPr>
+          <p:nvPr/>
+        </p:nvPicPr>
+        <p:blipFill>
+          <a:blip r:embed="rId4"/>
+          <a:stretch>
+            <a:fillRect/>
+          </a:stretch>
+        </p:blipFill>
+        <p:spPr>
+          <a:xfrm rot="5400000">
+            <a:off x="1204475" y="-241793"/>
+            <a:ext cx="3012694" cy="4176522"/>
+          </a:xfrm>
+          <a:prstGeom prst="rect">
+            <a:avLst/>
+          </a:prstGeom>
+        </p:spPr>
+      </p:pic>
+      <p:pic>
+        <p:nvPicPr>
+          <p:cNvPr id="9" name="Picture 8">
+            <a:extLst>
+              <a:ext uri="{FF2B5EF4-FFF2-40B4-BE49-F238E27FC236}">
+                <a16:creationId xmlns:a16="http://schemas.microsoft.com/office/drawing/2014/main" id="{CC987474-2518-244B-A899-90EA804E300B}"/>
+              </a:ext>
+            </a:extLst>
+          </p:cNvPr>
+          <p:cNvPicPr>
+            <a:picLocks noChangeAspect="1"/>
+          </p:cNvPicPr>
+          <p:nvPr/>
+        </p:nvPicPr>
+        <p:blipFill>
+          <a:blip r:embed="rId5"/>
+          <a:stretch>
+            <a:fillRect/>
+          </a:stretch>
+        </p:blipFill>
+        <p:spPr>
+          <a:xfrm rot="5400000">
+            <a:off x="1204475" y="2822489"/>
+            <a:ext cx="3012694" cy="4176522"/>
+          </a:xfrm>
+          <a:prstGeom prst="rect">
+            <a:avLst/>
+          </a:prstGeom>
+        </p:spPr>
+      </p:pic>
+      <p:sp>
+        <p:nvSpPr>
+          <p:cNvPr id="19" name="TextBox 18">
+            <a:extLst>
+              <a:ext uri="{FF2B5EF4-FFF2-40B4-BE49-F238E27FC236}">
+                <a16:creationId xmlns:a16="http://schemas.microsoft.com/office/drawing/2014/main" id="{87A7433F-F7CC-2844-A37A-B9EF728D6FE8}"/>
+              </a:ext>
+            </a:extLst>
+          </p:cNvPr>
+          <p:cNvSpPr txBox="1"/>
+          <p:nvPr/>
+        </p:nvSpPr>
+        <p:spPr>
+          <a:xfrm>
+            <a:off x="4271791" y="4994770"/>
+            <a:ext cx="3243263" cy="369332"/>
+          </a:xfrm>
+          <a:prstGeom prst="rect">
+            <a:avLst/>
+          </a:prstGeom>
+          <a:noFill/>
+        </p:spPr>
+        <p:txBody>
+          <a:bodyPr wrap="square" rtlCol="0">
+            <a:spAutoFit/>
+          </a:bodyPr>
+          <a:lstStyle/>
+          <a:p>
+            <a:pPr algn="ctr"/>
+            <a:r>
+              <a:rPr lang="en-GR" dirty="0"/>
+              <a:t>Tight TopTagger + Probe</a:t>
+            </a:r>
+          </a:p>
+        </p:txBody>
+      </p:sp>
+      <p:sp>
+        <p:nvSpPr>
+          <p:cNvPr id="18" name="TextBox 17">
+            <a:extLst>
+              <a:ext uri="{FF2B5EF4-FFF2-40B4-BE49-F238E27FC236}">
+                <a16:creationId xmlns:a16="http://schemas.microsoft.com/office/drawing/2014/main" id="{531AB382-FCD2-4B43-82A6-0D98FF6E618F}"/>
+              </a:ext>
+            </a:extLst>
+          </p:cNvPr>
+          <p:cNvSpPr txBox="1"/>
+          <p:nvPr/>
+        </p:nvSpPr>
+        <p:spPr>
+          <a:xfrm>
+            <a:off x="4271790" y="1557986"/>
+            <a:ext cx="3243263" cy="369332"/>
+          </a:xfrm>
+          <a:prstGeom prst="rect">
+            <a:avLst/>
+          </a:prstGeom>
+          <a:noFill/>
+        </p:spPr>
+        <p:txBody>
+          <a:bodyPr wrap="square" rtlCol="0">
+            <a:spAutoFit/>
+          </a:bodyPr>
+          <a:lstStyle/>
+          <a:p>
+            <a:pPr algn="ctr"/>
+            <a:r>
+              <a:rPr lang="en-GR" dirty="0"/>
+              <a:t>Tight TopTagger + SR TopTagger</a:t>
+            </a:r>
+          </a:p>
+        </p:txBody>
+      </p:sp>
+      <p:sp>
+        <p:nvSpPr>
+          <p:cNvPr id="17" name="Rectangle 16">
+            <a:extLst>
+              <a:ext uri="{FF2B5EF4-FFF2-40B4-BE49-F238E27FC236}">
+                <a16:creationId xmlns:a16="http://schemas.microsoft.com/office/drawing/2014/main" id="{7F2195D5-6AF3-B94D-B444-5C47384FD281}"/>
+              </a:ext>
+            </a:extLst>
+          </p:cNvPr>
+          <p:cNvSpPr/>
+          <p:nvPr/>
+        </p:nvSpPr>
+        <p:spPr>
+          <a:xfrm>
+            <a:off x="2049125" y="3186241"/>
+            <a:ext cx="1520674" cy="369332"/>
+          </a:xfrm>
+          <a:prstGeom prst="rect">
+            <a:avLst/>
+          </a:prstGeom>
+        </p:spPr>
+        <p:txBody>
+          <a:bodyPr wrap="none">
+            <a:spAutoFit/>
+          </a:bodyPr>
+          <a:lstStyle/>
+          <a:p>
+            <a:pPr algn="ctr"/>
+            <a:r>
+              <a:rPr lang="en-US" b="1" u="sng" dirty="0">
+                <a:solidFill>
+                  <a:srgbClr val="FF0000"/>
+                </a:solidFill>
+              </a:rPr>
+              <a:t>b tagging SF’s </a:t>
+            </a:r>
+          </a:p>
+        </p:txBody>
+      </p:sp>
+      <p:sp>
+        <p:nvSpPr>
+          <p:cNvPr id="20" name="Rectangle 19">
+            <a:extLst>
+              <a:ext uri="{FF2B5EF4-FFF2-40B4-BE49-F238E27FC236}">
+                <a16:creationId xmlns:a16="http://schemas.microsoft.com/office/drawing/2014/main" id="{43E24579-13E4-6140-97A9-7386D280E896}"/>
+              </a:ext>
+            </a:extLst>
+          </p:cNvPr>
+          <p:cNvSpPr/>
+          <p:nvPr/>
+        </p:nvSpPr>
+        <p:spPr>
+          <a:xfrm>
+            <a:off x="8457894" y="3204932"/>
+            <a:ext cx="1849289" cy="369332"/>
+          </a:xfrm>
+          <a:prstGeom prst="rect">
+            <a:avLst/>
+          </a:prstGeom>
+        </p:spPr>
+        <p:txBody>
+          <a:bodyPr wrap="none">
+            <a:spAutoFit/>
+          </a:bodyPr>
+          <a:lstStyle/>
+          <a:p>
+            <a:pPr algn="ctr"/>
+            <a:r>
+              <a:rPr lang="en-US" b="1" u="sng" dirty="0">
+                <a:solidFill>
+                  <a:srgbClr val="FF0000"/>
+                </a:solidFill>
+              </a:rPr>
+              <a:t>No b tagging SF’s </a:t>
+            </a:r>
+          </a:p>
+        </p:txBody>
+      </p:sp>
     </p:spTree>
     <p:extLst>
       <p:ext uri="{BB962C8B-B14F-4D97-AF65-F5344CB8AC3E}">
-        <p14:creationId xmlns:p14="http://schemas.microsoft.com/office/powerpoint/2010/main" val="83094305"/>
+        <p14:creationId xmlns:p14="http://schemas.microsoft.com/office/powerpoint/2010/main" val="270366993"/>
       </p:ext>
     </p:extLst>
   </p:cSld>
@@ -17583,10 +18164,10 @@
             <a:r>
               <a:rPr lang="en-US" sz="2800" u="sng" dirty="0">
                 <a:solidFill>
-                  <a:srgbClr val="FF0000"/>
+                  <a:srgbClr val="00B0F0"/>
                 </a:solidFill>
               </a:rPr>
-              <a:t>2017</a:t>
+              <a:t>2016</a:t>
             </a:r>
             <a:r>
               <a:rPr lang="en-US" sz="2800" u="sng" dirty="0"/>
@@ -17653,7 +18234,7 @@
           <a:p>
             <a:fld id="{3DBB7BD0-9B8D-1F47-8ABF-BE3CF9BD2848}" type="datetime1">
               <a:rPr lang="en-US" smtClean="0"/>
-              <a:t>8/31/20</a:t>
+              <a:t>9/1/20</a:t>
             </a:fld>
             <a:endParaRPr lang="en-US" dirty="0"/>
           </a:p>
@@ -17673,7 +18254,7 @@
         </p:nvSpPr>
         <p:spPr>
           <a:xfrm>
-            <a:off x="7939701" y="638586"/>
+            <a:off x="7907044" y="1609457"/>
             <a:ext cx="2289346" cy="369332"/>
           </a:xfrm>
           <a:prstGeom prst="rect">
@@ -17708,7 +18289,7 @@
         </p:nvSpPr>
         <p:spPr>
           <a:xfrm>
-            <a:off x="2333415" y="638586"/>
+            <a:off x="2300758" y="1609457"/>
             <a:ext cx="1499065" cy="369332"/>
           </a:xfrm>
           <a:prstGeom prst="rect">
@@ -17734,7 +18315,7 @@
           <p:cNvPr id="4" name="Picture 3">
             <a:extLst>
               <a:ext uri="{FF2B5EF4-FFF2-40B4-BE49-F238E27FC236}">
-                <a16:creationId xmlns:a16="http://schemas.microsoft.com/office/drawing/2014/main" id="{A37CDE29-0165-8540-AFD9-47BF96CD3E63}"/>
+                <a16:creationId xmlns:a16="http://schemas.microsoft.com/office/drawing/2014/main" id="{0479B1E7-F202-554C-ADE3-707F5402EA48}"/>
               </a:ext>
             </a:extLst>
           </p:cNvPr>
@@ -17751,7 +18332,7 @@
         </p:blipFill>
         <p:spPr>
           <a:xfrm rot="5400000">
-            <a:off x="927312" y="440626"/>
+            <a:off x="832739" y="1202626"/>
             <a:ext cx="4311269" cy="5976747"/>
           </a:xfrm>
           <a:prstGeom prst="rect">
@@ -17761,10 +18342,10 @@
       </p:pic>
       <p:pic>
         <p:nvPicPr>
-          <p:cNvPr id="11" name="Picture 10">
+          <p:cNvPr id="10" name="Picture 9">
             <a:extLst>
               <a:ext uri="{FF2B5EF4-FFF2-40B4-BE49-F238E27FC236}">
-                <a16:creationId xmlns:a16="http://schemas.microsoft.com/office/drawing/2014/main" id="{F1BD224C-3E78-0A47-9667-7B654BD6FB2A}"/>
+                <a16:creationId xmlns:a16="http://schemas.microsoft.com/office/drawing/2014/main" id="{B59D90DA-3524-084C-9B71-560A98282EE8}"/>
               </a:ext>
             </a:extLst>
           </p:cNvPr>
@@ -17781,7 +18362,7 @@
         </p:blipFill>
         <p:spPr>
           <a:xfrm rot="5400000">
-            <a:off x="6904059" y="440626"/>
+            <a:off x="6928739" y="1202626"/>
             <a:ext cx="4311269" cy="5976747"/>
           </a:xfrm>
           <a:prstGeom prst="rect">
@@ -17789,10 +18370,98 @@
           </a:prstGeom>
         </p:spPr>
       </p:pic>
+      <p:sp>
+        <p:nvSpPr>
+          <p:cNvPr id="11" name="Rectangle 10">
+            <a:extLst>
+              <a:ext uri="{FF2B5EF4-FFF2-40B4-BE49-F238E27FC236}">
+                <a16:creationId xmlns:a16="http://schemas.microsoft.com/office/drawing/2014/main" id="{1D28A1BE-C6D3-D043-8F96-A4E1CBE3A9EB}"/>
+              </a:ext>
+            </a:extLst>
+          </p:cNvPr>
+          <p:cNvSpPr/>
+          <p:nvPr/>
+        </p:nvSpPr>
+        <p:spPr>
+          <a:xfrm>
+            <a:off x="163285" y="537218"/>
+            <a:ext cx="12028715" cy="1015663"/>
+          </a:xfrm>
+          <a:prstGeom prst="rect">
+            <a:avLst/>
+          </a:prstGeom>
+        </p:spPr>
+        <p:txBody>
+          <a:bodyPr wrap="square">
+            <a:spAutoFit/>
+          </a:bodyPr>
+          <a:lstStyle/>
+          <a:p>
+            <a:pPr marL="285750" indent="-285750">
+              <a:buClr>
+                <a:schemeClr val="accent1"/>
+              </a:buClr>
+              <a:buFont typeface="Arial" panose="020B0604020202020204" pitchFamily="34" charset="0"/>
+              <a:buChar char="•"/>
+            </a:pPr>
+            <a:r>
+              <a:rPr lang="en-US" sz="2000" u="sng" dirty="0"/>
+              <a:t>BDT Output scores SR</a:t>
+            </a:r>
+            <a:r>
+              <a:rPr lang="en-US" sz="2000" u="sng" baseline="-25000" dirty="0"/>
+              <a:t>B</a:t>
+            </a:r>
+            <a:endParaRPr lang="en-US" sz="2000" u="sng" dirty="0"/>
+          </a:p>
+          <a:p>
+            <a:pPr marL="742950" lvl="1" indent="-285750">
+              <a:buClr>
+                <a:schemeClr val="accent1"/>
+              </a:buClr>
+              <a:buFont typeface="Arial" panose="020B0604020202020204" pitchFamily="34" charset="0"/>
+              <a:buChar char="•"/>
+            </a:pPr>
+            <a:r>
+              <a:rPr lang="en-US" sz="2000" dirty="0"/>
+              <a:t>SR</a:t>
+            </a:r>
+            <a:r>
+              <a:rPr lang="en-US" sz="2000" baseline="-25000" dirty="0"/>
+              <a:t>B </a:t>
+            </a:r>
+            <a:r>
+              <a:rPr lang="en-US" sz="2000" dirty="0"/>
+              <a:t>: Baseline selection + tight Mass Cut  (120,220) GeV, no </a:t>
+            </a:r>
+            <a:r>
+              <a:rPr lang="en-US" sz="2000" dirty="0" err="1"/>
+              <a:t>TopTagger</a:t>
+            </a:r>
+            <a:r>
+              <a:rPr lang="en-US" sz="2000" dirty="0"/>
+              <a:t> Selection </a:t>
+            </a:r>
+          </a:p>
+          <a:p>
+            <a:pPr marL="742950" lvl="1" indent="-285750">
+              <a:buClr>
+                <a:schemeClr val="accent1"/>
+              </a:buClr>
+              <a:buFont typeface="Arial" panose="020B0604020202020204" pitchFamily="34" charset="0"/>
+              <a:buChar char="•"/>
+            </a:pPr>
+            <a:r>
+              <a:rPr lang="en-US" sz="2000" dirty="0"/>
+              <a:t>QCD scaled to data (k-factor)</a:t>
+            </a:r>
+          </a:p>
+        </p:txBody>
+      </p:sp>
     </p:spTree>
     <p:extLst>
       <p:ext uri="{BB962C8B-B14F-4D97-AF65-F5344CB8AC3E}">
-        <p14:creationId xmlns:p14="http://schemas.microsoft.com/office/powerpoint/2010/main" val="2071165039"/>
+        <p14:creationId xmlns:p14="http://schemas.microsoft.com/office/powerpoint/2010/main" val="83094305"/>
       </p:ext>
     </p:extLst>
   </p:cSld>
@@ -17876,10 +18545,10 @@
             <a:r>
               <a:rPr lang="en-US" sz="2800" u="sng" dirty="0">
                 <a:solidFill>
-                  <a:srgbClr val="00B050"/>
+                  <a:srgbClr val="FF0000"/>
                 </a:solidFill>
               </a:rPr>
-              <a:t>2018</a:t>
+              <a:t>2017</a:t>
             </a:r>
             <a:r>
               <a:rPr lang="en-US" sz="2800" u="sng" dirty="0"/>
@@ -17946,7 +18615,7 @@
           <a:p>
             <a:fld id="{3DBB7BD0-9B8D-1F47-8ABF-BE3CF9BD2848}" type="datetime1">
               <a:rPr lang="en-US" smtClean="0"/>
-              <a:t>8/31/20</a:t>
+              <a:t>9/1/20</a:t>
             </a:fld>
             <a:endParaRPr lang="en-US" dirty="0"/>
           </a:p>
@@ -18024,10 +18693,10 @@
       </p:sp>
       <p:pic>
         <p:nvPicPr>
-          <p:cNvPr id="9" name="Picture 8">
+          <p:cNvPr id="4" name="Picture 3">
             <a:extLst>
               <a:ext uri="{FF2B5EF4-FFF2-40B4-BE49-F238E27FC236}">
-                <a16:creationId xmlns:a16="http://schemas.microsoft.com/office/drawing/2014/main" id="{2E336555-93F3-FD4F-B090-6BE11BE0DBFF}"/>
+                <a16:creationId xmlns:a16="http://schemas.microsoft.com/office/drawing/2014/main" id="{A37CDE29-0165-8540-AFD9-47BF96CD3E63}"/>
               </a:ext>
             </a:extLst>
           </p:cNvPr>
@@ -18044,7 +18713,7 @@
         </p:blipFill>
         <p:spPr>
           <a:xfrm rot="5400000">
-            <a:off x="951991" y="439725"/>
+            <a:off x="927312" y="440626"/>
             <a:ext cx="4311269" cy="5976747"/>
           </a:xfrm>
           <a:prstGeom prst="rect">
@@ -18057,7 +18726,7 @@
           <p:cNvPr id="11" name="Picture 10">
             <a:extLst>
               <a:ext uri="{FF2B5EF4-FFF2-40B4-BE49-F238E27FC236}">
-                <a16:creationId xmlns:a16="http://schemas.microsoft.com/office/drawing/2014/main" id="{10CBFBAD-304D-7948-AD39-DEB83BD977DD}"/>
+                <a16:creationId xmlns:a16="http://schemas.microsoft.com/office/drawing/2014/main" id="{F1BD224C-3E78-0A47-9667-7B654BD6FB2A}"/>
               </a:ext>
             </a:extLst>
           </p:cNvPr>
@@ -18074,7 +18743,7 @@
         </p:blipFill>
         <p:spPr>
           <a:xfrm rot="5400000">
-            <a:off x="6928738" y="439724"/>
+            <a:off x="6904059" y="440626"/>
             <a:ext cx="4311269" cy="5976747"/>
           </a:xfrm>
           <a:prstGeom prst="rect">
@@ -18085,7 +18754,7 @@
     </p:spTree>
     <p:extLst>
       <p:ext uri="{BB962C8B-B14F-4D97-AF65-F5344CB8AC3E}">
-        <p14:creationId xmlns:p14="http://schemas.microsoft.com/office/powerpoint/2010/main" val="1051090531"/>
+        <p14:creationId xmlns:p14="http://schemas.microsoft.com/office/powerpoint/2010/main" val="2071165039"/>
       </p:ext>
     </p:extLst>
   </p:cSld>
@@ -18147,8 +18816,8 @@
         </p:nvSpPr>
         <p:spPr>
           <a:xfrm>
-            <a:off x="3276600" y="2640823"/>
-            <a:ext cx="5638800" cy="523220"/>
+            <a:off x="2805007" y="33090"/>
+            <a:ext cx="6581985" cy="523220"/>
           </a:xfrm>
           <a:prstGeom prst="rect">
             <a:avLst/>
@@ -18164,8 +18833,25 @@
             <a:pPr algn="ctr"/>
             <a:r>
               <a:rPr lang="en-US" sz="2800" u="sng" dirty="0"/>
-              <a:t>BACKUP SLIDES</a:t>
-            </a:r>
+              <a:t>Data Vs MC Stacks for BDT output </a:t>
+            </a:r>
+            <a:r>
+              <a:rPr lang="en-US" sz="2800" u="sng" dirty="0">
+                <a:solidFill>
+                  <a:srgbClr val="00B050"/>
+                </a:solidFill>
+              </a:rPr>
+              <a:t>2018</a:t>
+            </a:r>
+            <a:r>
+              <a:rPr lang="en-US" sz="2800" u="sng" dirty="0"/>
+              <a:t> </a:t>
+            </a:r>
+            <a:endParaRPr lang="en-US" sz="2800" u="sng" dirty="0">
+              <a:solidFill>
+                <a:srgbClr val="00B050"/>
+              </a:solidFill>
+            </a:endParaRPr>
           </a:p>
         </p:txBody>
       </p:sp>
@@ -18222,16 +18908,146 @@
           <a:p>
             <a:fld id="{3DBB7BD0-9B8D-1F47-8ABF-BE3CF9BD2848}" type="datetime1">
               <a:rPr lang="en-US" smtClean="0"/>
-              <a:t>8/31/20</a:t>
+              <a:t>9/1/20</a:t>
             </a:fld>
             <a:endParaRPr lang="en-US" dirty="0"/>
           </a:p>
         </p:txBody>
       </p:sp>
+      <p:sp>
+        <p:nvSpPr>
+          <p:cNvPr id="6" name="Rectangle 5">
+            <a:extLst>
+              <a:ext uri="{FF2B5EF4-FFF2-40B4-BE49-F238E27FC236}">
+                <a16:creationId xmlns:a16="http://schemas.microsoft.com/office/drawing/2014/main" id="{1D3A9800-C923-F943-ACA5-B4B9B9A1D73D}"/>
+              </a:ext>
+            </a:extLst>
+          </p:cNvPr>
+          <p:cNvSpPr/>
+          <p:nvPr/>
+        </p:nvSpPr>
+        <p:spPr>
+          <a:xfrm>
+            <a:off x="7939701" y="638586"/>
+            <a:ext cx="2289346" cy="369332"/>
+          </a:xfrm>
+          <a:prstGeom prst="rect">
+            <a:avLst/>
+          </a:prstGeom>
+        </p:spPr>
+        <p:txBody>
+          <a:bodyPr wrap="none">
+            <a:spAutoFit/>
+          </a:bodyPr>
+          <a:lstStyle/>
+          <a:p>
+            <a:pPr algn="ctr"/>
+            <a:r>
+              <a:rPr lang="en-US" u="sng" dirty="0"/>
+              <a:t>without b tagging SF’s </a:t>
+            </a:r>
+          </a:p>
+        </p:txBody>
+      </p:sp>
+      <p:sp>
+        <p:nvSpPr>
+          <p:cNvPr id="8" name="Rectangle 7">
+            <a:extLst>
+              <a:ext uri="{FF2B5EF4-FFF2-40B4-BE49-F238E27FC236}">
+                <a16:creationId xmlns:a16="http://schemas.microsoft.com/office/drawing/2014/main" id="{FE0D63A0-1633-E841-944F-B91BFC6F0FEB}"/>
+              </a:ext>
+            </a:extLst>
+          </p:cNvPr>
+          <p:cNvSpPr/>
+          <p:nvPr/>
+        </p:nvSpPr>
+        <p:spPr>
+          <a:xfrm>
+            <a:off x="2333415" y="638586"/>
+            <a:ext cx="1499065" cy="369332"/>
+          </a:xfrm>
+          <a:prstGeom prst="rect">
+            <a:avLst/>
+          </a:prstGeom>
+        </p:spPr>
+        <p:txBody>
+          <a:bodyPr wrap="none">
+            <a:spAutoFit/>
+          </a:bodyPr>
+          <a:lstStyle/>
+          <a:p>
+            <a:pPr algn="ctr"/>
+            <a:r>
+              <a:rPr lang="en-US" u="sng" dirty="0"/>
+              <a:t>b tagging SF’s </a:t>
+            </a:r>
+          </a:p>
+        </p:txBody>
+      </p:sp>
+      <p:pic>
+        <p:nvPicPr>
+          <p:cNvPr id="9" name="Picture 8">
+            <a:extLst>
+              <a:ext uri="{FF2B5EF4-FFF2-40B4-BE49-F238E27FC236}">
+                <a16:creationId xmlns:a16="http://schemas.microsoft.com/office/drawing/2014/main" id="{2E336555-93F3-FD4F-B090-6BE11BE0DBFF}"/>
+              </a:ext>
+            </a:extLst>
+          </p:cNvPr>
+          <p:cNvPicPr>
+            <a:picLocks noChangeAspect="1"/>
+          </p:cNvPicPr>
+          <p:nvPr/>
+        </p:nvPicPr>
+        <p:blipFill>
+          <a:blip r:embed="rId2"/>
+          <a:stretch>
+            <a:fillRect/>
+          </a:stretch>
+        </p:blipFill>
+        <p:spPr>
+          <a:xfrm rot="5400000">
+            <a:off x="951991" y="439725"/>
+            <a:ext cx="4311269" cy="5976747"/>
+          </a:xfrm>
+          <a:prstGeom prst="rect">
+            <a:avLst/>
+          </a:prstGeom>
+        </p:spPr>
+      </p:pic>
+      <p:pic>
+        <p:nvPicPr>
+          <p:cNvPr id="11" name="Picture 10">
+            <a:extLst>
+              <a:ext uri="{FF2B5EF4-FFF2-40B4-BE49-F238E27FC236}">
+                <a16:creationId xmlns:a16="http://schemas.microsoft.com/office/drawing/2014/main" id="{10CBFBAD-304D-7948-AD39-DEB83BD977DD}"/>
+              </a:ext>
+            </a:extLst>
+          </p:cNvPr>
+          <p:cNvPicPr>
+            <a:picLocks noChangeAspect="1"/>
+          </p:cNvPicPr>
+          <p:nvPr/>
+        </p:nvPicPr>
+        <p:blipFill>
+          <a:blip r:embed="rId3"/>
+          <a:stretch>
+            <a:fillRect/>
+          </a:stretch>
+        </p:blipFill>
+        <p:spPr>
+          <a:xfrm rot="5400000">
+            <a:off x="6928738" y="439724"/>
+            <a:ext cx="4311269" cy="5976747"/>
+          </a:xfrm>
+          <a:prstGeom prst="rect">
+            <a:avLst/>
+          </a:prstGeom>
+        </p:spPr>
+      </p:pic>
     </p:spTree>
     <p:extLst>
       <p:ext uri="{BB962C8B-B14F-4D97-AF65-F5344CB8AC3E}">
-        <p14:creationId xmlns:p14="http://schemas.microsoft.com/office/powerpoint/2010/main" val="1998869109"/>
+        <p14:creationId xmlns:p14="http://schemas.microsoft.com/office/powerpoint/2010/main" val="1051090531"/>
       </p:ext>
     </p:extLst>
   </p:cSld>
@@ -18293,8 +19109,8 @@
         </p:nvSpPr>
         <p:spPr>
           <a:xfrm>
-            <a:off x="504044" y="33090"/>
-            <a:ext cx="10940340" cy="523220"/>
+            <a:off x="3276600" y="2640823"/>
+            <a:ext cx="5638800" cy="523220"/>
           </a:xfrm>
           <a:prstGeom prst="rect">
             <a:avLst/>
@@ -18310,15 +19126,7 @@
             <a:pPr algn="ctr"/>
             <a:r>
               <a:rPr lang="en-US" sz="2800" u="sng" dirty="0"/>
-              <a:t>Response Matrices </a:t>
-            </a:r>
-            <a:r>
-              <a:rPr lang="en-US" sz="2800" u="sng" dirty="0">
-                <a:solidFill>
-                  <a:srgbClr val="00B0F0"/>
-                </a:solidFill>
-              </a:rPr>
-              <a:t>2016</a:t>
+              <a:t>BACKUP SLIDES</a:t>
             </a:r>
           </a:p>
         </p:txBody>
@@ -18374,148 +19182,18 @@
           <a:bodyPr/>
           <a:lstStyle/>
           <a:p>
-            <a:fld id="{01554C39-4607-164F-AA23-65A72270ACF7}" type="datetime1">
+            <a:fld id="{3DBB7BD0-9B8D-1F47-8ABF-BE3CF9BD2848}" type="datetime1">
               <a:rPr lang="en-US" smtClean="0"/>
-              <a:t>8/31/20</a:t>
+              <a:t>9/1/20</a:t>
             </a:fld>
             <a:endParaRPr lang="en-US" dirty="0"/>
           </a:p>
         </p:txBody>
       </p:sp>
-      <p:sp>
-        <p:nvSpPr>
-          <p:cNvPr id="8" name="Rectangle 7">
-            <a:extLst>
-              <a:ext uri="{FF2B5EF4-FFF2-40B4-BE49-F238E27FC236}">
-                <a16:creationId xmlns:a16="http://schemas.microsoft.com/office/drawing/2014/main" id="{137E0740-341B-B64B-AE26-A2C5357809F1}"/>
-              </a:ext>
-            </a:extLst>
-          </p:cNvPr>
-          <p:cNvSpPr/>
-          <p:nvPr/>
-        </p:nvSpPr>
-        <p:spPr>
-          <a:xfrm>
-            <a:off x="7939701" y="638586"/>
-            <a:ext cx="2289346" cy="369332"/>
-          </a:xfrm>
-          <a:prstGeom prst="rect">
-            <a:avLst/>
-          </a:prstGeom>
-        </p:spPr>
-        <p:txBody>
-          <a:bodyPr wrap="none">
-            <a:spAutoFit/>
-          </a:bodyPr>
-          <a:lstStyle/>
-          <a:p>
-            <a:pPr algn="ctr"/>
-            <a:r>
-              <a:rPr lang="en-US" u="sng" dirty="0"/>
-              <a:t>without b tagging SF’s </a:t>
-            </a:r>
-          </a:p>
-        </p:txBody>
-      </p:sp>
-      <p:sp>
-        <p:nvSpPr>
-          <p:cNvPr id="15" name="Rectangle 14">
-            <a:extLst>
-              <a:ext uri="{FF2B5EF4-FFF2-40B4-BE49-F238E27FC236}">
-                <a16:creationId xmlns:a16="http://schemas.microsoft.com/office/drawing/2014/main" id="{F855E7F2-8E22-A345-8A7F-56F49B61AE54}"/>
-              </a:ext>
-            </a:extLst>
-          </p:cNvPr>
-          <p:cNvSpPr/>
-          <p:nvPr/>
-        </p:nvSpPr>
-        <p:spPr>
-          <a:xfrm>
-            <a:off x="2333415" y="638586"/>
-            <a:ext cx="1499065" cy="369332"/>
-          </a:xfrm>
-          <a:prstGeom prst="rect">
-            <a:avLst/>
-          </a:prstGeom>
-        </p:spPr>
-        <p:txBody>
-          <a:bodyPr wrap="none">
-            <a:spAutoFit/>
-          </a:bodyPr>
-          <a:lstStyle/>
-          <a:p>
-            <a:pPr algn="ctr"/>
-            <a:r>
-              <a:rPr lang="en-US" u="sng" dirty="0"/>
-              <a:t>b tagging SF’s </a:t>
-            </a:r>
-          </a:p>
-        </p:txBody>
-      </p:sp>
-      <p:pic>
-        <p:nvPicPr>
-          <p:cNvPr id="6" name="Picture 5">
-            <a:extLst>
-              <a:ext uri="{FF2B5EF4-FFF2-40B4-BE49-F238E27FC236}">
-                <a16:creationId xmlns:a16="http://schemas.microsoft.com/office/drawing/2014/main" id="{B916B196-3F50-1042-AB31-52400AFC2C68}"/>
-              </a:ext>
-            </a:extLst>
-          </p:cNvPr>
-          <p:cNvPicPr>
-            <a:picLocks noChangeAspect="1"/>
-          </p:cNvPicPr>
-          <p:nvPr/>
-        </p:nvPicPr>
-        <p:blipFill>
-          <a:blip r:embed="rId2"/>
-          <a:stretch>
-            <a:fillRect/>
-          </a:stretch>
-        </p:blipFill>
-        <p:spPr>
-          <a:xfrm rot="5400000">
-            <a:off x="951992" y="691187"/>
-            <a:ext cx="4311269" cy="5976747"/>
-          </a:xfrm>
-          <a:prstGeom prst="rect">
-            <a:avLst/>
-          </a:prstGeom>
-        </p:spPr>
-      </p:pic>
-      <p:pic>
-        <p:nvPicPr>
-          <p:cNvPr id="11" name="Picture 10">
-            <a:extLst>
-              <a:ext uri="{FF2B5EF4-FFF2-40B4-BE49-F238E27FC236}">
-                <a16:creationId xmlns:a16="http://schemas.microsoft.com/office/drawing/2014/main" id="{6FB3C2F5-1028-5449-B5C2-93EE2A79669C}"/>
-              </a:ext>
-            </a:extLst>
-          </p:cNvPr>
-          <p:cNvPicPr>
-            <a:picLocks noChangeAspect="1"/>
-          </p:cNvPicPr>
-          <p:nvPr/>
-        </p:nvPicPr>
-        <p:blipFill>
-          <a:blip r:embed="rId3"/>
-          <a:stretch>
-            <a:fillRect/>
-          </a:stretch>
-        </p:blipFill>
-        <p:spPr>
-          <a:xfrm rot="5400000">
-            <a:off x="7047992" y="691187"/>
-            <a:ext cx="4311269" cy="5976747"/>
-          </a:xfrm>
-          <a:prstGeom prst="rect">
-            <a:avLst/>
-          </a:prstGeom>
-        </p:spPr>
-      </p:pic>
     </p:spTree>
     <p:extLst>
       <p:ext uri="{BB962C8B-B14F-4D97-AF65-F5344CB8AC3E}">
-        <p14:creationId xmlns:p14="http://schemas.microsoft.com/office/powerpoint/2010/main" val="1218244233"/>
+        <p14:creationId xmlns:p14="http://schemas.microsoft.com/office/powerpoint/2010/main" val="1998869109"/>
       </p:ext>
     </p:extLst>
   </p:cSld>
@@ -18599,10 +19277,10 @@
             <a:r>
               <a:rPr lang="en-US" sz="2800" u="sng" dirty="0">
                 <a:solidFill>
-                  <a:srgbClr val="FF0000"/>
+                  <a:srgbClr val="00B0F0"/>
                 </a:solidFill>
               </a:rPr>
-              <a:t>2017</a:t>
+              <a:t>2016</a:t>
             </a:r>
           </a:p>
         </p:txBody>
@@ -18660,7 +19338,7 @@
           <a:p>
             <a:fld id="{01554C39-4607-164F-AA23-65A72270ACF7}" type="datetime1">
               <a:rPr lang="en-US" smtClean="0"/>
-              <a:t>8/31/20</a:t>
+              <a:t>9/1/20</a:t>
             </a:fld>
             <a:endParaRPr lang="en-US" dirty="0"/>
           </a:p>
@@ -18738,10 +19416,10 @@
       </p:sp>
       <p:pic>
         <p:nvPicPr>
-          <p:cNvPr id="4" name="Picture 3">
+          <p:cNvPr id="6" name="Picture 5">
             <a:extLst>
               <a:ext uri="{FF2B5EF4-FFF2-40B4-BE49-F238E27FC236}">
-                <a16:creationId xmlns:a16="http://schemas.microsoft.com/office/drawing/2014/main" id="{22F19D61-6B3F-2C4C-B756-CB9ED5548A92}"/>
+                <a16:creationId xmlns:a16="http://schemas.microsoft.com/office/drawing/2014/main" id="{B916B196-3F50-1042-AB31-52400AFC2C68}"/>
               </a:ext>
             </a:extLst>
           </p:cNvPr>
@@ -18758,7 +19436,7 @@
         </p:blipFill>
         <p:spPr>
           <a:xfrm rot="5400000">
-            <a:off x="832739" y="702986"/>
+            <a:off x="951992" y="691187"/>
             <a:ext cx="4311269" cy="5976747"/>
           </a:xfrm>
           <a:prstGeom prst="rect">
@@ -18768,10 +19446,10 @@
       </p:pic>
       <p:pic>
         <p:nvPicPr>
-          <p:cNvPr id="9" name="Picture 8">
+          <p:cNvPr id="11" name="Picture 10">
             <a:extLst>
               <a:ext uri="{FF2B5EF4-FFF2-40B4-BE49-F238E27FC236}">
-                <a16:creationId xmlns:a16="http://schemas.microsoft.com/office/drawing/2014/main" id="{88C1BB65-3065-F74E-B7A9-01E27DF2352D}"/>
+                <a16:creationId xmlns:a16="http://schemas.microsoft.com/office/drawing/2014/main" id="{6FB3C2F5-1028-5449-B5C2-93EE2A79669C}"/>
               </a:ext>
             </a:extLst>
           </p:cNvPr>
@@ -18788,7 +19466,7 @@
         </p:blipFill>
         <p:spPr>
           <a:xfrm rot="5400000">
-            <a:off x="6953421" y="702986"/>
+            <a:off x="7047992" y="691187"/>
             <a:ext cx="4311269" cy="5976747"/>
           </a:xfrm>
           <a:prstGeom prst="rect">
@@ -18799,7 +19477,7 @@
     </p:spTree>
     <p:extLst>
       <p:ext uri="{BB962C8B-B14F-4D97-AF65-F5344CB8AC3E}">
-        <p14:creationId xmlns:p14="http://schemas.microsoft.com/office/powerpoint/2010/main" val="585653806"/>
+        <p14:creationId xmlns:p14="http://schemas.microsoft.com/office/powerpoint/2010/main" val="1218244233"/>
       </p:ext>
     </p:extLst>
   </p:cSld>
@@ -18883,10 +19561,10 @@
             <a:r>
               <a:rPr lang="en-US" sz="2800" u="sng" dirty="0">
                 <a:solidFill>
-                  <a:srgbClr val="00B050"/>
+                  <a:srgbClr val="FF0000"/>
                 </a:solidFill>
               </a:rPr>
-              <a:t>2018</a:t>
+              <a:t>2017</a:t>
             </a:r>
           </a:p>
         </p:txBody>
@@ -18944,7 +19622,291 @@
           <a:p>
             <a:fld id="{01554C39-4607-164F-AA23-65A72270ACF7}" type="datetime1">
               <a:rPr lang="en-US" smtClean="0"/>
-              <a:t>8/31/20</a:t>
+              <a:t>9/1/20</a:t>
+            </a:fld>
+            <a:endParaRPr lang="en-US" dirty="0"/>
+          </a:p>
+        </p:txBody>
+      </p:sp>
+      <p:sp>
+        <p:nvSpPr>
+          <p:cNvPr id="8" name="Rectangle 7">
+            <a:extLst>
+              <a:ext uri="{FF2B5EF4-FFF2-40B4-BE49-F238E27FC236}">
+                <a16:creationId xmlns:a16="http://schemas.microsoft.com/office/drawing/2014/main" id="{137E0740-341B-B64B-AE26-A2C5357809F1}"/>
+              </a:ext>
+            </a:extLst>
+          </p:cNvPr>
+          <p:cNvSpPr/>
+          <p:nvPr/>
+        </p:nvSpPr>
+        <p:spPr>
+          <a:xfrm>
+            <a:off x="7939701" y="638586"/>
+            <a:ext cx="2289346" cy="369332"/>
+          </a:xfrm>
+          <a:prstGeom prst="rect">
+            <a:avLst/>
+          </a:prstGeom>
+        </p:spPr>
+        <p:txBody>
+          <a:bodyPr wrap="none">
+            <a:spAutoFit/>
+          </a:bodyPr>
+          <a:lstStyle/>
+          <a:p>
+            <a:pPr algn="ctr"/>
+            <a:r>
+              <a:rPr lang="en-US" u="sng" dirty="0"/>
+              <a:t>without b tagging SF’s </a:t>
+            </a:r>
+          </a:p>
+        </p:txBody>
+      </p:sp>
+      <p:sp>
+        <p:nvSpPr>
+          <p:cNvPr id="15" name="Rectangle 14">
+            <a:extLst>
+              <a:ext uri="{FF2B5EF4-FFF2-40B4-BE49-F238E27FC236}">
+                <a16:creationId xmlns:a16="http://schemas.microsoft.com/office/drawing/2014/main" id="{F855E7F2-8E22-A345-8A7F-56F49B61AE54}"/>
+              </a:ext>
+            </a:extLst>
+          </p:cNvPr>
+          <p:cNvSpPr/>
+          <p:nvPr/>
+        </p:nvSpPr>
+        <p:spPr>
+          <a:xfrm>
+            <a:off x="2333415" y="638586"/>
+            <a:ext cx="1499065" cy="369332"/>
+          </a:xfrm>
+          <a:prstGeom prst="rect">
+            <a:avLst/>
+          </a:prstGeom>
+        </p:spPr>
+        <p:txBody>
+          <a:bodyPr wrap="none">
+            <a:spAutoFit/>
+          </a:bodyPr>
+          <a:lstStyle/>
+          <a:p>
+            <a:pPr algn="ctr"/>
+            <a:r>
+              <a:rPr lang="en-US" u="sng" dirty="0"/>
+              <a:t>b tagging SF’s </a:t>
+            </a:r>
+          </a:p>
+        </p:txBody>
+      </p:sp>
+      <p:pic>
+        <p:nvPicPr>
+          <p:cNvPr id="4" name="Picture 3">
+            <a:extLst>
+              <a:ext uri="{FF2B5EF4-FFF2-40B4-BE49-F238E27FC236}">
+                <a16:creationId xmlns:a16="http://schemas.microsoft.com/office/drawing/2014/main" id="{22F19D61-6B3F-2C4C-B756-CB9ED5548A92}"/>
+              </a:ext>
+            </a:extLst>
+          </p:cNvPr>
+          <p:cNvPicPr>
+            <a:picLocks noChangeAspect="1"/>
+          </p:cNvPicPr>
+          <p:nvPr/>
+        </p:nvPicPr>
+        <p:blipFill>
+          <a:blip r:embed="rId2"/>
+          <a:stretch>
+            <a:fillRect/>
+          </a:stretch>
+        </p:blipFill>
+        <p:spPr>
+          <a:xfrm rot="5400000">
+            <a:off x="832739" y="702986"/>
+            <a:ext cx="4311269" cy="5976747"/>
+          </a:xfrm>
+          <a:prstGeom prst="rect">
+            <a:avLst/>
+          </a:prstGeom>
+        </p:spPr>
+      </p:pic>
+      <p:pic>
+        <p:nvPicPr>
+          <p:cNvPr id="9" name="Picture 8">
+            <a:extLst>
+              <a:ext uri="{FF2B5EF4-FFF2-40B4-BE49-F238E27FC236}">
+                <a16:creationId xmlns:a16="http://schemas.microsoft.com/office/drawing/2014/main" id="{88C1BB65-3065-F74E-B7A9-01E27DF2352D}"/>
+              </a:ext>
+            </a:extLst>
+          </p:cNvPr>
+          <p:cNvPicPr>
+            <a:picLocks noChangeAspect="1"/>
+          </p:cNvPicPr>
+          <p:nvPr/>
+        </p:nvPicPr>
+        <p:blipFill>
+          <a:blip r:embed="rId3"/>
+          <a:stretch>
+            <a:fillRect/>
+          </a:stretch>
+        </p:blipFill>
+        <p:spPr>
+          <a:xfrm rot="5400000">
+            <a:off x="6953421" y="702986"/>
+            <a:ext cx="4311269" cy="5976747"/>
+          </a:xfrm>
+          <a:prstGeom prst="rect">
+            <a:avLst/>
+          </a:prstGeom>
+        </p:spPr>
+      </p:pic>
+    </p:spTree>
+    <p:extLst>
+      <p:ext uri="{BB962C8B-B14F-4D97-AF65-F5344CB8AC3E}">
+        <p14:creationId xmlns:p14="http://schemas.microsoft.com/office/powerpoint/2010/main" val="585653806"/>
+      </p:ext>
+    </p:extLst>
+  </p:cSld>
+  <p:clrMapOvr>
+    <a:masterClrMapping/>
+  </p:clrMapOvr>
+</p:sld>
+</file>
+
+<file path=ppt/slides/slide37.xml><?xml version="1.0" encoding="utf-8"?>
+<p:sld xmlns:a="http://schemas.openxmlformats.org/drawingml/2006/main" xmlns:r="http://schemas.openxmlformats.org/officeDocument/2006/relationships" xmlns:p="http://schemas.openxmlformats.org/presentationml/2006/main">
+  <p:cSld>
+    <p:spTree>
+      <p:nvGrpSpPr>
+        <p:cNvPr id="1" name=""/>
+        <p:cNvGrpSpPr/>
+        <p:nvPr/>
+      </p:nvGrpSpPr>
+      <p:grpSpPr>
+        <a:xfrm>
+          <a:off x="0" y="0"/>
+          <a:ext cx="0" cy="0"/>
+          <a:chOff x="0" y="0"/>
+          <a:chExt cx="0" cy="0"/>
+        </a:xfrm>
+      </p:grpSpPr>
+      <p:sp>
+        <p:nvSpPr>
+          <p:cNvPr id="3" name="Footer Placeholder 2"/>
+          <p:cNvSpPr>
+            <a:spLocks noGrp="1"/>
+          </p:cNvSpPr>
+          <p:nvPr>
+            <p:ph type="ftr" sz="quarter" idx="11"/>
+          </p:nvPr>
+        </p:nvSpPr>
+        <p:spPr/>
+        <p:txBody>
+          <a:bodyPr/>
+          <a:lstStyle/>
+          <a:p>
+            <a:r>
+              <a:rPr lang="fi-FI" dirty="0"/>
+              <a:t>NTUA G. </a:t>
+            </a:r>
+            <a:r>
+              <a:rPr lang="fi-FI" dirty="0" err="1"/>
+              <a:t>Bakas</a:t>
+            </a:r>
+            <a:endParaRPr lang="en-US" dirty="0"/>
+          </a:p>
+        </p:txBody>
+      </p:sp>
+      <p:sp>
+        <p:nvSpPr>
+          <p:cNvPr id="7" name="TextBox 6"/>
+          <p:cNvSpPr txBox="1"/>
+          <p:nvPr/>
+        </p:nvSpPr>
+        <p:spPr>
+          <a:xfrm>
+            <a:off x="504044" y="33090"/>
+            <a:ext cx="10940340" cy="523220"/>
+          </a:xfrm>
+          <a:prstGeom prst="rect">
+            <a:avLst/>
+          </a:prstGeom>
+          <a:noFill/>
+        </p:spPr>
+        <p:txBody>
+          <a:bodyPr wrap="square" rtlCol="0">
+            <a:spAutoFit/>
+          </a:bodyPr>
+          <a:lstStyle/>
+          <a:p>
+            <a:pPr algn="ctr"/>
+            <a:r>
+              <a:rPr lang="en-US" sz="2800" u="sng" dirty="0"/>
+              <a:t>Response Matrices </a:t>
+            </a:r>
+            <a:r>
+              <a:rPr lang="en-US" sz="2800" u="sng" dirty="0">
+                <a:solidFill>
+                  <a:srgbClr val="00B050"/>
+                </a:solidFill>
+              </a:rPr>
+              <a:t>2018</a:t>
+            </a:r>
+          </a:p>
+        </p:txBody>
+      </p:sp>
+      <p:sp>
+        <p:nvSpPr>
+          <p:cNvPr id="5" name="Slide Number Placeholder 4">
+            <a:extLst>
+              <a:ext uri="{FF2B5EF4-FFF2-40B4-BE49-F238E27FC236}">
+                <a16:creationId xmlns:a16="http://schemas.microsoft.com/office/drawing/2014/main" id="{69A96869-DB60-5345-ACD9-F1C41035B064}"/>
+              </a:ext>
+            </a:extLst>
+          </p:cNvPr>
+          <p:cNvSpPr>
+            <a:spLocks noGrp="1"/>
+          </p:cNvSpPr>
+          <p:nvPr>
+            <p:ph type="sldNum" sz="quarter" idx="12"/>
+          </p:nvPr>
+        </p:nvSpPr>
+        <p:spPr/>
+        <p:txBody>
+          <a:bodyPr/>
+          <a:lstStyle/>
+          <a:p>
+            <a:fld id="{4FAB73BC-B049-4115-A692-8D63A059BFB8}" type="slidenum">
+              <a:rPr lang="en-US" smtClean="0"/>
+              <a:pPr/>
+              <a:t>37</a:t>
+            </a:fld>
+            <a:endParaRPr lang="en-US" dirty="0"/>
+          </a:p>
+        </p:txBody>
+      </p:sp>
+      <p:sp>
+        <p:nvSpPr>
+          <p:cNvPr id="24" name="Date Placeholder 23">
+            <a:extLst>
+              <a:ext uri="{FF2B5EF4-FFF2-40B4-BE49-F238E27FC236}">
+                <a16:creationId xmlns:a16="http://schemas.microsoft.com/office/drawing/2014/main" id="{056D71EF-2E89-4043-8F92-90A4D46A3E69}"/>
+              </a:ext>
+            </a:extLst>
+          </p:cNvPr>
+          <p:cNvSpPr>
+            <a:spLocks noGrp="1"/>
+          </p:cNvSpPr>
+          <p:nvPr>
+            <p:ph type="dt" sz="half" idx="10"/>
+          </p:nvPr>
+        </p:nvSpPr>
+        <p:spPr/>
+        <p:txBody>
+          <a:bodyPr/>
+          <a:lstStyle/>
+          <a:p>
+            <a:fld id="{01554C39-4607-164F-AA23-65A72270ACF7}" type="datetime1">
+              <a:rPr lang="en-US" smtClean="0"/>
+              <a:t>9/1/20</a:t>
             </a:fld>
             <a:endParaRPr lang="en-US" dirty="0"/>
           </a:p>
@@ -19225,7 +20187,7 @@
           <a:p>
             <a:fld id="{01554C39-4607-164F-AA23-65A72270ACF7}" type="datetime1">
               <a:rPr lang="en-US" smtClean="0"/>
-              <a:t>8/31/20</a:t>
+              <a:t>9/1/20</a:t>
             </a:fld>
             <a:endParaRPr lang="en-US" dirty="0"/>
           </a:p>
@@ -19506,7 +20468,7 @@
           <a:p>
             <a:fld id="{01554C39-4607-164F-AA23-65A72270ACF7}" type="datetime1">
               <a:rPr lang="en-US" smtClean="0"/>
-              <a:t>8/31/20</a:t>
+              <a:t>9/1/20</a:t>
             </a:fld>
             <a:endParaRPr lang="en-US" dirty="0"/>
           </a:p>
@@ -19787,7 +20749,7 @@
           <a:p>
             <a:fld id="{01554C39-4607-164F-AA23-65A72270ACF7}" type="datetime1">
               <a:rPr lang="en-US" smtClean="0"/>
-              <a:t>8/31/20</a:t>
+              <a:t>9/1/20</a:t>
             </a:fld>
             <a:endParaRPr lang="en-US" dirty="0"/>
           </a:p>
@@ -20068,7 +21030,7 @@
           <a:p>
             <a:fld id="{01554C39-4607-164F-AA23-65A72270ACF7}" type="datetime1">
               <a:rPr lang="en-US" smtClean="0"/>
-              <a:t>8/31/20</a:t>
+              <a:t>9/1/20</a:t>
             </a:fld>
             <a:endParaRPr lang="en-US" dirty="0"/>
           </a:p>
@@ -20352,7 +21314,7 @@
           <a:p>
             <a:fld id="{01554C39-4607-164F-AA23-65A72270ACF7}" type="datetime1">
               <a:rPr lang="en-US" smtClean="0"/>
-              <a:t>8/31/20</a:t>
+              <a:t>9/1/20</a:t>
             </a:fld>
             <a:endParaRPr lang="en-US" dirty="0"/>
           </a:p>
@@ -20636,7 +21598,7 @@
           <a:p>
             <a:fld id="{01554C39-4607-164F-AA23-65A72270ACF7}" type="datetime1">
               <a:rPr lang="en-US" smtClean="0"/>
-              <a:t>8/31/20</a:t>
+              <a:t>9/1/20</a:t>
             </a:fld>
             <a:endParaRPr lang="en-US" dirty="0"/>
           </a:p>

--- a/Documents for Progress/AnalysisStatus_31August2020.pptx
+++ b/Documents for Progress/AnalysisStatus_31August2020.pptx
@@ -6,49 +6,51 @@
     <p:sldMasterId id="2147483661" r:id="rId2"/>
   </p:sldMasterIdLst>
   <p:notesMasterIdLst>
-    <p:notesMasterId r:id="rId40"/>
+    <p:notesMasterId r:id="rId42"/>
   </p:notesMasterIdLst>
   <p:handoutMasterIdLst>
-    <p:handoutMasterId r:id="rId41"/>
+    <p:handoutMasterId r:id="rId43"/>
   </p:handoutMasterIdLst>
   <p:sldIdLst>
     <p:sldId id="256" r:id="rId3"/>
     <p:sldId id="344" r:id="rId4"/>
     <p:sldId id="507" r:id="rId5"/>
     <p:sldId id="502" r:id="rId6"/>
-    <p:sldId id="524" r:id="rId7"/>
-    <p:sldId id="525" r:id="rId8"/>
-    <p:sldId id="526" r:id="rId9"/>
-    <p:sldId id="523" r:id="rId10"/>
-    <p:sldId id="534" r:id="rId11"/>
-    <p:sldId id="527" r:id="rId12"/>
-    <p:sldId id="533" r:id="rId13"/>
-    <p:sldId id="528" r:id="rId14"/>
-    <p:sldId id="531" r:id="rId15"/>
-    <p:sldId id="519" r:id="rId16"/>
-    <p:sldId id="513" r:id="rId17"/>
-    <p:sldId id="514" r:id="rId18"/>
-    <p:sldId id="515" r:id="rId19"/>
-    <p:sldId id="516" r:id="rId20"/>
-    <p:sldId id="517" r:id="rId21"/>
-    <p:sldId id="518" r:id="rId22"/>
-    <p:sldId id="536" r:id="rId23"/>
-    <p:sldId id="537" r:id="rId24"/>
-    <p:sldId id="538" r:id="rId25"/>
-    <p:sldId id="539" r:id="rId26"/>
-    <p:sldId id="548" r:id="rId27"/>
-    <p:sldId id="545" r:id="rId28"/>
-    <p:sldId id="540" r:id="rId29"/>
-    <p:sldId id="546" r:id="rId30"/>
-    <p:sldId id="541" r:id="rId31"/>
-    <p:sldId id="547" r:id="rId32"/>
-    <p:sldId id="542" r:id="rId33"/>
-    <p:sldId id="543" r:id="rId34"/>
-    <p:sldId id="544" r:id="rId35"/>
-    <p:sldId id="535" r:id="rId36"/>
-    <p:sldId id="529" r:id="rId37"/>
-    <p:sldId id="530" r:id="rId38"/>
-    <p:sldId id="532" r:id="rId39"/>
+    <p:sldId id="549" r:id="rId7"/>
+    <p:sldId id="524" r:id="rId8"/>
+    <p:sldId id="525" r:id="rId9"/>
+    <p:sldId id="526" r:id="rId10"/>
+    <p:sldId id="523" r:id="rId11"/>
+    <p:sldId id="534" r:id="rId12"/>
+    <p:sldId id="527" r:id="rId13"/>
+    <p:sldId id="533" r:id="rId14"/>
+    <p:sldId id="528" r:id="rId15"/>
+    <p:sldId id="531" r:id="rId16"/>
+    <p:sldId id="519" r:id="rId17"/>
+    <p:sldId id="513" r:id="rId18"/>
+    <p:sldId id="514" r:id="rId19"/>
+    <p:sldId id="515" r:id="rId20"/>
+    <p:sldId id="516" r:id="rId21"/>
+    <p:sldId id="517" r:id="rId22"/>
+    <p:sldId id="518" r:id="rId23"/>
+    <p:sldId id="536" r:id="rId24"/>
+    <p:sldId id="550" r:id="rId25"/>
+    <p:sldId id="537" r:id="rId26"/>
+    <p:sldId id="538" r:id="rId27"/>
+    <p:sldId id="539" r:id="rId28"/>
+    <p:sldId id="548" r:id="rId29"/>
+    <p:sldId id="545" r:id="rId30"/>
+    <p:sldId id="540" r:id="rId31"/>
+    <p:sldId id="546" r:id="rId32"/>
+    <p:sldId id="541" r:id="rId33"/>
+    <p:sldId id="547" r:id="rId34"/>
+    <p:sldId id="542" r:id="rId35"/>
+    <p:sldId id="543" r:id="rId36"/>
+    <p:sldId id="544" r:id="rId37"/>
+    <p:sldId id="535" r:id="rId38"/>
+    <p:sldId id="529" r:id="rId39"/>
+    <p:sldId id="530" r:id="rId40"/>
+    <p:sldId id="532" r:id="rId41"/>
   </p:sldIdLst>
   <p:sldSz cx="12192000" cy="6858000"/>
   <p:notesSz cx="6858000" cy="9144000"/>
@@ -240,7 +242,7 @@
           <a:p>
             <a:fld id="{EC97F6CE-C9BA-5B44-AF0F-C73B1C17650F}" type="datetime1">
               <a:rPr lang="en-US" smtClean="0"/>
-              <a:t>9/1/20</a:t>
+              <a:t>9/2/20</a:t>
             </a:fld>
             <a:endParaRPr lang="en-GB"/>
           </a:p>
@@ -446,7 +448,7 @@
           <a:p>
             <a:fld id="{7F9D4A26-E586-E648-884B-C9B1EA03133F}" type="datetime1">
               <a:rPr lang="en-US" smtClean="0"/>
-              <a:t>9/1/20</a:t>
+              <a:t>9/2/20</a:t>
             </a:fld>
             <a:endParaRPr lang="en-GB"/>
           </a:p>
@@ -780,7 +782,7 @@
           <a:p>
             <a:fld id="{33D9703A-F6B0-E34C-B7F9-5A8864FF4F07}" type="datetime1">
               <a:rPr lang="en-US" smtClean="0"/>
-              <a:t>9/1/20</a:t>
+              <a:t>9/2/20</a:t>
             </a:fld>
             <a:endParaRPr lang="en-GB"/>
           </a:p>
@@ -887,7 +889,7 @@
           <a:p>
             <a:fld id="{7F9D4A26-E586-E648-884B-C9B1EA03133F}" type="datetime1">
               <a:rPr lang="en-US" smtClean="0"/>
-              <a:t>9/1/20</a:t>
+              <a:t>9/2/20</a:t>
             </a:fld>
             <a:endParaRPr lang="en-GB"/>
           </a:p>
@@ -910,7 +912,7 @@
           <a:p>
             <a:fld id="{5033F1CD-332F-48CC-8A24-9D0A5CE7D91D}" type="slidenum">
               <a:rPr lang="en-GB" smtClean="0"/>
-              <a:t>37</a:t>
+              <a:t>39</a:t>
             </a:fld>
             <a:endParaRPr lang="en-GB"/>
           </a:p>
@@ -1155,7 +1157,7 @@
           <a:p>
             <a:fld id="{DC51A3BE-CA11-4547-A39A-766971096B34}" type="datetime1">
               <a:rPr lang="en-US" smtClean="0"/>
-              <a:t>9/1/20</a:t>
+              <a:t>9/2/20</a:t>
             </a:fld>
             <a:endParaRPr lang="en-US" dirty="0"/>
           </a:p>
@@ -1362,7 +1364,7 @@
           <a:p>
             <a:fld id="{42B2CF9A-A7BF-1245-99D9-4054301C36E0}" type="datetime1">
               <a:rPr lang="en-US" smtClean="0"/>
-              <a:t>9/1/20</a:t>
+              <a:t>9/2/20</a:t>
             </a:fld>
             <a:endParaRPr lang="en-US" dirty="0"/>
           </a:p>
@@ -1617,7 +1619,7 @@
           <a:p>
             <a:fld id="{F88F3968-5050-1740-9AB7-A06844E87E5F}" type="datetime1">
               <a:rPr lang="en-US" smtClean="0"/>
-              <a:t>9/1/20</a:t>
+              <a:t>9/2/20</a:t>
             </a:fld>
             <a:endParaRPr lang="en-US" dirty="0"/>
           </a:p>
@@ -1808,7 +1810,7 @@
           <a:p>
             <a:fld id="{6A19A844-E33A-B644-A0FB-7455E93D924C}" type="datetime1">
               <a:rPr lang="en-US" smtClean="0"/>
-              <a:t>9/1/20</a:t>
+              <a:t>9/2/20</a:t>
             </a:fld>
             <a:endParaRPr lang="en-GB"/>
           </a:p>
@@ -1982,7 +1984,7 @@
           <a:p>
             <a:fld id="{F61E92BF-DA59-B546-88AE-9835521A3798}" type="datetime1">
               <a:rPr lang="en-US" smtClean="0"/>
-              <a:t>9/1/20</a:t>
+              <a:t>9/2/20</a:t>
             </a:fld>
             <a:endParaRPr lang="en-GB"/>
           </a:p>
@@ -2232,7 +2234,7 @@
           <a:p>
             <a:fld id="{61C78CAC-926A-EF4D-9608-460C3A301243}" type="datetime1">
               <a:rPr lang="en-US" smtClean="0"/>
-              <a:t>9/1/20</a:t>
+              <a:t>9/2/20</a:t>
             </a:fld>
             <a:endParaRPr lang="en-GB"/>
           </a:p>
@@ -2468,7 +2470,7 @@
           <a:p>
             <a:fld id="{32675A6D-6B9B-6546-A3DC-004E809EED54}" type="datetime1">
               <a:rPr lang="en-US" smtClean="0"/>
-              <a:t>9/1/20</a:t>
+              <a:t>9/2/20</a:t>
             </a:fld>
             <a:endParaRPr lang="en-GB"/>
           </a:p>
@@ -2839,7 +2841,7 @@
           <a:p>
             <a:fld id="{55D89806-B328-B147-9EC9-15D0307996ED}" type="datetime1">
               <a:rPr lang="en-US" smtClean="0"/>
-              <a:t>9/1/20</a:t>
+              <a:t>9/2/20</a:t>
             </a:fld>
             <a:endParaRPr lang="en-GB"/>
           </a:p>
@@ -2961,7 +2963,7 @@
           <a:p>
             <a:fld id="{702FE0D6-14B8-A94B-B441-7BA984189CE2}" type="datetime1">
               <a:rPr lang="en-US" smtClean="0"/>
-              <a:t>9/1/20</a:t>
+              <a:t>9/2/20</a:t>
             </a:fld>
             <a:endParaRPr lang="en-GB"/>
           </a:p>
@@ -3060,7 +3062,7 @@
           <a:p>
             <a:fld id="{4C294EA8-7AEB-3247-9A81-8483D03B0462}" type="datetime1">
               <a:rPr lang="en-US" smtClean="0"/>
-              <a:t>9/1/20</a:t>
+              <a:t>9/2/20</a:t>
             </a:fld>
             <a:endParaRPr lang="en-GB"/>
           </a:p>
@@ -3341,7 +3343,7 @@
           <a:p>
             <a:fld id="{D72E9315-386E-6846-8498-4330F1BBFC0A}" type="datetime1">
               <a:rPr lang="en-US" smtClean="0"/>
-              <a:t>9/1/20</a:t>
+              <a:t>9/2/20</a:t>
             </a:fld>
             <a:endParaRPr lang="en-GB"/>
           </a:p>
@@ -3497,7 +3499,7 @@
           <a:p>
             <a:fld id="{0E394EB9-E681-C34A-89D4-D81E4C62EA5B}" type="datetime1">
               <a:rPr lang="en-US" smtClean="0"/>
-              <a:t>9/1/20</a:t>
+              <a:t>9/2/20</a:t>
             </a:fld>
             <a:endParaRPr lang="en-US" dirty="0"/>
           </a:p>
@@ -3778,7 +3780,7 @@
           <a:p>
             <a:fld id="{E220BF5D-E794-2B42-91EC-2A3B4450069D}" type="datetime1">
               <a:rPr lang="en-US" smtClean="0"/>
-              <a:t>9/1/20</a:t>
+              <a:t>9/2/20</a:t>
             </a:fld>
             <a:endParaRPr lang="en-GB"/>
           </a:p>
@@ -3952,7 +3954,7 @@
           <a:p>
             <a:fld id="{BA4C039E-7082-7D42-AA91-9FF3EF6ADB5B}" type="datetime1">
               <a:rPr lang="en-US" smtClean="0"/>
-              <a:t>9/1/20</a:t>
+              <a:t>9/2/20</a:t>
             </a:fld>
             <a:endParaRPr lang="en-GB"/>
           </a:p>
@@ -4136,7 +4138,7 @@
           <a:p>
             <a:fld id="{2817B3FE-3894-A848-8D78-14007FB2FF94}" type="datetime1">
               <a:rPr lang="en-US" smtClean="0"/>
-              <a:t>9/1/20</a:t>
+              <a:t>9/2/20</a:t>
             </a:fld>
             <a:endParaRPr lang="en-GB"/>
           </a:p>
@@ -4483,7 +4485,7 @@
           <a:p>
             <a:fld id="{2DEEC64B-3E48-2F44-A6A9-A1C06A2C021E}" type="datetime1">
               <a:rPr lang="en-US" smtClean="0"/>
-              <a:t>9/1/20</a:t>
+              <a:t>9/2/20</a:t>
             </a:fld>
             <a:endParaRPr lang="en-US" dirty="0"/>
           </a:p>
@@ -4757,7 +4759,7 @@
           <a:p>
             <a:fld id="{61E195D8-183A-7F4D-8D17-8ADC90214B8A}" type="datetime1">
               <a:rPr lang="en-US" smtClean="0"/>
-              <a:t>9/1/20</a:t>
+              <a:t>9/2/20</a:t>
             </a:fld>
             <a:endParaRPr lang="en-US" dirty="0"/>
           </a:p>
@@ -5135,7 +5137,7 @@
           <a:p>
             <a:fld id="{0DD0A991-48AE-1D43-8113-23F8EAF6681B}" type="datetime1">
               <a:rPr lang="en-US" smtClean="0"/>
-              <a:t>9/1/20</a:t>
+              <a:t>9/2/20</a:t>
             </a:fld>
             <a:endParaRPr lang="en-US" dirty="0"/>
           </a:p>
@@ -5252,7 +5254,7 @@
           <a:p>
             <a:fld id="{DC12579A-EC7F-EB4A-BC5C-80733D051D29}" type="datetime1">
               <a:rPr lang="en-US" smtClean="0"/>
-              <a:t>9/1/20</a:t>
+              <a:t>9/2/20</a:t>
             </a:fld>
             <a:endParaRPr lang="en-US" dirty="0"/>
           </a:p>
@@ -5422,7 +5424,7 @@
           <a:p>
             <a:fld id="{669454CD-6DAB-7942-9B1D-8F3E2B882464}" type="datetime1">
               <a:rPr lang="en-US" smtClean="0"/>
-              <a:t>9/1/20</a:t>
+              <a:t>9/2/20</a:t>
             </a:fld>
             <a:endParaRPr lang="en-US" dirty="0"/>
           </a:p>
@@ -5806,7 +5808,7 @@
           <a:p>
             <a:fld id="{BD2CAD36-D42B-D445-A707-AA59905C7768}" type="datetime1">
               <a:rPr lang="en-US" smtClean="0"/>
-              <a:t>9/1/20</a:t>
+              <a:t>9/2/20</a:t>
             </a:fld>
             <a:endParaRPr lang="en-US" dirty="0"/>
           </a:p>
@@ -6188,7 +6190,7 @@
           <a:p>
             <a:fld id="{2D1D63B8-BB32-E649-92D4-94351543394C}" type="datetime1">
               <a:rPr lang="en-US" smtClean="0"/>
-              <a:t>9/1/20</a:t>
+              <a:t>9/2/20</a:t>
             </a:fld>
             <a:endParaRPr lang="en-US" dirty="0"/>
           </a:p>
@@ -6474,7 +6476,7 @@
           <a:p>
             <a:fld id="{FD02AE22-A9EA-FE42-BAB8-AD1D7606FF2E}" type="datetime1">
               <a:rPr lang="en-US" smtClean="0"/>
-              <a:t>9/1/20</a:t>
+              <a:t>9/2/20</a:t>
             </a:fld>
             <a:endParaRPr lang="en-US" dirty="0"/>
           </a:p>
@@ -7164,7 +7166,7 @@
           <a:p>
             <a:fld id="{307A731C-B4EF-644F-8FDB-2EBA3EC9415A}" type="datetime1">
               <a:rPr lang="en-US" smtClean="0"/>
-              <a:t>9/1/20</a:t>
+              <a:t>9/2/20</a:t>
             </a:fld>
             <a:endParaRPr lang="en-GB"/>
           </a:p>
@@ -7820,10 +7822,10 @@
             <a:r>
               <a:rPr lang="en-US" sz="2800" u="sng" dirty="0">
                 <a:solidFill>
-                  <a:srgbClr val="FF0000"/>
+                  <a:srgbClr val="00B0F0"/>
                 </a:solidFill>
               </a:rPr>
-              <a:t>2017</a:t>
+              <a:t>2016</a:t>
             </a:r>
           </a:p>
         </p:txBody>
@@ -7881,7 +7883,7 @@
           <a:p>
             <a:fld id="{01554C39-4607-164F-AA23-65A72270ACF7}" type="datetime1">
               <a:rPr lang="en-US" smtClean="0"/>
-              <a:t>9/1/20</a:t>
+              <a:t>9/2/20</a:t>
             </a:fld>
             <a:endParaRPr lang="en-US" dirty="0"/>
           </a:p>
@@ -7962,7 +7964,7 @@
           <p:cNvPr id="4" name="Picture 3">
             <a:extLst>
               <a:ext uri="{FF2B5EF4-FFF2-40B4-BE49-F238E27FC236}">
-                <a16:creationId xmlns:a16="http://schemas.microsoft.com/office/drawing/2014/main" id="{78EE9E2F-D98D-E445-B8BC-76C9D40AF51F}"/>
+                <a16:creationId xmlns:a16="http://schemas.microsoft.com/office/drawing/2014/main" id="{38FFADD3-5C7C-564E-85C7-C118BF726EE2}"/>
               </a:ext>
             </a:extLst>
           </p:cNvPr>
@@ -7979,7 +7981,7 @@
         </p:blipFill>
         <p:spPr>
           <a:xfrm rot="5400000">
-            <a:off x="835613" y="745477"/>
+            <a:off x="832739" y="731595"/>
             <a:ext cx="4311269" cy="5976747"/>
           </a:xfrm>
           <a:prstGeom prst="rect">
@@ -7989,10 +7991,10 @@
       </p:pic>
       <p:pic>
         <p:nvPicPr>
-          <p:cNvPr id="9" name="Picture 8">
+          <p:cNvPr id="10" name="Picture 9">
             <a:extLst>
               <a:ext uri="{FF2B5EF4-FFF2-40B4-BE49-F238E27FC236}">
-                <a16:creationId xmlns:a16="http://schemas.microsoft.com/office/drawing/2014/main" id="{A41B3041-CFFE-7B4C-99AF-A4E9596E53B0}"/>
+                <a16:creationId xmlns:a16="http://schemas.microsoft.com/office/drawing/2014/main" id="{D876DBFC-4156-CA4B-A92E-162E66443A00}"/>
               </a:ext>
             </a:extLst>
           </p:cNvPr>
@@ -8009,7 +8011,7 @@
         </p:blipFill>
         <p:spPr>
           <a:xfrm rot="5400000">
-            <a:off x="6928739" y="745477"/>
+            <a:off x="6928739" y="745478"/>
             <a:ext cx="4311269" cy="5976747"/>
           </a:xfrm>
           <a:prstGeom prst="rect">
@@ -8020,7 +8022,7 @@
     </p:spTree>
     <p:extLst>
       <p:ext uri="{BB962C8B-B14F-4D97-AF65-F5344CB8AC3E}">
-        <p14:creationId xmlns:p14="http://schemas.microsoft.com/office/powerpoint/2010/main" val="3675022186"/>
+        <p14:creationId xmlns:p14="http://schemas.microsoft.com/office/powerpoint/2010/main" val="3585010955"/>
       </p:ext>
     </p:extLst>
   </p:cSld>
@@ -8165,7 +8167,7 @@
           <a:p>
             <a:fld id="{01554C39-4607-164F-AA23-65A72270ACF7}" type="datetime1">
               <a:rPr lang="en-US" smtClean="0"/>
-              <a:t>9/1/20</a:t>
+              <a:t>9/2/20</a:t>
             </a:fld>
             <a:endParaRPr lang="en-US" dirty="0"/>
           </a:p>
@@ -8243,10 +8245,10 @@
       </p:sp>
       <p:pic>
         <p:nvPicPr>
-          <p:cNvPr id="6" name="Picture 5">
+          <p:cNvPr id="4" name="Picture 3">
             <a:extLst>
               <a:ext uri="{FF2B5EF4-FFF2-40B4-BE49-F238E27FC236}">
-                <a16:creationId xmlns:a16="http://schemas.microsoft.com/office/drawing/2014/main" id="{8A3F2247-087F-2746-A309-DFB2EFA27D73}"/>
+                <a16:creationId xmlns:a16="http://schemas.microsoft.com/office/drawing/2014/main" id="{78EE9E2F-D98D-E445-B8BC-76C9D40AF51F}"/>
               </a:ext>
             </a:extLst>
           </p:cNvPr>
@@ -8263,7 +8265,7 @@
         </p:blipFill>
         <p:spPr>
           <a:xfrm rot="5400000">
-            <a:off x="927312" y="657014"/>
+            <a:off x="835613" y="745477"/>
             <a:ext cx="4311269" cy="5976747"/>
           </a:xfrm>
           <a:prstGeom prst="rect">
@@ -8273,10 +8275,10 @@
       </p:pic>
       <p:pic>
         <p:nvPicPr>
-          <p:cNvPr id="11" name="Picture 10">
+          <p:cNvPr id="9" name="Picture 8">
             <a:extLst>
               <a:ext uri="{FF2B5EF4-FFF2-40B4-BE49-F238E27FC236}">
-                <a16:creationId xmlns:a16="http://schemas.microsoft.com/office/drawing/2014/main" id="{4EE4838F-55A9-9546-A423-434B53722A46}"/>
+                <a16:creationId xmlns:a16="http://schemas.microsoft.com/office/drawing/2014/main" id="{A41B3041-CFFE-7B4C-99AF-A4E9596E53B0}"/>
               </a:ext>
             </a:extLst>
           </p:cNvPr>
@@ -8293,7 +8295,7 @@
         </p:blipFill>
         <p:spPr>
           <a:xfrm rot="5400000">
-            <a:off x="6806953" y="657013"/>
+            <a:off x="6928739" y="745477"/>
             <a:ext cx="4311269" cy="5976747"/>
           </a:xfrm>
           <a:prstGeom prst="rect">
@@ -8304,7 +8306,7 @@
     </p:spTree>
     <p:extLst>
       <p:ext uri="{BB962C8B-B14F-4D97-AF65-F5344CB8AC3E}">
-        <p14:creationId xmlns:p14="http://schemas.microsoft.com/office/powerpoint/2010/main" val="1581443513"/>
+        <p14:creationId xmlns:p14="http://schemas.microsoft.com/office/powerpoint/2010/main" val="3675022186"/>
       </p:ext>
     </p:extLst>
   </p:cSld>
@@ -8388,10 +8390,10 @@
             <a:r>
               <a:rPr lang="en-US" sz="2800" u="sng" dirty="0">
                 <a:solidFill>
-                  <a:srgbClr val="00B050"/>
+                  <a:srgbClr val="FF0000"/>
                 </a:solidFill>
               </a:rPr>
-              <a:t>2018</a:t>
+              <a:t>2017</a:t>
             </a:r>
           </a:p>
         </p:txBody>
@@ -8449,7 +8451,7 @@
           <a:p>
             <a:fld id="{01554C39-4607-164F-AA23-65A72270ACF7}" type="datetime1">
               <a:rPr lang="en-US" smtClean="0"/>
-              <a:t>9/1/20</a:t>
+              <a:t>9/2/20</a:t>
             </a:fld>
             <a:endParaRPr lang="en-US" dirty="0"/>
           </a:p>
@@ -8527,10 +8529,10 @@
       </p:sp>
       <p:pic>
         <p:nvPicPr>
-          <p:cNvPr id="4" name="Picture 3">
+          <p:cNvPr id="6" name="Picture 5">
             <a:extLst>
               <a:ext uri="{FF2B5EF4-FFF2-40B4-BE49-F238E27FC236}">
-                <a16:creationId xmlns:a16="http://schemas.microsoft.com/office/drawing/2014/main" id="{960E6185-EB26-A844-AF3C-6D8E4B1392D0}"/>
+                <a16:creationId xmlns:a16="http://schemas.microsoft.com/office/drawing/2014/main" id="{8A3F2247-087F-2746-A309-DFB2EFA27D73}"/>
               </a:ext>
             </a:extLst>
           </p:cNvPr>
@@ -8547,7 +8549,7 @@
         </p:blipFill>
         <p:spPr>
           <a:xfrm rot="5400000">
-            <a:off x="830206" y="719280"/>
+            <a:off x="927312" y="657014"/>
             <a:ext cx="4311269" cy="5976747"/>
           </a:xfrm>
           <a:prstGeom prst="rect">
@@ -8557,10 +8559,10 @@
       </p:pic>
       <p:pic>
         <p:nvPicPr>
-          <p:cNvPr id="9" name="Picture 8">
+          <p:cNvPr id="11" name="Picture 10">
             <a:extLst>
               <a:ext uri="{FF2B5EF4-FFF2-40B4-BE49-F238E27FC236}">
-                <a16:creationId xmlns:a16="http://schemas.microsoft.com/office/drawing/2014/main" id="{3D869A7C-EFE3-D049-A2D7-ECEFDA0774BC}"/>
+                <a16:creationId xmlns:a16="http://schemas.microsoft.com/office/drawing/2014/main" id="{4EE4838F-55A9-9546-A423-434B53722A46}"/>
               </a:ext>
             </a:extLst>
           </p:cNvPr>
@@ -8577,7 +8579,7 @@
         </p:blipFill>
         <p:spPr>
           <a:xfrm rot="5400000">
-            <a:off x="6928739" y="719281"/>
+            <a:off x="6806953" y="657013"/>
             <a:ext cx="4311269" cy="5976747"/>
           </a:xfrm>
           <a:prstGeom prst="rect">
@@ -8588,7 +8590,7 @@
     </p:spTree>
     <p:extLst>
       <p:ext uri="{BB962C8B-B14F-4D97-AF65-F5344CB8AC3E}">
-        <p14:creationId xmlns:p14="http://schemas.microsoft.com/office/powerpoint/2010/main" val="1965077184"/>
+        <p14:creationId xmlns:p14="http://schemas.microsoft.com/office/powerpoint/2010/main" val="1581443513"/>
       </p:ext>
     </p:extLst>
   </p:cSld>
@@ -8733,7 +8735,7 @@
           <a:p>
             <a:fld id="{01554C39-4607-164F-AA23-65A72270ACF7}" type="datetime1">
               <a:rPr lang="en-US" smtClean="0"/>
-              <a:t>9/1/20</a:t>
+              <a:t>9/2/20</a:t>
             </a:fld>
             <a:endParaRPr lang="en-US" dirty="0"/>
           </a:p>
@@ -8814,7 +8816,7 @@
           <p:cNvPr id="4" name="Picture 3">
             <a:extLst>
               <a:ext uri="{FF2B5EF4-FFF2-40B4-BE49-F238E27FC236}">
-                <a16:creationId xmlns:a16="http://schemas.microsoft.com/office/drawing/2014/main" id="{4D96217D-0F0B-C241-AFC7-8EF160069A5D}"/>
+                <a16:creationId xmlns:a16="http://schemas.microsoft.com/office/drawing/2014/main" id="{960E6185-EB26-A844-AF3C-6D8E4B1392D0}"/>
               </a:ext>
             </a:extLst>
           </p:cNvPr>
@@ -8831,7 +8833,7 @@
         </p:blipFill>
         <p:spPr>
           <a:xfrm rot="5400000">
-            <a:off x="832739" y="745477"/>
+            <a:off x="830206" y="719280"/>
             <a:ext cx="4311269" cy="5976747"/>
           </a:xfrm>
           <a:prstGeom prst="rect">
@@ -8844,7 +8846,7 @@
           <p:cNvPr id="9" name="Picture 8">
             <a:extLst>
               <a:ext uri="{FF2B5EF4-FFF2-40B4-BE49-F238E27FC236}">
-                <a16:creationId xmlns:a16="http://schemas.microsoft.com/office/drawing/2014/main" id="{474A59CF-DDBC-8149-A5D7-D24AC81E9D62}"/>
+                <a16:creationId xmlns:a16="http://schemas.microsoft.com/office/drawing/2014/main" id="{3D869A7C-EFE3-D049-A2D7-ECEFDA0774BC}"/>
               </a:ext>
             </a:extLst>
           </p:cNvPr>
@@ -8861,7 +8863,7 @@
         </p:blipFill>
         <p:spPr>
           <a:xfrm rot="5400000">
-            <a:off x="6928739" y="745478"/>
+            <a:off x="6928739" y="719281"/>
             <a:ext cx="4311269" cy="5976747"/>
           </a:xfrm>
           <a:prstGeom prst="rect">
@@ -8872,7 +8874,7 @@
     </p:spTree>
     <p:extLst>
       <p:ext uri="{BB962C8B-B14F-4D97-AF65-F5344CB8AC3E}">
-        <p14:creationId xmlns:p14="http://schemas.microsoft.com/office/powerpoint/2010/main" val="2156656627"/>
+        <p14:creationId xmlns:p14="http://schemas.microsoft.com/office/powerpoint/2010/main" val="1965077184"/>
       </p:ext>
     </p:extLst>
   </p:cSld>
@@ -8951,15 +8953,15 @@
             <a:pPr algn="ctr"/>
             <a:r>
               <a:rPr lang="en-US" sz="2800" u="sng" dirty="0"/>
-              <a:t>Contamination Plots Medium WP (CR) </a:t>
+              <a:t>Response Matrices </a:t>
             </a:r>
             <a:r>
               <a:rPr lang="en-US" sz="2800" u="sng" dirty="0">
                 <a:solidFill>
-                  <a:srgbClr val="0070C0"/>
+                  <a:srgbClr val="00B050"/>
                 </a:solidFill>
               </a:rPr>
-              <a:t>2016</a:t>
+              <a:t>2018</a:t>
             </a:r>
           </a:p>
         </p:txBody>
@@ -9017,9 +9019,79 @@
           <a:p>
             <a:fld id="{01554C39-4607-164F-AA23-65A72270ACF7}" type="datetime1">
               <a:rPr lang="en-US" smtClean="0"/>
-              <a:t>9/1/20</a:t>
+              <a:t>9/2/20</a:t>
             </a:fld>
             <a:endParaRPr lang="en-US" dirty="0"/>
+          </a:p>
+        </p:txBody>
+      </p:sp>
+      <p:sp>
+        <p:nvSpPr>
+          <p:cNvPr id="8" name="Rectangle 7">
+            <a:extLst>
+              <a:ext uri="{FF2B5EF4-FFF2-40B4-BE49-F238E27FC236}">
+                <a16:creationId xmlns:a16="http://schemas.microsoft.com/office/drawing/2014/main" id="{137E0740-341B-B64B-AE26-A2C5357809F1}"/>
+              </a:ext>
+            </a:extLst>
+          </p:cNvPr>
+          <p:cNvSpPr/>
+          <p:nvPr/>
+        </p:nvSpPr>
+        <p:spPr>
+          <a:xfrm>
+            <a:off x="7939701" y="638586"/>
+            <a:ext cx="2289346" cy="369332"/>
+          </a:xfrm>
+          <a:prstGeom prst="rect">
+            <a:avLst/>
+          </a:prstGeom>
+        </p:spPr>
+        <p:txBody>
+          <a:bodyPr wrap="none">
+            <a:spAutoFit/>
+          </a:bodyPr>
+          <a:lstStyle/>
+          <a:p>
+            <a:pPr algn="ctr"/>
+            <a:r>
+              <a:rPr lang="en-US" u="sng" dirty="0"/>
+              <a:t>without b tagging SF’s </a:t>
+            </a:r>
+          </a:p>
+        </p:txBody>
+      </p:sp>
+      <p:sp>
+        <p:nvSpPr>
+          <p:cNvPr id="15" name="Rectangle 14">
+            <a:extLst>
+              <a:ext uri="{FF2B5EF4-FFF2-40B4-BE49-F238E27FC236}">
+                <a16:creationId xmlns:a16="http://schemas.microsoft.com/office/drawing/2014/main" id="{F855E7F2-8E22-A345-8A7F-56F49B61AE54}"/>
+              </a:ext>
+            </a:extLst>
+          </p:cNvPr>
+          <p:cNvSpPr/>
+          <p:nvPr/>
+        </p:nvSpPr>
+        <p:spPr>
+          <a:xfrm>
+            <a:off x="2333415" y="638586"/>
+            <a:ext cx="1499065" cy="369332"/>
+          </a:xfrm>
+          <a:prstGeom prst="rect">
+            <a:avLst/>
+          </a:prstGeom>
+        </p:spPr>
+        <p:txBody>
+          <a:bodyPr wrap="none">
+            <a:spAutoFit/>
+          </a:bodyPr>
+          <a:lstStyle/>
+          <a:p>
+            <a:pPr algn="ctr"/>
+            <a:r>
+              <a:rPr lang="en-US" u="sng" dirty="0"/>
+              <a:t>b tagging SF’s </a:t>
+            </a:r>
           </a:p>
         </p:txBody>
       </p:sp>
@@ -9028,7 +9100,7 @@
           <p:cNvPr id="4" name="Picture 3">
             <a:extLst>
               <a:ext uri="{FF2B5EF4-FFF2-40B4-BE49-F238E27FC236}">
-                <a16:creationId xmlns:a16="http://schemas.microsoft.com/office/drawing/2014/main" id="{C43B125B-3591-0349-A59C-51702C0312DA}"/>
+                <a16:creationId xmlns:a16="http://schemas.microsoft.com/office/drawing/2014/main" id="{4D96217D-0F0B-C241-AFC7-8EF160069A5D}"/>
               </a:ext>
             </a:extLst>
           </p:cNvPr>
@@ -9045,90 +9117,20 @@
         </p:blipFill>
         <p:spPr>
           <a:xfrm rot="5400000">
-            <a:off x="577786" y="701201"/>
-            <a:ext cx="5059680" cy="5976747"/>
+            <a:off x="832739" y="745477"/>
+            <a:ext cx="4311269" cy="5976747"/>
           </a:xfrm>
           <a:prstGeom prst="rect">
             <a:avLst/>
           </a:prstGeom>
         </p:spPr>
       </p:pic>
-      <p:sp>
-        <p:nvSpPr>
-          <p:cNvPr id="8" name="Rectangle 7">
+      <p:pic>
+        <p:nvPicPr>
+          <p:cNvPr id="9" name="Picture 8">
             <a:extLst>
               <a:ext uri="{FF2B5EF4-FFF2-40B4-BE49-F238E27FC236}">
-                <a16:creationId xmlns:a16="http://schemas.microsoft.com/office/drawing/2014/main" id="{137E0740-341B-B64B-AE26-A2C5357809F1}"/>
-              </a:ext>
-            </a:extLst>
-          </p:cNvPr>
-          <p:cNvSpPr/>
-          <p:nvPr/>
-        </p:nvSpPr>
-        <p:spPr>
-          <a:xfrm>
-            <a:off x="7939701" y="638586"/>
-            <a:ext cx="2289346" cy="369332"/>
-          </a:xfrm>
-          <a:prstGeom prst="rect">
-            <a:avLst/>
-          </a:prstGeom>
-        </p:spPr>
-        <p:txBody>
-          <a:bodyPr wrap="none">
-            <a:spAutoFit/>
-          </a:bodyPr>
-          <a:lstStyle/>
-          <a:p>
-            <a:pPr algn="ctr"/>
-            <a:r>
-              <a:rPr lang="en-US" u="sng" dirty="0"/>
-              <a:t>without b tagging SF’s </a:t>
-            </a:r>
-          </a:p>
-        </p:txBody>
-      </p:sp>
-      <p:sp>
-        <p:nvSpPr>
-          <p:cNvPr id="15" name="Rectangle 14">
-            <a:extLst>
-              <a:ext uri="{FF2B5EF4-FFF2-40B4-BE49-F238E27FC236}">
-                <a16:creationId xmlns:a16="http://schemas.microsoft.com/office/drawing/2014/main" id="{F855E7F2-8E22-A345-8A7F-56F49B61AE54}"/>
-              </a:ext>
-            </a:extLst>
-          </p:cNvPr>
-          <p:cNvSpPr/>
-          <p:nvPr/>
-        </p:nvSpPr>
-        <p:spPr>
-          <a:xfrm>
-            <a:off x="2333415" y="638586"/>
-            <a:ext cx="1499065" cy="369332"/>
-          </a:xfrm>
-          <a:prstGeom prst="rect">
-            <a:avLst/>
-          </a:prstGeom>
-        </p:spPr>
-        <p:txBody>
-          <a:bodyPr wrap="none">
-            <a:spAutoFit/>
-          </a:bodyPr>
-          <a:lstStyle/>
-          <a:p>
-            <a:pPr algn="ctr"/>
-            <a:r>
-              <a:rPr lang="en-US" u="sng" dirty="0"/>
-              <a:t>b tagging SF’s </a:t>
-            </a:r>
-          </a:p>
-        </p:txBody>
-      </p:sp>
-      <p:pic>
-        <p:nvPicPr>
-          <p:cNvPr id="11" name="Picture 10">
-            <a:extLst>
-              <a:ext uri="{FF2B5EF4-FFF2-40B4-BE49-F238E27FC236}">
-                <a16:creationId xmlns:a16="http://schemas.microsoft.com/office/drawing/2014/main" id="{07799D6B-E817-F744-8C23-081EC39F9000}"/>
+                <a16:creationId xmlns:a16="http://schemas.microsoft.com/office/drawing/2014/main" id="{474A59CF-DDBC-8149-A5D7-D24AC81E9D62}"/>
               </a:ext>
             </a:extLst>
           </p:cNvPr>
@@ -9145,8 +9147,8 @@
         </p:blipFill>
         <p:spPr>
           <a:xfrm rot="5400000">
-            <a:off x="6554534" y="701201"/>
-            <a:ext cx="5059680" cy="5976747"/>
+            <a:off x="6928739" y="745478"/>
+            <a:ext cx="4311269" cy="5976747"/>
           </a:xfrm>
           <a:prstGeom prst="rect">
             <a:avLst/>
@@ -9156,7 +9158,7 @@
     </p:spTree>
     <p:extLst>
       <p:ext uri="{BB962C8B-B14F-4D97-AF65-F5344CB8AC3E}">
-        <p14:creationId xmlns:p14="http://schemas.microsoft.com/office/powerpoint/2010/main" val="3877973962"/>
+        <p14:creationId xmlns:p14="http://schemas.microsoft.com/office/powerpoint/2010/main" val="2156656627"/>
       </p:ext>
     </p:extLst>
   </p:cSld>
@@ -9212,6 +9214,44 @@
       </p:sp>
       <p:sp>
         <p:nvSpPr>
+          <p:cNvPr id="7" name="TextBox 6"/>
+          <p:cNvSpPr txBox="1"/>
+          <p:nvPr/>
+        </p:nvSpPr>
+        <p:spPr>
+          <a:xfrm>
+            <a:off x="504044" y="33090"/>
+            <a:ext cx="10940340" cy="523220"/>
+          </a:xfrm>
+          <a:prstGeom prst="rect">
+            <a:avLst/>
+          </a:prstGeom>
+          <a:noFill/>
+        </p:spPr>
+        <p:txBody>
+          <a:bodyPr wrap="square" rtlCol="0">
+            <a:spAutoFit/>
+          </a:bodyPr>
+          <a:lstStyle/>
+          <a:p>
+            <a:pPr algn="ctr"/>
+            <a:r>
+              <a:rPr lang="en-US" sz="2800" u="sng" dirty="0"/>
+              <a:t>Contamination Plots Medium WP (CR) </a:t>
+            </a:r>
+            <a:r>
+              <a:rPr lang="en-US" sz="2800" u="sng" dirty="0">
+                <a:solidFill>
+                  <a:srgbClr val="0070C0"/>
+                </a:solidFill>
+              </a:rPr>
+              <a:t>2016</a:t>
+            </a:r>
+          </a:p>
+        </p:txBody>
+      </p:sp>
+      <p:sp>
+        <p:nvSpPr>
           <p:cNvPr id="5" name="Slide Number Placeholder 4">
             <a:extLst>
               <a:ext uri="{FF2B5EF4-FFF2-40B4-BE49-F238E27FC236}">
@@ -9263,57 +9303,18 @@
           <a:p>
             <a:fld id="{01554C39-4607-164F-AA23-65A72270ACF7}" type="datetime1">
               <a:rPr lang="en-US" smtClean="0"/>
-              <a:t>9/1/20</a:t>
+              <a:t>9/2/20</a:t>
             </a:fld>
             <a:endParaRPr lang="en-US" dirty="0"/>
           </a:p>
         </p:txBody>
       </p:sp>
-      <p:sp>
-        <p:nvSpPr>
-          <p:cNvPr id="17" name="TextBox 16">
+      <p:pic>
+        <p:nvPicPr>
+          <p:cNvPr id="4" name="Picture 3">
             <a:extLst>
               <a:ext uri="{FF2B5EF4-FFF2-40B4-BE49-F238E27FC236}">
-                <a16:creationId xmlns:a16="http://schemas.microsoft.com/office/drawing/2014/main" id="{B35CDA53-97CD-C042-8F7C-E0E2F6C19514}"/>
-              </a:ext>
-            </a:extLst>
-          </p:cNvPr>
-          <p:cNvSpPr txBox="1"/>
-          <p:nvPr/>
-        </p:nvSpPr>
-        <p:spPr>
-          <a:xfrm>
-            <a:off x="5767386" y="1100138"/>
-            <a:ext cx="657225" cy="369332"/>
-          </a:xfrm>
-          <a:prstGeom prst="rect">
-            <a:avLst/>
-          </a:prstGeom>
-          <a:noFill/>
-        </p:spPr>
-        <p:txBody>
-          <a:bodyPr wrap="square" rtlCol="0">
-            <a:spAutoFit/>
-          </a:bodyPr>
-          <a:lstStyle/>
-          <a:p>
-            <a:r>
-              <a:rPr lang="en-GR" dirty="0">
-                <a:solidFill>
-                  <a:srgbClr val="FF0000"/>
-                </a:solidFill>
-              </a:rPr>
-              <a:t>2017</a:t>
-            </a:r>
-          </a:p>
-        </p:txBody>
-      </p:sp>
-      <p:pic>
-        <p:nvPicPr>
-          <p:cNvPr id="6" name="Picture 5">
-            <a:extLst>
-              <a:ext uri="{FF2B5EF4-FFF2-40B4-BE49-F238E27FC236}">
-                <a16:creationId xmlns:a16="http://schemas.microsoft.com/office/drawing/2014/main" id="{DB45EB97-3B90-5E41-8574-CE365A91D36D}"/>
+                <a16:creationId xmlns:a16="http://schemas.microsoft.com/office/drawing/2014/main" id="{C43B125B-3591-0349-A59C-51702C0312DA}"/>
               </a:ext>
             </a:extLst>
           </p:cNvPr>
@@ -9330,7 +9331,7 @@
         </p:blipFill>
         <p:spPr>
           <a:xfrm rot="5400000">
-            <a:off x="553106" y="641605"/>
+            <a:off x="577786" y="701201"/>
             <a:ext cx="5059680" cy="5976747"/>
           </a:xfrm>
           <a:prstGeom prst="rect">
@@ -9340,54 +9341,80 @@
       </p:pic>
       <p:sp>
         <p:nvSpPr>
-          <p:cNvPr id="14" name="TextBox 13">
+          <p:cNvPr id="8" name="Rectangle 7">
             <a:extLst>
               <a:ext uri="{FF2B5EF4-FFF2-40B4-BE49-F238E27FC236}">
-                <a16:creationId xmlns:a16="http://schemas.microsoft.com/office/drawing/2014/main" id="{26F73184-086D-A145-84BC-20FC3A5168AB}"/>
+                <a16:creationId xmlns:a16="http://schemas.microsoft.com/office/drawing/2014/main" id="{137E0740-341B-B64B-AE26-A2C5357809F1}"/>
               </a:ext>
             </a:extLst>
           </p:cNvPr>
-          <p:cNvSpPr txBox="1"/>
+          <p:cNvSpPr/>
           <p:nvPr/>
         </p:nvSpPr>
         <p:spPr>
           <a:xfrm>
-            <a:off x="504044" y="33090"/>
-            <a:ext cx="10940340" cy="523220"/>
+            <a:off x="7939701" y="638586"/>
+            <a:ext cx="2289346" cy="369332"/>
           </a:xfrm>
           <a:prstGeom prst="rect">
             <a:avLst/>
           </a:prstGeom>
-          <a:noFill/>
-        </p:spPr>
-        <p:txBody>
-          <a:bodyPr wrap="square" rtlCol="0">
+        </p:spPr>
+        <p:txBody>
+          <a:bodyPr wrap="none">
             <a:spAutoFit/>
           </a:bodyPr>
           <a:lstStyle/>
           <a:p>
             <a:pPr algn="ctr"/>
             <a:r>
-              <a:rPr lang="en-US" sz="2800" u="sng" dirty="0"/>
-              <a:t>Contamination Plots Medium WP (CR) </a:t>
-            </a:r>
-            <a:r>
-              <a:rPr lang="en-US" sz="2800" u="sng" dirty="0">
-                <a:solidFill>
-                  <a:srgbClr val="FF0000"/>
-                </a:solidFill>
-              </a:rPr>
-              <a:t>2017</a:t>
+              <a:rPr lang="en-US" u="sng" dirty="0"/>
+              <a:t>without b tagging SF’s </a:t>
+            </a:r>
+          </a:p>
+        </p:txBody>
+      </p:sp>
+      <p:sp>
+        <p:nvSpPr>
+          <p:cNvPr id="15" name="Rectangle 14">
+            <a:extLst>
+              <a:ext uri="{FF2B5EF4-FFF2-40B4-BE49-F238E27FC236}">
+                <a16:creationId xmlns:a16="http://schemas.microsoft.com/office/drawing/2014/main" id="{F855E7F2-8E22-A345-8A7F-56F49B61AE54}"/>
+              </a:ext>
+            </a:extLst>
+          </p:cNvPr>
+          <p:cNvSpPr/>
+          <p:nvPr/>
+        </p:nvSpPr>
+        <p:spPr>
+          <a:xfrm>
+            <a:off x="2333415" y="638586"/>
+            <a:ext cx="1499065" cy="369332"/>
+          </a:xfrm>
+          <a:prstGeom prst="rect">
+            <a:avLst/>
+          </a:prstGeom>
+        </p:spPr>
+        <p:txBody>
+          <a:bodyPr wrap="none">
+            <a:spAutoFit/>
+          </a:bodyPr>
+          <a:lstStyle/>
+          <a:p>
+            <a:pPr algn="ctr"/>
+            <a:r>
+              <a:rPr lang="en-US" u="sng" dirty="0"/>
+              <a:t>b tagging SF’s </a:t>
             </a:r>
           </a:p>
         </p:txBody>
       </p:sp>
       <p:pic>
         <p:nvPicPr>
-          <p:cNvPr id="9" name="Picture 8">
+          <p:cNvPr id="11" name="Picture 10">
             <a:extLst>
               <a:ext uri="{FF2B5EF4-FFF2-40B4-BE49-F238E27FC236}">
-                <a16:creationId xmlns:a16="http://schemas.microsoft.com/office/drawing/2014/main" id="{E89A6D14-2DB4-D04D-AB17-FA4BE3BE87CE}"/>
+                <a16:creationId xmlns:a16="http://schemas.microsoft.com/office/drawing/2014/main" id="{07799D6B-E817-F744-8C23-081EC39F9000}"/>
               </a:ext>
             </a:extLst>
           </p:cNvPr>
@@ -9404,7 +9431,7 @@
         </p:blipFill>
         <p:spPr>
           <a:xfrm rot="5400000">
-            <a:off x="6529854" y="549385"/>
+            <a:off x="6554534" y="701201"/>
             <a:ext cx="5059680" cy="5976747"/>
           </a:xfrm>
           <a:prstGeom prst="rect">
@@ -9412,80 +9439,10 @@
           </a:prstGeom>
         </p:spPr>
       </p:pic>
-      <p:sp>
-        <p:nvSpPr>
-          <p:cNvPr id="16" name="Rectangle 15">
-            <a:extLst>
-              <a:ext uri="{FF2B5EF4-FFF2-40B4-BE49-F238E27FC236}">
-                <a16:creationId xmlns:a16="http://schemas.microsoft.com/office/drawing/2014/main" id="{E1312F3A-627E-744C-99BB-470893988A6C}"/>
-              </a:ext>
-            </a:extLst>
-          </p:cNvPr>
-          <p:cNvSpPr/>
-          <p:nvPr/>
-        </p:nvSpPr>
-        <p:spPr>
-          <a:xfrm>
-            <a:off x="7939701" y="638586"/>
-            <a:ext cx="2289346" cy="369332"/>
-          </a:xfrm>
-          <a:prstGeom prst="rect">
-            <a:avLst/>
-          </a:prstGeom>
-        </p:spPr>
-        <p:txBody>
-          <a:bodyPr wrap="none">
-            <a:spAutoFit/>
-          </a:bodyPr>
-          <a:lstStyle/>
-          <a:p>
-            <a:pPr algn="ctr"/>
-            <a:r>
-              <a:rPr lang="en-US" u="sng" dirty="0"/>
-              <a:t>without b tagging SF’s </a:t>
-            </a:r>
-          </a:p>
-        </p:txBody>
-      </p:sp>
-      <p:sp>
-        <p:nvSpPr>
-          <p:cNvPr id="19" name="Rectangle 18">
-            <a:extLst>
-              <a:ext uri="{FF2B5EF4-FFF2-40B4-BE49-F238E27FC236}">
-                <a16:creationId xmlns:a16="http://schemas.microsoft.com/office/drawing/2014/main" id="{0D19BB06-8A4A-9A41-8629-30C79280543F}"/>
-              </a:ext>
-            </a:extLst>
-          </p:cNvPr>
-          <p:cNvSpPr/>
-          <p:nvPr/>
-        </p:nvSpPr>
-        <p:spPr>
-          <a:xfrm>
-            <a:off x="2333415" y="638586"/>
-            <a:ext cx="1499065" cy="369332"/>
-          </a:xfrm>
-          <a:prstGeom prst="rect">
-            <a:avLst/>
-          </a:prstGeom>
-        </p:spPr>
-        <p:txBody>
-          <a:bodyPr wrap="none">
-            <a:spAutoFit/>
-          </a:bodyPr>
-          <a:lstStyle/>
-          <a:p>
-            <a:pPr algn="ctr"/>
-            <a:r>
-              <a:rPr lang="en-US" u="sng" dirty="0"/>
-              <a:t>b tagging SF’s </a:t>
-            </a:r>
-          </a:p>
-        </p:txBody>
-      </p:sp>
     </p:spTree>
     <p:extLst>
       <p:ext uri="{BB962C8B-B14F-4D97-AF65-F5344CB8AC3E}">
-        <p14:creationId xmlns:p14="http://schemas.microsoft.com/office/powerpoint/2010/main" val="223816888"/>
+        <p14:creationId xmlns:p14="http://schemas.microsoft.com/office/powerpoint/2010/main" val="3877973962"/>
       </p:ext>
     </p:extLst>
   </p:cSld>
@@ -9592,9 +9549,48 @@
           <a:p>
             <a:fld id="{01554C39-4607-164F-AA23-65A72270ACF7}" type="datetime1">
               <a:rPr lang="en-US" smtClean="0"/>
-              <a:t>9/1/20</a:t>
+              <a:t>9/2/20</a:t>
             </a:fld>
             <a:endParaRPr lang="en-US" dirty="0"/>
+          </a:p>
+        </p:txBody>
+      </p:sp>
+      <p:sp>
+        <p:nvSpPr>
+          <p:cNvPr id="17" name="TextBox 16">
+            <a:extLst>
+              <a:ext uri="{FF2B5EF4-FFF2-40B4-BE49-F238E27FC236}">
+                <a16:creationId xmlns:a16="http://schemas.microsoft.com/office/drawing/2014/main" id="{B35CDA53-97CD-C042-8F7C-E0E2F6C19514}"/>
+              </a:ext>
+            </a:extLst>
+          </p:cNvPr>
+          <p:cNvSpPr txBox="1"/>
+          <p:nvPr/>
+        </p:nvSpPr>
+        <p:spPr>
+          <a:xfrm>
+            <a:off x="5767386" y="1100138"/>
+            <a:ext cx="657225" cy="369332"/>
+          </a:xfrm>
+          <a:prstGeom prst="rect">
+            <a:avLst/>
+          </a:prstGeom>
+          <a:noFill/>
+        </p:spPr>
+        <p:txBody>
+          <a:bodyPr wrap="square" rtlCol="0">
+            <a:spAutoFit/>
+          </a:bodyPr>
+          <a:lstStyle/>
+          <a:p>
+            <a:r>
+              <a:rPr lang="en-GR" dirty="0">
+                <a:solidFill>
+                  <a:srgbClr val="FF0000"/>
+                </a:solidFill>
+              </a:rPr>
+              <a:t>2017</a:t>
+            </a:r>
           </a:p>
         </p:txBody>
       </p:sp>
@@ -9603,7 +9599,7 @@
           <p:cNvPr id="6" name="Picture 5">
             <a:extLst>
               <a:ext uri="{FF2B5EF4-FFF2-40B4-BE49-F238E27FC236}">
-                <a16:creationId xmlns:a16="http://schemas.microsoft.com/office/drawing/2014/main" id="{173E7B06-3697-AE4C-AB0C-701E817290C7}"/>
+                <a16:creationId xmlns:a16="http://schemas.microsoft.com/office/drawing/2014/main" id="{DB45EB97-3B90-5E41-8574-CE365A91D36D}"/>
               </a:ext>
             </a:extLst>
           </p:cNvPr>
@@ -9620,7 +9616,7 @@
         </p:blipFill>
         <p:spPr>
           <a:xfrm rot="5400000">
-            <a:off x="553106" y="701201"/>
+            <a:off x="553106" y="641605"/>
             <a:ext cx="5059680" cy="5976747"/>
           </a:xfrm>
           <a:prstGeom prst="rect">
@@ -9630,10 +9626,10 @@
       </p:pic>
       <p:sp>
         <p:nvSpPr>
-          <p:cNvPr id="12" name="TextBox 11">
+          <p:cNvPr id="14" name="TextBox 13">
             <a:extLst>
               <a:ext uri="{FF2B5EF4-FFF2-40B4-BE49-F238E27FC236}">
-                <a16:creationId xmlns:a16="http://schemas.microsoft.com/office/drawing/2014/main" id="{46C41145-4258-4F4A-9A64-EE16E79B5FCD}"/>
+                <a16:creationId xmlns:a16="http://schemas.microsoft.com/office/drawing/2014/main" id="{26F73184-086D-A145-84BC-20FC3A5168AB}"/>
               </a:ext>
             </a:extLst>
           </p:cNvPr>
@@ -9664,10 +9660,10 @@
             <a:r>
               <a:rPr lang="en-US" sz="2800" u="sng" dirty="0">
                 <a:solidFill>
-                  <a:srgbClr val="00B050"/>
+                  <a:srgbClr val="FF0000"/>
                 </a:solidFill>
               </a:rPr>
-              <a:t>2018</a:t>
+              <a:t>2017</a:t>
             </a:r>
           </a:p>
         </p:txBody>
@@ -9677,7 +9673,7 @@
           <p:cNvPr id="9" name="Picture 8">
             <a:extLst>
               <a:ext uri="{FF2B5EF4-FFF2-40B4-BE49-F238E27FC236}">
-                <a16:creationId xmlns:a16="http://schemas.microsoft.com/office/drawing/2014/main" id="{8EFE10B5-FF1D-714E-9C4C-B13187B81118}"/>
+                <a16:creationId xmlns:a16="http://schemas.microsoft.com/office/drawing/2014/main" id="{E89A6D14-2DB4-D04D-AB17-FA4BE3BE87CE}"/>
               </a:ext>
             </a:extLst>
           </p:cNvPr>
@@ -9694,7 +9690,7 @@
         </p:blipFill>
         <p:spPr>
           <a:xfrm rot="5400000">
-            <a:off x="6529853" y="701201"/>
+            <a:off x="6529854" y="549385"/>
             <a:ext cx="5059680" cy="5976747"/>
           </a:xfrm>
           <a:prstGeom prst="rect">
@@ -9704,10 +9700,10 @@
       </p:pic>
       <p:sp>
         <p:nvSpPr>
-          <p:cNvPr id="15" name="Rectangle 14">
+          <p:cNvPr id="16" name="Rectangle 15">
             <a:extLst>
               <a:ext uri="{FF2B5EF4-FFF2-40B4-BE49-F238E27FC236}">
-                <a16:creationId xmlns:a16="http://schemas.microsoft.com/office/drawing/2014/main" id="{B28725BA-6441-C648-866D-23035D5DEE01}"/>
+                <a16:creationId xmlns:a16="http://schemas.microsoft.com/office/drawing/2014/main" id="{E1312F3A-627E-744C-99BB-470893988A6C}"/>
               </a:ext>
             </a:extLst>
           </p:cNvPr>
@@ -9739,10 +9735,10 @@
       </p:sp>
       <p:sp>
         <p:nvSpPr>
-          <p:cNvPr id="16" name="Rectangle 15">
+          <p:cNvPr id="19" name="Rectangle 18">
             <a:extLst>
               <a:ext uri="{FF2B5EF4-FFF2-40B4-BE49-F238E27FC236}">
-                <a16:creationId xmlns:a16="http://schemas.microsoft.com/office/drawing/2014/main" id="{3BBC843C-A1A9-6242-8D33-7997436DC12D}"/>
+                <a16:creationId xmlns:a16="http://schemas.microsoft.com/office/drawing/2014/main" id="{0D19BB06-8A4A-9A41-8629-30C79280543F}"/>
               </a:ext>
             </a:extLst>
           </p:cNvPr>
@@ -9775,7 +9771,7 @@
     </p:spTree>
     <p:extLst>
       <p:ext uri="{BB962C8B-B14F-4D97-AF65-F5344CB8AC3E}">
-        <p14:creationId xmlns:p14="http://schemas.microsoft.com/office/powerpoint/2010/main" val="2056569386"/>
+        <p14:creationId xmlns:p14="http://schemas.microsoft.com/office/powerpoint/2010/main" val="223816888"/>
       </p:ext>
     </p:extLst>
   </p:cSld>
@@ -9882,7 +9878,7 @@
           <a:p>
             <a:fld id="{01554C39-4607-164F-AA23-65A72270ACF7}" type="datetime1">
               <a:rPr lang="en-US" smtClean="0"/>
-              <a:t>9/1/20</a:t>
+              <a:t>9/2/20</a:t>
             </a:fld>
             <a:endParaRPr lang="en-US" dirty="0"/>
           </a:p>
@@ -9949,7 +9945,7 @@
             <a:pPr algn="ctr"/>
             <a:r>
               <a:rPr lang="en-US" sz="2800" u="sng" dirty="0"/>
-              <a:t>Contamination Plots Medium WP (CR, SR) </a:t>
+              <a:t>Contamination Plots Medium WP (CR) </a:t>
             </a:r>
             <a:r>
               <a:rPr lang="en-US" sz="2800" u="sng" dirty="0">
@@ -10062,78 +10058,10 @@
           </a:p>
         </p:txBody>
       </p:sp>
-      <p:sp>
-        <p:nvSpPr>
-          <p:cNvPr id="2" name="Rectangle 1">
-            <a:extLst>
-              <a:ext uri="{FF2B5EF4-FFF2-40B4-BE49-F238E27FC236}">
-                <a16:creationId xmlns:a16="http://schemas.microsoft.com/office/drawing/2014/main" id="{DAC4A140-55F8-4E44-821A-24FF2D2E8016}"/>
-              </a:ext>
-            </a:extLst>
-          </p:cNvPr>
-          <p:cNvSpPr/>
-          <p:nvPr/>
-        </p:nvSpPr>
-        <p:spPr>
-          <a:xfrm>
-            <a:off x="1608667" y="762000"/>
-            <a:ext cx="8991600" cy="4944533"/>
-          </a:xfrm>
-          <a:prstGeom prst="rect">
-            <a:avLst/>
-          </a:prstGeom>
-        </p:spPr>
-        <p:style>
-          <a:lnRef idx="2">
-            <a:schemeClr val="accent1">
-              <a:shade val="50000"/>
-            </a:schemeClr>
-          </a:lnRef>
-          <a:fillRef idx="1">
-            <a:schemeClr val="accent1"/>
-          </a:fillRef>
-          <a:effectRef idx="0">
-            <a:schemeClr val="accent1"/>
-          </a:effectRef>
-          <a:fontRef idx="minor">
-            <a:schemeClr val="lt1"/>
-          </a:fontRef>
-        </p:style>
-        <p:txBody>
-          <a:bodyPr rtlCol="0" anchor="ctr"/>
-          <a:lstStyle/>
-          <a:p>
-            <a:pPr algn="ctr"/>
-            <a:r>
-              <a:rPr lang="en-GR" u="sng" dirty="0"/>
-              <a:t>Comment</a:t>
-            </a:r>
-          </a:p>
-          <a:p>
-            <a:pPr algn="ctr"/>
-            <a:endParaRPr lang="en-GR" u="sng" dirty="0"/>
-          </a:p>
-          <a:p>
-            <a:pPr algn="ctr"/>
-            <a:r>
-              <a:rPr lang="en-GR" dirty="0"/>
-              <a:t>Shapes and in general contamination is </a:t>
-            </a:r>
-            <a:r>
-              <a:rPr lang="en-GR" u="sng" dirty="0"/>
-              <a:t>NOT</a:t>
-            </a:r>
-            <a:r>
-              <a:rPr lang="en-GR" dirty="0"/>
-              <a:t> affected by btagging by Scale factors</a:t>
-            </a:r>
-          </a:p>
-        </p:txBody>
-      </p:sp>
     </p:spTree>
     <p:extLst>
       <p:ext uri="{BB962C8B-B14F-4D97-AF65-F5344CB8AC3E}">
-        <p14:creationId xmlns:p14="http://schemas.microsoft.com/office/powerpoint/2010/main" val="2554060975"/>
+        <p14:creationId xmlns:p14="http://schemas.microsoft.com/office/powerpoint/2010/main" val="2056569386"/>
       </p:ext>
     </p:extLst>
   </p:cSld>
@@ -10189,36 +10117,6 @@
       </p:sp>
       <p:sp>
         <p:nvSpPr>
-          <p:cNvPr id="7" name="TextBox 6"/>
-          <p:cNvSpPr txBox="1"/>
-          <p:nvPr/>
-        </p:nvSpPr>
-        <p:spPr>
-          <a:xfrm>
-            <a:off x="4192054" y="33090"/>
-            <a:ext cx="3574220" cy="523220"/>
-          </a:xfrm>
-          <a:prstGeom prst="rect">
-            <a:avLst/>
-          </a:prstGeom>
-          <a:noFill/>
-        </p:spPr>
-        <p:txBody>
-          <a:bodyPr wrap="square" rtlCol="0">
-            <a:spAutoFit/>
-          </a:bodyPr>
-          <a:lstStyle/>
-          <a:p>
-            <a:pPr algn="ctr"/>
-            <a:r>
-              <a:rPr lang="en-US" sz="2800" u="sng" dirty="0"/>
-              <a:t>Simple Mass Fit 2016</a:t>
-            </a:r>
-          </a:p>
-        </p:txBody>
-      </p:sp>
-      <p:sp>
-        <p:nvSpPr>
           <p:cNvPr id="5" name="Slide Number Placeholder 4">
             <a:extLst>
               <a:ext uri="{FF2B5EF4-FFF2-40B4-BE49-F238E27FC236}">
@@ -10268,9 +10166,397 @@
           <a:bodyPr/>
           <a:lstStyle/>
           <a:p>
+            <a:fld id="{01554C39-4607-164F-AA23-65A72270ACF7}" type="datetime1">
+              <a:rPr lang="en-US" smtClean="0"/>
+              <a:t>9/2/20</a:t>
+            </a:fld>
+            <a:endParaRPr lang="en-US" dirty="0"/>
+          </a:p>
+        </p:txBody>
+      </p:sp>
+      <p:pic>
+        <p:nvPicPr>
+          <p:cNvPr id="6" name="Picture 5">
+            <a:extLst>
+              <a:ext uri="{FF2B5EF4-FFF2-40B4-BE49-F238E27FC236}">
+                <a16:creationId xmlns:a16="http://schemas.microsoft.com/office/drawing/2014/main" id="{173E7B06-3697-AE4C-AB0C-701E817290C7}"/>
+              </a:ext>
+            </a:extLst>
+          </p:cNvPr>
+          <p:cNvPicPr>
+            <a:picLocks noChangeAspect="1"/>
+          </p:cNvPicPr>
+          <p:nvPr/>
+        </p:nvPicPr>
+        <p:blipFill>
+          <a:blip r:embed="rId2"/>
+          <a:stretch>
+            <a:fillRect/>
+          </a:stretch>
+        </p:blipFill>
+        <p:spPr>
+          <a:xfrm rot="5400000">
+            <a:off x="553106" y="701201"/>
+            <a:ext cx="5059680" cy="5976747"/>
+          </a:xfrm>
+          <a:prstGeom prst="rect">
+            <a:avLst/>
+          </a:prstGeom>
+        </p:spPr>
+      </p:pic>
+      <p:sp>
+        <p:nvSpPr>
+          <p:cNvPr id="12" name="TextBox 11">
+            <a:extLst>
+              <a:ext uri="{FF2B5EF4-FFF2-40B4-BE49-F238E27FC236}">
+                <a16:creationId xmlns:a16="http://schemas.microsoft.com/office/drawing/2014/main" id="{46C41145-4258-4F4A-9A64-EE16E79B5FCD}"/>
+              </a:ext>
+            </a:extLst>
+          </p:cNvPr>
+          <p:cNvSpPr txBox="1"/>
+          <p:nvPr/>
+        </p:nvSpPr>
+        <p:spPr>
+          <a:xfrm>
+            <a:off x="504044" y="33090"/>
+            <a:ext cx="10940340" cy="523220"/>
+          </a:xfrm>
+          <a:prstGeom prst="rect">
+            <a:avLst/>
+          </a:prstGeom>
+          <a:noFill/>
+        </p:spPr>
+        <p:txBody>
+          <a:bodyPr wrap="square" rtlCol="0">
+            <a:spAutoFit/>
+          </a:bodyPr>
+          <a:lstStyle/>
+          <a:p>
+            <a:pPr algn="ctr"/>
+            <a:r>
+              <a:rPr lang="en-US" sz="2800" u="sng" dirty="0"/>
+              <a:t>Contamination Plots Medium WP (CR, SR) </a:t>
+            </a:r>
+            <a:r>
+              <a:rPr lang="en-US" sz="2800" u="sng" dirty="0">
+                <a:solidFill>
+                  <a:srgbClr val="00B050"/>
+                </a:solidFill>
+              </a:rPr>
+              <a:t>2018</a:t>
+            </a:r>
+          </a:p>
+        </p:txBody>
+      </p:sp>
+      <p:pic>
+        <p:nvPicPr>
+          <p:cNvPr id="9" name="Picture 8">
+            <a:extLst>
+              <a:ext uri="{FF2B5EF4-FFF2-40B4-BE49-F238E27FC236}">
+                <a16:creationId xmlns:a16="http://schemas.microsoft.com/office/drawing/2014/main" id="{8EFE10B5-FF1D-714E-9C4C-B13187B81118}"/>
+              </a:ext>
+            </a:extLst>
+          </p:cNvPr>
+          <p:cNvPicPr>
+            <a:picLocks noChangeAspect="1"/>
+          </p:cNvPicPr>
+          <p:nvPr/>
+        </p:nvPicPr>
+        <p:blipFill>
+          <a:blip r:embed="rId3"/>
+          <a:stretch>
+            <a:fillRect/>
+          </a:stretch>
+        </p:blipFill>
+        <p:spPr>
+          <a:xfrm rot="5400000">
+            <a:off x="6529853" y="701201"/>
+            <a:ext cx="5059680" cy="5976747"/>
+          </a:xfrm>
+          <a:prstGeom prst="rect">
+            <a:avLst/>
+          </a:prstGeom>
+        </p:spPr>
+      </p:pic>
+      <p:sp>
+        <p:nvSpPr>
+          <p:cNvPr id="15" name="Rectangle 14">
+            <a:extLst>
+              <a:ext uri="{FF2B5EF4-FFF2-40B4-BE49-F238E27FC236}">
+                <a16:creationId xmlns:a16="http://schemas.microsoft.com/office/drawing/2014/main" id="{B28725BA-6441-C648-866D-23035D5DEE01}"/>
+              </a:ext>
+            </a:extLst>
+          </p:cNvPr>
+          <p:cNvSpPr/>
+          <p:nvPr/>
+        </p:nvSpPr>
+        <p:spPr>
+          <a:xfrm>
+            <a:off x="7939701" y="638586"/>
+            <a:ext cx="2289346" cy="369332"/>
+          </a:xfrm>
+          <a:prstGeom prst="rect">
+            <a:avLst/>
+          </a:prstGeom>
+        </p:spPr>
+        <p:txBody>
+          <a:bodyPr wrap="none">
+            <a:spAutoFit/>
+          </a:bodyPr>
+          <a:lstStyle/>
+          <a:p>
+            <a:pPr algn="ctr"/>
+            <a:r>
+              <a:rPr lang="en-US" u="sng" dirty="0"/>
+              <a:t>without b tagging SF’s </a:t>
+            </a:r>
+          </a:p>
+        </p:txBody>
+      </p:sp>
+      <p:sp>
+        <p:nvSpPr>
+          <p:cNvPr id="16" name="Rectangle 15">
+            <a:extLst>
+              <a:ext uri="{FF2B5EF4-FFF2-40B4-BE49-F238E27FC236}">
+                <a16:creationId xmlns:a16="http://schemas.microsoft.com/office/drawing/2014/main" id="{3BBC843C-A1A9-6242-8D33-7997436DC12D}"/>
+              </a:ext>
+            </a:extLst>
+          </p:cNvPr>
+          <p:cNvSpPr/>
+          <p:nvPr/>
+        </p:nvSpPr>
+        <p:spPr>
+          <a:xfrm>
+            <a:off x="2333415" y="638586"/>
+            <a:ext cx="1499065" cy="369332"/>
+          </a:xfrm>
+          <a:prstGeom prst="rect">
+            <a:avLst/>
+          </a:prstGeom>
+        </p:spPr>
+        <p:txBody>
+          <a:bodyPr wrap="none">
+            <a:spAutoFit/>
+          </a:bodyPr>
+          <a:lstStyle/>
+          <a:p>
+            <a:pPr algn="ctr"/>
+            <a:r>
+              <a:rPr lang="en-US" u="sng" dirty="0"/>
+              <a:t>b tagging SF’s </a:t>
+            </a:r>
+          </a:p>
+        </p:txBody>
+      </p:sp>
+      <p:sp>
+        <p:nvSpPr>
+          <p:cNvPr id="2" name="Rectangle 1">
+            <a:extLst>
+              <a:ext uri="{FF2B5EF4-FFF2-40B4-BE49-F238E27FC236}">
+                <a16:creationId xmlns:a16="http://schemas.microsoft.com/office/drawing/2014/main" id="{DAC4A140-55F8-4E44-821A-24FF2D2E8016}"/>
+              </a:ext>
+            </a:extLst>
+          </p:cNvPr>
+          <p:cNvSpPr/>
+          <p:nvPr/>
+        </p:nvSpPr>
+        <p:spPr>
+          <a:xfrm>
+            <a:off x="1608667" y="762000"/>
+            <a:ext cx="8991600" cy="4944533"/>
+          </a:xfrm>
+          <a:prstGeom prst="rect">
+            <a:avLst/>
+          </a:prstGeom>
+        </p:spPr>
+        <p:style>
+          <a:lnRef idx="2">
+            <a:schemeClr val="accent1">
+              <a:shade val="50000"/>
+            </a:schemeClr>
+          </a:lnRef>
+          <a:fillRef idx="1">
+            <a:schemeClr val="accent1"/>
+          </a:fillRef>
+          <a:effectRef idx="0">
+            <a:schemeClr val="accent1"/>
+          </a:effectRef>
+          <a:fontRef idx="minor">
+            <a:schemeClr val="lt1"/>
+          </a:fontRef>
+        </p:style>
+        <p:txBody>
+          <a:bodyPr rtlCol="0" anchor="ctr"/>
+          <a:lstStyle/>
+          <a:p>
+            <a:pPr algn="ctr"/>
+            <a:r>
+              <a:rPr lang="en-GR" u="sng" dirty="0"/>
+              <a:t>Comment</a:t>
+            </a:r>
+          </a:p>
+          <a:p>
+            <a:pPr algn="ctr"/>
+            <a:endParaRPr lang="en-GR" u="sng" dirty="0"/>
+          </a:p>
+          <a:p>
+            <a:pPr algn="ctr"/>
+            <a:r>
+              <a:rPr lang="en-GR" dirty="0"/>
+              <a:t>Shapes and in general contamination is </a:t>
+            </a:r>
+            <a:r>
+              <a:rPr lang="en-GR" u="sng" dirty="0"/>
+              <a:t>NOT</a:t>
+            </a:r>
+            <a:r>
+              <a:rPr lang="en-GR" dirty="0"/>
+              <a:t> affected by btagging by Scale factors</a:t>
+            </a:r>
+          </a:p>
+        </p:txBody>
+      </p:sp>
+    </p:spTree>
+    <p:extLst>
+      <p:ext uri="{BB962C8B-B14F-4D97-AF65-F5344CB8AC3E}">
+        <p14:creationId xmlns:p14="http://schemas.microsoft.com/office/powerpoint/2010/main" val="2554060975"/>
+      </p:ext>
+    </p:extLst>
+  </p:cSld>
+  <p:clrMapOvr>
+    <a:masterClrMapping/>
+  </p:clrMapOvr>
+</p:sld>
+</file>
+
+<file path=ppt/slides/slide19.xml><?xml version="1.0" encoding="utf-8"?>
+<p:sld xmlns:a="http://schemas.openxmlformats.org/drawingml/2006/main" xmlns:r="http://schemas.openxmlformats.org/officeDocument/2006/relationships" xmlns:p="http://schemas.openxmlformats.org/presentationml/2006/main">
+  <p:cSld>
+    <p:spTree>
+      <p:nvGrpSpPr>
+        <p:cNvPr id="1" name=""/>
+        <p:cNvGrpSpPr/>
+        <p:nvPr/>
+      </p:nvGrpSpPr>
+      <p:grpSpPr>
+        <a:xfrm>
+          <a:off x="0" y="0"/>
+          <a:ext cx="0" cy="0"/>
+          <a:chOff x="0" y="0"/>
+          <a:chExt cx="0" cy="0"/>
+        </a:xfrm>
+      </p:grpSpPr>
+      <p:sp>
+        <p:nvSpPr>
+          <p:cNvPr id="3" name="Footer Placeholder 2"/>
+          <p:cNvSpPr>
+            <a:spLocks noGrp="1"/>
+          </p:cNvSpPr>
+          <p:nvPr>
+            <p:ph type="ftr" sz="quarter" idx="11"/>
+          </p:nvPr>
+        </p:nvSpPr>
+        <p:spPr/>
+        <p:txBody>
+          <a:bodyPr/>
+          <a:lstStyle/>
+          <a:p>
+            <a:r>
+              <a:rPr lang="fi-FI" dirty="0"/>
+              <a:t>NTUA G. </a:t>
+            </a:r>
+            <a:r>
+              <a:rPr lang="fi-FI" dirty="0" err="1"/>
+              <a:t>Bakas</a:t>
+            </a:r>
+            <a:endParaRPr lang="en-US" dirty="0"/>
+          </a:p>
+        </p:txBody>
+      </p:sp>
+      <p:sp>
+        <p:nvSpPr>
+          <p:cNvPr id="7" name="TextBox 6"/>
+          <p:cNvSpPr txBox="1"/>
+          <p:nvPr/>
+        </p:nvSpPr>
+        <p:spPr>
+          <a:xfrm>
+            <a:off x="4192054" y="33090"/>
+            <a:ext cx="3574220" cy="523220"/>
+          </a:xfrm>
+          <a:prstGeom prst="rect">
+            <a:avLst/>
+          </a:prstGeom>
+          <a:noFill/>
+        </p:spPr>
+        <p:txBody>
+          <a:bodyPr wrap="square" rtlCol="0">
+            <a:spAutoFit/>
+          </a:bodyPr>
+          <a:lstStyle/>
+          <a:p>
+            <a:pPr algn="ctr"/>
+            <a:r>
+              <a:rPr lang="en-US" sz="2800" u="sng" dirty="0"/>
+              <a:t>Simple Mass Fit 2016</a:t>
+            </a:r>
+          </a:p>
+        </p:txBody>
+      </p:sp>
+      <p:sp>
+        <p:nvSpPr>
+          <p:cNvPr id="5" name="Slide Number Placeholder 4">
+            <a:extLst>
+              <a:ext uri="{FF2B5EF4-FFF2-40B4-BE49-F238E27FC236}">
+                <a16:creationId xmlns:a16="http://schemas.microsoft.com/office/drawing/2014/main" id="{69A96869-DB60-5345-ACD9-F1C41035B064}"/>
+              </a:ext>
+            </a:extLst>
+          </p:cNvPr>
+          <p:cNvSpPr>
+            <a:spLocks noGrp="1"/>
+          </p:cNvSpPr>
+          <p:nvPr>
+            <p:ph type="sldNum" sz="quarter" idx="12"/>
+          </p:nvPr>
+        </p:nvSpPr>
+        <p:spPr/>
+        <p:txBody>
+          <a:bodyPr/>
+          <a:lstStyle/>
+          <a:p>
+            <a:fld id="{4FAB73BC-B049-4115-A692-8D63A059BFB8}" type="slidenum">
+              <a:rPr lang="en-US" smtClean="0"/>
+              <a:pPr/>
+              <a:t>19</a:t>
+            </a:fld>
+            <a:endParaRPr lang="en-US" dirty="0"/>
+          </a:p>
+        </p:txBody>
+      </p:sp>
+      <p:sp>
+        <p:nvSpPr>
+          <p:cNvPr id="24" name="Date Placeholder 23">
+            <a:extLst>
+              <a:ext uri="{FF2B5EF4-FFF2-40B4-BE49-F238E27FC236}">
+                <a16:creationId xmlns:a16="http://schemas.microsoft.com/office/drawing/2014/main" id="{056D71EF-2E89-4043-8F92-90A4D46A3E69}"/>
+              </a:ext>
+            </a:extLst>
+          </p:cNvPr>
+          <p:cNvSpPr>
+            <a:spLocks noGrp="1"/>
+          </p:cNvSpPr>
+          <p:nvPr>
+            <p:ph type="dt" sz="half" idx="10"/>
+          </p:nvPr>
+        </p:nvSpPr>
+        <p:spPr/>
+        <p:txBody>
+          <a:bodyPr/>
+          <a:lstStyle/>
+          <a:p>
             <a:fld id="{D52D66B2-0E0A-F441-A1DA-8039F615D612}" type="datetime1">
               <a:rPr lang="en-US" smtClean="0"/>
-              <a:t>9/1/20</a:t>
+              <a:t>9/2/20</a:t>
             </a:fld>
             <a:endParaRPr lang="en-US" dirty="0"/>
           </a:p>
@@ -11216,7 +11502,7 @@
                 </a:solidFill>
                 <a:latin typeface="Menlo" panose="020B0609030804020204" pitchFamily="49" charset="0"/>
               </a:rPr>
-              <a:t>Signal strength: r = 0.686668 ± 0.0263103</a:t>
+              <a:t>Signal strength: r = 0.686668 ± 0.0263103 (new)</a:t>
             </a:r>
           </a:p>
           <a:p>
@@ -11233,591 +11519,6 @@
     <p:extLst>
       <p:ext uri="{BB962C8B-B14F-4D97-AF65-F5344CB8AC3E}">
         <p14:creationId xmlns:p14="http://schemas.microsoft.com/office/powerpoint/2010/main" val="373171705"/>
-      </p:ext>
-    </p:extLst>
-  </p:cSld>
-  <p:clrMapOvr>
-    <a:masterClrMapping/>
-  </p:clrMapOvr>
-</p:sld>
-</file>
-
-<file path=ppt/slides/slide19.xml><?xml version="1.0" encoding="utf-8"?>
-<p:sld xmlns:a="http://schemas.openxmlformats.org/drawingml/2006/main" xmlns:r="http://schemas.openxmlformats.org/officeDocument/2006/relationships" xmlns:p="http://schemas.openxmlformats.org/presentationml/2006/main">
-  <p:cSld>
-    <p:spTree>
-      <p:nvGrpSpPr>
-        <p:cNvPr id="1" name=""/>
-        <p:cNvGrpSpPr/>
-        <p:nvPr/>
-      </p:nvGrpSpPr>
-      <p:grpSpPr>
-        <a:xfrm>
-          <a:off x="0" y="0"/>
-          <a:ext cx="0" cy="0"/>
-          <a:chOff x="0" y="0"/>
-          <a:chExt cx="0" cy="0"/>
-        </a:xfrm>
-      </p:grpSpPr>
-      <p:sp>
-        <p:nvSpPr>
-          <p:cNvPr id="3" name="Footer Placeholder 2"/>
-          <p:cNvSpPr>
-            <a:spLocks noGrp="1"/>
-          </p:cNvSpPr>
-          <p:nvPr>
-            <p:ph type="ftr" sz="quarter" idx="11"/>
-          </p:nvPr>
-        </p:nvSpPr>
-        <p:spPr/>
-        <p:txBody>
-          <a:bodyPr/>
-          <a:lstStyle/>
-          <a:p>
-            <a:r>
-              <a:rPr lang="fi-FI" dirty="0"/>
-              <a:t>NTUA G. </a:t>
-            </a:r>
-            <a:r>
-              <a:rPr lang="fi-FI" dirty="0" err="1"/>
-              <a:t>Bakas</a:t>
-            </a:r>
-            <a:endParaRPr lang="en-US" dirty="0"/>
-          </a:p>
-        </p:txBody>
-      </p:sp>
-      <p:sp>
-        <p:nvSpPr>
-          <p:cNvPr id="7" name="TextBox 6"/>
-          <p:cNvSpPr txBox="1"/>
-          <p:nvPr/>
-        </p:nvSpPr>
-        <p:spPr>
-          <a:xfrm>
-            <a:off x="4192054" y="33090"/>
-            <a:ext cx="3574220" cy="523220"/>
-          </a:xfrm>
-          <a:prstGeom prst="rect">
-            <a:avLst/>
-          </a:prstGeom>
-          <a:noFill/>
-        </p:spPr>
-        <p:txBody>
-          <a:bodyPr wrap="square" rtlCol="0">
-            <a:spAutoFit/>
-          </a:bodyPr>
-          <a:lstStyle/>
-          <a:p>
-            <a:pPr algn="ctr"/>
-            <a:r>
-              <a:rPr lang="en-US" sz="2800" u="sng" dirty="0"/>
-              <a:t>Simple Mass Fit 2017</a:t>
-            </a:r>
-          </a:p>
-        </p:txBody>
-      </p:sp>
-      <p:sp>
-        <p:nvSpPr>
-          <p:cNvPr id="5" name="Slide Number Placeholder 4">
-            <a:extLst>
-              <a:ext uri="{FF2B5EF4-FFF2-40B4-BE49-F238E27FC236}">
-                <a16:creationId xmlns:a16="http://schemas.microsoft.com/office/drawing/2014/main" id="{69A96869-DB60-5345-ACD9-F1C41035B064}"/>
-              </a:ext>
-            </a:extLst>
-          </p:cNvPr>
-          <p:cNvSpPr>
-            <a:spLocks noGrp="1"/>
-          </p:cNvSpPr>
-          <p:nvPr>
-            <p:ph type="sldNum" sz="quarter" idx="12"/>
-          </p:nvPr>
-        </p:nvSpPr>
-        <p:spPr/>
-        <p:txBody>
-          <a:bodyPr/>
-          <a:lstStyle/>
-          <a:p>
-            <a:fld id="{4FAB73BC-B049-4115-A692-8D63A059BFB8}" type="slidenum">
-              <a:rPr lang="en-US" smtClean="0"/>
-              <a:pPr/>
-              <a:t>19</a:t>
-            </a:fld>
-            <a:endParaRPr lang="en-US" dirty="0"/>
-          </a:p>
-        </p:txBody>
-      </p:sp>
-      <p:sp>
-        <p:nvSpPr>
-          <p:cNvPr id="24" name="Date Placeholder 23">
-            <a:extLst>
-              <a:ext uri="{FF2B5EF4-FFF2-40B4-BE49-F238E27FC236}">
-                <a16:creationId xmlns:a16="http://schemas.microsoft.com/office/drawing/2014/main" id="{056D71EF-2E89-4043-8F92-90A4D46A3E69}"/>
-              </a:ext>
-            </a:extLst>
-          </p:cNvPr>
-          <p:cNvSpPr>
-            <a:spLocks noGrp="1"/>
-          </p:cNvSpPr>
-          <p:nvPr>
-            <p:ph type="dt" sz="half" idx="10"/>
-          </p:nvPr>
-        </p:nvSpPr>
-        <p:spPr/>
-        <p:txBody>
-          <a:bodyPr/>
-          <a:lstStyle/>
-          <a:p>
-            <a:fld id="{18FD8BA5-77B4-654F-B2FF-4855A5BA42B8}" type="datetime1">
-              <a:rPr lang="en-US" smtClean="0"/>
-              <a:t>9/1/20</a:t>
-            </a:fld>
-            <a:endParaRPr lang="en-US" dirty="0"/>
-          </a:p>
-        </p:txBody>
-      </p:sp>
-      <p:pic>
-        <p:nvPicPr>
-          <p:cNvPr id="9" name="Picture 8">
-            <a:extLst>
-              <a:ext uri="{FF2B5EF4-FFF2-40B4-BE49-F238E27FC236}">
-                <a16:creationId xmlns:a16="http://schemas.microsoft.com/office/drawing/2014/main" id="{F377390E-5433-CF42-858C-1C06C1BBC604}"/>
-              </a:ext>
-            </a:extLst>
-          </p:cNvPr>
-          <p:cNvPicPr>
-            <a:picLocks noChangeAspect="1"/>
-          </p:cNvPicPr>
-          <p:nvPr/>
-        </p:nvPicPr>
-        <p:blipFill>
-          <a:blip r:embed="rId2"/>
-          <a:stretch>
-            <a:fillRect/>
-          </a:stretch>
-        </p:blipFill>
-        <p:spPr>
-          <a:xfrm rot="5400000">
-            <a:off x="5896345" y="116585"/>
-            <a:ext cx="5631688" cy="6624828"/>
-          </a:xfrm>
-          <a:prstGeom prst="rect">
-            <a:avLst/>
-          </a:prstGeom>
-        </p:spPr>
-      </p:pic>
-      <p:sp>
-        <p:nvSpPr>
-          <p:cNvPr id="11" name="Rectangle 10">
-            <a:extLst>
-              <a:ext uri="{FF2B5EF4-FFF2-40B4-BE49-F238E27FC236}">
-                <a16:creationId xmlns:a16="http://schemas.microsoft.com/office/drawing/2014/main" id="{F0B29703-C48B-8E45-89BD-FD9C0BC501CB}"/>
-              </a:ext>
-            </a:extLst>
-          </p:cNvPr>
-          <p:cNvSpPr/>
-          <p:nvPr/>
-        </p:nvSpPr>
-        <p:spPr>
-          <a:xfrm>
-            <a:off x="0" y="889843"/>
-            <a:ext cx="6096000" cy="5078313"/>
-          </a:xfrm>
-          <a:prstGeom prst="rect">
-            <a:avLst/>
-          </a:prstGeom>
-        </p:spPr>
-        <p:txBody>
-          <a:bodyPr>
-            <a:spAutoFit/>
-          </a:bodyPr>
-          <a:lstStyle/>
-          <a:p>
-            <a:r>
-              <a:rPr lang="en-GB" sz="1200" b="1" u="sng" dirty="0">
-                <a:latin typeface="Helvetica" pitchFamily="2" charset="0"/>
-              </a:rPr>
-              <a:t>Without b tag SF:</a:t>
-            </a:r>
-          </a:p>
-          <a:p>
-            <a:r>
-              <a:rPr lang="en-GB" sz="1200" dirty="0">
-                <a:solidFill>
-                  <a:srgbClr val="000000"/>
-                </a:solidFill>
-                <a:latin typeface="Menlo" panose="020B0609030804020204" pitchFamily="49" charset="0"/>
-              </a:rPr>
-              <a:t>    Floating Parameter    </a:t>
-            </a:r>
-            <a:r>
-              <a:rPr lang="en-GB" sz="1200" dirty="0" err="1">
-                <a:solidFill>
-                  <a:srgbClr val="000000"/>
-                </a:solidFill>
-                <a:latin typeface="Menlo" panose="020B0609030804020204" pitchFamily="49" charset="0"/>
-              </a:rPr>
-              <a:t>FinalValue</a:t>
-            </a:r>
-            <a:r>
-              <a:rPr lang="en-GB" sz="1200" dirty="0">
-                <a:solidFill>
-                  <a:srgbClr val="000000"/>
-                </a:solidFill>
-                <a:latin typeface="Menlo" panose="020B0609030804020204" pitchFamily="49" charset="0"/>
-              </a:rPr>
-              <a:t> +/-  Error   </a:t>
-            </a:r>
-          </a:p>
-          <a:p>
-            <a:r>
-              <a:rPr lang="en-GB" sz="1200" dirty="0">
-                <a:solidFill>
-                  <a:srgbClr val="000000"/>
-                </a:solidFill>
-                <a:latin typeface="Menlo" panose="020B0609030804020204" pitchFamily="49" charset="0"/>
-              </a:rPr>
-              <a:t>  --------------------  --------------------------</a:t>
-            </a:r>
-          </a:p>
-          <a:p>
-            <a:r>
-              <a:rPr lang="en-GB" sz="1200" dirty="0">
-                <a:solidFill>
-                  <a:srgbClr val="000000"/>
-                </a:solidFill>
-                <a:latin typeface="Menlo" panose="020B0609030804020204" pitchFamily="49" charset="0"/>
-              </a:rPr>
-              <a:t>            </a:t>
-            </a:r>
-            <a:r>
-              <a:rPr lang="en-GB" sz="1200" dirty="0" err="1">
-                <a:solidFill>
-                  <a:srgbClr val="000000"/>
-                </a:solidFill>
-                <a:latin typeface="Menlo" panose="020B0609030804020204" pitchFamily="49" charset="0"/>
-              </a:rPr>
-              <a:t>kMassResol</a:t>
-            </a:r>
-            <a:r>
-              <a:rPr lang="en-GB" sz="1200" dirty="0">
-                <a:solidFill>
-                  <a:srgbClr val="000000"/>
-                </a:solidFill>
-                <a:latin typeface="Menlo" panose="020B0609030804020204" pitchFamily="49" charset="0"/>
-              </a:rPr>
-              <a:t>    1.0990e+00 +/-  4.05e-02</a:t>
-            </a:r>
-          </a:p>
-          <a:p>
-            <a:r>
-              <a:rPr lang="en-GB" sz="1200" dirty="0">
-                <a:solidFill>
-                  <a:srgbClr val="000000"/>
-                </a:solidFill>
-                <a:latin typeface="Menlo" panose="020B0609030804020204" pitchFamily="49" charset="0"/>
-              </a:rPr>
-              <a:t>            </a:t>
-            </a:r>
-            <a:r>
-              <a:rPr lang="en-GB" sz="1200" dirty="0" err="1">
-                <a:solidFill>
-                  <a:srgbClr val="000000"/>
-                </a:solidFill>
-                <a:latin typeface="Menlo" panose="020B0609030804020204" pitchFamily="49" charset="0"/>
-              </a:rPr>
-              <a:t>kMassScale</a:t>
-            </a:r>
-            <a:r>
-              <a:rPr lang="en-GB" sz="1200" dirty="0">
-                <a:solidFill>
-                  <a:srgbClr val="000000"/>
-                </a:solidFill>
-                <a:latin typeface="Menlo" panose="020B0609030804020204" pitchFamily="49" charset="0"/>
-              </a:rPr>
-              <a:t>    9.8328e-01 +/-  2.64e-03</a:t>
-            </a:r>
-          </a:p>
-          <a:p>
-            <a:r>
-              <a:rPr lang="en-GB" sz="1200" dirty="0">
-                <a:solidFill>
-                  <a:srgbClr val="000000"/>
-                </a:solidFill>
-                <a:latin typeface="Menlo" panose="020B0609030804020204" pitchFamily="49" charset="0"/>
-              </a:rPr>
-              <a:t>               kQCD_2b    1.6702e-02 +/-  7.79e-03</a:t>
-            </a:r>
-          </a:p>
-          <a:p>
-            <a:r>
-              <a:rPr lang="en-GB" sz="1200" dirty="0">
-                <a:solidFill>
-                  <a:srgbClr val="000000"/>
-                </a:solidFill>
-                <a:latin typeface="Menlo" panose="020B0609030804020204" pitchFamily="49" charset="0"/>
-              </a:rPr>
-              <a:t>            nFitBkg_2b    6.3994e+02 +/-  2.81e+02</a:t>
-            </a:r>
-          </a:p>
-          <a:p>
-            <a:r>
-              <a:rPr lang="en-GB" sz="1200" dirty="0">
-                <a:solidFill>
-                  <a:srgbClr val="000000"/>
-                </a:solidFill>
-                <a:latin typeface="Menlo" panose="020B0609030804020204" pitchFamily="49" charset="0"/>
-              </a:rPr>
-              <a:t>            nFitQCD_2b    2.0219e+03 +/-  3.23e+02</a:t>
-            </a:r>
-          </a:p>
-          <a:p>
-            <a:r>
-              <a:rPr lang="en-GB" sz="1200" dirty="0">
-                <a:solidFill>
-                  <a:srgbClr val="000000"/>
-                </a:solidFill>
-                <a:latin typeface="Menlo" panose="020B0609030804020204" pitchFamily="49" charset="0"/>
-              </a:rPr>
-              <a:t>             nFitSig2b    4.8080e+03 +/-  1.51e+02</a:t>
-            </a:r>
-          </a:p>
-          <a:p>
-            <a:br>
-              <a:rPr lang="en-GB" sz="1200" dirty="0">
-                <a:solidFill>
-                  <a:srgbClr val="000000"/>
-                </a:solidFill>
-                <a:latin typeface="Menlo" panose="020B0609030804020204" pitchFamily="49" charset="0"/>
-              </a:rPr>
-            </a:br>
-            <a:endParaRPr lang="en-GB" sz="1200" dirty="0">
-              <a:solidFill>
-                <a:srgbClr val="000000"/>
-              </a:solidFill>
-              <a:latin typeface="Menlo" panose="020B0609030804020204" pitchFamily="49" charset="0"/>
-            </a:endParaRPr>
-          </a:p>
-          <a:p>
-            <a:r>
-              <a:rPr lang="en-GB" sz="1200" dirty="0">
-                <a:solidFill>
-                  <a:srgbClr val="FF0000"/>
-                </a:solidFill>
-                <a:latin typeface="Menlo" panose="020B0609030804020204" pitchFamily="49" charset="0"/>
-              </a:rPr>
-              <a:t>Signal strength: r = 0.553099 ± 0.0198563 (old)</a:t>
-            </a:r>
-          </a:p>
-          <a:p>
-            <a:br>
-              <a:rPr lang="en-GB" sz="1200" dirty="0">
-                <a:solidFill>
-                  <a:srgbClr val="000000"/>
-                </a:solidFill>
-                <a:latin typeface="Menlo" panose="020B0609030804020204" pitchFamily="49" charset="0"/>
-              </a:rPr>
-            </a:br>
-            <a:endParaRPr lang="en-GB" sz="1200" dirty="0">
-              <a:solidFill>
-                <a:srgbClr val="000000"/>
-              </a:solidFill>
-              <a:latin typeface="Menlo" panose="020B0609030804020204" pitchFamily="49" charset="0"/>
-            </a:endParaRPr>
-          </a:p>
-          <a:p>
-            <a:r>
-              <a:rPr lang="en-GB" sz="1200" b="1" u="sng" dirty="0">
-                <a:solidFill>
-                  <a:srgbClr val="000000"/>
-                </a:solidFill>
-                <a:latin typeface="Menlo" panose="020B0609030804020204" pitchFamily="49" charset="0"/>
-              </a:rPr>
-              <a:t>With b tag SF:</a:t>
-            </a:r>
-          </a:p>
-          <a:p>
-            <a:endParaRPr lang="en-GB" sz="1200" dirty="0">
-              <a:solidFill>
-                <a:srgbClr val="000000"/>
-              </a:solidFill>
-              <a:latin typeface="Menlo" panose="020B0609030804020204" pitchFamily="49" charset="0"/>
-            </a:endParaRPr>
-          </a:p>
-          <a:p>
-            <a:r>
-              <a:rPr lang="en-GB" sz="1200" dirty="0">
-                <a:solidFill>
-                  <a:srgbClr val="000000"/>
-                </a:solidFill>
-                <a:latin typeface="Menlo" panose="020B0609030804020204" pitchFamily="49" charset="0"/>
-              </a:rPr>
-              <a:t>    Floating Parameter    </a:t>
-            </a:r>
-            <a:r>
-              <a:rPr lang="en-GB" sz="1200" dirty="0" err="1">
-                <a:solidFill>
-                  <a:srgbClr val="000000"/>
-                </a:solidFill>
-                <a:latin typeface="Menlo" panose="020B0609030804020204" pitchFamily="49" charset="0"/>
-              </a:rPr>
-              <a:t>FinalValue</a:t>
-            </a:r>
-            <a:r>
-              <a:rPr lang="en-GB" sz="1200" dirty="0">
-                <a:solidFill>
-                  <a:srgbClr val="000000"/>
-                </a:solidFill>
-                <a:latin typeface="Menlo" panose="020B0609030804020204" pitchFamily="49" charset="0"/>
-              </a:rPr>
-              <a:t> +/-  Error   </a:t>
-            </a:r>
-          </a:p>
-          <a:p>
-            <a:r>
-              <a:rPr lang="en-GB" sz="1200" dirty="0">
-                <a:solidFill>
-                  <a:srgbClr val="000000"/>
-                </a:solidFill>
-                <a:latin typeface="Menlo" panose="020B0609030804020204" pitchFamily="49" charset="0"/>
-              </a:rPr>
-              <a:t>  --------------------  --------------------------</a:t>
-            </a:r>
-          </a:p>
-          <a:p>
-            <a:r>
-              <a:rPr lang="en-GB" sz="1200" dirty="0">
-                <a:solidFill>
-                  <a:srgbClr val="000000"/>
-                </a:solidFill>
-                <a:latin typeface="Menlo" panose="020B0609030804020204" pitchFamily="49" charset="0"/>
-              </a:rPr>
-              <a:t>            </a:t>
-            </a:r>
-            <a:r>
-              <a:rPr lang="en-GB" sz="1200" dirty="0" err="1">
-                <a:solidFill>
-                  <a:srgbClr val="000000"/>
-                </a:solidFill>
-                <a:latin typeface="Menlo" panose="020B0609030804020204" pitchFamily="49" charset="0"/>
-              </a:rPr>
-              <a:t>kMassResol</a:t>
-            </a:r>
-            <a:r>
-              <a:rPr lang="en-GB" sz="1200" dirty="0">
-                <a:solidFill>
-                  <a:srgbClr val="000000"/>
-                </a:solidFill>
-                <a:latin typeface="Menlo" panose="020B0609030804020204" pitchFamily="49" charset="0"/>
-              </a:rPr>
-              <a:t>    1.0998e+00 +/-  4.02e-02</a:t>
-            </a:r>
-          </a:p>
-          <a:p>
-            <a:r>
-              <a:rPr lang="en-GB" sz="1200" dirty="0">
-                <a:solidFill>
-                  <a:srgbClr val="000000"/>
-                </a:solidFill>
-                <a:latin typeface="Menlo" panose="020B0609030804020204" pitchFamily="49" charset="0"/>
-              </a:rPr>
-              <a:t>            </a:t>
-            </a:r>
-            <a:r>
-              <a:rPr lang="en-GB" sz="1200" dirty="0" err="1">
-                <a:solidFill>
-                  <a:srgbClr val="000000"/>
-                </a:solidFill>
-                <a:latin typeface="Menlo" panose="020B0609030804020204" pitchFamily="49" charset="0"/>
-              </a:rPr>
-              <a:t>kMassScale</a:t>
-            </a:r>
-            <a:r>
-              <a:rPr lang="en-GB" sz="1200" dirty="0">
-                <a:solidFill>
-                  <a:srgbClr val="000000"/>
-                </a:solidFill>
-                <a:latin typeface="Menlo" panose="020B0609030804020204" pitchFamily="49" charset="0"/>
-              </a:rPr>
-              <a:t>    9.8340e-01 +/-  2.66e-03</a:t>
-            </a:r>
-          </a:p>
-          <a:p>
-            <a:r>
-              <a:rPr lang="en-GB" sz="1200" dirty="0">
-                <a:solidFill>
-                  <a:srgbClr val="000000"/>
-                </a:solidFill>
-                <a:latin typeface="Menlo" panose="020B0609030804020204" pitchFamily="49" charset="0"/>
-              </a:rPr>
-              <a:t>               kQCD_2b    1.6593e-02 +/-  7.44e-03</a:t>
-            </a:r>
-          </a:p>
-          <a:p>
-            <a:r>
-              <a:rPr lang="en-GB" sz="1200" dirty="0">
-                <a:solidFill>
-                  <a:srgbClr val="000000"/>
-                </a:solidFill>
-                <a:latin typeface="Menlo" panose="020B0609030804020204" pitchFamily="49" charset="0"/>
-              </a:rPr>
-              <a:t>            nFitBkg_2b    4.9791e+02 +/-  2.68e+02</a:t>
-            </a:r>
-          </a:p>
-          <a:p>
-            <a:r>
-              <a:rPr lang="en-GB" sz="1200" dirty="0">
-                <a:solidFill>
-                  <a:srgbClr val="000000"/>
-                </a:solidFill>
-                <a:latin typeface="Menlo" panose="020B0609030804020204" pitchFamily="49" charset="0"/>
-              </a:rPr>
-              <a:t>            nFitQCD_2b    2.1662e+03 +/-  3.11e+02</a:t>
-            </a:r>
-          </a:p>
-          <a:p>
-            <a:r>
-              <a:rPr lang="en-GB" sz="1200" dirty="0">
-                <a:solidFill>
-                  <a:srgbClr val="000000"/>
-                </a:solidFill>
-                <a:latin typeface="Menlo" panose="020B0609030804020204" pitchFamily="49" charset="0"/>
-              </a:rPr>
-              <a:t>             nFitSig2b    4.8059e+03 +/-  1.50e+02</a:t>
-            </a:r>
-          </a:p>
-          <a:p>
-            <a:endParaRPr lang="en-GB" sz="1200" dirty="0">
-              <a:solidFill>
-                <a:srgbClr val="000000"/>
-              </a:solidFill>
-              <a:latin typeface="Menlo" panose="020B0609030804020204" pitchFamily="49" charset="0"/>
-            </a:endParaRPr>
-          </a:p>
-          <a:p>
-            <a:r>
-              <a:rPr lang="en-GB" sz="1200" b="1" u="sng" dirty="0">
-                <a:solidFill>
-                  <a:srgbClr val="FF0000"/>
-                </a:solidFill>
-                <a:latin typeface="Menlo" panose="020B0609030804020204" pitchFamily="49" charset="0"/>
-              </a:rPr>
-              <a:t>Signal strength: r = 0.644361 ± 0.023851 (new)</a:t>
-            </a:r>
-          </a:p>
-          <a:p>
-            <a:endParaRPr lang="en-GB" sz="1200" dirty="0">
-              <a:solidFill>
-                <a:srgbClr val="000000"/>
-              </a:solidFill>
-              <a:latin typeface="Menlo" panose="020B0609030804020204" pitchFamily="49" charset="0"/>
-            </a:endParaRPr>
-          </a:p>
-        </p:txBody>
-      </p:sp>
-    </p:spTree>
-    <p:extLst>
-      <p:ext uri="{BB962C8B-B14F-4D97-AF65-F5344CB8AC3E}">
-        <p14:creationId xmlns:p14="http://schemas.microsoft.com/office/powerpoint/2010/main" val="4292752366"/>
       </p:ext>
     </p:extLst>
   </p:cSld>
@@ -11861,7 +11562,7 @@
           <a:p>
             <a:fld id="{37E2C1DD-94AF-5B41-A54A-0C8426B7BC1A}" type="datetime1">
               <a:rPr lang="en-US" smtClean="0"/>
-              <a:t>9/1/20</a:t>
+              <a:t>9/2/20</a:t>
             </a:fld>
             <a:endParaRPr lang="en-US" dirty="0"/>
           </a:p>
@@ -12008,8 +11709,8 @@
         </p:nvSpPr>
         <p:spPr>
           <a:xfrm>
-            <a:off x="3276600" y="33090"/>
-            <a:ext cx="5638800" cy="523220"/>
+            <a:off x="4192054" y="33090"/>
+            <a:ext cx="3574220" cy="523220"/>
           </a:xfrm>
           <a:prstGeom prst="rect">
             <a:avLst/>
@@ -12025,7 +11726,7 @@
             <a:pPr algn="ctr"/>
             <a:r>
               <a:rPr lang="en-US" sz="2800" u="sng" dirty="0"/>
-              <a:t>Simple Mass Fit 2018</a:t>
+              <a:t>Simple Mass Fit 2017</a:t>
             </a:r>
           </a:p>
         </p:txBody>
@@ -12081,9 +11782,9 @@
           <a:bodyPr/>
           <a:lstStyle/>
           <a:p>
-            <a:fld id="{3DBB7BD0-9B8D-1F47-8ABF-BE3CF9BD2848}" type="datetime1">
+            <a:fld id="{18FD8BA5-77B4-654F-B2FF-4855A5BA42B8}" type="datetime1">
               <a:rPr lang="en-US" smtClean="0"/>
-              <a:t>9/1/20</a:t>
+              <a:t>9/2/20</a:t>
             </a:fld>
             <a:endParaRPr lang="en-US" dirty="0"/>
           </a:p>
@@ -12091,10 +11792,10 @@
       </p:sp>
       <p:pic>
         <p:nvPicPr>
-          <p:cNvPr id="8" name="Picture 7">
+          <p:cNvPr id="9" name="Picture 8">
             <a:extLst>
               <a:ext uri="{FF2B5EF4-FFF2-40B4-BE49-F238E27FC236}">
-                <a16:creationId xmlns:a16="http://schemas.microsoft.com/office/drawing/2014/main" id="{D60D9A3E-CD51-7A4B-85D1-831729E09BCC}"/>
+                <a16:creationId xmlns:a16="http://schemas.microsoft.com/office/drawing/2014/main" id="{F377390E-5433-CF42-858C-1C06C1BBC604}"/>
               </a:ext>
             </a:extLst>
           </p:cNvPr>
@@ -12111,7 +11812,7 @@
         </p:blipFill>
         <p:spPr>
           <a:xfrm rot="5400000">
-            <a:off x="6031822" y="116586"/>
+            <a:off x="5896345" y="116585"/>
             <a:ext cx="5631688" cy="6624828"/>
           </a:xfrm>
           <a:prstGeom prst="rect">
@@ -12121,10 +11822,10 @@
       </p:pic>
       <p:sp>
         <p:nvSpPr>
-          <p:cNvPr id="9" name="Rectangle 8">
+          <p:cNvPr id="11" name="Rectangle 10">
             <a:extLst>
               <a:ext uri="{FF2B5EF4-FFF2-40B4-BE49-F238E27FC236}">
-                <a16:creationId xmlns:a16="http://schemas.microsoft.com/office/drawing/2014/main" id="{0921E0ED-8A57-614A-8D75-A8D38E8F4811}"/>
+                <a16:creationId xmlns:a16="http://schemas.microsoft.com/office/drawing/2014/main" id="{F0B29703-C48B-8E45-89BD-FD9C0BC501CB}"/>
               </a:ext>
             </a:extLst>
           </p:cNvPr>
@@ -12133,7 +11834,7 @@
         </p:nvSpPr>
         <p:spPr>
           <a:xfrm>
-            <a:off x="31920" y="889843"/>
+            <a:off x="0" y="889843"/>
             <a:ext cx="6096000" cy="5078313"/>
           </a:xfrm>
           <a:prstGeom prst="rect">
@@ -12148,21 +11849,10 @@
           <a:p>
             <a:r>
               <a:rPr lang="en-GB" sz="1200" b="1" u="sng" dirty="0">
-                <a:solidFill>
-                  <a:srgbClr val="000000"/>
-                </a:solidFill>
-                <a:latin typeface="Menlo" panose="020B0609030804020204" pitchFamily="49" charset="0"/>
+                <a:latin typeface="Helvetica" pitchFamily="2" charset="0"/>
               </a:rPr>
               <a:t>Without b tag SF:</a:t>
             </a:r>
-          </a:p>
-          <a:p>
-            <a:endParaRPr lang="en-GB" sz="1200" b="1" u="sng" dirty="0">
-              <a:solidFill>
-                <a:srgbClr val="000000"/>
-              </a:solidFill>
-              <a:latin typeface="Menlo" panose="020B0609030804020204" pitchFamily="49" charset="0"/>
-            </a:endParaRPr>
           </a:p>
           <a:p>
             <a:r>
@@ -12230,7 +11920,7 @@
                 </a:solidFill>
                 <a:latin typeface="Menlo" panose="020B0609030804020204" pitchFamily="49" charset="0"/>
               </a:rPr>
-              <a:t>    1.0171e+00 +/-  2.87e-02</a:t>
+              <a:t>    1.0990e+00 +/-  4.05e-02</a:t>
             </a:r>
           </a:p>
           <a:p>
@@ -12259,7 +11949,7 @@
                 </a:solidFill>
                 <a:latin typeface="Menlo" panose="020B0609030804020204" pitchFamily="49" charset="0"/>
               </a:rPr>
-              <a:t>    9.8961e-01 +/-  1.92e-03</a:t>
+              <a:t>    9.8328e-01 +/-  2.64e-03</a:t>
             </a:r>
           </a:p>
           <a:p>
@@ -12270,7 +11960,7 @@
                 </a:solidFill>
                 <a:latin typeface="Menlo" panose="020B0609030804020204" pitchFamily="49" charset="0"/>
               </a:rPr>
-              <a:t>               kQCD_2b    1.3178e-02 +/-  3.01e-03</a:t>
+              <a:t>               kQCD_2b    1.6702e-02 +/-  7.79e-03</a:t>
             </a:r>
           </a:p>
           <a:p>
@@ -12281,7 +11971,7 @@
                 </a:solidFill>
                 <a:latin typeface="Menlo" panose="020B0609030804020204" pitchFamily="49" charset="0"/>
               </a:rPr>
-              <a:t>            nFitBkg_2b    3.0164e+02 +/-  2.73e+02</a:t>
+              <a:t>            nFitBkg_2b    6.3994e+02 +/-  2.81e+02</a:t>
             </a:r>
           </a:p>
           <a:p>
@@ -12292,7 +11982,7 @@
                 </a:solidFill>
                 <a:latin typeface="Menlo" panose="020B0609030804020204" pitchFamily="49" charset="0"/>
               </a:rPr>
-              <a:t>            nFitQCD_2b    4.7747e+03 +/-  3.04e+02</a:t>
+              <a:t>            nFitQCD_2b    2.0219e+03 +/-  3.23e+02</a:t>
             </a:r>
           </a:p>
           <a:p>
@@ -12303,7 +11993,7 @@
                 </a:solidFill>
                 <a:latin typeface="Menlo" panose="020B0609030804020204" pitchFamily="49" charset="0"/>
               </a:rPr>
-              <a:t>             nFitSig2b    7.7140e+03 +/-  1.85e+02</a:t>
+              <a:t>             nFitSig2b    4.8080e+03 +/-  1.51e+02</a:t>
             </a:r>
           </a:p>
           <a:p>
@@ -12326,14 +12016,22 @@
             <a:r>
               <a:rPr lang="en-GB" sz="1200" dirty="0">
                 <a:solidFill>
-                  <a:srgbClr val="00B050"/>
+                  <a:srgbClr val="FF0000"/>
                 </a:solidFill>
                 <a:latin typeface="Menlo" panose="020B0609030804020204" pitchFamily="49" charset="0"/>
               </a:rPr>
-              <a:t>Signal strength: r = 0.615816 ± 0.017298 (old)</a:t>
-            </a:r>
-          </a:p>
-          <a:p>
+              <a:t>Signal strength: r = 0.553099 ± 0.0198563 (old)</a:t>
+            </a:r>
+          </a:p>
+          <a:p>
+            <a:br>
+              <a:rPr lang="en-GB" sz="1200" dirty="0">
+                <a:solidFill>
+                  <a:srgbClr val="000000"/>
+                </a:solidFill>
+                <a:latin typeface="Menlo" panose="020B0609030804020204" pitchFamily="49" charset="0"/>
+              </a:rPr>
+            </a:br>
             <a:endParaRPr lang="en-GB" sz="1200" dirty="0">
               <a:solidFill>
                 <a:srgbClr val="000000"/>
@@ -12426,7 +12124,7 @@
                 </a:solidFill>
                 <a:latin typeface="Menlo" panose="020B0609030804020204" pitchFamily="49" charset="0"/>
               </a:rPr>
-              <a:t>    1.0156e+00 +/-  2.79e-02</a:t>
+              <a:t>    1.0998e+00 +/-  4.02e-02</a:t>
             </a:r>
           </a:p>
           <a:p>
@@ -12455,7 +12153,7 @@
                 </a:solidFill>
                 <a:latin typeface="Menlo" panose="020B0609030804020204" pitchFamily="49" charset="0"/>
               </a:rPr>
-              <a:t>    9.8998e-01 +/-  1.92e-03</a:t>
+              <a:t>    9.8340e-01 +/-  2.66e-03</a:t>
             </a:r>
           </a:p>
           <a:p>
@@ -12466,7 +12164,7 @@
                 </a:solidFill>
                 <a:latin typeface="Menlo" panose="020B0609030804020204" pitchFamily="49" charset="0"/>
               </a:rPr>
-              <a:t>               kQCD_2b    1.2365e-02 +/-  2.50e-03</a:t>
+              <a:t>               kQCD_2b    1.6593e-02 +/-  7.44e-03</a:t>
             </a:r>
           </a:p>
           <a:p>
@@ -12477,7 +12175,7 @@
                 </a:solidFill>
                 <a:latin typeface="Menlo" panose="020B0609030804020204" pitchFamily="49" charset="0"/>
               </a:rPr>
-              <a:t>            nFitBkg_2b    1.6612e+00 +/-  6.55e+03</a:t>
+              <a:t>            nFitBkg_2b    4.9791e+02 +/-  2.68e+02</a:t>
             </a:r>
           </a:p>
           <a:p>
@@ -12488,7 +12186,7 @@
                 </a:solidFill>
                 <a:latin typeface="Menlo" panose="020B0609030804020204" pitchFamily="49" charset="0"/>
               </a:rPr>
-              <a:t>            nFitQCD_2b    5.0843e+03 +/-  1.80e+02</a:t>
+              <a:t>            nFitQCD_2b    2.1662e+03 +/-  3.11e+02</a:t>
             </a:r>
           </a:p>
           <a:p>
@@ -12499,7 +12197,7 @@
                 </a:solidFill>
                 <a:latin typeface="Menlo" panose="020B0609030804020204" pitchFamily="49" charset="0"/>
               </a:rPr>
-              <a:t>             nFitSig2b    7.7041e+03 +/-  1.80e+02</a:t>
+              <a:t>             nFitSig2b    4.8059e+03 +/-  1.50e+02</a:t>
             </a:r>
           </a:p>
           <a:p>
@@ -12514,11 +12212,11 @@
             <a:r>
               <a:rPr lang="en-GB" sz="1200" b="1" u="sng" dirty="0">
                 <a:solidFill>
-                  <a:srgbClr val="00B050"/>
+                  <a:srgbClr val="FF0000"/>
                 </a:solidFill>
                 <a:latin typeface="Menlo" panose="020B0609030804020204" pitchFamily="49" charset="0"/>
               </a:rPr>
-              <a:t>Signal strength: r = 0.687217 ± 0.0194349</a:t>
+              <a:t>Signal strength: r = 0.644361 ± 0.023851 (new)</a:t>
             </a:r>
           </a:p>
           <a:p>
@@ -12534,7 +12232,7 @@
     </p:spTree>
     <p:extLst>
       <p:ext uri="{BB962C8B-B14F-4D97-AF65-F5344CB8AC3E}">
-        <p14:creationId xmlns:p14="http://schemas.microsoft.com/office/powerpoint/2010/main" val="1238493657"/>
+        <p14:creationId xmlns:p14="http://schemas.microsoft.com/office/powerpoint/2010/main" val="4292752366"/>
       </p:ext>
     </p:extLst>
   </p:cSld>
@@ -12613,15 +12311,7 @@
             <a:pPr algn="ctr"/>
             <a:r>
               <a:rPr lang="en-US" sz="2800" u="sng" dirty="0"/>
-              <a:t>Signal Extraction </a:t>
-            </a:r>
-            <a:r>
-              <a:rPr lang="en-US" sz="2800" u="sng" dirty="0">
-                <a:solidFill>
-                  <a:srgbClr val="00B0F0"/>
-                </a:solidFill>
-              </a:rPr>
-              <a:t>2016</a:t>
+              <a:t>Simple Mass Fit 2018</a:t>
             </a:r>
           </a:p>
         </p:txBody>
@@ -12679,88 +12369,18 @@
           <a:p>
             <a:fld id="{3DBB7BD0-9B8D-1F47-8ABF-BE3CF9BD2848}" type="datetime1">
               <a:rPr lang="en-US" smtClean="0"/>
-              <a:t>9/1/20</a:t>
+              <a:t>9/2/20</a:t>
             </a:fld>
             <a:endParaRPr lang="en-US" dirty="0"/>
           </a:p>
         </p:txBody>
       </p:sp>
-      <p:sp>
-        <p:nvSpPr>
-          <p:cNvPr id="10" name="Rectangle 9">
+      <p:pic>
+        <p:nvPicPr>
+          <p:cNvPr id="8" name="Picture 7">
             <a:extLst>
               <a:ext uri="{FF2B5EF4-FFF2-40B4-BE49-F238E27FC236}">
-                <a16:creationId xmlns:a16="http://schemas.microsoft.com/office/drawing/2014/main" id="{A1334FD7-6EF5-CD44-B073-2C85FC74BD62}"/>
-              </a:ext>
-            </a:extLst>
-          </p:cNvPr>
-          <p:cNvSpPr/>
-          <p:nvPr/>
-        </p:nvSpPr>
-        <p:spPr>
-          <a:xfrm>
-            <a:off x="7939701" y="638586"/>
-            <a:ext cx="2289346" cy="369332"/>
-          </a:xfrm>
-          <a:prstGeom prst="rect">
-            <a:avLst/>
-          </a:prstGeom>
-        </p:spPr>
-        <p:txBody>
-          <a:bodyPr wrap="none">
-            <a:spAutoFit/>
-          </a:bodyPr>
-          <a:lstStyle/>
-          <a:p>
-            <a:pPr algn="ctr"/>
-            <a:r>
-              <a:rPr lang="en-US" u="sng" dirty="0"/>
-              <a:t>without b tagging SF’s </a:t>
-            </a:r>
-          </a:p>
-        </p:txBody>
-      </p:sp>
-      <p:sp>
-        <p:nvSpPr>
-          <p:cNvPr id="11" name="Rectangle 10">
-            <a:extLst>
-              <a:ext uri="{FF2B5EF4-FFF2-40B4-BE49-F238E27FC236}">
-                <a16:creationId xmlns:a16="http://schemas.microsoft.com/office/drawing/2014/main" id="{0A4D987A-2F55-CC41-8B67-11ACEC81DE99}"/>
-              </a:ext>
-            </a:extLst>
-          </p:cNvPr>
-          <p:cNvSpPr/>
-          <p:nvPr/>
-        </p:nvSpPr>
-        <p:spPr>
-          <a:xfrm>
-            <a:off x="2333415" y="638586"/>
-            <a:ext cx="1499065" cy="369332"/>
-          </a:xfrm>
-          <a:prstGeom prst="rect">
-            <a:avLst/>
-          </a:prstGeom>
-        </p:spPr>
-        <p:txBody>
-          <a:bodyPr wrap="none">
-            <a:spAutoFit/>
-          </a:bodyPr>
-          <a:lstStyle/>
-          <a:p>
-            <a:pPr algn="ctr"/>
-            <a:r>
-              <a:rPr lang="en-US" u="sng" dirty="0"/>
-              <a:t>b tagging SF’s </a:t>
-            </a:r>
-          </a:p>
-        </p:txBody>
-      </p:sp>
-      <p:pic>
-        <p:nvPicPr>
-          <p:cNvPr id="14" name="Picture 13">
-            <a:extLst>
-              <a:ext uri="{FF2B5EF4-FFF2-40B4-BE49-F238E27FC236}">
-                <a16:creationId xmlns:a16="http://schemas.microsoft.com/office/drawing/2014/main" id="{70D1D2CE-30DA-B844-94F2-1CB98D3323B5}"/>
+                <a16:creationId xmlns:a16="http://schemas.microsoft.com/office/drawing/2014/main" id="{D60D9A3E-CD51-7A4B-85D1-831729E09BCC}"/>
               </a:ext>
             </a:extLst>
           </p:cNvPr>
@@ -12777,48 +12397,445 @@
         </p:blipFill>
         <p:spPr>
           <a:xfrm rot="5400000">
-            <a:off x="832739" y="672394"/>
-            <a:ext cx="4311269" cy="5976747"/>
+            <a:off x="6031822" y="116586"/>
+            <a:ext cx="5631688" cy="6624828"/>
           </a:xfrm>
           <a:prstGeom prst="rect">
             <a:avLst/>
           </a:prstGeom>
         </p:spPr>
       </p:pic>
-      <p:pic>
-        <p:nvPicPr>
-          <p:cNvPr id="16" name="Picture 15">
+      <p:sp>
+        <p:nvSpPr>
+          <p:cNvPr id="9" name="Rectangle 8">
             <a:extLst>
               <a:ext uri="{FF2B5EF4-FFF2-40B4-BE49-F238E27FC236}">
-                <a16:creationId xmlns:a16="http://schemas.microsoft.com/office/drawing/2014/main" id="{1A09988E-AECF-F349-A1E1-10249911EBD4}"/>
+                <a16:creationId xmlns:a16="http://schemas.microsoft.com/office/drawing/2014/main" id="{0921E0ED-8A57-614A-8D75-A8D38E8F4811}"/>
               </a:ext>
             </a:extLst>
           </p:cNvPr>
-          <p:cNvPicPr>
-            <a:picLocks noChangeAspect="1"/>
-          </p:cNvPicPr>
+          <p:cNvSpPr/>
           <p:nvPr/>
-        </p:nvPicPr>
-        <p:blipFill>
-          <a:blip r:embed="rId3"/>
-          <a:stretch>
-            <a:fillRect/>
-          </a:stretch>
-        </p:blipFill>
-        <p:spPr>
-          <a:xfrm rot="5400000">
-            <a:off x="6809486" y="658628"/>
-            <a:ext cx="4311269" cy="5976747"/>
+        </p:nvSpPr>
+        <p:spPr>
+          <a:xfrm>
+            <a:off x="31920" y="889843"/>
+            <a:ext cx="6096000" cy="5078313"/>
           </a:xfrm>
           <a:prstGeom prst="rect">
             <a:avLst/>
           </a:prstGeom>
         </p:spPr>
-      </p:pic>
+        <p:txBody>
+          <a:bodyPr>
+            <a:spAutoFit/>
+          </a:bodyPr>
+          <a:lstStyle/>
+          <a:p>
+            <a:r>
+              <a:rPr lang="en-GB" sz="1200" b="1" u="sng" dirty="0">
+                <a:solidFill>
+                  <a:srgbClr val="000000"/>
+                </a:solidFill>
+                <a:latin typeface="Menlo" panose="020B0609030804020204" pitchFamily="49" charset="0"/>
+              </a:rPr>
+              <a:t>Without b tag SF:</a:t>
+            </a:r>
+          </a:p>
+          <a:p>
+            <a:endParaRPr lang="en-GB" sz="1200" b="1" u="sng" dirty="0">
+              <a:solidFill>
+                <a:srgbClr val="000000"/>
+              </a:solidFill>
+              <a:latin typeface="Menlo" panose="020B0609030804020204" pitchFamily="49" charset="0"/>
+            </a:endParaRPr>
+          </a:p>
+          <a:p>
+            <a:r>
+              <a:rPr lang="en-GB" sz="1200" dirty="0">
+                <a:solidFill>
+                  <a:srgbClr val="000000"/>
+                </a:solidFill>
+                <a:latin typeface="Menlo" panose="020B0609030804020204" pitchFamily="49" charset="0"/>
+              </a:rPr>
+              <a:t>    Floating Parameter    </a:t>
+            </a:r>
+            <a:r>
+              <a:rPr lang="en-GB" sz="1200" dirty="0" err="1">
+                <a:solidFill>
+                  <a:srgbClr val="000000"/>
+                </a:solidFill>
+                <a:latin typeface="Menlo" panose="020B0609030804020204" pitchFamily="49" charset="0"/>
+              </a:rPr>
+              <a:t>FinalValue</a:t>
+            </a:r>
+            <a:r>
+              <a:rPr lang="en-GB" sz="1200" dirty="0">
+                <a:solidFill>
+                  <a:srgbClr val="000000"/>
+                </a:solidFill>
+                <a:latin typeface="Menlo" panose="020B0609030804020204" pitchFamily="49" charset="0"/>
+              </a:rPr>
+              <a:t> +/-  Error   </a:t>
+            </a:r>
+          </a:p>
+          <a:p>
+            <a:r>
+              <a:rPr lang="en-GB" sz="1200" dirty="0">
+                <a:solidFill>
+                  <a:srgbClr val="000000"/>
+                </a:solidFill>
+                <a:latin typeface="Menlo" panose="020B0609030804020204" pitchFamily="49" charset="0"/>
+              </a:rPr>
+              <a:t>  --------------------  --------------------------</a:t>
+            </a:r>
+          </a:p>
+          <a:p>
+            <a:r>
+              <a:rPr lang="en-GB" sz="1200" dirty="0">
+                <a:solidFill>
+                  <a:srgbClr val="000000"/>
+                </a:solidFill>
+                <a:latin typeface="Menlo" panose="020B0609030804020204" pitchFamily="49" charset="0"/>
+              </a:rPr>
+              <a:t>            </a:t>
+            </a:r>
+            <a:r>
+              <a:rPr lang="en-GB" sz="1200" dirty="0" err="1">
+                <a:solidFill>
+                  <a:srgbClr val="000000"/>
+                </a:solidFill>
+                <a:latin typeface="Menlo" panose="020B0609030804020204" pitchFamily="49" charset="0"/>
+              </a:rPr>
+              <a:t>kMassResol</a:t>
+            </a:r>
+            <a:r>
+              <a:rPr lang="en-GB" sz="1200" dirty="0">
+                <a:solidFill>
+                  <a:srgbClr val="000000"/>
+                </a:solidFill>
+                <a:latin typeface="Menlo" panose="020B0609030804020204" pitchFamily="49" charset="0"/>
+              </a:rPr>
+              <a:t>    1.0171e+00 +/-  2.87e-02</a:t>
+            </a:r>
+          </a:p>
+          <a:p>
+            <a:r>
+              <a:rPr lang="en-GB" sz="1200" dirty="0">
+                <a:solidFill>
+                  <a:srgbClr val="000000"/>
+                </a:solidFill>
+                <a:latin typeface="Menlo" panose="020B0609030804020204" pitchFamily="49" charset="0"/>
+              </a:rPr>
+              <a:t>            </a:t>
+            </a:r>
+            <a:r>
+              <a:rPr lang="en-GB" sz="1200" dirty="0" err="1">
+                <a:solidFill>
+                  <a:srgbClr val="000000"/>
+                </a:solidFill>
+                <a:latin typeface="Menlo" panose="020B0609030804020204" pitchFamily="49" charset="0"/>
+              </a:rPr>
+              <a:t>kMassScale</a:t>
+            </a:r>
+            <a:r>
+              <a:rPr lang="en-GB" sz="1200" dirty="0">
+                <a:solidFill>
+                  <a:srgbClr val="000000"/>
+                </a:solidFill>
+                <a:latin typeface="Menlo" panose="020B0609030804020204" pitchFamily="49" charset="0"/>
+              </a:rPr>
+              <a:t>    9.8961e-01 +/-  1.92e-03</a:t>
+            </a:r>
+          </a:p>
+          <a:p>
+            <a:r>
+              <a:rPr lang="en-GB" sz="1200" dirty="0">
+                <a:solidFill>
+                  <a:srgbClr val="000000"/>
+                </a:solidFill>
+                <a:latin typeface="Menlo" panose="020B0609030804020204" pitchFamily="49" charset="0"/>
+              </a:rPr>
+              <a:t>               kQCD_2b    1.3178e-02 +/-  3.01e-03</a:t>
+            </a:r>
+          </a:p>
+          <a:p>
+            <a:r>
+              <a:rPr lang="en-GB" sz="1200" dirty="0">
+                <a:solidFill>
+                  <a:srgbClr val="000000"/>
+                </a:solidFill>
+                <a:latin typeface="Menlo" panose="020B0609030804020204" pitchFamily="49" charset="0"/>
+              </a:rPr>
+              <a:t>            nFitBkg_2b    3.0164e+02 +/-  2.73e+02</a:t>
+            </a:r>
+          </a:p>
+          <a:p>
+            <a:r>
+              <a:rPr lang="en-GB" sz="1200" dirty="0">
+                <a:solidFill>
+                  <a:srgbClr val="000000"/>
+                </a:solidFill>
+                <a:latin typeface="Menlo" panose="020B0609030804020204" pitchFamily="49" charset="0"/>
+              </a:rPr>
+              <a:t>            nFitQCD_2b    4.7747e+03 +/-  3.04e+02</a:t>
+            </a:r>
+          </a:p>
+          <a:p>
+            <a:r>
+              <a:rPr lang="en-GB" sz="1200" dirty="0">
+                <a:solidFill>
+                  <a:srgbClr val="000000"/>
+                </a:solidFill>
+                <a:latin typeface="Menlo" panose="020B0609030804020204" pitchFamily="49" charset="0"/>
+              </a:rPr>
+              <a:t>             nFitSig2b    7.7140e+03 +/-  1.85e+02</a:t>
+            </a:r>
+          </a:p>
+          <a:p>
+            <a:br>
+              <a:rPr lang="en-GB" sz="1200" dirty="0">
+                <a:solidFill>
+                  <a:srgbClr val="000000"/>
+                </a:solidFill>
+                <a:latin typeface="Menlo" panose="020B0609030804020204" pitchFamily="49" charset="0"/>
+              </a:rPr>
+            </a:br>
+            <a:endParaRPr lang="en-GB" sz="1200" dirty="0">
+              <a:solidFill>
+                <a:srgbClr val="000000"/>
+              </a:solidFill>
+              <a:latin typeface="Menlo" panose="020B0609030804020204" pitchFamily="49" charset="0"/>
+            </a:endParaRPr>
+          </a:p>
+          <a:p>
+            <a:r>
+              <a:rPr lang="en-GB" sz="1200" dirty="0">
+                <a:solidFill>
+                  <a:srgbClr val="00B050"/>
+                </a:solidFill>
+                <a:latin typeface="Menlo" panose="020B0609030804020204" pitchFamily="49" charset="0"/>
+              </a:rPr>
+              <a:t>Signal strength: r = 0.615816 ± 0.017298 (old)</a:t>
+            </a:r>
+          </a:p>
+          <a:p>
+            <a:endParaRPr lang="en-GB" sz="1200" dirty="0">
+              <a:solidFill>
+                <a:srgbClr val="000000"/>
+              </a:solidFill>
+              <a:latin typeface="Menlo" panose="020B0609030804020204" pitchFamily="49" charset="0"/>
+            </a:endParaRPr>
+          </a:p>
+          <a:p>
+            <a:r>
+              <a:rPr lang="en-GB" sz="1200" b="1" u="sng" dirty="0">
+                <a:solidFill>
+                  <a:srgbClr val="000000"/>
+                </a:solidFill>
+                <a:latin typeface="Menlo" panose="020B0609030804020204" pitchFamily="49" charset="0"/>
+              </a:rPr>
+              <a:t>With b tag SF:</a:t>
+            </a:r>
+          </a:p>
+          <a:p>
+            <a:endParaRPr lang="en-GB" sz="1200" dirty="0">
+              <a:solidFill>
+                <a:srgbClr val="000000"/>
+              </a:solidFill>
+              <a:latin typeface="Menlo" panose="020B0609030804020204" pitchFamily="49" charset="0"/>
+            </a:endParaRPr>
+          </a:p>
+          <a:p>
+            <a:r>
+              <a:rPr lang="en-GB" sz="1200" dirty="0">
+                <a:solidFill>
+                  <a:srgbClr val="000000"/>
+                </a:solidFill>
+                <a:latin typeface="Menlo" panose="020B0609030804020204" pitchFamily="49" charset="0"/>
+              </a:rPr>
+              <a:t>    Floating Parameter    </a:t>
+            </a:r>
+            <a:r>
+              <a:rPr lang="en-GB" sz="1200" dirty="0" err="1">
+                <a:solidFill>
+                  <a:srgbClr val="000000"/>
+                </a:solidFill>
+                <a:latin typeface="Menlo" panose="020B0609030804020204" pitchFamily="49" charset="0"/>
+              </a:rPr>
+              <a:t>FinalValue</a:t>
+            </a:r>
+            <a:r>
+              <a:rPr lang="en-GB" sz="1200" dirty="0">
+                <a:solidFill>
+                  <a:srgbClr val="000000"/>
+                </a:solidFill>
+                <a:latin typeface="Menlo" panose="020B0609030804020204" pitchFamily="49" charset="0"/>
+              </a:rPr>
+              <a:t> +/-  Error   </a:t>
+            </a:r>
+          </a:p>
+          <a:p>
+            <a:r>
+              <a:rPr lang="en-GB" sz="1200" dirty="0">
+                <a:solidFill>
+                  <a:srgbClr val="000000"/>
+                </a:solidFill>
+                <a:latin typeface="Menlo" panose="020B0609030804020204" pitchFamily="49" charset="0"/>
+              </a:rPr>
+              <a:t>  --------------------  --------------------------</a:t>
+            </a:r>
+          </a:p>
+          <a:p>
+            <a:r>
+              <a:rPr lang="en-GB" sz="1200" dirty="0">
+                <a:solidFill>
+                  <a:srgbClr val="000000"/>
+                </a:solidFill>
+                <a:latin typeface="Menlo" panose="020B0609030804020204" pitchFamily="49" charset="0"/>
+              </a:rPr>
+              <a:t>            </a:t>
+            </a:r>
+            <a:r>
+              <a:rPr lang="en-GB" sz="1200" dirty="0" err="1">
+                <a:solidFill>
+                  <a:srgbClr val="000000"/>
+                </a:solidFill>
+                <a:latin typeface="Menlo" panose="020B0609030804020204" pitchFamily="49" charset="0"/>
+              </a:rPr>
+              <a:t>kMassResol</a:t>
+            </a:r>
+            <a:r>
+              <a:rPr lang="en-GB" sz="1200" dirty="0">
+                <a:solidFill>
+                  <a:srgbClr val="000000"/>
+                </a:solidFill>
+                <a:latin typeface="Menlo" panose="020B0609030804020204" pitchFamily="49" charset="0"/>
+              </a:rPr>
+              <a:t>    1.0156e+00 +/-  2.79e-02</a:t>
+            </a:r>
+          </a:p>
+          <a:p>
+            <a:r>
+              <a:rPr lang="en-GB" sz="1200" dirty="0">
+                <a:solidFill>
+                  <a:srgbClr val="000000"/>
+                </a:solidFill>
+                <a:latin typeface="Menlo" panose="020B0609030804020204" pitchFamily="49" charset="0"/>
+              </a:rPr>
+              <a:t>            </a:t>
+            </a:r>
+            <a:r>
+              <a:rPr lang="en-GB" sz="1200" dirty="0" err="1">
+                <a:solidFill>
+                  <a:srgbClr val="000000"/>
+                </a:solidFill>
+                <a:latin typeface="Menlo" panose="020B0609030804020204" pitchFamily="49" charset="0"/>
+              </a:rPr>
+              <a:t>kMassScale</a:t>
+            </a:r>
+            <a:r>
+              <a:rPr lang="en-GB" sz="1200" dirty="0">
+                <a:solidFill>
+                  <a:srgbClr val="000000"/>
+                </a:solidFill>
+                <a:latin typeface="Menlo" panose="020B0609030804020204" pitchFamily="49" charset="0"/>
+              </a:rPr>
+              <a:t>    9.8998e-01 +/-  1.92e-03</a:t>
+            </a:r>
+          </a:p>
+          <a:p>
+            <a:r>
+              <a:rPr lang="en-GB" sz="1200" dirty="0">
+                <a:solidFill>
+                  <a:srgbClr val="000000"/>
+                </a:solidFill>
+                <a:latin typeface="Menlo" panose="020B0609030804020204" pitchFamily="49" charset="0"/>
+              </a:rPr>
+              <a:t>               kQCD_2b    1.2365e-02 +/-  2.50e-03</a:t>
+            </a:r>
+          </a:p>
+          <a:p>
+            <a:r>
+              <a:rPr lang="en-GB" sz="1200" dirty="0">
+                <a:solidFill>
+                  <a:srgbClr val="000000"/>
+                </a:solidFill>
+                <a:latin typeface="Menlo" panose="020B0609030804020204" pitchFamily="49" charset="0"/>
+              </a:rPr>
+              <a:t>            nFitBkg_2b    1.6612e+00 +/-  6.55e+03</a:t>
+            </a:r>
+          </a:p>
+          <a:p>
+            <a:r>
+              <a:rPr lang="en-GB" sz="1200" dirty="0">
+                <a:solidFill>
+                  <a:srgbClr val="000000"/>
+                </a:solidFill>
+                <a:latin typeface="Menlo" panose="020B0609030804020204" pitchFamily="49" charset="0"/>
+              </a:rPr>
+              <a:t>            nFitQCD_2b    5.0843e+03 +/-  1.80e+02</a:t>
+            </a:r>
+          </a:p>
+          <a:p>
+            <a:r>
+              <a:rPr lang="en-GB" sz="1200" dirty="0">
+                <a:solidFill>
+                  <a:srgbClr val="000000"/>
+                </a:solidFill>
+                <a:latin typeface="Menlo" panose="020B0609030804020204" pitchFamily="49" charset="0"/>
+              </a:rPr>
+              <a:t>             nFitSig2b    7.7041e+03 +/-  1.80e+02</a:t>
+            </a:r>
+          </a:p>
+          <a:p>
+            <a:endParaRPr lang="en-GB" sz="1200" dirty="0">
+              <a:solidFill>
+                <a:srgbClr val="000000"/>
+              </a:solidFill>
+              <a:latin typeface="Menlo" panose="020B0609030804020204" pitchFamily="49" charset="0"/>
+            </a:endParaRPr>
+          </a:p>
+          <a:p>
+            <a:r>
+              <a:rPr lang="en-GB" sz="1200" b="1" u="sng" dirty="0">
+                <a:solidFill>
+                  <a:srgbClr val="00B050"/>
+                </a:solidFill>
+                <a:latin typeface="Menlo" panose="020B0609030804020204" pitchFamily="49" charset="0"/>
+              </a:rPr>
+              <a:t>Signal strength: r = 0.687217 </a:t>
+            </a:r>
+            <a:r>
+              <a:rPr lang="en-GB" sz="1200" b="1" u="sng">
+                <a:solidFill>
+                  <a:srgbClr val="00B050"/>
+                </a:solidFill>
+                <a:latin typeface="Menlo" panose="020B0609030804020204" pitchFamily="49" charset="0"/>
+              </a:rPr>
+              <a:t>± 0.0194349 (new)</a:t>
+            </a:r>
+            <a:endParaRPr lang="en-GB" sz="1200" b="1" u="sng" dirty="0">
+              <a:solidFill>
+                <a:srgbClr val="00B050"/>
+              </a:solidFill>
+              <a:latin typeface="Menlo" panose="020B0609030804020204" pitchFamily="49" charset="0"/>
+            </a:endParaRPr>
+          </a:p>
+          <a:p>
+            <a:endParaRPr lang="en-GB" sz="1200" dirty="0">
+              <a:solidFill>
+                <a:srgbClr val="000000"/>
+              </a:solidFill>
+              <a:latin typeface="Menlo" panose="020B0609030804020204" pitchFamily="49" charset="0"/>
+            </a:endParaRPr>
+          </a:p>
+        </p:txBody>
+      </p:sp>
     </p:spTree>
     <p:extLst>
       <p:ext uri="{BB962C8B-B14F-4D97-AF65-F5344CB8AC3E}">
-        <p14:creationId xmlns:p14="http://schemas.microsoft.com/office/powerpoint/2010/main" val="3421019391"/>
+        <p14:creationId xmlns:p14="http://schemas.microsoft.com/office/powerpoint/2010/main" val="1238493657"/>
       </p:ext>
     </p:extLst>
   </p:cSld>
@@ -12897,16 +12914,13 @@
             <a:pPr algn="ctr"/>
             <a:r>
               <a:rPr lang="en-US" sz="2800" u="sng" dirty="0"/>
-              <a:t>Signal Extraction </a:t>
-            </a:r>
-            <a:r>
-              <a:rPr lang="en-US" sz="2800" u="sng" dirty="0">
-                <a:solidFill>
-                  <a:srgbClr val="FF0000"/>
-                </a:solidFill>
-              </a:rPr>
-              <a:t>2017</a:t>
-            </a:r>
+              <a:t>Signal Strength Results</a:t>
+            </a:r>
+            <a:endParaRPr lang="en-US" sz="2800" u="sng" dirty="0">
+              <a:solidFill>
+                <a:srgbClr val="00B0F0"/>
+              </a:solidFill>
+            </a:endParaRPr>
           </a:p>
         </p:txBody>
       </p:sp>
@@ -12963,88 +12977,18 @@
           <a:p>
             <a:fld id="{3DBB7BD0-9B8D-1F47-8ABF-BE3CF9BD2848}" type="datetime1">
               <a:rPr lang="en-US" smtClean="0"/>
-              <a:t>9/1/20</a:t>
+              <a:t>9/2/20</a:t>
             </a:fld>
             <a:endParaRPr lang="en-US" dirty="0"/>
           </a:p>
         </p:txBody>
       </p:sp>
-      <p:sp>
-        <p:nvSpPr>
-          <p:cNvPr id="6" name="Rectangle 5">
+      <p:pic>
+        <p:nvPicPr>
+          <p:cNvPr id="4" name="Picture 3">
             <a:extLst>
               <a:ext uri="{FF2B5EF4-FFF2-40B4-BE49-F238E27FC236}">
-                <a16:creationId xmlns:a16="http://schemas.microsoft.com/office/drawing/2014/main" id="{5AB3FE67-AA01-F347-9076-DFDDE3AF33FF}"/>
-              </a:ext>
-            </a:extLst>
-          </p:cNvPr>
-          <p:cNvSpPr/>
-          <p:nvPr/>
-        </p:nvSpPr>
-        <p:spPr>
-          <a:xfrm>
-            <a:off x="7939701" y="638586"/>
-            <a:ext cx="2289346" cy="369332"/>
-          </a:xfrm>
-          <a:prstGeom prst="rect">
-            <a:avLst/>
-          </a:prstGeom>
-        </p:spPr>
-        <p:txBody>
-          <a:bodyPr wrap="none">
-            <a:spAutoFit/>
-          </a:bodyPr>
-          <a:lstStyle/>
-          <a:p>
-            <a:pPr algn="ctr"/>
-            <a:r>
-              <a:rPr lang="en-US" u="sng" dirty="0"/>
-              <a:t>without b tagging SF’s </a:t>
-            </a:r>
-          </a:p>
-        </p:txBody>
-      </p:sp>
-      <p:sp>
-        <p:nvSpPr>
-          <p:cNvPr id="8" name="Rectangle 7">
-            <a:extLst>
-              <a:ext uri="{FF2B5EF4-FFF2-40B4-BE49-F238E27FC236}">
-                <a16:creationId xmlns:a16="http://schemas.microsoft.com/office/drawing/2014/main" id="{2F505FA0-B1C0-D44E-84C5-FFB2B413843D}"/>
-              </a:ext>
-            </a:extLst>
-          </p:cNvPr>
-          <p:cNvSpPr/>
-          <p:nvPr/>
-        </p:nvSpPr>
-        <p:spPr>
-          <a:xfrm>
-            <a:off x="2333415" y="638586"/>
-            <a:ext cx="1499065" cy="369332"/>
-          </a:xfrm>
-          <a:prstGeom prst="rect">
-            <a:avLst/>
-          </a:prstGeom>
-        </p:spPr>
-        <p:txBody>
-          <a:bodyPr wrap="none">
-            <a:spAutoFit/>
-          </a:bodyPr>
-          <a:lstStyle/>
-          <a:p>
-            <a:pPr algn="ctr"/>
-            <a:r>
-              <a:rPr lang="en-US" u="sng" dirty="0"/>
-              <a:t>b tagging SF’s </a:t>
-            </a:r>
-          </a:p>
-        </p:txBody>
-      </p:sp>
-      <p:pic>
-        <p:nvPicPr>
-          <p:cNvPr id="12" name="Picture 11">
-            <a:extLst>
-              <a:ext uri="{FF2B5EF4-FFF2-40B4-BE49-F238E27FC236}">
-                <a16:creationId xmlns:a16="http://schemas.microsoft.com/office/drawing/2014/main" id="{6C6BBEA2-414A-DA46-9F1E-6AD5599C27AC}"/>
+                <a16:creationId xmlns:a16="http://schemas.microsoft.com/office/drawing/2014/main" id="{ADEDE9B7-B36A-5D4B-AFAE-99204E99DBDB}"/>
               </a:ext>
             </a:extLst>
           </p:cNvPr>
@@ -13061,48 +13005,174 @@
         </p:blipFill>
         <p:spPr>
           <a:xfrm rot="5400000">
-            <a:off x="951992" y="440626"/>
-            <a:ext cx="4311269" cy="5976747"/>
+            <a:off x="3290229" y="-460664"/>
+            <a:ext cx="5611542" cy="7779327"/>
           </a:xfrm>
           <a:prstGeom prst="rect">
             <a:avLst/>
           </a:prstGeom>
         </p:spPr>
       </p:pic>
-      <p:pic>
-        <p:nvPicPr>
-          <p:cNvPr id="16" name="Picture 15">
+      <p:sp>
+        <p:nvSpPr>
+          <p:cNvPr id="6" name="Rectangle 5">
             <a:extLst>
               <a:ext uri="{FF2B5EF4-FFF2-40B4-BE49-F238E27FC236}">
-                <a16:creationId xmlns:a16="http://schemas.microsoft.com/office/drawing/2014/main" id="{86EC36D8-16DC-6F4D-B75A-4F76C32F5998}"/>
+                <a16:creationId xmlns:a16="http://schemas.microsoft.com/office/drawing/2014/main" id="{B386F154-259D-4747-9F19-AEE5F95CD237}"/>
               </a:ext>
             </a:extLst>
           </p:cNvPr>
-          <p:cNvPicPr>
-            <a:picLocks noChangeAspect="1"/>
-          </p:cNvPicPr>
+          <p:cNvSpPr/>
           <p:nvPr/>
-        </p:nvPicPr>
-        <p:blipFill>
-          <a:blip r:embed="rId3"/>
-          <a:stretch>
-            <a:fillRect/>
-          </a:stretch>
-        </p:blipFill>
-        <p:spPr>
-          <a:xfrm rot="5400000">
-            <a:off x="6928739" y="429656"/>
-            <a:ext cx="4311269" cy="5976747"/>
+        </p:nvSpPr>
+        <p:spPr>
+          <a:xfrm>
+            <a:off x="3569551" y="1967346"/>
+            <a:ext cx="1459649" cy="2022764"/>
           </a:xfrm>
           <a:prstGeom prst="rect">
             <a:avLst/>
           </a:prstGeom>
-        </p:spPr>
-      </p:pic>
+          <a:noFill/>
+          <a:ln w="38100">
+            <a:solidFill>
+              <a:srgbClr val="00B0F0"/>
+            </a:solidFill>
+          </a:ln>
+        </p:spPr>
+        <p:style>
+          <a:lnRef idx="2">
+            <a:schemeClr val="accent1">
+              <a:shade val="50000"/>
+            </a:schemeClr>
+          </a:lnRef>
+          <a:fillRef idx="1">
+            <a:schemeClr val="accent1"/>
+          </a:fillRef>
+          <a:effectRef idx="0">
+            <a:schemeClr val="accent1"/>
+          </a:effectRef>
+          <a:fontRef idx="minor">
+            <a:schemeClr val="lt1"/>
+          </a:fontRef>
+        </p:style>
+        <p:txBody>
+          <a:bodyPr rtlCol="0" anchor="ctr"/>
+          <a:lstStyle/>
+          <a:p>
+            <a:pPr algn="ctr"/>
+            <a:endParaRPr lang="en-GR"/>
+          </a:p>
+        </p:txBody>
+      </p:sp>
+      <p:sp>
+        <p:nvSpPr>
+          <p:cNvPr id="13" name="Rectangle 12">
+            <a:extLst>
+              <a:ext uri="{FF2B5EF4-FFF2-40B4-BE49-F238E27FC236}">
+                <a16:creationId xmlns:a16="http://schemas.microsoft.com/office/drawing/2014/main" id="{97927D06-CF8B-994A-A934-930C37A107AE}"/>
+              </a:ext>
+            </a:extLst>
+          </p:cNvPr>
+          <p:cNvSpPr/>
+          <p:nvPr/>
+        </p:nvSpPr>
+        <p:spPr>
+          <a:xfrm>
+            <a:off x="5662590" y="2812472"/>
+            <a:ext cx="1459649" cy="2618509"/>
+          </a:xfrm>
+          <a:prstGeom prst="rect">
+            <a:avLst/>
+          </a:prstGeom>
+          <a:noFill/>
+          <a:ln w="38100">
+            <a:solidFill>
+              <a:srgbClr val="FF0000"/>
+            </a:solidFill>
+          </a:ln>
+        </p:spPr>
+        <p:style>
+          <a:lnRef idx="2">
+            <a:schemeClr val="accent1">
+              <a:shade val="50000"/>
+            </a:schemeClr>
+          </a:lnRef>
+          <a:fillRef idx="1">
+            <a:schemeClr val="accent1"/>
+          </a:fillRef>
+          <a:effectRef idx="0">
+            <a:schemeClr val="accent1"/>
+          </a:effectRef>
+          <a:fontRef idx="minor">
+            <a:schemeClr val="lt1"/>
+          </a:fontRef>
+        </p:style>
+        <p:txBody>
+          <a:bodyPr rtlCol="0" anchor="ctr"/>
+          <a:lstStyle/>
+          <a:p>
+            <a:pPr algn="ctr"/>
+            <a:endParaRPr lang="en-GR"/>
+          </a:p>
+        </p:txBody>
+      </p:sp>
+      <p:sp>
+        <p:nvSpPr>
+          <p:cNvPr id="15" name="Rectangle 14">
+            <a:extLst>
+              <a:ext uri="{FF2B5EF4-FFF2-40B4-BE49-F238E27FC236}">
+                <a16:creationId xmlns:a16="http://schemas.microsoft.com/office/drawing/2014/main" id="{D578CA7D-BAD0-EA4D-B73A-C7DE90EF5F89}"/>
+              </a:ext>
+            </a:extLst>
+          </p:cNvPr>
+          <p:cNvSpPr/>
+          <p:nvPr/>
+        </p:nvSpPr>
+        <p:spPr>
+          <a:xfrm>
+            <a:off x="7741774" y="2417617"/>
+            <a:ext cx="1459649" cy="2022764"/>
+          </a:xfrm>
+          <a:prstGeom prst="rect">
+            <a:avLst/>
+          </a:prstGeom>
+          <a:noFill/>
+          <a:ln w="38100">
+            <a:solidFill>
+              <a:srgbClr val="00B050"/>
+            </a:solidFill>
+          </a:ln>
+        </p:spPr>
+        <p:style>
+          <a:lnRef idx="2">
+            <a:schemeClr val="accent1">
+              <a:shade val="50000"/>
+            </a:schemeClr>
+          </a:lnRef>
+          <a:fillRef idx="1">
+            <a:schemeClr val="accent1"/>
+          </a:fillRef>
+          <a:effectRef idx="0">
+            <a:schemeClr val="accent1"/>
+          </a:effectRef>
+          <a:fontRef idx="minor">
+            <a:schemeClr val="lt1"/>
+          </a:fontRef>
+        </p:style>
+        <p:txBody>
+          <a:bodyPr rtlCol="0" anchor="ctr"/>
+          <a:lstStyle/>
+          <a:p>
+            <a:pPr algn="ctr"/>
+            <a:endParaRPr lang="en-GR"/>
+          </a:p>
+        </p:txBody>
+      </p:sp>
     </p:spTree>
     <p:extLst>
       <p:ext uri="{BB962C8B-B14F-4D97-AF65-F5344CB8AC3E}">
-        <p14:creationId xmlns:p14="http://schemas.microsoft.com/office/powerpoint/2010/main" val="2388977479"/>
+        <p14:creationId xmlns:p14="http://schemas.microsoft.com/office/powerpoint/2010/main" val="3421019391"/>
       </p:ext>
     </p:extLst>
   </p:cSld>
@@ -13186,10 +13256,10 @@
             <a:r>
               <a:rPr lang="en-US" sz="2800" u="sng" dirty="0">
                 <a:solidFill>
-                  <a:srgbClr val="00B050"/>
+                  <a:srgbClr val="00B0F0"/>
                 </a:solidFill>
               </a:rPr>
-              <a:t>2018</a:t>
+              <a:t>2016</a:t>
             </a:r>
           </a:p>
         </p:txBody>
@@ -13247,7 +13317,7 @@
           <a:p>
             <a:fld id="{3DBB7BD0-9B8D-1F47-8ABF-BE3CF9BD2848}" type="datetime1">
               <a:rPr lang="en-US" smtClean="0"/>
-              <a:t>9/1/20</a:t>
+              <a:t>9/2/20</a:t>
             </a:fld>
             <a:endParaRPr lang="en-US" dirty="0"/>
           </a:p>
@@ -13255,10 +13325,10 @@
       </p:sp>
       <p:sp>
         <p:nvSpPr>
-          <p:cNvPr id="6" name="Rectangle 5">
+          <p:cNvPr id="10" name="Rectangle 9">
             <a:extLst>
               <a:ext uri="{FF2B5EF4-FFF2-40B4-BE49-F238E27FC236}">
-                <a16:creationId xmlns:a16="http://schemas.microsoft.com/office/drawing/2014/main" id="{1D3A9800-C923-F943-ACA5-B4B9B9A1D73D}"/>
+                <a16:creationId xmlns:a16="http://schemas.microsoft.com/office/drawing/2014/main" id="{A1334FD7-6EF5-CD44-B073-2C85FC74BD62}"/>
               </a:ext>
             </a:extLst>
           </p:cNvPr>
@@ -13290,10 +13360,10 @@
       </p:sp>
       <p:sp>
         <p:nvSpPr>
-          <p:cNvPr id="8" name="Rectangle 7">
+          <p:cNvPr id="11" name="Rectangle 10">
             <a:extLst>
               <a:ext uri="{FF2B5EF4-FFF2-40B4-BE49-F238E27FC236}">
-                <a16:creationId xmlns:a16="http://schemas.microsoft.com/office/drawing/2014/main" id="{FE0D63A0-1633-E841-944F-B91BFC6F0FEB}"/>
+                <a16:creationId xmlns:a16="http://schemas.microsoft.com/office/drawing/2014/main" id="{0A4D987A-2F55-CC41-8B67-11ACEC81DE99}"/>
               </a:ext>
             </a:extLst>
           </p:cNvPr>
@@ -13325,10 +13395,10 @@
       </p:sp>
       <p:pic>
         <p:nvPicPr>
-          <p:cNvPr id="12" name="Picture 11">
+          <p:cNvPr id="14" name="Picture 13">
             <a:extLst>
               <a:ext uri="{FF2B5EF4-FFF2-40B4-BE49-F238E27FC236}">
-                <a16:creationId xmlns:a16="http://schemas.microsoft.com/office/drawing/2014/main" id="{728BD80A-D106-FF49-B462-2FB4935555AB}"/>
+                <a16:creationId xmlns:a16="http://schemas.microsoft.com/office/drawing/2014/main" id="{70D1D2CE-30DA-B844-94F2-1CB98D3323B5}"/>
               </a:ext>
             </a:extLst>
           </p:cNvPr>
@@ -13345,7 +13415,7 @@
         </p:blipFill>
         <p:spPr>
           <a:xfrm rot="5400000">
-            <a:off x="927312" y="440626"/>
+            <a:off x="832739" y="672394"/>
             <a:ext cx="4311269" cy="5976747"/>
           </a:xfrm>
           <a:prstGeom prst="rect">
@@ -13358,7 +13428,7 @@
           <p:cNvPr id="16" name="Picture 15">
             <a:extLst>
               <a:ext uri="{FF2B5EF4-FFF2-40B4-BE49-F238E27FC236}">
-                <a16:creationId xmlns:a16="http://schemas.microsoft.com/office/drawing/2014/main" id="{943DECBC-0963-F941-B274-FC163F24EF10}"/>
+                <a16:creationId xmlns:a16="http://schemas.microsoft.com/office/drawing/2014/main" id="{1A09988E-AECF-F349-A1E1-10249911EBD4}"/>
               </a:ext>
             </a:extLst>
           </p:cNvPr>
@@ -13375,7 +13445,7 @@
         </p:blipFill>
         <p:spPr>
           <a:xfrm rot="5400000">
-            <a:off x="6928739" y="440626"/>
+            <a:off x="6755114" y="672394"/>
             <a:ext cx="4311269" cy="5976747"/>
           </a:xfrm>
           <a:prstGeom prst="rect">
@@ -13386,7 +13456,7 @@
     </p:spTree>
     <p:extLst>
       <p:ext uri="{BB962C8B-B14F-4D97-AF65-F5344CB8AC3E}">
-        <p14:creationId xmlns:p14="http://schemas.microsoft.com/office/powerpoint/2010/main" val="2010860954"/>
+        <p14:creationId xmlns:p14="http://schemas.microsoft.com/office/powerpoint/2010/main" val="362127072"/>
       </p:ext>
     </p:extLst>
   </p:cSld>
@@ -13465,13 +13535,16 @@
             <a:pPr algn="ctr"/>
             <a:r>
               <a:rPr lang="en-US" sz="2800" u="sng" dirty="0"/>
-              <a:t>Tag And Probe</a:t>
-            </a:r>
-            <a:endParaRPr lang="en-US" sz="2800" u="sng" dirty="0">
-              <a:solidFill>
-                <a:srgbClr val="00B050"/>
-              </a:solidFill>
-            </a:endParaRPr>
+              <a:t>Signal Extraction </a:t>
+            </a:r>
+            <a:r>
+              <a:rPr lang="en-US" sz="2800" u="sng" dirty="0">
+                <a:solidFill>
+                  <a:srgbClr val="FF0000"/>
+                </a:solidFill>
+              </a:rPr>
+              <a:t>2017</a:t>
+            </a:r>
           </a:p>
         </p:txBody>
       </p:sp>
@@ -13528,14 +13601,579 @@
           <a:p>
             <a:fld id="{3DBB7BD0-9B8D-1F47-8ABF-BE3CF9BD2848}" type="datetime1">
               <a:rPr lang="en-US" smtClean="0"/>
-              <a:t>9/1/20</a:t>
+              <a:t>9/2/20</a:t>
             </a:fld>
             <a:endParaRPr lang="en-US" dirty="0"/>
           </a:p>
         </p:txBody>
       </p:sp>
-      <mc:AlternateContent xmlns:mc="http://schemas.openxmlformats.org/markup-compatibility/2006">
-        <mc:Choice xmlns:a14="http://schemas.microsoft.com/office/drawing/2010/main" Requires="a14">
+      <p:sp>
+        <p:nvSpPr>
+          <p:cNvPr id="6" name="Rectangle 5">
+            <a:extLst>
+              <a:ext uri="{FF2B5EF4-FFF2-40B4-BE49-F238E27FC236}">
+                <a16:creationId xmlns:a16="http://schemas.microsoft.com/office/drawing/2014/main" id="{5AB3FE67-AA01-F347-9076-DFDDE3AF33FF}"/>
+              </a:ext>
+            </a:extLst>
+          </p:cNvPr>
+          <p:cNvSpPr/>
+          <p:nvPr/>
+        </p:nvSpPr>
+        <p:spPr>
+          <a:xfrm>
+            <a:off x="7939701" y="638586"/>
+            <a:ext cx="2289346" cy="369332"/>
+          </a:xfrm>
+          <a:prstGeom prst="rect">
+            <a:avLst/>
+          </a:prstGeom>
+        </p:spPr>
+        <p:txBody>
+          <a:bodyPr wrap="none">
+            <a:spAutoFit/>
+          </a:bodyPr>
+          <a:lstStyle/>
+          <a:p>
+            <a:pPr algn="ctr"/>
+            <a:r>
+              <a:rPr lang="en-US" u="sng" dirty="0"/>
+              <a:t>without b tagging SF’s </a:t>
+            </a:r>
+          </a:p>
+        </p:txBody>
+      </p:sp>
+      <p:sp>
+        <p:nvSpPr>
+          <p:cNvPr id="8" name="Rectangle 7">
+            <a:extLst>
+              <a:ext uri="{FF2B5EF4-FFF2-40B4-BE49-F238E27FC236}">
+                <a16:creationId xmlns:a16="http://schemas.microsoft.com/office/drawing/2014/main" id="{2F505FA0-B1C0-D44E-84C5-FFB2B413843D}"/>
+              </a:ext>
+            </a:extLst>
+          </p:cNvPr>
+          <p:cNvSpPr/>
+          <p:nvPr/>
+        </p:nvSpPr>
+        <p:spPr>
+          <a:xfrm>
+            <a:off x="2333415" y="638586"/>
+            <a:ext cx="1499065" cy="369332"/>
+          </a:xfrm>
+          <a:prstGeom prst="rect">
+            <a:avLst/>
+          </a:prstGeom>
+        </p:spPr>
+        <p:txBody>
+          <a:bodyPr wrap="none">
+            <a:spAutoFit/>
+          </a:bodyPr>
+          <a:lstStyle/>
+          <a:p>
+            <a:pPr algn="ctr"/>
+            <a:r>
+              <a:rPr lang="en-US" u="sng" dirty="0"/>
+              <a:t>b tagging SF’s </a:t>
+            </a:r>
+          </a:p>
+        </p:txBody>
+      </p:sp>
+      <p:pic>
+        <p:nvPicPr>
+          <p:cNvPr id="12" name="Picture 11">
+            <a:extLst>
+              <a:ext uri="{FF2B5EF4-FFF2-40B4-BE49-F238E27FC236}">
+                <a16:creationId xmlns:a16="http://schemas.microsoft.com/office/drawing/2014/main" id="{6C6BBEA2-414A-DA46-9F1E-6AD5599C27AC}"/>
+              </a:ext>
+            </a:extLst>
+          </p:cNvPr>
+          <p:cNvPicPr>
+            <a:picLocks noChangeAspect="1"/>
+          </p:cNvPicPr>
+          <p:nvPr/>
+        </p:nvPicPr>
+        <p:blipFill>
+          <a:blip r:embed="rId2"/>
+          <a:stretch>
+            <a:fillRect/>
+          </a:stretch>
+        </p:blipFill>
+        <p:spPr>
+          <a:xfrm rot="5400000">
+            <a:off x="951992" y="440626"/>
+            <a:ext cx="4311269" cy="5976747"/>
+          </a:xfrm>
+          <a:prstGeom prst="rect">
+            <a:avLst/>
+          </a:prstGeom>
+        </p:spPr>
+      </p:pic>
+      <p:pic>
+        <p:nvPicPr>
+          <p:cNvPr id="16" name="Picture 15">
+            <a:extLst>
+              <a:ext uri="{FF2B5EF4-FFF2-40B4-BE49-F238E27FC236}">
+                <a16:creationId xmlns:a16="http://schemas.microsoft.com/office/drawing/2014/main" id="{86EC36D8-16DC-6F4D-B75A-4F76C32F5998}"/>
+              </a:ext>
+            </a:extLst>
+          </p:cNvPr>
+          <p:cNvPicPr>
+            <a:picLocks noChangeAspect="1"/>
+          </p:cNvPicPr>
+          <p:nvPr/>
+        </p:nvPicPr>
+        <p:blipFill>
+          <a:blip r:embed="rId3"/>
+          <a:stretch>
+            <a:fillRect/>
+          </a:stretch>
+        </p:blipFill>
+        <p:spPr>
+          <a:xfrm rot="5400000">
+            <a:off x="6928739" y="429656"/>
+            <a:ext cx="4311269" cy="5976747"/>
+          </a:xfrm>
+          <a:prstGeom prst="rect">
+            <a:avLst/>
+          </a:prstGeom>
+        </p:spPr>
+      </p:pic>
+    </p:spTree>
+    <p:extLst>
+      <p:ext uri="{BB962C8B-B14F-4D97-AF65-F5344CB8AC3E}">
+        <p14:creationId xmlns:p14="http://schemas.microsoft.com/office/powerpoint/2010/main" val="2388977479"/>
+      </p:ext>
+    </p:extLst>
+  </p:cSld>
+  <p:clrMapOvr>
+    <a:masterClrMapping/>
+  </p:clrMapOvr>
+</p:sld>
+</file>
+
+<file path=ppt/slides/slide25.xml><?xml version="1.0" encoding="utf-8"?>
+<p:sld xmlns:a="http://schemas.openxmlformats.org/drawingml/2006/main" xmlns:r="http://schemas.openxmlformats.org/officeDocument/2006/relationships" xmlns:p="http://schemas.openxmlformats.org/presentationml/2006/main">
+  <p:cSld>
+    <p:spTree>
+      <p:nvGrpSpPr>
+        <p:cNvPr id="1" name=""/>
+        <p:cNvGrpSpPr/>
+        <p:nvPr/>
+      </p:nvGrpSpPr>
+      <p:grpSpPr>
+        <a:xfrm>
+          <a:off x="0" y="0"/>
+          <a:ext cx="0" cy="0"/>
+          <a:chOff x="0" y="0"/>
+          <a:chExt cx="0" cy="0"/>
+        </a:xfrm>
+      </p:grpSpPr>
+      <p:sp>
+        <p:nvSpPr>
+          <p:cNvPr id="3" name="Footer Placeholder 2"/>
+          <p:cNvSpPr>
+            <a:spLocks noGrp="1"/>
+          </p:cNvSpPr>
+          <p:nvPr>
+            <p:ph type="ftr" sz="quarter" idx="11"/>
+          </p:nvPr>
+        </p:nvSpPr>
+        <p:spPr/>
+        <p:txBody>
+          <a:bodyPr/>
+          <a:lstStyle/>
+          <a:p>
+            <a:r>
+              <a:rPr lang="fi-FI" dirty="0"/>
+              <a:t>NTUA G. </a:t>
+            </a:r>
+            <a:r>
+              <a:rPr lang="fi-FI" dirty="0" err="1"/>
+              <a:t>Bakas</a:t>
+            </a:r>
+            <a:endParaRPr lang="en-US" dirty="0"/>
+          </a:p>
+        </p:txBody>
+      </p:sp>
+      <p:sp>
+        <p:nvSpPr>
+          <p:cNvPr id="7" name="TextBox 6"/>
+          <p:cNvSpPr txBox="1"/>
+          <p:nvPr/>
+        </p:nvSpPr>
+        <p:spPr>
+          <a:xfrm>
+            <a:off x="3276600" y="33090"/>
+            <a:ext cx="5638800" cy="523220"/>
+          </a:xfrm>
+          <a:prstGeom prst="rect">
+            <a:avLst/>
+          </a:prstGeom>
+          <a:noFill/>
+        </p:spPr>
+        <p:txBody>
+          <a:bodyPr wrap="square" rtlCol="0">
+            <a:spAutoFit/>
+          </a:bodyPr>
+          <a:lstStyle/>
+          <a:p>
+            <a:pPr algn="ctr"/>
+            <a:r>
+              <a:rPr lang="en-US" sz="2800" u="sng" dirty="0"/>
+              <a:t>Signal Extraction </a:t>
+            </a:r>
+            <a:r>
+              <a:rPr lang="en-US" sz="2800" u="sng" dirty="0">
+                <a:solidFill>
+                  <a:srgbClr val="00B050"/>
+                </a:solidFill>
+              </a:rPr>
+              <a:t>2018</a:t>
+            </a:r>
+          </a:p>
+        </p:txBody>
+      </p:sp>
+      <p:sp>
+        <p:nvSpPr>
+          <p:cNvPr id="5" name="Slide Number Placeholder 4">
+            <a:extLst>
+              <a:ext uri="{FF2B5EF4-FFF2-40B4-BE49-F238E27FC236}">
+                <a16:creationId xmlns:a16="http://schemas.microsoft.com/office/drawing/2014/main" id="{69A96869-DB60-5345-ACD9-F1C41035B064}"/>
+              </a:ext>
+            </a:extLst>
+          </p:cNvPr>
+          <p:cNvSpPr>
+            <a:spLocks noGrp="1"/>
+          </p:cNvSpPr>
+          <p:nvPr>
+            <p:ph type="sldNum" sz="quarter" idx="12"/>
+          </p:nvPr>
+        </p:nvSpPr>
+        <p:spPr/>
+        <p:txBody>
+          <a:bodyPr/>
+          <a:lstStyle/>
+          <a:p>
+            <a:fld id="{4FAB73BC-B049-4115-A692-8D63A059BFB8}" type="slidenum">
+              <a:rPr lang="en-US" smtClean="0"/>
+              <a:pPr/>
+              <a:t>25</a:t>
+            </a:fld>
+            <a:endParaRPr lang="en-US" dirty="0"/>
+          </a:p>
+        </p:txBody>
+      </p:sp>
+      <p:sp>
+        <p:nvSpPr>
+          <p:cNvPr id="24" name="Date Placeholder 23">
+            <a:extLst>
+              <a:ext uri="{FF2B5EF4-FFF2-40B4-BE49-F238E27FC236}">
+                <a16:creationId xmlns:a16="http://schemas.microsoft.com/office/drawing/2014/main" id="{056D71EF-2E89-4043-8F92-90A4D46A3E69}"/>
+              </a:ext>
+            </a:extLst>
+          </p:cNvPr>
+          <p:cNvSpPr>
+            <a:spLocks noGrp="1"/>
+          </p:cNvSpPr>
+          <p:nvPr>
+            <p:ph type="dt" sz="half" idx="10"/>
+          </p:nvPr>
+        </p:nvSpPr>
+        <p:spPr/>
+        <p:txBody>
+          <a:bodyPr/>
+          <a:lstStyle/>
+          <a:p>
+            <a:fld id="{3DBB7BD0-9B8D-1F47-8ABF-BE3CF9BD2848}" type="datetime1">
+              <a:rPr lang="en-US" smtClean="0"/>
+              <a:t>9/2/20</a:t>
+            </a:fld>
+            <a:endParaRPr lang="en-US" dirty="0"/>
+          </a:p>
+        </p:txBody>
+      </p:sp>
+      <p:sp>
+        <p:nvSpPr>
+          <p:cNvPr id="6" name="Rectangle 5">
+            <a:extLst>
+              <a:ext uri="{FF2B5EF4-FFF2-40B4-BE49-F238E27FC236}">
+                <a16:creationId xmlns:a16="http://schemas.microsoft.com/office/drawing/2014/main" id="{1D3A9800-C923-F943-ACA5-B4B9B9A1D73D}"/>
+              </a:ext>
+            </a:extLst>
+          </p:cNvPr>
+          <p:cNvSpPr/>
+          <p:nvPr/>
+        </p:nvSpPr>
+        <p:spPr>
+          <a:xfrm>
+            <a:off x="7939701" y="638586"/>
+            <a:ext cx="2289346" cy="369332"/>
+          </a:xfrm>
+          <a:prstGeom prst="rect">
+            <a:avLst/>
+          </a:prstGeom>
+        </p:spPr>
+        <p:txBody>
+          <a:bodyPr wrap="none">
+            <a:spAutoFit/>
+          </a:bodyPr>
+          <a:lstStyle/>
+          <a:p>
+            <a:pPr algn="ctr"/>
+            <a:r>
+              <a:rPr lang="en-US" u="sng" dirty="0"/>
+              <a:t>without b tagging SF’s </a:t>
+            </a:r>
+          </a:p>
+        </p:txBody>
+      </p:sp>
+      <p:sp>
+        <p:nvSpPr>
+          <p:cNvPr id="8" name="Rectangle 7">
+            <a:extLst>
+              <a:ext uri="{FF2B5EF4-FFF2-40B4-BE49-F238E27FC236}">
+                <a16:creationId xmlns:a16="http://schemas.microsoft.com/office/drawing/2014/main" id="{FE0D63A0-1633-E841-944F-B91BFC6F0FEB}"/>
+              </a:ext>
+            </a:extLst>
+          </p:cNvPr>
+          <p:cNvSpPr/>
+          <p:nvPr/>
+        </p:nvSpPr>
+        <p:spPr>
+          <a:xfrm>
+            <a:off x="2333415" y="638586"/>
+            <a:ext cx="1499065" cy="369332"/>
+          </a:xfrm>
+          <a:prstGeom prst="rect">
+            <a:avLst/>
+          </a:prstGeom>
+        </p:spPr>
+        <p:txBody>
+          <a:bodyPr wrap="none">
+            <a:spAutoFit/>
+          </a:bodyPr>
+          <a:lstStyle/>
+          <a:p>
+            <a:pPr algn="ctr"/>
+            <a:r>
+              <a:rPr lang="en-US" u="sng" dirty="0"/>
+              <a:t>b tagging SF’s </a:t>
+            </a:r>
+          </a:p>
+        </p:txBody>
+      </p:sp>
+      <p:pic>
+        <p:nvPicPr>
+          <p:cNvPr id="12" name="Picture 11">
+            <a:extLst>
+              <a:ext uri="{FF2B5EF4-FFF2-40B4-BE49-F238E27FC236}">
+                <a16:creationId xmlns:a16="http://schemas.microsoft.com/office/drawing/2014/main" id="{728BD80A-D106-FF49-B462-2FB4935555AB}"/>
+              </a:ext>
+            </a:extLst>
+          </p:cNvPr>
+          <p:cNvPicPr>
+            <a:picLocks noChangeAspect="1"/>
+          </p:cNvPicPr>
+          <p:nvPr/>
+        </p:nvPicPr>
+        <p:blipFill>
+          <a:blip r:embed="rId2"/>
+          <a:stretch>
+            <a:fillRect/>
+          </a:stretch>
+        </p:blipFill>
+        <p:spPr>
+          <a:xfrm rot="5400000">
+            <a:off x="927312" y="440626"/>
+            <a:ext cx="4311269" cy="5976747"/>
+          </a:xfrm>
+          <a:prstGeom prst="rect">
+            <a:avLst/>
+          </a:prstGeom>
+        </p:spPr>
+      </p:pic>
+      <p:pic>
+        <p:nvPicPr>
+          <p:cNvPr id="16" name="Picture 15">
+            <a:extLst>
+              <a:ext uri="{FF2B5EF4-FFF2-40B4-BE49-F238E27FC236}">
+                <a16:creationId xmlns:a16="http://schemas.microsoft.com/office/drawing/2014/main" id="{943DECBC-0963-F941-B274-FC163F24EF10}"/>
+              </a:ext>
+            </a:extLst>
+          </p:cNvPr>
+          <p:cNvPicPr>
+            <a:picLocks noChangeAspect="1"/>
+          </p:cNvPicPr>
+          <p:nvPr/>
+        </p:nvPicPr>
+        <p:blipFill>
+          <a:blip r:embed="rId3"/>
+          <a:stretch>
+            <a:fillRect/>
+          </a:stretch>
+        </p:blipFill>
+        <p:spPr>
+          <a:xfrm rot="5400000">
+            <a:off x="6928739" y="440626"/>
+            <a:ext cx="4311269" cy="5976747"/>
+          </a:xfrm>
+          <a:prstGeom prst="rect">
+            <a:avLst/>
+          </a:prstGeom>
+        </p:spPr>
+      </p:pic>
+    </p:spTree>
+    <p:extLst>
+      <p:ext uri="{BB962C8B-B14F-4D97-AF65-F5344CB8AC3E}">
+        <p14:creationId xmlns:p14="http://schemas.microsoft.com/office/powerpoint/2010/main" val="2010860954"/>
+      </p:ext>
+    </p:extLst>
+  </p:cSld>
+  <p:clrMapOvr>
+    <a:masterClrMapping/>
+  </p:clrMapOvr>
+</p:sld>
+</file>
+
+<file path=ppt/slides/slide26.xml><?xml version="1.0" encoding="utf-8"?>
+<p:sld xmlns:a="http://schemas.openxmlformats.org/drawingml/2006/main" xmlns:r="http://schemas.openxmlformats.org/officeDocument/2006/relationships" xmlns:p="http://schemas.openxmlformats.org/presentationml/2006/main">
+  <p:cSld>
+    <p:spTree>
+      <p:nvGrpSpPr>
+        <p:cNvPr id="1" name=""/>
+        <p:cNvGrpSpPr/>
+        <p:nvPr/>
+      </p:nvGrpSpPr>
+      <p:grpSpPr>
+        <a:xfrm>
+          <a:off x="0" y="0"/>
+          <a:ext cx="0" cy="0"/>
+          <a:chOff x="0" y="0"/>
+          <a:chExt cx="0" cy="0"/>
+        </a:xfrm>
+      </p:grpSpPr>
+      <p:sp>
+        <p:nvSpPr>
+          <p:cNvPr id="3" name="Footer Placeholder 2"/>
+          <p:cNvSpPr>
+            <a:spLocks noGrp="1"/>
+          </p:cNvSpPr>
+          <p:nvPr>
+            <p:ph type="ftr" sz="quarter" idx="11"/>
+          </p:nvPr>
+        </p:nvSpPr>
+        <p:spPr/>
+        <p:txBody>
+          <a:bodyPr/>
+          <a:lstStyle/>
+          <a:p>
+            <a:r>
+              <a:rPr lang="fi-FI" dirty="0"/>
+              <a:t>NTUA G. </a:t>
+            </a:r>
+            <a:r>
+              <a:rPr lang="fi-FI" dirty="0" err="1"/>
+              <a:t>Bakas</a:t>
+            </a:r>
+            <a:endParaRPr lang="en-US" dirty="0"/>
+          </a:p>
+        </p:txBody>
+      </p:sp>
+      <p:sp>
+        <p:nvSpPr>
+          <p:cNvPr id="7" name="TextBox 6"/>
+          <p:cNvSpPr txBox="1"/>
+          <p:nvPr/>
+        </p:nvSpPr>
+        <p:spPr>
+          <a:xfrm>
+            <a:off x="3276600" y="33090"/>
+            <a:ext cx="5638800" cy="523220"/>
+          </a:xfrm>
+          <a:prstGeom prst="rect">
+            <a:avLst/>
+          </a:prstGeom>
+          <a:noFill/>
+        </p:spPr>
+        <p:txBody>
+          <a:bodyPr wrap="square" rtlCol="0">
+            <a:spAutoFit/>
+          </a:bodyPr>
+          <a:lstStyle/>
+          <a:p>
+            <a:pPr algn="ctr"/>
+            <a:r>
+              <a:rPr lang="en-US" sz="2800" u="sng" dirty="0"/>
+              <a:t>Tag And Probe</a:t>
+            </a:r>
+            <a:endParaRPr lang="en-US" sz="2800" u="sng" dirty="0">
+              <a:solidFill>
+                <a:srgbClr val="00B050"/>
+              </a:solidFill>
+            </a:endParaRPr>
+          </a:p>
+        </p:txBody>
+      </p:sp>
+      <p:sp>
+        <p:nvSpPr>
+          <p:cNvPr id="5" name="Slide Number Placeholder 4">
+            <a:extLst>
+              <a:ext uri="{FF2B5EF4-FFF2-40B4-BE49-F238E27FC236}">
+                <a16:creationId xmlns:a16="http://schemas.microsoft.com/office/drawing/2014/main" id="{69A96869-DB60-5345-ACD9-F1C41035B064}"/>
+              </a:ext>
+            </a:extLst>
+          </p:cNvPr>
+          <p:cNvSpPr>
+            <a:spLocks noGrp="1"/>
+          </p:cNvSpPr>
+          <p:nvPr>
+            <p:ph type="sldNum" sz="quarter" idx="12"/>
+          </p:nvPr>
+        </p:nvSpPr>
+        <p:spPr/>
+        <p:txBody>
+          <a:bodyPr/>
+          <a:lstStyle/>
+          <a:p>
+            <a:fld id="{4FAB73BC-B049-4115-A692-8D63A059BFB8}" type="slidenum">
+              <a:rPr lang="en-US" smtClean="0"/>
+              <a:pPr/>
+              <a:t>26</a:t>
+            </a:fld>
+            <a:endParaRPr lang="en-US" dirty="0"/>
+          </a:p>
+        </p:txBody>
+      </p:sp>
+      <p:sp>
+        <p:nvSpPr>
+          <p:cNvPr id="24" name="Date Placeholder 23">
+            <a:extLst>
+              <a:ext uri="{FF2B5EF4-FFF2-40B4-BE49-F238E27FC236}">
+                <a16:creationId xmlns:a16="http://schemas.microsoft.com/office/drawing/2014/main" id="{056D71EF-2E89-4043-8F92-90A4D46A3E69}"/>
+              </a:ext>
+            </a:extLst>
+          </p:cNvPr>
+          <p:cNvSpPr>
+            <a:spLocks noGrp="1"/>
+          </p:cNvSpPr>
+          <p:nvPr>
+            <p:ph type="dt" sz="half" idx="10"/>
+          </p:nvPr>
+        </p:nvSpPr>
+        <p:spPr/>
+        <p:txBody>
+          <a:bodyPr/>
+          <a:lstStyle/>
+          <a:p>
+            <a:fld id="{3DBB7BD0-9B8D-1F47-8ABF-BE3CF9BD2848}" type="datetime1">
+              <a:rPr lang="en-US" smtClean="0"/>
+              <a:t>9/2/20</a:t>
+            </a:fld>
+            <a:endParaRPr lang="en-US" dirty="0"/>
+          </a:p>
+        </p:txBody>
+      </p:sp>
+      <mc:AlternateContent xmlns:mc="http://schemas.openxmlformats.org/markup-compatibility/2006" xmlns:a14="http://schemas.microsoft.com/office/drawing/2010/main">
+        <mc:Choice Requires="a14">
           <p:sp>
             <p:nvSpPr>
               <p:cNvPr id="2" name="Rectangle 1">
@@ -14192,7 +14830,7 @@
             </p:txBody>
           </p:sp>
         </mc:Choice>
-        <mc:Fallback>
+        <mc:Fallback xmlns="">
           <p:sp>
             <p:nvSpPr>
               <p:cNvPr id="2" name="Rectangle 1">
@@ -14250,896 +14888,6 @@
 </p:sld>
 </file>
 
-<file path=ppt/slides/slide25.xml><?xml version="1.0" encoding="utf-8"?>
-<p:sld xmlns:a="http://schemas.openxmlformats.org/drawingml/2006/main" xmlns:r="http://schemas.openxmlformats.org/officeDocument/2006/relationships" xmlns:p="http://schemas.openxmlformats.org/presentationml/2006/main">
-  <p:cSld>
-    <p:spTree>
-      <p:nvGrpSpPr>
-        <p:cNvPr id="1" name=""/>
-        <p:cNvGrpSpPr/>
-        <p:nvPr/>
-      </p:nvGrpSpPr>
-      <p:grpSpPr>
-        <a:xfrm>
-          <a:off x="0" y="0"/>
-          <a:ext cx="0" cy="0"/>
-          <a:chOff x="0" y="0"/>
-          <a:chExt cx="0" cy="0"/>
-        </a:xfrm>
-      </p:grpSpPr>
-      <p:sp>
-        <p:nvSpPr>
-          <p:cNvPr id="3" name="Footer Placeholder 2"/>
-          <p:cNvSpPr>
-            <a:spLocks noGrp="1"/>
-          </p:cNvSpPr>
-          <p:nvPr>
-            <p:ph type="ftr" sz="quarter" idx="11"/>
-          </p:nvPr>
-        </p:nvSpPr>
-        <p:spPr/>
-        <p:txBody>
-          <a:bodyPr/>
-          <a:lstStyle/>
-          <a:p>
-            <a:r>
-              <a:rPr lang="fi-FI" dirty="0"/>
-              <a:t>NTUA G. </a:t>
-            </a:r>
-            <a:r>
-              <a:rPr lang="fi-FI" dirty="0" err="1"/>
-              <a:t>Bakas</a:t>
-            </a:r>
-            <a:endParaRPr lang="en-US" dirty="0"/>
-          </a:p>
-        </p:txBody>
-      </p:sp>
-      <p:sp>
-        <p:nvSpPr>
-          <p:cNvPr id="7" name="TextBox 6"/>
-          <p:cNvSpPr txBox="1"/>
-          <p:nvPr/>
-        </p:nvSpPr>
-        <p:spPr>
-          <a:xfrm>
-            <a:off x="3276600" y="33090"/>
-            <a:ext cx="5638800" cy="523220"/>
-          </a:xfrm>
-          <a:prstGeom prst="rect">
-            <a:avLst/>
-          </a:prstGeom>
-          <a:noFill/>
-        </p:spPr>
-        <p:txBody>
-          <a:bodyPr wrap="square" rtlCol="0">
-            <a:spAutoFit/>
-          </a:bodyPr>
-          <a:lstStyle/>
-          <a:p>
-            <a:pPr algn="ctr"/>
-            <a:r>
-              <a:rPr lang="en-US" sz="2800" u="sng" dirty="0"/>
-              <a:t>Tag And Probe Calculations </a:t>
-            </a:r>
-            <a:r>
-              <a:rPr lang="en-US" sz="2800" u="sng" dirty="0">
-                <a:solidFill>
-                  <a:srgbClr val="00B0F0"/>
-                </a:solidFill>
-              </a:rPr>
-              <a:t>2016</a:t>
-            </a:r>
-            <a:r>
-              <a:rPr lang="en-US" sz="2800" u="sng" dirty="0"/>
-              <a:t> </a:t>
-            </a:r>
-            <a:endParaRPr lang="en-US" sz="2800" u="sng" dirty="0">
-              <a:solidFill>
-                <a:srgbClr val="00B050"/>
-              </a:solidFill>
-            </a:endParaRPr>
-          </a:p>
-        </p:txBody>
-      </p:sp>
-      <p:sp>
-        <p:nvSpPr>
-          <p:cNvPr id="5" name="Slide Number Placeholder 4">
-            <a:extLst>
-              <a:ext uri="{FF2B5EF4-FFF2-40B4-BE49-F238E27FC236}">
-                <a16:creationId xmlns:a16="http://schemas.microsoft.com/office/drawing/2014/main" id="{69A96869-DB60-5345-ACD9-F1C41035B064}"/>
-              </a:ext>
-            </a:extLst>
-          </p:cNvPr>
-          <p:cNvSpPr>
-            <a:spLocks noGrp="1"/>
-          </p:cNvSpPr>
-          <p:nvPr>
-            <p:ph type="sldNum" sz="quarter" idx="12"/>
-          </p:nvPr>
-        </p:nvSpPr>
-        <p:spPr/>
-        <p:txBody>
-          <a:bodyPr/>
-          <a:lstStyle/>
-          <a:p>
-            <a:fld id="{4FAB73BC-B049-4115-A692-8D63A059BFB8}" type="slidenum">
-              <a:rPr lang="en-US" smtClean="0"/>
-              <a:pPr/>
-              <a:t>25</a:t>
-            </a:fld>
-            <a:endParaRPr lang="en-US" dirty="0"/>
-          </a:p>
-        </p:txBody>
-      </p:sp>
-      <p:sp>
-        <p:nvSpPr>
-          <p:cNvPr id="24" name="Date Placeholder 23">
-            <a:extLst>
-              <a:ext uri="{FF2B5EF4-FFF2-40B4-BE49-F238E27FC236}">
-                <a16:creationId xmlns:a16="http://schemas.microsoft.com/office/drawing/2014/main" id="{056D71EF-2E89-4043-8F92-90A4D46A3E69}"/>
-              </a:ext>
-            </a:extLst>
-          </p:cNvPr>
-          <p:cNvSpPr>
-            <a:spLocks noGrp="1"/>
-          </p:cNvSpPr>
-          <p:nvPr>
-            <p:ph type="dt" sz="half" idx="10"/>
-          </p:nvPr>
-        </p:nvSpPr>
-        <p:spPr/>
-        <p:txBody>
-          <a:bodyPr/>
-          <a:lstStyle/>
-          <a:p>
-            <a:fld id="{3DBB7BD0-9B8D-1F47-8ABF-BE3CF9BD2848}" type="datetime1">
-              <a:rPr lang="en-US" smtClean="0"/>
-              <a:t>9/1/20</a:t>
-            </a:fld>
-            <a:endParaRPr lang="en-US" dirty="0"/>
-          </a:p>
-        </p:txBody>
-      </p:sp>
-      <p:sp>
-        <p:nvSpPr>
-          <p:cNvPr id="6" name="Rectangle 5">
-            <a:extLst>
-              <a:ext uri="{FF2B5EF4-FFF2-40B4-BE49-F238E27FC236}">
-                <a16:creationId xmlns:a16="http://schemas.microsoft.com/office/drawing/2014/main" id="{1D3A9800-C923-F943-ACA5-B4B9B9A1D73D}"/>
-              </a:ext>
-            </a:extLst>
-          </p:cNvPr>
-          <p:cNvSpPr/>
-          <p:nvPr/>
-        </p:nvSpPr>
-        <p:spPr>
-          <a:xfrm>
-            <a:off x="7939701" y="638586"/>
-            <a:ext cx="2289346" cy="369332"/>
-          </a:xfrm>
-          <a:prstGeom prst="rect">
-            <a:avLst/>
-          </a:prstGeom>
-        </p:spPr>
-        <p:txBody>
-          <a:bodyPr wrap="none">
-            <a:spAutoFit/>
-          </a:bodyPr>
-          <a:lstStyle/>
-          <a:p>
-            <a:pPr algn="ctr"/>
-            <a:r>
-              <a:rPr lang="en-US" u="sng" dirty="0"/>
-              <a:t>without b tagging SF’s </a:t>
-            </a:r>
-          </a:p>
-        </p:txBody>
-      </p:sp>
-      <p:sp>
-        <p:nvSpPr>
-          <p:cNvPr id="8" name="Rectangle 7">
-            <a:extLst>
-              <a:ext uri="{FF2B5EF4-FFF2-40B4-BE49-F238E27FC236}">
-                <a16:creationId xmlns:a16="http://schemas.microsoft.com/office/drawing/2014/main" id="{FE0D63A0-1633-E841-944F-B91BFC6F0FEB}"/>
-              </a:ext>
-            </a:extLst>
-          </p:cNvPr>
-          <p:cNvSpPr/>
-          <p:nvPr/>
-        </p:nvSpPr>
-        <p:spPr>
-          <a:xfrm>
-            <a:off x="2333415" y="638586"/>
-            <a:ext cx="1499065" cy="369332"/>
-          </a:xfrm>
-          <a:prstGeom prst="rect">
-            <a:avLst/>
-          </a:prstGeom>
-        </p:spPr>
-        <p:txBody>
-          <a:bodyPr wrap="none">
-            <a:spAutoFit/>
-          </a:bodyPr>
-          <a:lstStyle/>
-          <a:p>
-            <a:pPr algn="ctr"/>
-            <a:r>
-              <a:rPr lang="en-US" u="sng" dirty="0"/>
-              <a:t>b tagging SF’s </a:t>
-            </a:r>
-          </a:p>
-        </p:txBody>
-      </p:sp>
-      <p:sp>
-        <p:nvSpPr>
-          <p:cNvPr id="4" name="Rectangle 3">
-            <a:extLst>
-              <a:ext uri="{FF2B5EF4-FFF2-40B4-BE49-F238E27FC236}">
-                <a16:creationId xmlns:a16="http://schemas.microsoft.com/office/drawing/2014/main" id="{5C3FEF86-DEE2-7A46-9297-5B0B54F82785}"/>
-              </a:ext>
-            </a:extLst>
-          </p:cNvPr>
-          <p:cNvSpPr/>
-          <p:nvPr/>
-        </p:nvSpPr>
-        <p:spPr>
-          <a:xfrm>
-            <a:off x="1237088" y="1582339"/>
-            <a:ext cx="3691717" cy="3693319"/>
-          </a:xfrm>
-          <a:prstGeom prst="rect">
-            <a:avLst/>
-          </a:prstGeom>
-        </p:spPr>
-        <p:txBody>
-          <a:bodyPr wrap="square">
-            <a:spAutoFit/>
-          </a:bodyPr>
-          <a:lstStyle/>
-          <a:p>
-            <a:r>
-              <a:rPr lang="en-GR" dirty="0"/>
-              <a:t>Efficiency--with btagging SF's</a:t>
-            </a:r>
-          </a:p>
-          <a:p>
-            <a:r>
-              <a:rPr lang="en-GR" dirty="0"/>
-              <a:t>eff data: 0.781 ± 0.038</a:t>
-            </a:r>
-          </a:p>
-          <a:p>
-            <a:r>
-              <a:rPr lang="en-GR" b="1" u="sng" dirty="0">
-                <a:solidFill>
-                  <a:srgbClr val="00B0F0"/>
-                </a:solidFill>
-              </a:rPr>
-              <a:t>eff ttbar: 0.772 ± 0.014</a:t>
-            </a:r>
-          </a:p>
-          <a:p>
-            <a:r>
-              <a:rPr lang="en-GR" dirty="0"/>
-              <a:t>-----------</a:t>
-            </a:r>
-          </a:p>
-          <a:p>
-            <a:r>
-              <a:rPr lang="en-GR" dirty="0"/>
-              <a:t>Efficiency per Pt region</a:t>
-            </a:r>
-          </a:p>
-          <a:p>
-            <a:r>
-              <a:rPr lang="en-GR" dirty="0"/>
-              <a:t>eff data pT[400-600]: 0.761 ± 0.042</a:t>
-            </a:r>
-          </a:p>
-          <a:p>
-            <a:r>
-              <a:rPr lang="en-GR" dirty="0"/>
-              <a:t>eff ttbar pT[400-600]: 0.778 ± 0.016</a:t>
-            </a:r>
-          </a:p>
-          <a:p>
-            <a:r>
-              <a:rPr lang="en-GR" dirty="0"/>
-              <a:t>-----------</a:t>
-            </a:r>
-          </a:p>
-          <a:p>
-            <a:r>
-              <a:rPr lang="en-GR" dirty="0"/>
-              <a:t>eff data pT[600-800]: 0.851 ± 0.100</a:t>
-            </a:r>
-          </a:p>
-          <a:p>
-            <a:r>
-              <a:rPr lang="en-GR" dirty="0"/>
-              <a:t>eff ttbar pT[600-800]: 0.748 ± 0.031</a:t>
-            </a:r>
-          </a:p>
-          <a:p>
-            <a:r>
-              <a:rPr lang="en-GR" dirty="0"/>
-              <a:t>-----------</a:t>
-            </a:r>
-          </a:p>
-          <a:p>
-            <a:r>
-              <a:rPr lang="en-GR" dirty="0"/>
-              <a:t>eff data pT[800-Inf]: 0.886 ± 0.160</a:t>
-            </a:r>
-          </a:p>
-          <a:p>
-            <a:r>
-              <a:rPr lang="en-GR" dirty="0"/>
-              <a:t>eff ttbar pT[800-Inf]: 0.775 ± 0.063</a:t>
-            </a:r>
-          </a:p>
-        </p:txBody>
-      </p:sp>
-      <p:sp>
-        <p:nvSpPr>
-          <p:cNvPr id="9" name="Rectangle 8">
-            <a:extLst>
-              <a:ext uri="{FF2B5EF4-FFF2-40B4-BE49-F238E27FC236}">
-                <a16:creationId xmlns:a16="http://schemas.microsoft.com/office/drawing/2014/main" id="{B6B55A27-C83E-6643-BB7E-E5EEB2946D8C}"/>
-              </a:ext>
-            </a:extLst>
-          </p:cNvPr>
-          <p:cNvSpPr/>
-          <p:nvPr/>
-        </p:nvSpPr>
-        <p:spPr>
-          <a:xfrm>
-            <a:off x="7069541" y="1582338"/>
-            <a:ext cx="3691717" cy="3693319"/>
-          </a:xfrm>
-          <a:prstGeom prst="rect">
-            <a:avLst/>
-          </a:prstGeom>
-        </p:spPr>
-        <p:txBody>
-          <a:bodyPr wrap="square">
-            <a:spAutoFit/>
-          </a:bodyPr>
-          <a:lstStyle/>
-          <a:p>
-            <a:r>
-              <a:rPr lang="en-GR" dirty="0"/>
-              <a:t>Efficiency--without btagging SF's</a:t>
-            </a:r>
-          </a:p>
-          <a:p>
-            <a:r>
-              <a:rPr lang="en-GR" dirty="0"/>
-              <a:t>eff data: 0.782 ± 0.039</a:t>
-            </a:r>
-          </a:p>
-          <a:p>
-            <a:r>
-              <a:rPr lang="en-GR" dirty="0">
-                <a:solidFill>
-                  <a:srgbClr val="00B0F0"/>
-                </a:solidFill>
-              </a:rPr>
-              <a:t>eff ttbar: 0.772 ± 0.014</a:t>
-            </a:r>
-          </a:p>
-          <a:p>
-            <a:r>
-              <a:rPr lang="en-GR" dirty="0"/>
-              <a:t>-----------</a:t>
-            </a:r>
-          </a:p>
-          <a:p>
-            <a:r>
-              <a:rPr lang="en-GR" dirty="0"/>
-              <a:t>Efficiency per Pt region</a:t>
-            </a:r>
-          </a:p>
-          <a:p>
-            <a:r>
-              <a:rPr lang="en-GR" dirty="0"/>
-              <a:t>eff data pT[400-600]: 0.762 ± 0.043 </a:t>
-            </a:r>
-          </a:p>
-          <a:p>
-            <a:r>
-              <a:rPr lang="en-GR" dirty="0"/>
-              <a:t>eff ttbar pT[400-600]: 0.778 ± 0.016</a:t>
-            </a:r>
-          </a:p>
-          <a:p>
-            <a:r>
-              <a:rPr lang="en-GR" dirty="0"/>
-              <a:t>-----------</a:t>
-            </a:r>
-          </a:p>
-          <a:p>
-            <a:r>
-              <a:rPr lang="en-GR" dirty="0"/>
-              <a:t>eff data pT[600-800]: 0.854 ± 0.103</a:t>
-            </a:r>
-          </a:p>
-          <a:p>
-            <a:r>
-              <a:rPr lang="en-GR" dirty="0"/>
-              <a:t>eff ttbar pT[600-800]: 0.748 ± 0.031</a:t>
-            </a:r>
-          </a:p>
-          <a:p>
-            <a:r>
-              <a:rPr lang="en-GR" dirty="0"/>
-              <a:t>-----------</a:t>
-            </a:r>
-          </a:p>
-          <a:p>
-            <a:r>
-              <a:rPr lang="en-GR" dirty="0"/>
-              <a:t>eff data pT[800-Inf]: 0.888 ± 0.161</a:t>
-            </a:r>
-          </a:p>
-          <a:p>
-            <a:r>
-              <a:rPr lang="en-GR" dirty="0"/>
-              <a:t>eff ttbar pT[800-Inf]: 0.775 ± 0.064</a:t>
-            </a:r>
-          </a:p>
-        </p:txBody>
-      </p:sp>
-    </p:spTree>
-    <p:extLst>
-      <p:ext uri="{BB962C8B-B14F-4D97-AF65-F5344CB8AC3E}">
-        <p14:creationId xmlns:p14="http://schemas.microsoft.com/office/powerpoint/2010/main" val="3727702470"/>
-      </p:ext>
-    </p:extLst>
-  </p:cSld>
-  <p:clrMapOvr>
-    <a:masterClrMapping/>
-  </p:clrMapOvr>
-</p:sld>
-</file>
-
-<file path=ppt/slides/slide26.xml><?xml version="1.0" encoding="utf-8"?>
-<p:sld xmlns:a="http://schemas.openxmlformats.org/drawingml/2006/main" xmlns:r="http://schemas.openxmlformats.org/officeDocument/2006/relationships" xmlns:p="http://schemas.openxmlformats.org/presentationml/2006/main">
-  <p:cSld>
-    <p:spTree>
-      <p:nvGrpSpPr>
-        <p:cNvPr id="1" name=""/>
-        <p:cNvGrpSpPr/>
-        <p:nvPr/>
-      </p:nvGrpSpPr>
-      <p:grpSpPr>
-        <a:xfrm>
-          <a:off x="0" y="0"/>
-          <a:ext cx="0" cy="0"/>
-          <a:chOff x="0" y="0"/>
-          <a:chExt cx="0" cy="0"/>
-        </a:xfrm>
-      </p:grpSpPr>
-      <p:sp>
-        <p:nvSpPr>
-          <p:cNvPr id="3" name="Footer Placeholder 2"/>
-          <p:cNvSpPr>
-            <a:spLocks noGrp="1"/>
-          </p:cNvSpPr>
-          <p:nvPr>
-            <p:ph type="ftr" sz="quarter" idx="11"/>
-          </p:nvPr>
-        </p:nvSpPr>
-        <p:spPr/>
-        <p:txBody>
-          <a:bodyPr/>
-          <a:lstStyle/>
-          <a:p>
-            <a:r>
-              <a:rPr lang="fi-FI" dirty="0"/>
-              <a:t>NTUA G. </a:t>
-            </a:r>
-            <a:r>
-              <a:rPr lang="fi-FI" dirty="0" err="1"/>
-              <a:t>Bakas</a:t>
-            </a:r>
-            <a:endParaRPr lang="en-US" dirty="0"/>
-          </a:p>
-        </p:txBody>
-      </p:sp>
-      <p:sp>
-        <p:nvSpPr>
-          <p:cNvPr id="5" name="Slide Number Placeholder 4">
-            <a:extLst>
-              <a:ext uri="{FF2B5EF4-FFF2-40B4-BE49-F238E27FC236}">
-                <a16:creationId xmlns:a16="http://schemas.microsoft.com/office/drawing/2014/main" id="{69A96869-DB60-5345-ACD9-F1C41035B064}"/>
-              </a:ext>
-            </a:extLst>
-          </p:cNvPr>
-          <p:cNvSpPr>
-            <a:spLocks noGrp="1"/>
-          </p:cNvSpPr>
-          <p:nvPr>
-            <p:ph type="sldNum" sz="quarter" idx="12"/>
-          </p:nvPr>
-        </p:nvSpPr>
-        <p:spPr/>
-        <p:txBody>
-          <a:bodyPr/>
-          <a:lstStyle/>
-          <a:p>
-            <a:fld id="{4FAB73BC-B049-4115-A692-8D63A059BFB8}" type="slidenum">
-              <a:rPr lang="en-US" smtClean="0"/>
-              <a:pPr/>
-              <a:t>26</a:t>
-            </a:fld>
-            <a:endParaRPr lang="en-US" dirty="0"/>
-          </a:p>
-        </p:txBody>
-      </p:sp>
-      <p:sp>
-        <p:nvSpPr>
-          <p:cNvPr id="24" name="Date Placeholder 23">
-            <a:extLst>
-              <a:ext uri="{FF2B5EF4-FFF2-40B4-BE49-F238E27FC236}">
-                <a16:creationId xmlns:a16="http://schemas.microsoft.com/office/drawing/2014/main" id="{056D71EF-2E89-4043-8F92-90A4D46A3E69}"/>
-              </a:ext>
-            </a:extLst>
-          </p:cNvPr>
-          <p:cNvSpPr>
-            <a:spLocks noGrp="1"/>
-          </p:cNvSpPr>
-          <p:nvPr>
-            <p:ph type="dt" sz="half" idx="10"/>
-          </p:nvPr>
-        </p:nvSpPr>
-        <p:spPr/>
-        <p:txBody>
-          <a:bodyPr/>
-          <a:lstStyle/>
-          <a:p>
-            <a:fld id="{D52D66B2-0E0A-F441-A1DA-8039F615D612}" type="datetime1">
-              <a:rPr lang="en-US" smtClean="0"/>
-              <a:t>9/1/20</a:t>
-            </a:fld>
-            <a:endParaRPr lang="en-US" dirty="0"/>
-          </a:p>
-        </p:txBody>
-      </p:sp>
-      <p:pic>
-        <p:nvPicPr>
-          <p:cNvPr id="14" name="Picture 13">
-            <a:extLst>
-              <a:ext uri="{FF2B5EF4-FFF2-40B4-BE49-F238E27FC236}">
-                <a16:creationId xmlns:a16="http://schemas.microsoft.com/office/drawing/2014/main" id="{484BB678-EF03-1E4B-8F08-99BE279810A5}"/>
-              </a:ext>
-            </a:extLst>
-          </p:cNvPr>
-          <p:cNvPicPr>
-            <a:picLocks noChangeAspect="1"/>
-          </p:cNvPicPr>
-          <p:nvPr/>
-        </p:nvPicPr>
-        <p:blipFill>
-          <a:blip r:embed="rId2"/>
-          <a:stretch>
-            <a:fillRect/>
-          </a:stretch>
-        </p:blipFill>
-        <p:spPr>
-          <a:xfrm rot="5400000">
-            <a:off x="7944248" y="-147063"/>
-            <a:ext cx="3012694" cy="4176522"/>
-          </a:xfrm>
-          <a:prstGeom prst="rect">
-            <a:avLst/>
-          </a:prstGeom>
-        </p:spPr>
-      </p:pic>
-      <p:pic>
-        <p:nvPicPr>
-          <p:cNvPr id="16" name="Picture 15">
-            <a:extLst>
-              <a:ext uri="{FF2B5EF4-FFF2-40B4-BE49-F238E27FC236}">
-                <a16:creationId xmlns:a16="http://schemas.microsoft.com/office/drawing/2014/main" id="{9D6EE389-A52D-4F4C-A2D8-E6BDAB28B6D9}"/>
-              </a:ext>
-            </a:extLst>
-          </p:cNvPr>
-          <p:cNvPicPr>
-            <a:picLocks noChangeAspect="1"/>
-          </p:cNvPicPr>
-          <p:nvPr/>
-        </p:nvPicPr>
-        <p:blipFill>
-          <a:blip r:embed="rId3"/>
-          <a:stretch>
-            <a:fillRect/>
-          </a:stretch>
-        </p:blipFill>
-        <p:spPr>
-          <a:xfrm rot="5400000">
-            <a:off x="7944248" y="2883723"/>
-            <a:ext cx="3012694" cy="4176522"/>
-          </a:xfrm>
-          <a:prstGeom prst="rect">
-            <a:avLst/>
-          </a:prstGeom>
-        </p:spPr>
-      </p:pic>
-      <p:sp>
-        <p:nvSpPr>
-          <p:cNvPr id="12" name="TextBox 11">
-            <a:extLst>
-              <a:ext uri="{FF2B5EF4-FFF2-40B4-BE49-F238E27FC236}">
-                <a16:creationId xmlns:a16="http://schemas.microsoft.com/office/drawing/2014/main" id="{0DA88F88-061A-7948-9105-8D7B2578CE9D}"/>
-              </a:ext>
-            </a:extLst>
-          </p:cNvPr>
-          <p:cNvSpPr txBox="1"/>
-          <p:nvPr/>
-        </p:nvSpPr>
-        <p:spPr>
-          <a:xfrm>
-            <a:off x="3752850" y="-76347"/>
-            <a:ext cx="4686300" cy="523220"/>
-          </a:xfrm>
-          <a:prstGeom prst="rect">
-            <a:avLst/>
-          </a:prstGeom>
-          <a:noFill/>
-        </p:spPr>
-        <p:txBody>
-          <a:bodyPr wrap="square" rtlCol="0">
-            <a:spAutoFit/>
-          </a:bodyPr>
-          <a:lstStyle/>
-          <a:p>
-            <a:r>
-              <a:rPr lang="en-GR" sz="2800" u="sng" dirty="0"/>
-              <a:t>TagAndProbe Efficiency </a:t>
-            </a:r>
-            <a:r>
-              <a:rPr lang="en-US" sz="2800" u="sng" dirty="0"/>
-              <a:t>(</a:t>
-            </a:r>
-            <a:r>
-              <a:rPr lang="en-US" sz="2800" u="sng" dirty="0">
-                <a:solidFill>
-                  <a:srgbClr val="00B0F0"/>
-                </a:solidFill>
-              </a:rPr>
-              <a:t>2016</a:t>
-            </a:r>
-            <a:r>
-              <a:rPr lang="en-US" sz="2800" u="sng" dirty="0"/>
-              <a:t>)</a:t>
-            </a:r>
-          </a:p>
-        </p:txBody>
-      </p:sp>
-      <p:pic>
-        <p:nvPicPr>
-          <p:cNvPr id="4" name="Picture 3">
-            <a:extLst>
-              <a:ext uri="{FF2B5EF4-FFF2-40B4-BE49-F238E27FC236}">
-                <a16:creationId xmlns:a16="http://schemas.microsoft.com/office/drawing/2014/main" id="{445DFE14-0581-C04E-BF1A-15D93312C5B0}"/>
-              </a:ext>
-            </a:extLst>
-          </p:cNvPr>
-          <p:cNvPicPr>
-            <a:picLocks noChangeAspect="1"/>
-          </p:cNvPicPr>
-          <p:nvPr/>
-        </p:nvPicPr>
-        <p:blipFill>
-          <a:blip r:embed="rId4"/>
-          <a:stretch>
-            <a:fillRect/>
-          </a:stretch>
-        </p:blipFill>
-        <p:spPr>
-          <a:xfrm rot="5400000">
-            <a:off x="1450594" y="-223701"/>
-            <a:ext cx="3012694" cy="4176522"/>
-          </a:xfrm>
-          <a:prstGeom prst="rect">
-            <a:avLst/>
-          </a:prstGeom>
-        </p:spPr>
-      </p:pic>
-      <p:pic>
-        <p:nvPicPr>
-          <p:cNvPr id="8" name="Picture 7">
-            <a:extLst>
-              <a:ext uri="{FF2B5EF4-FFF2-40B4-BE49-F238E27FC236}">
-                <a16:creationId xmlns:a16="http://schemas.microsoft.com/office/drawing/2014/main" id="{17C44605-60F4-E547-9DEF-B768885A5780}"/>
-              </a:ext>
-            </a:extLst>
-          </p:cNvPr>
-          <p:cNvPicPr>
-            <a:picLocks noChangeAspect="1"/>
-          </p:cNvPicPr>
-          <p:nvPr/>
-        </p:nvPicPr>
-        <p:blipFill>
-          <a:blip r:embed="rId5"/>
-          <a:stretch>
-            <a:fillRect/>
-          </a:stretch>
-        </p:blipFill>
-        <p:spPr>
-          <a:xfrm rot="5400000">
-            <a:off x="1450594" y="2859107"/>
-            <a:ext cx="3012694" cy="4176522"/>
-          </a:xfrm>
-          <a:prstGeom prst="rect">
-            <a:avLst/>
-          </a:prstGeom>
-        </p:spPr>
-      </p:pic>
-      <p:sp>
-        <p:nvSpPr>
-          <p:cNvPr id="22" name="TextBox 21">
-            <a:extLst>
-              <a:ext uri="{FF2B5EF4-FFF2-40B4-BE49-F238E27FC236}">
-                <a16:creationId xmlns:a16="http://schemas.microsoft.com/office/drawing/2014/main" id="{EA21A52B-1999-2A4B-A31D-E57CC60160A2}"/>
-              </a:ext>
-            </a:extLst>
-          </p:cNvPr>
-          <p:cNvSpPr txBox="1"/>
-          <p:nvPr/>
-        </p:nvSpPr>
-        <p:spPr>
-          <a:xfrm>
-            <a:off x="4683689" y="4680680"/>
-            <a:ext cx="3243263" cy="369332"/>
-          </a:xfrm>
-          <a:prstGeom prst="rect">
-            <a:avLst/>
-          </a:prstGeom>
-          <a:noFill/>
-        </p:spPr>
-        <p:txBody>
-          <a:bodyPr wrap="square" rtlCol="0">
-            <a:spAutoFit/>
-          </a:bodyPr>
-          <a:lstStyle/>
-          <a:p>
-            <a:pPr algn="ctr"/>
-            <a:r>
-              <a:rPr lang="en-GR" dirty="0"/>
-              <a:t>Tight TopTagger + Probe</a:t>
-            </a:r>
-          </a:p>
-        </p:txBody>
-      </p:sp>
-      <p:sp>
-        <p:nvSpPr>
-          <p:cNvPr id="19" name="TextBox 18">
-            <a:extLst>
-              <a:ext uri="{FF2B5EF4-FFF2-40B4-BE49-F238E27FC236}">
-                <a16:creationId xmlns:a16="http://schemas.microsoft.com/office/drawing/2014/main" id="{491F4ED5-8A54-D243-B516-026EF6F12778}"/>
-              </a:ext>
-            </a:extLst>
-          </p:cNvPr>
-          <p:cNvSpPr txBox="1"/>
-          <p:nvPr/>
-        </p:nvSpPr>
-        <p:spPr>
-          <a:xfrm>
-            <a:off x="4559413" y="1807989"/>
-            <a:ext cx="3243263" cy="369332"/>
-          </a:xfrm>
-          <a:prstGeom prst="rect">
-            <a:avLst/>
-          </a:prstGeom>
-          <a:noFill/>
-        </p:spPr>
-        <p:txBody>
-          <a:bodyPr wrap="square" rtlCol="0">
-            <a:spAutoFit/>
-          </a:bodyPr>
-          <a:lstStyle/>
-          <a:p>
-            <a:pPr algn="ctr"/>
-            <a:r>
-              <a:rPr lang="en-GR" dirty="0"/>
-              <a:t>Tight TopTagger + SR TopTagger</a:t>
-            </a:r>
-          </a:p>
-        </p:txBody>
-      </p:sp>
-      <p:sp>
-        <p:nvSpPr>
-          <p:cNvPr id="17" name="Rectangle 16">
-            <a:extLst>
-              <a:ext uri="{FF2B5EF4-FFF2-40B4-BE49-F238E27FC236}">
-                <a16:creationId xmlns:a16="http://schemas.microsoft.com/office/drawing/2014/main" id="{77F1A5DE-010C-8A49-9DFD-F714D88BF2CC}"/>
-              </a:ext>
-            </a:extLst>
-          </p:cNvPr>
-          <p:cNvSpPr/>
-          <p:nvPr/>
-        </p:nvSpPr>
-        <p:spPr>
-          <a:xfrm>
-            <a:off x="2049125" y="3186241"/>
-            <a:ext cx="1520674" cy="369332"/>
-          </a:xfrm>
-          <a:prstGeom prst="rect">
-            <a:avLst/>
-          </a:prstGeom>
-        </p:spPr>
-        <p:txBody>
-          <a:bodyPr wrap="none">
-            <a:spAutoFit/>
-          </a:bodyPr>
-          <a:lstStyle/>
-          <a:p>
-            <a:pPr algn="ctr"/>
-            <a:r>
-              <a:rPr lang="en-US" b="1" u="sng" dirty="0">
-                <a:solidFill>
-                  <a:srgbClr val="FF0000"/>
-                </a:solidFill>
-              </a:rPr>
-              <a:t>b tagging SF’s </a:t>
-            </a:r>
-          </a:p>
-        </p:txBody>
-      </p:sp>
-      <p:sp>
-        <p:nvSpPr>
-          <p:cNvPr id="21" name="Rectangle 20">
-            <a:extLst>
-              <a:ext uri="{FF2B5EF4-FFF2-40B4-BE49-F238E27FC236}">
-                <a16:creationId xmlns:a16="http://schemas.microsoft.com/office/drawing/2014/main" id="{D299BB8B-A7C3-284A-BF5C-C54CD55AAB5A}"/>
-              </a:ext>
-            </a:extLst>
-          </p:cNvPr>
-          <p:cNvSpPr/>
-          <p:nvPr/>
-        </p:nvSpPr>
-        <p:spPr>
-          <a:xfrm>
-            <a:off x="8457894" y="3204932"/>
-            <a:ext cx="1849289" cy="369332"/>
-          </a:xfrm>
-          <a:prstGeom prst="rect">
-            <a:avLst/>
-          </a:prstGeom>
-        </p:spPr>
-        <p:txBody>
-          <a:bodyPr wrap="none">
-            <a:spAutoFit/>
-          </a:bodyPr>
-          <a:lstStyle/>
-          <a:p>
-            <a:pPr algn="ctr"/>
-            <a:r>
-              <a:rPr lang="en-US" b="1" u="sng" dirty="0">
-                <a:solidFill>
-                  <a:srgbClr val="FF0000"/>
-                </a:solidFill>
-              </a:rPr>
-              <a:t>No b tagging SF’s </a:t>
-            </a:r>
-          </a:p>
-        </p:txBody>
-      </p:sp>
-    </p:spTree>
-    <p:extLst>
-      <p:ext uri="{BB962C8B-B14F-4D97-AF65-F5344CB8AC3E}">
-        <p14:creationId xmlns:p14="http://schemas.microsoft.com/office/powerpoint/2010/main" val="2146348735"/>
-      </p:ext>
-    </p:extLst>
-  </p:cSld>
-  <p:clrMapOvr>
-    <a:masterClrMapping/>
-  </p:clrMapOvr>
-</p:sld>
-</file>
-
 <file path=ppt/slides/slide27.xml><?xml version="1.0" encoding="utf-8"?>
 <p:sld xmlns:a="http://schemas.openxmlformats.org/drawingml/2006/main" xmlns:r="http://schemas.openxmlformats.org/officeDocument/2006/relationships" xmlns:p="http://schemas.openxmlformats.org/presentationml/2006/main">
   <p:cSld>
@@ -15214,10 +14962,10 @@
             <a:r>
               <a:rPr lang="en-US" sz="2800" u="sng" dirty="0">
                 <a:solidFill>
-                  <a:srgbClr val="FF0000"/>
+                  <a:srgbClr val="00B0F0"/>
                 </a:solidFill>
               </a:rPr>
-              <a:t>2017</a:t>
+              <a:t>2016</a:t>
             </a:r>
             <a:r>
               <a:rPr lang="en-US" sz="2800" u="sng" dirty="0"/>
@@ -15284,7 +15032,7 @@
           <a:p>
             <a:fld id="{3DBB7BD0-9B8D-1F47-8ABF-BE3CF9BD2848}" type="datetime1">
               <a:rPr lang="en-US" smtClean="0"/>
-              <a:t>9/1/20</a:t>
+              <a:t>9/2/20</a:t>
             </a:fld>
             <a:endParaRPr lang="en-US" dirty="0"/>
           </a:p>
@@ -15362,10 +15110,10 @@
       </p:sp>
       <p:sp>
         <p:nvSpPr>
-          <p:cNvPr id="2" name="Rectangle 1">
+          <p:cNvPr id="4" name="Rectangle 3">
             <a:extLst>
               <a:ext uri="{FF2B5EF4-FFF2-40B4-BE49-F238E27FC236}">
-                <a16:creationId xmlns:a16="http://schemas.microsoft.com/office/drawing/2014/main" id="{2DC1FF26-71A8-0242-A173-4ED7A7EC3B5E}"/>
+                <a16:creationId xmlns:a16="http://schemas.microsoft.com/office/drawing/2014/main" id="{5C3FEF86-DEE2-7A46-9297-5B0B54F82785}"/>
               </a:ext>
             </a:extLst>
           </p:cNvPr>
@@ -15374,8 +15122,8 @@
         </p:nvSpPr>
         <p:spPr>
           <a:xfrm>
-            <a:off x="1211284" y="1582339"/>
-            <a:ext cx="3743325" cy="3693319"/>
+            <a:off x="1237088" y="1582339"/>
+            <a:ext cx="3691717" cy="3693319"/>
           </a:xfrm>
           <a:prstGeom prst="rect">
             <a:avLst/>
@@ -15389,23 +15137,23 @@
           <a:p>
             <a:r>
               <a:rPr lang="en-GR" dirty="0"/>
-              <a:t>Efficiency-- with btagging SF's</a:t>
+              <a:t>Efficiency--with btagging SF's</a:t>
             </a:r>
           </a:p>
           <a:p>
             <a:r>
               <a:rPr lang="en-GR" dirty="0"/>
-              <a:t>eff data: 0.857 ± 0.040</a:t>
+              <a:t>eff data: 0.781 ± 0.038</a:t>
             </a:r>
           </a:p>
           <a:p>
             <a:r>
               <a:rPr lang="en-GR" b="1" u="sng" dirty="0">
                 <a:solidFill>
-                  <a:srgbClr val="FF0000"/>
+                  <a:srgbClr val="00B0F0"/>
                 </a:solidFill>
               </a:rPr>
-              <a:t>eff ttbar: 0.875 ± 0.0072</a:t>
+              <a:t>eff ttbar: 0.772 ± 0.014</a:t>
             </a:r>
           </a:p>
           <a:p>
@@ -15423,13 +15171,13 @@
           <a:p>
             <a:r>
               <a:rPr lang="en-GR" dirty="0"/>
-              <a:t>eff data pT[400-600]: 0.872 ± 0.047</a:t>
+              <a:t>eff data pT[400-600]: 0.761 ± 0.042</a:t>
             </a:r>
           </a:p>
           <a:p>
             <a:r>
               <a:rPr lang="en-GR" dirty="0"/>
-              <a:t>eff ttbar pT[400-600]: 0.874 ± 0.008</a:t>
+              <a:t>eff ttbar pT[400-600]: 0.778 ± 0.016</a:t>
             </a:r>
           </a:p>
           <a:p>
@@ -15441,13 +15189,13 @@
           <a:p>
             <a:r>
               <a:rPr lang="en-GR" dirty="0"/>
-              <a:t>eff data pT[600-800]: 0.795 ± 0.088</a:t>
+              <a:t>eff data pT[600-800]: 0.851 ± 0.100</a:t>
             </a:r>
           </a:p>
           <a:p>
             <a:r>
               <a:rPr lang="en-GR" dirty="0"/>
-              <a:t>eff ttbar pT[600-800]: 0.876 ± 0.018</a:t>
+              <a:t>eff ttbar pT[600-800]: 0.748 ± 0.031</a:t>
             </a:r>
           </a:p>
           <a:p>
@@ -15459,23 +15207,23 @@
           <a:p>
             <a:r>
               <a:rPr lang="en-GR" dirty="0"/>
-              <a:t>eff data pT[800-Inf]: 0.797 ± 0.186</a:t>
+              <a:t>eff data pT[800-Inf]: 0.886 ± 0.160</a:t>
             </a:r>
           </a:p>
           <a:p>
             <a:r>
               <a:rPr lang="en-GR" dirty="0"/>
-              <a:t>eff ttbar pT[800-Inf]: 0.899 ± 0.045</a:t>
-            </a:r>
-          </a:p>
-        </p:txBody>
-      </p:sp>
-      <p:sp>
-        <p:nvSpPr>
-          <p:cNvPr id="4" name="Rectangle 3">
+              <a:t>eff ttbar pT[800-Inf]: 0.775 ± 0.063</a:t>
+            </a:r>
+          </a:p>
+        </p:txBody>
+      </p:sp>
+      <p:sp>
+        <p:nvSpPr>
+          <p:cNvPr id="9" name="Rectangle 8">
             <a:extLst>
               <a:ext uri="{FF2B5EF4-FFF2-40B4-BE49-F238E27FC236}">
-                <a16:creationId xmlns:a16="http://schemas.microsoft.com/office/drawing/2014/main" id="{17DD903E-E2EE-ED4A-B9BA-6BDA6FAA4776}"/>
+                <a16:creationId xmlns:a16="http://schemas.microsoft.com/office/drawing/2014/main" id="{B6B55A27-C83E-6643-BB7E-E5EEB2946D8C}"/>
               </a:ext>
             </a:extLst>
           </p:cNvPr>
@@ -15484,8 +15232,8 @@
         </p:nvSpPr>
         <p:spPr>
           <a:xfrm>
-            <a:off x="7212711" y="1582339"/>
-            <a:ext cx="3743325" cy="3693319"/>
+            <a:off x="7069541" y="1582338"/>
+            <a:ext cx="3691717" cy="3693319"/>
           </a:xfrm>
           <a:prstGeom prst="rect">
             <a:avLst/>
@@ -15499,23 +15247,23 @@
           <a:p>
             <a:r>
               <a:rPr lang="en-GR" dirty="0"/>
-              <a:t>Efficiency-- without btagging SF's</a:t>
+              <a:t>Efficiency--without btagging SF's</a:t>
             </a:r>
           </a:p>
           <a:p>
             <a:r>
               <a:rPr lang="en-GR" dirty="0"/>
-              <a:t>eff data: 0.864 ± 0.043</a:t>
+              <a:t>eff data: 0.782 ± 0.039</a:t>
             </a:r>
           </a:p>
           <a:p>
             <a:r>
               <a:rPr lang="en-GR" dirty="0">
                 <a:solidFill>
-                  <a:srgbClr val="FF0000"/>
+                  <a:srgbClr val="00B0F0"/>
                 </a:solidFill>
               </a:rPr>
-              <a:t>eff ttbar: 0.875 ± 0.007</a:t>
+              <a:t>eff ttbar: 0.772 ± 0.014</a:t>
             </a:r>
           </a:p>
           <a:p>
@@ -15533,13 +15281,13 @@
           <a:p>
             <a:r>
               <a:rPr lang="en-GR" dirty="0"/>
-              <a:t>eff data pT[400-600]: 0.880 ± 0.049</a:t>
+              <a:t>eff data pT[400-600]: 0.762 ± 0.043 </a:t>
             </a:r>
           </a:p>
           <a:p>
             <a:r>
               <a:rPr lang="en-GR" dirty="0"/>
-              <a:t>eff ttbar pT[400-600]: 0.874 ± 0.008</a:t>
+              <a:t>eff ttbar pT[400-600]: 0.778 ± 0.016</a:t>
             </a:r>
           </a:p>
           <a:p>
@@ -15551,13 +15299,13 @@
           <a:p>
             <a:r>
               <a:rPr lang="en-GR" dirty="0"/>
-              <a:t>eff data pT[600-800]: 0.8 ± 0.091</a:t>
+              <a:t>eff data pT[600-800]: 0.854 ± 0.103</a:t>
             </a:r>
           </a:p>
           <a:p>
             <a:r>
               <a:rPr lang="en-GR" dirty="0"/>
-              <a:t>eff ttbar pT[600-800]: 0.876 ± 0.018</a:t>
+              <a:t>eff ttbar pT[600-800]: 0.748 ± 0.031</a:t>
             </a:r>
           </a:p>
           <a:p>
@@ -15569,13 +15317,13 @@
           <a:p>
             <a:r>
               <a:rPr lang="en-GR" dirty="0"/>
-              <a:t>eff data pT[800-Inf]: 0.796 ± 0.2</a:t>
+              <a:t>eff data pT[800-Inf]: 0.888 ± 0.161</a:t>
             </a:r>
           </a:p>
           <a:p>
             <a:r>
               <a:rPr lang="en-GR" dirty="0"/>
-              <a:t>eff ttbar pT[800-Inf]: 0.898 ± 0.045</a:t>
+              <a:t>eff ttbar pT[800-Inf]: 0.775 ± 0.064</a:t>
             </a:r>
           </a:p>
         </p:txBody>
@@ -15583,7 +15331,7 @@
     </p:spTree>
     <p:extLst>
       <p:ext uri="{BB962C8B-B14F-4D97-AF65-F5344CB8AC3E}">
-        <p14:creationId xmlns:p14="http://schemas.microsoft.com/office/powerpoint/2010/main" val="305433567"/>
+        <p14:creationId xmlns:p14="http://schemas.microsoft.com/office/powerpoint/2010/main" val="3727702470"/>
       </p:ext>
     </p:extLst>
   </p:cSld>
@@ -15690,7 +15438,7 @@
           <a:p>
             <a:fld id="{D52D66B2-0E0A-F441-A1DA-8039F615D612}" type="datetime1">
               <a:rPr lang="en-US" smtClean="0"/>
-              <a:t>9/1/20</a:t>
+              <a:t>9/2/20</a:t>
             </a:fld>
             <a:endParaRPr lang="en-US" dirty="0"/>
           </a:p>
@@ -15698,10 +15446,10 @@
       </p:sp>
       <p:pic>
         <p:nvPicPr>
-          <p:cNvPr id="6" name="Picture 5">
+          <p:cNvPr id="14" name="Picture 13">
             <a:extLst>
               <a:ext uri="{FF2B5EF4-FFF2-40B4-BE49-F238E27FC236}">
-                <a16:creationId xmlns:a16="http://schemas.microsoft.com/office/drawing/2014/main" id="{76577AAD-70A0-9B43-8DBE-57FA2136BB3A}"/>
+                <a16:creationId xmlns:a16="http://schemas.microsoft.com/office/drawing/2014/main" id="{484BB678-EF03-1E4B-8F08-99BE279810A5}"/>
               </a:ext>
             </a:extLst>
           </p:cNvPr>
@@ -15718,7 +15466,7 @@
         </p:blipFill>
         <p:spPr>
           <a:xfrm rot="5400000">
-            <a:off x="7709105" y="-192065"/>
+            <a:off x="7944248" y="-147063"/>
             <a:ext cx="3012694" cy="4176522"/>
           </a:xfrm>
           <a:prstGeom prst="rect">
@@ -15728,10 +15476,10 @@
       </p:pic>
       <p:pic>
         <p:nvPicPr>
-          <p:cNvPr id="9" name="Picture 8">
+          <p:cNvPr id="16" name="Picture 15">
             <a:extLst>
               <a:ext uri="{FF2B5EF4-FFF2-40B4-BE49-F238E27FC236}">
-                <a16:creationId xmlns:a16="http://schemas.microsoft.com/office/drawing/2014/main" id="{E69FA34F-44BB-8144-9394-18EA05CD1FF7}"/>
+                <a16:creationId xmlns:a16="http://schemas.microsoft.com/office/drawing/2014/main" id="{9D6EE389-A52D-4F4C-A2D8-E6BDAB28B6D9}"/>
               </a:ext>
             </a:extLst>
           </p:cNvPr>
@@ -15748,7 +15496,7 @@
         </p:blipFill>
         <p:spPr>
           <a:xfrm rot="5400000">
-            <a:off x="7711792" y="2820629"/>
+            <a:off x="7944248" y="2883723"/>
             <a:ext cx="3012694" cy="4176522"/>
           </a:xfrm>
           <a:prstGeom prst="rect">
@@ -15761,7 +15509,7 @@
           <p:cNvPr id="12" name="TextBox 11">
             <a:extLst>
               <a:ext uri="{FF2B5EF4-FFF2-40B4-BE49-F238E27FC236}">
-                <a16:creationId xmlns:a16="http://schemas.microsoft.com/office/drawing/2014/main" id="{9235591C-B2E3-1F4E-A8D0-58AEACB0FD0A}"/>
+                <a16:creationId xmlns:a16="http://schemas.microsoft.com/office/drawing/2014/main" id="{0DA88F88-061A-7948-9105-8D7B2578CE9D}"/>
               </a:ext>
             </a:extLst>
           </p:cNvPr>
@@ -15795,10 +15543,10 @@
             <a:r>
               <a:rPr lang="en-US" sz="2800" u="sng" dirty="0">
                 <a:solidFill>
-                  <a:srgbClr val="FF0000"/>
+                  <a:srgbClr val="00B0F0"/>
                 </a:solidFill>
               </a:rPr>
-              <a:t>2017</a:t>
+              <a:t>2016</a:t>
             </a:r>
             <a:r>
               <a:rPr lang="en-US" sz="2800" u="sng" dirty="0"/>
@@ -15812,7 +15560,7 @@
           <p:cNvPr id="4" name="Picture 3">
             <a:extLst>
               <a:ext uri="{FF2B5EF4-FFF2-40B4-BE49-F238E27FC236}">
-                <a16:creationId xmlns:a16="http://schemas.microsoft.com/office/drawing/2014/main" id="{2A0B0CBB-9430-DB4A-8230-417D7635DCEF}"/>
+                <a16:creationId xmlns:a16="http://schemas.microsoft.com/office/drawing/2014/main" id="{445DFE14-0581-C04E-BF1A-15D93312C5B0}"/>
               </a:ext>
             </a:extLst>
           </p:cNvPr>
@@ -15829,7 +15577,7 @@
         </p:blipFill>
         <p:spPr>
           <a:xfrm rot="5400000">
-            <a:off x="1341824" y="-192065"/>
+            <a:off x="1450594" y="-223701"/>
             <a:ext cx="3012694" cy="4176522"/>
           </a:xfrm>
           <a:prstGeom prst="rect">
@@ -15839,10 +15587,10 @@
       </p:pic>
       <p:pic>
         <p:nvPicPr>
-          <p:cNvPr id="10" name="Picture 9">
+          <p:cNvPr id="8" name="Picture 7">
             <a:extLst>
               <a:ext uri="{FF2B5EF4-FFF2-40B4-BE49-F238E27FC236}">
-                <a16:creationId xmlns:a16="http://schemas.microsoft.com/office/drawing/2014/main" id="{C82386EE-D7CA-224B-9B0C-7F5E3D376BCD}"/>
+                <a16:creationId xmlns:a16="http://schemas.microsoft.com/office/drawing/2014/main" id="{17C44605-60F4-E547-9DEF-B768885A5780}"/>
               </a:ext>
             </a:extLst>
           </p:cNvPr>
@@ -15859,7 +15607,7 @@
         </p:blipFill>
         <p:spPr>
           <a:xfrm rot="5400000">
-            <a:off x="1341824" y="2820629"/>
+            <a:off x="1450594" y="2859107"/>
             <a:ext cx="3012694" cy="4176522"/>
           </a:xfrm>
           <a:prstGeom prst="rect">
@@ -15869,10 +15617,10 @@
       </p:pic>
       <p:sp>
         <p:nvSpPr>
-          <p:cNvPr id="17" name="TextBox 16">
+          <p:cNvPr id="22" name="TextBox 21">
             <a:extLst>
               <a:ext uri="{FF2B5EF4-FFF2-40B4-BE49-F238E27FC236}">
-                <a16:creationId xmlns:a16="http://schemas.microsoft.com/office/drawing/2014/main" id="{2CCEE914-8706-CD47-AD02-11049E45D610}"/>
+                <a16:creationId xmlns:a16="http://schemas.microsoft.com/office/drawing/2014/main" id="{EA21A52B-1999-2A4B-A31D-E57CC60160A2}"/>
               </a:ext>
             </a:extLst>
           </p:cNvPr>
@@ -15881,7 +15629,7 @@
         </p:nvSpPr>
         <p:spPr>
           <a:xfrm>
-            <a:off x="4564347" y="1926143"/>
+            <a:off x="4683689" y="4680680"/>
             <a:ext cx="3243263" cy="369332"/>
           </a:xfrm>
           <a:prstGeom prst="rect">
@@ -15898,17 +15646,17 @@
             <a:pPr algn="ctr"/>
             <a:r>
               <a:rPr lang="en-GR" dirty="0"/>
-              <a:t>Tight TopTagger + SR TopTagger</a:t>
-            </a:r>
-          </a:p>
-        </p:txBody>
-      </p:sp>
-      <p:sp>
-        <p:nvSpPr>
-          <p:cNvPr id="18" name="TextBox 17">
+              <a:t>Tight TopTagger + Probe</a:t>
+            </a:r>
+          </a:p>
+        </p:txBody>
+      </p:sp>
+      <p:sp>
+        <p:nvSpPr>
+          <p:cNvPr id="19" name="TextBox 18">
             <a:extLst>
               <a:ext uri="{FF2B5EF4-FFF2-40B4-BE49-F238E27FC236}">
-                <a16:creationId xmlns:a16="http://schemas.microsoft.com/office/drawing/2014/main" id="{6C7E105D-5296-2242-84F9-5547FDE0873C}"/>
+                <a16:creationId xmlns:a16="http://schemas.microsoft.com/office/drawing/2014/main" id="{491F4ED5-8A54-D243-B516-026EF6F12778}"/>
               </a:ext>
             </a:extLst>
           </p:cNvPr>
@@ -15917,7 +15665,7 @@
         </p:nvSpPr>
         <p:spPr>
           <a:xfrm>
-            <a:off x="4564348" y="4747191"/>
+            <a:off x="4559413" y="1807989"/>
             <a:ext cx="3243263" cy="369332"/>
           </a:xfrm>
           <a:prstGeom prst="rect">
@@ -15934,17 +15682,17 @@
             <a:pPr algn="ctr"/>
             <a:r>
               <a:rPr lang="en-GR" dirty="0"/>
-              <a:t>Tight TopTagger + Probe</a:t>
-            </a:r>
-          </a:p>
-        </p:txBody>
-      </p:sp>
-      <p:sp>
-        <p:nvSpPr>
-          <p:cNvPr id="19" name="Rectangle 18">
+              <a:t>Tight TopTagger + SR TopTagger</a:t>
+            </a:r>
+          </a:p>
+        </p:txBody>
+      </p:sp>
+      <p:sp>
+        <p:nvSpPr>
+          <p:cNvPr id="17" name="Rectangle 16">
             <a:extLst>
               <a:ext uri="{FF2B5EF4-FFF2-40B4-BE49-F238E27FC236}">
-                <a16:creationId xmlns:a16="http://schemas.microsoft.com/office/drawing/2014/main" id="{F18E505C-0E8D-5D4F-9340-1B44147C83AA}"/>
+                <a16:creationId xmlns:a16="http://schemas.microsoft.com/office/drawing/2014/main" id="{77F1A5DE-010C-8A49-9DFD-F714D88BF2CC}"/>
               </a:ext>
             </a:extLst>
           </p:cNvPr>
@@ -15980,10 +15728,10 @@
       </p:sp>
       <p:sp>
         <p:nvSpPr>
-          <p:cNvPr id="20" name="Rectangle 19">
+          <p:cNvPr id="21" name="Rectangle 20">
             <a:extLst>
               <a:ext uri="{FF2B5EF4-FFF2-40B4-BE49-F238E27FC236}">
-                <a16:creationId xmlns:a16="http://schemas.microsoft.com/office/drawing/2014/main" id="{67D4E5C2-0B92-0048-8D4F-4E4A55880973}"/>
+                <a16:creationId xmlns:a16="http://schemas.microsoft.com/office/drawing/2014/main" id="{D299BB8B-A7C3-284A-BF5C-C54CD55AAB5A}"/>
               </a:ext>
             </a:extLst>
           </p:cNvPr>
@@ -16020,7 +15768,7 @@
     </p:spTree>
     <p:extLst>
       <p:ext uri="{BB962C8B-B14F-4D97-AF65-F5344CB8AC3E}">
-        <p14:creationId xmlns:p14="http://schemas.microsoft.com/office/powerpoint/2010/main" val="4150945209"/>
+        <p14:creationId xmlns:p14="http://schemas.microsoft.com/office/powerpoint/2010/main" val="2146348735"/>
       </p:ext>
     </p:extLst>
   </p:cSld>
@@ -16104,10 +15852,10 @@
             <a:r>
               <a:rPr lang="en-US" sz="2800" u="sng" dirty="0">
                 <a:solidFill>
-                  <a:srgbClr val="00B050"/>
+                  <a:srgbClr val="FF0000"/>
                 </a:solidFill>
               </a:rPr>
-              <a:t>2018</a:t>
+              <a:t>2017</a:t>
             </a:r>
             <a:r>
               <a:rPr lang="en-US" sz="2800" u="sng" dirty="0"/>
@@ -16174,7 +15922,7 @@
           <a:p>
             <a:fld id="{3DBB7BD0-9B8D-1F47-8ABF-BE3CF9BD2848}" type="datetime1">
               <a:rPr lang="en-US" smtClean="0"/>
-              <a:t>9/1/20</a:t>
+              <a:t>9/2/20</a:t>
             </a:fld>
             <a:endParaRPr lang="en-US" dirty="0"/>
           </a:p>
@@ -16255,7 +16003,7 @@
           <p:cNvPr id="2" name="Rectangle 1">
             <a:extLst>
               <a:ext uri="{FF2B5EF4-FFF2-40B4-BE49-F238E27FC236}">
-                <a16:creationId xmlns:a16="http://schemas.microsoft.com/office/drawing/2014/main" id="{5C0AC30A-7E8B-5E44-B107-1CFE415896F6}"/>
+                <a16:creationId xmlns:a16="http://schemas.microsoft.com/office/drawing/2014/main" id="{2DC1FF26-71A8-0242-A173-4ED7A7EC3B5E}"/>
               </a:ext>
             </a:extLst>
           </p:cNvPr>
@@ -16264,8 +16012,8 @@
         </p:nvSpPr>
         <p:spPr>
           <a:xfrm>
-            <a:off x="1180718" y="1582339"/>
-            <a:ext cx="3804458" cy="3693319"/>
+            <a:off x="1211284" y="1582339"/>
+            <a:ext cx="3743325" cy="3693319"/>
           </a:xfrm>
           <a:prstGeom prst="rect">
             <a:avLst/>
@@ -16279,30 +16027,23 @@
           <a:p>
             <a:r>
               <a:rPr lang="en-GR" dirty="0"/>
-              <a:t>Efficiency-- with tag SF's</a:t>
-            </a:r>
-          </a:p>
-          <a:p>
-            <a:r>
-              <a:rPr lang="en-GR" dirty="0">
+              <a:t>Efficiency-- with btagging SF's</a:t>
+            </a:r>
+          </a:p>
+          <a:p>
+            <a:r>
+              <a:rPr lang="en-GR" dirty="0"/>
+              <a:t>eff data: 0.857 ± 0.040</a:t>
+            </a:r>
+          </a:p>
+          <a:p>
+            <a:r>
+              <a:rPr lang="en-GR" b="1" u="sng" dirty="0">
                 <a:solidFill>
-                  <a:schemeClr val="tx1">
-                    <a:lumMod val="95000"/>
-                    <a:lumOff val="5000"/>
-                  </a:schemeClr>
+                  <a:srgbClr val="FF0000"/>
                 </a:solidFill>
               </a:rPr>
-              <a:t>eff data: 0.816 ± 0.032</a:t>
-            </a:r>
-          </a:p>
-          <a:p>
-            <a:r>
-              <a:rPr lang="en-GR" b="1" u="sng" dirty="0">
-                <a:solidFill>
-                  <a:srgbClr val="00B050"/>
-                </a:solidFill>
-              </a:rPr>
-              <a:t>eff ttbar: 0.839 ± 0.005</a:t>
+              <a:t>eff ttbar: 0.875 ± 0.0072</a:t>
             </a:r>
           </a:p>
           <a:p>
@@ -16320,13 +16061,13 @@
           <a:p>
             <a:r>
               <a:rPr lang="en-GR" dirty="0"/>
-              <a:t>eff data pT[400-600]: 0.8176 ± 0.038</a:t>
+              <a:t>eff data pT[400-600]: 0.872 ± 0.047</a:t>
             </a:r>
           </a:p>
           <a:p>
             <a:r>
               <a:rPr lang="en-GR" dirty="0"/>
-              <a:t>eff ttbar pT[400-600]: 0.837 ± 0.006</a:t>
+              <a:t>eff ttbar pT[400-600]: 0.874 ± 0.008</a:t>
             </a:r>
           </a:p>
           <a:p>
@@ -16338,13 +16079,13 @@
           <a:p>
             <a:r>
               <a:rPr lang="en-GR" dirty="0"/>
-              <a:t>eff data pT[600-800]: 0.809 ± 0.063</a:t>
+              <a:t>eff data pT[600-800]: 0.795 ± 0.088</a:t>
             </a:r>
           </a:p>
           <a:p>
             <a:r>
               <a:rPr lang="en-GR" dirty="0"/>
-              <a:t>eff ttbar pT[600-800]: 0.847 ± 0.013</a:t>
+              <a:t>eff ttbar pT[600-800]: 0.876 ± 0.018</a:t>
             </a:r>
           </a:p>
           <a:p>
@@ -16356,13 +16097,13 @@
           <a:p>
             <a:r>
               <a:rPr lang="en-GR" dirty="0"/>
-              <a:t>eff data pT[800-Inf]: 0.772 ± 0.132</a:t>
+              <a:t>eff data pT[800-Inf]: 0.797 ± 0.186</a:t>
             </a:r>
           </a:p>
           <a:p>
             <a:r>
               <a:rPr lang="en-GR" dirty="0"/>
-              <a:t>eff ttbar pT[800-Inf]: 0.868 ± 0.032</a:t>
+              <a:t>eff ttbar pT[800-Inf]: 0.899 ± 0.045</a:t>
             </a:r>
           </a:p>
         </p:txBody>
@@ -16372,7 +16113,7 @@
           <p:cNvPr id="4" name="Rectangle 3">
             <a:extLst>
               <a:ext uri="{FF2B5EF4-FFF2-40B4-BE49-F238E27FC236}">
-                <a16:creationId xmlns:a16="http://schemas.microsoft.com/office/drawing/2014/main" id="{6A55B372-F163-CB40-91A8-4182F6465250}"/>
+                <a16:creationId xmlns:a16="http://schemas.microsoft.com/office/drawing/2014/main" id="{17DD903E-E2EE-ED4A-B9BA-6BDA6FAA4776}"/>
               </a:ext>
             </a:extLst>
           </p:cNvPr>
@@ -16381,8 +16122,8 @@
         </p:nvSpPr>
         <p:spPr>
           <a:xfrm>
-            <a:off x="7182145" y="1582339"/>
-            <a:ext cx="3804458" cy="3693319"/>
+            <a:off x="7212711" y="1582339"/>
+            <a:ext cx="3743325" cy="3693319"/>
           </a:xfrm>
           <a:prstGeom prst="rect">
             <a:avLst/>
@@ -16396,30 +16137,23 @@
           <a:p>
             <a:r>
               <a:rPr lang="en-GR" dirty="0"/>
-              <a:t>Efficiency-- without tag sf's</a:t>
+              <a:t>Efficiency-- without btagging SF's</a:t>
+            </a:r>
+          </a:p>
+          <a:p>
+            <a:r>
+              <a:rPr lang="en-GR" dirty="0"/>
+              <a:t>eff data: 0.864 ± 0.043</a:t>
             </a:r>
           </a:p>
           <a:p>
             <a:r>
               <a:rPr lang="en-GR" dirty="0">
                 <a:solidFill>
-                  <a:schemeClr val="tx1">
-                    <a:lumMod val="95000"/>
-                    <a:lumOff val="5000"/>
-                  </a:schemeClr>
+                  <a:srgbClr val="FF0000"/>
                 </a:solidFill>
               </a:rPr>
-              <a:t>eff data: 0.822 ± 0.034</a:t>
-            </a:r>
-          </a:p>
-          <a:p>
-            <a:r>
-              <a:rPr lang="en-GR" dirty="0">
-                <a:solidFill>
-                  <a:srgbClr val="00B050"/>
-                </a:solidFill>
-              </a:rPr>
-              <a:t>eff ttbar: 0.839 ± 0.005</a:t>
+              <a:t>eff ttbar: 0.875 ± 0.007</a:t>
             </a:r>
           </a:p>
           <a:p>
@@ -16437,13 +16171,13 @@
           <a:p>
             <a:r>
               <a:rPr lang="en-GR" dirty="0"/>
-              <a:t>eff data pT[400-600]: 0.824 ± 0.039</a:t>
+              <a:t>eff data pT[400-600]: 0.880 ± 0.049</a:t>
             </a:r>
           </a:p>
           <a:p>
             <a:r>
               <a:rPr lang="en-GR" dirty="0"/>
-              <a:t>eff ttbar pT[400-600]: 0.837 ± 0.006</a:t>
+              <a:t>eff ttbar pT[400-600]: 0.874 ± 0.008</a:t>
             </a:r>
           </a:p>
           <a:p>
@@ -16455,13 +16189,13 @@
           <a:p>
             <a:r>
               <a:rPr lang="en-GR" dirty="0"/>
-              <a:t>eff data pT[600-800]: 0.819 ± 0.066</a:t>
+              <a:t>eff data pT[600-800]: 0.8 ± 0.091</a:t>
             </a:r>
           </a:p>
           <a:p>
             <a:r>
               <a:rPr lang="en-GR" dirty="0"/>
-              <a:t>eff ttbar pT[600-800]: 0.847 ± 0.013</a:t>
+              <a:t>eff ttbar pT[600-800]: 0.876 ± 0.018</a:t>
             </a:r>
           </a:p>
           <a:p>
@@ -16473,13 +16207,13 @@
           <a:p>
             <a:r>
               <a:rPr lang="en-GR" dirty="0"/>
-              <a:t>eff data pT[800-Inf]: 0.789 ± 0.141</a:t>
+              <a:t>eff data pT[800-Inf]: 0.796 ± 0.2</a:t>
             </a:r>
           </a:p>
           <a:p>
             <a:r>
               <a:rPr lang="en-GR" dirty="0"/>
-              <a:t>eff ttbar pT[800-Inf]: 0.868 ± 0.032</a:t>
+              <a:t>eff ttbar pT[800-Inf]: 0.898 ± 0.045</a:t>
             </a:r>
           </a:p>
         </p:txBody>
@@ -16487,7 +16221,7 @@
     </p:spTree>
     <p:extLst>
       <p:ext uri="{BB962C8B-B14F-4D97-AF65-F5344CB8AC3E}">
-        <p14:creationId xmlns:p14="http://schemas.microsoft.com/office/powerpoint/2010/main" val="4027163055"/>
+        <p14:creationId xmlns:p14="http://schemas.microsoft.com/office/powerpoint/2010/main" val="305433567"/>
       </p:ext>
     </p:extLst>
   </p:cSld>
@@ -16634,7 +16368,7 @@
           <a:p>
             <a:fld id="{F7AFF6A5-F1FB-284A-BF72-2836D5A0B341}" type="datetime1">
               <a:rPr lang="en-US" smtClean="0"/>
-              <a:t>9/1/20</a:t>
+              <a:t>9/2/20</a:t>
             </a:fld>
             <a:endParaRPr lang="en-US" dirty="0"/>
           </a:p>
@@ -17756,7 +17490,7 @@
           <a:p>
             <a:fld id="{D52D66B2-0E0A-F441-A1DA-8039F615D612}" type="datetime1">
               <a:rPr lang="en-US" smtClean="0"/>
-              <a:t>9/1/20</a:t>
+              <a:t>9/2/20</a:t>
             </a:fld>
             <a:endParaRPr lang="en-US" dirty="0"/>
           </a:p>
@@ -17764,10 +17498,10 @@
       </p:sp>
       <p:pic>
         <p:nvPicPr>
-          <p:cNvPr id="8" name="Picture 7">
+          <p:cNvPr id="6" name="Picture 5">
             <a:extLst>
               <a:ext uri="{FF2B5EF4-FFF2-40B4-BE49-F238E27FC236}">
-                <a16:creationId xmlns:a16="http://schemas.microsoft.com/office/drawing/2014/main" id="{08124A33-50C0-BB46-BE06-3467BA03726B}"/>
+                <a16:creationId xmlns:a16="http://schemas.microsoft.com/office/drawing/2014/main" id="{76577AAD-70A0-9B43-8DBE-57FA2136BB3A}"/>
               </a:ext>
             </a:extLst>
           </p:cNvPr>
@@ -17784,7 +17518,7 @@
         </p:blipFill>
         <p:spPr>
           <a:xfrm rot="5400000">
-            <a:off x="7617875" y="-241793"/>
+            <a:off x="7709105" y="-192065"/>
             <a:ext cx="3012694" cy="4176522"/>
           </a:xfrm>
           <a:prstGeom prst="rect">
@@ -17794,10 +17528,10 @@
       </p:pic>
       <p:pic>
         <p:nvPicPr>
-          <p:cNvPr id="11" name="Picture 10">
+          <p:cNvPr id="9" name="Picture 8">
             <a:extLst>
               <a:ext uri="{FF2B5EF4-FFF2-40B4-BE49-F238E27FC236}">
-                <a16:creationId xmlns:a16="http://schemas.microsoft.com/office/drawing/2014/main" id="{4744943B-E532-864E-8A77-D62B2B7A8DFA}"/>
+                <a16:creationId xmlns:a16="http://schemas.microsoft.com/office/drawing/2014/main" id="{E69FA34F-44BB-8144-9394-18EA05CD1FF7}"/>
               </a:ext>
             </a:extLst>
           </p:cNvPr>
@@ -17814,7 +17548,7 @@
         </p:blipFill>
         <p:spPr>
           <a:xfrm rot="5400000">
-            <a:off x="7617875" y="2837987"/>
+            <a:off x="7711792" y="2820629"/>
             <a:ext cx="3012694" cy="4176522"/>
           </a:xfrm>
           <a:prstGeom prst="rect">
@@ -17824,7 +17558,13 @@
       </p:pic>
       <p:sp>
         <p:nvSpPr>
-          <p:cNvPr id="7" name="TextBox 6"/>
+          <p:cNvPr id="12" name="TextBox 11">
+            <a:extLst>
+              <a:ext uri="{FF2B5EF4-FFF2-40B4-BE49-F238E27FC236}">
+                <a16:creationId xmlns:a16="http://schemas.microsoft.com/office/drawing/2014/main" id="{9235591C-B2E3-1F4E-A8D0-58AEACB0FD0A}"/>
+              </a:ext>
+            </a:extLst>
+          </p:cNvPr>
           <p:cNvSpPr txBox="1"/>
           <p:nvPr/>
         </p:nvSpPr>
@@ -17855,10 +17595,10 @@
             <a:r>
               <a:rPr lang="en-US" sz="2800" u="sng" dirty="0">
                 <a:solidFill>
-                  <a:srgbClr val="00B050"/>
+                  <a:srgbClr val="FF0000"/>
                 </a:solidFill>
               </a:rPr>
-              <a:t>2018</a:t>
+              <a:t>2017</a:t>
             </a:r>
             <a:r>
               <a:rPr lang="en-US" sz="2800" u="sng" dirty="0"/>
@@ -17872,7 +17612,7 @@
           <p:cNvPr id="4" name="Picture 3">
             <a:extLst>
               <a:ext uri="{FF2B5EF4-FFF2-40B4-BE49-F238E27FC236}">
-                <a16:creationId xmlns:a16="http://schemas.microsoft.com/office/drawing/2014/main" id="{5F632B27-92BD-1E45-8665-EF48ACC1307B}"/>
+                <a16:creationId xmlns:a16="http://schemas.microsoft.com/office/drawing/2014/main" id="{2A0B0CBB-9430-DB4A-8230-417D7635DCEF}"/>
               </a:ext>
             </a:extLst>
           </p:cNvPr>
@@ -17889,7 +17629,7 @@
         </p:blipFill>
         <p:spPr>
           <a:xfrm rot="5400000">
-            <a:off x="1204475" y="-241793"/>
+            <a:off x="1341824" y="-192065"/>
             <a:ext cx="3012694" cy="4176522"/>
           </a:xfrm>
           <a:prstGeom prst="rect">
@@ -17899,10 +17639,10 @@
       </p:pic>
       <p:pic>
         <p:nvPicPr>
-          <p:cNvPr id="9" name="Picture 8">
+          <p:cNvPr id="10" name="Picture 9">
             <a:extLst>
               <a:ext uri="{FF2B5EF4-FFF2-40B4-BE49-F238E27FC236}">
-                <a16:creationId xmlns:a16="http://schemas.microsoft.com/office/drawing/2014/main" id="{CC987474-2518-244B-A899-90EA804E300B}"/>
+                <a16:creationId xmlns:a16="http://schemas.microsoft.com/office/drawing/2014/main" id="{C82386EE-D7CA-224B-9B0C-7F5E3D376BCD}"/>
               </a:ext>
             </a:extLst>
           </p:cNvPr>
@@ -17919,7 +17659,7 @@
         </p:blipFill>
         <p:spPr>
           <a:xfrm rot="5400000">
-            <a:off x="1204475" y="2822489"/>
+            <a:off x="1341824" y="2820629"/>
             <a:ext cx="3012694" cy="4176522"/>
           </a:xfrm>
           <a:prstGeom prst="rect">
@@ -17929,10 +17669,10 @@
       </p:pic>
       <p:sp>
         <p:nvSpPr>
-          <p:cNvPr id="19" name="TextBox 18">
+          <p:cNvPr id="17" name="TextBox 16">
             <a:extLst>
               <a:ext uri="{FF2B5EF4-FFF2-40B4-BE49-F238E27FC236}">
-                <a16:creationId xmlns:a16="http://schemas.microsoft.com/office/drawing/2014/main" id="{87A7433F-F7CC-2844-A37A-B9EF728D6FE8}"/>
+                <a16:creationId xmlns:a16="http://schemas.microsoft.com/office/drawing/2014/main" id="{2CCEE914-8706-CD47-AD02-11049E45D610}"/>
               </a:ext>
             </a:extLst>
           </p:cNvPr>
@@ -17941,7 +17681,7 @@
         </p:nvSpPr>
         <p:spPr>
           <a:xfrm>
-            <a:off x="4271791" y="4994770"/>
+            <a:off x="4564347" y="1926143"/>
             <a:ext cx="3243263" cy="369332"/>
           </a:xfrm>
           <a:prstGeom prst="rect">
@@ -17958,7 +17698,7 @@
             <a:pPr algn="ctr"/>
             <a:r>
               <a:rPr lang="en-GR" dirty="0"/>
-              <a:t>Tight TopTagger + Probe</a:t>
+              <a:t>Tight TopTagger + SR TopTagger</a:t>
             </a:r>
           </a:p>
         </p:txBody>
@@ -17968,7 +17708,7 @@
           <p:cNvPr id="18" name="TextBox 17">
             <a:extLst>
               <a:ext uri="{FF2B5EF4-FFF2-40B4-BE49-F238E27FC236}">
-                <a16:creationId xmlns:a16="http://schemas.microsoft.com/office/drawing/2014/main" id="{531AB382-FCD2-4B43-82A6-0D98FF6E618F}"/>
+                <a16:creationId xmlns:a16="http://schemas.microsoft.com/office/drawing/2014/main" id="{6C7E105D-5296-2242-84F9-5547FDE0873C}"/>
               </a:ext>
             </a:extLst>
           </p:cNvPr>
@@ -17977,7 +17717,7 @@
         </p:nvSpPr>
         <p:spPr>
           <a:xfrm>
-            <a:off x="4271790" y="1557986"/>
+            <a:off x="4564348" y="4747191"/>
             <a:ext cx="3243263" cy="369332"/>
           </a:xfrm>
           <a:prstGeom prst="rect">
@@ -17994,17 +17734,17 @@
             <a:pPr algn="ctr"/>
             <a:r>
               <a:rPr lang="en-GR" dirty="0"/>
-              <a:t>Tight TopTagger + SR TopTagger</a:t>
-            </a:r>
-          </a:p>
-        </p:txBody>
-      </p:sp>
-      <p:sp>
-        <p:nvSpPr>
-          <p:cNvPr id="17" name="Rectangle 16">
+              <a:t>Tight TopTagger + Probe</a:t>
+            </a:r>
+          </a:p>
+        </p:txBody>
+      </p:sp>
+      <p:sp>
+        <p:nvSpPr>
+          <p:cNvPr id="19" name="Rectangle 18">
             <a:extLst>
               <a:ext uri="{FF2B5EF4-FFF2-40B4-BE49-F238E27FC236}">
-                <a16:creationId xmlns:a16="http://schemas.microsoft.com/office/drawing/2014/main" id="{7F2195D5-6AF3-B94D-B444-5C47384FD281}"/>
+                <a16:creationId xmlns:a16="http://schemas.microsoft.com/office/drawing/2014/main" id="{F18E505C-0E8D-5D4F-9340-1B44147C83AA}"/>
               </a:ext>
             </a:extLst>
           </p:cNvPr>
@@ -18043,7 +17783,7 @@
           <p:cNvPr id="20" name="Rectangle 19">
             <a:extLst>
               <a:ext uri="{FF2B5EF4-FFF2-40B4-BE49-F238E27FC236}">
-                <a16:creationId xmlns:a16="http://schemas.microsoft.com/office/drawing/2014/main" id="{43E24579-13E4-6140-97A9-7386D280E896}"/>
+                <a16:creationId xmlns:a16="http://schemas.microsoft.com/office/drawing/2014/main" id="{67D4E5C2-0B92-0048-8D4F-4E4A55880973}"/>
               </a:ext>
             </a:extLst>
           </p:cNvPr>
@@ -18080,7 +17820,7 @@
     </p:spTree>
     <p:extLst>
       <p:ext uri="{BB962C8B-B14F-4D97-AF65-F5344CB8AC3E}">
-        <p14:creationId xmlns:p14="http://schemas.microsoft.com/office/powerpoint/2010/main" val="270366993"/>
+        <p14:creationId xmlns:p14="http://schemas.microsoft.com/office/powerpoint/2010/main" val="4150945209"/>
       </p:ext>
     </p:extLst>
   </p:cSld>
@@ -18142,8 +17882,8 @@
         </p:nvSpPr>
         <p:spPr>
           <a:xfrm>
-            <a:off x="2805007" y="33090"/>
-            <a:ext cx="6581985" cy="523220"/>
+            <a:off x="3276600" y="33090"/>
+            <a:ext cx="5638800" cy="523220"/>
           </a:xfrm>
           <a:prstGeom prst="rect">
             <a:avLst/>
@@ -18159,15 +17899,15 @@
             <a:pPr algn="ctr"/>
             <a:r>
               <a:rPr lang="en-US" sz="2800" u="sng" dirty="0"/>
-              <a:t>Data Vs MC Stacks for BDT output </a:t>
+              <a:t>Tag And Probe Calculations </a:t>
             </a:r>
             <a:r>
               <a:rPr lang="en-US" sz="2800" u="sng" dirty="0">
                 <a:solidFill>
-                  <a:srgbClr val="00B0F0"/>
+                  <a:srgbClr val="00B050"/>
                 </a:solidFill>
               </a:rPr>
-              <a:t>2016</a:t>
+              <a:t>2018</a:t>
             </a:r>
             <a:r>
               <a:rPr lang="en-US" sz="2800" u="sng" dirty="0"/>
@@ -18234,7 +17974,7 @@
           <a:p>
             <a:fld id="{3DBB7BD0-9B8D-1F47-8ABF-BE3CF9BD2848}" type="datetime1">
               <a:rPr lang="en-US" smtClean="0"/>
-              <a:t>9/1/20</a:t>
+              <a:t>9/2/20</a:t>
             </a:fld>
             <a:endParaRPr lang="en-US" dirty="0"/>
           </a:p>
@@ -18254,7 +17994,7 @@
         </p:nvSpPr>
         <p:spPr>
           <a:xfrm>
-            <a:off x="7907044" y="1609457"/>
+            <a:off x="7939701" y="638586"/>
             <a:ext cx="2289346" cy="369332"/>
           </a:xfrm>
           <a:prstGeom prst="rect">
@@ -18289,7 +18029,7 @@
         </p:nvSpPr>
         <p:spPr>
           <a:xfrm>
-            <a:off x="2300758" y="1609457"/>
+            <a:off x="2333415" y="638586"/>
             <a:ext cx="1499065" cy="369332"/>
           </a:xfrm>
           <a:prstGeom prst="rect">
@@ -18310,72 +18050,12 @@
           </a:p>
         </p:txBody>
       </p:sp>
-      <p:pic>
-        <p:nvPicPr>
-          <p:cNvPr id="4" name="Picture 3">
+      <p:sp>
+        <p:nvSpPr>
+          <p:cNvPr id="2" name="Rectangle 1">
             <a:extLst>
               <a:ext uri="{FF2B5EF4-FFF2-40B4-BE49-F238E27FC236}">
-                <a16:creationId xmlns:a16="http://schemas.microsoft.com/office/drawing/2014/main" id="{0479B1E7-F202-554C-ADE3-707F5402EA48}"/>
-              </a:ext>
-            </a:extLst>
-          </p:cNvPr>
-          <p:cNvPicPr>
-            <a:picLocks noChangeAspect="1"/>
-          </p:cNvPicPr>
-          <p:nvPr/>
-        </p:nvPicPr>
-        <p:blipFill>
-          <a:blip r:embed="rId2"/>
-          <a:stretch>
-            <a:fillRect/>
-          </a:stretch>
-        </p:blipFill>
-        <p:spPr>
-          <a:xfrm rot="5400000">
-            <a:off x="832739" y="1202626"/>
-            <a:ext cx="4311269" cy="5976747"/>
-          </a:xfrm>
-          <a:prstGeom prst="rect">
-            <a:avLst/>
-          </a:prstGeom>
-        </p:spPr>
-      </p:pic>
-      <p:pic>
-        <p:nvPicPr>
-          <p:cNvPr id="10" name="Picture 9">
-            <a:extLst>
-              <a:ext uri="{FF2B5EF4-FFF2-40B4-BE49-F238E27FC236}">
-                <a16:creationId xmlns:a16="http://schemas.microsoft.com/office/drawing/2014/main" id="{B59D90DA-3524-084C-9B71-560A98282EE8}"/>
-              </a:ext>
-            </a:extLst>
-          </p:cNvPr>
-          <p:cNvPicPr>
-            <a:picLocks noChangeAspect="1"/>
-          </p:cNvPicPr>
-          <p:nvPr/>
-        </p:nvPicPr>
-        <p:blipFill>
-          <a:blip r:embed="rId3"/>
-          <a:stretch>
-            <a:fillRect/>
-          </a:stretch>
-        </p:blipFill>
-        <p:spPr>
-          <a:xfrm rot="5400000">
-            <a:off x="6928739" y="1202626"/>
-            <a:ext cx="4311269" cy="5976747"/>
-          </a:xfrm>
-          <a:prstGeom prst="rect">
-            <a:avLst/>
-          </a:prstGeom>
-        </p:spPr>
-      </p:pic>
-      <p:sp>
-        <p:nvSpPr>
-          <p:cNvPr id="11" name="Rectangle 10">
-            <a:extLst>
-              <a:ext uri="{FF2B5EF4-FFF2-40B4-BE49-F238E27FC236}">
-                <a16:creationId xmlns:a16="http://schemas.microsoft.com/office/drawing/2014/main" id="{1D28A1BE-C6D3-D043-8F96-A4E1CBE3A9EB}"/>
+                <a16:creationId xmlns:a16="http://schemas.microsoft.com/office/drawing/2014/main" id="{5C0AC30A-7E8B-5E44-B107-1CFE415896F6}"/>
               </a:ext>
             </a:extLst>
           </p:cNvPr>
@@ -18384,8 +18064,8 @@
         </p:nvSpPr>
         <p:spPr>
           <a:xfrm>
-            <a:off x="163285" y="537218"/>
-            <a:ext cx="12028715" cy="1015663"/>
+            <a:off x="1180718" y="1582339"/>
+            <a:ext cx="3804458" cy="3693319"/>
           </a:xfrm>
           <a:prstGeom prst="rect">
             <a:avLst/>
@@ -18397,63 +18077,209 @@
           </a:bodyPr>
           <a:lstStyle/>
           <a:p>
-            <a:pPr marL="285750" indent="-285750">
-              <a:buClr>
-                <a:schemeClr val="accent1"/>
-              </a:buClr>
-              <a:buFont typeface="Arial" panose="020B0604020202020204" pitchFamily="34" charset="0"/>
-              <a:buChar char="•"/>
-            </a:pPr>
-            <a:r>
-              <a:rPr lang="en-US" sz="2000" u="sng" dirty="0"/>
-              <a:t>BDT Output scores SR</a:t>
-            </a:r>
-            <a:r>
-              <a:rPr lang="en-US" sz="2000" u="sng" baseline="-25000" dirty="0"/>
-              <a:t>B</a:t>
-            </a:r>
-            <a:endParaRPr lang="en-US" sz="2000" u="sng" dirty="0"/>
-          </a:p>
-          <a:p>
-            <a:pPr marL="742950" lvl="1" indent="-285750">
-              <a:buClr>
-                <a:schemeClr val="accent1"/>
-              </a:buClr>
-              <a:buFont typeface="Arial" panose="020B0604020202020204" pitchFamily="34" charset="0"/>
-              <a:buChar char="•"/>
-            </a:pPr>
-            <a:r>
-              <a:rPr lang="en-US" sz="2000" dirty="0"/>
-              <a:t>SR</a:t>
-            </a:r>
-            <a:r>
-              <a:rPr lang="en-US" sz="2000" baseline="-25000" dirty="0"/>
-              <a:t>B </a:t>
-            </a:r>
-            <a:r>
-              <a:rPr lang="en-US" sz="2000" dirty="0"/>
-              <a:t>: Baseline selection + tight Mass Cut  (120,220) GeV, no </a:t>
-            </a:r>
-            <a:r>
-              <a:rPr lang="en-US" sz="2000" dirty="0" err="1"/>
-              <a:t>TopTagger</a:t>
-            </a:r>
-            <a:r>
-              <a:rPr lang="en-US" sz="2000" dirty="0"/>
-              <a:t> Selection </a:t>
-            </a:r>
-          </a:p>
-          <a:p>
-            <a:pPr marL="742950" lvl="1" indent="-285750">
-              <a:buClr>
-                <a:schemeClr val="accent1"/>
-              </a:buClr>
-              <a:buFont typeface="Arial" panose="020B0604020202020204" pitchFamily="34" charset="0"/>
-              <a:buChar char="•"/>
-            </a:pPr>
-            <a:r>
-              <a:rPr lang="en-US" sz="2000" dirty="0"/>
-              <a:t>QCD scaled to data (k-factor)</a:t>
+            <a:r>
+              <a:rPr lang="en-GR" dirty="0"/>
+              <a:t>Efficiency-- with tag SF's</a:t>
+            </a:r>
+          </a:p>
+          <a:p>
+            <a:r>
+              <a:rPr lang="en-GR" dirty="0">
+                <a:solidFill>
+                  <a:schemeClr val="tx1">
+                    <a:lumMod val="95000"/>
+                    <a:lumOff val="5000"/>
+                  </a:schemeClr>
+                </a:solidFill>
+              </a:rPr>
+              <a:t>eff data: 0.816 ± 0.032</a:t>
+            </a:r>
+          </a:p>
+          <a:p>
+            <a:r>
+              <a:rPr lang="en-GR" b="1" u="sng" dirty="0">
+                <a:solidFill>
+                  <a:srgbClr val="00B050"/>
+                </a:solidFill>
+              </a:rPr>
+              <a:t>eff ttbar: 0.839 ± 0.005</a:t>
+            </a:r>
+          </a:p>
+          <a:p>
+            <a:r>
+              <a:rPr lang="en-GR" dirty="0"/>
+              <a:t>-----------</a:t>
+            </a:r>
+          </a:p>
+          <a:p>
+            <a:r>
+              <a:rPr lang="en-GR" dirty="0"/>
+              <a:t>Efficiency per Pt region</a:t>
+            </a:r>
+          </a:p>
+          <a:p>
+            <a:r>
+              <a:rPr lang="en-GR" dirty="0"/>
+              <a:t>eff data pT[400-600]: 0.8176 ± 0.038</a:t>
+            </a:r>
+          </a:p>
+          <a:p>
+            <a:r>
+              <a:rPr lang="en-GR" dirty="0"/>
+              <a:t>eff ttbar pT[400-600]: 0.837 ± 0.006</a:t>
+            </a:r>
+          </a:p>
+          <a:p>
+            <a:r>
+              <a:rPr lang="en-GR" dirty="0"/>
+              <a:t>-----------</a:t>
+            </a:r>
+          </a:p>
+          <a:p>
+            <a:r>
+              <a:rPr lang="en-GR" dirty="0"/>
+              <a:t>eff data pT[600-800]: 0.809 ± 0.063</a:t>
+            </a:r>
+          </a:p>
+          <a:p>
+            <a:r>
+              <a:rPr lang="en-GR" dirty="0"/>
+              <a:t>eff ttbar pT[600-800]: 0.847 ± 0.013</a:t>
+            </a:r>
+          </a:p>
+          <a:p>
+            <a:r>
+              <a:rPr lang="en-GR" dirty="0"/>
+              <a:t>-----------</a:t>
+            </a:r>
+          </a:p>
+          <a:p>
+            <a:r>
+              <a:rPr lang="en-GR" dirty="0"/>
+              <a:t>eff data pT[800-Inf]: 0.772 ± 0.132</a:t>
+            </a:r>
+          </a:p>
+          <a:p>
+            <a:r>
+              <a:rPr lang="en-GR" dirty="0"/>
+              <a:t>eff ttbar pT[800-Inf]: 0.868 ± 0.032</a:t>
+            </a:r>
+          </a:p>
+        </p:txBody>
+      </p:sp>
+      <p:sp>
+        <p:nvSpPr>
+          <p:cNvPr id="4" name="Rectangle 3">
+            <a:extLst>
+              <a:ext uri="{FF2B5EF4-FFF2-40B4-BE49-F238E27FC236}">
+                <a16:creationId xmlns:a16="http://schemas.microsoft.com/office/drawing/2014/main" id="{6A55B372-F163-CB40-91A8-4182F6465250}"/>
+              </a:ext>
+            </a:extLst>
+          </p:cNvPr>
+          <p:cNvSpPr/>
+          <p:nvPr/>
+        </p:nvSpPr>
+        <p:spPr>
+          <a:xfrm>
+            <a:off x="7182145" y="1582339"/>
+            <a:ext cx="3804458" cy="3693319"/>
+          </a:xfrm>
+          <a:prstGeom prst="rect">
+            <a:avLst/>
+          </a:prstGeom>
+        </p:spPr>
+        <p:txBody>
+          <a:bodyPr wrap="square">
+            <a:spAutoFit/>
+          </a:bodyPr>
+          <a:lstStyle/>
+          <a:p>
+            <a:r>
+              <a:rPr lang="en-GR" dirty="0"/>
+              <a:t>Efficiency-- without tag sf's</a:t>
+            </a:r>
+          </a:p>
+          <a:p>
+            <a:r>
+              <a:rPr lang="en-GR" dirty="0">
+                <a:solidFill>
+                  <a:schemeClr val="tx1">
+                    <a:lumMod val="95000"/>
+                    <a:lumOff val="5000"/>
+                  </a:schemeClr>
+                </a:solidFill>
+              </a:rPr>
+              <a:t>eff data: 0.822 ± 0.034</a:t>
+            </a:r>
+          </a:p>
+          <a:p>
+            <a:r>
+              <a:rPr lang="en-GR" dirty="0">
+                <a:solidFill>
+                  <a:srgbClr val="00B050"/>
+                </a:solidFill>
+              </a:rPr>
+              <a:t>eff ttbar: 0.839 ± 0.005</a:t>
+            </a:r>
+          </a:p>
+          <a:p>
+            <a:r>
+              <a:rPr lang="en-GR" dirty="0"/>
+              <a:t>-----------</a:t>
+            </a:r>
+          </a:p>
+          <a:p>
+            <a:r>
+              <a:rPr lang="en-GR" dirty="0"/>
+              <a:t>Efficiency per Pt region</a:t>
+            </a:r>
+          </a:p>
+          <a:p>
+            <a:r>
+              <a:rPr lang="en-GR" dirty="0"/>
+              <a:t>eff data pT[400-600]: 0.824 ± 0.039</a:t>
+            </a:r>
+          </a:p>
+          <a:p>
+            <a:r>
+              <a:rPr lang="en-GR" dirty="0"/>
+              <a:t>eff ttbar pT[400-600]: 0.837 ± 0.006</a:t>
+            </a:r>
+          </a:p>
+          <a:p>
+            <a:r>
+              <a:rPr lang="en-GR" dirty="0"/>
+              <a:t>-----------</a:t>
+            </a:r>
+          </a:p>
+          <a:p>
+            <a:r>
+              <a:rPr lang="en-GR" dirty="0"/>
+              <a:t>eff data pT[600-800]: 0.819 ± 0.066</a:t>
+            </a:r>
+          </a:p>
+          <a:p>
+            <a:r>
+              <a:rPr lang="en-GR" dirty="0"/>
+              <a:t>eff ttbar pT[600-800]: 0.847 ± 0.013</a:t>
+            </a:r>
+          </a:p>
+          <a:p>
+            <a:r>
+              <a:rPr lang="en-GR" dirty="0"/>
+              <a:t>-----------</a:t>
+            </a:r>
+          </a:p>
+          <a:p>
+            <a:r>
+              <a:rPr lang="en-GR" dirty="0"/>
+              <a:t>eff data pT[800-Inf]: 0.789 ± 0.141</a:t>
+            </a:r>
+          </a:p>
+          <a:p>
+            <a:r>
+              <a:rPr lang="en-GR" dirty="0"/>
+              <a:t>eff ttbar pT[800-Inf]: 0.868 ± 0.032</a:t>
             </a:r>
           </a:p>
         </p:txBody>
@@ -18461,7 +18287,7 @@
     </p:spTree>
     <p:extLst>
       <p:ext uri="{BB962C8B-B14F-4D97-AF65-F5344CB8AC3E}">
-        <p14:creationId xmlns:p14="http://schemas.microsoft.com/office/powerpoint/2010/main" val="83094305"/>
+        <p14:creationId xmlns:p14="http://schemas.microsoft.com/office/powerpoint/2010/main" val="4027163055"/>
       </p:ext>
     </p:extLst>
   </p:cSld>
@@ -18517,53 +18343,6 @@
       </p:sp>
       <p:sp>
         <p:nvSpPr>
-          <p:cNvPr id="7" name="TextBox 6"/>
-          <p:cNvSpPr txBox="1"/>
-          <p:nvPr/>
-        </p:nvSpPr>
-        <p:spPr>
-          <a:xfrm>
-            <a:off x="2805007" y="33090"/>
-            <a:ext cx="6581985" cy="523220"/>
-          </a:xfrm>
-          <a:prstGeom prst="rect">
-            <a:avLst/>
-          </a:prstGeom>
-          <a:noFill/>
-        </p:spPr>
-        <p:txBody>
-          <a:bodyPr wrap="square" rtlCol="0">
-            <a:spAutoFit/>
-          </a:bodyPr>
-          <a:lstStyle/>
-          <a:p>
-            <a:pPr algn="ctr"/>
-            <a:r>
-              <a:rPr lang="en-US" sz="2800" u="sng" dirty="0"/>
-              <a:t>Data Vs MC Stacks for BDT output </a:t>
-            </a:r>
-            <a:r>
-              <a:rPr lang="en-US" sz="2800" u="sng" dirty="0">
-                <a:solidFill>
-                  <a:srgbClr val="FF0000"/>
-                </a:solidFill>
-              </a:rPr>
-              <a:t>2017</a:t>
-            </a:r>
-            <a:r>
-              <a:rPr lang="en-US" sz="2800" u="sng" dirty="0"/>
-              <a:t> </a:t>
-            </a:r>
-            <a:endParaRPr lang="en-US" sz="2800" u="sng" dirty="0">
-              <a:solidFill>
-                <a:srgbClr val="00B050"/>
-              </a:solidFill>
-            </a:endParaRPr>
-          </a:p>
-        </p:txBody>
-      </p:sp>
-      <p:sp>
-        <p:nvSpPr>
           <p:cNvPr id="5" name="Slide Number Placeholder 4">
             <a:extLst>
               <a:ext uri="{FF2B5EF4-FFF2-40B4-BE49-F238E27FC236}">
@@ -18613,90 +18392,20 @@
           <a:bodyPr/>
           <a:lstStyle/>
           <a:p>
-            <a:fld id="{3DBB7BD0-9B8D-1F47-8ABF-BE3CF9BD2848}" type="datetime1">
+            <a:fld id="{D52D66B2-0E0A-F441-A1DA-8039F615D612}" type="datetime1">
               <a:rPr lang="en-US" smtClean="0"/>
-              <a:t>9/1/20</a:t>
+              <a:t>9/2/20</a:t>
             </a:fld>
             <a:endParaRPr lang="en-US" dirty="0"/>
           </a:p>
         </p:txBody>
       </p:sp>
-      <p:sp>
-        <p:nvSpPr>
-          <p:cNvPr id="6" name="Rectangle 5">
+      <p:pic>
+        <p:nvPicPr>
+          <p:cNvPr id="8" name="Picture 7">
             <a:extLst>
               <a:ext uri="{FF2B5EF4-FFF2-40B4-BE49-F238E27FC236}">
-                <a16:creationId xmlns:a16="http://schemas.microsoft.com/office/drawing/2014/main" id="{1D3A9800-C923-F943-ACA5-B4B9B9A1D73D}"/>
-              </a:ext>
-            </a:extLst>
-          </p:cNvPr>
-          <p:cNvSpPr/>
-          <p:nvPr/>
-        </p:nvSpPr>
-        <p:spPr>
-          <a:xfrm>
-            <a:off x="7939701" y="638586"/>
-            <a:ext cx="2289346" cy="369332"/>
-          </a:xfrm>
-          <a:prstGeom prst="rect">
-            <a:avLst/>
-          </a:prstGeom>
-        </p:spPr>
-        <p:txBody>
-          <a:bodyPr wrap="none">
-            <a:spAutoFit/>
-          </a:bodyPr>
-          <a:lstStyle/>
-          <a:p>
-            <a:pPr algn="ctr"/>
-            <a:r>
-              <a:rPr lang="en-US" u="sng" dirty="0"/>
-              <a:t>without b tagging SF’s </a:t>
-            </a:r>
-          </a:p>
-        </p:txBody>
-      </p:sp>
-      <p:sp>
-        <p:nvSpPr>
-          <p:cNvPr id="8" name="Rectangle 7">
-            <a:extLst>
-              <a:ext uri="{FF2B5EF4-FFF2-40B4-BE49-F238E27FC236}">
-                <a16:creationId xmlns:a16="http://schemas.microsoft.com/office/drawing/2014/main" id="{FE0D63A0-1633-E841-944F-B91BFC6F0FEB}"/>
-              </a:ext>
-            </a:extLst>
-          </p:cNvPr>
-          <p:cNvSpPr/>
-          <p:nvPr/>
-        </p:nvSpPr>
-        <p:spPr>
-          <a:xfrm>
-            <a:off x="2333415" y="638586"/>
-            <a:ext cx="1499065" cy="369332"/>
-          </a:xfrm>
-          <a:prstGeom prst="rect">
-            <a:avLst/>
-          </a:prstGeom>
-        </p:spPr>
-        <p:txBody>
-          <a:bodyPr wrap="none">
-            <a:spAutoFit/>
-          </a:bodyPr>
-          <a:lstStyle/>
-          <a:p>
-            <a:pPr algn="ctr"/>
-            <a:r>
-              <a:rPr lang="en-US" u="sng" dirty="0"/>
-              <a:t>b tagging SF’s </a:t>
-            </a:r>
-          </a:p>
-        </p:txBody>
-      </p:sp>
-      <p:pic>
-        <p:nvPicPr>
-          <p:cNvPr id="4" name="Picture 3">
-            <a:extLst>
-              <a:ext uri="{FF2B5EF4-FFF2-40B4-BE49-F238E27FC236}">
-                <a16:creationId xmlns:a16="http://schemas.microsoft.com/office/drawing/2014/main" id="{A37CDE29-0165-8540-AFD9-47BF96CD3E63}"/>
+                <a16:creationId xmlns:a16="http://schemas.microsoft.com/office/drawing/2014/main" id="{08124A33-50C0-BB46-BE06-3467BA03726B}"/>
               </a:ext>
             </a:extLst>
           </p:cNvPr>
@@ -18713,8 +18422,8 @@
         </p:blipFill>
         <p:spPr>
           <a:xfrm rot="5400000">
-            <a:off x="927312" y="440626"/>
-            <a:ext cx="4311269" cy="5976747"/>
+            <a:off x="7617875" y="-241793"/>
+            <a:ext cx="3012694" cy="4176522"/>
           </a:xfrm>
           <a:prstGeom prst="rect">
             <a:avLst/>
@@ -18726,7 +18435,7 @@
           <p:cNvPr id="11" name="Picture 10">
             <a:extLst>
               <a:ext uri="{FF2B5EF4-FFF2-40B4-BE49-F238E27FC236}">
-                <a16:creationId xmlns:a16="http://schemas.microsoft.com/office/drawing/2014/main" id="{F1BD224C-3E78-0A47-9667-7B654BD6FB2A}"/>
+                <a16:creationId xmlns:a16="http://schemas.microsoft.com/office/drawing/2014/main" id="{4744943B-E532-864E-8A77-D62B2B7A8DFA}"/>
               </a:ext>
             </a:extLst>
           </p:cNvPr>
@@ -18743,18 +18452,273 @@
         </p:blipFill>
         <p:spPr>
           <a:xfrm rot="5400000">
-            <a:off x="6904059" y="440626"/>
-            <a:ext cx="4311269" cy="5976747"/>
+            <a:off x="7617875" y="2837987"/>
+            <a:ext cx="3012694" cy="4176522"/>
           </a:xfrm>
           <a:prstGeom prst="rect">
             <a:avLst/>
           </a:prstGeom>
         </p:spPr>
       </p:pic>
+      <p:sp>
+        <p:nvSpPr>
+          <p:cNvPr id="7" name="TextBox 6"/>
+          <p:cNvSpPr txBox="1"/>
+          <p:nvPr/>
+        </p:nvSpPr>
+        <p:spPr>
+          <a:xfrm>
+            <a:off x="3752850" y="-76347"/>
+            <a:ext cx="4686300" cy="523220"/>
+          </a:xfrm>
+          <a:prstGeom prst="rect">
+            <a:avLst/>
+          </a:prstGeom>
+          <a:noFill/>
+        </p:spPr>
+        <p:txBody>
+          <a:bodyPr wrap="square" rtlCol="0">
+            <a:spAutoFit/>
+          </a:bodyPr>
+          <a:lstStyle/>
+          <a:p>
+            <a:r>
+              <a:rPr lang="en-GR" sz="2800" u="sng" dirty="0"/>
+              <a:t>TagAndProbe Efficiency </a:t>
+            </a:r>
+            <a:r>
+              <a:rPr lang="en-US" sz="2800" u="sng" dirty="0"/>
+              <a:t>(</a:t>
+            </a:r>
+            <a:r>
+              <a:rPr lang="en-US" sz="2800" u="sng" dirty="0">
+                <a:solidFill>
+                  <a:srgbClr val="00B050"/>
+                </a:solidFill>
+              </a:rPr>
+              <a:t>2018</a:t>
+            </a:r>
+            <a:r>
+              <a:rPr lang="en-US" sz="2800" u="sng" dirty="0"/>
+              <a:t>)</a:t>
+            </a:r>
+          </a:p>
+        </p:txBody>
+      </p:sp>
+      <p:pic>
+        <p:nvPicPr>
+          <p:cNvPr id="4" name="Picture 3">
+            <a:extLst>
+              <a:ext uri="{FF2B5EF4-FFF2-40B4-BE49-F238E27FC236}">
+                <a16:creationId xmlns:a16="http://schemas.microsoft.com/office/drawing/2014/main" id="{5F632B27-92BD-1E45-8665-EF48ACC1307B}"/>
+              </a:ext>
+            </a:extLst>
+          </p:cNvPr>
+          <p:cNvPicPr>
+            <a:picLocks noChangeAspect="1"/>
+          </p:cNvPicPr>
+          <p:nvPr/>
+        </p:nvPicPr>
+        <p:blipFill>
+          <a:blip r:embed="rId4"/>
+          <a:stretch>
+            <a:fillRect/>
+          </a:stretch>
+        </p:blipFill>
+        <p:spPr>
+          <a:xfrm rot="5400000">
+            <a:off x="1204475" y="-241793"/>
+            <a:ext cx="3012694" cy="4176522"/>
+          </a:xfrm>
+          <a:prstGeom prst="rect">
+            <a:avLst/>
+          </a:prstGeom>
+        </p:spPr>
+      </p:pic>
+      <p:pic>
+        <p:nvPicPr>
+          <p:cNvPr id="9" name="Picture 8">
+            <a:extLst>
+              <a:ext uri="{FF2B5EF4-FFF2-40B4-BE49-F238E27FC236}">
+                <a16:creationId xmlns:a16="http://schemas.microsoft.com/office/drawing/2014/main" id="{CC987474-2518-244B-A899-90EA804E300B}"/>
+              </a:ext>
+            </a:extLst>
+          </p:cNvPr>
+          <p:cNvPicPr>
+            <a:picLocks noChangeAspect="1"/>
+          </p:cNvPicPr>
+          <p:nvPr/>
+        </p:nvPicPr>
+        <p:blipFill>
+          <a:blip r:embed="rId5"/>
+          <a:stretch>
+            <a:fillRect/>
+          </a:stretch>
+        </p:blipFill>
+        <p:spPr>
+          <a:xfrm rot="5400000">
+            <a:off x="1204475" y="2822489"/>
+            <a:ext cx="3012694" cy="4176522"/>
+          </a:xfrm>
+          <a:prstGeom prst="rect">
+            <a:avLst/>
+          </a:prstGeom>
+        </p:spPr>
+      </p:pic>
+      <p:sp>
+        <p:nvSpPr>
+          <p:cNvPr id="19" name="TextBox 18">
+            <a:extLst>
+              <a:ext uri="{FF2B5EF4-FFF2-40B4-BE49-F238E27FC236}">
+                <a16:creationId xmlns:a16="http://schemas.microsoft.com/office/drawing/2014/main" id="{87A7433F-F7CC-2844-A37A-B9EF728D6FE8}"/>
+              </a:ext>
+            </a:extLst>
+          </p:cNvPr>
+          <p:cNvSpPr txBox="1"/>
+          <p:nvPr/>
+        </p:nvSpPr>
+        <p:spPr>
+          <a:xfrm>
+            <a:off x="4271791" y="4994770"/>
+            <a:ext cx="3243263" cy="369332"/>
+          </a:xfrm>
+          <a:prstGeom prst="rect">
+            <a:avLst/>
+          </a:prstGeom>
+          <a:noFill/>
+        </p:spPr>
+        <p:txBody>
+          <a:bodyPr wrap="square" rtlCol="0">
+            <a:spAutoFit/>
+          </a:bodyPr>
+          <a:lstStyle/>
+          <a:p>
+            <a:pPr algn="ctr"/>
+            <a:r>
+              <a:rPr lang="en-GR" dirty="0"/>
+              <a:t>Tight TopTagger + Probe</a:t>
+            </a:r>
+          </a:p>
+        </p:txBody>
+      </p:sp>
+      <p:sp>
+        <p:nvSpPr>
+          <p:cNvPr id="18" name="TextBox 17">
+            <a:extLst>
+              <a:ext uri="{FF2B5EF4-FFF2-40B4-BE49-F238E27FC236}">
+                <a16:creationId xmlns:a16="http://schemas.microsoft.com/office/drawing/2014/main" id="{531AB382-FCD2-4B43-82A6-0D98FF6E618F}"/>
+              </a:ext>
+            </a:extLst>
+          </p:cNvPr>
+          <p:cNvSpPr txBox="1"/>
+          <p:nvPr/>
+        </p:nvSpPr>
+        <p:spPr>
+          <a:xfrm>
+            <a:off x="4271790" y="1557986"/>
+            <a:ext cx="3243263" cy="369332"/>
+          </a:xfrm>
+          <a:prstGeom prst="rect">
+            <a:avLst/>
+          </a:prstGeom>
+          <a:noFill/>
+        </p:spPr>
+        <p:txBody>
+          <a:bodyPr wrap="square" rtlCol="0">
+            <a:spAutoFit/>
+          </a:bodyPr>
+          <a:lstStyle/>
+          <a:p>
+            <a:pPr algn="ctr"/>
+            <a:r>
+              <a:rPr lang="en-GR" dirty="0"/>
+              <a:t>Tight TopTagger + SR TopTagger</a:t>
+            </a:r>
+          </a:p>
+        </p:txBody>
+      </p:sp>
+      <p:sp>
+        <p:nvSpPr>
+          <p:cNvPr id="17" name="Rectangle 16">
+            <a:extLst>
+              <a:ext uri="{FF2B5EF4-FFF2-40B4-BE49-F238E27FC236}">
+                <a16:creationId xmlns:a16="http://schemas.microsoft.com/office/drawing/2014/main" id="{7F2195D5-6AF3-B94D-B444-5C47384FD281}"/>
+              </a:ext>
+            </a:extLst>
+          </p:cNvPr>
+          <p:cNvSpPr/>
+          <p:nvPr/>
+        </p:nvSpPr>
+        <p:spPr>
+          <a:xfrm>
+            <a:off x="2049125" y="3186241"/>
+            <a:ext cx="1520674" cy="369332"/>
+          </a:xfrm>
+          <a:prstGeom prst="rect">
+            <a:avLst/>
+          </a:prstGeom>
+        </p:spPr>
+        <p:txBody>
+          <a:bodyPr wrap="none">
+            <a:spAutoFit/>
+          </a:bodyPr>
+          <a:lstStyle/>
+          <a:p>
+            <a:pPr algn="ctr"/>
+            <a:r>
+              <a:rPr lang="en-US" b="1" u="sng" dirty="0">
+                <a:solidFill>
+                  <a:srgbClr val="FF0000"/>
+                </a:solidFill>
+              </a:rPr>
+              <a:t>b tagging SF’s </a:t>
+            </a:r>
+          </a:p>
+        </p:txBody>
+      </p:sp>
+      <p:sp>
+        <p:nvSpPr>
+          <p:cNvPr id="20" name="Rectangle 19">
+            <a:extLst>
+              <a:ext uri="{FF2B5EF4-FFF2-40B4-BE49-F238E27FC236}">
+                <a16:creationId xmlns:a16="http://schemas.microsoft.com/office/drawing/2014/main" id="{43E24579-13E4-6140-97A9-7386D280E896}"/>
+              </a:ext>
+            </a:extLst>
+          </p:cNvPr>
+          <p:cNvSpPr/>
+          <p:nvPr/>
+        </p:nvSpPr>
+        <p:spPr>
+          <a:xfrm>
+            <a:off x="8457894" y="3204932"/>
+            <a:ext cx="1849289" cy="369332"/>
+          </a:xfrm>
+          <a:prstGeom prst="rect">
+            <a:avLst/>
+          </a:prstGeom>
+        </p:spPr>
+        <p:txBody>
+          <a:bodyPr wrap="none">
+            <a:spAutoFit/>
+          </a:bodyPr>
+          <a:lstStyle/>
+          <a:p>
+            <a:pPr algn="ctr"/>
+            <a:r>
+              <a:rPr lang="en-US" b="1" u="sng" dirty="0">
+                <a:solidFill>
+                  <a:srgbClr val="FF0000"/>
+                </a:solidFill>
+              </a:rPr>
+              <a:t>No b tagging SF’s </a:t>
+            </a:r>
+          </a:p>
+        </p:txBody>
+      </p:sp>
     </p:spTree>
     <p:extLst>
       <p:ext uri="{BB962C8B-B14F-4D97-AF65-F5344CB8AC3E}">
-        <p14:creationId xmlns:p14="http://schemas.microsoft.com/office/powerpoint/2010/main" val="2071165039"/>
+        <p14:creationId xmlns:p14="http://schemas.microsoft.com/office/powerpoint/2010/main" val="270366993"/>
       </p:ext>
     </p:extLst>
   </p:cSld>
@@ -18838,10 +18802,10 @@
             <a:r>
               <a:rPr lang="en-US" sz="2800" u="sng" dirty="0">
                 <a:solidFill>
-                  <a:srgbClr val="00B050"/>
+                  <a:srgbClr val="00B0F0"/>
                 </a:solidFill>
               </a:rPr>
-              <a:t>2018</a:t>
+              <a:t>2016</a:t>
             </a:r>
             <a:r>
               <a:rPr lang="en-US" sz="2800" u="sng" dirty="0"/>
@@ -18908,7 +18872,7 @@
           <a:p>
             <a:fld id="{3DBB7BD0-9B8D-1F47-8ABF-BE3CF9BD2848}" type="datetime1">
               <a:rPr lang="en-US" smtClean="0"/>
-              <a:t>9/1/20</a:t>
+              <a:t>9/2/20</a:t>
             </a:fld>
             <a:endParaRPr lang="en-US" dirty="0"/>
           </a:p>
@@ -18928,7 +18892,7 @@
         </p:nvSpPr>
         <p:spPr>
           <a:xfrm>
-            <a:off x="7939701" y="638586"/>
+            <a:off x="7907044" y="1609457"/>
             <a:ext cx="2289346" cy="369332"/>
           </a:xfrm>
           <a:prstGeom prst="rect">
@@ -18963,7 +18927,7 @@
         </p:nvSpPr>
         <p:spPr>
           <a:xfrm>
-            <a:off x="2333415" y="638586"/>
+            <a:off x="2300758" y="1609457"/>
             <a:ext cx="1499065" cy="369332"/>
           </a:xfrm>
           <a:prstGeom prst="rect">
@@ -18986,10 +18950,10 @@
       </p:sp>
       <p:pic>
         <p:nvPicPr>
-          <p:cNvPr id="9" name="Picture 8">
+          <p:cNvPr id="4" name="Picture 3">
             <a:extLst>
               <a:ext uri="{FF2B5EF4-FFF2-40B4-BE49-F238E27FC236}">
-                <a16:creationId xmlns:a16="http://schemas.microsoft.com/office/drawing/2014/main" id="{2E336555-93F3-FD4F-B090-6BE11BE0DBFF}"/>
+                <a16:creationId xmlns:a16="http://schemas.microsoft.com/office/drawing/2014/main" id="{0479B1E7-F202-554C-ADE3-707F5402EA48}"/>
               </a:ext>
             </a:extLst>
           </p:cNvPr>
@@ -19006,7 +18970,7 @@
         </p:blipFill>
         <p:spPr>
           <a:xfrm rot="5400000">
-            <a:off x="951991" y="439725"/>
+            <a:off x="832739" y="1202626"/>
             <a:ext cx="4311269" cy="5976747"/>
           </a:xfrm>
           <a:prstGeom prst="rect">
@@ -19016,10 +18980,10 @@
       </p:pic>
       <p:pic>
         <p:nvPicPr>
-          <p:cNvPr id="11" name="Picture 10">
+          <p:cNvPr id="10" name="Picture 9">
             <a:extLst>
               <a:ext uri="{FF2B5EF4-FFF2-40B4-BE49-F238E27FC236}">
-                <a16:creationId xmlns:a16="http://schemas.microsoft.com/office/drawing/2014/main" id="{10CBFBAD-304D-7948-AD39-DEB83BD977DD}"/>
+                <a16:creationId xmlns:a16="http://schemas.microsoft.com/office/drawing/2014/main" id="{B59D90DA-3524-084C-9B71-560A98282EE8}"/>
               </a:ext>
             </a:extLst>
           </p:cNvPr>
@@ -19036,7 +19000,7 @@
         </p:blipFill>
         <p:spPr>
           <a:xfrm rot="5400000">
-            <a:off x="6928738" y="439724"/>
+            <a:off x="6928739" y="1202626"/>
             <a:ext cx="4311269" cy="5976747"/>
           </a:xfrm>
           <a:prstGeom prst="rect">
@@ -19044,10 +19008,98 @@
           </a:prstGeom>
         </p:spPr>
       </p:pic>
+      <p:sp>
+        <p:nvSpPr>
+          <p:cNvPr id="11" name="Rectangle 10">
+            <a:extLst>
+              <a:ext uri="{FF2B5EF4-FFF2-40B4-BE49-F238E27FC236}">
+                <a16:creationId xmlns:a16="http://schemas.microsoft.com/office/drawing/2014/main" id="{1D28A1BE-C6D3-D043-8F96-A4E1CBE3A9EB}"/>
+              </a:ext>
+            </a:extLst>
+          </p:cNvPr>
+          <p:cNvSpPr/>
+          <p:nvPr/>
+        </p:nvSpPr>
+        <p:spPr>
+          <a:xfrm>
+            <a:off x="163285" y="537218"/>
+            <a:ext cx="12028715" cy="1015663"/>
+          </a:xfrm>
+          <a:prstGeom prst="rect">
+            <a:avLst/>
+          </a:prstGeom>
+        </p:spPr>
+        <p:txBody>
+          <a:bodyPr wrap="square">
+            <a:spAutoFit/>
+          </a:bodyPr>
+          <a:lstStyle/>
+          <a:p>
+            <a:pPr marL="285750" indent="-285750">
+              <a:buClr>
+                <a:schemeClr val="accent1"/>
+              </a:buClr>
+              <a:buFont typeface="Arial" panose="020B0604020202020204" pitchFamily="34" charset="0"/>
+              <a:buChar char="•"/>
+            </a:pPr>
+            <a:r>
+              <a:rPr lang="en-US" sz="2000" u="sng" dirty="0"/>
+              <a:t>BDT Output scores SR</a:t>
+            </a:r>
+            <a:r>
+              <a:rPr lang="en-US" sz="2000" u="sng" baseline="-25000" dirty="0"/>
+              <a:t>B</a:t>
+            </a:r>
+            <a:endParaRPr lang="en-US" sz="2000" u="sng" dirty="0"/>
+          </a:p>
+          <a:p>
+            <a:pPr marL="742950" lvl="1" indent="-285750">
+              <a:buClr>
+                <a:schemeClr val="accent1"/>
+              </a:buClr>
+              <a:buFont typeface="Arial" panose="020B0604020202020204" pitchFamily="34" charset="0"/>
+              <a:buChar char="•"/>
+            </a:pPr>
+            <a:r>
+              <a:rPr lang="en-US" sz="2000" dirty="0"/>
+              <a:t>SR</a:t>
+            </a:r>
+            <a:r>
+              <a:rPr lang="en-US" sz="2000" baseline="-25000" dirty="0"/>
+              <a:t>B </a:t>
+            </a:r>
+            <a:r>
+              <a:rPr lang="en-US" sz="2000" dirty="0"/>
+              <a:t>: Baseline selection + tight Mass Cut  (120,220) GeV, no </a:t>
+            </a:r>
+            <a:r>
+              <a:rPr lang="en-US" sz="2000" dirty="0" err="1"/>
+              <a:t>TopTagger</a:t>
+            </a:r>
+            <a:r>
+              <a:rPr lang="en-US" sz="2000" dirty="0"/>
+              <a:t> Selection </a:t>
+            </a:r>
+          </a:p>
+          <a:p>
+            <a:pPr marL="742950" lvl="1" indent="-285750">
+              <a:buClr>
+                <a:schemeClr val="accent1"/>
+              </a:buClr>
+              <a:buFont typeface="Arial" panose="020B0604020202020204" pitchFamily="34" charset="0"/>
+              <a:buChar char="•"/>
+            </a:pPr>
+            <a:r>
+              <a:rPr lang="en-US" sz="2000" dirty="0"/>
+              <a:t>QCD scaled to data (k-factor)</a:t>
+            </a:r>
+          </a:p>
+        </p:txBody>
+      </p:sp>
     </p:spTree>
     <p:extLst>
       <p:ext uri="{BB962C8B-B14F-4D97-AF65-F5344CB8AC3E}">
-        <p14:creationId xmlns:p14="http://schemas.microsoft.com/office/powerpoint/2010/main" val="1051090531"/>
+        <p14:creationId xmlns:p14="http://schemas.microsoft.com/office/powerpoint/2010/main" val="83094305"/>
       </p:ext>
     </p:extLst>
   </p:cSld>
@@ -19109,8 +19161,8 @@
         </p:nvSpPr>
         <p:spPr>
           <a:xfrm>
-            <a:off x="3276600" y="2640823"/>
-            <a:ext cx="5638800" cy="523220"/>
+            <a:off x="2805007" y="33090"/>
+            <a:ext cx="6581985" cy="523220"/>
           </a:xfrm>
           <a:prstGeom prst="rect">
             <a:avLst/>
@@ -19126,8 +19178,25 @@
             <a:pPr algn="ctr"/>
             <a:r>
               <a:rPr lang="en-US" sz="2800" u="sng" dirty="0"/>
-              <a:t>BACKUP SLIDES</a:t>
-            </a:r>
+              <a:t>Data Vs MC Stacks for BDT output </a:t>
+            </a:r>
+            <a:r>
+              <a:rPr lang="en-US" sz="2800" u="sng" dirty="0">
+                <a:solidFill>
+                  <a:srgbClr val="FF0000"/>
+                </a:solidFill>
+              </a:rPr>
+              <a:t>2017</a:t>
+            </a:r>
+            <a:r>
+              <a:rPr lang="en-US" sz="2800" u="sng" dirty="0"/>
+              <a:t> </a:t>
+            </a:r>
+            <a:endParaRPr lang="en-US" sz="2800" u="sng" dirty="0">
+              <a:solidFill>
+                <a:srgbClr val="00B050"/>
+              </a:solidFill>
+            </a:endParaRPr>
           </a:p>
         </p:txBody>
       </p:sp>
@@ -19184,16 +19253,146 @@
           <a:p>
             <a:fld id="{3DBB7BD0-9B8D-1F47-8ABF-BE3CF9BD2848}" type="datetime1">
               <a:rPr lang="en-US" smtClean="0"/>
-              <a:t>9/1/20</a:t>
+              <a:t>9/2/20</a:t>
             </a:fld>
             <a:endParaRPr lang="en-US" dirty="0"/>
           </a:p>
         </p:txBody>
       </p:sp>
+      <p:sp>
+        <p:nvSpPr>
+          <p:cNvPr id="6" name="Rectangle 5">
+            <a:extLst>
+              <a:ext uri="{FF2B5EF4-FFF2-40B4-BE49-F238E27FC236}">
+                <a16:creationId xmlns:a16="http://schemas.microsoft.com/office/drawing/2014/main" id="{1D3A9800-C923-F943-ACA5-B4B9B9A1D73D}"/>
+              </a:ext>
+            </a:extLst>
+          </p:cNvPr>
+          <p:cNvSpPr/>
+          <p:nvPr/>
+        </p:nvSpPr>
+        <p:spPr>
+          <a:xfrm>
+            <a:off x="7939701" y="638586"/>
+            <a:ext cx="2289346" cy="369332"/>
+          </a:xfrm>
+          <a:prstGeom prst="rect">
+            <a:avLst/>
+          </a:prstGeom>
+        </p:spPr>
+        <p:txBody>
+          <a:bodyPr wrap="none">
+            <a:spAutoFit/>
+          </a:bodyPr>
+          <a:lstStyle/>
+          <a:p>
+            <a:pPr algn="ctr"/>
+            <a:r>
+              <a:rPr lang="en-US" u="sng" dirty="0"/>
+              <a:t>without b tagging SF’s </a:t>
+            </a:r>
+          </a:p>
+        </p:txBody>
+      </p:sp>
+      <p:sp>
+        <p:nvSpPr>
+          <p:cNvPr id="8" name="Rectangle 7">
+            <a:extLst>
+              <a:ext uri="{FF2B5EF4-FFF2-40B4-BE49-F238E27FC236}">
+                <a16:creationId xmlns:a16="http://schemas.microsoft.com/office/drawing/2014/main" id="{FE0D63A0-1633-E841-944F-B91BFC6F0FEB}"/>
+              </a:ext>
+            </a:extLst>
+          </p:cNvPr>
+          <p:cNvSpPr/>
+          <p:nvPr/>
+        </p:nvSpPr>
+        <p:spPr>
+          <a:xfrm>
+            <a:off x="2333415" y="638586"/>
+            <a:ext cx="1499065" cy="369332"/>
+          </a:xfrm>
+          <a:prstGeom prst="rect">
+            <a:avLst/>
+          </a:prstGeom>
+        </p:spPr>
+        <p:txBody>
+          <a:bodyPr wrap="none">
+            <a:spAutoFit/>
+          </a:bodyPr>
+          <a:lstStyle/>
+          <a:p>
+            <a:pPr algn="ctr"/>
+            <a:r>
+              <a:rPr lang="en-US" u="sng" dirty="0"/>
+              <a:t>b tagging SF’s </a:t>
+            </a:r>
+          </a:p>
+        </p:txBody>
+      </p:sp>
+      <p:pic>
+        <p:nvPicPr>
+          <p:cNvPr id="4" name="Picture 3">
+            <a:extLst>
+              <a:ext uri="{FF2B5EF4-FFF2-40B4-BE49-F238E27FC236}">
+                <a16:creationId xmlns:a16="http://schemas.microsoft.com/office/drawing/2014/main" id="{A37CDE29-0165-8540-AFD9-47BF96CD3E63}"/>
+              </a:ext>
+            </a:extLst>
+          </p:cNvPr>
+          <p:cNvPicPr>
+            <a:picLocks noChangeAspect="1"/>
+          </p:cNvPicPr>
+          <p:nvPr/>
+        </p:nvPicPr>
+        <p:blipFill>
+          <a:blip r:embed="rId2"/>
+          <a:stretch>
+            <a:fillRect/>
+          </a:stretch>
+        </p:blipFill>
+        <p:spPr>
+          <a:xfrm rot="5400000">
+            <a:off x="927312" y="440626"/>
+            <a:ext cx="4311269" cy="5976747"/>
+          </a:xfrm>
+          <a:prstGeom prst="rect">
+            <a:avLst/>
+          </a:prstGeom>
+        </p:spPr>
+      </p:pic>
+      <p:pic>
+        <p:nvPicPr>
+          <p:cNvPr id="11" name="Picture 10">
+            <a:extLst>
+              <a:ext uri="{FF2B5EF4-FFF2-40B4-BE49-F238E27FC236}">
+                <a16:creationId xmlns:a16="http://schemas.microsoft.com/office/drawing/2014/main" id="{F1BD224C-3E78-0A47-9667-7B654BD6FB2A}"/>
+              </a:ext>
+            </a:extLst>
+          </p:cNvPr>
+          <p:cNvPicPr>
+            <a:picLocks noChangeAspect="1"/>
+          </p:cNvPicPr>
+          <p:nvPr/>
+        </p:nvPicPr>
+        <p:blipFill>
+          <a:blip r:embed="rId3"/>
+          <a:stretch>
+            <a:fillRect/>
+          </a:stretch>
+        </p:blipFill>
+        <p:spPr>
+          <a:xfrm rot="5400000">
+            <a:off x="6904059" y="440626"/>
+            <a:ext cx="4311269" cy="5976747"/>
+          </a:xfrm>
+          <a:prstGeom prst="rect">
+            <a:avLst/>
+          </a:prstGeom>
+        </p:spPr>
+      </p:pic>
     </p:spTree>
     <p:extLst>
       <p:ext uri="{BB962C8B-B14F-4D97-AF65-F5344CB8AC3E}">
-        <p14:creationId xmlns:p14="http://schemas.microsoft.com/office/powerpoint/2010/main" val="1998869109"/>
+        <p14:creationId xmlns:p14="http://schemas.microsoft.com/office/powerpoint/2010/main" val="2071165039"/>
       </p:ext>
     </p:extLst>
   </p:cSld>
@@ -19255,8 +19454,8 @@
         </p:nvSpPr>
         <p:spPr>
           <a:xfrm>
-            <a:off x="504044" y="33090"/>
-            <a:ext cx="10940340" cy="523220"/>
+            <a:off x="2805007" y="33090"/>
+            <a:ext cx="6581985" cy="523220"/>
           </a:xfrm>
           <a:prstGeom prst="rect">
             <a:avLst/>
@@ -19272,16 +19471,25 @@
             <a:pPr algn="ctr"/>
             <a:r>
               <a:rPr lang="en-US" sz="2800" u="sng" dirty="0"/>
-              <a:t>Response Matrices </a:t>
+              <a:t>Data Vs MC Stacks for BDT output </a:t>
             </a:r>
             <a:r>
               <a:rPr lang="en-US" sz="2800" u="sng" dirty="0">
                 <a:solidFill>
-                  <a:srgbClr val="00B0F0"/>
+                  <a:srgbClr val="00B050"/>
                 </a:solidFill>
               </a:rPr>
-              <a:t>2016</a:t>
-            </a:r>
+              <a:t>2018</a:t>
+            </a:r>
+            <a:r>
+              <a:rPr lang="en-US" sz="2800" u="sng" dirty="0"/>
+              <a:t> </a:t>
+            </a:r>
+            <a:endParaRPr lang="en-US" sz="2800" u="sng" dirty="0">
+              <a:solidFill>
+                <a:srgbClr val="00B050"/>
+              </a:solidFill>
+            </a:endParaRPr>
           </a:p>
         </p:txBody>
       </p:sp>
@@ -19336,9 +19544,9 @@
           <a:bodyPr/>
           <a:lstStyle/>
           <a:p>
-            <a:fld id="{01554C39-4607-164F-AA23-65A72270ACF7}" type="datetime1">
+            <a:fld id="{3DBB7BD0-9B8D-1F47-8ABF-BE3CF9BD2848}" type="datetime1">
               <a:rPr lang="en-US" smtClean="0"/>
-              <a:t>9/1/20</a:t>
+              <a:t>9/2/20</a:t>
             </a:fld>
             <a:endParaRPr lang="en-US" dirty="0"/>
           </a:p>
@@ -19346,10 +19554,10 @@
       </p:sp>
       <p:sp>
         <p:nvSpPr>
-          <p:cNvPr id="8" name="Rectangle 7">
+          <p:cNvPr id="6" name="Rectangle 5">
             <a:extLst>
               <a:ext uri="{FF2B5EF4-FFF2-40B4-BE49-F238E27FC236}">
-                <a16:creationId xmlns:a16="http://schemas.microsoft.com/office/drawing/2014/main" id="{137E0740-341B-B64B-AE26-A2C5357809F1}"/>
+                <a16:creationId xmlns:a16="http://schemas.microsoft.com/office/drawing/2014/main" id="{1D3A9800-C923-F943-ACA5-B4B9B9A1D73D}"/>
               </a:ext>
             </a:extLst>
           </p:cNvPr>
@@ -19381,10 +19589,10 @@
       </p:sp>
       <p:sp>
         <p:nvSpPr>
-          <p:cNvPr id="15" name="Rectangle 14">
+          <p:cNvPr id="8" name="Rectangle 7">
             <a:extLst>
               <a:ext uri="{FF2B5EF4-FFF2-40B4-BE49-F238E27FC236}">
-                <a16:creationId xmlns:a16="http://schemas.microsoft.com/office/drawing/2014/main" id="{F855E7F2-8E22-A345-8A7F-56F49B61AE54}"/>
+                <a16:creationId xmlns:a16="http://schemas.microsoft.com/office/drawing/2014/main" id="{FE0D63A0-1633-E841-944F-B91BFC6F0FEB}"/>
               </a:ext>
             </a:extLst>
           </p:cNvPr>
@@ -19416,10 +19624,10 @@
       </p:sp>
       <p:pic>
         <p:nvPicPr>
-          <p:cNvPr id="6" name="Picture 5">
+          <p:cNvPr id="9" name="Picture 8">
             <a:extLst>
               <a:ext uri="{FF2B5EF4-FFF2-40B4-BE49-F238E27FC236}">
-                <a16:creationId xmlns:a16="http://schemas.microsoft.com/office/drawing/2014/main" id="{B916B196-3F50-1042-AB31-52400AFC2C68}"/>
+                <a16:creationId xmlns:a16="http://schemas.microsoft.com/office/drawing/2014/main" id="{2E336555-93F3-FD4F-B090-6BE11BE0DBFF}"/>
               </a:ext>
             </a:extLst>
           </p:cNvPr>
@@ -19436,7 +19644,7 @@
         </p:blipFill>
         <p:spPr>
           <a:xfrm rot="5400000">
-            <a:off x="951992" y="691187"/>
+            <a:off x="951991" y="439725"/>
             <a:ext cx="4311269" cy="5976747"/>
           </a:xfrm>
           <a:prstGeom prst="rect">
@@ -19449,7 +19657,7 @@
           <p:cNvPr id="11" name="Picture 10">
             <a:extLst>
               <a:ext uri="{FF2B5EF4-FFF2-40B4-BE49-F238E27FC236}">
-                <a16:creationId xmlns:a16="http://schemas.microsoft.com/office/drawing/2014/main" id="{6FB3C2F5-1028-5449-B5C2-93EE2A79669C}"/>
+                <a16:creationId xmlns:a16="http://schemas.microsoft.com/office/drawing/2014/main" id="{10CBFBAD-304D-7948-AD39-DEB83BD977DD}"/>
               </a:ext>
             </a:extLst>
           </p:cNvPr>
@@ -19466,7 +19674,7 @@
         </p:blipFill>
         <p:spPr>
           <a:xfrm rot="5400000">
-            <a:off x="7047992" y="691187"/>
+            <a:off x="6928738" y="439724"/>
             <a:ext cx="4311269" cy="5976747"/>
           </a:xfrm>
           <a:prstGeom prst="rect">
@@ -19477,7 +19685,7 @@
     </p:spTree>
     <p:extLst>
       <p:ext uri="{BB962C8B-B14F-4D97-AF65-F5344CB8AC3E}">
-        <p14:creationId xmlns:p14="http://schemas.microsoft.com/office/powerpoint/2010/main" val="1218244233"/>
+        <p14:creationId xmlns:p14="http://schemas.microsoft.com/office/powerpoint/2010/main" val="1051090531"/>
       </p:ext>
     </p:extLst>
   </p:cSld>
@@ -19539,8 +19747,8 @@
         </p:nvSpPr>
         <p:spPr>
           <a:xfrm>
-            <a:off x="504044" y="33090"/>
-            <a:ext cx="10940340" cy="523220"/>
+            <a:off x="3276600" y="2640823"/>
+            <a:ext cx="5638800" cy="523220"/>
           </a:xfrm>
           <a:prstGeom prst="rect">
             <a:avLst/>
@@ -19556,15 +19764,7 @@
             <a:pPr algn="ctr"/>
             <a:r>
               <a:rPr lang="en-US" sz="2800" u="sng" dirty="0"/>
-              <a:t>Response Matrices </a:t>
-            </a:r>
-            <a:r>
-              <a:rPr lang="en-US" sz="2800" u="sng" dirty="0">
-                <a:solidFill>
-                  <a:srgbClr val="FF0000"/>
-                </a:solidFill>
-              </a:rPr>
-              <a:t>2017</a:t>
+              <a:t>BACKUP SLIDES</a:t>
             </a:r>
           </a:p>
         </p:txBody>
@@ -19620,148 +19820,18 @@
           <a:bodyPr/>
           <a:lstStyle/>
           <a:p>
-            <a:fld id="{01554C39-4607-164F-AA23-65A72270ACF7}" type="datetime1">
+            <a:fld id="{3DBB7BD0-9B8D-1F47-8ABF-BE3CF9BD2848}" type="datetime1">
               <a:rPr lang="en-US" smtClean="0"/>
-              <a:t>9/1/20</a:t>
+              <a:t>9/2/20</a:t>
             </a:fld>
             <a:endParaRPr lang="en-US" dirty="0"/>
           </a:p>
         </p:txBody>
       </p:sp>
-      <p:sp>
-        <p:nvSpPr>
-          <p:cNvPr id="8" name="Rectangle 7">
-            <a:extLst>
-              <a:ext uri="{FF2B5EF4-FFF2-40B4-BE49-F238E27FC236}">
-                <a16:creationId xmlns:a16="http://schemas.microsoft.com/office/drawing/2014/main" id="{137E0740-341B-B64B-AE26-A2C5357809F1}"/>
-              </a:ext>
-            </a:extLst>
-          </p:cNvPr>
-          <p:cNvSpPr/>
-          <p:nvPr/>
-        </p:nvSpPr>
-        <p:spPr>
-          <a:xfrm>
-            <a:off x="7939701" y="638586"/>
-            <a:ext cx="2289346" cy="369332"/>
-          </a:xfrm>
-          <a:prstGeom prst="rect">
-            <a:avLst/>
-          </a:prstGeom>
-        </p:spPr>
-        <p:txBody>
-          <a:bodyPr wrap="none">
-            <a:spAutoFit/>
-          </a:bodyPr>
-          <a:lstStyle/>
-          <a:p>
-            <a:pPr algn="ctr"/>
-            <a:r>
-              <a:rPr lang="en-US" u="sng" dirty="0"/>
-              <a:t>without b tagging SF’s </a:t>
-            </a:r>
-          </a:p>
-        </p:txBody>
-      </p:sp>
-      <p:sp>
-        <p:nvSpPr>
-          <p:cNvPr id="15" name="Rectangle 14">
-            <a:extLst>
-              <a:ext uri="{FF2B5EF4-FFF2-40B4-BE49-F238E27FC236}">
-                <a16:creationId xmlns:a16="http://schemas.microsoft.com/office/drawing/2014/main" id="{F855E7F2-8E22-A345-8A7F-56F49B61AE54}"/>
-              </a:ext>
-            </a:extLst>
-          </p:cNvPr>
-          <p:cNvSpPr/>
-          <p:nvPr/>
-        </p:nvSpPr>
-        <p:spPr>
-          <a:xfrm>
-            <a:off x="2333415" y="638586"/>
-            <a:ext cx="1499065" cy="369332"/>
-          </a:xfrm>
-          <a:prstGeom prst="rect">
-            <a:avLst/>
-          </a:prstGeom>
-        </p:spPr>
-        <p:txBody>
-          <a:bodyPr wrap="none">
-            <a:spAutoFit/>
-          </a:bodyPr>
-          <a:lstStyle/>
-          <a:p>
-            <a:pPr algn="ctr"/>
-            <a:r>
-              <a:rPr lang="en-US" u="sng" dirty="0"/>
-              <a:t>b tagging SF’s </a:t>
-            </a:r>
-          </a:p>
-        </p:txBody>
-      </p:sp>
-      <p:pic>
-        <p:nvPicPr>
-          <p:cNvPr id="4" name="Picture 3">
-            <a:extLst>
-              <a:ext uri="{FF2B5EF4-FFF2-40B4-BE49-F238E27FC236}">
-                <a16:creationId xmlns:a16="http://schemas.microsoft.com/office/drawing/2014/main" id="{22F19D61-6B3F-2C4C-B756-CB9ED5548A92}"/>
-              </a:ext>
-            </a:extLst>
-          </p:cNvPr>
-          <p:cNvPicPr>
-            <a:picLocks noChangeAspect="1"/>
-          </p:cNvPicPr>
-          <p:nvPr/>
-        </p:nvPicPr>
-        <p:blipFill>
-          <a:blip r:embed="rId2"/>
-          <a:stretch>
-            <a:fillRect/>
-          </a:stretch>
-        </p:blipFill>
-        <p:spPr>
-          <a:xfrm rot="5400000">
-            <a:off x="832739" y="702986"/>
-            <a:ext cx="4311269" cy="5976747"/>
-          </a:xfrm>
-          <a:prstGeom prst="rect">
-            <a:avLst/>
-          </a:prstGeom>
-        </p:spPr>
-      </p:pic>
-      <p:pic>
-        <p:nvPicPr>
-          <p:cNvPr id="9" name="Picture 8">
-            <a:extLst>
-              <a:ext uri="{FF2B5EF4-FFF2-40B4-BE49-F238E27FC236}">
-                <a16:creationId xmlns:a16="http://schemas.microsoft.com/office/drawing/2014/main" id="{88C1BB65-3065-F74E-B7A9-01E27DF2352D}"/>
-              </a:ext>
-            </a:extLst>
-          </p:cNvPr>
-          <p:cNvPicPr>
-            <a:picLocks noChangeAspect="1"/>
-          </p:cNvPicPr>
-          <p:nvPr/>
-        </p:nvPicPr>
-        <p:blipFill>
-          <a:blip r:embed="rId3"/>
-          <a:stretch>
-            <a:fillRect/>
-          </a:stretch>
-        </p:blipFill>
-        <p:spPr>
-          <a:xfrm rot="5400000">
-            <a:off x="6953421" y="702986"/>
-            <a:ext cx="4311269" cy="5976747"/>
-          </a:xfrm>
-          <a:prstGeom prst="rect">
-            <a:avLst/>
-          </a:prstGeom>
-        </p:spPr>
-      </p:pic>
     </p:spTree>
     <p:extLst>
       <p:ext uri="{BB962C8B-B14F-4D97-AF65-F5344CB8AC3E}">
-        <p14:creationId xmlns:p14="http://schemas.microsoft.com/office/powerpoint/2010/main" val="585653806"/>
+        <p14:creationId xmlns:p14="http://schemas.microsoft.com/office/powerpoint/2010/main" val="1998869109"/>
       </p:ext>
     </p:extLst>
   </p:cSld>
@@ -19845,10 +19915,10 @@
             <a:r>
               <a:rPr lang="en-US" sz="2800" u="sng" dirty="0">
                 <a:solidFill>
-                  <a:srgbClr val="00B050"/>
+                  <a:srgbClr val="00B0F0"/>
                 </a:solidFill>
               </a:rPr>
-              <a:t>2018</a:t>
+              <a:t>2016</a:t>
             </a:r>
           </a:p>
         </p:txBody>
@@ -19906,7 +19976,575 @@
           <a:p>
             <a:fld id="{01554C39-4607-164F-AA23-65A72270ACF7}" type="datetime1">
               <a:rPr lang="en-US" smtClean="0"/>
-              <a:t>9/1/20</a:t>
+              <a:t>9/2/20</a:t>
+            </a:fld>
+            <a:endParaRPr lang="en-US" dirty="0"/>
+          </a:p>
+        </p:txBody>
+      </p:sp>
+      <p:sp>
+        <p:nvSpPr>
+          <p:cNvPr id="8" name="Rectangle 7">
+            <a:extLst>
+              <a:ext uri="{FF2B5EF4-FFF2-40B4-BE49-F238E27FC236}">
+                <a16:creationId xmlns:a16="http://schemas.microsoft.com/office/drawing/2014/main" id="{137E0740-341B-B64B-AE26-A2C5357809F1}"/>
+              </a:ext>
+            </a:extLst>
+          </p:cNvPr>
+          <p:cNvSpPr/>
+          <p:nvPr/>
+        </p:nvSpPr>
+        <p:spPr>
+          <a:xfrm>
+            <a:off x="7939701" y="638586"/>
+            <a:ext cx="2289346" cy="369332"/>
+          </a:xfrm>
+          <a:prstGeom prst="rect">
+            <a:avLst/>
+          </a:prstGeom>
+        </p:spPr>
+        <p:txBody>
+          <a:bodyPr wrap="none">
+            <a:spAutoFit/>
+          </a:bodyPr>
+          <a:lstStyle/>
+          <a:p>
+            <a:pPr algn="ctr"/>
+            <a:r>
+              <a:rPr lang="en-US" u="sng" dirty="0"/>
+              <a:t>without b tagging SF’s </a:t>
+            </a:r>
+          </a:p>
+        </p:txBody>
+      </p:sp>
+      <p:sp>
+        <p:nvSpPr>
+          <p:cNvPr id="15" name="Rectangle 14">
+            <a:extLst>
+              <a:ext uri="{FF2B5EF4-FFF2-40B4-BE49-F238E27FC236}">
+                <a16:creationId xmlns:a16="http://schemas.microsoft.com/office/drawing/2014/main" id="{F855E7F2-8E22-A345-8A7F-56F49B61AE54}"/>
+              </a:ext>
+            </a:extLst>
+          </p:cNvPr>
+          <p:cNvSpPr/>
+          <p:nvPr/>
+        </p:nvSpPr>
+        <p:spPr>
+          <a:xfrm>
+            <a:off x="2333415" y="638586"/>
+            <a:ext cx="1499065" cy="369332"/>
+          </a:xfrm>
+          <a:prstGeom prst="rect">
+            <a:avLst/>
+          </a:prstGeom>
+        </p:spPr>
+        <p:txBody>
+          <a:bodyPr wrap="none">
+            <a:spAutoFit/>
+          </a:bodyPr>
+          <a:lstStyle/>
+          <a:p>
+            <a:pPr algn="ctr"/>
+            <a:r>
+              <a:rPr lang="en-US" u="sng" dirty="0"/>
+              <a:t>b tagging SF’s </a:t>
+            </a:r>
+          </a:p>
+        </p:txBody>
+      </p:sp>
+      <p:pic>
+        <p:nvPicPr>
+          <p:cNvPr id="6" name="Picture 5">
+            <a:extLst>
+              <a:ext uri="{FF2B5EF4-FFF2-40B4-BE49-F238E27FC236}">
+                <a16:creationId xmlns:a16="http://schemas.microsoft.com/office/drawing/2014/main" id="{B916B196-3F50-1042-AB31-52400AFC2C68}"/>
+              </a:ext>
+            </a:extLst>
+          </p:cNvPr>
+          <p:cNvPicPr>
+            <a:picLocks noChangeAspect="1"/>
+          </p:cNvPicPr>
+          <p:nvPr/>
+        </p:nvPicPr>
+        <p:blipFill>
+          <a:blip r:embed="rId2"/>
+          <a:stretch>
+            <a:fillRect/>
+          </a:stretch>
+        </p:blipFill>
+        <p:spPr>
+          <a:xfrm rot="5400000">
+            <a:off x="951992" y="691187"/>
+            <a:ext cx="4311269" cy="5976747"/>
+          </a:xfrm>
+          <a:prstGeom prst="rect">
+            <a:avLst/>
+          </a:prstGeom>
+        </p:spPr>
+      </p:pic>
+      <p:pic>
+        <p:nvPicPr>
+          <p:cNvPr id="11" name="Picture 10">
+            <a:extLst>
+              <a:ext uri="{FF2B5EF4-FFF2-40B4-BE49-F238E27FC236}">
+                <a16:creationId xmlns:a16="http://schemas.microsoft.com/office/drawing/2014/main" id="{6FB3C2F5-1028-5449-B5C2-93EE2A79669C}"/>
+              </a:ext>
+            </a:extLst>
+          </p:cNvPr>
+          <p:cNvPicPr>
+            <a:picLocks noChangeAspect="1"/>
+          </p:cNvPicPr>
+          <p:nvPr/>
+        </p:nvPicPr>
+        <p:blipFill>
+          <a:blip r:embed="rId3"/>
+          <a:stretch>
+            <a:fillRect/>
+          </a:stretch>
+        </p:blipFill>
+        <p:spPr>
+          <a:xfrm rot="5400000">
+            <a:off x="7047992" y="691187"/>
+            <a:ext cx="4311269" cy="5976747"/>
+          </a:xfrm>
+          <a:prstGeom prst="rect">
+            <a:avLst/>
+          </a:prstGeom>
+        </p:spPr>
+      </p:pic>
+    </p:spTree>
+    <p:extLst>
+      <p:ext uri="{BB962C8B-B14F-4D97-AF65-F5344CB8AC3E}">
+        <p14:creationId xmlns:p14="http://schemas.microsoft.com/office/powerpoint/2010/main" val="1218244233"/>
+      </p:ext>
+    </p:extLst>
+  </p:cSld>
+  <p:clrMapOvr>
+    <a:masterClrMapping/>
+  </p:clrMapOvr>
+</p:sld>
+</file>
+
+<file path=ppt/slides/slide38.xml><?xml version="1.0" encoding="utf-8"?>
+<p:sld xmlns:a="http://schemas.openxmlformats.org/drawingml/2006/main" xmlns:r="http://schemas.openxmlformats.org/officeDocument/2006/relationships" xmlns:p="http://schemas.openxmlformats.org/presentationml/2006/main">
+  <p:cSld>
+    <p:spTree>
+      <p:nvGrpSpPr>
+        <p:cNvPr id="1" name=""/>
+        <p:cNvGrpSpPr/>
+        <p:nvPr/>
+      </p:nvGrpSpPr>
+      <p:grpSpPr>
+        <a:xfrm>
+          <a:off x="0" y="0"/>
+          <a:ext cx="0" cy="0"/>
+          <a:chOff x="0" y="0"/>
+          <a:chExt cx="0" cy="0"/>
+        </a:xfrm>
+      </p:grpSpPr>
+      <p:sp>
+        <p:nvSpPr>
+          <p:cNvPr id="3" name="Footer Placeholder 2"/>
+          <p:cNvSpPr>
+            <a:spLocks noGrp="1"/>
+          </p:cNvSpPr>
+          <p:nvPr>
+            <p:ph type="ftr" sz="quarter" idx="11"/>
+          </p:nvPr>
+        </p:nvSpPr>
+        <p:spPr/>
+        <p:txBody>
+          <a:bodyPr/>
+          <a:lstStyle/>
+          <a:p>
+            <a:r>
+              <a:rPr lang="fi-FI" dirty="0"/>
+              <a:t>NTUA G. </a:t>
+            </a:r>
+            <a:r>
+              <a:rPr lang="fi-FI" dirty="0" err="1"/>
+              <a:t>Bakas</a:t>
+            </a:r>
+            <a:endParaRPr lang="en-US" dirty="0"/>
+          </a:p>
+        </p:txBody>
+      </p:sp>
+      <p:sp>
+        <p:nvSpPr>
+          <p:cNvPr id="7" name="TextBox 6"/>
+          <p:cNvSpPr txBox="1"/>
+          <p:nvPr/>
+        </p:nvSpPr>
+        <p:spPr>
+          <a:xfrm>
+            <a:off x="504044" y="33090"/>
+            <a:ext cx="10940340" cy="523220"/>
+          </a:xfrm>
+          <a:prstGeom prst="rect">
+            <a:avLst/>
+          </a:prstGeom>
+          <a:noFill/>
+        </p:spPr>
+        <p:txBody>
+          <a:bodyPr wrap="square" rtlCol="0">
+            <a:spAutoFit/>
+          </a:bodyPr>
+          <a:lstStyle/>
+          <a:p>
+            <a:pPr algn="ctr"/>
+            <a:r>
+              <a:rPr lang="en-US" sz="2800" u="sng" dirty="0"/>
+              <a:t>Response Matrices </a:t>
+            </a:r>
+            <a:r>
+              <a:rPr lang="en-US" sz="2800" u="sng" dirty="0">
+                <a:solidFill>
+                  <a:srgbClr val="FF0000"/>
+                </a:solidFill>
+              </a:rPr>
+              <a:t>2017</a:t>
+            </a:r>
+          </a:p>
+        </p:txBody>
+      </p:sp>
+      <p:sp>
+        <p:nvSpPr>
+          <p:cNvPr id="5" name="Slide Number Placeholder 4">
+            <a:extLst>
+              <a:ext uri="{FF2B5EF4-FFF2-40B4-BE49-F238E27FC236}">
+                <a16:creationId xmlns:a16="http://schemas.microsoft.com/office/drawing/2014/main" id="{69A96869-DB60-5345-ACD9-F1C41035B064}"/>
+              </a:ext>
+            </a:extLst>
+          </p:cNvPr>
+          <p:cNvSpPr>
+            <a:spLocks noGrp="1"/>
+          </p:cNvSpPr>
+          <p:nvPr>
+            <p:ph type="sldNum" sz="quarter" idx="12"/>
+          </p:nvPr>
+        </p:nvSpPr>
+        <p:spPr/>
+        <p:txBody>
+          <a:bodyPr/>
+          <a:lstStyle/>
+          <a:p>
+            <a:fld id="{4FAB73BC-B049-4115-A692-8D63A059BFB8}" type="slidenum">
+              <a:rPr lang="en-US" smtClean="0"/>
+              <a:pPr/>
+              <a:t>38</a:t>
+            </a:fld>
+            <a:endParaRPr lang="en-US" dirty="0"/>
+          </a:p>
+        </p:txBody>
+      </p:sp>
+      <p:sp>
+        <p:nvSpPr>
+          <p:cNvPr id="24" name="Date Placeholder 23">
+            <a:extLst>
+              <a:ext uri="{FF2B5EF4-FFF2-40B4-BE49-F238E27FC236}">
+                <a16:creationId xmlns:a16="http://schemas.microsoft.com/office/drawing/2014/main" id="{056D71EF-2E89-4043-8F92-90A4D46A3E69}"/>
+              </a:ext>
+            </a:extLst>
+          </p:cNvPr>
+          <p:cNvSpPr>
+            <a:spLocks noGrp="1"/>
+          </p:cNvSpPr>
+          <p:nvPr>
+            <p:ph type="dt" sz="half" idx="10"/>
+          </p:nvPr>
+        </p:nvSpPr>
+        <p:spPr/>
+        <p:txBody>
+          <a:bodyPr/>
+          <a:lstStyle/>
+          <a:p>
+            <a:fld id="{01554C39-4607-164F-AA23-65A72270ACF7}" type="datetime1">
+              <a:rPr lang="en-US" smtClean="0"/>
+              <a:t>9/2/20</a:t>
+            </a:fld>
+            <a:endParaRPr lang="en-US" dirty="0"/>
+          </a:p>
+        </p:txBody>
+      </p:sp>
+      <p:sp>
+        <p:nvSpPr>
+          <p:cNvPr id="8" name="Rectangle 7">
+            <a:extLst>
+              <a:ext uri="{FF2B5EF4-FFF2-40B4-BE49-F238E27FC236}">
+                <a16:creationId xmlns:a16="http://schemas.microsoft.com/office/drawing/2014/main" id="{137E0740-341B-B64B-AE26-A2C5357809F1}"/>
+              </a:ext>
+            </a:extLst>
+          </p:cNvPr>
+          <p:cNvSpPr/>
+          <p:nvPr/>
+        </p:nvSpPr>
+        <p:spPr>
+          <a:xfrm>
+            <a:off x="7939701" y="638586"/>
+            <a:ext cx="2289346" cy="369332"/>
+          </a:xfrm>
+          <a:prstGeom prst="rect">
+            <a:avLst/>
+          </a:prstGeom>
+        </p:spPr>
+        <p:txBody>
+          <a:bodyPr wrap="none">
+            <a:spAutoFit/>
+          </a:bodyPr>
+          <a:lstStyle/>
+          <a:p>
+            <a:pPr algn="ctr"/>
+            <a:r>
+              <a:rPr lang="en-US" u="sng" dirty="0"/>
+              <a:t>without b tagging SF’s </a:t>
+            </a:r>
+          </a:p>
+        </p:txBody>
+      </p:sp>
+      <p:sp>
+        <p:nvSpPr>
+          <p:cNvPr id="15" name="Rectangle 14">
+            <a:extLst>
+              <a:ext uri="{FF2B5EF4-FFF2-40B4-BE49-F238E27FC236}">
+                <a16:creationId xmlns:a16="http://schemas.microsoft.com/office/drawing/2014/main" id="{F855E7F2-8E22-A345-8A7F-56F49B61AE54}"/>
+              </a:ext>
+            </a:extLst>
+          </p:cNvPr>
+          <p:cNvSpPr/>
+          <p:nvPr/>
+        </p:nvSpPr>
+        <p:spPr>
+          <a:xfrm>
+            <a:off x="2333415" y="638586"/>
+            <a:ext cx="1499065" cy="369332"/>
+          </a:xfrm>
+          <a:prstGeom prst="rect">
+            <a:avLst/>
+          </a:prstGeom>
+        </p:spPr>
+        <p:txBody>
+          <a:bodyPr wrap="none">
+            <a:spAutoFit/>
+          </a:bodyPr>
+          <a:lstStyle/>
+          <a:p>
+            <a:pPr algn="ctr"/>
+            <a:r>
+              <a:rPr lang="en-US" u="sng" dirty="0"/>
+              <a:t>b tagging SF’s </a:t>
+            </a:r>
+          </a:p>
+        </p:txBody>
+      </p:sp>
+      <p:pic>
+        <p:nvPicPr>
+          <p:cNvPr id="4" name="Picture 3">
+            <a:extLst>
+              <a:ext uri="{FF2B5EF4-FFF2-40B4-BE49-F238E27FC236}">
+                <a16:creationId xmlns:a16="http://schemas.microsoft.com/office/drawing/2014/main" id="{22F19D61-6B3F-2C4C-B756-CB9ED5548A92}"/>
+              </a:ext>
+            </a:extLst>
+          </p:cNvPr>
+          <p:cNvPicPr>
+            <a:picLocks noChangeAspect="1"/>
+          </p:cNvPicPr>
+          <p:nvPr/>
+        </p:nvPicPr>
+        <p:blipFill>
+          <a:blip r:embed="rId2"/>
+          <a:stretch>
+            <a:fillRect/>
+          </a:stretch>
+        </p:blipFill>
+        <p:spPr>
+          <a:xfrm rot="5400000">
+            <a:off x="832739" y="702986"/>
+            <a:ext cx="4311269" cy="5976747"/>
+          </a:xfrm>
+          <a:prstGeom prst="rect">
+            <a:avLst/>
+          </a:prstGeom>
+        </p:spPr>
+      </p:pic>
+      <p:pic>
+        <p:nvPicPr>
+          <p:cNvPr id="9" name="Picture 8">
+            <a:extLst>
+              <a:ext uri="{FF2B5EF4-FFF2-40B4-BE49-F238E27FC236}">
+                <a16:creationId xmlns:a16="http://schemas.microsoft.com/office/drawing/2014/main" id="{88C1BB65-3065-F74E-B7A9-01E27DF2352D}"/>
+              </a:ext>
+            </a:extLst>
+          </p:cNvPr>
+          <p:cNvPicPr>
+            <a:picLocks noChangeAspect="1"/>
+          </p:cNvPicPr>
+          <p:nvPr/>
+        </p:nvPicPr>
+        <p:blipFill>
+          <a:blip r:embed="rId3"/>
+          <a:stretch>
+            <a:fillRect/>
+          </a:stretch>
+        </p:blipFill>
+        <p:spPr>
+          <a:xfrm rot="5400000">
+            <a:off x="6953421" y="702986"/>
+            <a:ext cx="4311269" cy="5976747"/>
+          </a:xfrm>
+          <a:prstGeom prst="rect">
+            <a:avLst/>
+          </a:prstGeom>
+        </p:spPr>
+      </p:pic>
+    </p:spTree>
+    <p:extLst>
+      <p:ext uri="{BB962C8B-B14F-4D97-AF65-F5344CB8AC3E}">
+        <p14:creationId xmlns:p14="http://schemas.microsoft.com/office/powerpoint/2010/main" val="585653806"/>
+      </p:ext>
+    </p:extLst>
+  </p:cSld>
+  <p:clrMapOvr>
+    <a:masterClrMapping/>
+  </p:clrMapOvr>
+</p:sld>
+</file>
+
+<file path=ppt/slides/slide39.xml><?xml version="1.0" encoding="utf-8"?>
+<p:sld xmlns:a="http://schemas.openxmlformats.org/drawingml/2006/main" xmlns:r="http://schemas.openxmlformats.org/officeDocument/2006/relationships" xmlns:p="http://schemas.openxmlformats.org/presentationml/2006/main">
+  <p:cSld>
+    <p:spTree>
+      <p:nvGrpSpPr>
+        <p:cNvPr id="1" name=""/>
+        <p:cNvGrpSpPr/>
+        <p:nvPr/>
+      </p:nvGrpSpPr>
+      <p:grpSpPr>
+        <a:xfrm>
+          <a:off x="0" y="0"/>
+          <a:ext cx="0" cy="0"/>
+          <a:chOff x="0" y="0"/>
+          <a:chExt cx="0" cy="0"/>
+        </a:xfrm>
+      </p:grpSpPr>
+      <p:sp>
+        <p:nvSpPr>
+          <p:cNvPr id="3" name="Footer Placeholder 2"/>
+          <p:cNvSpPr>
+            <a:spLocks noGrp="1"/>
+          </p:cNvSpPr>
+          <p:nvPr>
+            <p:ph type="ftr" sz="quarter" idx="11"/>
+          </p:nvPr>
+        </p:nvSpPr>
+        <p:spPr/>
+        <p:txBody>
+          <a:bodyPr/>
+          <a:lstStyle/>
+          <a:p>
+            <a:r>
+              <a:rPr lang="fi-FI" dirty="0"/>
+              <a:t>NTUA G. </a:t>
+            </a:r>
+            <a:r>
+              <a:rPr lang="fi-FI" dirty="0" err="1"/>
+              <a:t>Bakas</a:t>
+            </a:r>
+            <a:endParaRPr lang="en-US" dirty="0"/>
+          </a:p>
+        </p:txBody>
+      </p:sp>
+      <p:sp>
+        <p:nvSpPr>
+          <p:cNvPr id="7" name="TextBox 6"/>
+          <p:cNvSpPr txBox="1"/>
+          <p:nvPr/>
+        </p:nvSpPr>
+        <p:spPr>
+          <a:xfrm>
+            <a:off x="504044" y="33090"/>
+            <a:ext cx="10940340" cy="523220"/>
+          </a:xfrm>
+          <a:prstGeom prst="rect">
+            <a:avLst/>
+          </a:prstGeom>
+          <a:noFill/>
+        </p:spPr>
+        <p:txBody>
+          <a:bodyPr wrap="square" rtlCol="0">
+            <a:spAutoFit/>
+          </a:bodyPr>
+          <a:lstStyle/>
+          <a:p>
+            <a:pPr algn="ctr"/>
+            <a:r>
+              <a:rPr lang="en-US" sz="2800" u="sng" dirty="0"/>
+              <a:t>Response Matrices </a:t>
+            </a:r>
+            <a:r>
+              <a:rPr lang="en-US" sz="2800" u="sng" dirty="0">
+                <a:solidFill>
+                  <a:srgbClr val="00B050"/>
+                </a:solidFill>
+              </a:rPr>
+              <a:t>2018</a:t>
+            </a:r>
+          </a:p>
+        </p:txBody>
+      </p:sp>
+      <p:sp>
+        <p:nvSpPr>
+          <p:cNvPr id="5" name="Slide Number Placeholder 4">
+            <a:extLst>
+              <a:ext uri="{FF2B5EF4-FFF2-40B4-BE49-F238E27FC236}">
+                <a16:creationId xmlns:a16="http://schemas.microsoft.com/office/drawing/2014/main" id="{69A96869-DB60-5345-ACD9-F1C41035B064}"/>
+              </a:ext>
+            </a:extLst>
+          </p:cNvPr>
+          <p:cNvSpPr>
+            <a:spLocks noGrp="1"/>
+          </p:cNvSpPr>
+          <p:nvPr>
+            <p:ph type="sldNum" sz="quarter" idx="12"/>
+          </p:nvPr>
+        </p:nvSpPr>
+        <p:spPr/>
+        <p:txBody>
+          <a:bodyPr/>
+          <a:lstStyle/>
+          <a:p>
+            <a:fld id="{4FAB73BC-B049-4115-A692-8D63A059BFB8}" type="slidenum">
+              <a:rPr lang="en-US" smtClean="0"/>
+              <a:pPr/>
+              <a:t>39</a:t>
+            </a:fld>
+            <a:endParaRPr lang="en-US" dirty="0"/>
+          </a:p>
+        </p:txBody>
+      </p:sp>
+      <p:sp>
+        <p:nvSpPr>
+          <p:cNvPr id="24" name="Date Placeholder 23">
+            <a:extLst>
+              <a:ext uri="{FF2B5EF4-FFF2-40B4-BE49-F238E27FC236}">
+                <a16:creationId xmlns:a16="http://schemas.microsoft.com/office/drawing/2014/main" id="{056D71EF-2E89-4043-8F92-90A4D46A3E69}"/>
+              </a:ext>
+            </a:extLst>
+          </p:cNvPr>
+          <p:cNvSpPr>
+            <a:spLocks noGrp="1"/>
+          </p:cNvSpPr>
+          <p:nvPr>
+            <p:ph type="dt" sz="half" idx="10"/>
+          </p:nvPr>
+        </p:nvSpPr>
+        <p:spPr/>
+        <p:txBody>
+          <a:bodyPr/>
+          <a:lstStyle/>
+          <a:p>
+            <a:fld id="{01554C39-4607-164F-AA23-65A72270ACF7}" type="datetime1">
+              <a:rPr lang="en-US" smtClean="0"/>
+              <a:t>9/2/20</a:t>
             </a:fld>
             <a:endParaRPr lang="en-US" dirty="0"/>
           </a:p>
@@ -20123,14 +20761,13 @@
           <a:p>
             <a:pPr algn="ctr"/>
             <a:r>
+              <a:rPr lang="en-US" sz="2800" u="sng" dirty="0" err="1"/>
+              <a:t>bTagging</a:t>
+            </a:r>
+            <a:r>
               <a:rPr lang="en-US" sz="2800" u="sng" dirty="0"/>
-              <a:t>Efficiency and Acceptance Plots</a:t>
-            </a:r>
-            <a:endParaRPr lang="en-US" sz="2800" u="sng" dirty="0">
-              <a:solidFill>
-                <a:srgbClr val="00B0F0"/>
-              </a:solidFill>
-            </a:endParaRPr>
+              <a:t> Scale Factor distributions in Signal Region</a:t>
+            </a:r>
           </a:p>
         </p:txBody>
       </p:sp>
@@ -20187,88 +20824,18 @@
           <a:p>
             <a:fld id="{01554C39-4607-164F-AA23-65A72270ACF7}" type="datetime1">
               <a:rPr lang="en-US" smtClean="0"/>
-              <a:t>9/1/20</a:t>
+              <a:t>9/2/20</a:t>
             </a:fld>
             <a:endParaRPr lang="en-US" dirty="0"/>
           </a:p>
         </p:txBody>
       </p:sp>
-      <p:sp>
-        <p:nvSpPr>
-          <p:cNvPr id="8" name="Rectangle 7">
+      <p:pic>
+        <p:nvPicPr>
+          <p:cNvPr id="4" name="Picture 3">
             <a:extLst>
               <a:ext uri="{FF2B5EF4-FFF2-40B4-BE49-F238E27FC236}">
-                <a16:creationId xmlns:a16="http://schemas.microsoft.com/office/drawing/2014/main" id="{137E0740-341B-B64B-AE26-A2C5357809F1}"/>
-              </a:ext>
-            </a:extLst>
-          </p:cNvPr>
-          <p:cNvSpPr/>
-          <p:nvPr/>
-        </p:nvSpPr>
-        <p:spPr>
-          <a:xfrm>
-            <a:off x="7939701" y="638586"/>
-            <a:ext cx="2289346" cy="369332"/>
-          </a:xfrm>
-          <a:prstGeom prst="rect">
-            <a:avLst/>
-          </a:prstGeom>
-        </p:spPr>
-        <p:txBody>
-          <a:bodyPr wrap="none">
-            <a:spAutoFit/>
-          </a:bodyPr>
-          <a:lstStyle/>
-          <a:p>
-            <a:pPr algn="ctr"/>
-            <a:r>
-              <a:rPr lang="en-US" u="sng" dirty="0"/>
-              <a:t>without b tagging SF’s </a:t>
-            </a:r>
-          </a:p>
-        </p:txBody>
-      </p:sp>
-      <p:sp>
-        <p:nvSpPr>
-          <p:cNvPr id="15" name="Rectangle 14">
-            <a:extLst>
-              <a:ext uri="{FF2B5EF4-FFF2-40B4-BE49-F238E27FC236}">
-                <a16:creationId xmlns:a16="http://schemas.microsoft.com/office/drawing/2014/main" id="{F855E7F2-8E22-A345-8A7F-56F49B61AE54}"/>
-              </a:ext>
-            </a:extLst>
-          </p:cNvPr>
-          <p:cNvSpPr/>
-          <p:nvPr/>
-        </p:nvSpPr>
-        <p:spPr>
-          <a:xfrm>
-            <a:off x="2333415" y="638586"/>
-            <a:ext cx="1499065" cy="369332"/>
-          </a:xfrm>
-          <a:prstGeom prst="rect">
-            <a:avLst/>
-          </a:prstGeom>
-        </p:spPr>
-        <p:txBody>
-          <a:bodyPr wrap="none">
-            <a:spAutoFit/>
-          </a:bodyPr>
-          <a:lstStyle/>
-          <a:p>
-            <a:pPr algn="ctr"/>
-            <a:r>
-              <a:rPr lang="en-US" u="sng" dirty="0"/>
-              <a:t>b tagging SF’s </a:t>
-            </a:r>
-          </a:p>
-        </p:txBody>
-      </p:sp>
-      <p:pic>
-        <p:nvPicPr>
-          <p:cNvPr id="14" name="Picture 13">
-            <a:extLst>
-              <a:ext uri="{FF2B5EF4-FFF2-40B4-BE49-F238E27FC236}">
-                <a16:creationId xmlns:a16="http://schemas.microsoft.com/office/drawing/2014/main" id="{BADEEE6C-3654-2B44-940D-F6F72AF6DCBF}"/>
+                <a16:creationId xmlns:a16="http://schemas.microsoft.com/office/drawing/2014/main" id="{2EF9FE24-A9F9-AB46-A6B0-99C1298719B1}"/>
               </a:ext>
             </a:extLst>
           </p:cNvPr>
@@ -20285,8 +20852,8 @@
         </p:blipFill>
         <p:spPr>
           <a:xfrm rot="5400000">
-            <a:off x="621623" y="745478"/>
-            <a:ext cx="4922647" cy="5976747"/>
+            <a:off x="581914" y="1367843"/>
+            <a:ext cx="3012694" cy="4176522"/>
           </a:xfrm>
           <a:prstGeom prst="rect">
             <a:avLst/>
@@ -20295,10 +20862,10 @@
       </p:pic>
       <p:pic>
         <p:nvPicPr>
-          <p:cNvPr id="22" name="Picture 21">
+          <p:cNvPr id="9" name="Picture 8">
             <a:extLst>
               <a:ext uri="{FF2B5EF4-FFF2-40B4-BE49-F238E27FC236}">
-                <a16:creationId xmlns:a16="http://schemas.microsoft.com/office/drawing/2014/main" id="{D652F54B-F679-BF44-915E-79B49C3AA1B4}"/>
+                <a16:creationId xmlns:a16="http://schemas.microsoft.com/office/drawing/2014/main" id="{6416704B-DAE0-2844-9BEA-1F046726C6D5}"/>
               </a:ext>
             </a:extLst>
           </p:cNvPr>
@@ -20315,8 +20882,38 @@
         </p:blipFill>
         <p:spPr>
           <a:xfrm rot="5400000">
-            <a:off x="6593099" y="740208"/>
-            <a:ext cx="4933188" cy="5976747"/>
+            <a:off x="4467867" y="1340739"/>
+            <a:ext cx="3012694" cy="4176522"/>
+          </a:xfrm>
+          <a:prstGeom prst="rect">
+            <a:avLst/>
+          </a:prstGeom>
+        </p:spPr>
+      </p:pic>
+      <p:pic>
+        <p:nvPicPr>
+          <p:cNvPr id="11" name="Picture 10">
+            <a:extLst>
+              <a:ext uri="{FF2B5EF4-FFF2-40B4-BE49-F238E27FC236}">
+                <a16:creationId xmlns:a16="http://schemas.microsoft.com/office/drawing/2014/main" id="{3D03147A-1C18-424E-AF9D-D00CAFBC9138}"/>
+              </a:ext>
+            </a:extLst>
+          </p:cNvPr>
+          <p:cNvPicPr>
+            <a:picLocks noChangeAspect="1"/>
+          </p:cNvPicPr>
+          <p:nvPr/>
+        </p:nvPicPr>
+        <p:blipFill>
+          <a:blip r:embed="rId4"/>
+          <a:stretch>
+            <a:fillRect/>
+          </a:stretch>
+        </p:blipFill>
+        <p:spPr>
+          <a:xfrm rot="5400000">
+            <a:off x="8588969" y="1340739"/>
+            <a:ext cx="3012694" cy="4176522"/>
           </a:xfrm>
           <a:prstGeom prst="rect">
             <a:avLst/>
@@ -20468,7 +21065,7 @@
           <a:p>
             <a:fld id="{01554C39-4607-164F-AA23-65A72270ACF7}" type="datetime1">
               <a:rPr lang="en-US" smtClean="0"/>
-              <a:t>9/1/20</a:t>
+              <a:t>9/2/20</a:t>
             </a:fld>
             <a:endParaRPr lang="en-US" dirty="0"/>
           </a:p>
@@ -20546,10 +21143,10 @@
       </p:sp>
       <p:pic>
         <p:nvPicPr>
-          <p:cNvPr id="4" name="Picture 3">
+          <p:cNvPr id="14" name="Picture 13">
             <a:extLst>
               <a:ext uri="{FF2B5EF4-FFF2-40B4-BE49-F238E27FC236}">
-                <a16:creationId xmlns:a16="http://schemas.microsoft.com/office/drawing/2014/main" id="{BBD5D95F-106D-B14A-ACB9-3F91134EEAFC}"/>
+                <a16:creationId xmlns:a16="http://schemas.microsoft.com/office/drawing/2014/main" id="{BADEEE6C-3654-2B44-940D-F6F72AF6DCBF}"/>
               </a:ext>
             </a:extLst>
           </p:cNvPr>
@@ -20566,7 +21163,7 @@
         </p:blipFill>
         <p:spPr>
           <a:xfrm rot="5400000">
-            <a:off x="621623" y="718496"/>
+            <a:off x="621623" y="745478"/>
             <a:ext cx="4922647" cy="5976747"/>
           </a:xfrm>
           <a:prstGeom prst="rect">
@@ -20576,10 +21173,10 @@
       </p:pic>
       <p:pic>
         <p:nvPicPr>
-          <p:cNvPr id="9" name="Picture 8">
+          <p:cNvPr id="22" name="Picture 21">
             <a:extLst>
               <a:ext uri="{FF2B5EF4-FFF2-40B4-BE49-F238E27FC236}">
-                <a16:creationId xmlns:a16="http://schemas.microsoft.com/office/drawing/2014/main" id="{E083779E-EE8E-F341-BB0F-849673058B74}"/>
+                <a16:creationId xmlns:a16="http://schemas.microsoft.com/office/drawing/2014/main" id="{D652F54B-F679-BF44-915E-79B49C3AA1B4}"/>
               </a:ext>
             </a:extLst>
           </p:cNvPr>
@@ -20596,7 +21193,7 @@
         </p:blipFill>
         <p:spPr>
           <a:xfrm rot="5400000">
-            <a:off x="6593099" y="718496"/>
+            <a:off x="6593099" y="740208"/>
             <a:ext cx="4933188" cy="5976747"/>
           </a:xfrm>
           <a:prstGeom prst="rect">
@@ -20607,7 +21204,7 @@
     </p:spTree>
     <p:extLst>
       <p:ext uri="{BB962C8B-B14F-4D97-AF65-F5344CB8AC3E}">
-        <p14:creationId xmlns:p14="http://schemas.microsoft.com/office/powerpoint/2010/main" val="3687502013"/>
+        <p14:creationId xmlns:p14="http://schemas.microsoft.com/office/powerpoint/2010/main" val="4148891993"/>
       </p:ext>
     </p:extLst>
   </p:cSld>
@@ -20749,7 +21346,7 @@
           <a:p>
             <a:fld id="{01554C39-4607-164F-AA23-65A72270ACF7}" type="datetime1">
               <a:rPr lang="en-US" smtClean="0"/>
-              <a:t>9/1/20</a:t>
+              <a:t>9/2/20</a:t>
             </a:fld>
             <a:endParaRPr lang="en-US" dirty="0"/>
           </a:p>
@@ -20830,7 +21427,7 @@
           <p:cNvPr id="4" name="Picture 3">
             <a:extLst>
               <a:ext uri="{FF2B5EF4-FFF2-40B4-BE49-F238E27FC236}">
-                <a16:creationId xmlns:a16="http://schemas.microsoft.com/office/drawing/2014/main" id="{92BB4955-C25A-E740-81A3-8F85798795EC}"/>
+                <a16:creationId xmlns:a16="http://schemas.microsoft.com/office/drawing/2014/main" id="{BBD5D95F-106D-B14A-ACB9-3F91134EEAFC}"/>
               </a:ext>
             </a:extLst>
           </p:cNvPr>
@@ -20847,7 +21444,7 @@
         </p:blipFill>
         <p:spPr>
           <a:xfrm rot="5400000">
-            <a:off x="621623" y="745478"/>
+            <a:off x="621623" y="718496"/>
             <a:ext cx="4922647" cy="5976747"/>
           </a:xfrm>
           <a:prstGeom prst="rect">
@@ -20860,7 +21457,7 @@
           <p:cNvPr id="9" name="Picture 8">
             <a:extLst>
               <a:ext uri="{FF2B5EF4-FFF2-40B4-BE49-F238E27FC236}">
-                <a16:creationId xmlns:a16="http://schemas.microsoft.com/office/drawing/2014/main" id="{329548FD-D12C-9E44-B3F1-DB0749FBF438}"/>
+                <a16:creationId xmlns:a16="http://schemas.microsoft.com/office/drawing/2014/main" id="{E083779E-EE8E-F341-BB0F-849673058B74}"/>
               </a:ext>
             </a:extLst>
           </p:cNvPr>
@@ -20877,7 +21474,7 @@
         </p:blipFill>
         <p:spPr>
           <a:xfrm rot="5400000">
-            <a:off x="6593099" y="740208"/>
+            <a:off x="6593099" y="718496"/>
             <a:ext cx="4933188" cy="5976747"/>
           </a:xfrm>
           <a:prstGeom prst="rect">
@@ -20888,7 +21485,7 @@
     </p:spTree>
     <p:extLst>
       <p:ext uri="{BB962C8B-B14F-4D97-AF65-F5344CB8AC3E}">
-        <p14:creationId xmlns:p14="http://schemas.microsoft.com/office/powerpoint/2010/main" val="1395390956"/>
+        <p14:creationId xmlns:p14="http://schemas.microsoft.com/office/powerpoint/2010/main" val="3687502013"/>
       </p:ext>
     </p:extLst>
   </p:cSld>
@@ -21030,7 +21627,7 @@
           <a:p>
             <a:fld id="{01554C39-4607-164F-AA23-65A72270ACF7}" type="datetime1">
               <a:rPr lang="en-US" smtClean="0"/>
-              <a:t>9/1/20</a:t>
+              <a:t>9/2/20</a:t>
             </a:fld>
             <a:endParaRPr lang="en-US" dirty="0"/>
           </a:p>
@@ -21108,10 +21705,10 @@
       </p:sp>
       <p:pic>
         <p:nvPicPr>
-          <p:cNvPr id="6" name="Picture 5">
+          <p:cNvPr id="4" name="Picture 3">
             <a:extLst>
               <a:ext uri="{FF2B5EF4-FFF2-40B4-BE49-F238E27FC236}">
-                <a16:creationId xmlns:a16="http://schemas.microsoft.com/office/drawing/2014/main" id="{6A9DB750-5BA4-8742-B6CE-EF33621F480A}"/>
+                <a16:creationId xmlns:a16="http://schemas.microsoft.com/office/drawing/2014/main" id="{92BB4955-C25A-E740-81A3-8F85798795EC}"/>
               </a:ext>
             </a:extLst>
           </p:cNvPr>
@@ -21128,7 +21725,7 @@
         </p:blipFill>
         <p:spPr>
           <a:xfrm rot="5400000">
-            <a:off x="621623" y="744424"/>
+            <a:off x="621623" y="745478"/>
             <a:ext cx="4922647" cy="5976747"/>
           </a:xfrm>
           <a:prstGeom prst="rect">
@@ -21138,10 +21735,10 @@
       </p:pic>
       <p:pic>
         <p:nvPicPr>
-          <p:cNvPr id="10" name="Picture 9">
+          <p:cNvPr id="9" name="Picture 8">
             <a:extLst>
               <a:ext uri="{FF2B5EF4-FFF2-40B4-BE49-F238E27FC236}">
-                <a16:creationId xmlns:a16="http://schemas.microsoft.com/office/drawing/2014/main" id="{2D17A606-3989-A44B-B4FF-4C232DECB2DE}"/>
+                <a16:creationId xmlns:a16="http://schemas.microsoft.com/office/drawing/2014/main" id="{329548FD-D12C-9E44-B3F1-DB0749FBF438}"/>
               </a:ext>
             </a:extLst>
           </p:cNvPr>
@@ -21158,7 +21755,7 @@
         </p:blipFill>
         <p:spPr>
           <a:xfrm rot="5400000">
-            <a:off x="6495993" y="744424"/>
+            <a:off x="6593099" y="740208"/>
             <a:ext cx="4933188" cy="5976747"/>
           </a:xfrm>
           <a:prstGeom prst="rect">
@@ -21169,7 +21766,7 @@
     </p:spTree>
     <p:extLst>
       <p:ext uri="{BB962C8B-B14F-4D97-AF65-F5344CB8AC3E}">
-        <p14:creationId xmlns:p14="http://schemas.microsoft.com/office/powerpoint/2010/main" val="286784219"/>
+        <p14:creationId xmlns:p14="http://schemas.microsoft.com/office/powerpoint/2010/main" val="1395390956"/>
       </p:ext>
     </p:extLst>
   </p:cSld>
@@ -21248,16 +21845,13 @@
             <a:pPr algn="ctr"/>
             <a:r>
               <a:rPr lang="en-US" sz="2800" u="sng" dirty="0"/>
-              <a:t>Response Matrices </a:t>
-            </a:r>
-            <a:r>
-              <a:rPr lang="en-US" sz="2800" u="sng" dirty="0">
-                <a:solidFill>
-                  <a:srgbClr val="00B0F0"/>
-                </a:solidFill>
-              </a:rPr>
-              <a:t>2016</a:t>
-            </a:r>
+              <a:t>Efficiency and Acceptance Plots</a:t>
+            </a:r>
+            <a:endParaRPr lang="en-US" sz="2800" u="sng" dirty="0">
+              <a:solidFill>
+                <a:srgbClr val="00B0F0"/>
+              </a:solidFill>
+            </a:endParaRPr>
           </a:p>
         </p:txBody>
       </p:sp>
@@ -21314,7 +21908,7 @@
           <a:p>
             <a:fld id="{01554C39-4607-164F-AA23-65A72270ACF7}" type="datetime1">
               <a:rPr lang="en-US" smtClean="0"/>
-              <a:t>9/1/20</a:t>
+              <a:t>9/2/20</a:t>
             </a:fld>
             <a:endParaRPr lang="en-US" dirty="0"/>
           </a:p>
@@ -21392,10 +21986,10 @@
       </p:sp>
       <p:pic>
         <p:nvPicPr>
-          <p:cNvPr id="4" name="Picture 3">
+          <p:cNvPr id="6" name="Picture 5">
             <a:extLst>
               <a:ext uri="{FF2B5EF4-FFF2-40B4-BE49-F238E27FC236}">
-                <a16:creationId xmlns:a16="http://schemas.microsoft.com/office/drawing/2014/main" id="{527FB4CB-F58D-904D-8B73-65821CD49421}"/>
+                <a16:creationId xmlns:a16="http://schemas.microsoft.com/office/drawing/2014/main" id="{6A9DB750-5BA4-8742-B6CE-EF33621F480A}"/>
               </a:ext>
             </a:extLst>
           </p:cNvPr>
@@ -21412,8 +22006,8 @@
         </p:blipFill>
         <p:spPr>
           <a:xfrm rot="5400000">
-            <a:off x="832739" y="621862"/>
-            <a:ext cx="4311269" cy="5976747"/>
+            <a:off x="621623" y="744424"/>
+            <a:ext cx="4922647" cy="5976747"/>
           </a:xfrm>
           <a:prstGeom prst="rect">
             <a:avLst/>
@@ -21422,10 +22016,10 @@
       </p:pic>
       <p:pic>
         <p:nvPicPr>
-          <p:cNvPr id="9" name="Picture 8">
+          <p:cNvPr id="10" name="Picture 9">
             <a:extLst>
               <a:ext uri="{FF2B5EF4-FFF2-40B4-BE49-F238E27FC236}">
-                <a16:creationId xmlns:a16="http://schemas.microsoft.com/office/drawing/2014/main" id="{C70DF3B2-AE86-2E4F-88DD-4F588EE579BB}"/>
+                <a16:creationId xmlns:a16="http://schemas.microsoft.com/office/drawing/2014/main" id="{2D17A606-3989-A44B-B4FF-4C232DECB2DE}"/>
               </a:ext>
             </a:extLst>
           </p:cNvPr>
@@ -21442,8 +22036,8 @@
         </p:blipFill>
         <p:spPr>
           <a:xfrm rot="5400000">
-            <a:off x="6928739" y="621862"/>
-            <a:ext cx="4311269" cy="5976747"/>
+            <a:off x="6495993" y="744424"/>
+            <a:ext cx="4933188" cy="5976747"/>
           </a:xfrm>
           <a:prstGeom prst="rect">
             <a:avLst/>
@@ -21453,7 +22047,7 @@
     </p:spTree>
     <p:extLst>
       <p:ext uri="{BB962C8B-B14F-4D97-AF65-F5344CB8AC3E}">
-        <p14:creationId xmlns:p14="http://schemas.microsoft.com/office/powerpoint/2010/main" val="642692403"/>
+        <p14:creationId xmlns:p14="http://schemas.microsoft.com/office/powerpoint/2010/main" val="286784219"/>
       </p:ext>
     </p:extLst>
   </p:cSld>
@@ -21598,7 +22192,7 @@
           <a:p>
             <a:fld id="{01554C39-4607-164F-AA23-65A72270ACF7}" type="datetime1">
               <a:rPr lang="en-US" smtClean="0"/>
-              <a:t>9/1/20</a:t>
+              <a:t>9/2/20</a:t>
             </a:fld>
             <a:endParaRPr lang="en-US" dirty="0"/>
           </a:p>
@@ -21679,7 +22273,7 @@
           <p:cNvPr id="4" name="Picture 3">
             <a:extLst>
               <a:ext uri="{FF2B5EF4-FFF2-40B4-BE49-F238E27FC236}">
-                <a16:creationId xmlns:a16="http://schemas.microsoft.com/office/drawing/2014/main" id="{38FFADD3-5C7C-564E-85C7-C118BF726EE2}"/>
+                <a16:creationId xmlns:a16="http://schemas.microsoft.com/office/drawing/2014/main" id="{527FB4CB-F58D-904D-8B73-65821CD49421}"/>
               </a:ext>
             </a:extLst>
           </p:cNvPr>
@@ -21696,7 +22290,7 @@
         </p:blipFill>
         <p:spPr>
           <a:xfrm rot="5400000">
-            <a:off x="832739" y="731595"/>
+            <a:off x="832739" y="621862"/>
             <a:ext cx="4311269" cy="5976747"/>
           </a:xfrm>
           <a:prstGeom prst="rect">
@@ -21706,10 +22300,10 @@
       </p:pic>
       <p:pic>
         <p:nvPicPr>
-          <p:cNvPr id="10" name="Picture 9">
+          <p:cNvPr id="9" name="Picture 8">
             <a:extLst>
               <a:ext uri="{FF2B5EF4-FFF2-40B4-BE49-F238E27FC236}">
-                <a16:creationId xmlns:a16="http://schemas.microsoft.com/office/drawing/2014/main" id="{D876DBFC-4156-CA4B-A92E-162E66443A00}"/>
+                <a16:creationId xmlns:a16="http://schemas.microsoft.com/office/drawing/2014/main" id="{C70DF3B2-AE86-2E4F-88DD-4F588EE579BB}"/>
               </a:ext>
             </a:extLst>
           </p:cNvPr>
@@ -21726,7 +22320,7 @@
         </p:blipFill>
         <p:spPr>
           <a:xfrm rot="5400000">
-            <a:off x="6928739" y="745478"/>
+            <a:off x="6928739" y="621862"/>
             <a:ext cx="4311269" cy="5976747"/>
           </a:xfrm>
           <a:prstGeom prst="rect">
@@ -21737,7 +22331,7 @@
     </p:spTree>
     <p:extLst>
       <p:ext uri="{BB962C8B-B14F-4D97-AF65-F5344CB8AC3E}">
-        <p14:creationId xmlns:p14="http://schemas.microsoft.com/office/powerpoint/2010/main" val="3585010955"/>
+        <p14:creationId xmlns:p14="http://schemas.microsoft.com/office/powerpoint/2010/main" val="642692403"/>
       </p:ext>
     </p:extLst>
   </p:cSld>

--- a/Documents for Progress/AnalysisStatus_31August2020.pptx
+++ b/Documents for Progress/AnalysisStatus_31August2020.pptx
@@ -242,7 +242,7 @@
           <a:p>
             <a:fld id="{EC97F6CE-C9BA-5B44-AF0F-C73B1C17650F}" type="datetime1">
               <a:rPr lang="en-US" smtClean="0"/>
-              <a:t>9/2/20</a:t>
+              <a:t>9/7/20</a:t>
             </a:fld>
             <a:endParaRPr lang="en-GB"/>
           </a:p>
@@ -448,7 +448,7 @@
           <a:p>
             <a:fld id="{7F9D4A26-E586-E648-884B-C9B1EA03133F}" type="datetime1">
               <a:rPr lang="en-US" smtClean="0"/>
-              <a:t>9/2/20</a:t>
+              <a:t>9/7/20</a:t>
             </a:fld>
             <a:endParaRPr lang="en-GB"/>
           </a:p>
@@ -782,7 +782,7 @@
           <a:p>
             <a:fld id="{33D9703A-F6B0-E34C-B7F9-5A8864FF4F07}" type="datetime1">
               <a:rPr lang="en-US" smtClean="0"/>
-              <a:t>9/2/20</a:t>
+              <a:t>9/7/20</a:t>
             </a:fld>
             <a:endParaRPr lang="en-GB"/>
           </a:p>
@@ -889,7 +889,114 @@
           <a:p>
             <a:fld id="{7F9D4A26-E586-E648-884B-C9B1EA03133F}" type="datetime1">
               <a:rPr lang="en-US" smtClean="0"/>
-              <a:t>9/2/20</a:t>
+              <a:t>9/7/20</a:t>
+            </a:fld>
+            <a:endParaRPr lang="en-GB"/>
+          </a:p>
+        </p:txBody>
+      </p:sp>
+      <p:sp>
+        <p:nvSpPr>
+          <p:cNvPr id="5" name="Slide Number Placeholder 4"/>
+          <p:cNvSpPr>
+            <a:spLocks noGrp="1"/>
+          </p:cNvSpPr>
+          <p:nvPr>
+            <p:ph type="sldNum" sz="quarter" idx="5"/>
+          </p:nvPr>
+        </p:nvSpPr>
+        <p:spPr/>
+        <p:txBody>
+          <a:bodyPr/>
+          <a:lstStyle/>
+          <a:p>
+            <a:fld id="{5033F1CD-332F-48CC-8A24-9D0A5CE7D91D}" type="slidenum">
+              <a:rPr lang="en-GB" smtClean="0"/>
+              <a:t>21</a:t>
+            </a:fld>
+            <a:endParaRPr lang="en-GB"/>
+          </a:p>
+        </p:txBody>
+      </p:sp>
+    </p:spTree>
+    <p:extLst>
+      <p:ext uri="{BB962C8B-B14F-4D97-AF65-F5344CB8AC3E}">
+        <p14:creationId xmlns:p14="http://schemas.microsoft.com/office/powerpoint/2010/main" val="131540719"/>
+      </p:ext>
+    </p:extLst>
+  </p:cSld>
+  <p:clrMapOvr>
+    <a:masterClrMapping/>
+  </p:clrMapOvr>
+</p:notes>
+</file>
+
+<file path=ppt/notesSlides/notesSlide3.xml><?xml version="1.0" encoding="utf-8"?>
+<p:notes xmlns:a="http://schemas.openxmlformats.org/drawingml/2006/main" xmlns:r="http://schemas.openxmlformats.org/officeDocument/2006/relationships" xmlns:p="http://schemas.openxmlformats.org/presentationml/2006/main">
+  <p:cSld>
+    <p:spTree>
+      <p:nvGrpSpPr>
+        <p:cNvPr id="1" name=""/>
+        <p:cNvGrpSpPr/>
+        <p:nvPr/>
+      </p:nvGrpSpPr>
+      <p:grpSpPr>
+        <a:xfrm>
+          <a:off x="0" y="0"/>
+          <a:ext cx="0" cy="0"/>
+          <a:chOff x="0" y="0"/>
+          <a:chExt cx="0" cy="0"/>
+        </a:xfrm>
+      </p:grpSpPr>
+      <p:sp>
+        <p:nvSpPr>
+          <p:cNvPr id="2" name="Slide Image Placeholder 1"/>
+          <p:cNvSpPr>
+            <a:spLocks noGrp="1" noRot="1" noChangeAspect="1"/>
+          </p:cNvSpPr>
+          <p:nvPr>
+            <p:ph type="sldImg"/>
+          </p:nvPr>
+        </p:nvSpPr>
+        <p:spPr/>
+      </p:sp>
+      <p:sp>
+        <p:nvSpPr>
+          <p:cNvPr id="3" name="Notes Placeholder 2"/>
+          <p:cNvSpPr>
+            <a:spLocks noGrp="1"/>
+          </p:cNvSpPr>
+          <p:nvPr>
+            <p:ph type="body" idx="1"/>
+          </p:nvPr>
+        </p:nvSpPr>
+        <p:spPr/>
+        <p:txBody>
+          <a:bodyPr/>
+          <a:lstStyle/>
+          <a:p>
+            <a:endParaRPr lang="en-GR" dirty="0"/>
+          </a:p>
+        </p:txBody>
+      </p:sp>
+      <p:sp>
+        <p:nvSpPr>
+          <p:cNvPr id="4" name="Date Placeholder 3"/>
+          <p:cNvSpPr>
+            <a:spLocks noGrp="1"/>
+          </p:cNvSpPr>
+          <p:nvPr>
+            <p:ph type="dt" idx="1"/>
+          </p:nvPr>
+        </p:nvSpPr>
+        <p:spPr/>
+        <p:txBody>
+          <a:bodyPr/>
+          <a:lstStyle/>
+          <a:p>
+            <a:fld id="{7F9D4A26-E586-E648-884B-C9B1EA03133F}" type="datetime1">
+              <a:rPr lang="en-US" smtClean="0"/>
+              <a:t>9/7/20</a:t>
             </a:fld>
             <a:endParaRPr lang="en-GB"/>
           </a:p>
@@ -1157,7 +1264,7 @@
           <a:p>
             <a:fld id="{DC51A3BE-CA11-4547-A39A-766971096B34}" type="datetime1">
               <a:rPr lang="en-US" smtClean="0"/>
-              <a:t>9/2/20</a:t>
+              <a:t>9/7/20</a:t>
             </a:fld>
             <a:endParaRPr lang="en-US" dirty="0"/>
           </a:p>
@@ -1364,7 +1471,7 @@
           <a:p>
             <a:fld id="{42B2CF9A-A7BF-1245-99D9-4054301C36E0}" type="datetime1">
               <a:rPr lang="en-US" smtClean="0"/>
-              <a:t>9/2/20</a:t>
+              <a:t>9/7/20</a:t>
             </a:fld>
             <a:endParaRPr lang="en-US" dirty="0"/>
           </a:p>
@@ -1619,7 +1726,7 @@
           <a:p>
             <a:fld id="{F88F3968-5050-1740-9AB7-A06844E87E5F}" type="datetime1">
               <a:rPr lang="en-US" smtClean="0"/>
-              <a:t>9/2/20</a:t>
+              <a:t>9/7/20</a:t>
             </a:fld>
             <a:endParaRPr lang="en-US" dirty="0"/>
           </a:p>
@@ -1810,7 +1917,7 @@
           <a:p>
             <a:fld id="{6A19A844-E33A-B644-A0FB-7455E93D924C}" type="datetime1">
               <a:rPr lang="en-US" smtClean="0"/>
-              <a:t>9/2/20</a:t>
+              <a:t>9/7/20</a:t>
             </a:fld>
             <a:endParaRPr lang="en-GB"/>
           </a:p>
@@ -1984,7 +2091,7 @@
           <a:p>
             <a:fld id="{F61E92BF-DA59-B546-88AE-9835521A3798}" type="datetime1">
               <a:rPr lang="en-US" smtClean="0"/>
-              <a:t>9/2/20</a:t>
+              <a:t>9/7/20</a:t>
             </a:fld>
             <a:endParaRPr lang="en-GB"/>
           </a:p>
@@ -2234,7 +2341,7 @@
           <a:p>
             <a:fld id="{61C78CAC-926A-EF4D-9608-460C3A301243}" type="datetime1">
               <a:rPr lang="en-US" smtClean="0"/>
-              <a:t>9/2/20</a:t>
+              <a:t>9/7/20</a:t>
             </a:fld>
             <a:endParaRPr lang="en-GB"/>
           </a:p>
@@ -2470,7 +2577,7 @@
           <a:p>
             <a:fld id="{32675A6D-6B9B-6546-A3DC-004E809EED54}" type="datetime1">
               <a:rPr lang="en-US" smtClean="0"/>
-              <a:t>9/2/20</a:t>
+              <a:t>9/7/20</a:t>
             </a:fld>
             <a:endParaRPr lang="en-GB"/>
           </a:p>
@@ -2841,7 +2948,7 @@
           <a:p>
             <a:fld id="{55D89806-B328-B147-9EC9-15D0307996ED}" type="datetime1">
               <a:rPr lang="en-US" smtClean="0"/>
-              <a:t>9/2/20</a:t>
+              <a:t>9/7/20</a:t>
             </a:fld>
             <a:endParaRPr lang="en-GB"/>
           </a:p>
@@ -2963,7 +3070,7 @@
           <a:p>
             <a:fld id="{702FE0D6-14B8-A94B-B441-7BA984189CE2}" type="datetime1">
               <a:rPr lang="en-US" smtClean="0"/>
-              <a:t>9/2/20</a:t>
+              <a:t>9/7/20</a:t>
             </a:fld>
             <a:endParaRPr lang="en-GB"/>
           </a:p>
@@ -3062,7 +3169,7 @@
           <a:p>
             <a:fld id="{4C294EA8-7AEB-3247-9A81-8483D03B0462}" type="datetime1">
               <a:rPr lang="en-US" smtClean="0"/>
-              <a:t>9/2/20</a:t>
+              <a:t>9/7/20</a:t>
             </a:fld>
             <a:endParaRPr lang="en-GB"/>
           </a:p>
@@ -3343,7 +3450,7 @@
           <a:p>
             <a:fld id="{D72E9315-386E-6846-8498-4330F1BBFC0A}" type="datetime1">
               <a:rPr lang="en-US" smtClean="0"/>
-              <a:t>9/2/20</a:t>
+              <a:t>9/7/20</a:t>
             </a:fld>
             <a:endParaRPr lang="en-GB"/>
           </a:p>
@@ -3499,7 +3606,7 @@
           <a:p>
             <a:fld id="{0E394EB9-E681-C34A-89D4-D81E4C62EA5B}" type="datetime1">
               <a:rPr lang="en-US" smtClean="0"/>
-              <a:t>9/2/20</a:t>
+              <a:t>9/7/20</a:t>
             </a:fld>
             <a:endParaRPr lang="en-US" dirty="0"/>
           </a:p>
@@ -3780,7 +3887,7 @@
           <a:p>
             <a:fld id="{E220BF5D-E794-2B42-91EC-2A3B4450069D}" type="datetime1">
               <a:rPr lang="en-US" smtClean="0"/>
-              <a:t>9/2/20</a:t>
+              <a:t>9/7/20</a:t>
             </a:fld>
             <a:endParaRPr lang="en-GB"/>
           </a:p>
@@ -3954,7 +4061,7 @@
           <a:p>
             <a:fld id="{BA4C039E-7082-7D42-AA91-9FF3EF6ADB5B}" type="datetime1">
               <a:rPr lang="en-US" smtClean="0"/>
-              <a:t>9/2/20</a:t>
+              <a:t>9/7/20</a:t>
             </a:fld>
             <a:endParaRPr lang="en-GB"/>
           </a:p>
@@ -4138,7 +4245,7 @@
           <a:p>
             <a:fld id="{2817B3FE-3894-A848-8D78-14007FB2FF94}" type="datetime1">
               <a:rPr lang="en-US" smtClean="0"/>
-              <a:t>9/2/20</a:t>
+              <a:t>9/7/20</a:t>
             </a:fld>
             <a:endParaRPr lang="en-GB"/>
           </a:p>
@@ -4485,7 +4592,7 @@
           <a:p>
             <a:fld id="{2DEEC64B-3E48-2F44-A6A9-A1C06A2C021E}" type="datetime1">
               <a:rPr lang="en-US" smtClean="0"/>
-              <a:t>9/2/20</a:t>
+              <a:t>9/7/20</a:t>
             </a:fld>
             <a:endParaRPr lang="en-US" dirty="0"/>
           </a:p>
@@ -4759,7 +4866,7 @@
           <a:p>
             <a:fld id="{61E195D8-183A-7F4D-8D17-8ADC90214B8A}" type="datetime1">
               <a:rPr lang="en-US" smtClean="0"/>
-              <a:t>9/2/20</a:t>
+              <a:t>9/7/20</a:t>
             </a:fld>
             <a:endParaRPr lang="en-US" dirty="0"/>
           </a:p>
@@ -5137,7 +5244,7 @@
           <a:p>
             <a:fld id="{0DD0A991-48AE-1D43-8113-23F8EAF6681B}" type="datetime1">
               <a:rPr lang="en-US" smtClean="0"/>
-              <a:t>9/2/20</a:t>
+              <a:t>9/7/20</a:t>
             </a:fld>
             <a:endParaRPr lang="en-US" dirty="0"/>
           </a:p>
@@ -5254,7 +5361,7 @@
           <a:p>
             <a:fld id="{DC12579A-EC7F-EB4A-BC5C-80733D051D29}" type="datetime1">
               <a:rPr lang="en-US" smtClean="0"/>
-              <a:t>9/2/20</a:t>
+              <a:t>9/7/20</a:t>
             </a:fld>
             <a:endParaRPr lang="en-US" dirty="0"/>
           </a:p>
@@ -5424,7 +5531,7 @@
           <a:p>
             <a:fld id="{669454CD-6DAB-7942-9B1D-8F3E2B882464}" type="datetime1">
               <a:rPr lang="en-US" smtClean="0"/>
-              <a:t>9/2/20</a:t>
+              <a:t>9/7/20</a:t>
             </a:fld>
             <a:endParaRPr lang="en-US" dirty="0"/>
           </a:p>
@@ -5808,7 +5915,7 @@
           <a:p>
             <a:fld id="{BD2CAD36-D42B-D445-A707-AA59905C7768}" type="datetime1">
               <a:rPr lang="en-US" smtClean="0"/>
-              <a:t>9/2/20</a:t>
+              <a:t>9/7/20</a:t>
             </a:fld>
             <a:endParaRPr lang="en-US" dirty="0"/>
           </a:p>
@@ -6190,7 +6297,7 @@
           <a:p>
             <a:fld id="{2D1D63B8-BB32-E649-92D4-94351543394C}" type="datetime1">
               <a:rPr lang="en-US" smtClean="0"/>
-              <a:t>9/2/20</a:t>
+              <a:t>9/7/20</a:t>
             </a:fld>
             <a:endParaRPr lang="en-US" dirty="0"/>
           </a:p>
@@ -6476,7 +6583,7 @@
           <a:p>
             <a:fld id="{FD02AE22-A9EA-FE42-BAB8-AD1D7606FF2E}" type="datetime1">
               <a:rPr lang="en-US" smtClean="0"/>
-              <a:t>9/2/20</a:t>
+              <a:t>9/7/20</a:t>
             </a:fld>
             <a:endParaRPr lang="en-US" dirty="0"/>
           </a:p>
@@ -7166,7 +7273,7 @@
           <a:p>
             <a:fld id="{307A731C-B4EF-644F-8FDB-2EBA3EC9415A}" type="datetime1">
               <a:rPr lang="en-US" smtClean="0"/>
-              <a:t>9/2/20</a:t>
+              <a:t>9/7/20</a:t>
             </a:fld>
             <a:endParaRPr lang="en-GB"/>
           </a:p>
@@ -7715,22 +7822,6 @@
               <a:rPr lang="en-US" dirty="0" err="1"/>
               <a:t>Bakas</a:t>
             </a:r>
-            <a:r>
-              <a:rPr lang="en-US" dirty="0"/>
-              <a:t>, </a:t>
-            </a:r>
-            <a:r>
-              <a:rPr lang="en-US" dirty="0" err="1"/>
-              <a:t>Ioannis</a:t>
-            </a:r>
-            <a:r>
-              <a:rPr lang="en-US" dirty="0"/>
-              <a:t> </a:t>
-            </a:r>
-            <a:r>
-              <a:rPr lang="en-US" dirty="0" err="1"/>
-              <a:t>Papakrivopoulos</a:t>
-            </a:r>
             <a:endParaRPr lang="en-US" dirty="0"/>
           </a:p>
         </p:txBody>
@@ -7883,7 +7974,7 @@
           <a:p>
             <a:fld id="{01554C39-4607-164F-AA23-65A72270ACF7}" type="datetime1">
               <a:rPr lang="en-US" smtClean="0"/>
-              <a:t>9/2/20</a:t>
+              <a:t>9/7/20</a:t>
             </a:fld>
             <a:endParaRPr lang="en-US" dirty="0"/>
           </a:p>
@@ -8167,7 +8258,7 @@
           <a:p>
             <a:fld id="{01554C39-4607-164F-AA23-65A72270ACF7}" type="datetime1">
               <a:rPr lang="en-US" smtClean="0"/>
-              <a:t>9/2/20</a:t>
+              <a:t>9/7/20</a:t>
             </a:fld>
             <a:endParaRPr lang="en-US" dirty="0"/>
           </a:p>
@@ -8451,7 +8542,7 @@
           <a:p>
             <a:fld id="{01554C39-4607-164F-AA23-65A72270ACF7}" type="datetime1">
               <a:rPr lang="en-US" smtClean="0"/>
-              <a:t>9/2/20</a:t>
+              <a:t>9/7/20</a:t>
             </a:fld>
             <a:endParaRPr lang="en-US" dirty="0"/>
           </a:p>
@@ -8735,7 +8826,7 @@
           <a:p>
             <a:fld id="{01554C39-4607-164F-AA23-65A72270ACF7}" type="datetime1">
               <a:rPr lang="en-US" smtClean="0"/>
-              <a:t>9/2/20</a:t>
+              <a:t>9/7/20</a:t>
             </a:fld>
             <a:endParaRPr lang="en-US" dirty="0"/>
           </a:p>
@@ -9019,7 +9110,7 @@
           <a:p>
             <a:fld id="{01554C39-4607-164F-AA23-65A72270ACF7}" type="datetime1">
               <a:rPr lang="en-US" smtClean="0"/>
-              <a:t>9/2/20</a:t>
+              <a:t>9/7/20</a:t>
             </a:fld>
             <a:endParaRPr lang="en-US" dirty="0"/>
           </a:p>
@@ -9303,7 +9394,7 @@
           <a:p>
             <a:fld id="{01554C39-4607-164F-AA23-65A72270ACF7}" type="datetime1">
               <a:rPr lang="en-US" smtClean="0"/>
-              <a:t>9/2/20</a:t>
+              <a:t>9/7/20</a:t>
             </a:fld>
             <a:endParaRPr lang="en-US" dirty="0"/>
           </a:p>
@@ -9549,7 +9640,7 @@
           <a:p>
             <a:fld id="{01554C39-4607-164F-AA23-65A72270ACF7}" type="datetime1">
               <a:rPr lang="en-US" smtClean="0"/>
-              <a:t>9/2/20</a:t>
+              <a:t>9/7/20</a:t>
             </a:fld>
             <a:endParaRPr lang="en-US" dirty="0"/>
           </a:p>
@@ -9878,7 +9969,7 @@
           <a:p>
             <a:fld id="{01554C39-4607-164F-AA23-65A72270ACF7}" type="datetime1">
               <a:rPr lang="en-US" smtClean="0"/>
-              <a:t>9/2/20</a:t>
+              <a:t>9/7/20</a:t>
             </a:fld>
             <a:endParaRPr lang="en-US" dirty="0"/>
           </a:p>
@@ -10168,7 +10259,7 @@
           <a:p>
             <a:fld id="{01554C39-4607-164F-AA23-65A72270ACF7}" type="datetime1">
               <a:rPr lang="en-US" smtClean="0"/>
-              <a:t>9/2/20</a:t>
+              <a:t>9/7/20</a:t>
             </a:fld>
             <a:endParaRPr lang="en-US" dirty="0"/>
           </a:p>
@@ -10556,7 +10647,7 @@
           <a:p>
             <a:fld id="{D52D66B2-0E0A-F441-A1DA-8039F615D612}" type="datetime1">
               <a:rPr lang="en-US" smtClean="0"/>
-              <a:t>9/2/20</a:t>
+              <a:t>9/7/20</a:t>
             </a:fld>
             <a:endParaRPr lang="en-US" dirty="0"/>
           </a:p>
@@ -11562,7 +11653,7 @@
           <a:p>
             <a:fld id="{37E2C1DD-94AF-5B41-A54A-0C8426B7BC1A}" type="datetime1">
               <a:rPr lang="en-US" smtClean="0"/>
-              <a:t>9/2/20</a:t>
+              <a:t>9/7/20</a:t>
             </a:fld>
             <a:endParaRPr lang="en-US" dirty="0"/>
           </a:p>
@@ -11784,7 +11875,7 @@
           <a:p>
             <a:fld id="{18FD8BA5-77B4-654F-B2FF-4855A5BA42B8}" type="datetime1">
               <a:rPr lang="en-US" smtClean="0"/>
-              <a:t>9/2/20</a:t>
+              <a:t>9/7/20</a:t>
             </a:fld>
             <a:endParaRPr lang="en-US" dirty="0"/>
           </a:p>
@@ -12369,42 +12460,12 @@
           <a:p>
             <a:fld id="{3DBB7BD0-9B8D-1F47-8ABF-BE3CF9BD2848}" type="datetime1">
               <a:rPr lang="en-US" smtClean="0"/>
-              <a:t>9/2/20</a:t>
+              <a:t>9/7/20</a:t>
             </a:fld>
             <a:endParaRPr lang="en-US" dirty="0"/>
           </a:p>
         </p:txBody>
       </p:sp>
-      <p:pic>
-        <p:nvPicPr>
-          <p:cNvPr id="8" name="Picture 7">
-            <a:extLst>
-              <a:ext uri="{FF2B5EF4-FFF2-40B4-BE49-F238E27FC236}">
-                <a16:creationId xmlns:a16="http://schemas.microsoft.com/office/drawing/2014/main" id="{D60D9A3E-CD51-7A4B-85D1-831729E09BCC}"/>
-              </a:ext>
-            </a:extLst>
-          </p:cNvPr>
-          <p:cNvPicPr>
-            <a:picLocks noChangeAspect="1"/>
-          </p:cNvPicPr>
-          <p:nvPr/>
-        </p:nvPicPr>
-        <p:blipFill>
-          <a:blip r:embed="rId2"/>
-          <a:stretch>
-            <a:fillRect/>
-          </a:stretch>
-        </p:blipFill>
-        <p:spPr>
-          <a:xfrm rot="5400000">
-            <a:off x="6031822" y="116586"/>
-            <a:ext cx="5631688" cy="6624828"/>
-          </a:xfrm>
-          <a:prstGeom prst="rect">
-            <a:avLst/>
-          </a:prstGeom>
-        </p:spPr>
-      </p:pic>
       <p:sp>
         <p:nvSpPr>
           <p:cNvPr id="9" name="Rectangle 8">
@@ -12420,7 +12481,7 @@
         <p:spPr>
           <a:xfrm>
             <a:off x="31920" y="889843"/>
-            <a:ext cx="6096000" cy="5078313"/>
+            <a:ext cx="6096000" cy="5447645"/>
           </a:xfrm>
           <a:prstGeom prst="rect">
             <a:avLst/>
@@ -12639,12 +12700,15 @@
             </a:r>
           </a:p>
           <a:p>
-            <a:endParaRPr lang="en-GB" sz="1200" dirty="0">
-              <a:solidFill>
-                <a:srgbClr val="000000"/>
-              </a:solidFill>
-              <a:latin typeface="Menlo" panose="020B0609030804020204" pitchFamily="49" charset="0"/>
-            </a:endParaRPr>
+            <a:r>
+              <a:rPr lang="en-GB" sz="1200" dirty="0">
+                <a:solidFill>
+                  <a:srgbClr val="000000"/>
+                </a:solidFill>
+                <a:latin typeface="Menlo" panose="020B0609030804020204" pitchFamily="49" charset="0"/>
+              </a:rPr>
+              <a:t>   </a:t>
+            </a:r>
           </a:p>
           <a:p>
             <a:r>
@@ -12712,7 +12776,7 @@
                 </a:solidFill>
                 <a:latin typeface="Menlo" panose="020B0609030804020204" pitchFamily="49" charset="0"/>
               </a:rPr>
-              <a:t>    1.0156e+00 +/-  2.79e-02</a:t>
+              <a:t>    1.0153e+00 +/-  2.83e-02</a:t>
             </a:r>
           </a:p>
           <a:p>
@@ -12741,7 +12805,7 @@
                 </a:solidFill>
                 <a:latin typeface="Menlo" panose="020B0609030804020204" pitchFamily="49" charset="0"/>
               </a:rPr>
-              <a:t>    9.8998e-01 +/-  1.92e-03</a:t>
+              <a:t>    9.8997e-01 +/-  1.92e-03</a:t>
             </a:r>
           </a:p>
           <a:p>
@@ -12752,7 +12816,7 @@
                 </a:solidFill>
                 <a:latin typeface="Menlo" panose="020B0609030804020204" pitchFamily="49" charset="0"/>
               </a:rPr>
-              <a:t>               kQCD_2b    1.2365e-02 +/-  2.50e-03</a:t>
+              <a:t>               kQCD_2b    1.2803e-02 +/-  2.82e-03</a:t>
             </a:r>
           </a:p>
           <a:p>
@@ -12763,7 +12827,7 @@
                 </a:solidFill>
                 <a:latin typeface="Menlo" panose="020B0609030804020204" pitchFamily="49" charset="0"/>
               </a:rPr>
-              <a:t>            nFitBkg_2b    1.6612e+00 +/-  6.55e+03</a:t>
+              <a:t>            nFitBkg_2b    1.2661e+02 +/-  3.92e+02</a:t>
             </a:r>
           </a:p>
           <a:p>
@@ -12774,7 +12838,7 @@
                 </a:solidFill>
                 <a:latin typeface="Menlo" panose="020B0609030804020204" pitchFamily="49" charset="0"/>
               </a:rPr>
-              <a:t>            nFitQCD_2b    5.0843e+03 +/-  1.80e+02</a:t>
+              <a:t>            nFitQCD_2b    4.9706e+03 +/-  2.95e+02</a:t>
             </a:r>
           </a:p>
           <a:p>
@@ -12785,7 +12849,7 @@
                 </a:solidFill>
                 <a:latin typeface="Menlo" panose="020B0609030804020204" pitchFamily="49" charset="0"/>
               </a:rPr>
-              <a:t>             nFitSig2b    7.7041e+03 +/-  1.80e+02</a:t>
+              <a:t>             nFitSig2b    7.6928e+03 +/-  1.83e+02</a:t>
             </a:r>
           </a:p>
           <a:p>
@@ -12804,23 +12868,8 @@
                 </a:solidFill>
                 <a:latin typeface="Menlo" panose="020B0609030804020204" pitchFamily="49" charset="0"/>
               </a:rPr>
-              <a:t>Signal strength: r = 0.687217 </a:t>
-            </a:r>
-            <a:r>
-              <a:rPr lang="en-GB" sz="1200" b="1" u="sng">
-                <a:solidFill>
-                  <a:srgbClr val="00B050"/>
-                </a:solidFill>
-                <a:latin typeface="Menlo" panose="020B0609030804020204" pitchFamily="49" charset="0"/>
-              </a:rPr>
-              <a:t>± 0.0194349 (new)</a:t>
-            </a:r>
-            <a:endParaRPr lang="en-GB" sz="1200" b="1" u="sng" dirty="0">
-              <a:solidFill>
-                <a:srgbClr val="00B050"/>
-              </a:solidFill>
-              <a:latin typeface="Menlo" panose="020B0609030804020204" pitchFamily="49" charset="0"/>
-            </a:endParaRPr>
+              <a:t>Signal strength: r = 0.686214 ± 0.019771</a:t>
+            </a:r>
           </a:p>
           <a:p>
             <a:endParaRPr lang="en-GB" sz="1200" dirty="0">
@@ -12830,8 +12879,49 @@
               <a:latin typeface="Menlo" panose="020B0609030804020204" pitchFamily="49" charset="0"/>
             </a:endParaRPr>
           </a:p>
-        </p:txBody>
-      </p:sp>
+          <a:p>
+            <a:endParaRPr lang="en-GB" sz="1200" b="1" u="sng" dirty="0">
+              <a:solidFill>
+                <a:srgbClr val="000000"/>
+              </a:solidFill>
+              <a:latin typeface="Menlo" panose="020B0609030804020204" pitchFamily="49" charset="0"/>
+            </a:endParaRPr>
+          </a:p>
+          <a:p>
+            <a:endParaRPr lang="en-GB" sz="1200" dirty="0"/>
+          </a:p>
+        </p:txBody>
+      </p:sp>
+      <p:pic>
+        <p:nvPicPr>
+          <p:cNvPr id="11" name="Picture 10">
+            <a:extLst>
+              <a:ext uri="{FF2B5EF4-FFF2-40B4-BE49-F238E27FC236}">
+                <a16:creationId xmlns:a16="http://schemas.microsoft.com/office/drawing/2014/main" id="{EFCC128D-5E7E-C242-BEA9-235ED780CB6D}"/>
+              </a:ext>
+            </a:extLst>
+          </p:cNvPr>
+          <p:cNvPicPr>
+            <a:picLocks noChangeAspect="1"/>
+          </p:cNvPicPr>
+          <p:nvPr/>
+        </p:nvPicPr>
+        <p:blipFill>
+          <a:blip r:embed="rId3"/>
+          <a:stretch>
+            <a:fillRect/>
+          </a:stretch>
+        </p:blipFill>
+        <p:spPr>
+          <a:xfrm rot="5400000">
+            <a:off x="5836020" y="59740"/>
+            <a:ext cx="5631688" cy="6624828"/>
+          </a:xfrm>
+          <a:prstGeom prst="rect">
+            <a:avLst/>
+          </a:prstGeom>
+        </p:spPr>
+      </p:pic>
     </p:spTree>
     <p:extLst>
       <p:ext uri="{BB962C8B-B14F-4D97-AF65-F5344CB8AC3E}">
@@ -12977,7 +13067,7 @@
           <a:p>
             <a:fld id="{3DBB7BD0-9B8D-1F47-8ABF-BE3CF9BD2848}" type="datetime1">
               <a:rPr lang="en-US" smtClean="0"/>
-              <a:t>9/2/20</a:t>
+              <a:t>9/7/20</a:t>
             </a:fld>
             <a:endParaRPr lang="en-US" dirty="0"/>
           </a:p>
@@ -12985,10 +13075,10 @@
       </p:sp>
       <p:pic>
         <p:nvPicPr>
-          <p:cNvPr id="4" name="Picture 3">
+          <p:cNvPr id="8" name="Picture 7">
             <a:extLst>
               <a:ext uri="{FF2B5EF4-FFF2-40B4-BE49-F238E27FC236}">
-                <a16:creationId xmlns:a16="http://schemas.microsoft.com/office/drawing/2014/main" id="{ADEDE9B7-B36A-5D4B-AFAE-99204E99DBDB}"/>
+                <a16:creationId xmlns:a16="http://schemas.microsoft.com/office/drawing/2014/main" id="{281DBFB4-1B7E-D145-957A-CFB946839B00}"/>
               </a:ext>
             </a:extLst>
           </p:cNvPr>
@@ -13005,8 +13095,8 @@
         </p:blipFill>
         <p:spPr>
           <a:xfrm rot="5400000">
-            <a:off x="3290229" y="-460664"/>
-            <a:ext cx="5611542" cy="7779327"/>
+            <a:off x="3239135" y="-565937"/>
+            <a:ext cx="5713730" cy="7920990"/>
           </a:xfrm>
           <a:prstGeom prst="rect">
             <a:avLst/>
@@ -13317,7 +13407,7 @@
           <a:p>
             <a:fld id="{3DBB7BD0-9B8D-1F47-8ABF-BE3CF9BD2848}" type="datetime1">
               <a:rPr lang="en-US" smtClean="0"/>
-              <a:t>9/2/20</a:t>
+              <a:t>9/7/20</a:t>
             </a:fld>
             <a:endParaRPr lang="en-US" dirty="0"/>
           </a:p>
@@ -13601,7 +13691,7 @@
           <a:p>
             <a:fld id="{3DBB7BD0-9B8D-1F47-8ABF-BE3CF9BD2848}" type="datetime1">
               <a:rPr lang="en-US" smtClean="0"/>
-              <a:t>9/2/20</a:t>
+              <a:t>9/7/20</a:t>
             </a:fld>
             <a:endParaRPr lang="en-US" dirty="0"/>
           </a:p>
@@ -13885,7 +13975,7 @@
           <a:p>
             <a:fld id="{3DBB7BD0-9B8D-1F47-8ABF-BE3CF9BD2848}" type="datetime1">
               <a:rPr lang="en-US" smtClean="0"/>
-              <a:t>9/2/20</a:t>
+              <a:t>9/7/20</a:t>
             </a:fld>
             <a:endParaRPr lang="en-US" dirty="0"/>
           </a:p>
@@ -14166,7 +14256,7 @@
           <a:p>
             <a:fld id="{3DBB7BD0-9B8D-1F47-8ABF-BE3CF9BD2848}" type="datetime1">
               <a:rPr lang="en-US" smtClean="0"/>
-              <a:t>9/2/20</a:t>
+              <a:t>9/7/20</a:t>
             </a:fld>
             <a:endParaRPr lang="en-US" dirty="0"/>
           </a:p>
@@ -15032,7 +15122,7 @@
           <a:p>
             <a:fld id="{3DBB7BD0-9B8D-1F47-8ABF-BE3CF9BD2848}" type="datetime1">
               <a:rPr lang="en-US" smtClean="0"/>
-              <a:t>9/2/20</a:t>
+              <a:t>9/7/20</a:t>
             </a:fld>
             <a:endParaRPr lang="en-US" dirty="0"/>
           </a:p>
@@ -15438,7 +15528,7 @@
           <a:p>
             <a:fld id="{D52D66B2-0E0A-F441-A1DA-8039F615D612}" type="datetime1">
               <a:rPr lang="en-US" smtClean="0"/>
-              <a:t>9/2/20</a:t>
+              <a:t>9/7/20</a:t>
             </a:fld>
             <a:endParaRPr lang="en-US" dirty="0"/>
           </a:p>
@@ -15922,7 +16012,7 @@
           <a:p>
             <a:fld id="{3DBB7BD0-9B8D-1F47-8ABF-BE3CF9BD2848}" type="datetime1">
               <a:rPr lang="en-US" smtClean="0"/>
-              <a:t>9/2/20</a:t>
+              <a:t>9/7/20</a:t>
             </a:fld>
             <a:endParaRPr lang="en-US" dirty="0"/>
           </a:p>
@@ -16368,7 +16458,7 @@
           <a:p>
             <a:fld id="{F7AFF6A5-F1FB-284A-BF72-2836D5A0B341}" type="datetime1">
               <a:rPr lang="en-US" smtClean="0"/>
-              <a:t>9/2/20</a:t>
+              <a:t>9/7/20</a:t>
             </a:fld>
             <a:endParaRPr lang="en-US" dirty="0"/>
           </a:p>
@@ -17490,7 +17580,7 @@
           <a:p>
             <a:fld id="{D52D66B2-0E0A-F441-A1DA-8039F615D612}" type="datetime1">
               <a:rPr lang="en-US" smtClean="0"/>
-              <a:t>9/2/20</a:t>
+              <a:t>9/7/20</a:t>
             </a:fld>
             <a:endParaRPr lang="en-US" dirty="0"/>
           </a:p>
@@ -17974,7 +18064,7 @@
           <a:p>
             <a:fld id="{3DBB7BD0-9B8D-1F47-8ABF-BE3CF9BD2848}" type="datetime1">
               <a:rPr lang="en-US" smtClean="0"/>
-              <a:t>9/2/20</a:t>
+              <a:t>9/7/20</a:t>
             </a:fld>
             <a:endParaRPr lang="en-US" dirty="0"/>
           </a:p>
@@ -18394,7 +18484,7 @@
           <a:p>
             <a:fld id="{D52D66B2-0E0A-F441-A1DA-8039F615D612}" type="datetime1">
               <a:rPr lang="en-US" smtClean="0"/>
-              <a:t>9/2/20</a:t>
+              <a:t>9/7/20</a:t>
             </a:fld>
             <a:endParaRPr lang="en-US" dirty="0"/>
           </a:p>
@@ -18872,7 +18962,7 @@
           <a:p>
             <a:fld id="{3DBB7BD0-9B8D-1F47-8ABF-BE3CF9BD2848}" type="datetime1">
               <a:rPr lang="en-US" smtClean="0"/>
-              <a:t>9/2/20</a:t>
+              <a:t>9/7/20</a:t>
             </a:fld>
             <a:endParaRPr lang="en-US" dirty="0"/>
           </a:p>
@@ -19253,7 +19343,7 @@
           <a:p>
             <a:fld id="{3DBB7BD0-9B8D-1F47-8ABF-BE3CF9BD2848}" type="datetime1">
               <a:rPr lang="en-US" smtClean="0"/>
-              <a:t>9/2/20</a:t>
+              <a:t>9/7/20</a:t>
             </a:fld>
             <a:endParaRPr lang="en-US" dirty="0"/>
           </a:p>
@@ -19546,7 +19636,7 @@
           <a:p>
             <a:fld id="{3DBB7BD0-9B8D-1F47-8ABF-BE3CF9BD2848}" type="datetime1">
               <a:rPr lang="en-US" smtClean="0"/>
-              <a:t>9/2/20</a:t>
+              <a:t>9/7/20</a:t>
             </a:fld>
             <a:endParaRPr lang="en-US" dirty="0"/>
           </a:p>
@@ -19822,7 +19912,7 @@
           <a:p>
             <a:fld id="{3DBB7BD0-9B8D-1F47-8ABF-BE3CF9BD2848}" type="datetime1">
               <a:rPr lang="en-US" smtClean="0"/>
-              <a:t>9/2/20</a:t>
+              <a:t>9/7/20</a:t>
             </a:fld>
             <a:endParaRPr lang="en-US" dirty="0"/>
           </a:p>
@@ -19976,7 +20066,7 @@
           <a:p>
             <a:fld id="{01554C39-4607-164F-AA23-65A72270ACF7}" type="datetime1">
               <a:rPr lang="en-US" smtClean="0"/>
-              <a:t>9/2/20</a:t>
+              <a:t>9/7/20</a:t>
             </a:fld>
             <a:endParaRPr lang="en-US" dirty="0"/>
           </a:p>
@@ -20260,7 +20350,7 @@
           <a:p>
             <a:fld id="{01554C39-4607-164F-AA23-65A72270ACF7}" type="datetime1">
               <a:rPr lang="en-US" smtClean="0"/>
-              <a:t>9/2/20</a:t>
+              <a:t>9/7/20</a:t>
             </a:fld>
             <a:endParaRPr lang="en-US" dirty="0"/>
           </a:p>
@@ -20544,7 +20634,7 @@
           <a:p>
             <a:fld id="{01554C39-4607-164F-AA23-65A72270ACF7}" type="datetime1">
               <a:rPr lang="en-US" smtClean="0"/>
-              <a:t>9/2/20</a:t>
+              <a:t>9/7/20</a:t>
             </a:fld>
             <a:endParaRPr lang="en-US" dirty="0"/>
           </a:p>
@@ -20824,7 +20914,7 @@
           <a:p>
             <a:fld id="{01554C39-4607-164F-AA23-65A72270ACF7}" type="datetime1">
               <a:rPr lang="en-US" smtClean="0"/>
-              <a:t>9/2/20</a:t>
+              <a:t>9/7/20</a:t>
             </a:fld>
             <a:endParaRPr lang="en-US" dirty="0"/>
           </a:p>
@@ -21065,7 +21155,7 @@
           <a:p>
             <a:fld id="{01554C39-4607-164F-AA23-65A72270ACF7}" type="datetime1">
               <a:rPr lang="en-US" smtClean="0"/>
-              <a:t>9/2/20</a:t>
+              <a:t>9/7/20</a:t>
             </a:fld>
             <a:endParaRPr lang="en-US" dirty="0"/>
           </a:p>
@@ -21346,7 +21436,7 @@
           <a:p>
             <a:fld id="{01554C39-4607-164F-AA23-65A72270ACF7}" type="datetime1">
               <a:rPr lang="en-US" smtClean="0"/>
-              <a:t>9/2/20</a:t>
+              <a:t>9/7/20</a:t>
             </a:fld>
             <a:endParaRPr lang="en-US" dirty="0"/>
           </a:p>
@@ -21627,7 +21717,7 @@
           <a:p>
             <a:fld id="{01554C39-4607-164F-AA23-65A72270ACF7}" type="datetime1">
               <a:rPr lang="en-US" smtClean="0"/>
-              <a:t>9/2/20</a:t>
+              <a:t>9/7/20</a:t>
             </a:fld>
             <a:endParaRPr lang="en-US" dirty="0"/>
           </a:p>
@@ -21908,7 +21998,7 @@
           <a:p>
             <a:fld id="{01554C39-4607-164F-AA23-65A72270ACF7}" type="datetime1">
               <a:rPr lang="en-US" smtClean="0"/>
-              <a:t>9/2/20</a:t>
+              <a:t>9/7/20</a:t>
             </a:fld>
             <a:endParaRPr lang="en-US" dirty="0"/>
           </a:p>
@@ -22192,7 +22282,7 @@
           <a:p>
             <a:fld id="{01554C39-4607-164F-AA23-65A72270ACF7}" type="datetime1">
               <a:rPr lang="en-US" smtClean="0"/>
-              <a:t>9/2/20</a:t>
+              <a:t>9/7/20</a:t>
             </a:fld>
             <a:endParaRPr lang="en-US" dirty="0"/>
           </a:p>

--- a/Documents for Progress/AnalysisStatus_31August2020.pptx
+++ b/Documents for Progress/AnalysisStatus_31August2020.pptx
@@ -6,10 +6,10 @@
     <p:sldMasterId id="2147483661" r:id="rId2"/>
   </p:sldMasterIdLst>
   <p:notesMasterIdLst>
-    <p:notesMasterId r:id="rId42"/>
+    <p:notesMasterId r:id="rId45"/>
   </p:notesMasterIdLst>
   <p:handoutMasterIdLst>
-    <p:handoutMasterId r:id="rId43"/>
+    <p:handoutMasterId r:id="rId46"/>
   </p:handoutMasterIdLst>
   <p:sldIdLst>
     <p:sldId id="256" r:id="rId3"/>
@@ -35,22 +35,25 @@
     <p:sldId id="518" r:id="rId23"/>
     <p:sldId id="536" r:id="rId24"/>
     <p:sldId id="550" r:id="rId25"/>
-    <p:sldId id="537" r:id="rId26"/>
-    <p:sldId id="538" r:id="rId27"/>
-    <p:sldId id="539" r:id="rId28"/>
-    <p:sldId id="548" r:id="rId29"/>
-    <p:sldId id="545" r:id="rId30"/>
-    <p:sldId id="540" r:id="rId31"/>
-    <p:sldId id="546" r:id="rId32"/>
-    <p:sldId id="541" r:id="rId33"/>
-    <p:sldId id="547" r:id="rId34"/>
-    <p:sldId id="542" r:id="rId35"/>
-    <p:sldId id="543" r:id="rId36"/>
-    <p:sldId id="544" r:id="rId37"/>
-    <p:sldId id="535" r:id="rId38"/>
-    <p:sldId id="529" r:id="rId39"/>
-    <p:sldId id="530" r:id="rId40"/>
-    <p:sldId id="532" r:id="rId41"/>
+    <p:sldId id="553" r:id="rId26"/>
+    <p:sldId id="537" r:id="rId27"/>
+    <p:sldId id="552" r:id="rId28"/>
+    <p:sldId id="538" r:id="rId29"/>
+    <p:sldId id="551" r:id="rId30"/>
+    <p:sldId id="539" r:id="rId31"/>
+    <p:sldId id="548" r:id="rId32"/>
+    <p:sldId id="545" r:id="rId33"/>
+    <p:sldId id="540" r:id="rId34"/>
+    <p:sldId id="546" r:id="rId35"/>
+    <p:sldId id="541" r:id="rId36"/>
+    <p:sldId id="547" r:id="rId37"/>
+    <p:sldId id="542" r:id="rId38"/>
+    <p:sldId id="543" r:id="rId39"/>
+    <p:sldId id="544" r:id="rId40"/>
+    <p:sldId id="535" r:id="rId41"/>
+    <p:sldId id="529" r:id="rId42"/>
+    <p:sldId id="530" r:id="rId43"/>
+    <p:sldId id="532" r:id="rId44"/>
   </p:sldIdLst>
   <p:sldSz cx="12192000" cy="6858000"/>
   <p:notesSz cx="6858000" cy="9144000"/>
@@ -242,7 +245,7 @@
           <a:p>
             <a:fld id="{EC97F6CE-C9BA-5B44-AF0F-C73B1C17650F}" type="datetime1">
               <a:rPr lang="en-US" smtClean="0"/>
-              <a:t>9/7/20</a:t>
+              <a:t>9/8/20</a:t>
             </a:fld>
             <a:endParaRPr lang="en-GB"/>
           </a:p>
@@ -448,7 +451,7 @@
           <a:p>
             <a:fld id="{7F9D4A26-E586-E648-884B-C9B1EA03133F}" type="datetime1">
               <a:rPr lang="en-US" smtClean="0"/>
-              <a:t>9/7/20</a:t>
+              <a:t>9/8/20</a:t>
             </a:fld>
             <a:endParaRPr lang="en-GB"/>
           </a:p>
@@ -782,7 +785,7 @@
           <a:p>
             <a:fld id="{33D9703A-F6B0-E34C-B7F9-5A8864FF4F07}" type="datetime1">
               <a:rPr lang="en-US" smtClean="0"/>
-              <a:t>9/7/20</a:t>
+              <a:t>9/8/20</a:t>
             </a:fld>
             <a:endParaRPr lang="en-GB"/>
           </a:p>
@@ -889,7 +892,7 @@
           <a:p>
             <a:fld id="{7F9D4A26-E586-E648-884B-C9B1EA03133F}" type="datetime1">
               <a:rPr lang="en-US" smtClean="0"/>
-              <a:t>9/7/20</a:t>
+              <a:t>9/8/20</a:t>
             </a:fld>
             <a:endParaRPr lang="en-GB"/>
           </a:p>
@@ -996,7 +999,7 @@
           <a:p>
             <a:fld id="{7F9D4A26-E586-E648-884B-C9B1EA03133F}" type="datetime1">
               <a:rPr lang="en-US" smtClean="0"/>
-              <a:t>9/7/20</a:t>
+              <a:t>9/8/20</a:t>
             </a:fld>
             <a:endParaRPr lang="en-GB"/>
           </a:p>
@@ -1019,7 +1022,114 @@
           <a:p>
             <a:fld id="{5033F1CD-332F-48CC-8A24-9D0A5CE7D91D}" type="slidenum">
               <a:rPr lang="en-GB" smtClean="0"/>
-              <a:t>39</a:t>
+              <a:t>28</a:t>
+            </a:fld>
+            <a:endParaRPr lang="en-GB"/>
+          </a:p>
+        </p:txBody>
+      </p:sp>
+    </p:spTree>
+    <p:extLst>
+      <p:ext uri="{BB962C8B-B14F-4D97-AF65-F5344CB8AC3E}">
+        <p14:creationId xmlns:p14="http://schemas.microsoft.com/office/powerpoint/2010/main" val="2006937775"/>
+      </p:ext>
+    </p:extLst>
+  </p:cSld>
+  <p:clrMapOvr>
+    <a:masterClrMapping/>
+  </p:clrMapOvr>
+</p:notes>
+</file>
+
+<file path=ppt/notesSlides/notesSlide4.xml><?xml version="1.0" encoding="utf-8"?>
+<p:notes xmlns:a="http://schemas.openxmlformats.org/drawingml/2006/main" xmlns:r="http://schemas.openxmlformats.org/officeDocument/2006/relationships" xmlns:p="http://schemas.openxmlformats.org/presentationml/2006/main">
+  <p:cSld>
+    <p:spTree>
+      <p:nvGrpSpPr>
+        <p:cNvPr id="1" name=""/>
+        <p:cNvGrpSpPr/>
+        <p:nvPr/>
+      </p:nvGrpSpPr>
+      <p:grpSpPr>
+        <a:xfrm>
+          <a:off x="0" y="0"/>
+          <a:ext cx="0" cy="0"/>
+          <a:chOff x="0" y="0"/>
+          <a:chExt cx="0" cy="0"/>
+        </a:xfrm>
+      </p:grpSpPr>
+      <p:sp>
+        <p:nvSpPr>
+          <p:cNvPr id="2" name="Slide Image Placeholder 1"/>
+          <p:cNvSpPr>
+            <a:spLocks noGrp="1" noRot="1" noChangeAspect="1"/>
+          </p:cNvSpPr>
+          <p:nvPr>
+            <p:ph type="sldImg"/>
+          </p:nvPr>
+        </p:nvSpPr>
+        <p:spPr/>
+      </p:sp>
+      <p:sp>
+        <p:nvSpPr>
+          <p:cNvPr id="3" name="Notes Placeholder 2"/>
+          <p:cNvSpPr>
+            <a:spLocks noGrp="1"/>
+          </p:cNvSpPr>
+          <p:nvPr>
+            <p:ph type="body" idx="1"/>
+          </p:nvPr>
+        </p:nvSpPr>
+        <p:spPr/>
+        <p:txBody>
+          <a:bodyPr/>
+          <a:lstStyle/>
+          <a:p>
+            <a:endParaRPr lang="en-GR" dirty="0"/>
+          </a:p>
+        </p:txBody>
+      </p:sp>
+      <p:sp>
+        <p:nvSpPr>
+          <p:cNvPr id="4" name="Date Placeholder 3"/>
+          <p:cNvSpPr>
+            <a:spLocks noGrp="1"/>
+          </p:cNvSpPr>
+          <p:nvPr>
+            <p:ph type="dt" idx="1"/>
+          </p:nvPr>
+        </p:nvSpPr>
+        <p:spPr/>
+        <p:txBody>
+          <a:bodyPr/>
+          <a:lstStyle/>
+          <a:p>
+            <a:fld id="{7F9D4A26-E586-E648-884B-C9B1EA03133F}" type="datetime1">
+              <a:rPr lang="en-US" smtClean="0"/>
+              <a:t>9/8/20</a:t>
+            </a:fld>
+            <a:endParaRPr lang="en-GB"/>
+          </a:p>
+        </p:txBody>
+      </p:sp>
+      <p:sp>
+        <p:nvSpPr>
+          <p:cNvPr id="5" name="Slide Number Placeholder 4"/>
+          <p:cNvSpPr>
+            <a:spLocks noGrp="1"/>
+          </p:cNvSpPr>
+          <p:nvPr>
+            <p:ph type="sldNum" sz="quarter" idx="5"/>
+          </p:nvPr>
+        </p:nvSpPr>
+        <p:spPr/>
+        <p:txBody>
+          <a:bodyPr/>
+          <a:lstStyle/>
+          <a:p>
+            <a:fld id="{5033F1CD-332F-48CC-8A24-9D0A5CE7D91D}" type="slidenum">
+              <a:rPr lang="en-GB" smtClean="0"/>
+              <a:t>42</a:t>
             </a:fld>
             <a:endParaRPr lang="en-GB"/>
           </a:p>
@@ -1264,7 +1374,7 @@
           <a:p>
             <a:fld id="{DC51A3BE-CA11-4547-A39A-766971096B34}" type="datetime1">
               <a:rPr lang="en-US" smtClean="0"/>
-              <a:t>9/7/20</a:t>
+              <a:t>9/8/20</a:t>
             </a:fld>
             <a:endParaRPr lang="en-US" dirty="0"/>
           </a:p>
@@ -1471,7 +1581,7 @@
           <a:p>
             <a:fld id="{42B2CF9A-A7BF-1245-99D9-4054301C36E0}" type="datetime1">
               <a:rPr lang="en-US" smtClean="0"/>
-              <a:t>9/7/20</a:t>
+              <a:t>9/8/20</a:t>
             </a:fld>
             <a:endParaRPr lang="en-US" dirty="0"/>
           </a:p>
@@ -1726,7 +1836,7 @@
           <a:p>
             <a:fld id="{F88F3968-5050-1740-9AB7-A06844E87E5F}" type="datetime1">
               <a:rPr lang="en-US" smtClean="0"/>
-              <a:t>9/7/20</a:t>
+              <a:t>9/8/20</a:t>
             </a:fld>
             <a:endParaRPr lang="en-US" dirty="0"/>
           </a:p>
@@ -1917,7 +2027,7 @@
           <a:p>
             <a:fld id="{6A19A844-E33A-B644-A0FB-7455E93D924C}" type="datetime1">
               <a:rPr lang="en-US" smtClean="0"/>
-              <a:t>9/7/20</a:t>
+              <a:t>9/8/20</a:t>
             </a:fld>
             <a:endParaRPr lang="en-GB"/>
           </a:p>
@@ -2091,7 +2201,7 @@
           <a:p>
             <a:fld id="{F61E92BF-DA59-B546-88AE-9835521A3798}" type="datetime1">
               <a:rPr lang="en-US" smtClean="0"/>
-              <a:t>9/7/20</a:t>
+              <a:t>9/8/20</a:t>
             </a:fld>
             <a:endParaRPr lang="en-GB"/>
           </a:p>
@@ -2341,7 +2451,7 @@
           <a:p>
             <a:fld id="{61C78CAC-926A-EF4D-9608-460C3A301243}" type="datetime1">
               <a:rPr lang="en-US" smtClean="0"/>
-              <a:t>9/7/20</a:t>
+              <a:t>9/8/20</a:t>
             </a:fld>
             <a:endParaRPr lang="en-GB"/>
           </a:p>
@@ -2577,7 +2687,7 @@
           <a:p>
             <a:fld id="{32675A6D-6B9B-6546-A3DC-004E809EED54}" type="datetime1">
               <a:rPr lang="en-US" smtClean="0"/>
-              <a:t>9/7/20</a:t>
+              <a:t>9/8/20</a:t>
             </a:fld>
             <a:endParaRPr lang="en-GB"/>
           </a:p>
@@ -2948,7 +3058,7 @@
           <a:p>
             <a:fld id="{55D89806-B328-B147-9EC9-15D0307996ED}" type="datetime1">
               <a:rPr lang="en-US" smtClean="0"/>
-              <a:t>9/7/20</a:t>
+              <a:t>9/8/20</a:t>
             </a:fld>
             <a:endParaRPr lang="en-GB"/>
           </a:p>
@@ -3070,7 +3180,7 @@
           <a:p>
             <a:fld id="{702FE0D6-14B8-A94B-B441-7BA984189CE2}" type="datetime1">
               <a:rPr lang="en-US" smtClean="0"/>
-              <a:t>9/7/20</a:t>
+              <a:t>9/8/20</a:t>
             </a:fld>
             <a:endParaRPr lang="en-GB"/>
           </a:p>
@@ -3169,7 +3279,7 @@
           <a:p>
             <a:fld id="{4C294EA8-7AEB-3247-9A81-8483D03B0462}" type="datetime1">
               <a:rPr lang="en-US" smtClean="0"/>
-              <a:t>9/7/20</a:t>
+              <a:t>9/8/20</a:t>
             </a:fld>
             <a:endParaRPr lang="en-GB"/>
           </a:p>
@@ -3450,7 +3560,7 @@
           <a:p>
             <a:fld id="{D72E9315-386E-6846-8498-4330F1BBFC0A}" type="datetime1">
               <a:rPr lang="en-US" smtClean="0"/>
-              <a:t>9/7/20</a:t>
+              <a:t>9/8/20</a:t>
             </a:fld>
             <a:endParaRPr lang="en-GB"/>
           </a:p>
@@ -3606,7 +3716,7 @@
           <a:p>
             <a:fld id="{0E394EB9-E681-C34A-89D4-D81E4C62EA5B}" type="datetime1">
               <a:rPr lang="en-US" smtClean="0"/>
-              <a:t>9/7/20</a:t>
+              <a:t>9/8/20</a:t>
             </a:fld>
             <a:endParaRPr lang="en-US" dirty="0"/>
           </a:p>
@@ -3887,7 +3997,7 @@
           <a:p>
             <a:fld id="{E220BF5D-E794-2B42-91EC-2A3B4450069D}" type="datetime1">
               <a:rPr lang="en-US" smtClean="0"/>
-              <a:t>9/7/20</a:t>
+              <a:t>9/8/20</a:t>
             </a:fld>
             <a:endParaRPr lang="en-GB"/>
           </a:p>
@@ -4061,7 +4171,7 @@
           <a:p>
             <a:fld id="{BA4C039E-7082-7D42-AA91-9FF3EF6ADB5B}" type="datetime1">
               <a:rPr lang="en-US" smtClean="0"/>
-              <a:t>9/7/20</a:t>
+              <a:t>9/8/20</a:t>
             </a:fld>
             <a:endParaRPr lang="en-GB"/>
           </a:p>
@@ -4245,7 +4355,7 @@
           <a:p>
             <a:fld id="{2817B3FE-3894-A848-8D78-14007FB2FF94}" type="datetime1">
               <a:rPr lang="en-US" smtClean="0"/>
-              <a:t>9/7/20</a:t>
+              <a:t>9/8/20</a:t>
             </a:fld>
             <a:endParaRPr lang="en-GB"/>
           </a:p>
@@ -4592,7 +4702,7 @@
           <a:p>
             <a:fld id="{2DEEC64B-3E48-2F44-A6A9-A1C06A2C021E}" type="datetime1">
               <a:rPr lang="en-US" smtClean="0"/>
-              <a:t>9/7/20</a:t>
+              <a:t>9/8/20</a:t>
             </a:fld>
             <a:endParaRPr lang="en-US" dirty="0"/>
           </a:p>
@@ -4866,7 +4976,7 @@
           <a:p>
             <a:fld id="{61E195D8-183A-7F4D-8D17-8ADC90214B8A}" type="datetime1">
               <a:rPr lang="en-US" smtClean="0"/>
-              <a:t>9/7/20</a:t>
+              <a:t>9/8/20</a:t>
             </a:fld>
             <a:endParaRPr lang="en-US" dirty="0"/>
           </a:p>
@@ -5244,7 +5354,7 @@
           <a:p>
             <a:fld id="{0DD0A991-48AE-1D43-8113-23F8EAF6681B}" type="datetime1">
               <a:rPr lang="en-US" smtClean="0"/>
-              <a:t>9/7/20</a:t>
+              <a:t>9/8/20</a:t>
             </a:fld>
             <a:endParaRPr lang="en-US" dirty="0"/>
           </a:p>
@@ -5361,7 +5471,7 @@
           <a:p>
             <a:fld id="{DC12579A-EC7F-EB4A-BC5C-80733D051D29}" type="datetime1">
               <a:rPr lang="en-US" smtClean="0"/>
-              <a:t>9/7/20</a:t>
+              <a:t>9/8/20</a:t>
             </a:fld>
             <a:endParaRPr lang="en-US" dirty="0"/>
           </a:p>
@@ -5531,7 +5641,7 @@
           <a:p>
             <a:fld id="{669454CD-6DAB-7942-9B1D-8F3E2B882464}" type="datetime1">
               <a:rPr lang="en-US" smtClean="0"/>
-              <a:t>9/7/20</a:t>
+              <a:t>9/8/20</a:t>
             </a:fld>
             <a:endParaRPr lang="en-US" dirty="0"/>
           </a:p>
@@ -5915,7 +6025,7 @@
           <a:p>
             <a:fld id="{BD2CAD36-D42B-D445-A707-AA59905C7768}" type="datetime1">
               <a:rPr lang="en-US" smtClean="0"/>
-              <a:t>9/7/20</a:t>
+              <a:t>9/8/20</a:t>
             </a:fld>
             <a:endParaRPr lang="en-US" dirty="0"/>
           </a:p>
@@ -6297,7 +6407,7 @@
           <a:p>
             <a:fld id="{2D1D63B8-BB32-E649-92D4-94351543394C}" type="datetime1">
               <a:rPr lang="en-US" smtClean="0"/>
-              <a:t>9/7/20</a:t>
+              <a:t>9/8/20</a:t>
             </a:fld>
             <a:endParaRPr lang="en-US" dirty="0"/>
           </a:p>
@@ -6583,7 +6693,7 @@
           <a:p>
             <a:fld id="{FD02AE22-A9EA-FE42-BAB8-AD1D7606FF2E}" type="datetime1">
               <a:rPr lang="en-US" smtClean="0"/>
-              <a:t>9/7/20</a:t>
+              <a:t>9/8/20</a:t>
             </a:fld>
             <a:endParaRPr lang="en-US" dirty="0"/>
           </a:p>
@@ -7273,7 +7383,7 @@
           <a:p>
             <a:fld id="{307A731C-B4EF-644F-8FDB-2EBA3EC9415A}" type="datetime1">
               <a:rPr lang="en-US" smtClean="0"/>
-              <a:t>9/7/20</a:t>
+              <a:t>9/8/20</a:t>
             </a:fld>
             <a:endParaRPr lang="en-GB"/>
           </a:p>
@@ -7721,11 +7831,11 @@
               <a:t>NTUA</a:t>
             </a:r>
             <a:br>
-              <a:rPr lang="en-US" sz="4400"/>
+              <a:rPr lang="en-US" sz="4400" dirty="0"/>
             </a:br>
             <a:r>
-              <a:rPr lang="en-US" sz="4400"/>
-              <a:t>1/9/2020</a:t>
+              <a:rPr lang="en-US" sz="4400" dirty="0"/>
+              <a:t>9/9/2020</a:t>
             </a:r>
             <a:endParaRPr lang="en-GB" sz="4400" dirty="0"/>
           </a:p>
@@ -7974,7 +8084,7 @@
           <a:p>
             <a:fld id="{01554C39-4607-164F-AA23-65A72270ACF7}" type="datetime1">
               <a:rPr lang="en-US" smtClean="0"/>
-              <a:t>9/7/20</a:t>
+              <a:t>9/8/20</a:t>
             </a:fld>
             <a:endParaRPr lang="en-US" dirty="0"/>
           </a:p>
@@ -8258,7 +8368,7 @@
           <a:p>
             <a:fld id="{01554C39-4607-164F-AA23-65A72270ACF7}" type="datetime1">
               <a:rPr lang="en-US" smtClean="0"/>
-              <a:t>9/7/20</a:t>
+              <a:t>9/8/20</a:t>
             </a:fld>
             <a:endParaRPr lang="en-US" dirty="0"/>
           </a:p>
@@ -8542,7 +8652,7 @@
           <a:p>
             <a:fld id="{01554C39-4607-164F-AA23-65A72270ACF7}" type="datetime1">
               <a:rPr lang="en-US" smtClean="0"/>
-              <a:t>9/7/20</a:t>
+              <a:t>9/8/20</a:t>
             </a:fld>
             <a:endParaRPr lang="en-US" dirty="0"/>
           </a:p>
@@ -8826,7 +8936,7 @@
           <a:p>
             <a:fld id="{01554C39-4607-164F-AA23-65A72270ACF7}" type="datetime1">
               <a:rPr lang="en-US" smtClean="0"/>
-              <a:t>9/7/20</a:t>
+              <a:t>9/8/20</a:t>
             </a:fld>
             <a:endParaRPr lang="en-US" dirty="0"/>
           </a:p>
@@ -9110,7 +9220,7 @@
           <a:p>
             <a:fld id="{01554C39-4607-164F-AA23-65A72270ACF7}" type="datetime1">
               <a:rPr lang="en-US" smtClean="0"/>
-              <a:t>9/7/20</a:t>
+              <a:t>9/8/20</a:t>
             </a:fld>
             <a:endParaRPr lang="en-US" dirty="0"/>
           </a:p>
@@ -9394,7 +9504,7 @@
           <a:p>
             <a:fld id="{01554C39-4607-164F-AA23-65A72270ACF7}" type="datetime1">
               <a:rPr lang="en-US" smtClean="0"/>
-              <a:t>9/7/20</a:t>
+              <a:t>9/8/20</a:t>
             </a:fld>
             <a:endParaRPr lang="en-US" dirty="0"/>
           </a:p>
@@ -9640,7 +9750,7 @@
           <a:p>
             <a:fld id="{01554C39-4607-164F-AA23-65A72270ACF7}" type="datetime1">
               <a:rPr lang="en-US" smtClean="0"/>
-              <a:t>9/7/20</a:t>
+              <a:t>9/8/20</a:t>
             </a:fld>
             <a:endParaRPr lang="en-US" dirty="0"/>
           </a:p>
@@ -9969,7 +10079,7 @@
           <a:p>
             <a:fld id="{01554C39-4607-164F-AA23-65A72270ACF7}" type="datetime1">
               <a:rPr lang="en-US" smtClean="0"/>
-              <a:t>9/7/20</a:t>
+              <a:t>9/8/20</a:t>
             </a:fld>
             <a:endParaRPr lang="en-US" dirty="0"/>
           </a:p>
@@ -10259,7 +10369,7 @@
           <a:p>
             <a:fld id="{01554C39-4607-164F-AA23-65A72270ACF7}" type="datetime1">
               <a:rPr lang="en-US" smtClean="0"/>
-              <a:t>9/7/20</a:t>
+              <a:t>9/8/20</a:t>
             </a:fld>
             <a:endParaRPr lang="en-US" dirty="0"/>
           </a:p>
@@ -10647,7 +10757,7 @@
           <a:p>
             <a:fld id="{D52D66B2-0E0A-F441-A1DA-8039F615D612}" type="datetime1">
               <a:rPr lang="en-US" smtClean="0"/>
-              <a:t>9/7/20</a:t>
+              <a:t>9/8/20</a:t>
             </a:fld>
             <a:endParaRPr lang="en-US" dirty="0"/>
           </a:p>
@@ -11653,7 +11763,7 @@
           <a:p>
             <a:fld id="{37E2C1DD-94AF-5B41-A54A-0C8426B7BC1A}" type="datetime1">
               <a:rPr lang="en-US" smtClean="0"/>
-              <a:t>9/7/20</a:t>
+              <a:t>9/8/20</a:t>
             </a:fld>
             <a:endParaRPr lang="en-US" dirty="0"/>
           </a:p>
@@ -11718,7 +11828,7 @@
         </p:nvSpPr>
         <p:spPr>
           <a:xfrm>
-            <a:off x="0" y="179473"/>
+            <a:off x="0" y="0"/>
             <a:ext cx="7286324" cy="746308"/>
           </a:xfrm>
         </p:spPr>
@@ -11732,6 +11842,255 @@
               <a:rPr lang="en-GB" dirty="0"/>
               <a:t>Introduction</a:t>
             </a:r>
+          </a:p>
+        </p:txBody>
+      </p:sp>
+      <p:sp>
+        <p:nvSpPr>
+          <p:cNvPr id="6" name="TextBox 5">
+            <a:extLst>
+              <a:ext uri="{FF2B5EF4-FFF2-40B4-BE49-F238E27FC236}">
+                <a16:creationId xmlns:a16="http://schemas.microsoft.com/office/drawing/2014/main" id="{1F2C0A64-6BAD-3A48-B94E-E4836B972186}"/>
+              </a:ext>
+            </a:extLst>
+          </p:cNvPr>
+          <p:cNvSpPr txBox="1"/>
+          <p:nvPr/>
+        </p:nvSpPr>
+        <p:spPr>
+          <a:xfrm>
+            <a:off x="122664" y="674400"/>
+            <a:ext cx="9623503" cy="5509200"/>
+          </a:xfrm>
+          <a:prstGeom prst="rect">
+            <a:avLst/>
+          </a:prstGeom>
+          <a:noFill/>
+        </p:spPr>
+        <p:txBody>
+          <a:bodyPr wrap="square" rtlCol="0">
+            <a:spAutoFit/>
+          </a:bodyPr>
+          <a:lstStyle/>
+          <a:p>
+            <a:pPr marL="285750" indent="-285750">
+              <a:buFont typeface="Arial" panose="020B0604020202020204" pitchFamily="34" charset="0"/>
+              <a:buChar char="•"/>
+            </a:pPr>
+            <a:r>
+              <a:rPr lang="en-GR" sz="1600" dirty="0"/>
+              <a:t>B tagging Scale Factors</a:t>
+            </a:r>
+          </a:p>
+          <a:p>
+            <a:pPr marL="742950" lvl="1" indent="-285750">
+              <a:buFont typeface="Arial" panose="020B0604020202020204" pitchFamily="34" charset="0"/>
+              <a:buChar char="•"/>
+            </a:pPr>
+            <a:r>
+              <a:rPr lang="en-GR" sz="1600" dirty="0"/>
+              <a:t>We had to apply the b-tagging sf’s on all years </a:t>
+            </a:r>
+          </a:p>
+          <a:p>
+            <a:pPr marL="742950" lvl="1" indent="-285750">
+              <a:buFont typeface="Arial" panose="020B0604020202020204" pitchFamily="34" charset="0"/>
+              <a:buChar char="•"/>
+            </a:pPr>
+            <a:r>
+              <a:rPr lang="en-GB" sz="1600" dirty="0"/>
+              <a:t>R</a:t>
+            </a:r>
+            <a:r>
+              <a:rPr lang="en-GR" sz="1600" dirty="0"/>
+              <a:t>e-do most of the work</a:t>
+            </a:r>
+          </a:p>
+          <a:p>
+            <a:pPr marL="742950" lvl="1" indent="-285750">
+              <a:buFont typeface="Arial" panose="020B0604020202020204" pitchFamily="34" charset="0"/>
+              <a:buChar char="•"/>
+            </a:pPr>
+            <a:r>
+              <a:rPr lang="en-GR" sz="1600" dirty="0"/>
+              <a:t>The outcome is promising</a:t>
+            </a:r>
+          </a:p>
+          <a:p>
+            <a:pPr marL="742950" lvl="1" indent="-285750">
+              <a:buFont typeface="Arial" panose="020B0604020202020204" pitchFamily="34" charset="0"/>
+              <a:buChar char="•"/>
+            </a:pPr>
+            <a:endParaRPr lang="en-GR" sz="1600" dirty="0"/>
+          </a:p>
+          <a:p>
+            <a:pPr marL="285750" indent="-285750">
+              <a:buFont typeface="Arial" panose="020B0604020202020204" pitchFamily="34" charset="0"/>
+              <a:buChar char="•"/>
+            </a:pPr>
+            <a:r>
+              <a:rPr lang="en-GR" sz="1600" dirty="0"/>
+              <a:t>Neural Network</a:t>
+            </a:r>
+          </a:p>
+          <a:p>
+            <a:pPr marL="742950" lvl="1" indent="-285750">
+              <a:buFont typeface="Arial" panose="020B0604020202020204" pitchFamily="34" charset="0"/>
+              <a:buChar char="•"/>
+            </a:pPr>
+            <a:r>
+              <a:rPr lang="en-GR" sz="1600" dirty="0"/>
+              <a:t>Giannis managed to run the NN successfully </a:t>
+            </a:r>
+          </a:p>
+          <a:p>
+            <a:pPr marL="742950" lvl="1" indent="-285750">
+              <a:buFont typeface="Arial" panose="020B0604020202020204" pitchFamily="34" charset="0"/>
+              <a:buChar char="•"/>
+            </a:pPr>
+            <a:r>
+              <a:rPr lang="en-GR" sz="1600" dirty="0"/>
+              <a:t>MLP, 2 hidden layers</a:t>
+            </a:r>
+            <a:r>
+              <a:rPr lang="en-GR" sz="1600" dirty="0">
+                <a:sym typeface="Wingdings" pitchFamily="2" charset="2"/>
+              </a:rPr>
+              <a:t> N+10, N-3</a:t>
+            </a:r>
+          </a:p>
+          <a:p>
+            <a:pPr marL="742950" lvl="1" indent="-285750">
+              <a:buFont typeface="Arial" panose="020B0604020202020204" pitchFamily="34" charset="0"/>
+              <a:buChar char="•"/>
+            </a:pPr>
+            <a:r>
+              <a:rPr lang="en-GR" sz="1600" dirty="0">
+                <a:sym typeface="Wingdings" pitchFamily="2" charset="2"/>
+              </a:rPr>
+              <a:t>Needs almost a month (!!) to run the NN for all years</a:t>
+            </a:r>
+          </a:p>
+          <a:p>
+            <a:pPr marL="742950" lvl="1" indent="-285750">
+              <a:buFont typeface="Arial" panose="020B0604020202020204" pitchFamily="34" charset="0"/>
+              <a:buChar char="•"/>
+            </a:pPr>
+            <a:r>
+              <a:rPr lang="en-GR" sz="1600" dirty="0">
+                <a:sym typeface="Wingdings" pitchFamily="2" charset="2"/>
+              </a:rPr>
+              <a:t>not enough computing power from lxplus</a:t>
+            </a:r>
+            <a:endParaRPr lang="en-GR" sz="1600" dirty="0"/>
+          </a:p>
+          <a:p>
+            <a:pPr marL="742950" lvl="1" indent="-285750">
+              <a:buFont typeface="Arial" panose="020B0604020202020204" pitchFamily="34" charset="0"/>
+              <a:buChar char="•"/>
+            </a:pPr>
+            <a:r>
+              <a:rPr lang="en-GR" sz="1600" dirty="0"/>
+              <a:t>Interesting result: Maybe we do not need to use it (more from giannis)</a:t>
+            </a:r>
+          </a:p>
+          <a:p>
+            <a:pPr marL="742950" lvl="1" indent="-285750">
+              <a:buFont typeface="Arial" panose="020B0604020202020204" pitchFamily="34" charset="0"/>
+              <a:buChar char="•"/>
+            </a:pPr>
+            <a:endParaRPr lang="en-GR" sz="1600" dirty="0"/>
+          </a:p>
+          <a:p>
+            <a:pPr marL="285750" indent="-285750">
+              <a:buFont typeface="Arial" panose="020B0604020202020204" pitchFamily="34" charset="0"/>
+              <a:buChar char="•"/>
+            </a:pPr>
+            <a:r>
+              <a:rPr lang="en-GR" sz="1600" dirty="0"/>
+              <a:t>Analysis Note:</a:t>
+            </a:r>
+          </a:p>
+          <a:p>
+            <a:pPr marL="742950" lvl="1" indent="-285750">
+              <a:buFont typeface="Arial" panose="020B0604020202020204" pitchFamily="34" charset="0"/>
+              <a:buChar char="•"/>
+            </a:pPr>
+            <a:r>
+              <a:rPr lang="en-GR" sz="1600" dirty="0"/>
+              <a:t>Started writing the AN (AN-20-156)</a:t>
+            </a:r>
+          </a:p>
+          <a:p>
+            <a:pPr marL="742950" lvl="1" indent="-285750">
+              <a:buFont typeface="Arial" panose="020B0604020202020204" pitchFamily="34" charset="0"/>
+              <a:buChar char="•"/>
+            </a:pPr>
+            <a:endParaRPr lang="en-GR" sz="1600" dirty="0"/>
+          </a:p>
+          <a:p>
+            <a:pPr marL="285750" indent="-285750">
+              <a:buFont typeface="Arial" panose="020B0604020202020204" pitchFamily="34" charset="0"/>
+              <a:buChar char="•"/>
+            </a:pPr>
+            <a:r>
+              <a:rPr lang="en-GR" sz="1600" dirty="0"/>
+              <a:t>Systematics:</a:t>
+            </a:r>
+          </a:p>
+          <a:p>
+            <a:pPr marL="742950" lvl="1" indent="-285750">
+              <a:buFont typeface="Arial" panose="020B0604020202020204" pitchFamily="34" charset="0"/>
+              <a:buChar char="•"/>
+            </a:pPr>
+            <a:r>
+              <a:rPr lang="en-GR" sz="1600" dirty="0"/>
+              <a:t>Giannis has already put a production for variations of our nominal MC files</a:t>
+            </a:r>
+          </a:p>
+          <a:p>
+            <a:pPr marL="742950" lvl="1" indent="-285750">
+              <a:buFont typeface="Arial" panose="020B0604020202020204" pitchFamily="34" charset="0"/>
+              <a:buChar char="•"/>
+            </a:pPr>
+            <a:r>
+              <a:rPr lang="en-GR" sz="1600" dirty="0"/>
+              <a:t>2017 and 2018 files: PS (parton Shower) weights are within the nominal files</a:t>
+            </a:r>
+          </a:p>
+          <a:p>
+            <a:pPr marL="1200150" lvl="2" indent="-285750">
+              <a:buFont typeface="Arial" panose="020B0604020202020204" pitchFamily="34" charset="0"/>
+              <a:buChar char="•"/>
+            </a:pPr>
+            <a:r>
+              <a:rPr lang="en-GR" sz="1600" dirty="0"/>
+              <a:t>New production because we did not save these weights</a:t>
+            </a:r>
+          </a:p>
+          <a:p>
+            <a:pPr marL="285750" indent="-285750">
+              <a:buFont typeface="Arial" panose="020B0604020202020204" pitchFamily="34" charset="0"/>
+              <a:buChar char="•"/>
+            </a:pPr>
+            <a:endParaRPr lang="en-GR" sz="1600" dirty="0"/>
+          </a:p>
+          <a:p>
+            <a:pPr marL="285750" indent="-285750">
+              <a:buFont typeface="Arial" panose="020B0604020202020204" pitchFamily="34" charset="0"/>
+              <a:buChar char="•"/>
+            </a:pPr>
+            <a:r>
+              <a:rPr lang="en-GR" sz="1600" dirty="0"/>
+              <a:t>ttX presentation on 16th of September</a:t>
+            </a:r>
+          </a:p>
+          <a:p>
+            <a:pPr marL="285750" indent="-285750">
+              <a:buFont typeface="Arial" panose="020B0604020202020204" pitchFamily="34" charset="0"/>
+              <a:buChar char="•"/>
+            </a:pPr>
+            <a:endParaRPr lang="en-GR" sz="1600" dirty="0"/>
           </a:p>
         </p:txBody>
       </p:sp>
@@ -11875,7 +12234,7 @@
           <a:p>
             <a:fld id="{18FD8BA5-77B4-654F-B2FF-4855A5BA42B8}" type="datetime1">
               <a:rPr lang="en-US" smtClean="0"/>
-              <a:t>9/7/20</a:t>
+              <a:t>9/8/20</a:t>
             </a:fld>
             <a:endParaRPr lang="en-US" dirty="0"/>
           </a:p>
@@ -12460,7 +12819,7 @@
           <a:p>
             <a:fld id="{3DBB7BD0-9B8D-1F47-8ABF-BE3CF9BD2848}" type="datetime1">
               <a:rPr lang="en-US" smtClean="0"/>
-              <a:t>9/7/20</a:t>
+              <a:t>9/8/20</a:t>
             </a:fld>
             <a:endParaRPr lang="en-US" dirty="0"/>
           </a:p>
@@ -13067,7 +13426,7 @@
           <a:p>
             <a:fld id="{3DBB7BD0-9B8D-1F47-8ABF-BE3CF9BD2848}" type="datetime1">
               <a:rPr lang="en-US" smtClean="0"/>
-              <a:t>9/7/20</a:t>
+              <a:t>9/8/20</a:t>
             </a:fld>
             <a:endParaRPr lang="en-US" dirty="0"/>
           </a:p>
@@ -13407,7 +13766,7 @@
           <a:p>
             <a:fld id="{3DBB7BD0-9B8D-1F47-8ABF-BE3CF9BD2848}" type="datetime1">
               <a:rPr lang="en-US" smtClean="0"/>
-              <a:t>9/7/20</a:t>
+              <a:t>9/8/20</a:t>
             </a:fld>
             <a:endParaRPr lang="en-US" dirty="0"/>
           </a:p>
@@ -13485,10 +13844,10 @@
       </p:sp>
       <p:pic>
         <p:nvPicPr>
-          <p:cNvPr id="14" name="Picture 13">
+          <p:cNvPr id="16" name="Picture 15">
             <a:extLst>
               <a:ext uri="{FF2B5EF4-FFF2-40B4-BE49-F238E27FC236}">
-                <a16:creationId xmlns:a16="http://schemas.microsoft.com/office/drawing/2014/main" id="{70D1D2CE-30DA-B844-94F2-1CB98D3323B5}"/>
+                <a16:creationId xmlns:a16="http://schemas.microsoft.com/office/drawing/2014/main" id="{1A09988E-AECF-F349-A1E1-10249911EBD4}"/>
               </a:ext>
             </a:extLst>
           </p:cNvPr>
@@ -13505,7 +13864,7 @@
         </p:blipFill>
         <p:spPr>
           <a:xfrm rot="5400000">
-            <a:off x="832739" y="672394"/>
+            <a:off x="6755114" y="672394"/>
             <a:ext cx="4311269" cy="5976747"/>
           </a:xfrm>
           <a:prstGeom prst="rect">
@@ -13515,10 +13874,10 @@
       </p:pic>
       <p:pic>
         <p:nvPicPr>
-          <p:cNvPr id="16" name="Picture 15">
+          <p:cNvPr id="4" name="Picture 3">
             <a:extLst>
               <a:ext uri="{FF2B5EF4-FFF2-40B4-BE49-F238E27FC236}">
-                <a16:creationId xmlns:a16="http://schemas.microsoft.com/office/drawing/2014/main" id="{1A09988E-AECF-F349-A1E1-10249911EBD4}"/>
+                <a16:creationId xmlns:a16="http://schemas.microsoft.com/office/drawing/2014/main" id="{AC5DFB3B-F6BD-6747-BCCE-8FCC0184DA47}"/>
               </a:ext>
             </a:extLst>
           </p:cNvPr>
@@ -13535,7 +13894,7 @@
         </p:blipFill>
         <p:spPr>
           <a:xfrm rot="5400000">
-            <a:off x="6755114" y="672394"/>
+            <a:off x="951992" y="519674"/>
             <a:ext cx="4311269" cy="5976747"/>
           </a:xfrm>
           <a:prstGeom prst="rect">
@@ -13630,10 +13989,10 @@
             <a:r>
               <a:rPr lang="en-US" sz="2800" u="sng" dirty="0">
                 <a:solidFill>
-                  <a:srgbClr val="FF0000"/>
+                  <a:srgbClr val="00B0F0"/>
                 </a:solidFill>
               </a:rPr>
-              <a:t>2017</a:t>
+              <a:t>2016</a:t>
             </a:r>
           </a:p>
         </p:txBody>
@@ -13691,7 +14050,7 @@
           <a:p>
             <a:fld id="{3DBB7BD0-9B8D-1F47-8ABF-BE3CF9BD2848}" type="datetime1">
               <a:rPr lang="en-US" smtClean="0"/>
-              <a:t>9/7/20</a:t>
+              <a:t>9/8/20</a:t>
             </a:fld>
             <a:endParaRPr lang="en-US" dirty="0"/>
           </a:p>
@@ -13699,10 +14058,10 @@
       </p:sp>
       <p:sp>
         <p:nvSpPr>
-          <p:cNvPr id="6" name="Rectangle 5">
+          <p:cNvPr id="10" name="Rectangle 9">
             <a:extLst>
               <a:ext uri="{FF2B5EF4-FFF2-40B4-BE49-F238E27FC236}">
-                <a16:creationId xmlns:a16="http://schemas.microsoft.com/office/drawing/2014/main" id="{5AB3FE67-AA01-F347-9076-DFDDE3AF33FF}"/>
+                <a16:creationId xmlns:a16="http://schemas.microsoft.com/office/drawing/2014/main" id="{A1334FD7-6EF5-CD44-B073-2C85FC74BD62}"/>
               </a:ext>
             </a:extLst>
           </p:cNvPr>
@@ -13734,10 +14093,10 @@
       </p:sp>
       <p:sp>
         <p:nvSpPr>
-          <p:cNvPr id="8" name="Rectangle 7">
+          <p:cNvPr id="11" name="Rectangle 10">
             <a:extLst>
               <a:ext uri="{FF2B5EF4-FFF2-40B4-BE49-F238E27FC236}">
-                <a16:creationId xmlns:a16="http://schemas.microsoft.com/office/drawing/2014/main" id="{2F505FA0-B1C0-D44E-84C5-FFB2B413843D}"/>
+                <a16:creationId xmlns:a16="http://schemas.microsoft.com/office/drawing/2014/main" id="{0A4D987A-2F55-CC41-8B67-11ACEC81DE99}"/>
               </a:ext>
             </a:extLst>
           </p:cNvPr>
@@ -13769,10 +14128,10 @@
       </p:sp>
       <p:pic>
         <p:nvPicPr>
-          <p:cNvPr id="12" name="Picture 11">
+          <p:cNvPr id="18" name="Picture 17">
             <a:extLst>
               <a:ext uri="{FF2B5EF4-FFF2-40B4-BE49-F238E27FC236}">
-                <a16:creationId xmlns:a16="http://schemas.microsoft.com/office/drawing/2014/main" id="{6C6BBEA2-414A-DA46-9F1E-6AD5599C27AC}"/>
+                <a16:creationId xmlns:a16="http://schemas.microsoft.com/office/drawing/2014/main" id="{E981C6E8-BA98-DC49-9D57-56206FAA4C5E}"/>
               </a:ext>
             </a:extLst>
           </p:cNvPr>
@@ -13789,7 +14148,7 @@
         </p:blipFill>
         <p:spPr>
           <a:xfrm rot="5400000">
-            <a:off x="951992" y="440626"/>
+            <a:off x="6928739" y="440626"/>
             <a:ext cx="4311269" cy="5976747"/>
           </a:xfrm>
           <a:prstGeom prst="rect">
@@ -13799,10 +14158,10 @@
       </p:pic>
       <p:pic>
         <p:nvPicPr>
-          <p:cNvPr id="16" name="Picture 15">
+          <p:cNvPr id="20" name="Picture 19">
             <a:extLst>
               <a:ext uri="{FF2B5EF4-FFF2-40B4-BE49-F238E27FC236}">
-                <a16:creationId xmlns:a16="http://schemas.microsoft.com/office/drawing/2014/main" id="{86EC36D8-16DC-6F4D-B75A-4F76C32F5998}"/>
+                <a16:creationId xmlns:a16="http://schemas.microsoft.com/office/drawing/2014/main" id="{99BC40FC-1EDA-E54C-A42A-822BD0A75E51}"/>
               </a:ext>
             </a:extLst>
           </p:cNvPr>
@@ -13819,7 +14178,7 @@
         </p:blipFill>
         <p:spPr>
           <a:xfrm rot="5400000">
-            <a:off x="6928739" y="429656"/>
+            <a:off x="1120965" y="440625"/>
             <a:ext cx="4311269" cy="5976747"/>
           </a:xfrm>
           <a:prstGeom prst="rect">
@@ -13830,7 +14189,7 @@
     </p:spTree>
     <p:extLst>
       <p:ext uri="{BB962C8B-B14F-4D97-AF65-F5344CB8AC3E}">
-        <p14:creationId xmlns:p14="http://schemas.microsoft.com/office/powerpoint/2010/main" val="2388977479"/>
+        <p14:creationId xmlns:p14="http://schemas.microsoft.com/office/powerpoint/2010/main" val="3190397916"/>
       </p:ext>
     </p:extLst>
   </p:cSld>
@@ -13914,10 +14273,10 @@
             <a:r>
               <a:rPr lang="en-US" sz="2800" u="sng" dirty="0">
                 <a:solidFill>
-                  <a:srgbClr val="00B050"/>
+                  <a:srgbClr val="FF0000"/>
                 </a:solidFill>
               </a:rPr>
-              <a:t>2018</a:t>
+              <a:t>2017</a:t>
             </a:r>
           </a:p>
         </p:txBody>
@@ -13975,7 +14334,7 @@
           <a:p>
             <a:fld id="{3DBB7BD0-9B8D-1F47-8ABF-BE3CF9BD2848}" type="datetime1">
               <a:rPr lang="en-US" smtClean="0"/>
-              <a:t>9/7/20</a:t>
+              <a:t>9/8/20</a:t>
             </a:fld>
             <a:endParaRPr lang="en-US" dirty="0"/>
           </a:p>
@@ -13986,7 +14345,7 @@
           <p:cNvPr id="6" name="Rectangle 5">
             <a:extLst>
               <a:ext uri="{FF2B5EF4-FFF2-40B4-BE49-F238E27FC236}">
-                <a16:creationId xmlns:a16="http://schemas.microsoft.com/office/drawing/2014/main" id="{1D3A9800-C923-F943-ACA5-B4B9B9A1D73D}"/>
+                <a16:creationId xmlns:a16="http://schemas.microsoft.com/office/drawing/2014/main" id="{5AB3FE67-AA01-F347-9076-DFDDE3AF33FF}"/>
               </a:ext>
             </a:extLst>
           </p:cNvPr>
@@ -14021,7 +14380,7 @@
           <p:cNvPr id="8" name="Rectangle 7">
             <a:extLst>
               <a:ext uri="{FF2B5EF4-FFF2-40B4-BE49-F238E27FC236}">
-                <a16:creationId xmlns:a16="http://schemas.microsoft.com/office/drawing/2014/main" id="{FE0D63A0-1633-E841-944F-B91BFC6F0FEB}"/>
+                <a16:creationId xmlns:a16="http://schemas.microsoft.com/office/drawing/2014/main" id="{2F505FA0-B1C0-D44E-84C5-FFB2B413843D}"/>
               </a:ext>
             </a:extLst>
           </p:cNvPr>
@@ -14053,10 +14412,10 @@
       </p:sp>
       <p:pic>
         <p:nvPicPr>
-          <p:cNvPr id="12" name="Picture 11">
+          <p:cNvPr id="16" name="Picture 15">
             <a:extLst>
               <a:ext uri="{FF2B5EF4-FFF2-40B4-BE49-F238E27FC236}">
-                <a16:creationId xmlns:a16="http://schemas.microsoft.com/office/drawing/2014/main" id="{728BD80A-D106-FF49-B462-2FB4935555AB}"/>
+                <a16:creationId xmlns:a16="http://schemas.microsoft.com/office/drawing/2014/main" id="{86EC36D8-16DC-6F4D-B75A-4F76C32F5998}"/>
               </a:ext>
             </a:extLst>
           </p:cNvPr>
@@ -14073,7 +14432,7 @@
         </p:blipFill>
         <p:spPr>
           <a:xfrm rot="5400000">
-            <a:off x="927312" y="440626"/>
+            <a:off x="6928739" y="429656"/>
             <a:ext cx="4311269" cy="5976747"/>
           </a:xfrm>
           <a:prstGeom prst="rect">
@@ -14083,10 +14442,10 @@
       </p:pic>
       <p:pic>
         <p:nvPicPr>
-          <p:cNvPr id="16" name="Picture 15">
+          <p:cNvPr id="4" name="Picture 3">
             <a:extLst>
               <a:ext uri="{FF2B5EF4-FFF2-40B4-BE49-F238E27FC236}">
-                <a16:creationId xmlns:a16="http://schemas.microsoft.com/office/drawing/2014/main" id="{943DECBC-0963-F941-B274-FC163F24EF10}"/>
+                <a16:creationId xmlns:a16="http://schemas.microsoft.com/office/drawing/2014/main" id="{CE6694ED-2E18-F04C-B566-D6D3CE547FB1}"/>
               </a:ext>
             </a:extLst>
           </p:cNvPr>
@@ -14103,7 +14462,7 @@
         </p:blipFill>
         <p:spPr>
           <a:xfrm rot="5400000">
-            <a:off x="6928739" y="440626"/>
+            <a:off x="957756" y="429655"/>
             <a:ext cx="4311269" cy="5976747"/>
           </a:xfrm>
           <a:prstGeom prst="rect">
@@ -14114,7 +14473,7 @@
     </p:spTree>
     <p:extLst>
       <p:ext uri="{BB962C8B-B14F-4D97-AF65-F5344CB8AC3E}">
-        <p14:creationId xmlns:p14="http://schemas.microsoft.com/office/powerpoint/2010/main" val="2010860954"/>
+        <p14:creationId xmlns:p14="http://schemas.microsoft.com/office/powerpoint/2010/main" val="2388977479"/>
       </p:ext>
     </p:extLst>
   </p:cSld>
@@ -14193,13 +14552,16 @@
             <a:pPr algn="ctr"/>
             <a:r>
               <a:rPr lang="en-US" sz="2800" u="sng" dirty="0"/>
-              <a:t>Tag And Probe</a:t>
-            </a:r>
-            <a:endParaRPr lang="en-US" sz="2800" u="sng" dirty="0">
-              <a:solidFill>
-                <a:srgbClr val="00B050"/>
-              </a:solidFill>
-            </a:endParaRPr>
+              <a:t>Signal Extraction </a:t>
+            </a:r>
+            <a:r>
+              <a:rPr lang="en-US" sz="2800" u="sng" dirty="0">
+                <a:solidFill>
+                  <a:srgbClr val="FF0000"/>
+                </a:solidFill>
+              </a:rPr>
+              <a:t>2017</a:t>
+            </a:r>
           </a:p>
         </p:txBody>
       </p:sp>
@@ -14256,7 +14618,856 @@
           <a:p>
             <a:fld id="{3DBB7BD0-9B8D-1F47-8ABF-BE3CF9BD2848}" type="datetime1">
               <a:rPr lang="en-US" smtClean="0"/>
-              <a:t>9/7/20</a:t>
+              <a:t>9/8/20</a:t>
+            </a:fld>
+            <a:endParaRPr lang="en-US" dirty="0"/>
+          </a:p>
+        </p:txBody>
+      </p:sp>
+      <p:sp>
+        <p:nvSpPr>
+          <p:cNvPr id="6" name="Rectangle 5">
+            <a:extLst>
+              <a:ext uri="{FF2B5EF4-FFF2-40B4-BE49-F238E27FC236}">
+                <a16:creationId xmlns:a16="http://schemas.microsoft.com/office/drawing/2014/main" id="{5AB3FE67-AA01-F347-9076-DFDDE3AF33FF}"/>
+              </a:ext>
+            </a:extLst>
+          </p:cNvPr>
+          <p:cNvSpPr/>
+          <p:nvPr/>
+        </p:nvSpPr>
+        <p:spPr>
+          <a:xfrm>
+            <a:off x="7939701" y="638586"/>
+            <a:ext cx="2289346" cy="369332"/>
+          </a:xfrm>
+          <a:prstGeom prst="rect">
+            <a:avLst/>
+          </a:prstGeom>
+        </p:spPr>
+        <p:txBody>
+          <a:bodyPr wrap="none">
+            <a:spAutoFit/>
+          </a:bodyPr>
+          <a:lstStyle/>
+          <a:p>
+            <a:pPr algn="ctr"/>
+            <a:r>
+              <a:rPr lang="en-US" u="sng" dirty="0"/>
+              <a:t>without b tagging SF’s </a:t>
+            </a:r>
+          </a:p>
+        </p:txBody>
+      </p:sp>
+      <p:sp>
+        <p:nvSpPr>
+          <p:cNvPr id="8" name="Rectangle 7">
+            <a:extLst>
+              <a:ext uri="{FF2B5EF4-FFF2-40B4-BE49-F238E27FC236}">
+                <a16:creationId xmlns:a16="http://schemas.microsoft.com/office/drawing/2014/main" id="{2F505FA0-B1C0-D44E-84C5-FFB2B413843D}"/>
+              </a:ext>
+            </a:extLst>
+          </p:cNvPr>
+          <p:cNvSpPr/>
+          <p:nvPr/>
+        </p:nvSpPr>
+        <p:spPr>
+          <a:xfrm>
+            <a:off x="2333415" y="638586"/>
+            <a:ext cx="1499065" cy="369332"/>
+          </a:xfrm>
+          <a:prstGeom prst="rect">
+            <a:avLst/>
+          </a:prstGeom>
+        </p:spPr>
+        <p:txBody>
+          <a:bodyPr wrap="none">
+            <a:spAutoFit/>
+          </a:bodyPr>
+          <a:lstStyle/>
+          <a:p>
+            <a:pPr algn="ctr"/>
+            <a:r>
+              <a:rPr lang="en-US" u="sng" dirty="0"/>
+              <a:t>b tagging SF’s </a:t>
+            </a:r>
+          </a:p>
+        </p:txBody>
+      </p:sp>
+      <p:pic>
+        <p:nvPicPr>
+          <p:cNvPr id="15" name="Picture 14">
+            <a:extLst>
+              <a:ext uri="{FF2B5EF4-FFF2-40B4-BE49-F238E27FC236}">
+                <a16:creationId xmlns:a16="http://schemas.microsoft.com/office/drawing/2014/main" id="{A9FC9636-4673-974F-86EC-07EC8D5FB5FB}"/>
+              </a:ext>
+            </a:extLst>
+          </p:cNvPr>
+          <p:cNvPicPr>
+            <a:picLocks noChangeAspect="1"/>
+          </p:cNvPicPr>
+          <p:nvPr/>
+        </p:nvPicPr>
+        <p:blipFill>
+          <a:blip r:embed="rId2"/>
+          <a:stretch>
+            <a:fillRect/>
+          </a:stretch>
+        </p:blipFill>
+        <p:spPr>
+          <a:xfrm rot="5400000">
+            <a:off x="6904059" y="440626"/>
+            <a:ext cx="4311269" cy="5976747"/>
+          </a:xfrm>
+          <a:prstGeom prst="rect">
+            <a:avLst/>
+          </a:prstGeom>
+        </p:spPr>
+      </p:pic>
+      <p:pic>
+        <p:nvPicPr>
+          <p:cNvPr id="19" name="Picture 18">
+            <a:extLst>
+              <a:ext uri="{FF2B5EF4-FFF2-40B4-BE49-F238E27FC236}">
+                <a16:creationId xmlns:a16="http://schemas.microsoft.com/office/drawing/2014/main" id="{D23B0793-3125-A24B-9693-DC01336E6E65}"/>
+              </a:ext>
+            </a:extLst>
+          </p:cNvPr>
+          <p:cNvPicPr>
+            <a:picLocks noChangeAspect="1"/>
+          </p:cNvPicPr>
+          <p:nvPr/>
+        </p:nvPicPr>
+        <p:blipFill>
+          <a:blip r:embed="rId3"/>
+          <a:stretch>
+            <a:fillRect/>
+          </a:stretch>
+        </p:blipFill>
+        <p:spPr>
+          <a:xfrm rot="5400000">
+            <a:off x="927312" y="440625"/>
+            <a:ext cx="4311269" cy="5976747"/>
+          </a:xfrm>
+          <a:prstGeom prst="rect">
+            <a:avLst/>
+          </a:prstGeom>
+        </p:spPr>
+      </p:pic>
+    </p:spTree>
+    <p:extLst>
+      <p:ext uri="{BB962C8B-B14F-4D97-AF65-F5344CB8AC3E}">
+        <p14:creationId xmlns:p14="http://schemas.microsoft.com/office/powerpoint/2010/main" val="3087177974"/>
+      </p:ext>
+    </p:extLst>
+  </p:cSld>
+  <p:clrMapOvr>
+    <a:masterClrMapping/>
+  </p:clrMapOvr>
+</p:sld>
+</file>
+
+<file path=ppt/slides/slide27.xml><?xml version="1.0" encoding="utf-8"?>
+<p:sld xmlns:a="http://schemas.openxmlformats.org/drawingml/2006/main" xmlns:r="http://schemas.openxmlformats.org/officeDocument/2006/relationships" xmlns:p="http://schemas.openxmlformats.org/presentationml/2006/main">
+  <p:cSld>
+    <p:spTree>
+      <p:nvGrpSpPr>
+        <p:cNvPr id="1" name=""/>
+        <p:cNvGrpSpPr/>
+        <p:nvPr/>
+      </p:nvGrpSpPr>
+      <p:grpSpPr>
+        <a:xfrm>
+          <a:off x="0" y="0"/>
+          <a:ext cx="0" cy="0"/>
+          <a:chOff x="0" y="0"/>
+          <a:chExt cx="0" cy="0"/>
+        </a:xfrm>
+      </p:grpSpPr>
+      <p:sp>
+        <p:nvSpPr>
+          <p:cNvPr id="3" name="Footer Placeholder 2"/>
+          <p:cNvSpPr>
+            <a:spLocks noGrp="1"/>
+          </p:cNvSpPr>
+          <p:nvPr>
+            <p:ph type="ftr" sz="quarter" idx="11"/>
+          </p:nvPr>
+        </p:nvSpPr>
+        <p:spPr/>
+        <p:txBody>
+          <a:bodyPr/>
+          <a:lstStyle/>
+          <a:p>
+            <a:r>
+              <a:rPr lang="fi-FI" dirty="0"/>
+              <a:t>NTUA G. </a:t>
+            </a:r>
+            <a:r>
+              <a:rPr lang="fi-FI" dirty="0" err="1"/>
+              <a:t>Bakas</a:t>
+            </a:r>
+            <a:endParaRPr lang="en-US" dirty="0"/>
+          </a:p>
+        </p:txBody>
+      </p:sp>
+      <p:sp>
+        <p:nvSpPr>
+          <p:cNvPr id="7" name="TextBox 6"/>
+          <p:cNvSpPr txBox="1"/>
+          <p:nvPr/>
+        </p:nvSpPr>
+        <p:spPr>
+          <a:xfrm>
+            <a:off x="3276600" y="33090"/>
+            <a:ext cx="5638800" cy="523220"/>
+          </a:xfrm>
+          <a:prstGeom prst="rect">
+            <a:avLst/>
+          </a:prstGeom>
+          <a:noFill/>
+        </p:spPr>
+        <p:txBody>
+          <a:bodyPr wrap="square" rtlCol="0">
+            <a:spAutoFit/>
+          </a:bodyPr>
+          <a:lstStyle/>
+          <a:p>
+            <a:pPr algn="ctr"/>
+            <a:r>
+              <a:rPr lang="en-US" sz="2800" u="sng" dirty="0"/>
+              <a:t>Signal Extraction </a:t>
+            </a:r>
+            <a:r>
+              <a:rPr lang="en-US" sz="2800" u="sng" dirty="0">
+                <a:solidFill>
+                  <a:srgbClr val="00B050"/>
+                </a:solidFill>
+              </a:rPr>
+              <a:t>2018</a:t>
+            </a:r>
+          </a:p>
+        </p:txBody>
+      </p:sp>
+      <p:sp>
+        <p:nvSpPr>
+          <p:cNvPr id="5" name="Slide Number Placeholder 4">
+            <a:extLst>
+              <a:ext uri="{FF2B5EF4-FFF2-40B4-BE49-F238E27FC236}">
+                <a16:creationId xmlns:a16="http://schemas.microsoft.com/office/drawing/2014/main" id="{69A96869-DB60-5345-ACD9-F1C41035B064}"/>
+              </a:ext>
+            </a:extLst>
+          </p:cNvPr>
+          <p:cNvSpPr>
+            <a:spLocks noGrp="1"/>
+          </p:cNvSpPr>
+          <p:nvPr>
+            <p:ph type="sldNum" sz="quarter" idx="12"/>
+          </p:nvPr>
+        </p:nvSpPr>
+        <p:spPr/>
+        <p:txBody>
+          <a:bodyPr/>
+          <a:lstStyle/>
+          <a:p>
+            <a:fld id="{4FAB73BC-B049-4115-A692-8D63A059BFB8}" type="slidenum">
+              <a:rPr lang="en-US" smtClean="0"/>
+              <a:pPr/>
+              <a:t>27</a:t>
+            </a:fld>
+            <a:endParaRPr lang="en-US" dirty="0"/>
+          </a:p>
+        </p:txBody>
+      </p:sp>
+      <p:sp>
+        <p:nvSpPr>
+          <p:cNvPr id="24" name="Date Placeholder 23">
+            <a:extLst>
+              <a:ext uri="{FF2B5EF4-FFF2-40B4-BE49-F238E27FC236}">
+                <a16:creationId xmlns:a16="http://schemas.microsoft.com/office/drawing/2014/main" id="{056D71EF-2E89-4043-8F92-90A4D46A3E69}"/>
+              </a:ext>
+            </a:extLst>
+          </p:cNvPr>
+          <p:cNvSpPr>
+            <a:spLocks noGrp="1"/>
+          </p:cNvSpPr>
+          <p:nvPr>
+            <p:ph type="dt" sz="half" idx="10"/>
+          </p:nvPr>
+        </p:nvSpPr>
+        <p:spPr/>
+        <p:txBody>
+          <a:bodyPr/>
+          <a:lstStyle/>
+          <a:p>
+            <a:fld id="{3DBB7BD0-9B8D-1F47-8ABF-BE3CF9BD2848}" type="datetime1">
+              <a:rPr lang="en-US" smtClean="0"/>
+              <a:t>9/8/20</a:t>
+            </a:fld>
+            <a:endParaRPr lang="en-US" dirty="0"/>
+          </a:p>
+        </p:txBody>
+      </p:sp>
+      <p:sp>
+        <p:nvSpPr>
+          <p:cNvPr id="6" name="Rectangle 5">
+            <a:extLst>
+              <a:ext uri="{FF2B5EF4-FFF2-40B4-BE49-F238E27FC236}">
+                <a16:creationId xmlns:a16="http://schemas.microsoft.com/office/drawing/2014/main" id="{1D3A9800-C923-F943-ACA5-B4B9B9A1D73D}"/>
+              </a:ext>
+            </a:extLst>
+          </p:cNvPr>
+          <p:cNvSpPr/>
+          <p:nvPr/>
+        </p:nvSpPr>
+        <p:spPr>
+          <a:xfrm>
+            <a:off x="7939701" y="638586"/>
+            <a:ext cx="2289346" cy="369332"/>
+          </a:xfrm>
+          <a:prstGeom prst="rect">
+            <a:avLst/>
+          </a:prstGeom>
+        </p:spPr>
+        <p:txBody>
+          <a:bodyPr wrap="none">
+            <a:spAutoFit/>
+          </a:bodyPr>
+          <a:lstStyle/>
+          <a:p>
+            <a:pPr algn="ctr"/>
+            <a:r>
+              <a:rPr lang="en-US" u="sng" dirty="0"/>
+              <a:t>without b tagging SF’s </a:t>
+            </a:r>
+          </a:p>
+        </p:txBody>
+      </p:sp>
+      <p:sp>
+        <p:nvSpPr>
+          <p:cNvPr id="8" name="Rectangle 7">
+            <a:extLst>
+              <a:ext uri="{FF2B5EF4-FFF2-40B4-BE49-F238E27FC236}">
+                <a16:creationId xmlns:a16="http://schemas.microsoft.com/office/drawing/2014/main" id="{FE0D63A0-1633-E841-944F-B91BFC6F0FEB}"/>
+              </a:ext>
+            </a:extLst>
+          </p:cNvPr>
+          <p:cNvSpPr/>
+          <p:nvPr/>
+        </p:nvSpPr>
+        <p:spPr>
+          <a:xfrm>
+            <a:off x="2333415" y="638586"/>
+            <a:ext cx="1499065" cy="369332"/>
+          </a:xfrm>
+          <a:prstGeom prst="rect">
+            <a:avLst/>
+          </a:prstGeom>
+        </p:spPr>
+        <p:txBody>
+          <a:bodyPr wrap="none">
+            <a:spAutoFit/>
+          </a:bodyPr>
+          <a:lstStyle/>
+          <a:p>
+            <a:pPr algn="ctr"/>
+            <a:r>
+              <a:rPr lang="en-US" u="sng" dirty="0"/>
+              <a:t>b tagging SF’s </a:t>
+            </a:r>
+          </a:p>
+        </p:txBody>
+      </p:sp>
+      <p:pic>
+        <p:nvPicPr>
+          <p:cNvPr id="16" name="Picture 15">
+            <a:extLst>
+              <a:ext uri="{FF2B5EF4-FFF2-40B4-BE49-F238E27FC236}">
+                <a16:creationId xmlns:a16="http://schemas.microsoft.com/office/drawing/2014/main" id="{943DECBC-0963-F941-B274-FC163F24EF10}"/>
+              </a:ext>
+            </a:extLst>
+          </p:cNvPr>
+          <p:cNvPicPr>
+            <a:picLocks noChangeAspect="1"/>
+          </p:cNvPicPr>
+          <p:nvPr/>
+        </p:nvPicPr>
+        <p:blipFill>
+          <a:blip r:embed="rId2"/>
+          <a:stretch>
+            <a:fillRect/>
+          </a:stretch>
+        </p:blipFill>
+        <p:spPr>
+          <a:xfrm rot="5400000">
+            <a:off x="6928739" y="440626"/>
+            <a:ext cx="4311269" cy="5976747"/>
+          </a:xfrm>
+          <a:prstGeom prst="rect">
+            <a:avLst/>
+          </a:prstGeom>
+        </p:spPr>
+      </p:pic>
+      <p:pic>
+        <p:nvPicPr>
+          <p:cNvPr id="4" name="Picture 3">
+            <a:extLst>
+              <a:ext uri="{FF2B5EF4-FFF2-40B4-BE49-F238E27FC236}">
+                <a16:creationId xmlns:a16="http://schemas.microsoft.com/office/drawing/2014/main" id="{0C80D813-0C04-E445-A3B0-0FB8AECD3A53}"/>
+              </a:ext>
+            </a:extLst>
+          </p:cNvPr>
+          <p:cNvPicPr>
+            <a:picLocks noChangeAspect="1"/>
+          </p:cNvPicPr>
+          <p:nvPr/>
+        </p:nvPicPr>
+        <p:blipFill>
+          <a:blip r:embed="rId3"/>
+          <a:stretch>
+            <a:fillRect/>
+          </a:stretch>
+        </p:blipFill>
+        <p:spPr>
+          <a:xfrm rot="5400000">
+            <a:off x="951992" y="440625"/>
+            <a:ext cx="4311269" cy="5976747"/>
+          </a:xfrm>
+          <a:prstGeom prst="rect">
+            <a:avLst/>
+          </a:prstGeom>
+        </p:spPr>
+      </p:pic>
+    </p:spTree>
+    <p:extLst>
+      <p:ext uri="{BB962C8B-B14F-4D97-AF65-F5344CB8AC3E}">
+        <p14:creationId xmlns:p14="http://schemas.microsoft.com/office/powerpoint/2010/main" val="2010860954"/>
+      </p:ext>
+    </p:extLst>
+  </p:cSld>
+  <p:clrMapOvr>
+    <a:masterClrMapping/>
+  </p:clrMapOvr>
+</p:sld>
+</file>
+
+<file path=ppt/slides/slide28.xml><?xml version="1.0" encoding="utf-8"?>
+<p:sld xmlns:a="http://schemas.openxmlformats.org/drawingml/2006/main" xmlns:r="http://schemas.openxmlformats.org/officeDocument/2006/relationships" xmlns:p="http://schemas.openxmlformats.org/presentationml/2006/main">
+  <p:cSld>
+    <p:spTree>
+      <p:nvGrpSpPr>
+        <p:cNvPr id="1" name=""/>
+        <p:cNvGrpSpPr/>
+        <p:nvPr/>
+      </p:nvGrpSpPr>
+      <p:grpSpPr>
+        <a:xfrm>
+          <a:off x="0" y="0"/>
+          <a:ext cx="0" cy="0"/>
+          <a:chOff x="0" y="0"/>
+          <a:chExt cx="0" cy="0"/>
+        </a:xfrm>
+      </p:grpSpPr>
+      <p:sp>
+        <p:nvSpPr>
+          <p:cNvPr id="3" name="Footer Placeholder 2"/>
+          <p:cNvSpPr>
+            <a:spLocks noGrp="1"/>
+          </p:cNvSpPr>
+          <p:nvPr>
+            <p:ph type="ftr" sz="quarter" idx="11"/>
+          </p:nvPr>
+        </p:nvSpPr>
+        <p:spPr/>
+        <p:txBody>
+          <a:bodyPr/>
+          <a:lstStyle/>
+          <a:p>
+            <a:r>
+              <a:rPr lang="fi-FI" dirty="0"/>
+              <a:t>NTUA G. </a:t>
+            </a:r>
+            <a:r>
+              <a:rPr lang="fi-FI" dirty="0" err="1"/>
+              <a:t>Bakas</a:t>
+            </a:r>
+            <a:endParaRPr lang="en-US" dirty="0"/>
+          </a:p>
+        </p:txBody>
+      </p:sp>
+      <p:sp>
+        <p:nvSpPr>
+          <p:cNvPr id="7" name="TextBox 6"/>
+          <p:cNvSpPr txBox="1"/>
+          <p:nvPr/>
+        </p:nvSpPr>
+        <p:spPr>
+          <a:xfrm>
+            <a:off x="3276600" y="33090"/>
+            <a:ext cx="5638800" cy="523220"/>
+          </a:xfrm>
+          <a:prstGeom prst="rect">
+            <a:avLst/>
+          </a:prstGeom>
+          <a:noFill/>
+        </p:spPr>
+        <p:txBody>
+          <a:bodyPr wrap="square" rtlCol="0">
+            <a:spAutoFit/>
+          </a:bodyPr>
+          <a:lstStyle/>
+          <a:p>
+            <a:pPr algn="ctr"/>
+            <a:r>
+              <a:rPr lang="en-US" sz="2800" u="sng" dirty="0"/>
+              <a:t>Signal Extraction </a:t>
+            </a:r>
+            <a:r>
+              <a:rPr lang="en-US" sz="2800" u="sng" dirty="0">
+                <a:solidFill>
+                  <a:srgbClr val="00B050"/>
+                </a:solidFill>
+              </a:rPr>
+              <a:t>2018</a:t>
+            </a:r>
+          </a:p>
+        </p:txBody>
+      </p:sp>
+      <p:sp>
+        <p:nvSpPr>
+          <p:cNvPr id="5" name="Slide Number Placeholder 4">
+            <a:extLst>
+              <a:ext uri="{FF2B5EF4-FFF2-40B4-BE49-F238E27FC236}">
+                <a16:creationId xmlns:a16="http://schemas.microsoft.com/office/drawing/2014/main" id="{69A96869-DB60-5345-ACD9-F1C41035B064}"/>
+              </a:ext>
+            </a:extLst>
+          </p:cNvPr>
+          <p:cNvSpPr>
+            <a:spLocks noGrp="1"/>
+          </p:cNvSpPr>
+          <p:nvPr>
+            <p:ph type="sldNum" sz="quarter" idx="12"/>
+          </p:nvPr>
+        </p:nvSpPr>
+        <p:spPr/>
+        <p:txBody>
+          <a:bodyPr/>
+          <a:lstStyle/>
+          <a:p>
+            <a:fld id="{4FAB73BC-B049-4115-A692-8D63A059BFB8}" type="slidenum">
+              <a:rPr lang="en-US" smtClean="0"/>
+              <a:pPr/>
+              <a:t>28</a:t>
+            </a:fld>
+            <a:endParaRPr lang="en-US" dirty="0"/>
+          </a:p>
+        </p:txBody>
+      </p:sp>
+      <p:sp>
+        <p:nvSpPr>
+          <p:cNvPr id="24" name="Date Placeholder 23">
+            <a:extLst>
+              <a:ext uri="{FF2B5EF4-FFF2-40B4-BE49-F238E27FC236}">
+                <a16:creationId xmlns:a16="http://schemas.microsoft.com/office/drawing/2014/main" id="{056D71EF-2E89-4043-8F92-90A4D46A3E69}"/>
+              </a:ext>
+            </a:extLst>
+          </p:cNvPr>
+          <p:cNvSpPr>
+            <a:spLocks noGrp="1"/>
+          </p:cNvSpPr>
+          <p:nvPr>
+            <p:ph type="dt" sz="half" idx="10"/>
+          </p:nvPr>
+        </p:nvSpPr>
+        <p:spPr/>
+        <p:txBody>
+          <a:bodyPr/>
+          <a:lstStyle/>
+          <a:p>
+            <a:fld id="{3DBB7BD0-9B8D-1F47-8ABF-BE3CF9BD2848}" type="datetime1">
+              <a:rPr lang="en-US" smtClean="0"/>
+              <a:t>9/8/20</a:t>
+            </a:fld>
+            <a:endParaRPr lang="en-US" dirty="0"/>
+          </a:p>
+        </p:txBody>
+      </p:sp>
+      <p:sp>
+        <p:nvSpPr>
+          <p:cNvPr id="6" name="Rectangle 5">
+            <a:extLst>
+              <a:ext uri="{FF2B5EF4-FFF2-40B4-BE49-F238E27FC236}">
+                <a16:creationId xmlns:a16="http://schemas.microsoft.com/office/drawing/2014/main" id="{1D3A9800-C923-F943-ACA5-B4B9B9A1D73D}"/>
+              </a:ext>
+            </a:extLst>
+          </p:cNvPr>
+          <p:cNvSpPr/>
+          <p:nvPr/>
+        </p:nvSpPr>
+        <p:spPr>
+          <a:xfrm>
+            <a:off x="7939701" y="638586"/>
+            <a:ext cx="2289346" cy="369332"/>
+          </a:xfrm>
+          <a:prstGeom prst="rect">
+            <a:avLst/>
+          </a:prstGeom>
+        </p:spPr>
+        <p:txBody>
+          <a:bodyPr wrap="none">
+            <a:spAutoFit/>
+          </a:bodyPr>
+          <a:lstStyle/>
+          <a:p>
+            <a:pPr algn="ctr"/>
+            <a:r>
+              <a:rPr lang="en-US" u="sng" dirty="0"/>
+              <a:t>without b tagging SF’s </a:t>
+            </a:r>
+          </a:p>
+        </p:txBody>
+      </p:sp>
+      <p:sp>
+        <p:nvSpPr>
+          <p:cNvPr id="8" name="Rectangle 7">
+            <a:extLst>
+              <a:ext uri="{FF2B5EF4-FFF2-40B4-BE49-F238E27FC236}">
+                <a16:creationId xmlns:a16="http://schemas.microsoft.com/office/drawing/2014/main" id="{FE0D63A0-1633-E841-944F-B91BFC6F0FEB}"/>
+              </a:ext>
+            </a:extLst>
+          </p:cNvPr>
+          <p:cNvSpPr/>
+          <p:nvPr/>
+        </p:nvSpPr>
+        <p:spPr>
+          <a:xfrm>
+            <a:off x="2333415" y="638586"/>
+            <a:ext cx="1499065" cy="369332"/>
+          </a:xfrm>
+          <a:prstGeom prst="rect">
+            <a:avLst/>
+          </a:prstGeom>
+        </p:spPr>
+        <p:txBody>
+          <a:bodyPr wrap="none">
+            <a:spAutoFit/>
+          </a:bodyPr>
+          <a:lstStyle/>
+          <a:p>
+            <a:pPr algn="ctr"/>
+            <a:r>
+              <a:rPr lang="en-US" u="sng" dirty="0"/>
+              <a:t>b tagging SF’s </a:t>
+            </a:r>
+          </a:p>
+        </p:txBody>
+      </p:sp>
+      <p:pic>
+        <p:nvPicPr>
+          <p:cNvPr id="15" name="Picture 14">
+            <a:extLst>
+              <a:ext uri="{FF2B5EF4-FFF2-40B4-BE49-F238E27FC236}">
+                <a16:creationId xmlns:a16="http://schemas.microsoft.com/office/drawing/2014/main" id="{9B68C47D-2630-144F-BF84-2A2023928ECA}"/>
+              </a:ext>
+            </a:extLst>
+          </p:cNvPr>
+          <p:cNvPicPr>
+            <a:picLocks noChangeAspect="1"/>
+          </p:cNvPicPr>
+          <p:nvPr/>
+        </p:nvPicPr>
+        <p:blipFill>
+          <a:blip r:embed="rId3"/>
+          <a:stretch>
+            <a:fillRect/>
+          </a:stretch>
+        </p:blipFill>
+        <p:spPr>
+          <a:xfrm rot="5400000">
+            <a:off x="6904059" y="440625"/>
+            <a:ext cx="4311269" cy="5976747"/>
+          </a:xfrm>
+          <a:prstGeom prst="rect">
+            <a:avLst/>
+          </a:prstGeom>
+        </p:spPr>
+      </p:pic>
+      <p:pic>
+        <p:nvPicPr>
+          <p:cNvPr id="18" name="Picture 17">
+            <a:extLst>
+              <a:ext uri="{FF2B5EF4-FFF2-40B4-BE49-F238E27FC236}">
+                <a16:creationId xmlns:a16="http://schemas.microsoft.com/office/drawing/2014/main" id="{437CEE0D-9E8E-A449-B107-EEFE4481DB70}"/>
+              </a:ext>
+            </a:extLst>
+          </p:cNvPr>
+          <p:cNvPicPr>
+            <a:picLocks noChangeAspect="1"/>
+          </p:cNvPicPr>
+          <p:nvPr/>
+        </p:nvPicPr>
+        <p:blipFill>
+          <a:blip r:embed="rId4"/>
+          <a:stretch>
+            <a:fillRect/>
+          </a:stretch>
+        </p:blipFill>
+        <p:spPr>
+          <a:xfrm rot="5400000">
+            <a:off x="927312" y="440625"/>
+            <a:ext cx="4311269" cy="5976747"/>
+          </a:xfrm>
+          <a:prstGeom prst="rect">
+            <a:avLst/>
+          </a:prstGeom>
+        </p:spPr>
+      </p:pic>
+    </p:spTree>
+    <p:extLst>
+      <p:ext uri="{BB962C8B-B14F-4D97-AF65-F5344CB8AC3E}">
+        <p14:creationId xmlns:p14="http://schemas.microsoft.com/office/powerpoint/2010/main" val="4293879573"/>
+      </p:ext>
+    </p:extLst>
+  </p:cSld>
+  <p:clrMapOvr>
+    <a:masterClrMapping/>
+  </p:clrMapOvr>
+</p:sld>
+</file>
+
+<file path=ppt/slides/slide29.xml><?xml version="1.0" encoding="utf-8"?>
+<p:sld xmlns:a="http://schemas.openxmlformats.org/drawingml/2006/main" xmlns:r="http://schemas.openxmlformats.org/officeDocument/2006/relationships" xmlns:p="http://schemas.openxmlformats.org/presentationml/2006/main">
+  <p:cSld>
+    <p:spTree>
+      <p:nvGrpSpPr>
+        <p:cNvPr id="1" name=""/>
+        <p:cNvGrpSpPr/>
+        <p:nvPr/>
+      </p:nvGrpSpPr>
+      <p:grpSpPr>
+        <a:xfrm>
+          <a:off x="0" y="0"/>
+          <a:ext cx="0" cy="0"/>
+          <a:chOff x="0" y="0"/>
+          <a:chExt cx="0" cy="0"/>
+        </a:xfrm>
+      </p:grpSpPr>
+      <p:sp>
+        <p:nvSpPr>
+          <p:cNvPr id="3" name="Footer Placeholder 2"/>
+          <p:cNvSpPr>
+            <a:spLocks noGrp="1"/>
+          </p:cNvSpPr>
+          <p:nvPr>
+            <p:ph type="ftr" sz="quarter" idx="11"/>
+          </p:nvPr>
+        </p:nvSpPr>
+        <p:spPr/>
+        <p:txBody>
+          <a:bodyPr/>
+          <a:lstStyle/>
+          <a:p>
+            <a:r>
+              <a:rPr lang="fi-FI" dirty="0"/>
+              <a:t>NTUA G. </a:t>
+            </a:r>
+            <a:r>
+              <a:rPr lang="fi-FI" dirty="0" err="1"/>
+              <a:t>Bakas</a:t>
+            </a:r>
+            <a:endParaRPr lang="en-US" dirty="0"/>
+          </a:p>
+        </p:txBody>
+      </p:sp>
+      <p:sp>
+        <p:nvSpPr>
+          <p:cNvPr id="7" name="TextBox 6"/>
+          <p:cNvSpPr txBox="1"/>
+          <p:nvPr/>
+        </p:nvSpPr>
+        <p:spPr>
+          <a:xfrm>
+            <a:off x="3276600" y="33090"/>
+            <a:ext cx="5638800" cy="523220"/>
+          </a:xfrm>
+          <a:prstGeom prst="rect">
+            <a:avLst/>
+          </a:prstGeom>
+          <a:noFill/>
+        </p:spPr>
+        <p:txBody>
+          <a:bodyPr wrap="square" rtlCol="0">
+            <a:spAutoFit/>
+          </a:bodyPr>
+          <a:lstStyle/>
+          <a:p>
+            <a:pPr algn="ctr"/>
+            <a:r>
+              <a:rPr lang="en-US" sz="2800" u="sng" dirty="0"/>
+              <a:t>Tag And Probe</a:t>
+            </a:r>
+            <a:endParaRPr lang="en-US" sz="2800" u="sng" dirty="0">
+              <a:solidFill>
+                <a:srgbClr val="00B050"/>
+              </a:solidFill>
+            </a:endParaRPr>
+          </a:p>
+        </p:txBody>
+      </p:sp>
+      <p:sp>
+        <p:nvSpPr>
+          <p:cNvPr id="5" name="Slide Number Placeholder 4">
+            <a:extLst>
+              <a:ext uri="{FF2B5EF4-FFF2-40B4-BE49-F238E27FC236}">
+                <a16:creationId xmlns:a16="http://schemas.microsoft.com/office/drawing/2014/main" id="{69A96869-DB60-5345-ACD9-F1C41035B064}"/>
+              </a:ext>
+            </a:extLst>
+          </p:cNvPr>
+          <p:cNvSpPr>
+            <a:spLocks noGrp="1"/>
+          </p:cNvSpPr>
+          <p:nvPr>
+            <p:ph type="sldNum" sz="quarter" idx="12"/>
+          </p:nvPr>
+        </p:nvSpPr>
+        <p:spPr/>
+        <p:txBody>
+          <a:bodyPr/>
+          <a:lstStyle/>
+          <a:p>
+            <a:fld id="{4FAB73BC-B049-4115-A692-8D63A059BFB8}" type="slidenum">
+              <a:rPr lang="en-US" smtClean="0"/>
+              <a:pPr/>
+              <a:t>29</a:t>
+            </a:fld>
+            <a:endParaRPr lang="en-US" dirty="0"/>
+          </a:p>
+        </p:txBody>
+      </p:sp>
+      <p:sp>
+        <p:nvSpPr>
+          <p:cNvPr id="24" name="Date Placeholder 23">
+            <a:extLst>
+              <a:ext uri="{FF2B5EF4-FFF2-40B4-BE49-F238E27FC236}">
+                <a16:creationId xmlns:a16="http://schemas.microsoft.com/office/drawing/2014/main" id="{056D71EF-2E89-4043-8F92-90A4D46A3E69}"/>
+              </a:ext>
+            </a:extLst>
+          </p:cNvPr>
+          <p:cNvSpPr>
+            <a:spLocks noGrp="1"/>
+          </p:cNvSpPr>
+          <p:nvPr>
+            <p:ph type="dt" sz="half" idx="10"/>
+          </p:nvPr>
+        </p:nvSpPr>
+        <p:spPr/>
+        <p:txBody>
+          <a:bodyPr/>
+          <a:lstStyle/>
+          <a:p>
+            <a:fld id="{3DBB7BD0-9B8D-1F47-8ABF-BE3CF9BD2848}" type="datetime1">
+              <a:rPr lang="en-US" smtClean="0"/>
+              <a:t>9/8/20</a:t>
             </a:fld>
             <a:endParaRPr lang="en-US" dirty="0"/>
           </a:p>
@@ -14978,1349 +16189,6 @@
 </p:sld>
 </file>
 
-<file path=ppt/slides/slide27.xml><?xml version="1.0" encoding="utf-8"?>
-<p:sld xmlns:a="http://schemas.openxmlformats.org/drawingml/2006/main" xmlns:r="http://schemas.openxmlformats.org/officeDocument/2006/relationships" xmlns:p="http://schemas.openxmlformats.org/presentationml/2006/main">
-  <p:cSld>
-    <p:spTree>
-      <p:nvGrpSpPr>
-        <p:cNvPr id="1" name=""/>
-        <p:cNvGrpSpPr/>
-        <p:nvPr/>
-      </p:nvGrpSpPr>
-      <p:grpSpPr>
-        <a:xfrm>
-          <a:off x="0" y="0"/>
-          <a:ext cx="0" cy="0"/>
-          <a:chOff x="0" y="0"/>
-          <a:chExt cx="0" cy="0"/>
-        </a:xfrm>
-      </p:grpSpPr>
-      <p:sp>
-        <p:nvSpPr>
-          <p:cNvPr id="3" name="Footer Placeholder 2"/>
-          <p:cNvSpPr>
-            <a:spLocks noGrp="1"/>
-          </p:cNvSpPr>
-          <p:nvPr>
-            <p:ph type="ftr" sz="quarter" idx="11"/>
-          </p:nvPr>
-        </p:nvSpPr>
-        <p:spPr/>
-        <p:txBody>
-          <a:bodyPr/>
-          <a:lstStyle/>
-          <a:p>
-            <a:r>
-              <a:rPr lang="fi-FI" dirty="0"/>
-              <a:t>NTUA G. </a:t>
-            </a:r>
-            <a:r>
-              <a:rPr lang="fi-FI" dirty="0" err="1"/>
-              <a:t>Bakas</a:t>
-            </a:r>
-            <a:endParaRPr lang="en-US" dirty="0"/>
-          </a:p>
-        </p:txBody>
-      </p:sp>
-      <p:sp>
-        <p:nvSpPr>
-          <p:cNvPr id="7" name="TextBox 6"/>
-          <p:cNvSpPr txBox="1"/>
-          <p:nvPr/>
-        </p:nvSpPr>
-        <p:spPr>
-          <a:xfrm>
-            <a:off x="3276600" y="33090"/>
-            <a:ext cx="5638800" cy="523220"/>
-          </a:xfrm>
-          <a:prstGeom prst="rect">
-            <a:avLst/>
-          </a:prstGeom>
-          <a:noFill/>
-        </p:spPr>
-        <p:txBody>
-          <a:bodyPr wrap="square" rtlCol="0">
-            <a:spAutoFit/>
-          </a:bodyPr>
-          <a:lstStyle/>
-          <a:p>
-            <a:pPr algn="ctr"/>
-            <a:r>
-              <a:rPr lang="en-US" sz="2800" u="sng" dirty="0"/>
-              <a:t>Tag And Probe Calculations </a:t>
-            </a:r>
-            <a:r>
-              <a:rPr lang="en-US" sz="2800" u="sng" dirty="0">
-                <a:solidFill>
-                  <a:srgbClr val="00B0F0"/>
-                </a:solidFill>
-              </a:rPr>
-              <a:t>2016</a:t>
-            </a:r>
-            <a:r>
-              <a:rPr lang="en-US" sz="2800" u="sng" dirty="0"/>
-              <a:t> </a:t>
-            </a:r>
-            <a:endParaRPr lang="en-US" sz="2800" u="sng" dirty="0">
-              <a:solidFill>
-                <a:srgbClr val="00B050"/>
-              </a:solidFill>
-            </a:endParaRPr>
-          </a:p>
-        </p:txBody>
-      </p:sp>
-      <p:sp>
-        <p:nvSpPr>
-          <p:cNvPr id="5" name="Slide Number Placeholder 4">
-            <a:extLst>
-              <a:ext uri="{FF2B5EF4-FFF2-40B4-BE49-F238E27FC236}">
-                <a16:creationId xmlns:a16="http://schemas.microsoft.com/office/drawing/2014/main" id="{69A96869-DB60-5345-ACD9-F1C41035B064}"/>
-              </a:ext>
-            </a:extLst>
-          </p:cNvPr>
-          <p:cNvSpPr>
-            <a:spLocks noGrp="1"/>
-          </p:cNvSpPr>
-          <p:nvPr>
-            <p:ph type="sldNum" sz="quarter" idx="12"/>
-          </p:nvPr>
-        </p:nvSpPr>
-        <p:spPr/>
-        <p:txBody>
-          <a:bodyPr/>
-          <a:lstStyle/>
-          <a:p>
-            <a:fld id="{4FAB73BC-B049-4115-A692-8D63A059BFB8}" type="slidenum">
-              <a:rPr lang="en-US" smtClean="0"/>
-              <a:pPr/>
-              <a:t>27</a:t>
-            </a:fld>
-            <a:endParaRPr lang="en-US" dirty="0"/>
-          </a:p>
-        </p:txBody>
-      </p:sp>
-      <p:sp>
-        <p:nvSpPr>
-          <p:cNvPr id="24" name="Date Placeholder 23">
-            <a:extLst>
-              <a:ext uri="{FF2B5EF4-FFF2-40B4-BE49-F238E27FC236}">
-                <a16:creationId xmlns:a16="http://schemas.microsoft.com/office/drawing/2014/main" id="{056D71EF-2E89-4043-8F92-90A4D46A3E69}"/>
-              </a:ext>
-            </a:extLst>
-          </p:cNvPr>
-          <p:cNvSpPr>
-            <a:spLocks noGrp="1"/>
-          </p:cNvSpPr>
-          <p:nvPr>
-            <p:ph type="dt" sz="half" idx="10"/>
-          </p:nvPr>
-        </p:nvSpPr>
-        <p:spPr/>
-        <p:txBody>
-          <a:bodyPr/>
-          <a:lstStyle/>
-          <a:p>
-            <a:fld id="{3DBB7BD0-9B8D-1F47-8ABF-BE3CF9BD2848}" type="datetime1">
-              <a:rPr lang="en-US" smtClean="0"/>
-              <a:t>9/7/20</a:t>
-            </a:fld>
-            <a:endParaRPr lang="en-US" dirty="0"/>
-          </a:p>
-        </p:txBody>
-      </p:sp>
-      <p:sp>
-        <p:nvSpPr>
-          <p:cNvPr id="6" name="Rectangle 5">
-            <a:extLst>
-              <a:ext uri="{FF2B5EF4-FFF2-40B4-BE49-F238E27FC236}">
-                <a16:creationId xmlns:a16="http://schemas.microsoft.com/office/drawing/2014/main" id="{1D3A9800-C923-F943-ACA5-B4B9B9A1D73D}"/>
-              </a:ext>
-            </a:extLst>
-          </p:cNvPr>
-          <p:cNvSpPr/>
-          <p:nvPr/>
-        </p:nvSpPr>
-        <p:spPr>
-          <a:xfrm>
-            <a:off x="7939701" y="638586"/>
-            <a:ext cx="2289346" cy="369332"/>
-          </a:xfrm>
-          <a:prstGeom prst="rect">
-            <a:avLst/>
-          </a:prstGeom>
-        </p:spPr>
-        <p:txBody>
-          <a:bodyPr wrap="none">
-            <a:spAutoFit/>
-          </a:bodyPr>
-          <a:lstStyle/>
-          <a:p>
-            <a:pPr algn="ctr"/>
-            <a:r>
-              <a:rPr lang="en-US" u="sng" dirty="0"/>
-              <a:t>without b tagging SF’s </a:t>
-            </a:r>
-          </a:p>
-        </p:txBody>
-      </p:sp>
-      <p:sp>
-        <p:nvSpPr>
-          <p:cNvPr id="8" name="Rectangle 7">
-            <a:extLst>
-              <a:ext uri="{FF2B5EF4-FFF2-40B4-BE49-F238E27FC236}">
-                <a16:creationId xmlns:a16="http://schemas.microsoft.com/office/drawing/2014/main" id="{FE0D63A0-1633-E841-944F-B91BFC6F0FEB}"/>
-              </a:ext>
-            </a:extLst>
-          </p:cNvPr>
-          <p:cNvSpPr/>
-          <p:nvPr/>
-        </p:nvSpPr>
-        <p:spPr>
-          <a:xfrm>
-            <a:off x="2333415" y="638586"/>
-            <a:ext cx="1499065" cy="369332"/>
-          </a:xfrm>
-          <a:prstGeom prst="rect">
-            <a:avLst/>
-          </a:prstGeom>
-        </p:spPr>
-        <p:txBody>
-          <a:bodyPr wrap="none">
-            <a:spAutoFit/>
-          </a:bodyPr>
-          <a:lstStyle/>
-          <a:p>
-            <a:pPr algn="ctr"/>
-            <a:r>
-              <a:rPr lang="en-US" u="sng" dirty="0"/>
-              <a:t>b tagging SF’s </a:t>
-            </a:r>
-          </a:p>
-        </p:txBody>
-      </p:sp>
-      <p:sp>
-        <p:nvSpPr>
-          <p:cNvPr id="4" name="Rectangle 3">
-            <a:extLst>
-              <a:ext uri="{FF2B5EF4-FFF2-40B4-BE49-F238E27FC236}">
-                <a16:creationId xmlns:a16="http://schemas.microsoft.com/office/drawing/2014/main" id="{5C3FEF86-DEE2-7A46-9297-5B0B54F82785}"/>
-              </a:ext>
-            </a:extLst>
-          </p:cNvPr>
-          <p:cNvSpPr/>
-          <p:nvPr/>
-        </p:nvSpPr>
-        <p:spPr>
-          <a:xfrm>
-            <a:off x="1237088" y="1582339"/>
-            <a:ext cx="3691717" cy="3693319"/>
-          </a:xfrm>
-          <a:prstGeom prst="rect">
-            <a:avLst/>
-          </a:prstGeom>
-        </p:spPr>
-        <p:txBody>
-          <a:bodyPr wrap="square">
-            <a:spAutoFit/>
-          </a:bodyPr>
-          <a:lstStyle/>
-          <a:p>
-            <a:r>
-              <a:rPr lang="en-GR" dirty="0"/>
-              <a:t>Efficiency--with btagging SF's</a:t>
-            </a:r>
-          </a:p>
-          <a:p>
-            <a:r>
-              <a:rPr lang="en-GR" dirty="0"/>
-              <a:t>eff data: 0.781 ± 0.038</a:t>
-            </a:r>
-          </a:p>
-          <a:p>
-            <a:r>
-              <a:rPr lang="en-GR" b="1" u="sng" dirty="0">
-                <a:solidFill>
-                  <a:srgbClr val="00B0F0"/>
-                </a:solidFill>
-              </a:rPr>
-              <a:t>eff ttbar: 0.772 ± 0.014</a:t>
-            </a:r>
-          </a:p>
-          <a:p>
-            <a:r>
-              <a:rPr lang="en-GR" dirty="0"/>
-              <a:t>-----------</a:t>
-            </a:r>
-          </a:p>
-          <a:p>
-            <a:r>
-              <a:rPr lang="en-GR" dirty="0"/>
-              <a:t>Efficiency per Pt region</a:t>
-            </a:r>
-          </a:p>
-          <a:p>
-            <a:r>
-              <a:rPr lang="en-GR" dirty="0"/>
-              <a:t>eff data pT[400-600]: 0.761 ± 0.042</a:t>
-            </a:r>
-          </a:p>
-          <a:p>
-            <a:r>
-              <a:rPr lang="en-GR" dirty="0"/>
-              <a:t>eff ttbar pT[400-600]: 0.778 ± 0.016</a:t>
-            </a:r>
-          </a:p>
-          <a:p>
-            <a:r>
-              <a:rPr lang="en-GR" dirty="0"/>
-              <a:t>-----------</a:t>
-            </a:r>
-          </a:p>
-          <a:p>
-            <a:r>
-              <a:rPr lang="en-GR" dirty="0"/>
-              <a:t>eff data pT[600-800]: 0.851 ± 0.100</a:t>
-            </a:r>
-          </a:p>
-          <a:p>
-            <a:r>
-              <a:rPr lang="en-GR" dirty="0"/>
-              <a:t>eff ttbar pT[600-800]: 0.748 ± 0.031</a:t>
-            </a:r>
-          </a:p>
-          <a:p>
-            <a:r>
-              <a:rPr lang="en-GR" dirty="0"/>
-              <a:t>-----------</a:t>
-            </a:r>
-          </a:p>
-          <a:p>
-            <a:r>
-              <a:rPr lang="en-GR" dirty="0"/>
-              <a:t>eff data pT[800-Inf]: 0.886 ± 0.160</a:t>
-            </a:r>
-          </a:p>
-          <a:p>
-            <a:r>
-              <a:rPr lang="en-GR" dirty="0"/>
-              <a:t>eff ttbar pT[800-Inf]: 0.775 ± 0.063</a:t>
-            </a:r>
-          </a:p>
-        </p:txBody>
-      </p:sp>
-      <p:sp>
-        <p:nvSpPr>
-          <p:cNvPr id="9" name="Rectangle 8">
-            <a:extLst>
-              <a:ext uri="{FF2B5EF4-FFF2-40B4-BE49-F238E27FC236}">
-                <a16:creationId xmlns:a16="http://schemas.microsoft.com/office/drawing/2014/main" id="{B6B55A27-C83E-6643-BB7E-E5EEB2946D8C}"/>
-              </a:ext>
-            </a:extLst>
-          </p:cNvPr>
-          <p:cNvSpPr/>
-          <p:nvPr/>
-        </p:nvSpPr>
-        <p:spPr>
-          <a:xfrm>
-            <a:off x="7069541" y="1582338"/>
-            <a:ext cx="3691717" cy="3693319"/>
-          </a:xfrm>
-          <a:prstGeom prst="rect">
-            <a:avLst/>
-          </a:prstGeom>
-        </p:spPr>
-        <p:txBody>
-          <a:bodyPr wrap="square">
-            <a:spAutoFit/>
-          </a:bodyPr>
-          <a:lstStyle/>
-          <a:p>
-            <a:r>
-              <a:rPr lang="en-GR" dirty="0"/>
-              <a:t>Efficiency--without btagging SF's</a:t>
-            </a:r>
-          </a:p>
-          <a:p>
-            <a:r>
-              <a:rPr lang="en-GR" dirty="0"/>
-              <a:t>eff data: 0.782 ± 0.039</a:t>
-            </a:r>
-          </a:p>
-          <a:p>
-            <a:r>
-              <a:rPr lang="en-GR" dirty="0">
-                <a:solidFill>
-                  <a:srgbClr val="00B0F0"/>
-                </a:solidFill>
-              </a:rPr>
-              <a:t>eff ttbar: 0.772 ± 0.014</a:t>
-            </a:r>
-          </a:p>
-          <a:p>
-            <a:r>
-              <a:rPr lang="en-GR" dirty="0"/>
-              <a:t>-----------</a:t>
-            </a:r>
-          </a:p>
-          <a:p>
-            <a:r>
-              <a:rPr lang="en-GR" dirty="0"/>
-              <a:t>Efficiency per Pt region</a:t>
-            </a:r>
-          </a:p>
-          <a:p>
-            <a:r>
-              <a:rPr lang="en-GR" dirty="0"/>
-              <a:t>eff data pT[400-600]: 0.762 ± 0.043 </a:t>
-            </a:r>
-          </a:p>
-          <a:p>
-            <a:r>
-              <a:rPr lang="en-GR" dirty="0"/>
-              <a:t>eff ttbar pT[400-600]: 0.778 ± 0.016</a:t>
-            </a:r>
-          </a:p>
-          <a:p>
-            <a:r>
-              <a:rPr lang="en-GR" dirty="0"/>
-              <a:t>-----------</a:t>
-            </a:r>
-          </a:p>
-          <a:p>
-            <a:r>
-              <a:rPr lang="en-GR" dirty="0"/>
-              <a:t>eff data pT[600-800]: 0.854 ± 0.103</a:t>
-            </a:r>
-          </a:p>
-          <a:p>
-            <a:r>
-              <a:rPr lang="en-GR" dirty="0"/>
-              <a:t>eff ttbar pT[600-800]: 0.748 ± 0.031</a:t>
-            </a:r>
-          </a:p>
-          <a:p>
-            <a:r>
-              <a:rPr lang="en-GR" dirty="0"/>
-              <a:t>-----------</a:t>
-            </a:r>
-          </a:p>
-          <a:p>
-            <a:r>
-              <a:rPr lang="en-GR" dirty="0"/>
-              <a:t>eff data pT[800-Inf]: 0.888 ± 0.161</a:t>
-            </a:r>
-          </a:p>
-          <a:p>
-            <a:r>
-              <a:rPr lang="en-GR" dirty="0"/>
-              <a:t>eff ttbar pT[800-Inf]: 0.775 ± 0.064</a:t>
-            </a:r>
-          </a:p>
-        </p:txBody>
-      </p:sp>
-    </p:spTree>
-    <p:extLst>
-      <p:ext uri="{BB962C8B-B14F-4D97-AF65-F5344CB8AC3E}">
-        <p14:creationId xmlns:p14="http://schemas.microsoft.com/office/powerpoint/2010/main" val="3727702470"/>
-      </p:ext>
-    </p:extLst>
-  </p:cSld>
-  <p:clrMapOvr>
-    <a:masterClrMapping/>
-  </p:clrMapOvr>
-</p:sld>
-</file>
-
-<file path=ppt/slides/slide28.xml><?xml version="1.0" encoding="utf-8"?>
-<p:sld xmlns:a="http://schemas.openxmlformats.org/drawingml/2006/main" xmlns:r="http://schemas.openxmlformats.org/officeDocument/2006/relationships" xmlns:p="http://schemas.openxmlformats.org/presentationml/2006/main">
-  <p:cSld>
-    <p:spTree>
-      <p:nvGrpSpPr>
-        <p:cNvPr id="1" name=""/>
-        <p:cNvGrpSpPr/>
-        <p:nvPr/>
-      </p:nvGrpSpPr>
-      <p:grpSpPr>
-        <a:xfrm>
-          <a:off x="0" y="0"/>
-          <a:ext cx="0" cy="0"/>
-          <a:chOff x="0" y="0"/>
-          <a:chExt cx="0" cy="0"/>
-        </a:xfrm>
-      </p:grpSpPr>
-      <p:sp>
-        <p:nvSpPr>
-          <p:cNvPr id="3" name="Footer Placeholder 2"/>
-          <p:cNvSpPr>
-            <a:spLocks noGrp="1"/>
-          </p:cNvSpPr>
-          <p:nvPr>
-            <p:ph type="ftr" sz="quarter" idx="11"/>
-          </p:nvPr>
-        </p:nvSpPr>
-        <p:spPr/>
-        <p:txBody>
-          <a:bodyPr/>
-          <a:lstStyle/>
-          <a:p>
-            <a:r>
-              <a:rPr lang="fi-FI" dirty="0"/>
-              <a:t>NTUA G. </a:t>
-            </a:r>
-            <a:r>
-              <a:rPr lang="fi-FI" dirty="0" err="1"/>
-              <a:t>Bakas</a:t>
-            </a:r>
-            <a:endParaRPr lang="en-US" dirty="0"/>
-          </a:p>
-        </p:txBody>
-      </p:sp>
-      <p:sp>
-        <p:nvSpPr>
-          <p:cNvPr id="5" name="Slide Number Placeholder 4">
-            <a:extLst>
-              <a:ext uri="{FF2B5EF4-FFF2-40B4-BE49-F238E27FC236}">
-                <a16:creationId xmlns:a16="http://schemas.microsoft.com/office/drawing/2014/main" id="{69A96869-DB60-5345-ACD9-F1C41035B064}"/>
-              </a:ext>
-            </a:extLst>
-          </p:cNvPr>
-          <p:cNvSpPr>
-            <a:spLocks noGrp="1"/>
-          </p:cNvSpPr>
-          <p:nvPr>
-            <p:ph type="sldNum" sz="quarter" idx="12"/>
-          </p:nvPr>
-        </p:nvSpPr>
-        <p:spPr/>
-        <p:txBody>
-          <a:bodyPr/>
-          <a:lstStyle/>
-          <a:p>
-            <a:fld id="{4FAB73BC-B049-4115-A692-8D63A059BFB8}" type="slidenum">
-              <a:rPr lang="en-US" smtClean="0"/>
-              <a:pPr/>
-              <a:t>28</a:t>
-            </a:fld>
-            <a:endParaRPr lang="en-US" dirty="0"/>
-          </a:p>
-        </p:txBody>
-      </p:sp>
-      <p:sp>
-        <p:nvSpPr>
-          <p:cNvPr id="24" name="Date Placeholder 23">
-            <a:extLst>
-              <a:ext uri="{FF2B5EF4-FFF2-40B4-BE49-F238E27FC236}">
-                <a16:creationId xmlns:a16="http://schemas.microsoft.com/office/drawing/2014/main" id="{056D71EF-2E89-4043-8F92-90A4D46A3E69}"/>
-              </a:ext>
-            </a:extLst>
-          </p:cNvPr>
-          <p:cNvSpPr>
-            <a:spLocks noGrp="1"/>
-          </p:cNvSpPr>
-          <p:nvPr>
-            <p:ph type="dt" sz="half" idx="10"/>
-          </p:nvPr>
-        </p:nvSpPr>
-        <p:spPr/>
-        <p:txBody>
-          <a:bodyPr/>
-          <a:lstStyle/>
-          <a:p>
-            <a:fld id="{D52D66B2-0E0A-F441-A1DA-8039F615D612}" type="datetime1">
-              <a:rPr lang="en-US" smtClean="0"/>
-              <a:t>9/7/20</a:t>
-            </a:fld>
-            <a:endParaRPr lang="en-US" dirty="0"/>
-          </a:p>
-        </p:txBody>
-      </p:sp>
-      <p:pic>
-        <p:nvPicPr>
-          <p:cNvPr id="14" name="Picture 13">
-            <a:extLst>
-              <a:ext uri="{FF2B5EF4-FFF2-40B4-BE49-F238E27FC236}">
-                <a16:creationId xmlns:a16="http://schemas.microsoft.com/office/drawing/2014/main" id="{484BB678-EF03-1E4B-8F08-99BE279810A5}"/>
-              </a:ext>
-            </a:extLst>
-          </p:cNvPr>
-          <p:cNvPicPr>
-            <a:picLocks noChangeAspect="1"/>
-          </p:cNvPicPr>
-          <p:nvPr/>
-        </p:nvPicPr>
-        <p:blipFill>
-          <a:blip r:embed="rId2"/>
-          <a:stretch>
-            <a:fillRect/>
-          </a:stretch>
-        </p:blipFill>
-        <p:spPr>
-          <a:xfrm rot="5400000">
-            <a:off x="7944248" y="-147063"/>
-            <a:ext cx="3012694" cy="4176522"/>
-          </a:xfrm>
-          <a:prstGeom prst="rect">
-            <a:avLst/>
-          </a:prstGeom>
-        </p:spPr>
-      </p:pic>
-      <p:pic>
-        <p:nvPicPr>
-          <p:cNvPr id="16" name="Picture 15">
-            <a:extLst>
-              <a:ext uri="{FF2B5EF4-FFF2-40B4-BE49-F238E27FC236}">
-                <a16:creationId xmlns:a16="http://schemas.microsoft.com/office/drawing/2014/main" id="{9D6EE389-A52D-4F4C-A2D8-E6BDAB28B6D9}"/>
-              </a:ext>
-            </a:extLst>
-          </p:cNvPr>
-          <p:cNvPicPr>
-            <a:picLocks noChangeAspect="1"/>
-          </p:cNvPicPr>
-          <p:nvPr/>
-        </p:nvPicPr>
-        <p:blipFill>
-          <a:blip r:embed="rId3"/>
-          <a:stretch>
-            <a:fillRect/>
-          </a:stretch>
-        </p:blipFill>
-        <p:spPr>
-          <a:xfrm rot="5400000">
-            <a:off x="7944248" y="2883723"/>
-            <a:ext cx="3012694" cy="4176522"/>
-          </a:xfrm>
-          <a:prstGeom prst="rect">
-            <a:avLst/>
-          </a:prstGeom>
-        </p:spPr>
-      </p:pic>
-      <p:sp>
-        <p:nvSpPr>
-          <p:cNvPr id="12" name="TextBox 11">
-            <a:extLst>
-              <a:ext uri="{FF2B5EF4-FFF2-40B4-BE49-F238E27FC236}">
-                <a16:creationId xmlns:a16="http://schemas.microsoft.com/office/drawing/2014/main" id="{0DA88F88-061A-7948-9105-8D7B2578CE9D}"/>
-              </a:ext>
-            </a:extLst>
-          </p:cNvPr>
-          <p:cNvSpPr txBox="1"/>
-          <p:nvPr/>
-        </p:nvSpPr>
-        <p:spPr>
-          <a:xfrm>
-            <a:off x="3752850" y="-76347"/>
-            <a:ext cx="4686300" cy="523220"/>
-          </a:xfrm>
-          <a:prstGeom prst="rect">
-            <a:avLst/>
-          </a:prstGeom>
-          <a:noFill/>
-        </p:spPr>
-        <p:txBody>
-          <a:bodyPr wrap="square" rtlCol="0">
-            <a:spAutoFit/>
-          </a:bodyPr>
-          <a:lstStyle/>
-          <a:p>
-            <a:r>
-              <a:rPr lang="en-GR" sz="2800" u="sng" dirty="0"/>
-              <a:t>TagAndProbe Efficiency </a:t>
-            </a:r>
-            <a:r>
-              <a:rPr lang="en-US" sz="2800" u="sng" dirty="0"/>
-              <a:t>(</a:t>
-            </a:r>
-            <a:r>
-              <a:rPr lang="en-US" sz="2800" u="sng" dirty="0">
-                <a:solidFill>
-                  <a:srgbClr val="00B0F0"/>
-                </a:solidFill>
-              </a:rPr>
-              <a:t>2016</a:t>
-            </a:r>
-            <a:r>
-              <a:rPr lang="en-US" sz="2800" u="sng" dirty="0"/>
-              <a:t>)</a:t>
-            </a:r>
-          </a:p>
-        </p:txBody>
-      </p:sp>
-      <p:pic>
-        <p:nvPicPr>
-          <p:cNvPr id="4" name="Picture 3">
-            <a:extLst>
-              <a:ext uri="{FF2B5EF4-FFF2-40B4-BE49-F238E27FC236}">
-                <a16:creationId xmlns:a16="http://schemas.microsoft.com/office/drawing/2014/main" id="{445DFE14-0581-C04E-BF1A-15D93312C5B0}"/>
-              </a:ext>
-            </a:extLst>
-          </p:cNvPr>
-          <p:cNvPicPr>
-            <a:picLocks noChangeAspect="1"/>
-          </p:cNvPicPr>
-          <p:nvPr/>
-        </p:nvPicPr>
-        <p:blipFill>
-          <a:blip r:embed="rId4"/>
-          <a:stretch>
-            <a:fillRect/>
-          </a:stretch>
-        </p:blipFill>
-        <p:spPr>
-          <a:xfrm rot="5400000">
-            <a:off x="1450594" y="-223701"/>
-            <a:ext cx="3012694" cy="4176522"/>
-          </a:xfrm>
-          <a:prstGeom prst="rect">
-            <a:avLst/>
-          </a:prstGeom>
-        </p:spPr>
-      </p:pic>
-      <p:pic>
-        <p:nvPicPr>
-          <p:cNvPr id="8" name="Picture 7">
-            <a:extLst>
-              <a:ext uri="{FF2B5EF4-FFF2-40B4-BE49-F238E27FC236}">
-                <a16:creationId xmlns:a16="http://schemas.microsoft.com/office/drawing/2014/main" id="{17C44605-60F4-E547-9DEF-B768885A5780}"/>
-              </a:ext>
-            </a:extLst>
-          </p:cNvPr>
-          <p:cNvPicPr>
-            <a:picLocks noChangeAspect="1"/>
-          </p:cNvPicPr>
-          <p:nvPr/>
-        </p:nvPicPr>
-        <p:blipFill>
-          <a:blip r:embed="rId5"/>
-          <a:stretch>
-            <a:fillRect/>
-          </a:stretch>
-        </p:blipFill>
-        <p:spPr>
-          <a:xfrm rot="5400000">
-            <a:off x="1450594" y="2859107"/>
-            <a:ext cx="3012694" cy="4176522"/>
-          </a:xfrm>
-          <a:prstGeom prst="rect">
-            <a:avLst/>
-          </a:prstGeom>
-        </p:spPr>
-      </p:pic>
-      <p:sp>
-        <p:nvSpPr>
-          <p:cNvPr id="22" name="TextBox 21">
-            <a:extLst>
-              <a:ext uri="{FF2B5EF4-FFF2-40B4-BE49-F238E27FC236}">
-                <a16:creationId xmlns:a16="http://schemas.microsoft.com/office/drawing/2014/main" id="{EA21A52B-1999-2A4B-A31D-E57CC60160A2}"/>
-              </a:ext>
-            </a:extLst>
-          </p:cNvPr>
-          <p:cNvSpPr txBox="1"/>
-          <p:nvPr/>
-        </p:nvSpPr>
-        <p:spPr>
-          <a:xfrm>
-            <a:off x="4683689" y="4680680"/>
-            <a:ext cx="3243263" cy="369332"/>
-          </a:xfrm>
-          <a:prstGeom prst="rect">
-            <a:avLst/>
-          </a:prstGeom>
-          <a:noFill/>
-        </p:spPr>
-        <p:txBody>
-          <a:bodyPr wrap="square" rtlCol="0">
-            <a:spAutoFit/>
-          </a:bodyPr>
-          <a:lstStyle/>
-          <a:p>
-            <a:pPr algn="ctr"/>
-            <a:r>
-              <a:rPr lang="en-GR" dirty="0"/>
-              <a:t>Tight TopTagger + Probe</a:t>
-            </a:r>
-          </a:p>
-        </p:txBody>
-      </p:sp>
-      <p:sp>
-        <p:nvSpPr>
-          <p:cNvPr id="19" name="TextBox 18">
-            <a:extLst>
-              <a:ext uri="{FF2B5EF4-FFF2-40B4-BE49-F238E27FC236}">
-                <a16:creationId xmlns:a16="http://schemas.microsoft.com/office/drawing/2014/main" id="{491F4ED5-8A54-D243-B516-026EF6F12778}"/>
-              </a:ext>
-            </a:extLst>
-          </p:cNvPr>
-          <p:cNvSpPr txBox="1"/>
-          <p:nvPr/>
-        </p:nvSpPr>
-        <p:spPr>
-          <a:xfrm>
-            <a:off x="4559413" y="1807989"/>
-            <a:ext cx="3243263" cy="369332"/>
-          </a:xfrm>
-          <a:prstGeom prst="rect">
-            <a:avLst/>
-          </a:prstGeom>
-          <a:noFill/>
-        </p:spPr>
-        <p:txBody>
-          <a:bodyPr wrap="square" rtlCol="0">
-            <a:spAutoFit/>
-          </a:bodyPr>
-          <a:lstStyle/>
-          <a:p>
-            <a:pPr algn="ctr"/>
-            <a:r>
-              <a:rPr lang="en-GR" dirty="0"/>
-              <a:t>Tight TopTagger + SR TopTagger</a:t>
-            </a:r>
-          </a:p>
-        </p:txBody>
-      </p:sp>
-      <p:sp>
-        <p:nvSpPr>
-          <p:cNvPr id="17" name="Rectangle 16">
-            <a:extLst>
-              <a:ext uri="{FF2B5EF4-FFF2-40B4-BE49-F238E27FC236}">
-                <a16:creationId xmlns:a16="http://schemas.microsoft.com/office/drawing/2014/main" id="{77F1A5DE-010C-8A49-9DFD-F714D88BF2CC}"/>
-              </a:ext>
-            </a:extLst>
-          </p:cNvPr>
-          <p:cNvSpPr/>
-          <p:nvPr/>
-        </p:nvSpPr>
-        <p:spPr>
-          <a:xfrm>
-            <a:off x="2049125" y="3186241"/>
-            <a:ext cx="1520674" cy="369332"/>
-          </a:xfrm>
-          <a:prstGeom prst="rect">
-            <a:avLst/>
-          </a:prstGeom>
-        </p:spPr>
-        <p:txBody>
-          <a:bodyPr wrap="none">
-            <a:spAutoFit/>
-          </a:bodyPr>
-          <a:lstStyle/>
-          <a:p>
-            <a:pPr algn="ctr"/>
-            <a:r>
-              <a:rPr lang="en-US" b="1" u="sng" dirty="0">
-                <a:solidFill>
-                  <a:srgbClr val="FF0000"/>
-                </a:solidFill>
-              </a:rPr>
-              <a:t>b tagging SF’s </a:t>
-            </a:r>
-          </a:p>
-        </p:txBody>
-      </p:sp>
-      <p:sp>
-        <p:nvSpPr>
-          <p:cNvPr id="21" name="Rectangle 20">
-            <a:extLst>
-              <a:ext uri="{FF2B5EF4-FFF2-40B4-BE49-F238E27FC236}">
-                <a16:creationId xmlns:a16="http://schemas.microsoft.com/office/drawing/2014/main" id="{D299BB8B-A7C3-284A-BF5C-C54CD55AAB5A}"/>
-              </a:ext>
-            </a:extLst>
-          </p:cNvPr>
-          <p:cNvSpPr/>
-          <p:nvPr/>
-        </p:nvSpPr>
-        <p:spPr>
-          <a:xfrm>
-            <a:off x="8457894" y="3204932"/>
-            <a:ext cx="1849289" cy="369332"/>
-          </a:xfrm>
-          <a:prstGeom prst="rect">
-            <a:avLst/>
-          </a:prstGeom>
-        </p:spPr>
-        <p:txBody>
-          <a:bodyPr wrap="none">
-            <a:spAutoFit/>
-          </a:bodyPr>
-          <a:lstStyle/>
-          <a:p>
-            <a:pPr algn="ctr"/>
-            <a:r>
-              <a:rPr lang="en-US" b="1" u="sng" dirty="0">
-                <a:solidFill>
-                  <a:srgbClr val="FF0000"/>
-                </a:solidFill>
-              </a:rPr>
-              <a:t>No b tagging SF’s </a:t>
-            </a:r>
-          </a:p>
-        </p:txBody>
-      </p:sp>
-    </p:spTree>
-    <p:extLst>
-      <p:ext uri="{BB962C8B-B14F-4D97-AF65-F5344CB8AC3E}">
-        <p14:creationId xmlns:p14="http://schemas.microsoft.com/office/powerpoint/2010/main" val="2146348735"/>
-      </p:ext>
-    </p:extLst>
-  </p:cSld>
-  <p:clrMapOvr>
-    <a:masterClrMapping/>
-  </p:clrMapOvr>
-</p:sld>
-</file>
-
-<file path=ppt/slides/slide29.xml><?xml version="1.0" encoding="utf-8"?>
-<p:sld xmlns:a="http://schemas.openxmlformats.org/drawingml/2006/main" xmlns:r="http://schemas.openxmlformats.org/officeDocument/2006/relationships" xmlns:p="http://schemas.openxmlformats.org/presentationml/2006/main">
-  <p:cSld>
-    <p:spTree>
-      <p:nvGrpSpPr>
-        <p:cNvPr id="1" name=""/>
-        <p:cNvGrpSpPr/>
-        <p:nvPr/>
-      </p:nvGrpSpPr>
-      <p:grpSpPr>
-        <a:xfrm>
-          <a:off x="0" y="0"/>
-          <a:ext cx="0" cy="0"/>
-          <a:chOff x="0" y="0"/>
-          <a:chExt cx="0" cy="0"/>
-        </a:xfrm>
-      </p:grpSpPr>
-      <p:sp>
-        <p:nvSpPr>
-          <p:cNvPr id="3" name="Footer Placeholder 2"/>
-          <p:cNvSpPr>
-            <a:spLocks noGrp="1"/>
-          </p:cNvSpPr>
-          <p:nvPr>
-            <p:ph type="ftr" sz="quarter" idx="11"/>
-          </p:nvPr>
-        </p:nvSpPr>
-        <p:spPr/>
-        <p:txBody>
-          <a:bodyPr/>
-          <a:lstStyle/>
-          <a:p>
-            <a:r>
-              <a:rPr lang="fi-FI" dirty="0"/>
-              <a:t>NTUA G. </a:t>
-            </a:r>
-            <a:r>
-              <a:rPr lang="fi-FI" dirty="0" err="1"/>
-              <a:t>Bakas</a:t>
-            </a:r>
-            <a:endParaRPr lang="en-US" dirty="0"/>
-          </a:p>
-        </p:txBody>
-      </p:sp>
-      <p:sp>
-        <p:nvSpPr>
-          <p:cNvPr id="7" name="TextBox 6"/>
-          <p:cNvSpPr txBox="1"/>
-          <p:nvPr/>
-        </p:nvSpPr>
-        <p:spPr>
-          <a:xfrm>
-            <a:off x="3276600" y="33090"/>
-            <a:ext cx="5638800" cy="523220"/>
-          </a:xfrm>
-          <a:prstGeom prst="rect">
-            <a:avLst/>
-          </a:prstGeom>
-          <a:noFill/>
-        </p:spPr>
-        <p:txBody>
-          <a:bodyPr wrap="square" rtlCol="0">
-            <a:spAutoFit/>
-          </a:bodyPr>
-          <a:lstStyle/>
-          <a:p>
-            <a:pPr algn="ctr"/>
-            <a:r>
-              <a:rPr lang="en-US" sz="2800" u="sng" dirty="0"/>
-              <a:t>Tag And Probe Calculations </a:t>
-            </a:r>
-            <a:r>
-              <a:rPr lang="en-US" sz="2800" u="sng" dirty="0">
-                <a:solidFill>
-                  <a:srgbClr val="FF0000"/>
-                </a:solidFill>
-              </a:rPr>
-              <a:t>2017</a:t>
-            </a:r>
-            <a:r>
-              <a:rPr lang="en-US" sz="2800" u="sng" dirty="0"/>
-              <a:t> </a:t>
-            </a:r>
-            <a:endParaRPr lang="en-US" sz="2800" u="sng" dirty="0">
-              <a:solidFill>
-                <a:srgbClr val="00B050"/>
-              </a:solidFill>
-            </a:endParaRPr>
-          </a:p>
-        </p:txBody>
-      </p:sp>
-      <p:sp>
-        <p:nvSpPr>
-          <p:cNvPr id="5" name="Slide Number Placeholder 4">
-            <a:extLst>
-              <a:ext uri="{FF2B5EF4-FFF2-40B4-BE49-F238E27FC236}">
-                <a16:creationId xmlns:a16="http://schemas.microsoft.com/office/drawing/2014/main" id="{69A96869-DB60-5345-ACD9-F1C41035B064}"/>
-              </a:ext>
-            </a:extLst>
-          </p:cNvPr>
-          <p:cNvSpPr>
-            <a:spLocks noGrp="1"/>
-          </p:cNvSpPr>
-          <p:nvPr>
-            <p:ph type="sldNum" sz="quarter" idx="12"/>
-          </p:nvPr>
-        </p:nvSpPr>
-        <p:spPr/>
-        <p:txBody>
-          <a:bodyPr/>
-          <a:lstStyle/>
-          <a:p>
-            <a:fld id="{4FAB73BC-B049-4115-A692-8D63A059BFB8}" type="slidenum">
-              <a:rPr lang="en-US" smtClean="0"/>
-              <a:pPr/>
-              <a:t>29</a:t>
-            </a:fld>
-            <a:endParaRPr lang="en-US" dirty="0"/>
-          </a:p>
-        </p:txBody>
-      </p:sp>
-      <p:sp>
-        <p:nvSpPr>
-          <p:cNvPr id="24" name="Date Placeholder 23">
-            <a:extLst>
-              <a:ext uri="{FF2B5EF4-FFF2-40B4-BE49-F238E27FC236}">
-                <a16:creationId xmlns:a16="http://schemas.microsoft.com/office/drawing/2014/main" id="{056D71EF-2E89-4043-8F92-90A4D46A3E69}"/>
-              </a:ext>
-            </a:extLst>
-          </p:cNvPr>
-          <p:cNvSpPr>
-            <a:spLocks noGrp="1"/>
-          </p:cNvSpPr>
-          <p:nvPr>
-            <p:ph type="dt" sz="half" idx="10"/>
-          </p:nvPr>
-        </p:nvSpPr>
-        <p:spPr/>
-        <p:txBody>
-          <a:bodyPr/>
-          <a:lstStyle/>
-          <a:p>
-            <a:fld id="{3DBB7BD0-9B8D-1F47-8ABF-BE3CF9BD2848}" type="datetime1">
-              <a:rPr lang="en-US" smtClean="0"/>
-              <a:t>9/7/20</a:t>
-            </a:fld>
-            <a:endParaRPr lang="en-US" dirty="0"/>
-          </a:p>
-        </p:txBody>
-      </p:sp>
-      <p:sp>
-        <p:nvSpPr>
-          <p:cNvPr id="6" name="Rectangle 5">
-            <a:extLst>
-              <a:ext uri="{FF2B5EF4-FFF2-40B4-BE49-F238E27FC236}">
-                <a16:creationId xmlns:a16="http://schemas.microsoft.com/office/drawing/2014/main" id="{1D3A9800-C923-F943-ACA5-B4B9B9A1D73D}"/>
-              </a:ext>
-            </a:extLst>
-          </p:cNvPr>
-          <p:cNvSpPr/>
-          <p:nvPr/>
-        </p:nvSpPr>
-        <p:spPr>
-          <a:xfrm>
-            <a:off x="7939701" y="638586"/>
-            <a:ext cx="2289346" cy="369332"/>
-          </a:xfrm>
-          <a:prstGeom prst="rect">
-            <a:avLst/>
-          </a:prstGeom>
-        </p:spPr>
-        <p:txBody>
-          <a:bodyPr wrap="none">
-            <a:spAutoFit/>
-          </a:bodyPr>
-          <a:lstStyle/>
-          <a:p>
-            <a:pPr algn="ctr"/>
-            <a:r>
-              <a:rPr lang="en-US" u="sng" dirty="0"/>
-              <a:t>without b tagging SF’s </a:t>
-            </a:r>
-          </a:p>
-        </p:txBody>
-      </p:sp>
-      <p:sp>
-        <p:nvSpPr>
-          <p:cNvPr id="8" name="Rectangle 7">
-            <a:extLst>
-              <a:ext uri="{FF2B5EF4-FFF2-40B4-BE49-F238E27FC236}">
-                <a16:creationId xmlns:a16="http://schemas.microsoft.com/office/drawing/2014/main" id="{FE0D63A0-1633-E841-944F-B91BFC6F0FEB}"/>
-              </a:ext>
-            </a:extLst>
-          </p:cNvPr>
-          <p:cNvSpPr/>
-          <p:nvPr/>
-        </p:nvSpPr>
-        <p:spPr>
-          <a:xfrm>
-            <a:off x="2333415" y="638586"/>
-            <a:ext cx="1499065" cy="369332"/>
-          </a:xfrm>
-          <a:prstGeom prst="rect">
-            <a:avLst/>
-          </a:prstGeom>
-        </p:spPr>
-        <p:txBody>
-          <a:bodyPr wrap="none">
-            <a:spAutoFit/>
-          </a:bodyPr>
-          <a:lstStyle/>
-          <a:p>
-            <a:pPr algn="ctr"/>
-            <a:r>
-              <a:rPr lang="en-US" u="sng" dirty="0"/>
-              <a:t>b tagging SF’s </a:t>
-            </a:r>
-          </a:p>
-        </p:txBody>
-      </p:sp>
-      <p:sp>
-        <p:nvSpPr>
-          <p:cNvPr id="2" name="Rectangle 1">
-            <a:extLst>
-              <a:ext uri="{FF2B5EF4-FFF2-40B4-BE49-F238E27FC236}">
-                <a16:creationId xmlns:a16="http://schemas.microsoft.com/office/drawing/2014/main" id="{2DC1FF26-71A8-0242-A173-4ED7A7EC3B5E}"/>
-              </a:ext>
-            </a:extLst>
-          </p:cNvPr>
-          <p:cNvSpPr/>
-          <p:nvPr/>
-        </p:nvSpPr>
-        <p:spPr>
-          <a:xfrm>
-            <a:off x="1211284" y="1582339"/>
-            <a:ext cx="3743325" cy="3693319"/>
-          </a:xfrm>
-          <a:prstGeom prst="rect">
-            <a:avLst/>
-          </a:prstGeom>
-        </p:spPr>
-        <p:txBody>
-          <a:bodyPr wrap="square">
-            <a:spAutoFit/>
-          </a:bodyPr>
-          <a:lstStyle/>
-          <a:p>
-            <a:r>
-              <a:rPr lang="en-GR" dirty="0"/>
-              <a:t>Efficiency-- with btagging SF's</a:t>
-            </a:r>
-          </a:p>
-          <a:p>
-            <a:r>
-              <a:rPr lang="en-GR" dirty="0"/>
-              <a:t>eff data: 0.857 ± 0.040</a:t>
-            </a:r>
-          </a:p>
-          <a:p>
-            <a:r>
-              <a:rPr lang="en-GR" b="1" u="sng" dirty="0">
-                <a:solidFill>
-                  <a:srgbClr val="FF0000"/>
-                </a:solidFill>
-              </a:rPr>
-              <a:t>eff ttbar: 0.875 ± 0.0072</a:t>
-            </a:r>
-          </a:p>
-          <a:p>
-            <a:r>
-              <a:rPr lang="en-GR" dirty="0"/>
-              <a:t>-----------</a:t>
-            </a:r>
-          </a:p>
-          <a:p>
-            <a:r>
-              <a:rPr lang="en-GR" dirty="0"/>
-              <a:t>Efficiency per Pt region</a:t>
-            </a:r>
-          </a:p>
-          <a:p>
-            <a:r>
-              <a:rPr lang="en-GR" dirty="0"/>
-              <a:t>eff data pT[400-600]: 0.872 ± 0.047</a:t>
-            </a:r>
-          </a:p>
-          <a:p>
-            <a:r>
-              <a:rPr lang="en-GR" dirty="0"/>
-              <a:t>eff ttbar pT[400-600]: 0.874 ± 0.008</a:t>
-            </a:r>
-          </a:p>
-          <a:p>
-            <a:r>
-              <a:rPr lang="en-GR" dirty="0"/>
-              <a:t>-----------</a:t>
-            </a:r>
-          </a:p>
-          <a:p>
-            <a:r>
-              <a:rPr lang="en-GR" dirty="0"/>
-              <a:t>eff data pT[600-800]: 0.795 ± 0.088</a:t>
-            </a:r>
-          </a:p>
-          <a:p>
-            <a:r>
-              <a:rPr lang="en-GR" dirty="0"/>
-              <a:t>eff ttbar pT[600-800]: 0.876 ± 0.018</a:t>
-            </a:r>
-          </a:p>
-          <a:p>
-            <a:r>
-              <a:rPr lang="en-GR" dirty="0"/>
-              <a:t>-----------</a:t>
-            </a:r>
-          </a:p>
-          <a:p>
-            <a:r>
-              <a:rPr lang="en-GR" dirty="0"/>
-              <a:t>eff data pT[800-Inf]: 0.797 ± 0.186</a:t>
-            </a:r>
-          </a:p>
-          <a:p>
-            <a:r>
-              <a:rPr lang="en-GR" dirty="0"/>
-              <a:t>eff ttbar pT[800-Inf]: 0.899 ± 0.045</a:t>
-            </a:r>
-          </a:p>
-        </p:txBody>
-      </p:sp>
-      <p:sp>
-        <p:nvSpPr>
-          <p:cNvPr id="4" name="Rectangle 3">
-            <a:extLst>
-              <a:ext uri="{FF2B5EF4-FFF2-40B4-BE49-F238E27FC236}">
-                <a16:creationId xmlns:a16="http://schemas.microsoft.com/office/drawing/2014/main" id="{17DD903E-E2EE-ED4A-B9BA-6BDA6FAA4776}"/>
-              </a:ext>
-            </a:extLst>
-          </p:cNvPr>
-          <p:cNvSpPr/>
-          <p:nvPr/>
-        </p:nvSpPr>
-        <p:spPr>
-          <a:xfrm>
-            <a:off x="7212711" y="1582339"/>
-            <a:ext cx="3743325" cy="3693319"/>
-          </a:xfrm>
-          <a:prstGeom prst="rect">
-            <a:avLst/>
-          </a:prstGeom>
-        </p:spPr>
-        <p:txBody>
-          <a:bodyPr wrap="square">
-            <a:spAutoFit/>
-          </a:bodyPr>
-          <a:lstStyle/>
-          <a:p>
-            <a:r>
-              <a:rPr lang="en-GR" dirty="0"/>
-              <a:t>Efficiency-- without btagging SF's</a:t>
-            </a:r>
-          </a:p>
-          <a:p>
-            <a:r>
-              <a:rPr lang="en-GR" dirty="0"/>
-              <a:t>eff data: 0.864 ± 0.043</a:t>
-            </a:r>
-          </a:p>
-          <a:p>
-            <a:r>
-              <a:rPr lang="en-GR" dirty="0">
-                <a:solidFill>
-                  <a:srgbClr val="FF0000"/>
-                </a:solidFill>
-              </a:rPr>
-              <a:t>eff ttbar: 0.875 ± 0.007</a:t>
-            </a:r>
-          </a:p>
-          <a:p>
-            <a:r>
-              <a:rPr lang="en-GR" dirty="0"/>
-              <a:t>-----------</a:t>
-            </a:r>
-          </a:p>
-          <a:p>
-            <a:r>
-              <a:rPr lang="en-GR" dirty="0"/>
-              <a:t>Efficiency per Pt region</a:t>
-            </a:r>
-          </a:p>
-          <a:p>
-            <a:r>
-              <a:rPr lang="en-GR" dirty="0"/>
-              <a:t>eff data pT[400-600]: 0.880 ± 0.049</a:t>
-            </a:r>
-          </a:p>
-          <a:p>
-            <a:r>
-              <a:rPr lang="en-GR" dirty="0"/>
-              <a:t>eff ttbar pT[400-600]: 0.874 ± 0.008</a:t>
-            </a:r>
-          </a:p>
-          <a:p>
-            <a:r>
-              <a:rPr lang="en-GR" dirty="0"/>
-              <a:t>-----------</a:t>
-            </a:r>
-          </a:p>
-          <a:p>
-            <a:r>
-              <a:rPr lang="en-GR" dirty="0"/>
-              <a:t>eff data pT[600-800]: 0.8 ± 0.091</a:t>
-            </a:r>
-          </a:p>
-          <a:p>
-            <a:r>
-              <a:rPr lang="en-GR" dirty="0"/>
-              <a:t>eff ttbar pT[600-800]: 0.876 ± 0.018</a:t>
-            </a:r>
-          </a:p>
-          <a:p>
-            <a:r>
-              <a:rPr lang="en-GR" dirty="0"/>
-              <a:t>-----------</a:t>
-            </a:r>
-          </a:p>
-          <a:p>
-            <a:r>
-              <a:rPr lang="en-GR" dirty="0"/>
-              <a:t>eff data pT[800-Inf]: 0.796 ± 0.2</a:t>
-            </a:r>
-          </a:p>
-          <a:p>
-            <a:r>
-              <a:rPr lang="en-GR" dirty="0"/>
-              <a:t>eff ttbar pT[800-Inf]: 0.898 ± 0.045</a:t>
-            </a:r>
-          </a:p>
-        </p:txBody>
-      </p:sp>
-    </p:spTree>
-    <p:extLst>
-      <p:ext uri="{BB962C8B-B14F-4D97-AF65-F5344CB8AC3E}">
-        <p14:creationId xmlns:p14="http://schemas.microsoft.com/office/powerpoint/2010/main" val="305433567"/>
-      </p:ext>
-    </p:extLst>
-  </p:cSld>
-  <p:clrMapOvr>
-    <a:masterClrMapping/>
-  </p:clrMapOvr>
-</p:sld>
-</file>
-
 <file path=ppt/slides/slide3.xml><?xml version="1.0" encoding="utf-8"?>
 <p:sld xmlns:a="http://schemas.openxmlformats.org/drawingml/2006/main" xmlns:r="http://schemas.openxmlformats.org/officeDocument/2006/relationships" xmlns:p="http://schemas.openxmlformats.org/presentationml/2006/main">
   <p:cSld>
@@ -16458,7 +16326,7 @@
           <a:p>
             <a:fld id="{F7AFF6A5-F1FB-284A-BF72-2836D5A0B341}" type="datetime1">
               <a:rPr lang="en-US" smtClean="0"/>
-              <a:t>9/7/20</a:t>
+              <a:t>9/8/20</a:t>
             </a:fld>
             <a:endParaRPr lang="en-US" dirty="0"/>
           </a:p>
@@ -17529,6 +17397,53 @@
       </p:sp>
       <p:sp>
         <p:nvSpPr>
+          <p:cNvPr id="7" name="TextBox 6"/>
+          <p:cNvSpPr txBox="1"/>
+          <p:nvPr/>
+        </p:nvSpPr>
+        <p:spPr>
+          <a:xfrm>
+            <a:off x="3276600" y="33090"/>
+            <a:ext cx="5638800" cy="523220"/>
+          </a:xfrm>
+          <a:prstGeom prst="rect">
+            <a:avLst/>
+          </a:prstGeom>
+          <a:noFill/>
+        </p:spPr>
+        <p:txBody>
+          <a:bodyPr wrap="square" rtlCol="0">
+            <a:spAutoFit/>
+          </a:bodyPr>
+          <a:lstStyle/>
+          <a:p>
+            <a:pPr algn="ctr"/>
+            <a:r>
+              <a:rPr lang="en-US" sz="2800" u="sng" dirty="0"/>
+              <a:t>Tag And Probe Calculations </a:t>
+            </a:r>
+            <a:r>
+              <a:rPr lang="en-US" sz="2800" u="sng" dirty="0">
+                <a:solidFill>
+                  <a:srgbClr val="00B0F0"/>
+                </a:solidFill>
+              </a:rPr>
+              <a:t>2016</a:t>
+            </a:r>
+            <a:r>
+              <a:rPr lang="en-US" sz="2800" u="sng" dirty="0"/>
+              <a:t> </a:t>
+            </a:r>
+            <a:endParaRPr lang="en-US" sz="2800" u="sng" dirty="0">
+              <a:solidFill>
+                <a:srgbClr val="00B050"/>
+              </a:solidFill>
+            </a:endParaRPr>
+          </a:p>
+        </p:txBody>
+      </p:sp>
+      <p:sp>
+        <p:nvSpPr>
           <p:cNvPr id="5" name="Slide Number Placeholder 4">
             <a:extLst>
               <a:ext uri="{FF2B5EF4-FFF2-40B4-BE49-F238E27FC236}">
@@ -17578,331 +17493,300 @@
           <a:bodyPr/>
           <a:lstStyle/>
           <a:p>
-            <a:fld id="{D52D66B2-0E0A-F441-A1DA-8039F615D612}" type="datetime1">
+            <a:fld id="{3DBB7BD0-9B8D-1F47-8ABF-BE3CF9BD2848}" type="datetime1">
               <a:rPr lang="en-US" smtClean="0"/>
-              <a:t>9/7/20</a:t>
+              <a:t>9/8/20</a:t>
             </a:fld>
             <a:endParaRPr lang="en-US" dirty="0"/>
           </a:p>
         </p:txBody>
       </p:sp>
-      <p:pic>
-        <p:nvPicPr>
-          <p:cNvPr id="6" name="Picture 5">
+      <p:sp>
+        <p:nvSpPr>
+          <p:cNvPr id="6" name="Rectangle 5">
             <a:extLst>
               <a:ext uri="{FF2B5EF4-FFF2-40B4-BE49-F238E27FC236}">
-                <a16:creationId xmlns:a16="http://schemas.microsoft.com/office/drawing/2014/main" id="{76577AAD-70A0-9B43-8DBE-57FA2136BB3A}"/>
+                <a16:creationId xmlns:a16="http://schemas.microsoft.com/office/drawing/2014/main" id="{1D3A9800-C923-F943-ACA5-B4B9B9A1D73D}"/>
               </a:ext>
             </a:extLst>
           </p:cNvPr>
-          <p:cNvPicPr>
-            <a:picLocks noChangeAspect="1"/>
-          </p:cNvPicPr>
+          <p:cNvSpPr/>
           <p:nvPr/>
-        </p:nvPicPr>
-        <p:blipFill>
-          <a:blip r:embed="rId2"/>
-          <a:stretch>
-            <a:fillRect/>
-          </a:stretch>
-        </p:blipFill>
-        <p:spPr>
-          <a:xfrm rot="5400000">
-            <a:off x="7709105" y="-192065"/>
-            <a:ext cx="3012694" cy="4176522"/>
+        </p:nvSpPr>
+        <p:spPr>
+          <a:xfrm>
+            <a:off x="7939701" y="638586"/>
+            <a:ext cx="2289346" cy="369332"/>
           </a:xfrm>
           <a:prstGeom prst="rect">
             <a:avLst/>
           </a:prstGeom>
         </p:spPr>
-      </p:pic>
-      <p:pic>
-        <p:nvPicPr>
-          <p:cNvPr id="9" name="Picture 8">
+        <p:txBody>
+          <a:bodyPr wrap="none">
+            <a:spAutoFit/>
+          </a:bodyPr>
+          <a:lstStyle/>
+          <a:p>
+            <a:pPr algn="ctr"/>
+            <a:r>
+              <a:rPr lang="en-US" u="sng" dirty="0"/>
+              <a:t>without b tagging SF’s </a:t>
+            </a:r>
+          </a:p>
+        </p:txBody>
+      </p:sp>
+      <p:sp>
+        <p:nvSpPr>
+          <p:cNvPr id="8" name="Rectangle 7">
             <a:extLst>
               <a:ext uri="{FF2B5EF4-FFF2-40B4-BE49-F238E27FC236}">
-                <a16:creationId xmlns:a16="http://schemas.microsoft.com/office/drawing/2014/main" id="{E69FA34F-44BB-8144-9394-18EA05CD1FF7}"/>
+                <a16:creationId xmlns:a16="http://schemas.microsoft.com/office/drawing/2014/main" id="{FE0D63A0-1633-E841-944F-B91BFC6F0FEB}"/>
               </a:ext>
             </a:extLst>
           </p:cNvPr>
-          <p:cNvPicPr>
-            <a:picLocks noChangeAspect="1"/>
-          </p:cNvPicPr>
+          <p:cNvSpPr/>
           <p:nvPr/>
-        </p:nvPicPr>
-        <p:blipFill>
-          <a:blip r:embed="rId3"/>
-          <a:stretch>
-            <a:fillRect/>
-          </a:stretch>
-        </p:blipFill>
-        <p:spPr>
-          <a:xfrm rot="5400000">
-            <a:off x="7711792" y="2820629"/>
-            <a:ext cx="3012694" cy="4176522"/>
+        </p:nvSpPr>
+        <p:spPr>
+          <a:xfrm>
+            <a:off x="2333415" y="638586"/>
+            <a:ext cx="1499065" cy="369332"/>
           </a:xfrm>
           <a:prstGeom prst="rect">
             <a:avLst/>
           </a:prstGeom>
         </p:spPr>
-      </p:pic>
-      <p:sp>
-        <p:nvSpPr>
-          <p:cNvPr id="12" name="TextBox 11">
+        <p:txBody>
+          <a:bodyPr wrap="none">
+            <a:spAutoFit/>
+          </a:bodyPr>
+          <a:lstStyle/>
+          <a:p>
+            <a:pPr algn="ctr"/>
+            <a:r>
+              <a:rPr lang="en-US" u="sng" dirty="0"/>
+              <a:t>b tagging SF’s </a:t>
+            </a:r>
+          </a:p>
+        </p:txBody>
+      </p:sp>
+      <p:sp>
+        <p:nvSpPr>
+          <p:cNvPr id="4" name="Rectangle 3">
             <a:extLst>
               <a:ext uri="{FF2B5EF4-FFF2-40B4-BE49-F238E27FC236}">
-                <a16:creationId xmlns:a16="http://schemas.microsoft.com/office/drawing/2014/main" id="{9235591C-B2E3-1F4E-A8D0-58AEACB0FD0A}"/>
+                <a16:creationId xmlns:a16="http://schemas.microsoft.com/office/drawing/2014/main" id="{5C3FEF86-DEE2-7A46-9297-5B0B54F82785}"/>
               </a:ext>
             </a:extLst>
           </p:cNvPr>
-          <p:cNvSpPr txBox="1"/>
+          <p:cNvSpPr/>
           <p:nvPr/>
         </p:nvSpPr>
         <p:spPr>
           <a:xfrm>
-            <a:off x="3752850" y="-76347"/>
-            <a:ext cx="4686300" cy="523220"/>
+            <a:off x="1237088" y="1582339"/>
+            <a:ext cx="3691717" cy="3693319"/>
           </a:xfrm>
           <a:prstGeom prst="rect">
             <a:avLst/>
           </a:prstGeom>
-          <a:noFill/>
-        </p:spPr>
-        <p:txBody>
-          <a:bodyPr wrap="square" rtlCol="0">
+        </p:spPr>
+        <p:txBody>
+          <a:bodyPr wrap="square">
             <a:spAutoFit/>
           </a:bodyPr>
           <a:lstStyle/>
           <a:p>
             <a:r>
-              <a:rPr lang="en-GR" sz="2800" u="sng" dirty="0"/>
-              <a:t>TagAndProbe Efficiency </a:t>
-            </a:r>
-            <a:r>
-              <a:rPr lang="en-US" sz="2800" u="sng" dirty="0"/>
-              <a:t>(</a:t>
-            </a:r>
-            <a:r>
-              <a:rPr lang="en-US" sz="2800" u="sng" dirty="0">
+              <a:rPr lang="en-GR" dirty="0"/>
+              <a:t>Efficiency--with btagging SF's</a:t>
+            </a:r>
+          </a:p>
+          <a:p>
+            <a:r>
+              <a:rPr lang="en-GR" dirty="0"/>
+              <a:t>eff data: 0.781 ± 0.038</a:t>
+            </a:r>
+          </a:p>
+          <a:p>
+            <a:r>
+              <a:rPr lang="en-GR" b="1" u="sng" dirty="0">
                 <a:solidFill>
-                  <a:srgbClr val="FF0000"/>
+                  <a:srgbClr val="00B0F0"/>
                 </a:solidFill>
               </a:rPr>
-              <a:t>2017</a:t>
-            </a:r>
-            <a:r>
-              <a:rPr lang="en-US" sz="2800" u="sng" dirty="0"/>
-              <a:t>)</a:t>
-            </a:r>
-          </a:p>
-        </p:txBody>
-      </p:sp>
-      <p:pic>
-        <p:nvPicPr>
-          <p:cNvPr id="4" name="Picture 3">
+              <a:t>eff ttbar: 0.772 ± 0.014</a:t>
+            </a:r>
+          </a:p>
+          <a:p>
+            <a:r>
+              <a:rPr lang="en-GR" dirty="0"/>
+              <a:t>-----------</a:t>
+            </a:r>
+          </a:p>
+          <a:p>
+            <a:r>
+              <a:rPr lang="en-GR" dirty="0"/>
+              <a:t>Efficiency per Pt region</a:t>
+            </a:r>
+          </a:p>
+          <a:p>
+            <a:r>
+              <a:rPr lang="en-GR" dirty="0"/>
+              <a:t>eff data pT[400-600]: 0.761 ± 0.042</a:t>
+            </a:r>
+          </a:p>
+          <a:p>
+            <a:r>
+              <a:rPr lang="en-GR" dirty="0"/>
+              <a:t>eff ttbar pT[400-600]: 0.778 ± 0.016</a:t>
+            </a:r>
+          </a:p>
+          <a:p>
+            <a:r>
+              <a:rPr lang="en-GR" dirty="0"/>
+              <a:t>-----------</a:t>
+            </a:r>
+          </a:p>
+          <a:p>
+            <a:r>
+              <a:rPr lang="en-GR" dirty="0"/>
+              <a:t>eff data pT[600-800]: 0.851 ± 0.100</a:t>
+            </a:r>
+          </a:p>
+          <a:p>
+            <a:r>
+              <a:rPr lang="en-GR" dirty="0"/>
+              <a:t>eff ttbar pT[600-800]: 0.748 ± 0.031</a:t>
+            </a:r>
+          </a:p>
+          <a:p>
+            <a:r>
+              <a:rPr lang="en-GR" dirty="0"/>
+              <a:t>-----------</a:t>
+            </a:r>
+          </a:p>
+          <a:p>
+            <a:r>
+              <a:rPr lang="en-GR" dirty="0"/>
+              <a:t>eff data pT[800-Inf]: 0.886 ± 0.160</a:t>
+            </a:r>
+          </a:p>
+          <a:p>
+            <a:r>
+              <a:rPr lang="en-GR" dirty="0"/>
+              <a:t>eff ttbar pT[800-Inf]: 0.775 ± 0.063</a:t>
+            </a:r>
+          </a:p>
+        </p:txBody>
+      </p:sp>
+      <p:sp>
+        <p:nvSpPr>
+          <p:cNvPr id="9" name="Rectangle 8">
             <a:extLst>
               <a:ext uri="{FF2B5EF4-FFF2-40B4-BE49-F238E27FC236}">
-                <a16:creationId xmlns:a16="http://schemas.microsoft.com/office/drawing/2014/main" id="{2A0B0CBB-9430-DB4A-8230-417D7635DCEF}"/>
+                <a16:creationId xmlns:a16="http://schemas.microsoft.com/office/drawing/2014/main" id="{B6B55A27-C83E-6643-BB7E-E5EEB2946D8C}"/>
               </a:ext>
             </a:extLst>
           </p:cNvPr>
-          <p:cNvPicPr>
-            <a:picLocks noChangeAspect="1"/>
-          </p:cNvPicPr>
+          <p:cNvSpPr/>
           <p:nvPr/>
-        </p:nvPicPr>
-        <p:blipFill>
-          <a:blip r:embed="rId4"/>
-          <a:stretch>
-            <a:fillRect/>
-          </a:stretch>
-        </p:blipFill>
-        <p:spPr>
-          <a:xfrm rot="5400000">
-            <a:off x="1341824" y="-192065"/>
-            <a:ext cx="3012694" cy="4176522"/>
+        </p:nvSpPr>
+        <p:spPr>
+          <a:xfrm>
+            <a:off x="7069541" y="1582338"/>
+            <a:ext cx="3691717" cy="3693319"/>
           </a:xfrm>
           <a:prstGeom prst="rect">
             <a:avLst/>
           </a:prstGeom>
         </p:spPr>
-      </p:pic>
-      <p:pic>
-        <p:nvPicPr>
-          <p:cNvPr id="10" name="Picture 9">
-            <a:extLst>
-              <a:ext uri="{FF2B5EF4-FFF2-40B4-BE49-F238E27FC236}">
-                <a16:creationId xmlns:a16="http://schemas.microsoft.com/office/drawing/2014/main" id="{C82386EE-D7CA-224B-9B0C-7F5E3D376BCD}"/>
-              </a:ext>
-            </a:extLst>
-          </p:cNvPr>
-          <p:cNvPicPr>
-            <a:picLocks noChangeAspect="1"/>
-          </p:cNvPicPr>
-          <p:nvPr/>
-        </p:nvPicPr>
-        <p:blipFill>
-          <a:blip r:embed="rId5"/>
-          <a:stretch>
-            <a:fillRect/>
-          </a:stretch>
-        </p:blipFill>
-        <p:spPr>
-          <a:xfrm rot="5400000">
-            <a:off x="1341824" y="2820629"/>
-            <a:ext cx="3012694" cy="4176522"/>
-          </a:xfrm>
-          <a:prstGeom prst="rect">
-            <a:avLst/>
-          </a:prstGeom>
-        </p:spPr>
-      </p:pic>
-      <p:sp>
-        <p:nvSpPr>
-          <p:cNvPr id="17" name="TextBox 16">
-            <a:extLst>
-              <a:ext uri="{FF2B5EF4-FFF2-40B4-BE49-F238E27FC236}">
-                <a16:creationId xmlns:a16="http://schemas.microsoft.com/office/drawing/2014/main" id="{2CCEE914-8706-CD47-AD02-11049E45D610}"/>
-              </a:ext>
-            </a:extLst>
-          </p:cNvPr>
-          <p:cNvSpPr txBox="1"/>
-          <p:nvPr/>
-        </p:nvSpPr>
-        <p:spPr>
-          <a:xfrm>
-            <a:off x="4564347" y="1926143"/>
-            <a:ext cx="3243263" cy="369332"/>
-          </a:xfrm>
-          <a:prstGeom prst="rect">
-            <a:avLst/>
-          </a:prstGeom>
-          <a:noFill/>
-        </p:spPr>
-        <p:txBody>
-          <a:bodyPr wrap="square" rtlCol="0">
+        <p:txBody>
+          <a:bodyPr wrap="square">
             <a:spAutoFit/>
           </a:bodyPr>
           <a:lstStyle/>
           <a:p>
-            <a:pPr algn="ctr"/>
             <a:r>
               <a:rPr lang="en-GR" dirty="0"/>
-              <a:t>Tight TopTagger + SR TopTagger</a:t>
-            </a:r>
-          </a:p>
-        </p:txBody>
-      </p:sp>
-      <p:sp>
-        <p:nvSpPr>
-          <p:cNvPr id="18" name="TextBox 17">
-            <a:extLst>
-              <a:ext uri="{FF2B5EF4-FFF2-40B4-BE49-F238E27FC236}">
-                <a16:creationId xmlns:a16="http://schemas.microsoft.com/office/drawing/2014/main" id="{6C7E105D-5296-2242-84F9-5547FDE0873C}"/>
-              </a:ext>
-            </a:extLst>
-          </p:cNvPr>
-          <p:cNvSpPr txBox="1"/>
-          <p:nvPr/>
-        </p:nvSpPr>
-        <p:spPr>
-          <a:xfrm>
-            <a:off x="4564348" y="4747191"/>
-            <a:ext cx="3243263" cy="369332"/>
-          </a:xfrm>
-          <a:prstGeom prst="rect">
-            <a:avLst/>
-          </a:prstGeom>
-          <a:noFill/>
-        </p:spPr>
-        <p:txBody>
-          <a:bodyPr wrap="square" rtlCol="0">
-            <a:spAutoFit/>
-          </a:bodyPr>
-          <a:lstStyle/>
-          <a:p>
-            <a:pPr algn="ctr"/>
+              <a:t>Efficiency--without btagging SF's</a:t>
+            </a:r>
+          </a:p>
+          <a:p>
             <a:r>
               <a:rPr lang="en-GR" dirty="0"/>
-              <a:t>Tight TopTagger + Probe</a:t>
-            </a:r>
-          </a:p>
-        </p:txBody>
-      </p:sp>
-      <p:sp>
-        <p:nvSpPr>
-          <p:cNvPr id="19" name="Rectangle 18">
-            <a:extLst>
-              <a:ext uri="{FF2B5EF4-FFF2-40B4-BE49-F238E27FC236}">
-                <a16:creationId xmlns:a16="http://schemas.microsoft.com/office/drawing/2014/main" id="{F18E505C-0E8D-5D4F-9340-1B44147C83AA}"/>
-              </a:ext>
-            </a:extLst>
-          </p:cNvPr>
-          <p:cNvSpPr/>
-          <p:nvPr/>
-        </p:nvSpPr>
-        <p:spPr>
-          <a:xfrm>
-            <a:off x="2049125" y="3186241"/>
-            <a:ext cx="1520674" cy="369332"/>
-          </a:xfrm>
-          <a:prstGeom prst="rect">
-            <a:avLst/>
-          </a:prstGeom>
-        </p:spPr>
-        <p:txBody>
-          <a:bodyPr wrap="none">
-            <a:spAutoFit/>
-          </a:bodyPr>
-          <a:lstStyle/>
-          <a:p>
-            <a:pPr algn="ctr"/>
-            <a:r>
-              <a:rPr lang="en-US" b="1" u="sng" dirty="0">
+              <a:t>eff data: 0.782 ± 0.039</a:t>
+            </a:r>
+          </a:p>
+          <a:p>
+            <a:r>
+              <a:rPr lang="en-GR" dirty="0">
                 <a:solidFill>
-                  <a:srgbClr val="FF0000"/>
+                  <a:srgbClr val="00B0F0"/>
                 </a:solidFill>
               </a:rPr>
-              <a:t>b tagging SF’s </a:t>
-            </a:r>
-          </a:p>
-        </p:txBody>
-      </p:sp>
-      <p:sp>
-        <p:nvSpPr>
-          <p:cNvPr id="20" name="Rectangle 19">
-            <a:extLst>
-              <a:ext uri="{FF2B5EF4-FFF2-40B4-BE49-F238E27FC236}">
-                <a16:creationId xmlns:a16="http://schemas.microsoft.com/office/drawing/2014/main" id="{67D4E5C2-0B92-0048-8D4F-4E4A55880973}"/>
-              </a:ext>
-            </a:extLst>
-          </p:cNvPr>
-          <p:cNvSpPr/>
-          <p:nvPr/>
-        </p:nvSpPr>
-        <p:spPr>
-          <a:xfrm>
-            <a:off x="8457894" y="3204932"/>
-            <a:ext cx="1849289" cy="369332"/>
-          </a:xfrm>
-          <a:prstGeom prst="rect">
-            <a:avLst/>
-          </a:prstGeom>
-        </p:spPr>
-        <p:txBody>
-          <a:bodyPr wrap="none">
-            <a:spAutoFit/>
-          </a:bodyPr>
-          <a:lstStyle/>
-          <a:p>
-            <a:pPr algn="ctr"/>
-            <a:r>
-              <a:rPr lang="en-US" b="1" u="sng" dirty="0">
-                <a:solidFill>
-                  <a:srgbClr val="FF0000"/>
-                </a:solidFill>
-              </a:rPr>
-              <a:t>No b tagging SF’s </a:t>
+              <a:t>eff ttbar: 0.772 ± 0.014</a:t>
+            </a:r>
+          </a:p>
+          <a:p>
+            <a:r>
+              <a:rPr lang="en-GR" dirty="0"/>
+              <a:t>-----------</a:t>
+            </a:r>
+          </a:p>
+          <a:p>
+            <a:r>
+              <a:rPr lang="en-GR" dirty="0"/>
+              <a:t>Efficiency per Pt region</a:t>
+            </a:r>
+          </a:p>
+          <a:p>
+            <a:r>
+              <a:rPr lang="en-GR" dirty="0"/>
+              <a:t>eff data pT[400-600]: 0.762 ± 0.043 </a:t>
+            </a:r>
+          </a:p>
+          <a:p>
+            <a:r>
+              <a:rPr lang="en-GR" dirty="0"/>
+              <a:t>eff ttbar pT[400-600]: 0.778 ± 0.016</a:t>
+            </a:r>
+          </a:p>
+          <a:p>
+            <a:r>
+              <a:rPr lang="en-GR" dirty="0"/>
+              <a:t>-----------</a:t>
+            </a:r>
+          </a:p>
+          <a:p>
+            <a:r>
+              <a:rPr lang="en-GR" dirty="0"/>
+              <a:t>eff data pT[600-800]: 0.854 ± 0.103</a:t>
+            </a:r>
+          </a:p>
+          <a:p>
+            <a:r>
+              <a:rPr lang="en-GR" dirty="0"/>
+              <a:t>eff ttbar pT[600-800]: 0.748 ± 0.031</a:t>
+            </a:r>
+          </a:p>
+          <a:p>
+            <a:r>
+              <a:rPr lang="en-GR" dirty="0"/>
+              <a:t>-----------</a:t>
+            </a:r>
+          </a:p>
+          <a:p>
+            <a:r>
+              <a:rPr lang="en-GR" dirty="0"/>
+              <a:t>eff data pT[800-Inf]: 0.888 ± 0.161</a:t>
+            </a:r>
+          </a:p>
+          <a:p>
+            <a:r>
+              <a:rPr lang="en-GR" dirty="0"/>
+              <a:t>eff ttbar pT[800-Inf]: 0.775 ± 0.064</a:t>
             </a:r>
           </a:p>
         </p:txBody>
@@ -17910,7 +17794,7 @@
     </p:spTree>
     <p:extLst>
       <p:ext uri="{BB962C8B-B14F-4D97-AF65-F5344CB8AC3E}">
-        <p14:creationId xmlns:p14="http://schemas.microsoft.com/office/powerpoint/2010/main" val="4150945209"/>
+        <p14:creationId xmlns:p14="http://schemas.microsoft.com/office/powerpoint/2010/main" val="3727702470"/>
       </p:ext>
     </p:extLst>
   </p:cSld>
@@ -17966,53 +17850,6 @@
       </p:sp>
       <p:sp>
         <p:nvSpPr>
-          <p:cNvPr id="7" name="TextBox 6"/>
-          <p:cNvSpPr txBox="1"/>
-          <p:nvPr/>
-        </p:nvSpPr>
-        <p:spPr>
-          <a:xfrm>
-            <a:off x="3276600" y="33090"/>
-            <a:ext cx="5638800" cy="523220"/>
-          </a:xfrm>
-          <a:prstGeom prst="rect">
-            <a:avLst/>
-          </a:prstGeom>
-          <a:noFill/>
-        </p:spPr>
-        <p:txBody>
-          <a:bodyPr wrap="square" rtlCol="0">
-            <a:spAutoFit/>
-          </a:bodyPr>
-          <a:lstStyle/>
-          <a:p>
-            <a:pPr algn="ctr"/>
-            <a:r>
-              <a:rPr lang="en-US" sz="2800" u="sng" dirty="0"/>
-              <a:t>Tag And Probe Calculations </a:t>
-            </a:r>
-            <a:r>
-              <a:rPr lang="en-US" sz="2800" u="sng" dirty="0">
-                <a:solidFill>
-                  <a:srgbClr val="00B050"/>
-                </a:solidFill>
-              </a:rPr>
-              <a:t>2018</a:t>
-            </a:r>
-            <a:r>
-              <a:rPr lang="en-US" sz="2800" u="sng" dirty="0"/>
-              <a:t> </a:t>
-            </a:r>
-            <a:endParaRPr lang="en-US" sz="2800" u="sng" dirty="0">
-              <a:solidFill>
-                <a:srgbClr val="00B050"/>
-              </a:solidFill>
-            </a:endParaRPr>
-          </a:p>
-        </p:txBody>
-      </p:sp>
-      <p:sp>
-        <p:nvSpPr>
           <p:cNvPr id="5" name="Slide Number Placeholder 4">
             <a:extLst>
               <a:ext uri="{FF2B5EF4-FFF2-40B4-BE49-F238E27FC236}">
@@ -18062,20 +17899,263 @@
           <a:bodyPr/>
           <a:lstStyle/>
           <a:p>
-            <a:fld id="{3DBB7BD0-9B8D-1F47-8ABF-BE3CF9BD2848}" type="datetime1">
+            <a:fld id="{D52D66B2-0E0A-F441-A1DA-8039F615D612}" type="datetime1">
               <a:rPr lang="en-US" smtClean="0"/>
-              <a:t>9/7/20</a:t>
+              <a:t>9/8/20</a:t>
             </a:fld>
             <a:endParaRPr lang="en-US" dirty="0"/>
           </a:p>
         </p:txBody>
       </p:sp>
-      <p:sp>
-        <p:nvSpPr>
-          <p:cNvPr id="6" name="Rectangle 5">
+      <p:pic>
+        <p:nvPicPr>
+          <p:cNvPr id="14" name="Picture 13">
             <a:extLst>
               <a:ext uri="{FF2B5EF4-FFF2-40B4-BE49-F238E27FC236}">
-                <a16:creationId xmlns:a16="http://schemas.microsoft.com/office/drawing/2014/main" id="{1D3A9800-C923-F943-ACA5-B4B9B9A1D73D}"/>
+                <a16:creationId xmlns:a16="http://schemas.microsoft.com/office/drawing/2014/main" id="{484BB678-EF03-1E4B-8F08-99BE279810A5}"/>
+              </a:ext>
+            </a:extLst>
+          </p:cNvPr>
+          <p:cNvPicPr>
+            <a:picLocks noChangeAspect="1"/>
+          </p:cNvPicPr>
+          <p:nvPr/>
+        </p:nvPicPr>
+        <p:blipFill>
+          <a:blip r:embed="rId2"/>
+          <a:stretch>
+            <a:fillRect/>
+          </a:stretch>
+        </p:blipFill>
+        <p:spPr>
+          <a:xfrm rot="5400000">
+            <a:off x="7944248" y="-147063"/>
+            <a:ext cx="3012694" cy="4176522"/>
+          </a:xfrm>
+          <a:prstGeom prst="rect">
+            <a:avLst/>
+          </a:prstGeom>
+        </p:spPr>
+      </p:pic>
+      <p:pic>
+        <p:nvPicPr>
+          <p:cNvPr id="16" name="Picture 15">
+            <a:extLst>
+              <a:ext uri="{FF2B5EF4-FFF2-40B4-BE49-F238E27FC236}">
+                <a16:creationId xmlns:a16="http://schemas.microsoft.com/office/drawing/2014/main" id="{9D6EE389-A52D-4F4C-A2D8-E6BDAB28B6D9}"/>
+              </a:ext>
+            </a:extLst>
+          </p:cNvPr>
+          <p:cNvPicPr>
+            <a:picLocks noChangeAspect="1"/>
+          </p:cNvPicPr>
+          <p:nvPr/>
+        </p:nvPicPr>
+        <p:blipFill>
+          <a:blip r:embed="rId3"/>
+          <a:stretch>
+            <a:fillRect/>
+          </a:stretch>
+        </p:blipFill>
+        <p:spPr>
+          <a:xfrm rot="5400000">
+            <a:off x="7944248" y="2883723"/>
+            <a:ext cx="3012694" cy="4176522"/>
+          </a:xfrm>
+          <a:prstGeom prst="rect">
+            <a:avLst/>
+          </a:prstGeom>
+        </p:spPr>
+      </p:pic>
+      <p:sp>
+        <p:nvSpPr>
+          <p:cNvPr id="12" name="TextBox 11">
+            <a:extLst>
+              <a:ext uri="{FF2B5EF4-FFF2-40B4-BE49-F238E27FC236}">
+                <a16:creationId xmlns:a16="http://schemas.microsoft.com/office/drawing/2014/main" id="{0DA88F88-061A-7948-9105-8D7B2578CE9D}"/>
+              </a:ext>
+            </a:extLst>
+          </p:cNvPr>
+          <p:cNvSpPr txBox="1"/>
+          <p:nvPr/>
+        </p:nvSpPr>
+        <p:spPr>
+          <a:xfrm>
+            <a:off x="3752850" y="-76347"/>
+            <a:ext cx="4686300" cy="523220"/>
+          </a:xfrm>
+          <a:prstGeom prst="rect">
+            <a:avLst/>
+          </a:prstGeom>
+          <a:noFill/>
+        </p:spPr>
+        <p:txBody>
+          <a:bodyPr wrap="square" rtlCol="0">
+            <a:spAutoFit/>
+          </a:bodyPr>
+          <a:lstStyle/>
+          <a:p>
+            <a:r>
+              <a:rPr lang="en-GR" sz="2800" u="sng" dirty="0"/>
+              <a:t>TagAndProbe Efficiency </a:t>
+            </a:r>
+            <a:r>
+              <a:rPr lang="en-US" sz="2800" u="sng" dirty="0"/>
+              <a:t>(</a:t>
+            </a:r>
+            <a:r>
+              <a:rPr lang="en-US" sz="2800" u="sng" dirty="0">
+                <a:solidFill>
+                  <a:srgbClr val="00B0F0"/>
+                </a:solidFill>
+              </a:rPr>
+              <a:t>2016</a:t>
+            </a:r>
+            <a:r>
+              <a:rPr lang="en-US" sz="2800" u="sng" dirty="0"/>
+              <a:t>)</a:t>
+            </a:r>
+          </a:p>
+        </p:txBody>
+      </p:sp>
+      <p:pic>
+        <p:nvPicPr>
+          <p:cNvPr id="4" name="Picture 3">
+            <a:extLst>
+              <a:ext uri="{FF2B5EF4-FFF2-40B4-BE49-F238E27FC236}">
+                <a16:creationId xmlns:a16="http://schemas.microsoft.com/office/drawing/2014/main" id="{445DFE14-0581-C04E-BF1A-15D93312C5B0}"/>
+              </a:ext>
+            </a:extLst>
+          </p:cNvPr>
+          <p:cNvPicPr>
+            <a:picLocks noChangeAspect="1"/>
+          </p:cNvPicPr>
+          <p:nvPr/>
+        </p:nvPicPr>
+        <p:blipFill>
+          <a:blip r:embed="rId4"/>
+          <a:stretch>
+            <a:fillRect/>
+          </a:stretch>
+        </p:blipFill>
+        <p:spPr>
+          <a:xfrm rot="5400000">
+            <a:off x="1450594" y="-223701"/>
+            <a:ext cx="3012694" cy="4176522"/>
+          </a:xfrm>
+          <a:prstGeom prst="rect">
+            <a:avLst/>
+          </a:prstGeom>
+        </p:spPr>
+      </p:pic>
+      <p:pic>
+        <p:nvPicPr>
+          <p:cNvPr id="8" name="Picture 7">
+            <a:extLst>
+              <a:ext uri="{FF2B5EF4-FFF2-40B4-BE49-F238E27FC236}">
+                <a16:creationId xmlns:a16="http://schemas.microsoft.com/office/drawing/2014/main" id="{17C44605-60F4-E547-9DEF-B768885A5780}"/>
+              </a:ext>
+            </a:extLst>
+          </p:cNvPr>
+          <p:cNvPicPr>
+            <a:picLocks noChangeAspect="1"/>
+          </p:cNvPicPr>
+          <p:nvPr/>
+        </p:nvPicPr>
+        <p:blipFill>
+          <a:blip r:embed="rId5"/>
+          <a:stretch>
+            <a:fillRect/>
+          </a:stretch>
+        </p:blipFill>
+        <p:spPr>
+          <a:xfrm rot="5400000">
+            <a:off x="1450594" y="2859107"/>
+            <a:ext cx="3012694" cy="4176522"/>
+          </a:xfrm>
+          <a:prstGeom prst="rect">
+            <a:avLst/>
+          </a:prstGeom>
+        </p:spPr>
+      </p:pic>
+      <p:sp>
+        <p:nvSpPr>
+          <p:cNvPr id="22" name="TextBox 21">
+            <a:extLst>
+              <a:ext uri="{FF2B5EF4-FFF2-40B4-BE49-F238E27FC236}">
+                <a16:creationId xmlns:a16="http://schemas.microsoft.com/office/drawing/2014/main" id="{EA21A52B-1999-2A4B-A31D-E57CC60160A2}"/>
+              </a:ext>
+            </a:extLst>
+          </p:cNvPr>
+          <p:cNvSpPr txBox="1"/>
+          <p:nvPr/>
+        </p:nvSpPr>
+        <p:spPr>
+          <a:xfrm>
+            <a:off x="4683689" y="4680680"/>
+            <a:ext cx="3243263" cy="369332"/>
+          </a:xfrm>
+          <a:prstGeom prst="rect">
+            <a:avLst/>
+          </a:prstGeom>
+          <a:noFill/>
+        </p:spPr>
+        <p:txBody>
+          <a:bodyPr wrap="square" rtlCol="0">
+            <a:spAutoFit/>
+          </a:bodyPr>
+          <a:lstStyle/>
+          <a:p>
+            <a:pPr algn="ctr"/>
+            <a:r>
+              <a:rPr lang="en-GR" dirty="0"/>
+              <a:t>Tight TopTagger + Probe</a:t>
+            </a:r>
+          </a:p>
+        </p:txBody>
+      </p:sp>
+      <p:sp>
+        <p:nvSpPr>
+          <p:cNvPr id="19" name="TextBox 18">
+            <a:extLst>
+              <a:ext uri="{FF2B5EF4-FFF2-40B4-BE49-F238E27FC236}">
+                <a16:creationId xmlns:a16="http://schemas.microsoft.com/office/drawing/2014/main" id="{491F4ED5-8A54-D243-B516-026EF6F12778}"/>
+              </a:ext>
+            </a:extLst>
+          </p:cNvPr>
+          <p:cNvSpPr txBox="1"/>
+          <p:nvPr/>
+        </p:nvSpPr>
+        <p:spPr>
+          <a:xfrm>
+            <a:off x="4559413" y="1807989"/>
+            <a:ext cx="3243263" cy="369332"/>
+          </a:xfrm>
+          <a:prstGeom prst="rect">
+            <a:avLst/>
+          </a:prstGeom>
+          <a:noFill/>
+        </p:spPr>
+        <p:txBody>
+          <a:bodyPr wrap="square" rtlCol="0">
+            <a:spAutoFit/>
+          </a:bodyPr>
+          <a:lstStyle/>
+          <a:p>
+            <a:pPr algn="ctr"/>
+            <a:r>
+              <a:rPr lang="en-GR" dirty="0"/>
+              <a:t>Tight TopTagger + SR TopTagger</a:t>
+            </a:r>
+          </a:p>
+        </p:txBody>
+      </p:sp>
+      <p:sp>
+        <p:nvSpPr>
+          <p:cNvPr id="17" name="Rectangle 16">
+            <a:extLst>
+              <a:ext uri="{FF2B5EF4-FFF2-40B4-BE49-F238E27FC236}">
+                <a16:creationId xmlns:a16="http://schemas.microsoft.com/office/drawing/2014/main" id="{77F1A5DE-010C-8A49-9DFD-F714D88BF2CC}"/>
               </a:ext>
             </a:extLst>
           </p:cNvPr>
@@ -18084,8 +18164,8 @@
         </p:nvSpPr>
         <p:spPr>
           <a:xfrm>
-            <a:off x="7939701" y="638586"/>
-            <a:ext cx="2289346" cy="369332"/>
+            <a:off x="2049125" y="3186241"/>
+            <a:ext cx="1520674" cy="369332"/>
           </a:xfrm>
           <a:prstGeom prst="rect">
             <a:avLst/>
@@ -18099,18 +18179,22 @@
           <a:p>
             <a:pPr algn="ctr"/>
             <a:r>
-              <a:rPr lang="en-US" u="sng" dirty="0"/>
-              <a:t>without b tagging SF’s </a:t>
-            </a:r>
-          </a:p>
-        </p:txBody>
-      </p:sp>
-      <p:sp>
-        <p:nvSpPr>
-          <p:cNvPr id="8" name="Rectangle 7">
+              <a:rPr lang="en-US" b="1" u="sng" dirty="0">
+                <a:solidFill>
+                  <a:srgbClr val="FF0000"/>
+                </a:solidFill>
+              </a:rPr>
+              <a:t>b tagging SF’s </a:t>
+            </a:r>
+          </a:p>
+        </p:txBody>
+      </p:sp>
+      <p:sp>
+        <p:nvSpPr>
+          <p:cNvPr id="21" name="Rectangle 20">
             <a:extLst>
               <a:ext uri="{FF2B5EF4-FFF2-40B4-BE49-F238E27FC236}">
-                <a16:creationId xmlns:a16="http://schemas.microsoft.com/office/drawing/2014/main" id="{FE0D63A0-1633-E841-944F-B91BFC6F0FEB}"/>
+                <a16:creationId xmlns:a16="http://schemas.microsoft.com/office/drawing/2014/main" id="{D299BB8B-A7C3-284A-BF5C-C54CD55AAB5A}"/>
               </a:ext>
             </a:extLst>
           </p:cNvPr>
@@ -18119,8 +18203,8 @@
         </p:nvSpPr>
         <p:spPr>
           <a:xfrm>
-            <a:off x="2333415" y="638586"/>
-            <a:ext cx="1499065" cy="369332"/>
+            <a:off x="8457894" y="3204932"/>
+            <a:ext cx="1849289" cy="369332"/>
           </a:xfrm>
           <a:prstGeom prst="rect">
             <a:avLst/>
@@ -18134,242 +18218,12 @@
           <a:p>
             <a:pPr algn="ctr"/>
             <a:r>
-              <a:rPr lang="en-US" u="sng" dirty="0"/>
-              <a:t>b tagging SF’s </a:t>
-            </a:r>
-          </a:p>
-        </p:txBody>
-      </p:sp>
-      <p:sp>
-        <p:nvSpPr>
-          <p:cNvPr id="2" name="Rectangle 1">
-            <a:extLst>
-              <a:ext uri="{FF2B5EF4-FFF2-40B4-BE49-F238E27FC236}">
-                <a16:creationId xmlns:a16="http://schemas.microsoft.com/office/drawing/2014/main" id="{5C0AC30A-7E8B-5E44-B107-1CFE415896F6}"/>
-              </a:ext>
-            </a:extLst>
-          </p:cNvPr>
-          <p:cNvSpPr/>
-          <p:nvPr/>
-        </p:nvSpPr>
-        <p:spPr>
-          <a:xfrm>
-            <a:off x="1180718" y="1582339"/>
-            <a:ext cx="3804458" cy="3693319"/>
-          </a:xfrm>
-          <a:prstGeom prst="rect">
-            <a:avLst/>
-          </a:prstGeom>
-        </p:spPr>
-        <p:txBody>
-          <a:bodyPr wrap="square">
-            <a:spAutoFit/>
-          </a:bodyPr>
-          <a:lstStyle/>
-          <a:p>
-            <a:r>
-              <a:rPr lang="en-GR" dirty="0"/>
-              <a:t>Efficiency-- with tag SF's</a:t>
-            </a:r>
-          </a:p>
-          <a:p>
-            <a:r>
-              <a:rPr lang="en-GR" dirty="0">
+              <a:rPr lang="en-US" b="1" u="sng" dirty="0">
                 <a:solidFill>
-                  <a:schemeClr val="tx1">
-                    <a:lumMod val="95000"/>
-                    <a:lumOff val="5000"/>
-                  </a:schemeClr>
+                  <a:srgbClr val="FF0000"/>
                 </a:solidFill>
               </a:rPr>
-              <a:t>eff data: 0.816 ± 0.032</a:t>
-            </a:r>
-          </a:p>
-          <a:p>
-            <a:r>
-              <a:rPr lang="en-GR" b="1" u="sng" dirty="0">
-                <a:solidFill>
-                  <a:srgbClr val="00B050"/>
-                </a:solidFill>
-              </a:rPr>
-              <a:t>eff ttbar: 0.839 ± 0.005</a:t>
-            </a:r>
-          </a:p>
-          <a:p>
-            <a:r>
-              <a:rPr lang="en-GR" dirty="0"/>
-              <a:t>-----------</a:t>
-            </a:r>
-          </a:p>
-          <a:p>
-            <a:r>
-              <a:rPr lang="en-GR" dirty="0"/>
-              <a:t>Efficiency per Pt region</a:t>
-            </a:r>
-          </a:p>
-          <a:p>
-            <a:r>
-              <a:rPr lang="en-GR" dirty="0"/>
-              <a:t>eff data pT[400-600]: 0.8176 ± 0.038</a:t>
-            </a:r>
-          </a:p>
-          <a:p>
-            <a:r>
-              <a:rPr lang="en-GR" dirty="0"/>
-              <a:t>eff ttbar pT[400-600]: 0.837 ± 0.006</a:t>
-            </a:r>
-          </a:p>
-          <a:p>
-            <a:r>
-              <a:rPr lang="en-GR" dirty="0"/>
-              <a:t>-----------</a:t>
-            </a:r>
-          </a:p>
-          <a:p>
-            <a:r>
-              <a:rPr lang="en-GR" dirty="0"/>
-              <a:t>eff data pT[600-800]: 0.809 ± 0.063</a:t>
-            </a:r>
-          </a:p>
-          <a:p>
-            <a:r>
-              <a:rPr lang="en-GR" dirty="0"/>
-              <a:t>eff ttbar pT[600-800]: 0.847 ± 0.013</a:t>
-            </a:r>
-          </a:p>
-          <a:p>
-            <a:r>
-              <a:rPr lang="en-GR" dirty="0"/>
-              <a:t>-----------</a:t>
-            </a:r>
-          </a:p>
-          <a:p>
-            <a:r>
-              <a:rPr lang="en-GR" dirty="0"/>
-              <a:t>eff data pT[800-Inf]: 0.772 ± 0.132</a:t>
-            </a:r>
-          </a:p>
-          <a:p>
-            <a:r>
-              <a:rPr lang="en-GR" dirty="0"/>
-              <a:t>eff ttbar pT[800-Inf]: 0.868 ± 0.032</a:t>
-            </a:r>
-          </a:p>
-        </p:txBody>
-      </p:sp>
-      <p:sp>
-        <p:nvSpPr>
-          <p:cNvPr id="4" name="Rectangle 3">
-            <a:extLst>
-              <a:ext uri="{FF2B5EF4-FFF2-40B4-BE49-F238E27FC236}">
-                <a16:creationId xmlns:a16="http://schemas.microsoft.com/office/drawing/2014/main" id="{6A55B372-F163-CB40-91A8-4182F6465250}"/>
-              </a:ext>
-            </a:extLst>
-          </p:cNvPr>
-          <p:cNvSpPr/>
-          <p:nvPr/>
-        </p:nvSpPr>
-        <p:spPr>
-          <a:xfrm>
-            <a:off x="7182145" y="1582339"/>
-            <a:ext cx="3804458" cy="3693319"/>
-          </a:xfrm>
-          <a:prstGeom prst="rect">
-            <a:avLst/>
-          </a:prstGeom>
-        </p:spPr>
-        <p:txBody>
-          <a:bodyPr wrap="square">
-            <a:spAutoFit/>
-          </a:bodyPr>
-          <a:lstStyle/>
-          <a:p>
-            <a:r>
-              <a:rPr lang="en-GR" dirty="0"/>
-              <a:t>Efficiency-- without tag sf's</a:t>
-            </a:r>
-          </a:p>
-          <a:p>
-            <a:r>
-              <a:rPr lang="en-GR" dirty="0">
-                <a:solidFill>
-                  <a:schemeClr val="tx1">
-                    <a:lumMod val="95000"/>
-                    <a:lumOff val="5000"/>
-                  </a:schemeClr>
-                </a:solidFill>
-              </a:rPr>
-              <a:t>eff data: 0.822 ± 0.034</a:t>
-            </a:r>
-          </a:p>
-          <a:p>
-            <a:r>
-              <a:rPr lang="en-GR" dirty="0">
-                <a:solidFill>
-                  <a:srgbClr val="00B050"/>
-                </a:solidFill>
-              </a:rPr>
-              <a:t>eff ttbar: 0.839 ± 0.005</a:t>
-            </a:r>
-          </a:p>
-          <a:p>
-            <a:r>
-              <a:rPr lang="en-GR" dirty="0"/>
-              <a:t>-----------</a:t>
-            </a:r>
-          </a:p>
-          <a:p>
-            <a:r>
-              <a:rPr lang="en-GR" dirty="0"/>
-              <a:t>Efficiency per Pt region</a:t>
-            </a:r>
-          </a:p>
-          <a:p>
-            <a:r>
-              <a:rPr lang="en-GR" dirty="0"/>
-              <a:t>eff data pT[400-600]: 0.824 ± 0.039</a:t>
-            </a:r>
-          </a:p>
-          <a:p>
-            <a:r>
-              <a:rPr lang="en-GR" dirty="0"/>
-              <a:t>eff ttbar pT[400-600]: 0.837 ± 0.006</a:t>
-            </a:r>
-          </a:p>
-          <a:p>
-            <a:r>
-              <a:rPr lang="en-GR" dirty="0"/>
-              <a:t>-----------</a:t>
-            </a:r>
-          </a:p>
-          <a:p>
-            <a:r>
-              <a:rPr lang="en-GR" dirty="0"/>
-              <a:t>eff data pT[600-800]: 0.819 ± 0.066</a:t>
-            </a:r>
-          </a:p>
-          <a:p>
-            <a:r>
-              <a:rPr lang="en-GR" dirty="0"/>
-              <a:t>eff ttbar pT[600-800]: 0.847 ± 0.013</a:t>
-            </a:r>
-          </a:p>
-          <a:p>
-            <a:r>
-              <a:rPr lang="en-GR" dirty="0"/>
-              <a:t>-----------</a:t>
-            </a:r>
-          </a:p>
-          <a:p>
-            <a:r>
-              <a:rPr lang="en-GR" dirty="0"/>
-              <a:t>eff data pT[800-Inf]: 0.789 ± 0.141</a:t>
-            </a:r>
-          </a:p>
-          <a:p>
-            <a:r>
-              <a:rPr lang="en-GR" dirty="0"/>
-              <a:t>eff ttbar pT[800-Inf]: 0.868 ± 0.032</a:t>
+              <a:t>No b tagging SF’s </a:t>
             </a:r>
           </a:p>
         </p:txBody>
@@ -18377,7 +18231,7 @@
     </p:spTree>
     <p:extLst>
       <p:ext uri="{BB962C8B-B14F-4D97-AF65-F5344CB8AC3E}">
-        <p14:creationId xmlns:p14="http://schemas.microsoft.com/office/powerpoint/2010/main" val="4027163055"/>
+        <p14:creationId xmlns:p14="http://schemas.microsoft.com/office/powerpoint/2010/main" val="2146348735"/>
       </p:ext>
     </p:extLst>
   </p:cSld>
@@ -18433,6 +18287,53 @@
       </p:sp>
       <p:sp>
         <p:nvSpPr>
+          <p:cNvPr id="7" name="TextBox 6"/>
+          <p:cNvSpPr txBox="1"/>
+          <p:nvPr/>
+        </p:nvSpPr>
+        <p:spPr>
+          <a:xfrm>
+            <a:off x="3276600" y="33090"/>
+            <a:ext cx="5638800" cy="523220"/>
+          </a:xfrm>
+          <a:prstGeom prst="rect">
+            <a:avLst/>
+          </a:prstGeom>
+          <a:noFill/>
+        </p:spPr>
+        <p:txBody>
+          <a:bodyPr wrap="square" rtlCol="0">
+            <a:spAutoFit/>
+          </a:bodyPr>
+          <a:lstStyle/>
+          <a:p>
+            <a:pPr algn="ctr"/>
+            <a:r>
+              <a:rPr lang="en-US" sz="2800" u="sng" dirty="0"/>
+              <a:t>Tag And Probe Calculations </a:t>
+            </a:r>
+            <a:r>
+              <a:rPr lang="en-US" sz="2800" u="sng" dirty="0">
+                <a:solidFill>
+                  <a:srgbClr val="FF0000"/>
+                </a:solidFill>
+              </a:rPr>
+              <a:t>2017</a:t>
+            </a:r>
+            <a:r>
+              <a:rPr lang="en-US" sz="2800" u="sng" dirty="0"/>
+              <a:t> </a:t>
+            </a:r>
+            <a:endParaRPr lang="en-US" sz="2800" u="sng" dirty="0">
+              <a:solidFill>
+                <a:srgbClr val="00B050"/>
+              </a:solidFill>
+            </a:endParaRPr>
+          </a:p>
+        </p:txBody>
+      </p:sp>
+      <p:sp>
+        <p:nvSpPr>
           <p:cNvPr id="5" name="Slide Number Placeholder 4">
             <a:extLst>
               <a:ext uri="{FF2B5EF4-FFF2-40B4-BE49-F238E27FC236}">
@@ -18482,296 +18383,200 @@
           <a:bodyPr/>
           <a:lstStyle/>
           <a:p>
-            <a:fld id="{D52D66B2-0E0A-F441-A1DA-8039F615D612}" type="datetime1">
+            <a:fld id="{3DBB7BD0-9B8D-1F47-8ABF-BE3CF9BD2848}" type="datetime1">
               <a:rPr lang="en-US" smtClean="0"/>
-              <a:t>9/7/20</a:t>
+              <a:t>9/8/20</a:t>
             </a:fld>
             <a:endParaRPr lang="en-US" dirty="0"/>
           </a:p>
         </p:txBody>
       </p:sp>
-      <p:pic>
-        <p:nvPicPr>
-          <p:cNvPr id="8" name="Picture 7">
+      <p:sp>
+        <p:nvSpPr>
+          <p:cNvPr id="6" name="Rectangle 5">
             <a:extLst>
               <a:ext uri="{FF2B5EF4-FFF2-40B4-BE49-F238E27FC236}">
-                <a16:creationId xmlns:a16="http://schemas.microsoft.com/office/drawing/2014/main" id="{08124A33-50C0-BB46-BE06-3467BA03726B}"/>
+                <a16:creationId xmlns:a16="http://schemas.microsoft.com/office/drawing/2014/main" id="{1D3A9800-C923-F943-ACA5-B4B9B9A1D73D}"/>
               </a:ext>
             </a:extLst>
           </p:cNvPr>
-          <p:cNvPicPr>
-            <a:picLocks noChangeAspect="1"/>
-          </p:cNvPicPr>
+          <p:cNvSpPr/>
           <p:nvPr/>
-        </p:nvPicPr>
-        <p:blipFill>
-          <a:blip r:embed="rId2"/>
-          <a:stretch>
-            <a:fillRect/>
-          </a:stretch>
-        </p:blipFill>
-        <p:spPr>
-          <a:xfrm rot="5400000">
-            <a:off x="7617875" y="-241793"/>
-            <a:ext cx="3012694" cy="4176522"/>
+        </p:nvSpPr>
+        <p:spPr>
+          <a:xfrm>
+            <a:off x="7939701" y="638586"/>
+            <a:ext cx="2289346" cy="369332"/>
           </a:xfrm>
           <a:prstGeom prst="rect">
             <a:avLst/>
           </a:prstGeom>
         </p:spPr>
-      </p:pic>
-      <p:pic>
-        <p:nvPicPr>
-          <p:cNvPr id="11" name="Picture 10">
+        <p:txBody>
+          <a:bodyPr wrap="none">
+            <a:spAutoFit/>
+          </a:bodyPr>
+          <a:lstStyle/>
+          <a:p>
+            <a:pPr algn="ctr"/>
+            <a:r>
+              <a:rPr lang="en-US" u="sng" dirty="0"/>
+              <a:t>without b tagging SF’s </a:t>
+            </a:r>
+          </a:p>
+        </p:txBody>
+      </p:sp>
+      <p:sp>
+        <p:nvSpPr>
+          <p:cNvPr id="8" name="Rectangle 7">
             <a:extLst>
               <a:ext uri="{FF2B5EF4-FFF2-40B4-BE49-F238E27FC236}">
-                <a16:creationId xmlns:a16="http://schemas.microsoft.com/office/drawing/2014/main" id="{4744943B-E532-864E-8A77-D62B2B7A8DFA}"/>
+                <a16:creationId xmlns:a16="http://schemas.microsoft.com/office/drawing/2014/main" id="{FE0D63A0-1633-E841-944F-B91BFC6F0FEB}"/>
               </a:ext>
             </a:extLst>
           </p:cNvPr>
-          <p:cNvPicPr>
-            <a:picLocks noChangeAspect="1"/>
-          </p:cNvPicPr>
+          <p:cNvSpPr/>
           <p:nvPr/>
-        </p:nvPicPr>
-        <p:blipFill>
-          <a:blip r:embed="rId3"/>
-          <a:stretch>
-            <a:fillRect/>
-          </a:stretch>
-        </p:blipFill>
-        <p:spPr>
-          <a:xfrm rot="5400000">
-            <a:off x="7617875" y="2837987"/>
-            <a:ext cx="3012694" cy="4176522"/>
+        </p:nvSpPr>
+        <p:spPr>
+          <a:xfrm>
+            <a:off x="2333415" y="638586"/>
+            <a:ext cx="1499065" cy="369332"/>
           </a:xfrm>
           <a:prstGeom prst="rect">
             <a:avLst/>
           </a:prstGeom>
         </p:spPr>
-      </p:pic>
-      <p:sp>
-        <p:nvSpPr>
-          <p:cNvPr id="7" name="TextBox 6"/>
-          <p:cNvSpPr txBox="1"/>
+        <p:txBody>
+          <a:bodyPr wrap="none">
+            <a:spAutoFit/>
+          </a:bodyPr>
+          <a:lstStyle/>
+          <a:p>
+            <a:pPr algn="ctr"/>
+            <a:r>
+              <a:rPr lang="en-US" u="sng" dirty="0"/>
+              <a:t>b tagging SF’s </a:t>
+            </a:r>
+          </a:p>
+        </p:txBody>
+      </p:sp>
+      <p:sp>
+        <p:nvSpPr>
+          <p:cNvPr id="2" name="Rectangle 1">
+            <a:extLst>
+              <a:ext uri="{FF2B5EF4-FFF2-40B4-BE49-F238E27FC236}">
+                <a16:creationId xmlns:a16="http://schemas.microsoft.com/office/drawing/2014/main" id="{2DC1FF26-71A8-0242-A173-4ED7A7EC3B5E}"/>
+              </a:ext>
+            </a:extLst>
+          </p:cNvPr>
+          <p:cNvSpPr/>
           <p:nvPr/>
         </p:nvSpPr>
         <p:spPr>
           <a:xfrm>
-            <a:off x="3752850" y="-76347"/>
-            <a:ext cx="4686300" cy="523220"/>
+            <a:off x="1211284" y="1582339"/>
+            <a:ext cx="3743325" cy="3693319"/>
           </a:xfrm>
           <a:prstGeom prst="rect">
             <a:avLst/>
           </a:prstGeom>
-          <a:noFill/>
-        </p:spPr>
-        <p:txBody>
-          <a:bodyPr wrap="square" rtlCol="0">
+        </p:spPr>
+        <p:txBody>
+          <a:bodyPr wrap="square">
             <a:spAutoFit/>
           </a:bodyPr>
           <a:lstStyle/>
           <a:p>
             <a:r>
-              <a:rPr lang="en-GR" sz="2800" u="sng" dirty="0"/>
-              <a:t>TagAndProbe Efficiency </a:t>
-            </a:r>
-            <a:r>
-              <a:rPr lang="en-US" sz="2800" u="sng" dirty="0"/>
-              <a:t>(</a:t>
-            </a:r>
-            <a:r>
-              <a:rPr lang="en-US" sz="2800" u="sng" dirty="0">
-                <a:solidFill>
-                  <a:srgbClr val="00B050"/>
-                </a:solidFill>
-              </a:rPr>
-              <a:t>2018</a:t>
-            </a:r>
-            <a:r>
-              <a:rPr lang="en-US" sz="2800" u="sng" dirty="0"/>
-              <a:t>)</a:t>
-            </a:r>
-          </a:p>
-        </p:txBody>
-      </p:sp>
-      <p:pic>
-        <p:nvPicPr>
-          <p:cNvPr id="4" name="Picture 3">
-            <a:extLst>
-              <a:ext uri="{FF2B5EF4-FFF2-40B4-BE49-F238E27FC236}">
-                <a16:creationId xmlns:a16="http://schemas.microsoft.com/office/drawing/2014/main" id="{5F632B27-92BD-1E45-8665-EF48ACC1307B}"/>
-              </a:ext>
-            </a:extLst>
-          </p:cNvPr>
-          <p:cNvPicPr>
-            <a:picLocks noChangeAspect="1"/>
-          </p:cNvPicPr>
-          <p:nvPr/>
-        </p:nvPicPr>
-        <p:blipFill>
-          <a:blip r:embed="rId4"/>
-          <a:stretch>
-            <a:fillRect/>
-          </a:stretch>
-        </p:blipFill>
-        <p:spPr>
-          <a:xfrm rot="5400000">
-            <a:off x="1204475" y="-241793"/>
-            <a:ext cx="3012694" cy="4176522"/>
-          </a:xfrm>
-          <a:prstGeom prst="rect">
-            <a:avLst/>
-          </a:prstGeom>
-        </p:spPr>
-      </p:pic>
-      <p:pic>
-        <p:nvPicPr>
-          <p:cNvPr id="9" name="Picture 8">
-            <a:extLst>
-              <a:ext uri="{FF2B5EF4-FFF2-40B4-BE49-F238E27FC236}">
-                <a16:creationId xmlns:a16="http://schemas.microsoft.com/office/drawing/2014/main" id="{CC987474-2518-244B-A899-90EA804E300B}"/>
-              </a:ext>
-            </a:extLst>
-          </p:cNvPr>
-          <p:cNvPicPr>
-            <a:picLocks noChangeAspect="1"/>
-          </p:cNvPicPr>
-          <p:nvPr/>
-        </p:nvPicPr>
-        <p:blipFill>
-          <a:blip r:embed="rId5"/>
-          <a:stretch>
-            <a:fillRect/>
-          </a:stretch>
-        </p:blipFill>
-        <p:spPr>
-          <a:xfrm rot="5400000">
-            <a:off x="1204475" y="2822489"/>
-            <a:ext cx="3012694" cy="4176522"/>
-          </a:xfrm>
-          <a:prstGeom prst="rect">
-            <a:avLst/>
-          </a:prstGeom>
-        </p:spPr>
-      </p:pic>
-      <p:sp>
-        <p:nvSpPr>
-          <p:cNvPr id="19" name="TextBox 18">
-            <a:extLst>
-              <a:ext uri="{FF2B5EF4-FFF2-40B4-BE49-F238E27FC236}">
-                <a16:creationId xmlns:a16="http://schemas.microsoft.com/office/drawing/2014/main" id="{87A7433F-F7CC-2844-A37A-B9EF728D6FE8}"/>
-              </a:ext>
-            </a:extLst>
-          </p:cNvPr>
-          <p:cNvSpPr txBox="1"/>
-          <p:nvPr/>
-        </p:nvSpPr>
-        <p:spPr>
-          <a:xfrm>
-            <a:off x="4271791" y="4994770"/>
-            <a:ext cx="3243263" cy="369332"/>
-          </a:xfrm>
-          <a:prstGeom prst="rect">
-            <a:avLst/>
-          </a:prstGeom>
-          <a:noFill/>
-        </p:spPr>
-        <p:txBody>
-          <a:bodyPr wrap="square" rtlCol="0">
-            <a:spAutoFit/>
-          </a:bodyPr>
-          <a:lstStyle/>
-          <a:p>
-            <a:pPr algn="ctr"/>
-            <a:r>
               <a:rPr lang="en-GR" dirty="0"/>
-              <a:t>Tight TopTagger + Probe</a:t>
-            </a:r>
-          </a:p>
-        </p:txBody>
-      </p:sp>
-      <p:sp>
-        <p:nvSpPr>
-          <p:cNvPr id="18" name="TextBox 17">
-            <a:extLst>
-              <a:ext uri="{FF2B5EF4-FFF2-40B4-BE49-F238E27FC236}">
-                <a16:creationId xmlns:a16="http://schemas.microsoft.com/office/drawing/2014/main" id="{531AB382-FCD2-4B43-82A6-0D98FF6E618F}"/>
-              </a:ext>
-            </a:extLst>
-          </p:cNvPr>
-          <p:cNvSpPr txBox="1"/>
-          <p:nvPr/>
-        </p:nvSpPr>
-        <p:spPr>
-          <a:xfrm>
-            <a:off x="4271790" y="1557986"/>
-            <a:ext cx="3243263" cy="369332"/>
-          </a:xfrm>
-          <a:prstGeom prst="rect">
-            <a:avLst/>
-          </a:prstGeom>
-          <a:noFill/>
-        </p:spPr>
-        <p:txBody>
-          <a:bodyPr wrap="square" rtlCol="0">
-            <a:spAutoFit/>
-          </a:bodyPr>
-          <a:lstStyle/>
-          <a:p>
-            <a:pPr algn="ctr"/>
+              <a:t>Efficiency-- with btagging SF's</a:t>
+            </a:r>
+          </a:p>
+          <a:p>
             <a:r>
               <a:rPr lang="en-GR" dirty="0"/>
-              <a:t>Tight TopTagger + SR TopTagger</a:t>
-            </a:r>
-          </a:p>
-        </p:txBody>
-      </p:sp>
-      <p:sp>
-        <p:nvSpPr>
-          <p:cNvPr id="17" name="Rectangle 16">
-            <a:extLst>
-              <a:ext uri="{FF2B5EF4-FFF2-40B4-BE49-F238E27FC236}">
-                <a16:creationId xmlns:a16="http://schemas.microsoft.com/office/drawing/2014/main" id="{7F2195D5-6AF3-B94D-B444-5C47384FD281}"/>
-              </a:ext>
-            </a:extLst>
-          </p:cNvPr>
-          <p:cNvSpPr/>
-          <p:nvPr/>
-        </p:nvSpPr>
-        <p:spPr>
-          <a:xfrm>
-            <a:off x="2049125" y="3186241"/>
-            <a:ext cx="1520674" cy="369332"/>
-          </a:xfrm>
-          <a:prstGeom prst="rect">
-            <a:avLst/>
-          </a:prstGeom>
-        </p:spPr>
-        <p:txBody>
-          <a:bodyPr wrap="none">
-            <a:spAutoFit/>
-          </a:bodyPr>
-          <a:lstStyle/>
-          <a:p>
-            <a:pPr algn="ctr"/>
-            <a:r>
-              <a:rPr lang="en-US" b="1" u="sng" dirty="0">
+              <a:t>eff data: 0.857 ± 0.040</a:t>
+            </a:r>
+          </a:p>
+          <a:p>
+            <a:r>
+              <a:rPr lang="en-GR" b="1" u="sng" dirty="0">
                 <a:solidFill>
                   <a:srgbClr val="FF0000"/>
                 </a:solidFill>
               </a:rPr>
-              <a:t>b tagging SF’s </a:t>
-            </a:r>
-          </a:p>
-        </p:txBody>
-      </p:sp>
-      <p:sp>
-        <p:nvSpPr>
-          <p:cNvPr id="20" name="Rectangle 19">
+              <a:t>eff ttbar: 0.875 ± 0.0072</a:t>
+            </a:r>
+          </a:p>
+          <a:p>
+            <a:r>
+              <a:rPr lang="en-GR" dirty="0"/>
+              <a:t>-----------</a:t>
+            </a:r>
+          </a:p>
+          <a:p>
+            <a:r>
+              <a:rPr lang="en-GR" dirty="0"/>
+              <a:t>Efficiency per Pt region</a:t>
+            </a:r>
+          </a:p>
+          <a:p>
+            <a:r>
+              <a:rPr lang="en-GR" dirty="0"/>
+              <a:t>eff data pT[400-600]: 0.872 ± 0.047</a:t>
+            </a:r>
+          </a:p>
+          <a:p>
+            <a:r>
+              <a:rPr lang="en-GR" dirty="0"/>
+              <a:t>eff ttbar pT[400-600]: 0.874 ± 0.008</a:t>
+            </a:r>
+          </a:p>
+          <a:p>
+            <a:r>
+              <a:rPr lang="en-GR" dirty="0"/>
+              <a:t>-----------</a:t>
+            </a:r>
+          </a:p>
+          <a:p>
+            <a:r>
+              <a:rPr lang="en-GR" dirty="0"/>
+              <a:t>eff data pT[600-800]: 0.795 ± 0.088</a:t>
+            </a:r>
+          </a:p>
+          <a:p>
+            <a:r>
+              <a:rPr lang="en-GR" dirty="0"/>
+              <a:t>eff ttbar pT[600-800]: 0.876 ± 0.018</a:t>
+            </a:r>
+          </a:p>
+          <a:p>
+            <a:r>
+              <a:rPr lang="en-GR" dirty="0"/>
+              <a:t>-----------</a:t>
+            </a:r>
+          </a:p>
+          <a:p>
+            <a:r>
+              <a:rPr lang="en-GR" dirty="0"/>
+              <a:t>eff data pT[800-Inf]: 0.797 ± 0.186</a:t>
+            </a:r>
+          </a:p>
+          <a:p>
+            <a:r>
+              <a:rPr lang="en-GR" dirty="0"/>
+              <a:t>eff ttbar pT[800-Inf]: 0.899 ± 0.045</a:t>
+            </a:r>
+          </a:p>
+        </p:txBody>
+      </p:sp>
+      <p:sp>
+        <p:nvSpPr>
+          <p:cNvPr id="4" name="Rectangle 3">
             <a:extLst>
               <a:ext uri="{FF2B5EF4-FFF2-40B4-BE49-F238E27FC236}">
-                <a16:creationId xmlns:a16="http://schemas.microsoft.com/office/drawing/2014/main" id="{43E24579-13E4-6140-97A9-7386D280E896}"/>
+                <a16:creationId xmlns:a16="http://schemas.microsoft.com/office/drawing/2014/main" id="{17DD903E-E2EE-ED4A-B9BA-6BDA6FAA4776}"/>
               </a:ext>
             </a:extLst>
           </p:cNvPr>
@@ -18780,27 +18585,98 @@
         </p:nvSpPr>
         <p:spPr>
           <a:xfrm>
-            <a:off x="8457894" y="3204932"/>
-            <a:ext cx="1849289" cy="369332"/>
+            <a:off x="7212711" y="1582339"/>
+            <a:ext cx="3743325" cy="3693319"/>
           </a:xfrm>
           <a:prstGeom prst="rect">
             <a:avLst/>
           </a:prstGeom>
         </p:spPr>
         <p:txBody>
-          <a:bodyPr wrap="none">
+          <a:bodyPr wrap="square">
             <a:spAutoFit/>
           </a:bodyPr>
           <a:lstStyle/>
           <a:p>
-            <a:pPr algn="ctr"/>
-            <a:r>
-              <a:rPr lang="en-US" b="1" u="sng" dirty="0">
+            <a:r>
+              <a:rPr lang="en-GR" dirty="0"/>
+              <a:t>Efficiency-- without btagging SF's</a:t>
+            </a:r>
+          </a:p>
+          <a:p>
+            <a:r>
+              <a:rPr lang="en-GR" dirty="0"/>
+              <a:t>eff data: 0.864 ± 0.043</a:t>
+            </a:r>
+          </a:p>
+          <a:p>
+            <a:r>
+              <a:rPr lang="en-GR" dirty="0">
                 <a:solidFill>
                   <a:srgbClr val="FF0000"/>
                 </a:solidFill>
               </a:rPr>
-              <a:t>No b tagging SF’s </a:t>
+              <a:t>eff ttbar: 0.875 ± 0.007</a:t>
+            </a:r>
+          </a:p>
+          <a:p>
+            <a:r>
+              <a:rPr lang="en-GR" dirty="0"/>
+              <a:t>-----------</a:t>
+            </a:r>
+          </a:p>
+          <a:p>
+            <a:r>
+              <a:rPr lang="en-GR" dirty="0"/>
+              <a:t>Efficiency per Pt region</a:t>
+            </a:r>
+          </a:p>
+          <a:p>
+            <a:r>
+              <a:rPr lang="en-GR" dirty="0"/>
+              <a:t>eff data pT[400-600]: 0.880 ± 0.049</a:t>
+            </a:r>
+          </a:p>
+          <a:p>
+            <a:r>
+              <a:rPr lang="en-GR" dirty="0"/>
+              <a:t>eff ttbar pT[400-600]: 0.874 ± 0.008</a:t>
+            </a:r>
+          </a:p>
+          <a:p>
+            <a:r>
+              <a:rPr lang="en-GR" dirty="0"/>
+              <a:t>-----------</a:t>
+            </a:r>
+          </a:p>
+          <a:p>
+            <a:r>
+              <a:rPr lang="en-GR" dirty="0"/>
+              <a:t>eff data pT[600-800]: 0.8 ± 0.091</a:t>
+            </a:r>
+          </a:p>
+          <a:p>
+            <a:r>
+              <a:rPr lang="en-GR" dirty="0"/>
+              <a:t>eff ttbar pT[600-800]: 0.876 ± 0.018</a:t>
+            </a:r>
+          </a:p>
+          <a:p>
+            <a:r>
+              <a:rPr lang="en-GR" dirty="0"/>
+              <a:t>-----------</a:t>
+            </a:r>
+          </a:p>
+          <a:p>
+            <a:r>
+              <a:rPr lang="en-GR" dirty="0"/>
+              <a:t>eff data pT[800-Inf]: 0.796 ± 0.2</a:t>
+            </a:r>
+          </a:p>
+          <a:p>
+            <a:r>
+              <a:rPr lang="en-GR" dirty="0"/>
+              <a:t>eff ttbar pT[800-Inf]: 0.898 ± 0.045</a:t>
             </a:r>
           </a:p>
         </p:txBody>
@@ -18808,7 +18684,7 @@
     </p:spTree>
     <p:extLst>
       <p:ext uri="{BB962C8B-B14F-4D97-AF65-F5344CB8AC3E}">
-        <p14:creationId xmlns:p14="http://schemas.microsoft.com/office/powerpoint/2010/main" val="270366993"/>
+        <p14:creationId xmlns:p14="http://schemas.microsoft.com/office/powerpoint/2010/main" val="305433567"/>
       </p:ext>
     </p:extLst>
   </p:cSld>
@@ -18864,53 +18740,6 @@
       </p:sp>
       <p:sp>
         <p:nvSpPr>
-          <p:cNvPr id="7" name="TextBox 6"/>
-          <p:cNvSpPr txBox="1"/>
-          <p:nvPr/>
-        </p:nvSpPr>
-        <p:spPr>
-          <a:xfrm>
-            <a:off x="2805007" y="33090"/>
-            <a:ext cx="6581985" cy="523220"/>
-          </a:xfrm>
-          <a:prstGeom prst="rect">
-            <a:avLst/>
-          </a:prstGeom>
-          <a:noFill/>
-        </p:spPr>
-        <p:txBody>
-          <a:bodyPr wrap="square" rtlCol="0">
-            <a:spAutoFit/>
-          </a:bodyPr>
-          <a:lstStyle/>
-          <a:p>
-            <a:pPr algn="ctr"/>
-            <a:r>
-              <a:rPr lang="en-US" sz="2800" u="sng" dirty="0"/>
-              <a:t>Data Vs MC Stacks for BDT output </a:t>
-            </a:r>
-            <a:r>
-              <a:rPr lang="en-US" sz="2800" u="sng" dirty="0">
-                <a:solidFill>
-                  <a:srgbClr val="00B0F0"/>
-                </a:solidFill>
-              </a:rPr>
-              <a:t>2016</a:t>
-            </a:r>
-            <a:r>
-              <a:rPr lang="en-US" sz="2800" u="sng" dirty="0"/>
-              <a:t> </a:t>
-            </a:r>
-            <a:endParaRPr lang="en-US" sz="2800" u="sng" dirty="0">
-              <a:solidFill>
-                <a:srgbClr val="00B050"/>
-              </a:solidFill>
-            </a:endParaRPr>
-          </a:p>
-        </p:txBody>
-      </p:sp>
-      <p:sp>
-        <p:nvSpPr>
           <p:cNvPr id="5" name="Slide Number Placeholder 4">
             <a:extLst>
               <a:ext uri="{FF2B5EF4-FFF2-40B4-BE49-F238E27FC236}">
@@ -18960,90 +18789,20 @@
           <a:bodyPr/>
           <a:lstStyle/>
           <a:p>
-            <a:fld id="{3DBB7BD0-9B8D-1F47-8ABF-BE3CF9BD2848}" type="datetime1">
+            <a:fld id="{D52D66B2-0E0A-F441-A1DA-8039F615D612}" type="datetime1">
               <a:rPr lang="en-US" smtClean="0"/>
-              <a:t>9/7/20</a:t>
+              <a:t>9/8/20</a:t>
             </a:fld>
             <a:endParaRPr lang="en-US" dirty="0"/>
           </a:p>
         </p:txBody>
       </p:sp>
-      <p:sp>
-        <p:nvSpPr>
-          <p:cNvPr id="6" name="Rectangle 5">
-            <a:extLst>
-              <a:ext uri="{FF2B5EF4-FFF2-40B4-BE49-F238E27FC236}">
-                <a16:creationId xmlns:a16="http://schemas.microsoft.com/office/drawing/2014/main" id="{1D3A9800-C923-F943-ACA5-B4B9B9A1D73D}"/>
-              </a:ext>
-            </a:extLst>
-          </p:cNvPr>
-          <p:cNvSpPr/>
-          <p:nvPr/>
-        </p:nvSpPr>
-        <p:spPr>
-          <a:xfrm>
-            <a:off x="7907044" y="1609457"/>
-            <a:ext cx="2289346" cy="369332"/>
-          </a:xfrm>
-          <a:prstGeom prst="rect">
-            <a:avLst/>
-          </a:prstGeom>
-        </p:spPr>
-        <p:txBody>
-          <a:bodyPr wrap="none">
-            <a:spAutoFit/>
-          </a:bodyPr>
-          <a:lstStyle/>
-          <a:p>
-            <a:pPr algn="ctr"/>
-            <a:r>
-              <a:rPr lang="en-US" u="sng" dirty="0"/>
-              <a:t>without b tagging SF’s </a:t>
-            </a:r>
-          </a:p>
-        </p:txBody>
-      </p:sp>
-      <p:sp>
-        <p:nvSpPr>
-          <p:cNvPr id="8" name="Rectangle 7">
-            <a:extLst>
-              <a:ext uri="{FF2B5EF4-FFF2-40B4-BE49-F238E27FC236}">
-                <a16:creationId xmlns:a16="http://schemas.microsoft.com/office/drawing/2014/main" id="{FE0D63A0-1633-E841-944F-B91BFC6F0FEB}"/>
-              </a:ext>
-            </a:extLst>
-          </p:cNvPr>
-          <p:cNvSpPr/>
-          <p:nvPr/>
-        </p:nvSpPr>
-        <p:spPr>
-          <a:xfrm>
-            <a:off x="2300758" y="1609457"/>
-            <a:ext cx="1499065" cy="369332"/>
-          </a:xfrm>
-          <a:prstGeom prst="rect">
-            <a:avLst/>
-          </a:prstGeom>
-        </p:spPr>
-        <p:txBody>
-          <a:bodyPr wrap="none">
-            <a:spAutoFit/>
-          </a:bodyPr>
-          <a:lstStyle/>
-          <a:p>
-            <a:pPr algn="ctr"/>
-            <a:r>
-              <a:rPr lang="en-US" u="sng" dirty="0"/>
-              <a:t>b tagging SF’s </a:t>
-            </a:r>
-          </a:p>
-        </p:txBody>
-      </p:sp>
       <p:pic>
         <p:nvPicPr>
-          <p:cNvPr id="4" name="Picture 3">
+          <p:cNvPr id="6" name="Picture 5">
             <a:extLst>
               <a:ext uri="{FF2B5EF4-FFF2-40B4-BE49-F238E27FC236}">
-                <a16:creationId xmlns:a16="http://schemas.microsoft.com/office/drawing/2014/main" id="{0479B1E7-F202-554C-ADE3-707F5402EA48}"/>
+                <a16:creationId xmlns:a16="http://schemas.microsoft.com/office/drawing/2014/main" id="{76577AAD-70A0-9B43-8DBE-57FA2136BB3A}"/>
               </a:ext>
             </a:extLst>
           </p:cNvPr>
@@ -19060,8 +18819,8 @@
         </p:blipFill>
         <p:spPr>
           <a:xfrm rot="5400000">
-            <a:off x="832739" y="1202626"/>
-            <a:ext cx="4311269" cy="5976747"/>
+            <a:off x="7709105" y="-192065"/>
+            <a:ext cx="3012694" cy="4176522"/>
           </a:xfrm>
           <a:prstGeom prst="rect">
             <a:avLst/>
@@ -19070,10 +18829,10 @@
       </p:pic>
       <p:pic>
         <p:nvPicPr>
-          <p:cNvPr id="10" name="Picture 9">
+          <p:cNvPr id="9" name="Picture 8">
             <a:extLst>
               <a:ext uri="{FF2B5EF4-FFF2-40B4-BE49-F238E27FC236}">
-                <a16:creationId xmlns:a16="http://schemas.microsoft.com/office/drawing/2014/main" id="{B59D90DA-3524-084C-9B71-560A98282EE8}"/>
+                <a16:creationId xmlns:a16="http://schemas.microsoft.com/office/drawing/2014/main" id="{E69FA34F-44BB-8144-9394-18EA05CD1FF7}"/>
               </a:ext>
             </a:extLst>
           </p:cNvPr>
@@ -19090,8 +18849,8 @@
         </p:blipFill>
         <p:spPr>
           <a:xfrm rot="5400000">
-            <a:off x="6928739" y="1202626"/>
-            <a:ext cx="4311269" cy="5976747"/>
+            <a:off x="7711792" y="2820629"/>
+            <a:ext cx="3012694" cy="4176522"/>
           </a:xfrm>
           <a:prstGeom prst="rect">
             <a:avLst/>
@@ -19100,10 +18859,193 @@
       </p:pic>
       <p:sp>
         <p:nvSpPr>
-          <p:cNvPr id="11" name="Rectangle 10">
+          <p:cNvPr id="12" name="TextBox 11">
             <a:extLst>
               <a:ext uri="{FF2B5EF4-FFF2-40B4-BE49-F238E27FC236}">
-                <a16:creationId xmlns:a16="http://schemas.microsoft.com/office/drawing/2014/main" id="{1D28A1BE-C6D3-D043-8F96-A4E1CBE3A9EB}"/>
+                <a16:creationId xmlns:a16="http://schemas.microsoft.com/office/drawing/2014/main" id="{9235591C-B2E3-1F4E-A8D0-58AEACB0FD0A}"/>
+              </a:ext>
+            </a:extLst>
+          </p:cNvPr>
+          <p:cNvSpPr txBox="1"/>
+          <p:nvPr/>
+        </p:nvSpPr>
+        <p:spPr>
+          <a:xfrm>
+            <a:off x="3752850" y="-76347"/>
+            <a:ext cx="4686300" cy="523220"/>
+          </a:xfrm>
+          <a:prstGeom prst="rect">
+            <a:avLst/>
+          </a:prstGeom>
+          <a:noFill/>
+        </p:spPr>
+        <p:txBody>
+          <a:bodyPr wrap="square" rtlCol="0">
+            <a:spAutoFit/>
+          </a:bodyPr>
+          <a:lstStyle/>
+          <a:p>
+            <a:r>
+              <a:rPr lang="en-GR" sz="2800" u="sng" dirty="0"/>
+              <a:t>TagAndProbe Efficiency </a:t>
+            </a:r>
+            <a:r>
+              <a:rPr lang="en-US" sz="2800" u="sng" dirty="0"/>
+              <a:t>(</a:t>
+            </a:r>
+            <a:r>
+              <a:rPr lang="en-US" sz="2800" u="sng" dirty="0">
+                <a:solidFill>
+                  <a:srgbClr val="FF0000"/>
+                </a:solidFill>
+              </a:rPr>
+              <a:t>2017</a:t>
+            </a:r>
+            <a:r>
+              <a:rPr lang="en-US" sz="2800" u="sng" dirty="0"/>
+              <a:t>)</a:t>
+            </a:r>
+          </a:p>
+        </p:txBody>
+      </p:sp>
+      <p:pic>
+        <p:nvPicPr>
+          <p:cNvPr id="4" name="Picture 3">
+            <a:extLst>
+              <a:ext uri="{FF2B5EF4-FFF2-40B4-BE49-F238E27FC236}">
+                <a16:creationId xmlns:a16="http://schemas.microsoft.com/office/drawing/2014/main" id="{2A0B0CBB-9430-DB4A-8230-417D7635DCEF}"/>
+              </a:ext>
+            </a:extLst>
+          </p:cNvPr>
+          <p:cNvPicPr>
+            <a:picLocks noChangeAspect="1"/>
+          </p:cNvPicPr>
+          <p:nvPr/>
+        </p:nvPicPr>
+        <p:blipFill>
+          <a:blip r:embed="rId4"/>
+          <a:stretch>
+            <a:fillRect/>
+          </a:stretch>
+        </p:blipFill>
+        <p:spPr>
+          <a:xfrm rot="5400000">
+            <a:off x="1341824" y="-192065"/>
+            <a:ext cx="3012694" cy="4176522"/>
+          </a:xfrm>
+          <a:prstGeom prst="rect">
+            <a:avLst/>
+          </a:prstGeom>
+        </p:spPr>
+      </p:pic>
+      <p:pic>
+        <p:nvPicPr>
+          <p:cNvPr id="10" name="Picture 9">
+            <a:extLst>
+              <a:ext uri="{FF2B5EF4-FFF2-40B4-BE49-F238E27FC236}">
+                <a16:creationId xmlns:a16="http://schemas.microsoft.com/office/drawing/2014/main" id="{C82386EE-D7CA-224B-9B0C-7F5E3D376BCD}"/>
+              </a:ext>
+            </a:extLst>
+          </p:cNvPr>
+          <p:cNvPicPr>
+            <a:picLocks noChangeAspect="1"/>
+          </p:cNvPicPr>
+          <p:nvPr/>
+        </p:nvPicPr>
+        <p:blipFill>
+          <a:blip r:embed="rId5"/>
+          <a:stretch>
+            <a:fillRect/>
+          </a:stretch>
+        </p:blipFill>
+        <p:spPr>
+          <a:xfrm rot="5400000">
+            <a:off x="1341824" y="2820629"/>
+            <a:ext cx="3012694" cy="4176522"/>
+          </a:xfrm>
+          <a:prstGeom prst="rect">
+            <a:avLst/>
+          </a:prstGeom>
+        </p:spPr>
+      </p:pic>
+      <p:sp>
+        <p:nvSpPr>
+          <p:cNvPr id="17" name="TextBox 16">
+            <a:extLst>
+              <a:ext uri="{FF2B5EF4-FFF2-40B4-BE49-F238E27FC236}">
+                <a16:creationId xmlns:a16="http://schemas.microsoft.com/office/drawing/2014/main" id="{2CCEE914-8706-CD47-AD02-11049E45D610}"/>
+              </a:ext>
+            </a:extLst>
+          </p:cNvPr>
+          <p:cNvSpPr txBox="1"/>
+          <p:nvPr/>
+        </p:nvSpPr>
+        <p:spPr>
+          <a:xfrm>
+            <a:off x="4564347" y="1926143"/>
+            <a:ext cx="3243263" cy="369332"/>
+          </a:xfrm>
+          <a:prstGeom prst="rect">
+            <a:avLst/>
+          </a:prstGeom>
+          <a:noFill/>
+        </p:spPr>
+        <p:txBody>
+          <a:bodyPr wrap="square" rtlCol="0">
+            <a:spAutoFit/>
+          </a:bodyPr>
+          <a:lstStyle/>
+          <a:p>
+            <a:pPr algn="ctr"/>
+            <a:r>
+              <a:rPr lang="en-GR" dirty="0"/>
+              <a:t>Tight TopTagger + SR TopTagger</a:t>
+            </a:r>
+          </a:p>
+        </p:txBody>
+      </p:sp>
+      <p:sp>
+        <p:nvSpPr>
+          <p:cNvPr id="18" name="TextBox 17">
+            <a:extLst>
+              <a:ext uri="{FF2B5EF4-FFF2-40B4-BE49-F238E27FC236}">
+                <a16:creationId xmlns:a16="http://schemas.microsoft.com/office/drawing/2014/main" id="{6C7E105D-5296-2242-84F9-5547FDE0873C}"/>
+              </a:ext>
+            </a:extLst>
+          </p:cNvPr>
+          <p:cNvSpPr txBox="1"/>
+          <p:nvPr/>
+        </p:nvSpPr>
+        <p:spPr>
+          <a:xfrm>
+            <a:off x="4564348" y="4747191"/>
+            <a:ext cx="3243263" cy="369332"/>
+          </a:xfrm>
+          <a:prstGeom prst="rect">
+            <a:avLst/>
+          </a:prstGeom>
+          <a:noFill/>
+        </p:spPr>
+        <p:txBody>
+          <a:bodyPr wrap="square" rtlCol="0">
+            <a:spAutoFit/>
+          </a:bodyPr>
+          <a:lstStyle/>
+          <a:p>
+            <a:pPr algn="ctr"/>
+            <a:r>
+              <a:rPr lang="en-GR" dirty="0"/>
+              <a:t>Tight TopTagger + Probe</a:t>
+            </a:r>
+          </a:p>
+        </p:txBody>
+      </p:sp>
+      <p:sp>
+        <p:nvSpPr>
+          <p:cNvPr id="19" name="Rectangle 18">
+            <a:extLst>
+              <a:ext uri="{FF2B5EF4-FFF2-40B4-BE49-F238E27FC236}">
+                <a16:creationId xmlns:a16="http://schemas.microsoft.com/office/drawing/2014/main" id="{F18E505C-0E8D-5D4F-9340-1B44147C83AA}"/>
               </a:ext>
             </a:extLst>
           </p:cNvPr>
@@ -19112,76 +19054,66 @@
         </p:nvSpPr>
         <p:spPr>
           <a:xfrm>
-            <a:off x="163285" y="537218"/>
-            <a:ext cx="12028715" cy="1015663"/>
+            <a:off x="2049125" y="3186241"/>
+            <a:ext cx="1520674" cy="369332"/>
           </a:xfrm>
           <a:prstGeom prst="rect">
             <a:avLst/>
           </a:prstGeom>
         </p:spPr>
         <p:txBody>
-          <a:bodyPr wrap="square">
+          <a:bodyPr wrap="none">
             <a:spAutoFit/>
           </a:bodyPr>
           <a:lstStyle/>
           <a:p>
-            <a:pPr marL="285750" indent="-285750">
-              <a:buClr>
-                <a:schemeClr val="accent1"/>
-              </a:buClr>
-              <a:buFont typeface="Arial" panose="020B0604020202020204" pitchFamily="34" charset="0"/>
-              <a:buChar char="•"/>
-            </a:pPr>
-            <a:r>
-              <a:rPr lang="en-US" sz="2000" u="sng" dirty="0"/>
-              <a:t>BDT Output scores SR</a:t>
-            </a:r>
-            <a:r>
-              <a:rPr lang="en-US" sz="2000" u="sng" baseline="-25000" dirty="0"/>
-              <a:t>B</a:t>
-            </a:r>
-            <a:endParaRPr lang="en-US" sz="2000" u="sng" dirty="0"/>
-          </a:p>
-          <a:p>
-            <a:pPr marL="742950" lvl="1" indent="-285750">
-              <a:buClr>
-                <a:schemeClr val="accent1"/>
-              </a:buClr>
-              <a:buFont typeface="Arial" panose="020B0604020202020204" pitchFamily="34" charset="0"/>
-              <a:buChar char="•"/>
-            </a:pPr>
-            <a:r>
-              <a:rPr lang="en-US" sz="2000" dirty="0"/>
-              <a:t>SR</a:t>
-            </a:r>
-            <a:r>
-              <a:rPr lang="en-US" sz="2000" baseline="-25000" dirty="0"/>
-              <a:t>B </a:t>
-            </a:r>
-            <a:r>
-              <a:rPr lang="en-US" sz="2000" dirty="0"/>
-              <a:t>: Baseline selection + tight Mass Cut  (120,220) GeV, no </a:t>
-            </a:r>
-            <a:r>
-              <a:rPr lang="en-US" sz="2000" dirty="0" err="1"/>
-              <a:t>TopTagger</a:t>
-            </a:r>
-            <a:r>
-              <a:rPr lang="en-US" sz="2000" dirty="0"/>
-              <a:t> Selection </a:t>
-            </a:r>
-          </a:p>
-          <a:p>
-            <a:pPr marL="742950" lvl="1" indent="-285750">
-              <a:buClr>
-                <a:schemeClr val="accent1"/>
-              </a:buClr>
-              <a:buFont typeface="Arial" panose="020B0604020202020204" pitchFamily="34" charset="0"/>
-              <a:buChar char="•"/>
-            </a:pPr>
-            <a:r>
-              <a:rPr lang="en-US" sz="2000" dirty="0"/>
-              <a:t>QCD scaled to data (k-factor)</a:t>
+            <a:pPr algn="ctr"/>
+            <a:r>
+              <a:rPr lang="en-US" b="1" u="sng" dirty="0">
+                <a:solidFill>
+                  <a:srgbClr val="FF0000"/>
+                </a:solidFill>
+              </a:rPr>
+              <a:t>b tagging SF’s </a:t>
+            </a:r>
+          </a:p>
+        </p:txBody>
+      </p:sp>
+      <p:sp>
+        <p:nvSpPr>
+          <p:cNvPr id="20" name="Rectangle 19">
+            <a:extLst>
+              <a:ext uri="{FF2B5EF4-FFF2-40B4-BE49-F238E27FC236}">
+                <a16:creationId xmlns:a16="http://schemas.microsoft.com/office/drawing/2014/main" id="{67D4E5C2-0B92-0048-8D4F-4E4A55880973}"/>
+              </a:ext>
+            </a:extLst>
+          </p:cNvPr>
+          <p:cNvSpPr/>
+          <p:nvPr/>
+        </p:nvSpPr>
+        <p:spPr>
+          <a:xfrm>
+            <a:off x="8457894" y="3204932"/>
+            <a:ext cx="1849289" cy="369332"/>
+          </a:xfrm>
+          <a:prstGeom prst="rect">
+            <a:avLst/>
+          </a:prstGeom>
+        </p:spPr>
+        <p:txBody>
+          <a:bodyPr wrap="none">
+            <a:spAutoFit/>
+          </a:bodyPr>
+          <a:lstStyle/>
+          <a:p>
+            <a:pPr algn="ctr"/>
+            <a:r>
+              <a:rPr lang="en-US" b="1" u="sng" dirty="0">
+                <a:solidFill>
+                  <a:srgbClr val="FF0000"/>
+                </a:solidFill>
+              </a:rPr>
+              <a:t>No b tagging SF’s </a:t>
             </a:r>
           </a:p>
         </p:txBody>
@@ -19189,7 +19121,7 @@
     </p:spTree>
     <p:extLst>
       <p:ext uri="{BB962C8B-B14F-4D97-AF65-F5344CB8AC3E}">
-        <p14:creationId xmlns:p14="http://schemas.microsoft.com/office/powerpoint/2010/main" val="83094305"/>
+        <p14:creationId xmlns:p14="http://schemas.microsoft.com/office/powerpoint/2010/main" val="4150945209"/>
       </p:ext>
     </p:extLst>
   </p:cSld>
@@ -19251,8 +19183,8 @@
         </p:nvSpPr>
         <p:spPr>
           <a:xfrm>
-            <a:off x="2805007" y="33090"/>
-            <a:ext cx="6581985" cy="523220"/>
+            <a:off x="3276600" y="33090"/>
+            <a:ext cx="5638800" cy="523220"/>
           </a:xfrm>
           <a:prstGeom prst="rect">
             <a:avLst/>
@@ -19268,15 +19200,15 @@
             <a:pPr algn="ctr"/>
             <a:r>
               <a:rPr lang="en-US" sz="2800" u="sng" dirty="0"/>
-              <a:t>Data Vs MC Stacks for BDT output </a:t>
+              <a:t>Tag And Probe Calculations </a:t>
             </a:r>
             <a:r>
               <a:rPr lang="en-US" sz="2800" u="sng" dirty="0">
                 <a:solidFill>
-                  <a:srgbClr val="FF0000"/>
+                  <a:srgbClr val="00B050"/>
                 </a:solidFill>
               </a:rPr>
-              <a:t>2017</a:t>
+              <a:t>2018</a:t>
             </a:r>
             <a:r>
               <a:rPr lang="en-US" sz="2800" u="sng" dirty="0"/>
@@ -19343,7 +19275,7 @@
           <a:p>
             <a:fld id="{3DBB7BD0-9B8D-1F47-8ABF-BE3CF9BD2848}" type="datetime1">
               <a:rPr lang="en-US" smtClean="0"/>
-              <a:t>9/7/20</a:t>
+              <a:t>9/8/20</a:t>
             </a:fld>
             <a:endParaRPr lang="en-US" dirty="0"/>
           </a:p>
@@ -19419,70 +19351,244 @@
           </a:p>
         </p:txBody>
       </p:sp>
-      <p:pic>
-        <p:nvPicPr>
-          <p:cNvPr id="4" name="Picture 3">
+      <p:sp>
+        <p:nvSpPr>
+          <p:cNvPr id="2" name="Rectangle 1">
             <a:extLst>
               <a:ext uri="{FF2B5EF4-FFF2-40B4-BE49-F238E27FC236}">
-                <a16:creationId xmlns:a16="http://schemas.microsoft.com/office/drawing/2014/main" id="{A37CDE29-0165-8540-AFD9-47BF96CD3E63}"/>
+                <a16:creationId xmlns:a16="http://schemas.microsoft.com/office/drawing/2014/main" id="{5C0AC30A-7E8B-5E44-B107-1CFE415896F6}"/>
               </a:ext>
             </a:extLst>
           </p:cNvPr>
-          <p:cNvPicPr>
-            <a:picLocks noChangeAspect="1"/>
-          </p:cNvPicPr>
+          <p:cNvSpPr/>
           <p:nvPr/>
-        </p:nvPicPr>
-        <p:blipFill>
-          <a:blip r:embed="rId2"/>
-          <a:stretch>
-            <a:fillRect/>
-          </a:stretch>
-        </p:blipFill>
-        <p:spPr>
-          <a:xfrm rot="5400000">
-            <a:off x="927312" y="440626"/>
-            <a:ext cx="4311269" cy="5976747"/>
+        </p:nvSpPr>
+        <p:spPr>
+          <a:xfrm>
+            <a:off x="1180718" y="1582339"/>
+            <a:ext cx="3804458" cy="3693319"/>
           </a:xfrm>
           <a:prstGeom prst="rect">
             <a:avLst/>
           </a:prstGeom>
         </p:spPr>
-      </p:pic>
-      <p:pic>
-        <p:nvPicPr>
-          <p:cNvPr id="11" name="Picture 10">
+        <p:txBody>
+          <a:bodyPr wrap="square">
+            <a:spAutoFit/>
+          </a:bodyPr>
+          <a:lstStyle/>
+          <a:p>
+            <a:r>
+              <a:rPr lang="en-GR" dirty="0"/>
+              <a:t>Efficiency-- with tag SF's</a:t>
+            </a:r>
+          </a:p>
+          <a:p>
+            <a:r>
+              <a:rPr lang="en-GR" dirty="0">
+                <a:solidFill>
+                  <a:schemeClr val="tx1">
+                    <a:lumMod val="95000"/>
+                    <a:lumOff val="5000"/>
+                  </a:schemeClr>
+                </a:solidFill>
+              </a:rPr>
+              <a:t>eff data: 0.816 ± 0.032</a:t>
+            </a:r>
+          </a:p>
+          <a:p>
+            <a:r>
+              <a:rPr lang="en-GR" b="1" u="sng" dirty="0">
+                <a:solidFill>
+                  <a:srgbClr val="00B050"/>
+                </a:solidFill>
+              </a:rPr>
+              <a:t>eff ttbar: 0.839 ± 0.005</a:t>
+            </a:r>
+          </a:p>
+          <a:p>
+            <a:r>
+              <a:rPr lang="en-GR" dirty="0"/>
+              <a:t>-----------</a:t>
+            </a:r>
+          </a:p>
+          <a:p>
+            <a:r>
+              <a:rPr lang="en-GR" dirty="0"/>
+              <a:t>Efficiency per Pt region</a:t>
+            </a:r>
+          </a:p>
+          <a:p>
+            <a:r>
+              <a:rPr lang="en-GR" dirty="0"/>
+              <a:t>eff data pT[400-600]: 0.8176 ± 0.038</a:t>
+            </a:r>
+          </a:p>
+          <a:p>
+            <a:r>
+              <a:rPr lang="en-GR" dirty="0"/>
+              <a:t>eff ttbar pT[400-600]: 0.837 ± 0.006</a:t>
+            </a:r>
+          </a:p>
+          <a:p>
+            <a:r>
+              <a:rPr lang="en-GR" dirty="0"/>
+              <a:t>-----------</a:t>
+            </a:r>
+          </a:p>
+          <a:p>
+            <a:r>
+              <a:rPr lang="en-GR" dirty="0"/>
+              <a:t>eff data pT[600-800]: 0.809 ± 0.063</a:t>
+            </a:r>
+          </a:p>
+          <a:p>
+            <a:r>
+              <a:rPr lang="en-GR" dirty="0"/>
+              <a:t>eff ttbar pT[600-800]: 0.847 ± 0.013</a:t>
+            </a:r>
+          </a:p>
+          <a:p>
+            <a:r>
+              <a:rPr lang="en-GR" dirty="0"/>
+              <a:t>-----------</a:t>
+            </a:r>
+          </a:p>
+          <a:p>
+            <a:r>
+              <a:rPr lang="en-GR" dirty="0"/>
+              <a:t>eff data pT[800-Inf]: 0.772 ± 0.132</a:t>
+            </a:r>
+          </a:p>
+          <a:p>
+            <a:r>
+              <a:rPr lang="en-GR" dirty="0"/>
+              <a:t>eff ttbar pT[800-Inf]: 0.868 ± 0.032</a:t>
+            </a:r>
+          </a:p>
+        </p:txBody>
+      </p:sp>
+      <p:sp>
+        <p:nvSpPr>
+          <p:cNvPr id="4" name="Rectangle 3">
             <a:extLst>
               <a:ext uri="{FF2B5EF4-FFF2-40B4-BE49-F238E27FC236}">
-                <a16:creationId xmlns:a16="http://schemas.microsoft.com/office/drawing/2014/main" id="{F1BD224C-3E78-0A47-9667-7B654BD6FB2A}"/>
+                <a16:creationId xmlns:a16="http://schemas.microsoft.com/office/drawing/2014/main" id="{6A55B372-F163-CB40-91A8-4182F6465250}"/>
               </a:ext>
             </a:extLst>
           </p:cNvPr>
-          <p:cNvPicPr>
-            <a:picLocks noChangeAspect="1"/>
-          </p:cNvPicPr>
+          <p:cNvSpPr/>
           <p:nvPr/>
-        </p:nvPicPr>
-        <p:blipFill>
-          <a:blip r:embed="rId3"/>
-          <a:stretch>
-            <a:fillRect/>
-          </a:stretch>
-        </p:blipFill>
-        <p:spPr>
-          <a:xfrm rot="5400000">
-            <a:off x="6904059" y="440626"/>
-            <a:ext cx="4311269" cy="5976747"/>
+        </p:nvSpPr>
+        <p:spPr>
+          <a:xfrm>
+            <a:off x="7182145" y="1582339"/>
+            <a:ext cx="3804458" cy="3693319"/>
           </a:xfrm>
           <a:prstGeom prst="rect">
             <a:avLst/>
           </a:prstGeom>
         </p:spPr>
-      </p:pic>
+        <p:txBody>
+          <a:bodyPr wrap="square">
+            <a:spAutoFit/>
+          </a:bodyPr>
+          <a:lstStyle/>
+          <a:p>
+            <a:r>
+              <a:rPr lang="en-GR" dirty="0"/>
+              <a:t>Efficiency-- without tag sf's</a:t>
+            </a:r>
+          </a:p>
+          <a:p>
+            <a:r>
+              <a:rPr lang="en-GR" dirty="0">
+                <a:solidFill>
+                  <a:schemeClr val="tx1">
+                    <a:lumMod val="95000"/>
+                    <a:lumOff val="5000"/>
+                  </a:schemeClr>
+                </a:solidFill>
+              </a:rPr>
+              <a:t>eff data: 0.822 ± 0.034</a:t>
+            </a:r>
+          </a:p>
+          <a:p>
+            <a:r>
+              <a:rPr lang="en-GR" dirty="0">
+                <a:solidFill>
+                  <a:srgbClr val="00B050"/>
+                </a:solidFill>
+              </a:rPr>
+              <a:t>eff ttbar: 0.839 ± 0.005</a:t>
+            </a:r>
+          </a:p>
+          <a:p>
+            <a:r>
+              <a:rPr lang="en-GR" dirty="0"/>
+              <a:t>-----------</a:t>
+            </a:r>
+          </a:p>
+          <a:p>
+            <a:r>
+              <a:rPr lang="en-GR" dirty="0"/>
+              <a:t>Efficiency per Pt region</a:t>
+            </a:r>
+          </a:p>
+          <a:p>
+            <a:r>
+              <a:rPr lang="en-GR" dirty="0"/>
+              <a:t>eff data pT[400-600]: 0.824 ± 0.039</a:t>
+            </a:r>
+          </a:p>
+          <a:p>
+            <a:r>
+              <a:rPr lang="en-GR" dirty="0"/>
+              <a:t>eff ttbar pT[400-600]: 0.837 ± 0.006</a:t>
+            </a:r>
+          </a:p>
+          <a:p>
+            <a:r>
+              <a:rPr lang="en-GR" dirty="0"/>
+              <a:t>-----------</a:t>
+            </a:r>
+          </a:p>
+          <a:p>
+            <a:r>
+              <a:rPr lang="en-GR" dirty="0"/>
+              <a:t>eff data pT[600-800]: 0.819 ± 0.066</a:t>
+            </a:r>
+          </a:p>
+          <a:p>
+            <a:r>
+              <a:rPr lang="en-GR" dirty="0"/>
+              <a:t>eff ttbar pT[600-800]: 0.847 ± 0.013</a:t>
+            </a:r>
+          </a:p>
+          <a:p>
+            <a:r>
+              <a:rPr lang="en-GR" dirty="0"/>
+              <a:t>-----------</a:t>
+            </a:r>
+          </a:p>
+          <a:p>
+            <a:r>
+              <a:rPr lang="en-GR" dirty="0"/>
+              <a:t>eff data pT[800-Inf]: 0.789 ± 0.141</a:t>
+            </a:r>
+          </a:p>
+          <a:p>
+            <a:r>
+              <a:rPr lang="en-GR" dirty="0"/>
+              <a:t>eff ttbar pT[800-Inf]: 0.868 ± 0.032</a:t>
+            </a:r>
+          </a:p>
+        </p:txBody>
+      </p:sp>
     </p:spTree>
     <p:extLst>
       <p:ext uri="{BB962C8B-B14F-4D97-AF65-F5344CB8AC3E}">
-        <p14:creationId xmlns:p14="http://schemas.microsoft.com/office/powerpoint/2010/main" val="2071165039"/>
+        <p14:creationId xmlns:p14="http://schemas.microsoft.com/office/powerpoint/2010/main" val="4027163055"/>
       </p:ext>
     </p:extLst>
   </p:cSld>
@@ -19538,53 +19644,6 @@
       </p:sp>
       <p:sp>
         <p:nvSpPr>
-          <p:cNvPr id="7" name="TextBox 6"/>
-          <p:cNvSpPr txBox="1"/>
-          <p:nvPr/>
-        </p:nvSpPr>
-        <p:spPr>
-          <a:xfrm>
-            <a:off x="2805007" y="33090"/>
-            <a:ext cx="6581985" cy="523220"/>
-          </a:xfrm>
-          <a:prstGeom prst="rect">
-            <a:avLst/>
-          </a:prstGeom>
-          <a:noFill/>
-        </p:spPr>
-        <p:txBody>
-          <a:bodyPr wrap="square" rtlCol="0">
-            <a:spAutoFit/>
-          </a:bodyPr>
-          <a:lstStyle/>
-          <a:p>
-            <a:pPr algn="ctr"/>
-            <a:r>
-              <a:rPr lang="en-US" sz="2800" u="sng" dirty="0"/>
-              <a:t>Data Vs MC Stacks for BDT output </a:t>
-            </a:r>
-            <a:r>
-              <a:rPr lang="en-US" sz="2800" u="sng" dirty="0">
-                <a:solidFill>
-                  <a:srgbClr val="00B050"/>
-                </a:solidFill>
-              </a:rPr>
-              <a:t>2018</a:t>
-            </a:r>
-            <a:r>
-              <a:rPr lang="en-US" sz="2800" u="sng" dirty="0"/>
-              <a:t> </a:t>
-            </a:r>
-            <a:endParaRPr lang="en-US" sz="2800" u="sng" dirty="0">
-              <a:solidFill>
-                <a:srgbClr val="00B050"/>
-              </a:solidFill>
-            </a:endParaRPr>
-          </a:p>
-        </p:txBody>
-      </p:sp>
-      <p:sp>
-        <p:nvSpPr>
           <p:cNvPr id="5" name="Slide Number Placeholder 4">
             <a:extLst>
               <a:ext uri="{FF2B5EF4-FFF2-40B4-BE49-F238E27FC236}">
@@ -19634,90 +19693,20 @@
           <a:bodyPr/>
           <a:lstStyle/>
           <a:p>
-            <a:fld id="{3DBB7BD0-9B8D-1F47-8ABF-BE3CF9BD2848}" type="datetime1">
+            <a:fld id="{D52D66B2-0E0A-F441-A1DA-8039F615D612}" type="datetime1">
               <a:rPr lang="en-US" smtClean="0"/>
-              <a:t>9/7/20</a:t>
+              <a:t>9/8/20</a:t>
             </a:fld>
             <a:endParaRPr lang="en-US" dirty="0"/>
           </a:p>
         </p:txBody>
       </p:sp>
-      <p:sp>
-        <p:nvSpPr>
-          <p:cNvPr id="6" name="Rectangle 5">
-            <a:extLst>
-              <a:ext uri="{FF2B5EF4-FFF2-40B4-BE49-F238E27FC236}">
-                <a16:creationId xmlns:a16="http://schemas.microsoft.com/office/drawing/2014/main" id="{1D3A9800-C923-F943-ACA5-B4B9B9A1D73D}"/>
-              </a:ext>
-            </a:extLst>
-          </p:cNvPr>
-          <p:cNvSpPr/>
-          <p:nvPr/>
-        </p:nvSpPr>
-        <p:spPr>
-          <a:xfrm>
-            <a:off x="7939701" y="638586"/>
-            <a:ext cx="2289346" cy="369332"/>
-          </a:xfrm>
-          <a:prstGeom prst="rect">
-            <a:avLst/>
-          </a:prstGeom>
-        </p:spPr>
-        <p:txBody>
-          <a:bodyPr wrap="none">
-            <a:spAutoFit/>
-          </a:bodyPr>
-          <a:lstStyle/>
-          <a:p>
-            <a:pPr algn="ctr"/>
-            <a:r>
-              <a:rPr lang="en-US" u="sng" dirty="0"/>
-              <a:t>without b tagging SF’s </a:t>
-            </a:r>
-          </a:p>
-        </p:txBody>
-      </p:sp>
-      <p:sp>
-        <p:nvSpPr>
-          <p:cNvPr id="8" name="Rectangle 7">
-            <a:extLst>
-              <a:ext uri="{FF2B5EF4-FFF2-40B4-BE49-F238E27FC236}">
-                <a16:creationId xmlns:a16="http://schemas.microsoft.com/office/drawing/2014/main" id="{FE0D63A0-1633-E841-944F-B91BFC6F0FEB}"/>
-              </a:ext>
-            </a:extLst>
-          </p:cNvPr>
-          <p:cNvSpPr/>
-          <p:nvPr/>
-        </p:nvSpPr>
-        <p:spPr>
-          <a:xfrm>
-            <a:off x="2333415" y="638586"/>
-            <a:ext cx="1499065" cy="369332"/>
-          </a:xfrm>
-          <a:prstGeom prst="rect">
-            <a:avLst/>
-          </a:prstGeom>
-        </p:spPr>
-        <p:txBody>
-          <a:bodyPr wrap="none">
-            <a:spAutoFit/>
-          </a:bodyPr>
-          <a:lstStyle/>
-          <a:p>
-            <a:pPr algn="ctr"/>
-            <a:r>
-              <a:rPr lang="en-US" u="sng" dirty="0"/>
-              <a:t>b tagging SF’s </a:t>
-            </a:r>
-          </a:p>
-        </p:txBody>
-      </p:sp>
       <p:pic>
         <p:nvPicPr>
-          <p:cNvPr id="9" name="Picture 8">
+          <p:cNvPr id="8" name="Picture 7">
             <a:extLst>
               <a:ext uri="{FF2B5EF4-FFF2-40B4-BE49-F238E27FC236}">
-                <a16:creationId xmlns:a16="http://schemas.microsoft.com/office/drawing/2014/main" id="{2E336555-93F3-FD4F-B090-6BE11BE0DBFF}"/>
+                <a16:creationId xmlns:a16="http://schemas.microsoft.com/office/drawing/2014/main" id="{08124A33-50C0-BB46-BE06-3467BA03726B}"/>
               </a:ext>
             </a:extLst>
           </p:cNvPr>
@@ -19734,8 +19723,8 @@
         </p:blipFill>
         <p:spPr>
           <a:xfrm rot="5400000">
-            <a:off x="951991" y="439725"/>
-            <a:ext cx="4311269" cy="5976747"/>
+            <a:off x="7617875" y="-241793"/>
+            <a:ext cx="3012694" cy="4176522"/>
           </a:xfrm>
           <a:prstGeom prst="rect">
             <a:avLst/>
@@ -19747,7 +19736,7 @@
           <p:cNvPr id="11" name="Picture 10">
             <a:extLst>
               <a:ext uri="{FF2B5EF4-FFF2-40B4-BE49-F238E27FC236}">
-                <a16:creationId xmlns:a16="http://schemas.microsoft.com/office/drawing/2014/main" id="{10CBFBAD-304D-7948-AD39-DEB83BD977DD}"/>
+                <a16:creationId xmlns:a16="http://schemas.microsoft.com/office/drawing/2014/main" id="{4744943B-E532-864E-8A77-D62B2B7A8DFA}"/>
               </a:ext>
             </a:extLst>
           </p:cNvPr>
@@ -19764,18 +19753,273 @@
         </p:blipFill>
         <p:spPr>
           <a:xfrm rot="5400000">
-            <a:off x="6928738" y="439724"/>
-            <a:ext cx="4311269" cy="5976747"/>
+            <a:off x="7617875" y="2837987"/>
+            <a:ext cx="3012694" cy="4176522"/>
           </a:xfrm>
           <a:prstGeom prst="rect">
             <a:avLst/>
           </a:prstGeom>
         </p:spPr>
       </p:pic>
+      <p:sp>
+        <p:nvSpPr>
+          <p:cNvPr id="7" name="TextBox 6"/>
+          <p:cNvSpPr txBox="1"/>
+          <p:nvPr/>
+        </p:nvSpPr>
+        <p:spPr>
+          <a:xfrm>
+            <a:off x="3752850" y="-76347"/>
+            <a:ext cx="4686300" cy="523220"/>
+          </a:xfrm>
+          <a:prstGeom prst="rect">
+            <a:avLst/>
+          </a:prstGeom>
+          <a:noFill/>
+        </p:spPr>
+        <p:txBody>
+          <a:bodyPr wrap="square" rtlCol="0">
+            <a:spAutoFit/>
+          </a:bodyPr>
+          <a:lstStyle/>
+          <a:p>
+            <a:r>
+              <a:rPr lang="en-GR" sz="2800" u="sng" dirty="0"/>
+              <a:t>TagAndProbe Efficiency </a:t>
+            </a:r>
+            <a:r>
+              <a:rPr lang="en-US" sz="2800" u="sng" dirty="0"/>
+              <a:t>(</a:t>
+            </a:r>
+            <a:r>
+              <a:rPr lang="en-US" sz="2800" u="sng" dirty="0">
+                <a:solidFill>
+                  <a:srgbClr val="00B050"/>
+                </a:solidFill>
+              </a:rPr>
+              <a:t>2018</a:t>
+            </a:r>
+            <a:r>
+              <a:rPr lang="en-US" sz="2800" u="sng" dirty="0"/>
+              <a:t>)</a:t>
+            </a:r>
+          </a:p>
+        </p:txBody>
+      </p:sp>
+      <p:pic>
+        <p:nvPicPr>
+          <p:cNvPr id="4" name="Picture 3">
+            <a:extLst>
+              <a:ext uri="{FF2B5EF4-FFF2-40B4-BE49-F238E27FC236}">
+                <a16:creationId xmlns:a16="http://schemas.microsoft.com/office/drawing/2014/main" id="{5F632B27-92BD-1E45-8665-EF48ACC1307B}"/>
+              </a:ext>
+            </a:extLst>
+          </p:cNvPr>
+          <p:cNvPicPr>
+            <a:picLocks noChangeAspect="1"/>
+          </p:cNvPicPr>
+          <p:nvPr/>
+        </p:nvPicPr>
+        <p:blipFill>
+          <a:blip r:embed="rId4"/>
+          <a:stretch>
+            <a:fillRect/>
+          </a:stretch>
+        </p:blipFill>
+        <p:spPr>
+          <a:xfrm rot="5400000">
+            <a:off x="1204475" y="-241793"/>
+            <a:ext cx="3012694" cy="4176522"/>
+          </a:xfrm>
+          <a:prstGeom prst="rect">
+            <a:avLst/>
+          </a:prstGeom>
+        </p:spPr>
+      </p:pic>
+      <p:pic>
+        <p:nvPicPr>
+          <p:cNvPr id="9" name="Picture 8">
+            <a:extLst>
+              <a:ext uri="{FF2B5EF4-FFF2-40B4-BE49-F238E27FC236}">
+                <a16:creationId xmlns:a16="http://schemas.microsoft.com/office/drawing/2014/main" id="{CC987474-2518-244B-A899-90EA804E300B}"/>
+              </a:ext>
+            </a:extLst>
+          </p:cNvPr>
+          <p:cNvPicPr>
+            <a:picLocks noChangeAspect="1"/>
+          </p:cNvPicPr>
+          <p:nvPr/>
+        </p:nvPicPr>
+        <p:blipFill>
+          <a:blip r:embed="rId5"/>
+          <a:stretch>
+            <a:fillRect/>
+          </a:stretch>
+        </p:blipFill>
+        <p:spPr>
+          <a:xfrm rot="5400000">
+            <a:off x="1204475" y="2822489"/>
+            <a:ext cx="3012694" cy="4176522"/>
+          </a:xfrm>
+          <a:prstGeom prst="rect">
+            <a:avLst/>
+          </a:prstGeom>
+        </p:spPr>
+      </p:pic>
+      <p:sp>
+        <p:nvSpPr>
+          <p:cNvPr id="19" name="TextBox 18">
+            <a:extLst>
+              <a:ext uri="{FF2B5EF4-FFF2-40B4-BE49-F238E27FC236}">
+                <a16:creationId xmlns:a16="http://schemas.microsoft.com/office/drawing/2014/main" id="{87A7433F-F7CC-2844-A37A-B9EF728D6FE8}"/>
+              </a:ext>
+            </a:extLst>
+          </p:cNvPr>
+          <p:cNvSpPr txBox="1"/>
+          <p:nvPr/>
+        </p:nvSpPr>
+        <p:spPr>
+          <a:xfrm>
+            <a:off x="4271791" y="4994770"/>
+            <a:ext cx="3243263" cy="369332"/>
+          </a:xfrm>
+          <a:prstGeom prst="rect">
+            <a:avLst/>
+          </a:prstGeom>
+          <a:noFill/>
+        </p:spPr>
+        <p:txBody>
+          <a:bodyPr wrap="square" rtlCol="0">
+            <a:spAutoFit/>
+          </a:bodyPr>
+          <a:lstStyle/>
+          <a:p>
+            <a:pPr algn="ctr"/>
+            <a:r>
+              <a:rPr lang="en-GR" dirty="0"/>
+              <a:t>Tight TopTagger + Probe</a:t>
+            </a:r>
+          </a:p>
+        </p:txBody>
+      </p:sp>
+      <p:sp>
+        <p:nvSpPr>
+          <p:cNvPr id="18" name="TextBox 17">
+            <a:extLst>
+              <a:ext uri="{FF2B5EF4-FFF2-40B4-BE49-F238E27FC236}">
+                <a16:creationId xmlns:a16="http://schemas.microsoft.com/office/drawing/2014/main" id="{531AB382-FCD2-4B43-82A6-0D98FF6E618F}"/>
+              </a:ext>
+            </a:extLst>
+          </p:cNvPr>
+          <p:cNvSpPr txBox="1"/>
+          <p:nvPr/>
+        </p:nvSpPr>
+        <p:spPr>
+          <a:xfrm>
+            <a:off x="4271790" y="1557986"/>
+            <a:ext cx="3243263" cy="369332"/>
+          </a:xfrm>
+          <a:prstGeom prst="rect">
+            <a:avLst/>
+          </a:prstGeom>
+          <a:noFill/>
+        </p:spPr>
+        <p:txBody>
+          <a:bodyPr wrap="square" rtlCol="0">
+            <a:spAutoFit/>
+          </a:bodyPr>
+          <a:lstStyle/>
+          <a:p>
+            <a:pPr algn="ctr"/>
+            <a:r>
+              <a:rPr lang="en-GR" dirty="0"/>
+              <a:t>Tight TopTagger + SR TopTagger</a:t>
+            </a:r>
+          </a:p>
+        </p:txBody>
+      </p:sp>
+      <p:sp>
+        <p:nvSpPr>
+          <p:cNvPr id="17" name="Rectangle 16">
+            <a:extLst>
+              <a:ext uri="{FF2B5EF4-FFF2-40B4-BE49-F238E27FC236}">
+                <a16:creationId xmlns:a16="http://schemas.microsoft.com/office/drawing/2014/main" id="{7F2195D5-6AF3-B94D-B444-5C47384FD281}"/>
+              </a:ext>
+            </a:extLst>
+          </p:cNvPr>
+          <p:cNvSpPr/>
+          <p:nvPr/>
+        </p:nvSpPr>
+        <p:spPr>
+          <a:xfrm>
+            <a:off x="2049125" y="3186241"/>
+            <a:ext cx="1520674" cy="369332"/>
+          </a:xfrm>
+          <a:prstGeom prst="rect">
+            <a:avLst/>
+          </a:prstGeom>
+        </p:spPr>
+        <p:txBody>
+          <a:bodyPr wrap="none">
+            <a:spAutoFit/>
+          </a:bodyPr>
+          <a:lstStyle/>
+          <a:p>
+            <a:pPr algn="ctr"/>
+            <a:r>
+              <a:rPr lang="en-US" b="1" u="sng" dirty="0">
+                <a:solidFill>
+                  <a:srgbClr val="FF0000"/>
+                </a:solidFill>
+              </a:rPr>
+              <a:t>b tagging SF’s </a:t>
+            </a:r>
+          </a:p>
+        </p:txBody>
+      </p:sp>
+      <p:sp>
+        <p:nvSpPr>
+          <p:cNvPr id="20" name="Rectangle 19">
+            <a:extLst>
+              <a:ext uri="{FF2B5EF4-FFF2-40B4-BE49-F238E27FC236}">
+                <a16:creationId xmlns:a16="http://schemas.microsoft.com/office/drawing/2014/main" id="{43E24579-13E4-6140-97A9-7386D280E896}"/>
+              </a:ext>
+            </a:extLst>
+          </p:cNvPr>
+          <p:cNvSpPr/>
+          <p:nvPr/>
+        </p:nvSpPr>
+        <p:spPr>
+          <a:xfrm>
+            <a:off x="8457894" y="3204932"/>
+            <a:ext cx="1849289" cy="369332"/>
+          </a:xfrm>
+          <a:prstGeom prst="rect">
+            <a:avLst/>
+          </a:prstGeom>
+        </p:spPr>
+        <p:txBody>
+          <a:bodyPr wrap="none">
+            <a:spAutoFit/>
+          </a:bodyPr>
+          <a:lstStyle/>
+          <a:p>
+            <a:pPr algn="ctr"/>
+            <a:r>
+              <a:rPr lang="en-US" b="1" u="sng" dirty="0">
+                <a:solidFill>
+                  <a:srgbClr val="FF0000"/>
+                </a:solidFill>
+              </a:rPr>
+              <a:t>No b tagging SF’s </a:t>
+            </a:r>
+          </a:p>
+        </p:txBody>
+      </p:sp>
     </p:spTree>
     <p:extLst>
       <p:ext uri="{BB962C8B-B14F-4D97-AF65-F5344CB8AC3E}">
-        <p14:creationId xmlns:p14="http://schemas.microsoft.com/office/powerpoint/2010/main" val="1051090531"/>
+        <p14:creationId xmlns:p14="http://schemas.microsoft.com/office/powerpoint/2010/main" val="270366993"/>
       </p:ext>
     </p:extLst>
   </p:cSld>
@@ -19837,8 +20081,8 @@
         </p:nvSpPr>
         <p:spPr>
           <a:xfrm>
-            <a:off x="3276600" y="2640823"/>
-            <a:ext cx="5638800" cy="523220"/>
+            <a:off x="2805007" y="33090"/>
+            <a:ext cx="6581985" cy="523220"/>
           </a:xfrm>
           <a:prstGeom prst="rect">
             <a:avLst/>
@@ -19854,8 +20098,25 @@
             <a:pPr algn="ctr"/>
             <a:r>
               <a:rPr lang="en-US" sz="2800" u="sng" dirty="0"/>
-              <a:t>BACKUP SLIDES</a:t>
-            </a:r>
+              <a:t>Data Vs MC Stacks for BDT output </a:t>
+            </a:r>
+            <a:r>
+              <a:rPr lang="en-US" sz="2800" u="sng" dirty="0">
+                <a:solidFill>
+                  <a:srgbClr val="00B0F0"/>
+                </a:solidFill>
+              </a:rPr>
+              <a:t>2016</a:t>
+            </a:r>
+            <a:r>
+              <a:rPr lang="en-US" sz="2800" u="sng" dirty="0"/>
+              <a:t> </a:t>
+            </a:r>
+            <a:endParaRPr lang="en-US" sz="2800" u="sng" dirty="0">
+              <a:solidFill>
+                <a:srgbClr val="00B050"/>
+              </a:solidFill>
+            </a:endParaRPr>
           </a:p>
         </p:txBody>
       </p:sp>
@@ -19912,16 +20173,234 @@
           <a:p>
             <a:fld id="{3DBB7BD0-9B8D-1F47-8ABF-BE3CF9BD2848}" type="datetime1">
               <a:rPr lang="en-US" smtClean="0"/>
-              <a:t>9/7/20</a:t>
+              <a:t>9/8/20</a:t>
             </a:fld>
             <a:endParaRPr lang="en-US" dirty="0"/>
+          </a:p>
+        </p:txBody>
+      </p:sp>
+      <p:sp>
+        <p:nvSpPr>
+          <p:cNvPr id="6" name="Rectangle 5">
+            <a:extLst>
+              <a:ext uri="{FF2B5EF4-FFF2-40B4-BE49-F238E27FC236}">
+                <a16:creationId xmlns:a16="http://schemas.microsoft.com/office/drawing/2014/main" id="{1D3A9800-C923-F943-ACA5-B4B9B9A1D73D}"/>
+              </a:ext>
+            </a:extLst>
+          </p:cNvPr>
+          <p:cNvSpPr/>
+          <p:nvPr/>
+        </p:nvSpPr>
+        <p:spPr>
+          <a:xfrm>
+            <a:off x="7907044" y="1609457"/>
+            <a:ext cx="2289346" cy="369332"/>
+          </a:xfrm>
+          <a:prstGeom prst="rect">
+            <a:avLst/>
+          </a:prstGeom>
+        </p:spPr>
+        <p:txBody>
+          <a:bodyPr wrap="none">
+            <a:spAutoFit/>
+          </a:bodyPr>
+          <a:lstStyle/>
+          <a:p>
+            <a:pPr algn="ctr"/>
+            <a:r>
+              <a:rPr lang="en-US" u="sng" dirty="0"/>
+              <a:t>without b tagging SF’s </a:t>
+            </a:r>
+          </a:p>
+        </p:txBody>
+      </p:sp>
+      <p:sp>
+        <p:nvSpPr>
+          <p:cNvPr id="8" name="Rectangle 7">
+            <a:extLst>
+              <a:ext uri="{FF2B5EF4-FFF2-40B4-BE49-F238E27FC236}">
+                <a16:creationId xmlns:a16="http://schemas.microsoft.com/office/drawing/2014/main" id="{FE0D63A0-1633-E841-944F-B91BFC6F0FEB}"/>
+              </a:ext>
+            </a:extLst>
+          </p:cNvPr>
+          <p:cNvSpPr/>
+          <p:nvPr/>
+        </p:nvSpPr>
+        <p:spPr>
+          <a:xfrm>
+            <a:off x="2300758" y="1609457"/>
+            <a:ext cx="1499065" cy="369332"/>
+          </a:xfrm>
+          <a:prstGeom prst="rect">
+            <a:avLst/>
+          </a:prstGeom>
+        </p:spPr>
+        <p:txBody>
+          <a:bodyPr wrap="none">
+            <a:spAutoFit/>
+          </a:bodyPr>
+          <a:lstStyle/>
+          <a:p>
+            <a:pPr algn="ctr"/>
+            <a:r>
+              <a:rPr lang="en-US" u="sng" dirty="0"/>
+              <a:t>b tagging SF’s </a:t>
+            </a:r>
+          </a:p>
+        </p:txBody>
+      </p:sp>
+      <p:pic>
+        <p:nvPicPr>
+          <p:cNvPr id="4" name="Picture 3">
+            <a:extLst>
+              <a:ext uri="{FF2B5EF4-FFF2-40B4-BE49-F238E27FC236}">
+                <a16:creationId xmlns:a16="http://schemas.microsoft.com/office/drawing/2014/main" id="{0479B1E7-F202-554C-ADE3-707F5402EA48}"/>
+              </a:ext>
+            </a:extLst>
+          </p:cNvPr>
+          <p:cNvPicPr>
+            <a:picLocks noChangeAspect="1"/>
+          </p:cNvPicPr>
+          <p:nvPr/>
+        </p:nvPicPr>
+        <p:blipFill>
+          <a:blip r:embed="rId2"/>
+          <a:stretch>
+            <a:fillRect/>
+          </a:stretch>
+        </p:blipFill>
+        <p:spPr>
+          <a:xfrm rot="5400000">
+            <a:off x="832739" y="1202626"/>
+            <a:ext cx="4311269" cy="5976747"/>
+          </a:xfrm>
+          <a:prstGeom prst="rect">
+            <a:avLst/>
+          </a:prstGeom>
+        </p:spPr>
+      </p:pic>
+      <p:pic>
+        <p:nvPicPr>
+          <p:cNvPr id="10" name="Picture 9">
+            <a:extLst>
+              <a:ext uri="{FF2B5EF4-FFF2-40B4-BE49-F238E27FC236}">
+                <a16:creationId xmlns:a16="http://schemas.microsoft.com/office/drawing/2014/main" id="{B59D90DA-3524-084C-9B71-560A98282EE8}"/>
+              </a:ext>
+            </a:extLst>
+          </p:cNvPr>
+          <p:cNvPicPr>
+            <a:picLocks noChangeAspect="1"/>
+          </p:cNvPicPr>
+          <p:nvPr/>
+        </p:nvPicPr>
+        <p:blipFill>
+          <a:blip r:embed="rId3"/>
+          <a:stretch>
+            <a:fillRect/>
+          </a:stretch>
+        </p:blipFill>
+        <p:spPr>
+          <a:xfrm rot="5400000">
+            <a:off x="6928739" y="1202626"/>
+            <a:ext cx="4311269" cy="5976747"/>
+          </a:xfrm>
+          <a:prstGeom prst="rect">
+            <a:avLst/>
+          </a:prstGeom>
+        </p:spPr>
+      </p:pic>
+      <p:sp>
+        <p:nvSpPr>
+          <p:cNvPr id="11" name="Rectangle 10">
+            <a:extLst>
+              <a:ext uri="{FF2B5EF4-FFF2-40B4-BE49-F238E27FC236}">
+                <a16:creationId xmlns:a16="http://schemas.microsoft.com/office/drawing/2014/main" id="{1D28A1BE-C6D3-D043-8F96-A4E1CBE3A9EB}"/>
+              </a:ext>
+            </a:extLst>
+          </p:cNvPr>
+          <p:cNvSpPr/>
+          <p:nvPr/>
+        </p:nvSpPr>
+        <p:spPr>
+          <a:xfrm>
+            <a:off x="163285" y="537218"/>
+            <a:ext cx="12028715" cy="1015663"/>
+          </a:xfrm>
+          <a:prstGeom prst="rect">
+            <a:avLst/>
+          </a:prstGeom>
+        </p:spPr>
+        <p:txBody>
+          <a:bodyPr wrap="square">
+            <a:spAutoFit/>
+          </a:bodyPr>
+          <a:lstStyle/>
+          <a:p>
+            <a:pPr marL="285750" indent="-285750">
+              <a:buClr>
+                <a:schemeClr val="accent1"/>
+              </a:buClr>
+              <a:buFont typeface="Arial" panose="020B0604020202020204" pitchFamily="34" charset="0"/>
+              <a:buChar char="•"/>
+            </a:pPr>
+            <a:r>
+              <a:rPr lang="en-US" sz="2000" u="sng" dirty="0"/>
+              <a:t>BDT Output scores SR</a:t>
+            </a:r>
+            <a:r>
+              <a:rPr lang="en-US" sz="2000" u="sng" baseline="-25000" dirty="0"/>
+              <a:t>B</a:t>
+            </a:r>
+            <a:endParaRPr lang="en-US" sz="2000" u="sng" dirty="0"/>
+          </a:p>
+          <a:p>
+            <a:pPr marL="742950" lvl="1" indent="-285750">
+              <a:buClr>
+                <a:schemeClr val="accent1"/>
+              </a:buClr>
+              <a:buFont typeface="Arial" panose="020B0604020202020204" pitchFamily="34" charset="0"/>
+              <a:buChar char="•"/>
+            </a:pPr>
+            <a:r>
+              <a:rPr lang="en-US" sz="2000" dirty="0"/>
+              <a:t>SR</a:t>
+            </a:r>
+            <a:r>
+              <a:rPr lang="en-US" sz="2000" baseline="-25000" dirty="0"/>
+              <a:t>B </a:t>
+            </a:r>
+            <a:r>
+              <a:rPr lang="en-US" sz="2000" dirty="0"/>
+              <a:t>: Baseline selection + tight Mass Cut  (120,220) GeV, no </a:t>
+            </a:r>
+            <a:r>
+              <a:rPr lang="en-US" sz="2000" dirty="0" err="1"/>
+              <a:t>TopTagger</a:t>
+            </a:r>
+            <a:r>
+              <a:rPr lang="en-US" sz="2000" dirty="0"/>
+              <a:t> Selection </a:t>
+            </a:r>
+          </a:p>
+          <a:p>
+            <a:pPr marL="742950" lvl="1" indent="-285750">
+              <a:buClr>
+                <a:schemeClr val="accent1"/>
+              </a:buClr>
+              <a:buFont typeface="Arial" panose="020B0604020202020204" pitchFamily="34" charset="0"/>
+              <a:buChar char="•"/>
+            </a:pPr>
+            <a:r>
+              <a:rPr lang="en-US" sz="2000" dirty="0"/>
+              <a:t>QCD scaled to data (k-factor)</a:t>
+            </a:r>
           </a:p>
         </p:txBody>
       </p:sp>
     </p:spTree>
     <p:extLst>
       <p:ext uri="{BB962C8B-B14F-4D97-AF65-F5344CB8AC3E}">
-        <p14:creationId xmlns:p14="http://schemas.microsoft.com/office/powerpoint/2010/main" val="1998869109"/>
+        <p14:creationId xmlns:p14="http://schemas.microsoft.com/office/powerpoint/2010/main" val="83094305"/>
       </p:ext>
     </p:extLst>
   </p:cSld>
@@ -19983,8 +20462,8 @@
         </p:nvSpPr>
         <p:spPr>
           <a:xfrm>
-            <a:off x="504044" y="33090"/>
-            <a:ext cx="10940340" cy="523220"/>
+            <a:off x="2805007" y="33090"/>
+            <a:ext cx="6581985" cy="523220"/>
           </a:xfrm>
           <a:prstGeom prst="rect">
             <a:avLst/>
@@ -20000,16 +20479,25 @@
             <a:pPr algn="ctr"/>
             <a:r>
               <a:rPr lang="en-US" sz="2800" u="sng" dirty="0"/>
-              <a:t>Response Matrices </a:t>
+              <a:t>Data Vs MC Stacks for BDT output </a:t>
             </a:r>
             <a:r>
               <a:rPr lang="en-US" sz="2800" u="sng" dirty="0">
                 <a:solidFill>
-                  <a:srgbClr val="00B0F0"/>
+                  <a:srgbClr val="FF0000"/>
                 </a:solidFill>
               </a:rPr>
-              <a:t>2016</a:t>
-            </a:r>
+              <a:t>2017</a:t>
+            </a:r>
+            <a:r>
+              <a:rPr lang="en-US" sz="2800" u="sng" dirty="0"/>
+              <a:t> </a:t>
+            </a:r>
+            <a:endParaRPr lang="en-US" sz="2800" u="sng" dirty="0">
+              <a:solidFill>
+                <a:srgbClr val="00B050"/>
+              </a:solidFill>
+            </a:endParaRPr>
           </a:p>
         </p:txBody>
       </p:sp>
@@ -20064,9 +20552,9 @@
           <a:bodyPr/>
           <a:lstStyle/>
           <a:p>
-            <a:fld id="{01554C39-4607-164F-AA23-65A72270ACF7}" type="datetime1">
+            <a:fld id="{3DBB7BD0-9B8D-1F47-8ABF-BE3CF9BD2848}" type="datetime1">
               <a:rPr lang="en-US" smtClean="0"/>
-              <a:t>9/7/20</a:t>
+              <a:t>9/8/20</a:t>
             </a:fld>
             <a:endParaRPr lang="en-US" dirty="0"/>
           </a:p>
@@ -20074,10 +20562,10 @@
       </p:sp>
       <p:sp>
         <p:nvSpPr>
-          <p:cNvPr id="8" name="Rectangle 7">
+          <p:cNvPr id="6" name="Rectangle 5">
             <a:extLst>
               <a:ext uri="{FF2B5EF4-FFF2-40B4-BE49-F238E27FC236}">
-                <a16:creationId xmlns:a16="http://schemas.microsoft.com/office/drawing/2014/main" id="{137E0740-341B-B64B-AE26-A2C5357809F1}"/>
+                <a16:creationId xmlns:a16="http://schemas.microsoft.com/office/drawing/2014/main" id="{1D3A9800-C923-F943-ACA5-B4B9B9A1D73D}"/>
               </a:ext>
             </a:extLst>
           </p:cNvPr>
@@ -20109,10 +20597,10 @@
       </p:sp>
       <p:sp>
         <p:nvSpPr>
-          <p:cNvPr id="15" name="Rectangle 14">
+          <p:cNvPr id="8" name="Rectangle 7">
             <a:extLst>
               <a:ext uri="{FF2B5EF4-FFF2-40B4-BE49-F238E27FC236}">
-                <a16:creationId xmlns:a16="http://schemas.microsoft.com/office/drawing/2014/main" id="{F855E7F2-8E22-A345-8A7F-56F49B61AE54}"/>
+                <a16:creationId xmlns:a16="http://schemas.microsoft.com/office/drawing/2014/main" id="{FE0D63A0-1633-E841-944F-B91BFC6F0FEB}"/>
               </a:ext>
             </a:extLst>
           </p:cNvPr>
@@ -20144,10 +20632,10 @@
       </p:sp>
       <p:pic>
         <p:nvPicPr>
-          <p:cNvPr id="6" name="Picture 5">
+          <p:cNvPr id="4" name="Picture 3">
             <a:extLst>
               <a:ext uri="{FF2B5EF4-FFF2-40B4-BE49-F238E27FC236}">
-                <a16:creationId xmlns:a16="http://schemas.microsoft.com/office/drawing/2014/main" id="{B916B196-3F50-1042-AB31-52400AFC2C68}"/>
+                <a16:creationId xmlns:a16="http://schemas.microsoft.com/office/drawing/2014/main" id="{A37CDE29-0165-8540-AFD9-47BF96CD3E63}"/>
               </a:ext>
             </a:extLst>
           </p:cNvPr>
@@ -20164,7 +20652,7 @@
         </p:blipFill>
         <p:spPr>
           <a:xfrm rot="5400000">
-            <a:off x="951992" y="691187"/>
+            <a:off x="927312" y="440626"/>
             <a:ext cx="4311269" cy="5976747"/>
           </a:xfrm>
           <a:prstGeom prst="rect">
@@ -20177,7 +20665,7 @@
           <p:cNvPr id="11" name="Picture 10">
             <a:extLst>
               <a:ext uri="{FF2B5EF4-FFF2-40B4-BE49-F238E27FC236}">
-                <a16:creationId xmlns:a16="http://schemas.microsoft.com/office/drawing/2014/main" id="{6FB3C2F5-1028-5449-B5C2-93EE2A79669C}"/>
+                <a16:creationId xmlns:a16="http://schemas.microsoft.com/office/drawing/2014/main" id="{F1BD224C-3E78-0A47-9667-7B654BD6FB2A}"/>
               </a:ext>
             </a:extLst>
           </p:cNvPr>
@@ -20194,7 +20682,7 @@
         </p:blipFill>
         <p:spPr>
           <a:xfrm rot="5400000">
-            <a:off x="7047992" y="691187"/>
+            <a:off x="6904059" y="440626"/>
             <a:ext cx="4311269" cy="5976747"/>
           </a:xfrm>
           <a:prstGeom prst="rect">
@@ -20205,7 +20693,7 @@
     </p:spTree>
     <p:extLst>
       <p:ext uri="{BB962C8B-B14F-4D97-AF65-F5344CB8AC3E}">
-        <p14:creationId xmlns:p14="http://schemas.microsoft.com/office/powerpoint/2010/main" val="1218244233"/>
+        <p14:creationId xmlns:p14="http://schemas.microsoft.com/office/powerpoint/2010/main" val="2071165039"/>
       </p:ext>
     </p:extLst>
   </p:cSld>
@@ -20267,8 +20755,8 @@
         </p:nvSpPr>
         <p:spPr>
           <a:xfrm>
-            <a:off x="504044" y="33090"/>
-            <a:ext cx="10940340" cy="523220"/>
+            <a:off x="2805007" y="33090"/>
+            <a:ext cx="6581985" cy="523220"/>
           </a:xfrm>
           <a:prstGeom prst="rect">
             <a:avLst/>
@@ -20284,16 +20772,25 @@
             <a:pPr algn="ctr"/>
             <a:r>
               <a:rPr lang="en-US" sz="2800" u="sng" dirty="0"/>
-              <a:t>Response Matrices </a:t>
+              <a:t>Data Vs MC Stacks for BDT output </a:t>
             </a:r>
             <a:r>
               <a:rPr lang="en-US" sz="2800" u="sng" dirty="0">
                 <a:solidFill>
-                  <a:srgbClr val="FF0000"/>
+                  <a:srgbClr val="00B050"/>
                 </a:solidFill>
               </a:rPr>
-              <a:t>2017</a:t>
-            </a:r>
+              <a:t>2018</a:t>
+            </a:r>
+            <a:r>
+              <a:rPr lang="en-US" sz="2800" u="sng" dirty="0"/>
+              <a:t> </a:t>
+            </a:r>
+            <a:endParaRPr lang="en-US" sz="2800" u="sng" dirty="0">
+              <a:solidFill>
+                <a:srgbClr val="00B050"/>
+              </a:solidFill>
+            </a:endParaRPr>
           </a:p>
         </p:txBody>
       </p:sp>
@@ -20348,9 +20845,9 @@
           <a:bodyPr/>
           <a:lstStyle/>
           <a:p>
-            <a:fld id="{01554C39-4607-164F-AA23-65A72270ACF7}" type="datetime1">
+            <a:fld id="{3DBB7BD0-9B8D-1F47-8ABF-BE3CF9BD2848}" type="datetime1">
               <a:rPr lang="en-US" smtClean="0"/>
-              <a:t>9/7/20</a:t>
+              <a:t>9/8/20</a:t>
             </a:fld>
             <a:endParaRPr lang="en-US" dirty="0"/>
           </a:p>
@@ -20358,10 +20855,10 @@
       </p:sp>
       <p:sp>
         <p:nvSpPr>
-          <p:cNvPr id="8" name="Rectangle 7">
+          <p:cNvPr id="6" name="Rectangle 5">
             <a:extLst>
               <a:ext uri="{FF2B5EF4-FFF2-40B4-BE49-F238E27FC236}">
-                <a16:creationId xmlns:a16="http://schemas.microsoft.com/office/drawing/2014/main" id="{137E0740-341B-B64B-AE26-A2C5357809F1}"/>
+                <a16:creationId xmlns:a16="http://schemas.microsoft.com/office/drawing/2014/main" id="{1D3A9800-C923-F943-ACA5-B4B9B9A1D73D}"/>
               </a:ext>
             </a:extLst>
           </p:cNvPr>
@@ -20393,10 +20890,10 @@
       </p:sp>
       <p:sp>
         <p:nvSpPr>
-          <p:cNvPr id="15" name="Rectangle 14">
+          <p:cNvPr id="8" name="Rectangle 7">
             <a:extLst>
               <a:ext uri="{FF2B5EF4-FFF2-40B4-BE49-F238E27FC236}">
-                <a16:creationId xmlns:a16="http://schemas.microsoft.com/office/drawing/2014/main" id="{F855E7F2-8E22-A345-8A7F-56F49B61AE54}"/>
+                <a16:creationId xmlns:a16="http://schemas.microsoft.com/office/drawing/2014/main" id="{FE0D63A0-1633-E841-944F-B91BFC6F0FEB}"/>
               </a:ext>
             </a:extLst>
           </p:cNvPr>
@@ -20428,10 +20925,10 @@
       </p:sp>
       <p:pic>
         <p:nvPicPr>
-          <p:cNvPr id="4" name="Picture 3">
+          <p:cNvPr id="9" name="Picture 8">
             <a:extLst>
               <a:ext uri="{FF2B5EF4-FFF2-40B4-BE49-F238E27FC236}">
-                <a16:creationId xmlns:a16="http://schemas.microsoft.com/office/drawing/2014/main" id="{22F19D61-6B3F-2C4C-B756-CB9ED5548A92}"/>
+                <a16:creationId xmlns:a16="http://schemas.microsoft.com/office/drawing/2014/main" id="{2E336555-93F3-FD4F-B090-6BE11BE0DBFF}"/>
               </a:ext>
             </a:extLst>
           </p:cNvPr>
@@ -20448,7 +20945,7 @@
         </p:blipFill>
         <p:spPr>
           <a:xfrm rot="5400000">
-            <a:off x="832739" y="702986"/>
+            <a:off x="951991" y="439725"/>
             <a:ext cx="4311269" cy="5976747"/>
           </a:xfrm>
           <a:prstGeom prst="rect">
@@ -20458,10 +20955,10 @@
       </p:pic>
       <p:pic>
         <p:nvPicPr>
-          <p:cNvPr id="9" name="Picture 8">
+          <p:cNvPr id="11" name="Picture 10">
             <a:extLst>
               <a:ext uri="{FF2B5EF4-FFF2-40B4-BE49-F238E27FC236}">
-                <a16:creationId xmlns:a16="http://schemas.microsoft.com/office/drawing/2014/main" id="{88C1BB65-3065-F74E-B7A9-01E27DF2352D}"/>
+                <a16:creationId xmlns:a16="http://schemas.microsoft.com/office/drawing/2014/main" id="{10CBFBAD-304D-7948-AD39-DEB83BD977DD}"/>
               </a:ext>
             </a:extLst>
           </p:cNvPr>
@@ -20478,7 +20975,7 @@
         </p:blipFill>
         <p:spPr>
           <a:xfrm rot="5400000">
-            <a:off x="6953421" y="702986"/>
+            <a:off x="6928738" y="439724"/>
             <a:ext cx="4311269" cy="5976747"/>
           </a:xfrm>
           <a:prstGeom prst="rect">
@@ -20489,7 +20986,7 @@
     </p:spTree>
     <p:extLst>
       <p:ext uri="{BB962C8B-B14F-4D97-AF65-F5344CB8AC3E}">
-        <p14:creationId xmlns:p14="http://schemas.microsoft.com/office/powerpoint/2010/main" val="585653806"/>
+        <p14:creationId xmlns:p14="http://schemas.microsoft.com/office/powerpoint/2010/main" val="1051090531"/>
       </p:ext>
     </p:extLst>
   </p:cSld>
@@ -20551,8 +21048,8 @@
         </p:nvSpPr>
         <p:spPr>
           <a:xfrm>
-            <a:off x="504044" y="33090"/>
-            <a:ext cx="10940340" cy="523220"/>
+            <a:off x="3276600" y="2640823"/>
+            <a:ext cx="5638800" cy="523220"/>
           </a:xfrm>
           <a:prstGeom prst="rect">
             <a:avLst/>
@@ -20568,15 +21065,7 @@
             <a:pPr algn="ctr"/>
             <a:r>
               <a:rPr lang="en-US" sz="2800" u="sng" dirty="0"/>
-              <a:t>Response Matrices </a:t>
-            </a:r>
-            <a:r>
-              <a:rPr lang="en-US" sz="2800" u="sng" dirty="0">
-                <a:solidFill>
-                  <a:srgbClr val="00B050"/>
-                </a:solidFill>
-              </a:rPr>
-              <a:t>2018</a:t>
+              <a:t>BACKUP SLIDES</a:t>
             </a:r>
           </a:p>
         </p:txBody>
@@ -20632,148 +21121,18 @@
           <a:bodyPr/>
           <a:lstStyle/>
           <a:p>
-            <a:fld id="{01554C39-4607-164F-AA23-65A72270ACF7}" type="datetime1">
+            <a:fld id="{3DBB7BD0-9B8D-1F47-8ABF-BE3CF9BD2848}" type="datetime1">
               <a:rPr lang="en-US" smtClean="0"/>
-              <a:t>9/7/20</a:t>
+              <a:t>9/8/20</a:t>
             </a:fld>
             <a:endParaRPr lang="en-US" dirty="0"/>
           </a:p>
         </p:txBody>
       </p:sp>
-      <p:sp>
-        <p:nvSpPr>
-          <p:cNvPr id="8" name="Rectangle 7">
-            <a:extLst>
-              <a:ext uri="{FF2B5EF4-FFF2-40B4-BE49-F238E27FC236}">
-                <a16:creationId xmlns:a16="http://schemas.microsoft.com/office/drawing/2014/main" id="{137E0740-341B-B64B-AE26-A2C5357809F1}"/>
-              </a:ext>
-            </a:extLst>
-          </p:cNvPr>
-          <p:cNvSpPr/>
-          <p:nvPr/>
-        </p:nvSpPr>
-        <p:spPr>
-          <a:xfrm>
-            <a:off x="7939701" y="638586"/>
-            <a:ext cx="2289346" cy="369332"/>
-          </a:xfrm>
-          <a:prstGeom prst="rect">
-            <a:avLst/>
-          </a:prstGeom>
-        </p:spPr>
-        <p:txBody>
-          <a:bodyPr wrap="none">
-            <a:spAutoFit/>
-          </a:bodyPr>
-          <a:lstStyle/>
-          <a:p>
-            <a:pPr algn="ctr"/>
-            <a:r>
-              <a:rPr lang="en-US" u="sng" dirty="0"/>
-              <a:t>without b tagging SF’s </a:t>
-            </a:r>
-          </a:p>
-        </p:txBody>
-      </p:sp>
-      <p:sp>
-        <p:nvSpPr>
-          <p:cNvPr id="15" name="Rectangle 14">
-            <a:extLst>
-              <a:ext uri="{FF2B5EF4-FFF2-40B4-BE49-F238E27FC236}">
-                <a16:creationId xmlns:a16="http://schemas.microsoft.com/office/drawing/2014/main" id="{F855E7F2-8E22-A345-8A7F-56F49B61AE54}"/>
-              </a:ext>
-            </a:extLst>
-          </p:cNvPr>
-          <p:cNvSpPr/>
-          <p:nvPr/>
-        </p:nvSpPr>
-        <p:spPr>
-          <a:xfrm>
-            <a:off x="2333415" y="638586"/>
-            <a:ext cx="1499065" cy="369332"/>
-          </a:xfrm>
-          <a:prstGeom prst="rect">
-            <a:avLst/>
-          </a:prstGeom>
-        </p:spPr>
-        <p:txBody>
-          <a:bodyPr wrap="none">
-            <a:spAutoFit/>
-          </a:bodyPr>
-          <a:lstStyle/>
-          <a:p>
-            <a:pPr algn="ctr"/>
-            <a:r>
-              <a:rPr lang="en-US" u="sng" dirty="0"/>
-              <a:t>b tagging SF’s </a:t>
-            </a:r>
-          </a:p>
-        </p:txBody>
-      </p:sp>
-      <p:pic>
-        <p:nvPicPr>
-          <p:cNvPr id="4" name="Picture 3">
-            <a:extLst>
-              <a:ext uri="{FF2B5EF4-FFF2-40B4-BE49-F238E27FC236}">
-                <a16:creationId xmlns:a16="http://schemas.microsoft.com/office/drawing/2014/main" id="{4173B0A8-270D-F74F-ADF5-AD8064B89F2A}"/>
-              </a:ext>
-            </a:extLst>
-          </p:cNvPr>
-          <p:cNvPicPr>
-            <a:picLocks noChangeAspect="1"/>
-          </p:cNvPicPr>
-          <p:nvPr/>
-        </p:nvPicPr>
-        <p:blipFill>
-          <a:blip r:embed="rId3"/>
-          <a:stretch>
-            <a:fillRect/>
-          </a:stretch>
-        </p:blipFill>
-        <p:spPr>
-          <a:xfrm rot="5400000">
-            <a:off x="830206" y="745478"/>
-            <a:ext cx="4311269" cy="5976747"/>
-          </a:xfrm>
-          <a:prstGeom prst="rect">
-            <a:avLst/>
-          </a:prstGeom>
-        </p:spPr>
-      </p:pic>
-      <p:pic>
-        <p:nvPicPr>
-          <p:cNvPr id="9" name="Picture 8">
-            <a:extLst>
-              <a:ext uri="{FF2B5EF4-FFF2-40B4-BE49-F238E27FC236}">
-                <a16:creationId xmlns:a16="http://schemas.microsoft.com/office/drawing/2014/main" id="{6882E2EB-0E13-7649-B0F8-7DF9F7D8B4C5}"/>
-              </a:ext>
-            </a:extLst>
-          </p:cNvPr>
-          <p:cNvPicPr>
-            <a:picLocks noChangeAspect="1"/>
-          </p:cNvPicPr>
-          <p:nvPr/>
-        </p:nvPicPr>
-        <p:blipFill>
-          <a:blip r:embed="rId4"/>
-          <a:stretch>
-            <a:fillRect/>
-          </a:stretch>
-        </p:blipFill>
-        <p:spPr>
-          <a:xfrm rot="5400000">
-            <a:off x="6908551" y="728545"/>
-            <a:ext cx="4311269" cy="5976747"/>
-          </a:xfrm>
-          <a:prstGeom prst="rect">
-            <a:avLst/>
-          </a:prstGeom>
-        </p:spPr>
-      </p:pic>
     </p:spTree>
     <p:extLst>
       <p:ext uri="{BB962C8B-B14F-4D97-AF65-F5344CB8AC3E}">
-        <p14:creationId xmlns:p14="http://schemas.microsoft.com/office/powerpoint/2010/main" val="1470015375"/>
+        <p14:creationId xmlns:p14="http://schemas.microsoft.com/office/powerpoint/2010/main" val="1998869109"/>
       </p:ext>
     </p:extLst>
   </p:cSld>
@@ -20914,7 +21273,7 @@
           <a:p>
             <a:fld id="{01554C39-4607-164F-AA23-65A72270ACF7}" type="datetime1">
               <a:rPr lang="en-US" smtClean="0"/>
-              <a:t>9/7/20</a:t>
+              <a:t>9/8/20</a:t>
             </a:fld>
             <a:endParaRPr lang="en-US" dirty="0"/>
           </a:p>
@@ -21014,6 +21373,858 @@
     <p:extLst>
       <p:ext uri="{BB962C8B-B14F-4D97-AF65-F5344CB8AC3E}">
         <p14:creationId xmlns:p14="http://schemas.microsoft.com/office/powerpoint/2010/main" val="3278614715"/>
+      </p:ext>
+    </p:extLst>
+  </p:cSld>
+  <p:clrMapOvr>
+    <a:masterClrMapping/>
+  </p:clrMapOvr>
+</p:sld>
+</file>
+
+<file path=ppt/slides/slide40.xml><?xml version="1.0" encoding="utf-8"?>
+<p:sld xmlns:a="http://schemas.openxmlformats.org/drawingml/2006/main" xmlns:r="http://schemas.openxmlformats.org/officeDocument/2006/relationships" xmlns:p="http://schemas.openxmlformats.org/presentationml/2006/main">
+  <p:cSld>
+    <p:spTree>
+      <p:nvGrpSpPr>
+        <p:cNvPr id="1" name=""/>
+        <p:cNvGrpSpPr/>
+        <p:nvPr/>
+      </p:nvGrpSpPr>
+      <p:grpSpPr>
+        <a:xfrm>
+          <a:off x="0" y="0"/>
+          <a:ext cx="0" cy="0"/>
+          <a:chOff x="0" y="0"/>
+          <a:chExt cx="0" cy="0"/>
+        </a:xfrm>
+      </p:grpSpPr>
+      <p:sp>
+        <p:nvSpPr>
+          <p:cNvPr id="3" name="Footer Placeholder 2"/>
+          <p:cNvSpPr>
+            <a:spLocks noGrp="1"/>
+          </p:cNvSpPr>
+          <p:nvPr>
+            <p:ph type="ftr" sz="quarter" idx="11"/>
+          </p:nvPr>
+        </p:nvSpPr>
+        <p:spPr/>
+        <p:txBody>
+          <a:bodyPr/>
+          <a:lstStyle/>
+          <a:p>
+            <a:r>
+              <a:rPr lang="fi-FI" dirty="0"/>
+              <a:t>NTUA G. </a:t>
+            </a:r>
+            <a:r>
+              <a:rPr lang="fi-FI" dirty="0" err="1"/>
+              <a:t>Bakas</a:t>
+            </a:r>
+            <a:endParaRPr lang="en-US" dirty="0"/>
+          </a:p>
+        </p:txBody>
+      </p:sp>
+      <p:sp>
+        <p:nvSpPr>
+          <p:cNvPr id="7" name="TextBox 6"/>
+          <p:cNvSpPr txBox="1"/>
+          <p:nvPr/>
+        </p:nvSpPr>
+        <p:spPr>
+          <a:xfrm>
+            <a:off x="504044" y="33090"/>
+            <a:ext cx="10940340" cy="523220"/>
+          </a:xfrm>
+          <a:prstGeom prst="rect">
+            <a:avLst/>
+          </a:prstGeom>
+          <a:noFill/>
+        </p:spPr>
+        <p:txBody>
+          <a:bodyPr wrap="square" rtlCol="0">
+            <a:spAutoFit/>
+          </a:bodyPr>
+          <a:lstStyle/>
+          <a:p>
+            <a:pPr algn="ctr"/>
+            <a:r>
+              <a:rPr lang="en-US" sz="2800" u="sng" dirty="0"/>
+              <a:t>Response Matrices </a:t>
+            </a:r>
+            <a:r>
+              <a:rPr lang="en-US" sz="2800" u="sng" dirty="0">
+                <a:solidFill>
+                  <a:srgbClr val="00B0F0"/>
+                </a:solidFill>
+              </a:rPr>
+              <a:t>2016</a:t>
+            </a:r>
+          </a:p>
+        </p:txBody>
+      </p:sp>
+      <p:sp>
+        <p:nvSpPr>
+          <p:cNvPr id="5" name="Slide Number Placeholder 4">
+            <a:extLst>
+              <a:ext uri="{FF2B5EF4-FFF2-40B4-BE49-F238E27FC236}">
+                <a16:creationId xmlns:a16="http://schemas.microsoft.com/office/drawing/2014/main" id="{69A96869-DB60-5345-ACD9-F1C41035B064}"/>
+              </a:ext>
+            </a:extLst>
+          </p:cNvPr>
+          <p:cNvSpPr>
+            <a:spLocks noGrp="1"/>
+          </p:cNvSpPr>
+          <p:nvPr>
+            <p:ph type="sldNum" sz="quarter" idx="12"/>
+          </p:nvPr>
+        </p:nvSpPr>
+        <p:spPr/>
+        <p:txBody>
+          <a:bodyPr/>
+          <a:lstStyle/>
+          <a:p>
+            <a:fld id="{4FAB73BC-B049-4115-A692-8D63A059BFB8}" type="slidenum">
+              <a:rPr lang="en-US" smtClean="0"/>
+              <a:pPr/>
+              <a:t>40</a:t>
+            </a:fld>
+            <a:endParaRPr lang="en-US" dirty="0"/>
+          </a:p>
+        </p:txBody>
+      </p:sp>
+      <p:sp>
+        <p:nvSpPr>
+          <p:cNvPr id="24" name="Date Placeholder 23">
+            <a:extLst>
+              <a:ext uri="{FF2B5EF4-FFF2-40B4-BE49-F238E27FC236}">
+                <a16:creationId xmlns:a16="http://schemas.microsoft.com/office/drawing/2014/main" id="{056D71EF-2E89-4043-8F92-90A4D46A3E69}"/>
+              </a:ext>
+            </a:extLst>
+          </p:cNvPr>
+          <p:cNvSpPr>
+            <a:spLocks noGrp="1"/>
+          </p:cNvSpPr>
+          <p:nvPr>
+            <p:ph type="dt" sz="half" idx="10"/>
+          </p:nvPr>
+        </p:nvSpPr>
+        <p:spPr/>
+        <p:txBody>
+          <a:bodyPr/>
+          <a:lstStyle/>
+          <a:p>
+            <a:fld id="{01554C39-4607-164F-AA23-65A72270ACF7}" type="datetime1">
+              <a:rPr lang="en-US" smtClean="0"/>
+              <a:t>9/8/20</a:t>
+            </a:fld>
+            <a:endParaRPr lang="en-US" dirty="0"/>
+          </a:p>
+        </p:txBody>
+      </p:sp>
+      <p:sp>
+        <p:nvSpPr>
+          <p:cNvPr id="8" name="Rectangle 7">
+            <a:extLst>
+              <a:ext uri="{FF2B5EF4-FFF2-40B4-BE49-F238E27FC236}">
+                <a16:creationId xmlns:a16="http://schemas.microsoft.com/office/drawing/2014/main" id="{137E0740-341B-B64B-AE26-A2C5357809F1}"/>
+              </a:ext>
+            </a:extLst>
+          </p:cNvPr>
+          <p:cNvSpPr/>
+          <p:nvPr/>
+        </p:nvSpPr>
+        <p:spPr>
+          <a:xfrm>
+            <a:off x="7939701" y="638586"/>
+            <a:ext cx="2289346" cy="369332"/>
+          </a:xfrm>
+          <a:prstGeom prst="rect">
+            <a:avLst/>
+          </a:prstGeom>
+        </p:spPr>
+        <p:txBody>
+          <a:bodyPr wrap="none">
+            <a:spAutoFit/>
+          </a:bodyPr>
+          <a:lstStyle/>
+          <a:p>
+            <a:pPr algn="ctr"/>
+            <a:r>
+              <a:rPr lang="en-US" u="sng" dirty="0"/>
+              <a:t>without b tagging SF’s </a:t>
+            </a:r>
+          </a:p>
+        </p:txBody>
+      </p:sp>
+      <p:sp>
+        <p:nvSpPr>
+          <p:cNvPr id="15" name="Rectangle 14">
+            <a:extLst>
+              <a:ext uri="{FF2B5EF4-FFF2-40B4-BE49-F238E27FC236}">
+                <a16:creationId xmlns:a16="http://schemas.microsoft.com/office/drawing/2014/main" id="{F855E7F2-8E22-A345-8A7F-56F49B61AE54}"/>
+              </a:ext>
+            </a:extLst>
+          </p:cNvPr>
+          <p:cNvSpPr/>
+          <p:nvPr/>
+        </p:nvSpPr>
+        <p:spPr>
+          <a:xfrm>
+            <a:off x="2333415" y="638586"/>
+            <a:ext cx="1499065" cy="369332"/>
+          </a:xfrm>
+          <a:prstGeom prst="rect">
+            <a:avLst/>
+          </a:prstGeom>
+        </p:spPr>
+        <p:txBody>
+          <a:bodyPr wrap="none">
+            <a:spAutoFit/>
+          </a:bodyPr>
+          <a:lstStyle/>
+          <a:p>
+            <a:pPr algn="ctr"/>
+            <a:r>
+              <a:rPr lang="en-US" u="sng" dirty="0"/>
+              <a:t>b tagging SF’s </a:t>
+            </a:r>
+          </a:p>
+        </p:txBody>
+      </p:sp>
+      <p:pic>
+        <p:nvPicPr>
+          <p:cNvPr id="6" name="Picture 5">
+            <a:extLst>
+              <a:ext uri="{FF2B5EF4-FFF2-40B4-BE49-F238E27FC236}">
+                <a16:creationId xmlns:a16="http://schemas.microsoft.com/office/drawing/2014/main" id="{B916B196-3F50-1042-AB31-52400AFC2C68}"/>
+              </a:ext>
+            </a:extLst>
+          </p:cNvPr>
+          <p:cNvPicPr>
+            <a:picLocks noChangeAspect="1"/>
+          </p:cNvPicPr>
+          <p:nvPr/>
+        </p:nvPicPr>
+        <p:blipFill>
+          <a:blip r:embed="rId2"/>
+          <a:stretch>
+            <a:fillRect/>
+          </a:stretch>
+        </p:blipFill>
+        <p:spPr>
+          <a:xfrm rot="5400000">
+            <a:off x="951992" y="691187"/>
+            <a:ext cx="4311269" cy="5976747"/>
+          </a:xfrm>
+          <a:prstGeom prst="rect">
+            <a:avLst/>
+          </a:prstGeom>
+        </p:spPr>
+      </p:pic>
+      <p:pic>
+        <p:nvPicPr>
+          <p:cNvPr id="11" name="Picture 10">
+            <a:extLst>
+              <a:ext uri="{FF2B5EF4-FFF2-40B4-BE49-F238E27FC236}">
+                <a16:creationId xmlns:a16="http://schemas.microsoft.com/office/drawing/2014/main" id="{6FB3C2F5-1028-5449-B5C2-93EE2A79669C}"/>
+              </a:ext>
+            </a:extLst>
+          </p:cNvPr>
+          <p:cNvPicPr>
+            <a:picLocks noChangeAspect="1"/>
+          </p:cNvPicPr>
+          <p:nvPr/>
+        </p:nvPicPr>
+        <p:blipFill>
+          <a:blip r:embed="rId3"/>
+          <a:stretch>
+            <a:fillRect/>
+          </a:stretch>
+        </p:blipFill>
+        <p:spPr>
+          <a:xfrm rot="5400000">
+            <a:off x="7047992" y="691187"/>
+            <a:ext cx="4311269" cy="5976747"/>
+          </a:xfrm>
+          <a:prstGeom prst="rect">
+            <a:avLst/>
+          </a:prstGeom>
+        </p:spPr>
+      </p:pic>
+    </p:spTree>
+    <p:extLst>
+      <p:ext uri="{BB962C8B-B14F-4D97-AF65-F5344CB8AC3E}">
+        <p14:creationId xmlns:p14="http://schemas.microsoft.com/office/powerpoint/2010/main" val="1218244233"/>
+      </p:ext>
+    </p:extLst>
+  </p:cSld>
+  <p:clrMapOvr>
+    <a:masterClrMapping/>
+  </p:clrMapOvr>
+</p:sld>
+</file>
+
+<file path=ppt/slides/slide41.xml><?xml version="1.0" encoding="utf-8"?>
+<p:sld xmlns:a="http://schemas.openxmlformats.org/drawingml/2006/main" xmlns:r="http://schemas.openxmlformats.org/officeDocument/2006/relationships" xmlns:p="http://schemas.openxmlformats.org/presentationml/2006/main">
+  <p:cSld>
+    <p:spTree>
+      <p:nvGrpSpPr>
+        <p:cNvPr id="1" name=""/>
+        <p:cNvGrpSpPr/>
+        <p:nvPr/>
+      </p:nvGrpSpPr>
+      <p:grpSpPr>
+        <a:xfrm>
+          <a:off x="0" y="0"/>
+          <a:ext cx="0" cy="0"/>
+          <a:chOff x="0" y="0"/>
+          <a:chExt cx="0" cy="0"/>
+        </a:xfrm>
+      </p:grpSpPr>
+      <p:sp>
+        <p:nvSpPr>
+          <p:cNvPr id="3" name="Footer Placeholder 2"/>
+          <p:cNvSpPr>
+            <a:spLocks noGrp="1"/>
+          </p:cNvSpPr>
+          <p:nvPr>
+            <p:ph type="ftr" sz="quarter" idx="11"/>
+          </p:nvPr>
+        </p:nvSpPr>
+        <p:spPr/>
+        <p:txBody>
+          <a:bodyPr/>
+          <a:lstStyle/>
+          <a:p>
+            <a:r>
+              <a:rPr lang="fi-FI" dirty="0"/>
+              <a:t>NTUA G. </a:t>
+            </a:r>
+            <a:r>
+              <a:rPr lang="fi-FI" dirty="0" err="1"/>
+              <a:t>Bakas</a:t>
+            </a:r>
+            <a:endParaRPr lang="en-US" dirty="0"/>
+          </a:p>
+        </p:txBody>
+      </p:sp>
+      <p:sp>
+        <p:nvSpPr>
+          <p:cNvPr id="7" name="TextBox 6"/>
+          <p:cNvSpPr txBox="1"/>
+          <p:nvPr/>
+        </p:nvSpPr>
+        <p:spPr>
+          <a:xfrm>
+            <a:off x="504044" y="33090"/>
+            <a:ext cx="10940340" cy="523220"/>
+          </a:xfrm>
+          <a:prstGeom prst="rect">
+            <a:avLst/>
+          </a:prstGeom>
+          <a:noFill/>
+        </p:spPr>
+        <p:txBody>
+          <a:bodyPr wrap="square" rtlCol="0">
+            <a:spAutoFit/>
+          </a:bodyPr>
+          <a:lstStyle/>
+          <a:p>
+            <a:pPr algn="ctr"/>
+            <a:r>
+              <a:rPr lang="en-US" sz="2800" u="sng" dirty="0"/>
+              <a:t>Response Matrices </a:t>
+            </a:r>
+            <a:r>
+              <a:rPr lang="en-US" sz="2800" u="sng" dirty="0">
+                <a:solidFill>
+                  <a:srgbClr val="FF0000"/>
+                </a:solidFill>
+              </a:rPr>
+              <a:t>2017</a:t>
+            </a:r>
+          </a:p>
+        </p:txBody>
+      </p:sp>
+      <p:sp>
+        <p:nvSpPr>
+          <p:cNvPr id="5" name="Slide Number Placeholder 4">
+            <a:extLst>
+              <a:ext uri="{FF2B5EF4-FFF2-40B4-BE49-F238E27FC236}">
+                <a16:creationId xmlns:a16="http://schemas.microsoft.com/office/drawing/2014/main" id="{69A96869-DB60-5345-ACD9-F1C41035B064}"/>
+              </a:ext>
+            </a:extLst>
+          </p:cNvPr>
+          <p:cNvSpPr>
+            <a:spLocks noGrp="1"/>
+          </p:cNvSpPr>
+          <p:nvPr>
+            <p:ph type="sldNum" sz="quarter" idx="12"/>
+          </p:nvPr>
+        </p:nvSpPr>
+        <p:spPr/>
+        <p:txBody>
+          <a:bodyPr/>
+          <a:lstStyle/>
+          <a:p>
+            <a:fld id="{4FAB73BC-B049-4115-A692-8D63A059BFB8}" type="slidenum">
+              <a:rPr lang="en-US" smtClean="0"/>
+              <a:pPr/>
+              <a:t>41</a:t>
+            </a:fld>
+            <a:endParaRPr lang="en-US" dirty="0"/>
+          </a:p>
+        </p:txBody>
+      </p:sp>
+      <p:sp>
+        <p:nvSpPr>
+          <p:cNvPr id="24" name="Date Placeholder 23">
+            <a:extLst>
+              <a:ext uri="{FF2B5EF4-FFF2-40B4-BE49-F238E27FC236}">
+                <a16:creationId xmlns:a16="http://schemas.microsoft.com/office/drawing/2014/main" id="{056D71EF-2E89-4043-8F92-90A4D46A3E69}"/>
+              </a:ext>
+            </a:extLst>
+          </p:cNvPr>
+          <p:cNvSpPr>
+            <a:spLocks noGrp="1"/>
+          </p:cNvSpPr>
+          <p:nvPr>
+            <p:ph type="dt" sz="half" idx="10"/>
+          </p:nvPr>
+        </p:nvSpPr>
+        <p:spPr/>
+        <p:txBody>
+          <a:bodyPr/>
+          <a:lstStyle/>
+          <a:p>
+            <a:fld id="{01554C39-4607-164F-AA23-65A72270ACF7}" type="datetime1">
+              <a:rPr lang="en-US" smtClean="0"/>
+              <a:t>9/8/20</a:t>
+            </a:fld>
+            <a:endParaRPr lang="en-US" dirty="0"/>
+          </a:p>
+        </p:txBody>
+      </p:sp>
+      <p:sp>
+        <p:nvSpPr>
+          <p:cNvPr id="8" name="Rectangle 7">
+            <a:extLst>
+              <a:ext uri="{FF2B5EF4-FFF2-40B4-BE49-F238E27FC236}">
+                <a16:creationId xmlns:a16="http://schemas.microsoft.com/office/drawing/2014/main" id="{137E0740-341B-B64B-AE26-A2C5357809F1}"/>
+              </a:ext>
+            </a:extLst>
+          </p:cNvPr>
+          <p:cNvSpPr/>
+          <p:nvPr/>
+        </p:nvSpPr>
+        <p:spPr>
+          <a:xfrm>
+            <a:off x="7939701" y="638586"/>
+            <a:ext cx="2289346" cy="369332"/>
+          </a:xfrm>
+          <a:prstGeom prst="rect">
+            <a:avLst/>
+          </a:prstGeom>
+        </p:spPr>
+        <p:txBody>
+          <a:bodyPr wrap="none">
+            <a:spAutoFit/>
+          </a:bodyPr>
+          <a:lstStyle/>
+          <a:p>
+            <a:pPr algn="ctr"/>
+            <a:r>
+              <a:rPr lang="en-US" u="sng" dirty="0"/>
+              <a:t>without b tagging SF’s </a:t>
+            </a:r>
+          </a:p>
+        </p:txBody>
+      </p:sp>
+      <p:sp>
+        <p:nvSpPr>
+          <p:cNvPr id="15" name="Rectangle 14">
+            <a:extLst>
+              <a:ext uri="{FF2B5EF4-FFF2-40B4-BE49-F238E27FC236}">
+                <a16:creationId xmlns:a16="http://schemas.microsoft.com/office/drawing/2014/main" id="{F855E7F2-8E22-A345-8A7F-56F49B61AE54}"/>
+              </a:ext>
+            </a:extLst>
+          </p:cNvPr>
+          <p:cNvSpPr/>
+          <p:nvPr/>
+        </p:nvSpPr>
+        <p:spPr>
+          <a:xfrm>
+            <a:off x="2333415" y="638586"/>
+            <a:ext cx="1499065" cy="369332"/>
+          </a:xfrm>
+          <a:prstGeom prst="rect">
+            <a:avLst/>
+          </a:prstGeom>
+        </p:spPr>
+        <p:txBody>
+          <a:bodyPr wrap="none">
+            <a:spAutoFit/>
+          </a:bodyPr>
+          <a:lstStyle/>
+          <a:p>
+            <a:pPr algn="ctr"/>
+            <a:r>
+              <a:rPr lang="en-US" u="sng" dirty="0"/>
+              <a:t>b tagging SF’s </a:t>
+            </a:r>
+          </a:p>
+        </p:txBody>
+      </p:sp>
+      <p:pic>
+        <p:nvPicPr>
+          <p:cNvPr id="4" name="Picture 3">
+            <a:extLst>
+              <a:ext uri="{FF2B5EF4-FFF2-40B4-BE49-F238E27FC236}">
+                <a16:creationId xmlns:a16="http://schemas.microsoft.com/office/drawing/2014/main" id="{22F19D61-6B3F-2C4C-B756-CB9ED5548A92}"/>
+              </a:ext>
+            </a:extLst>
+          </p:cNvPr>
+          <p:cNvPicPr>
+            <a:picLocks noChangeAspect="1"/>
+          </p:cNvPicPr>
+          <p:nvPr/>
+        </p:nvPicPr>
+        <p:blipFill>
+          <a:blip r:embed="rId2"/>
+          <a:stretch>
+            <a:fillRect/>
+          </a:stretch>
+        </p:blipFill>
+        <p:spPr>
+          <a:xfrm rot="5400000">
+            <a:off x="832739" y="702986"/>
+            <a:ext cx="4311269" cy="5976747"/>
+          </a:xfrm>
+          <a:prstGeom prst="rect">
+            <a:avLst/>
+          </a:prstGeom>
+        </p:spPr>
+      </p:pic>
+      <p:pic>
+        <p:nvPicPr>
+          <p:cNvPr id="9" name="Picture 8">
+            <a:extLst>
+              <a:ext uri="{FF2B5EF4-FFF2-40B4-BE49-F238E27FC236}">
+                <a16:creationId xmlns:a16="http://schemas.microsoft.com/office/drawing/2014/main" id="{88C1BB65-3065-F74E-B7A9-01E27DF2352D}"/>
+              </a:ext>
+            </a:extLst>
+          </p:cNvPr>
+          <p:cNvPicPr>
+            <a:picLocks noChangeAspect="1"/>
+          </p:cNvPicPr>
+          <p:nvPr/>
+        </p:nvPicPr>
+        <p:blipFill>
+          <a:blip r:embed="rId3"/>
+          <a:stretch>
+            <a:fillRect/>
+          </a:stretch>
+        </p:blipFill>
+        <p:spPr>
+          <a:xfrm rot="5400000">
+            <a:off x="6953421" y="702986"/>
+            <a:ext cx="4311269" cy="5976747"/>
+          </a:xfrm>
+          <a:prstGeom prst="rect">
+            <a:avLst/>
+          </a:prstGeom>
+        </p:spPr>
+      </p:pic>
+    </p:spTree>
+    <p:extLst>
+      <p:ext uri="{BB962C8B-B14F-4D97-AF65-F5344CB8AC3E}">
+        <p14:creationId xmlns:p14="http://schemas.microsoft.com/office/powerpoint/2010/main" val="585653806"/>
+      </p:ext>
+    </p:extLst>
+  </p:cSld>
+  <p:clrMapOvr>
+    <a:masterClrMapping/>
+  </p:clrMapOvr>
+</p:sld>
+</file>
+
+<file path=ppt/slides/slide42.xml><?xml version="1.0" encoding="utf-8"?>
+<p:sld xmlns:a="http://schemas.openxmlformats.org/drawingml/2006/main" xmlns:r="http://schemas.openxmlformats.org/officeDocument/2006/relationships" xmlns:p="http://schemas.openxmlformats.org/presentationml/2006/main">
+  <p:cSld>
+    <p:spTree>
+      <p:nvGrpSpPr>
+        <p:cNvPr id="1" name=""/>
+        <p:cNvGrpSpPr/>
+        <p:nvPr/>
+      </p:nvGrpSpPr>
+      <p:grpSpPr>
+        <a:xfrm>
+          <a:off x="0" y="0"/>
+          <a:ext cx="0" cy="0"/>
+          <a:chOff x="0" y="0"/>
+          <a:chExt cx="0" cy="0"/>
+        </a:xfrm>
+      </p:grpSpPr>
+      <p:sp>
+        <p:nvSpPr>
+          <p:cNvPr id="3" name="Footer Placeholder 2"/>
+          <p:cNvSpPr>
+            <a:spLocks noGrp="1"/>
+          </p:cNvSpPr>
+          <p:nvPr>
+            <p:ph type="ftr" sz="quarter" idx="11"/>
+          </p:nvPr>
+        </p:nvSpPr>
+        <p:spPr/>
+        <p:txBody>
+          <a:bodyPr/>
+          <a:lstStyle/>
+          <a:p>
+            <a:r>
+              <a:rPr lang="fi-FI" dirty="0"/>
+              <a:t>NTUA G. </a:t>
+            </a:r>
+            <a:r>
+              <a:rPr lang="fi-FI" dirty="0" err="1"/>
+              <a:t>Bakas</a:t>
+            </a:r>
+            <a:endParaRPr lang="en-US" dirty="0"/>
+          </a:p>
+        </p:txBody>
+      </p:sp>
+      <p:sp>
+        <p:nvSpPr>
+          <p:cNvPr id="7" name="TextBox 6"/>
+          <p:cNvSpPr txBox="1"/>
+          <p:nvPr/>
+        </p:nvSpPr>
+        <p:spPr>
+          <a:xfrm>
+            <a:off x="504044" y="33090"/>
+            <a:ext cx="10940340" cy="523220"/>
+          </a:xfrm>
+          <a:prstGeom prst="rect">
+            <a:avLst/>
+          </a:prstGeom>
+          <a:noFill/>
+        </p:spPr>
+        <p:txBody>
+          <a:bodyPr wrap="square" rtlCol="0">
+            <a:spAutoFit/>
+          </a:bodyPr>
+          <a:lstStyle/>
+          <a:p>
+            <a:pPr algn="ctr"/>
+            <a:r>
+              <a:rPr lang="en-US" sz="2800" u="sng" dirty="0"/>
+              <a:t>Response Matrices </a:t>
+            </a:r>
+            <a:r>
+              <a:rPr lang="en-US" sz="2800" u="sng" dirty="0">
+                <a:solidFill>
+                  <a:srgbClr val="00B050"/>
+                </a:solidFill>
+              </a:rPr>
+              <a:t>2018</a:t>
+            </a:r>
+          </a:p>
+        </p:txBody>
+      </p:sp>
+      <p:sp>
+        <p:nvSpPr>
+          <p:cNvPr id="5" name="Slide Number Placeholder 4">
+            <a:extLst>
+              <a:ext uri="{FF2B5EF4-FFF2-40B4-BE49-F238E27FC236}">
+                <a16:creationId xmlns:a16="http://schemas.microsoft.com/office/drawing/2014/main" id="{69A96869-DB60-5345-ACD9-F1C41035B064}"/>
+              </a:ext>
+            </a:extLst>
+          </p:cNvPr>
+          <p:cNvSpPr>
+            <a:spLocks noGrp="1"/>
+          </p:cNvSpPr>
+          <p:nvPr>
+            <p:ph type="sldNum" sz="quarter" idx="12"/>
+          </p:nvPr>
+        </p:nvSpPr>
+        <p:spPr/>
+        <p:txBody>
+          <a:bodyPr/>
+          <a:lstStyle/>
+          <a:p>
+            <a:fld id="{4FAB73BC-B049-4115-A692-8D63A059BFB8}" type="slidenum">
+              <a:rPr lang="en-US" smtClean="0"/>
+              <a:pPr/>
+              <a:t>42</a:t>
+            </a:fld>
+            <a:endParaRPr lang="en-US" dirty="0"/>
+          </a:p>
+        </p:txBody>
+      </p:sp>
+      <p:sp>
+        <p:nvSpPr>
+          <p:cNvPr id="24" name="Date Placeholder 23">
+            <a:extLst>
+              <a:ext uri="{FF2B5EF4-FFF2-40B4-BE49-F238E27FC236}">
+                <a16:creationId xmlns:a16="http://schemas.microsoft.com/office/drawing/2014/main" id="{056D71EF-2E89-4043-8F92-90A4D46A3E69}"/>
+              </a:ext>
+            </a:extLst>
+          </p:cNvPr>
+          <p:cNvSpPr>
+            <a:spLocks noGrp="1"/>
+          </p:cNvSpPr>
+          <p:nvPr>
+            <p:ph type="dt" sz="half" idx="10"/>
+          </p:nvPr>
+        </p:nvSpPr>
+        <p:spPr/>
+        <p:txBody>
+          <a:bodyPr/>
+          <a:lstStyle/>
+          <a:p>
+            <a:fld id="{01554C39-4607-164F-AA23-65A72270ACF7}" type="datetime1">
+              <a:rPr lang="en-US" smtClean="0"/>
+              <a:t>9/8/20</a:t>
+            </a:fld>
+            <a:endParaRPr lang="en-US" dirty="0"/>
+          </a:p>
+        </p:txBody>
+      </p:sp>
+      <p:sp>
+        <p:nvSpPr>
+          <p:cNvPr id="8" name="Rectangle 7">
+            <a:extLst>
+              <a:ext uri="{FF2B5EF4-FFF2-40B4-BE49-F238E27FC236}">
+                <a16:creationId xmlns:a16="http://schemas.microsoft.com/office/drawing/2014/main" id="{137E0740-341B-B64B-AE26-A2C5357809F1}"/>
+              </a:ext>
+            </a:extLst>
+          </p:cNvPr>
+          <p:cNvSpPr/>
+          <p:nvPr/>
+        </p:nvSpPr>
+        <p:spPr>
+          <a:xfrm>
+            <a:off x="7939701" y="638586"/>
+            <a:ext cx="2289346" cy="369332"/>
+          </a:xfrm>
+          <a:prstGeom prst="rect">
+            <a:avLst/>
+          </a:prstGeom>
+        </p:spPr>
+        <p:txBody>
+          <a:bodyPr wrap="none">
+            <a:spAutoFit/>
+          </a:bodyPr>
+          <a:lstStyle/>
+          <a:p>
+            <a:pPr algn="ctr"/>
+            <a:r>
+              <a:rPr lang="en-US" u="sng" dirty="0"/>
+              <a:t>without b tagging SF’s </a:t>
+            </a:r>
+          </a:p>
+        </p:txBody>
+      </p:sp>
+      <p:sp>
+        <p:nvSpPr>
+          <p:cNvPr id="15" name="Rectangle 14">
+            <a:extLst>
+              <a:ext uri="{FF2B5EF4-FFF2-40B4-BE49-F238E27FC236}">
+                <a16:creationId xmlns:a16="http://schemas.microsoft.com/office/drawing/2014/main" id="{F855E7F2-8E22-A345-8A7F-56F49B61AE54}"/>
+              </a:ext>
+            </a:extLst>
+          </p:cNvPr>
+          <p:cNvSpPr/>
+          <p:nvPr/>
+        </p:nvSpPr>
+        <p:spPr>
+          <a:xfrm>
+            <a:off x="2333415" y="638586"/>
+            <a:ext cx="1499065" cy="369332"/>
+          </a:xfrm>
+          <a:prstGeom prst="rect">
+            <a:avLst/>
+          </a:prstGeom>
+        </p:spPr>
+        <p:txBody>
+          <a:bodyPr wrap="none">
+            <a:spAutoFit/>
+          </a:bodyPr>
+          <a:lstStyle/>
+          <a:p>
+            <a:pPr algn="ctr"/>
+            <a:r>
+              <a:rPr lang="en-US" u="sng" dirty="0"/>
+              <a:t>b tagging SF’s </a:t>
+            </a:r>
+          </a:p>
+        </p:txBody>
+      </p:sp>
+      <p:pic>
+        <p:nvPicPr>
+          <p:cNvPr id="4" name="Picture 3">
+            <a:extLst>
+              <a:ext uri="{FF2B5EF4-FFF2-40B4-BE49-F238E27FC236}">
+                <a16:creationId xmlns:a16="http://schemas.microsoft.com/office/drawing/2014/main" id="{4173B0A8-270D-F74F-ADF5-AD8064B89F2A}"/>
+              </a:ext>
+            </a:extLst>
+          </p:cNvPr>
+          <p:cNvPicPr>
+            <a:picLocks noChangeAspect="1"/>
+          </p:cNvPicPr>
+          <p:nvPr/>
+        </p:nvPicPr>
+        <p:blipFill>
+          <a:blip r:embed="rId3"/>
+          <a:stretch>
+            <a:fillRect/>
+          </a:stretch>
+        </p:blipFill>
+        <p:spPr>
+          <a:xfrm rot="5400000">
+            <a:off x="830206" y="745478"/>
+            <a:ext cx="4311269" cy="5976747"/>
+          </a:xfrm>
+          <a:prstGeom prst="rect">
+            <a:avLst/>
+          </a:prstGeom>
+        </p:spPr>
+      </p:pic>
+      <p:pic>
+        <p:nvPicPr>
+          <p:cNvPr id="9" name="Picture 8">
+            <a:extLst>
+              <a:ext uri="{FF2B5EF4-FFF2-40B4-BE49-F238E27FC236}">
+                <a16:creationId xmlns:a16="http://schemas.microsoft.com/office/drawing/2014/main" id="{6882E2EB-0E13-7649-B0F8-7DF9F7D8B4C5}"/>
+              </a:ext>
+            </a:extLst>
+          </p:cNvPr>
+          <p:cNvPicPr>
+            <a:picLocks noChangeAspect="1"/>
+          </p:cNvPicPr>
+          <p:nvPr/>
+        </p:nvPicPr>
+        <p:blipFill>
+          <a:blip r:embed="rId4"/>
+          <a:stretch>
+            <a:fillRect/>
+          </a:stretch>
+        </p:blipFill>
+        <p:spPr>
+          <a:xfrm rot="5400000">
+            <a:off x="6908551" y="728545"/>
+            <a:ext cx="4311269" cy="5976747"/>
+          </a:xfrm>
+          <a:prstGeom prst="rect">
+            <a:avLst/>
+          </a:prstGeom>
+        </p:spPr>
+      </p:pic>
+    </p:spTree>
+    <p:extLst>
+      <p:ext uri="{BB962C8B-B14F-4D97-AF65-F5344CB8AC3E}">
+        <p14:creationId xmlns:p14="http://schemas.microsoft.com/office/powerpoint/2010/main" val="1470015375"/>
       </p:ext>
     </p:extLst>
   </p:cSld>
@@ -21155,7 +22366,7 @@
           <a:p>
             <a:fld id="{01554C39-4607-164F-AA23-65A72270ACF7}" type="datetime1">
               <a:rPr lang="en-US" smtClean="0"/>
-              <a:t>9/7/20</a:t>
+              <a:t>9/8/20</a:t>
             </a:fld>
             <a:endParaRPr lang="en-US" dirty="0"/>
           </a:p>
@@ -21436,7 +22647,7 @@
           <a:p>
             <a:fld id="{01554C39-4607-164F-AA23-65A72270ACF7}" type="datetime1">
               <a:rPr lang="en-US" smtClean="0"/>
-              <a:t>9/7/20</a:t>
+              <a:t>9/8/20</a:t>
             </a:fld>
             <a:endParaRPr lang="en-US" dirty="0"/>
           </a:p>
@@ -21717,7 +22928,7 @@
           <a:p>
             <a:fld id="{01554C39-4607-164F-AA23-65A72270ACF7}" type="datetime1">
               <a:rPr lang="en-US" smtClean="0"/>
-              <a:t>9/7/20</a:t>
+              <a:t>9/8/20</a:t>
             </a:fld>
             <a:endParaRPr lang="en-US" dirty="0"/>
           </a:p>
@@ -21998,7 +23209,7 @@
           <a:p>
             <a:fld id="{01554C39-4607-164F-AA23-65A72270ACF7}" type="datetime1">
               <a:rPr lang="en-US" smtClean="0"/>
-              <a:t>9/7/20</a:t>
+              <a:t>9/8/20</a:t>
             </a:fld>
             <a:endParaRPr lang="en-US" dirty="0"/>
           </a:p>
@@ -22282,7 +23493,7 @@
           <a:p>
             <a:fld id="{01554C39-4607-164F-AA23-65A72270ACF7}" type="datetime1">
               <a:rPr lang="en-US" smtClean="0"/>
-              <a:t>9/7/20</a:t>
+              <a:t>9/8/20</a:t>
             </a:fld>
             <a:endParaRPr lang="en-US" dirty="0"/>
           </a:p>

--- a/Documents for Progress/AnalysisStatus_31August2020.pptx
+++ b/Documents for Progress/AnalysisStatus_31August2020.pptx
@@ -6,10 +6,10 @@
     <p:sldMasterId id="2147483661" r:id="rId2"/>
   </p:sldMasterIdLst>
   <p:notesMasterIdLst>
-    <p:notesMasterId r:id="rId45"/>
+    <p:notesMasterId r:id="rId46"/>
   </p:notesMasterIdLst>
   <p:handoutMasterIdLst>
-    <p:handoutMasterId r:id="rId46"/>
+    <p:handoutMasterId r:id="rId47"/>
   </p:handoutMasterIdLst>
   <p:sldIdLst>
     <p:sldId id="256" r:id="rId3"/>
@@ -34,26 +34,27 @@
     <p:sldId id="517" r:id="rId22"/>
     <p:sldId id="518" r:id="rId23"/>
     <p:sldId id="536" r:id="rId24"/>
-    <p:sldId id="550" r:id="rId25"/>
-    <p:sldId id="553" r:id="rId26"/>
-    <p:sldId id="537" r:id="rId27"/>
-    <p:sldId id="552" r:id="rId28"/>
-    <p:sldId id="538" r:id="rId29"/>
-    <p:sldId id="551" r:id="rId30"/>
-    <p:sldId id="539" r:id="rId31"/>
-    <p:sldId id="548" r:id="rId32"/>
-    <p:sldId id="545" r:id="rId33"/>
-    <p:sldId id="540" r:id="rId34"/>
-    <p:sldId id="546" r:id="rId35"/>
-    <p:sldId id="541" r:id="rId36"/>
-    <p:sldId id="547" r:id="rId37"/>
-    <p:sldId id="542" r:id="rId38"/>
-    <p:sldId id="543" r:id="rId39"/>
-    <p:sldId id="544" r:id="rId40"/>
-    <p:sldId id="535" r:id="rId41"/>
-    <p:sldId id="529" r:id="rId42"/>
-    <p:sldId id="530" r:id="rId43"/>
-    <p:sldId id="532" r:id="rId44"/>
+    <p:sldId id="554" r:id="rId25"/>
+    <p:sldId id="550" r:id="rId26"/>
+    <p:sldId id="553" r:id="rId27"/>
+    <p:sldId id="537" r:id="rId28"/>
+    <p:sldId id="552" r:id="rId29"/>
+    <p:sldId id="538" r:id="rId30"/>
+    <p:sldId id="551" r:id="rId31"/>
+    <p:sldId id="539" r:id="rId32"/>
+    <p:sldId id="548" r:id="rId33"/>
+    <p:sldId id="545" r:id="rId34"/>
+    <p:sldId id="540" r:id="rId35"/>
+    <p:sldId id="546" r:id="rId36"/>
+    <p:sldId id="541" r:id="rId37"/>
+    <p:sldId id="547" r:id="rId38"/>
+    <p:sldId id="542" r:id="rId39"/>
+    <p:sldId id="543" r:id="rId40"/>
+    <p:sldId id="544" r:id="rId41"/>
+    <p:sldId id="535" r:id="rId42"/>
+    <p:sldId id="529" r:id="rId43"/>
+    <p:sldId id="530" r:id="rId44"/>
+    <p:sldId id="532" r:id="rId45"/>
   </p:sldIdLst>
   <p:sldSz cx="12192000" cy="6858000"/>
   <p:notesSz cx="6858000" cy="9144000"/>
@@ -245,7 +246,7 @@
           <a:p>
             <a:fld id="{EC97F6CE-C9BA-5B44-AF0F-C73B1C17650F}" type="datetime1">
               <a:rPr lang="en-US" smtClean="0"/>
-              <a:t>9/8/20</a:t>
+              <a:t>9/9/20</a:t>
             </a:fld>
             <a:endParaRPr lang="en-GB"/>
           </a:p>
@@ -451,7 +452,7 @@
           <a:p>
             <a:fld id="{7F9D4A26-E586-E648-884B-C9B1EA03133F}" type="datetime1">
               <a:rPr lang="en-US" smtClean="0"/>
-              <a:t>9/8/20</a:t>
+              <a:t>9/9/20</a:t>
             </a:fld>
             <a:endParaRPr lang="en-GB"/>
           </a:p>
@@ -785,7 +786,7 @@
           <a:p>
             <a:fld id="{33D9703A-F6B0-E34C-B7F9-5A8864FF4F07}" type="datetime1">
               <a:rPr lang="en-US" smtClean="0"/>
-              <a:t>9/8/20</a:t>
+              <a:t>9/9/20</a:t>
             </a:fld>
             <a:endParaRPr lang="en-GB"/>
           </a:p>
@@ -892,7 +893,7 @@
           <a:p>
             <a:fld id="{7F9D4A26-E586-E648-884B-C9B1EA03133F}" type="datetime1">
               <a:rPr lang="en-US" smtClean="0"/>
-              <a:t>9/8/20</a:t>
+              <a:t>9/9/20</a:t>
             </a:fld>
             <a:endParaRPr lang="en-GB"/>
           </a:p>
@@ -999,7 +1000,7 @@
           <a:p>
             <a:fld id="{7F9D4A26-E586-E648-884B-C9B1EA03133F}" type="datetime1">
               <a:rPr lang="en-US" smtClean="0"/>
-              <a:t>9/8/20</a:t>
+              <a:t>9/9/20</a:t>
             </a:fld>
             <a:endParaRPr lang="en-GB"/>
           </a:p>
@@ -1022,7 +1023,7 @@
           <a:p>
             <a:fld id="{5033F1CD-332F-48CC-8A24-9D0A5CE7D91D}" type="slidenum">
               <a:rPr lang="en-GB" smtClean="0"/>
-              <a:t>28</a:t>
+              <a:t>29</a:t>
             </a:fld>
             <a:endParaRPr lang="en-GB"/>
           </a:p>
@@ -1106,7 +1107,7 @@
           <a:p>
             <a:fld id="{7F9D4A26-E586-E648-884B-C9B1EA03133F}" type="datetime1">
               <a:rPr lang="en-US" smtClean="0"/>
-              <a:t>9/8/20</a:t>
+              <a:t>9/9/20</a:t>
             </a:fld>
             <a:endParaRPr lang="en-GB"/>
           </a:p>
@@ -1129,7 +1130,7 @@
           <a:p>
             <a:fld id="{5033F1CD-332F-48CC-8A24-9D0A5CE7D91D}" type="slidenum">
               <a:rPr lang="en-GB" smtClean="0"/>
-              <a:t>42</a:t>
+              <a:t>43</a:t>
             </a:fld>
             <a:endParaRPr lang="en-GB"/>
           </a:p>
@@ -1374,7 +1375,7 @@
           <a:p>
             <a:fld id="{DC51A3BE-CA11-4547-A39A-766971096B34}" type="datetime1">
               <a:rPr lang="en-US" smtClean="0"/>
-              <a:t>9/8/20</a:t>
+              <a:t>9/9/20</a:t>
             </a:fld>
             <a:endParaRPr lang="en-US" dirty="0"/>
           </a:p>
@@ -1581,7 +1582,7 @@
           <a:p>
             <a:fld id="{42B2CF9A-A7BF-1245-99D9-4054301C36E0}" type="datetime1">
               <a:rPr lang="en-US" smtClean="0"/>
-              <a:t>9/8/20</a:t>
+              <a:t>9/9/20</a:t>
             </a:fld>
             <a:endParaRPr lang="en-US" dirty="0"/>
           </a:p>
@@ -1836,7 +1837,7 @@
           <a:p>
             <a:fld id="{F88F3968-5050-1740-9AB7-A06844E87E5F}" type="datetime1">
               <a:rPr lang="en-US" smtClean="0"/>
-              <a:t>9/8/20</a:t>
+              <a:t>9/9/20</a:t>
             </a:fld>
             <a:endParaRPr lang="en-US" dirty="0"/>
           </a:p>
@@ -2027,7 +2028,7 @@
           <a:p>
             <a:fld id="{6A19A844-E33A-B644-A0FB-7455E93D924C}" type="datetime1">
               <a:rPr lang="en-US" smtClean="0"/>
-              <a:t>9/8/20</a:t>
+              <a:t>9/9/20</a:t>
             </a:fld>
             <a:endParaRPr lang="en-GB"/>
           </a:p>
@@ -2201,7 +2202,7 @@
           <a:p>
             <a:fld id="{F61E92BF-DA59-B546-88AE-9835521A3798}" type="datetime1">
               <a:rPr lang="en-US" smtClean="0"/>
-              <a:t>9/8/20</a:t>
+              <a:t>9/9/20</a:t>
             </a:fld>
             <a:endParaRPr lang="en-GB"/>
           </a:p>
@@ -2451,7 +2452,7 @@
           <a:p>
             <a:fld id="{61C78CAC-926A-EF4D-9608-460C3A301243}" type="datetime1">
               <a:rPr lang="en-US" smtClean="0"/>
-              <a:t>9/8/20</a:t>
+              <a:t>9/9/20</a:t>
             </a:fld>
             <a:endParaRPr lang="en-GB"/>
           </a:p>
@@ -2687,7 +2688,7 @@
           <a:p>
             <a:fld id="{32675A6D-6B9B-6546-A3DC-004E809EED54}" type="datetime1">
               <a:rPr lang="en-US" smtClean="0"/>
-              <a:t>9/8/20</a:t>
+              <a:t>9/9/20</a:t>
             </a:fld>
             <a:endParaRPr lang="en-GB"/>
           </a:p>
@@ -3058,7 +3059,7 @@
           <a:p>
             <a:fld id="{55D89806-B328-B147-9EC9-15D0307996ED}" type="datetime1">
               <a:rPr lang="en-US" smtClean="0"/>
-              <a:t>9/8/20</a:t>
+              <a:t>9/9/20</a:t>
             </a:fld>
             <a:endParaRPr lang="en-GB"/>
           </a:p>
@@ -3180,7 +3181,7 @@
           <a:p>
             <a:fld id="{702FE0D6-14B8-A94B-B441-7BA984189CE2}" type="datetime1">
               <a:rPr lang="en-US" smtClean="0"/>
-              <a:t>9/8/20</a:t>
+              <a:t>9/9/20</a:t>
             </a:fld>
             <a:endParaRPr lang="en-GB"/>
           </a:p>
@@ -3279,7 +3280,7 @@
           <a:p>
             <a:fld id="{4C294EA8-7AEB-3247-9A81-8483D03B0462}" type="datetime1">
               <a:rPr lang="en-US" smtClean="0"/>
-              <a:t>9/8/20</a:t>
+              <a:t>9/9/20</a:t>
             </a:fld>
             <a:endParaRPr lang="en-GB"/>
           </a:p>
@@ -3560,7 +3561,7 @@
           <a:p>
             <a:fld id="{D72E9315-386E-6846-8498-4330F1BBFC0A}" type="datetime1">
               <a:rPr lang="en-US" smtClean="0"/>
-              <a:t>9/8/20</a:t>
+              <a:t>9/9/20</a:t>
             </a:fld>
             <a:endParaRPr lang="en-GB"/>
           </a:p>
@@ -3716,7 +3717,7 @@
           <a:p>
             <a:fld id="{0E394EB9-E681-C34A-89D4-D81E4C62EA5B}" type="datetime1">
               <a:rPr lang="en-US" smtClean="0"/>
-              <a:t>9/8/20</a:t>
+              <a:t>9/9/20</a:t>
             </a:fld>
             <a:endParaRPr lang="en-US" dirty="0"/>
           </a:p>
@@ -3997,7 +3998,7 @@
           <a:p>
             <a:fld id="{E220BF5D-E794-2B42-91EC-2A3B4450069D}" type="datetime1">
               <a:rPr lang="en-US" smtClean="0"/>
-              <a:t>9/8/20</a:t>
+              <a:t>9/9/20</a:t>
             </a:fld>
             <a:endParaRPr lang="en-GB"/>
           </a:p>
@@ -4171,7 +4172,7 @@
           <a:p>
             <a:fld id="{BA4C039E-7082-7D42-AA91-9FF3EF6ADB5B}" type="datetime1">
               <a:rPr lang="en-US" smtClean="0"/>
-              <a:t>9/8/20</a:t>
+              <a:t>9/9/20</a:t>
             </a:fld>
             <a:endParaRPr lang="en-GB"/>
           </a:p>
@@ -4355,7 +4356,7 @@
           <a:p>
             <a:fld id="{2817B3FE-3894-A848-8D78-14007FB2FF94}" type="datetime1">
               <a:rPr lang="en-US" smtClean="0"/>
-              <a:t>9/8/20</a:t>
+              <a:t>9/9/20</a:t>
             </a:fld>
             <a:endParaRPr lang="en-GB"/>
           </a:p>
@@ -4702,7 +4703,7 @@
           <a:p>
             <a:fld id="{2DEEC64B-3E48-2F44-A6A9-A1C06A2C021E}" type="datetime1">
               <a:rPr lang="en-US" smtClean="0"/>
-              <a:t>9/8/20</a:t>
+              <a:t>9/9/20</a:t>
             </a:fld>
             <a:endParaRPr lang="en-US" dirty="0"/>
           </a:p>
@@ -4976,7 +4977,7 @@
           <a:p>
             <a:fld id="{61E195D8-183A-7F4D-8D17-8ADC90214B8A}" type="datetime1">
               <a:rPr lang="en-US" smtClean="0"/>
-              <a:t>9/8/20</a:t>
+              <a:t>9/9/20</a:t>
             </a:fld>
             <a:endParaRPr lang="en-US" dirty="0"/>
           </a:p>
@@ -5354,7 +5355,7 @@
           <a:p>
             <a:fld id="{0DD0A991-48AE-1D43-8113-23F8EAF6681B}" type="datetime1">
               <a:rPr lang="en-US" smtClean="0"/>
-              <a:t>9/8/20</a:t>
+              <a:t>9/9/20</a:t>
             </a:fld>
             <a:endParaRPr lang="en-US" dirty="0"/>
           </a:p>
@@ -5471,7 +5472,7 @@
           <a:p>
             <a:fld id="{DC12579A-EC7F-EB4A-BC5C-80733D051D29}" type="datetime1">
               <a:rPr lang="en-US" smtClean="0"/>
-              <a:t>9/8/20</a:t>
+              <a:t>9/9/20</a:t>
             </a:fld>
             <a:endParaRPr lang="en-US" dirty="0"/>
           </a:p>
@@ -5641,7 +5642,7 @@
           <a:p>
             <a:fld id="{669454CD-6DAB-7942-9B1D-8F3E2B882464}" type="datetime1">
               <a:rPr lang="en-US" smtClean="0"/>
-              <a:t>9/8/20</a:t>
+              <a:t>9/9/20</a:t>
             </a:fld>
             <a:endParaRPr lang="en-US" dirty="0"/>
           </a:p>
@@ -6025,7 +6026,7 @@
           <a:p>
             <a:fld id="{BD2CAD36-D42B-D445-A707-AA59905C7768}" type="datetime1">
               <a:rPr lang="en-US" smtClean="0"/>
-              <a:t>9/8/20</a:t>
+              <a:t>9/9/20</a:t>
             </a:fld>
             <a:endParaRPr lang="en-US" dirty="0"/>
           </a:p>
@@ -6407,7 +6408,7 @@
           <a:p>
             <a:fld id="{2D1D63B8-BB32-E649-92D4-94351543394C}" type="datetime1">
               <a:rPr lang="en-US" smtClean="0"/>
-              <a:t>9/8/20</a:t>
+              <a:t>9/9/20</a:t>
             </a:fld>
             <a:endParaRPr lang="en-US" dirty="0"/>
           </a:p>
@@ -6693,7 +6694,7 @@
           <a:p>
             <a:fld id="{FD02AE22-A9EA-FE42-BAB8-AD1D7606FF2E}" type="datetime1">
               <a:rPr lang="en-US" smtClean="0"/>
-              <a:t>9/8/20</a:t>
+              <a:t>9/9/20</a:t>
             </a:fld>
             <a:endParaRPr lang="en-US" dirty="0"/>
           </a:p>
@@ -7383,7 +7384,7 @@
           <a:p>
             <a:fld id="{307A731C-B4EF-644F-8FDB-2EBA3EC9415A}" type="datetime1">
               <a:rPr lang="en-US" smtClean="0"/>
-              <a:t>9/8/20</a:t>
+              <a:t>9/9/20</a:t>
             </a:fld>
             <a:endParaRPr lang="en-GB"/>
           </a:p>
@@ -8084,7 +8085,7 @@
           <a:p>
             <a:fld id="{01554C39-4607-164F-AA23-65A72270ACF7}" type="datetime1">
               <a:rPr lang="en-US" smtClean="0"/>
-              <a:t>9/8/20</a:t>
+              <a:t>9/9/20</a:t>
             </a:fld>
             <a:endParaRPr lang="en-US" dirty="0"/>
           </a:p>
@@ -8368,7 +8369,7 @@
           <a:p>
             <a:fld id="{01554C39-4607-164F-AA23-65A72270ACF7}" type="datetime1">
               <a:rPr lang="en-US" smtClean="0"/>
-              <a:t>9/8/20</a:t>
+              <a:t>9/9/20</a:t>
             </a:fld>
             <a:endParaRPr lang="en-US" dirty="0"/>
           </a:p>
@@ -8652,7 +8653,7 @@
           <a:p>
             <a:fld id="{01554C39-4607-164F-AA23-65A72270ACF7}" type="datetime1">
               <a:rPr lang="en-US" smtClean="0"/>
-              <a:t>9/8/20</a:t>
+              <a:t>9/9/20</a:t>
             </a:fld>
             <a:endParaRPr lang="en-US" dirty="0"/>
           </a:p>
@@ -8936,7 +8937,7 @@
           <a:p>
             <a:fld id="{01554C39-4607-164F-AA23-65A72270ACF7}" type="datetime1">
               <a:rPr lang="en-US" smtClean="0"/>
-              <a:t>9/8/20</a:t>
+              <a:t>9/9/20</a:t>
             </a:fld>
             <a:endParaRPr lang="en-US" dirty="0"/>
           </a:p>
@@ -9220,7 +9221,7 @@
           <a:p>
             <a:fld id="{01554C39-4607-164F-AA23-65A72270ACF7}" type="datetime1">
               <a:rPr lang="en-US" smtClean="0"/>
-              <a:t>9/8/20</a:t>
+              <a:t>9/9/20</a:t>
             </a:fld>
             <a:endParaRPr lang="en-US" dirty="0"/>
           </a:p>
@@ -9504,7 +9505,7 @@
           <a:p>
             <a:fld id="{01554C39-4607-164F-AA23-65A72270ACF7}" type="datetime1">
               <a:rPr lang="en-US" smtClean="0"/>
-              <a:t>9/8/20</a:t>
+              <a:t>9/9/20</a:t>
             </a:fld>
             <a:endParaRPr lang="en-US" dirty="0"/>
           </a:p>
@@ -9750,7 +9751,7 @@
           <a:p>
             <a:fld id="{01554C39-4607-164F-AA23-65A72270ACF7}" type="datetime1">
               <a:rPr lang="en-US" smtClean="0"/>
-              <a:t>9/8/20</a:t>
+              <a:t>9/9/20</a:t>
             </a:fld>
             <a:endParaRPr lang="en-US" dirty="0"/>
           </a:p>
@@ -10079,7 +10080,7 @@
           <a:p>
             <a:fld id="{01554C39-4607-164F-AA23-65A72270ACF7}" type="datetime1">
               <a:rPr lang="en-US" smtClean="0"/>
-              <a:t>9/8/20</a:t>
+              <a:t>9/9/20</a:t>
             </a:fld>
             <a:endParaRPr lang="en-US" dirty="0"/>
           </a:p>
@@ -10369,7 +10370,7 @@
           <a:p>
             <a:fld id="{01554C39-4607-164F-AA23-65A72270ACF7}" type="datetime1">
               <a:rPr lang="en-US" smtClean="0"/>
-              <a:t>9/8/20</a:t>
+              <a:t>9/9/20</a:t>
             </a:fld>
             <a:endParaRPr lang="en-US" dirty="0"/>
           </a:p>
@@ -10757,7 +10758,7 @@
           <a:p>
             <a:fld id="{D52D66B2-0E0A-F441-A1DA-8039F615D612}" type="datetime1">
               <a:rPr lang="en-US" smtClean="0"/>
-              <a:t>9/8/20</a:t>
+              <a:t>9/9/20</a:t>
             </a:fld>
             <a:endParaRPr lang="en-US" dirty="0"/>
           </a:p>
@@ -11763,7 +11764,7 @@
           <a:p>
             <a:fld id="{37E2C1DD-94AF-5B41-A54A-0C8426B7BC1A}" type="datetime1">
               <a:rPr lang="en-US" smtClean="0"/>
-              <a:t>9/8/20</a:t>
+              <a:t>9/9/20</a:t>
             </a:fld>
             <a:endParaRPr lang="en-US" dirty="0"/>
           </a:p>
@@ -11860,7 +11861,7 @@
         <p:spPr>
           <a:xfrm>
             <a:off x="122664" y="674400"/>
-            <a:ext cx="9623503" cy="5509200"/>
+            <a:ext cx="9623503" cy="5755422"/>
           </a:xfrm>
           <a:prstGeom prst="rect">
             <a:avLst/>
@@ -11980,7 +11981,19 @@
               <a:rPr lang="en-GR" sz="1600" dirty="0">
                 <a:sym typeface="Wingdings" pitchFamily="2" charset="2"/>
               </a:rPr>
-              <a:t>not enough computing power from lxplus</a:t>
+              <a:t>not enough computing power from lxplus  had to train with all the events</a:t>
+            </a:r>
+          </a:p>
+          <a:p>
+            <a:pPr marL="1200150" lvl="2" indent="-285750">
+              <a:buFont typeface="Arial" panose="020B0604020202020204" pitchFamily="34" charset="0"/>
+              <a:buChar char="•"/>
+            </a:pPr>
+            <a:r>
+              <a:rPr lang="en-GR" sz="1600" dirty="0">
+                <a:sym typeface="Wingdings" pitchFamily="2" charset="2"/>
+              </a:rPr>
+              <a:t>Managed to find a way to include less events: Much faster (~ 2h)</a:t>
             </a:r>
             <a:endParaRPr lang="en-GR" sz="1600" dirty="0"/>
           </a:p>
@@ -12234,7 +12247,7 @@
           <a:p>
             <a:fld id="{18FD8BA5-77B4-654F-B2FF-4855A5BA42B8}" type="datetime1">
               <a:rPr lang="en-US" smtClean="0"/>
-              <a:t>9/8/20</a:t>
+              <a:t>9/9/20</a:t>
             </a:fld>
             <a:endParaRPr lang="en-US" dirty="0"/>
           </a:p>
@@ -12819,7 +12832,7 @@
           <a:p>
             <a:fld id="{3DBB7BD0-9B8D-1F47-8ABF-BE3CF9BD2848}" type="datetime1">
               <a:rPr lang="en-US" smtClean="0"/>
-              <a:t>9/8/20</a:t>
+              <a:t>9/9/20</a:t>
             </a:fld>
             <a:endParaRPr lang="en-US" dirty="0"/>
           </a:p>
@@ -13426,7 +13439,7 @@
           <a:p>
             <a:fld id="{3DBB7BD0-9B8D-1F47-8ABF-BE3CF9BD2848}" type="datetime1">
               <a:rPr lang="en-US" smtClean="0"/>
-              <a:t>9/8/20</a:t>
+              <a:t>9/9/20</a:t>
             </a:fld>
             <a:endParaRPr lang="en-US" dirty="0"/>
           </a:p>
@@ -13700,16 +13713,13 @@
             <a:pPr algn="ctr"/>
             <a:r>
               <a:rPr lang="en-US" sz="2800" u="sng" dirty="0"/>
-              <a:t>Signal Extraction </a:t>
-            </a:r>
-            <a:r>
-              <a:rPr lang="en-US" sz="2800" u="sng" dirty="0">
-                <a:solidFill>
-                  <a:srgbClr val="00B0F0"/>
-                </a:solidFill>
-              </a:rPr>
-              <a:t>2016</a:t>
-            </a:r>
+              <a:t>Fit Params Results Comparison</a:t>
+            </a:r>
+            <a:endParaRPr lang="en-US" sz="2800" u="sng" dirty="0">
+              <a:solidFill>
+                <a:srgbClr val="00B0F0"/>
+              </a:solidFill>
+            </a:endParaRPr>
           </a:p>
         </p:txBody>
       </p:sp>
@@ -13766,88 +13776,18 @@
           <a:p>
             <a:fld id="{3DBB7BD0-9B8D-1F47-8ABF-BE3CF9BD2848}" type="datetime1">
               <a:rPr lang="en-US" smtClean="0"/>
-              <a:t>9/8/20</a:t>
+              <a:t>9/9/20</a:t>
             </a:fld>
             <a:endParaRPr lang="en-US" dirty="0"/>
           </a:p>
         </p:txBody>
       </p:sp>
-      <p:sp>
-        <p:nvSpPr>
-          <p:cNvPr id="10" name="Rectangle 9">
-            <a:extLst>
-              <a:ext uri="{FF2B5EF4-FFF2-40B4-BE49-F238E27FC236}">
-                <a16:creationId xmlns:a16="http://schemas.microsoft.com/office/drawing/2014/main" id="{A1334FD7-6EF5-CD44-B073-2C85FC74BD62}"/>
-              </a:ext>
-            </a:extLst>
-          </p:cNvPr>
-          <p:cNvSpPr/>
-          <p:nvPr/>
-        </p:nvSpPr>
-        <p:spPr>
-          <a:xfrm>
-            <a:off x="7939701" y="638586"/>
-            <a:ext cx="2289346" cy="369332"/>
-          </a:xfrm>
-          <a:prstGeom prst="rect">
-            <a:avLst/>
-          </a:prstGeom>
-        </p:spPr>
-        <p:txBody>
-          <a:bodyPr wrap="none">
-            <a:spAutoFit/>
-          </a:bodyPr>
-          <a:lstStyle/>
-          <a:p>
-            <a:pPr algn="ctr"/>
-            <a:r>
-              <a:rPr lang="en-US" u="sng" dirty="0"/>
-              <a:t>without b tagging SF’s </a:t>
-            </a:r>
-          </a:p>
-        </p:txBody>
-      </p:sp>
-      <p:sp>
-        <p:nvSpPr>
-          <p:cNvPr id="11" name="Rectangle 10">
-            <a:extLst>
-              <a:ext uri="{FF2B5EF4-FFF2-40B4-BE49-F238E27FC236}">
-                <a16:creationId xmlns:a16="http://schemas.microsoft.com/office/drawing/2014/main" id="{0A4D987A-2F55-CC41-8B67-11ACEC81DE99}"/>
-              </a:ext>
-            </a:extLst>
-          </p:cNvPr>
-          <p:cNvSpPr/>
-          <p:nvPr/>
-        </p:nvSpPr>
-        <p:spPr>
-          <a:xfrm>
-            <a:off x="2333415" y="638586"/>
-            <a:ext cx="1499065" cy="369332"/>
-          </a:xfrm>
-          <a:prstGeom prst="rect">
-            <a:avLst/>
-          </a:prstGeom>
-        </p:spPr>
-        <p:txBody>
-          <a:bodyPr wrap="none">
-            <a:spAutoFit/>
-          </a:bodyPr>
-          <a:lstStyle/>
-          <a:p>
-            <a:pPr algn="ctr"/>
-            <a:r>
-              <a:rPr lang="en-US" u="sng" dirty="0"/>
-              <a:t>b tagging SF’s </a:t>
-            </a:r>
-          </a:p>
-        </p:txBody>
-      </p:sp>
       <p:pic>
         <p:nvPicPr>
-          <p:cNvPr id="16" name="Picture 15">
-            <a:extLst>
-              <a:ext uri="{FF2B5EF4-FFF2-40B4-BE49-F238E27FC236}">
-                <a16:creationId xmlns:a16="http://schemas.microsoft.com/office/drawing/2014/main" id="{1A09988E-AECF-F349-A1E1-10249911EBD4}"/>
+          <p:cNvPr id="10" name="Picture 9">
+            <a:extLst>
+              <a:ext uri="{FF2B5EF4-FFF2-40B4-BE49-F238E27FC236}">
+                <a16:creationId xmlns:a16="http://schemas.microsoft.com/office/drawing/2014/main" id="{8A45FDEE-2DEB-8A4E-8FBE-170867FE6BA5}"/>
               </a:ext>
             </a:extLst>
           </p:cNvPr>
@@ -13864,8 +13804,8 @@
         </p:blipFill>
         <p:spPr>
           <a:xfrm rot="5400000">
-            <a:off x="6755114" y="672394"/>
-            <a:ext cx="4311269" cy="5976747"/>
+            <a:off x="692487" y="4495"/>
+            <a:ext cx="2856865" cy="3960495"/>
           </a:xfrm>
           <a:prstGeom prst="rect">
             <a:avLst/>
@@ -13874,10 +13814,10 @@
       </p:pic>
       <p:pic>
         <p:nvPicPr>
-          <p:cNvPr id="4" name="Picture 3">
-            <a:extLst>
-              <a:ext uri="{FF2B5EF4-FFF2-40B4-BE49-F238E27FC236}">
-                <a16:creationId xmlns:a16="http://schemas.microsoft.com/office/drawing/2014/main" id="{AC5DFB3B-F6BD-6747-BCCE-8FCC0184DA47}"/>
+          <p:cNvPr id="12" name="Picture 11">
+            <a:extLst>
+              <a:ext uri="{FF2B5EF4-FFF2-40B4-BE49-F238E27FC236}">
+                <a16:creationId xmlns:a16="http://schemas.microsoft.com/office/drawing/2014/main" id="{99C409A2-0C36-3547-90DD-3F23B1B43759}"/>
               </a:ext>
             </a:extLst>
           </p:cNvPr>
@@ -13894,8 +13834,128 @@
         </p:blipFill>
         <p:spPr>
           <a:xfrm rot="5400000">
-            <a:off x="951992" y="519674"/>
-            <a:ext cx="4311269" cy="5976747"/>
+            <a:off x="8642648" y="4822"/>
+            <a:ext cx="2856865" cy="3960495"/>
+          </a:xfrm>
+          <a:prstGeom prst="rect">
+            <a:avLst/>
+          </a:prstGeom>
+        </p:spPr>
+      </p:pic>
+      <p:pic>
+        <p:nvPicPr>
+          <p:cNvPr id="18" name="Picture 17">
+            <a:extLst>
+              <a:ext uri="{FF2B5EF4-FFF2-40B4-BE49-F238E27FC236}">
+                <a16:creationId xmlns:a16="http://schemas.microsoft.com/office/drawing/2014/main" id="{AAA700C3-39AD-8B4C-8F6A-8944361262E2}"/>
+              </a:ext>
+            </a:extLst>
+          </p:cNvPr>
+          <p:cNvPicPr>
+            <a:picLocks noChangeAspect="1"/>
+          </p:cNvPicPr>
+          <p:nvPr/>
+        </p:nvPicPr>
+        <p:blipFill>
+          <a:blip r:embed="rId4"/>
+          <a:stretch>
+            <a:fillRect/>
+          </a:stretch>
+        </p:blipFill>
+        <p:spPr>
+          <a:xfrm rot="5400000">
+            <a:off x="692486" y="2892357"/>
+            <a:ext cx="2856865" cy="3960495"/>
+          </a:xfrm>
+          <a:prstGeom prst="rect">
+            <a:avLst/>
+          </a:prstGeom>
+        </p:spPr>
+      </p:pic>
+      <p:pic>
+        <p:nvPicPr>
+          <p:cNvPr id="20" name="Picture 19">
+            <a:extLst>
+              <a:ext uri="{FF2B5EF4-FFF2-40B4-BE49-F238E27FC236}">
+                <a16:creationId xmlns:a16="http://schemas.microsoft.com/office/drawing/2014/main" id="{5A2B0A46-D837-0745-90E1-B548A9820FBD}"/>
+              </a:ext>
+            </a:extLst>
+          </p:cNvPr>
+          <p:cNvPicPr>
+            <a:picLocks noChangeAspect="1"/>
+          </p:cNvPicPr>
+          <p:nvPr/>
+        </p:nvPicPr>
+        <p:blipFill>
+          <a:blip r:embed="rId5"/>
+          <a:stretch>
+            <a:fillRect/>
+          </a:stretch>
+        </p:blipFill>
+        <p:spPr>
+          <a:xfrm rot="5400000">
+            <a:off x="4652981" y="2892357"/>
+            <a:ext cx="2856865" cy="3960495"/>
+          </a:xfrm>
+          <a:prstGeom prst="rect">
+            <a:avLst/>
+          </a:prstGeom>
+        </p:spPr>
+      </p:pic>
+      <p:pic>
+        <p:nvPicPr>
+          <p:cNvPr id="4" name="Picture 3">
+            <a:extLst>
+              <a:ext uri="{FF2B5EF4-FFF2-40B4-BE49-F238E27FC236}">
+                <a16:creationId xmlns:a16="http://schemas.microsoft.com/office/drawing/2014/main" id="{EA43D936-7EB2-AB4D-8EA0-E17B184003C6}"/>
+              </a:ext>
+            </a:extLst>
+          </p:cNvPr>
+          <p:cNvPicPr>
+            <a:picLocks noChangeAspect="1"/>
+          </p:cNvPicPr>
+          <p:nvPr/>
+        </p:nvPicPr>
+        <p:blipFill>
+          <a:blip r:embed="rId6"/>
+          <a:stretch>
+            <a:fillRect/>
+          </a:stretch>
+        </p:blipFill>
+        <p:spPr>
+          <a:xfrm rot="5400000">
+            <a:off x="4623694" y="4496"/>
+            <a:ext cx="2856865" cy="3960495"/>
+          </a:xfrm>
+          <a:prstGeom prst="rect">
+            <a:avLst/>
+          </a:prstGeom>
+        </p:spPr>
+      </p:pic>
+      <p:pic>
+        <p:nvPicPr>
+          <p:cNvPr id="16" name="Picture 15">
+            <a:extLst>
+              <a:ext uri="{FF2B5EF4-FFF2-40B4-BE49-F238E27FC236}">
+                <a16:creationId xmlns:a16="http://schemas.microsoft.com/office/drawing/2014/main" id="{42F209C8-2A8A-AB41-B450-D47EBB301500}"/>
+              </a:ext>
+            </a:extLst>
+          </p:cNvPr>
+          <p:cNvPicPr>
+            <a:picLocks noChangeAspect="1"/>
+          </p:cNvPicPr>
+          <p:nvPr/>
+        </p:nvPicPr>
+        <p:blipFill>
+          <a:blip r:embed="rId7"/>
+          <a:stretch>
+            <a:fillRect/>
+          </a:stretch>
+        </p:blipFill>
+        <p:spPr>
+          <a:xfrm rot="5400000">
+            <a:off x="8584189" y="2892683"/>
+            <a:ext cx="2856865" cy="3960495"/>
           </a:xfrm>
           <a:prstGeom prst="rect">
             <a:avLst/>
@@ -13905,7 +13965,7 @@
     </p:spTree>
     <p:extLst>
       <p:ext uri="{BB962C8B-B14F-4D97-AF65-F5344CB8AC3E}">
-        <p14:creationId xmlns:p14="http://schemas.microsoft.com/office/powerpoint/2010/main" val="362127072"/>
+        <p14:creationId xmlns:p14="http://schemas.microsoft.com/office/powerpoint/2010/main" val="3527272114"/>
       </p:ext>
     </p:extLst>
   </p:cSld>
@@ -14050,7 +14110,7 @@
           <a:p>
             <a:fld id="{3DBB7BD0-9B8D-1F47-8ABF-BE3CF9BD2848}" type="datetime1">
               <a:rPr lang="en-US" smtClean="0"/>
-              <a:t>9/8/20</a:t>
+              <a:t>9/9/20</a:t>
             </a:fld>
             <a:endParaRPr lang="en-US" dirty="0"/>
           </a:p>
@@ -14128,10 +14188,10 @@
       </p:sp>
       <p:pic>
         <p:nvPicPr>
-          <p:cNvPr id="18" name="Picture 17">
-            <a:extLst>
-              <a:ext uri="{FF2B5EF4-FFF2-40B4-BE49-F238E27FC236}">
-                <a16:creationId xmlns:a16="http://schemas.microsoft.com/office/drawing/2014/main" id="{E981C6E8-BA98-DC49-9D57-56206FAA4C5E}"/>
+          <p:cNvPr id="16" name="Picture 15">
+            <a:extLst>
+              <a:ext uri="{FF2B5EF4-FFF2-40B4-BE49-F238E27FC236}">
+                <a16:creationId xmlns:a16="http://schemas.microsoft.com/office/drawing/2014/main" id="{1A09988E-AECF-F349-A1E1-10249911EBD4}"/>
               </a:ext>
             </a:extLst>
           </p:cNvPr>
@@ -14148,7 +14208,7 @@
         </p:blipFill>
         <p:spPr>
           <a:xfrm rot="5400000">
-            <a:off x="6928739" y="440626"/>
+            <a:off x="6755114" y="672394"/>
             <a:ext cx="4311269" cy="5976747"/>
           </a:xfrm>
           <a:prstGeom prst="rect">
@@ -14158,10 +14218,10 @@
       </p:pic>
       <p:pic>
         <p:nvPicPr>
-          <p:cNvPr id="20" name="Picture 19">
-            <a:extLst>
-              <a:ext uri="{FF2B5EF4-FFF2-40B4-BE49-F238E27FC236}">
-                <a16:creationId xmlns:a16="http://schemas.microsoft.com/office/drawing/2014/main" id="{99BC40FC-1EDA-E54C-A42A-822BD0A75E51}"/>
+          <p:cNvPr id="4" name="Picture 3">
+            <a:extLst>
+              <a:ext uri="{FF2B5EF4-FFF2-40B4-BE49-F238E27FC236}">
+                <a16:creationId xmlns:a16="http://schemas.microsoft.com/office/drawing/2014/main" id="{AC5DFB3B-F6BD-6747-BCCE-8FCC0184DA47}"/>
               </a:ext>
             </a:extLst>
           </p:cNvPr>
@@ -14178,7 +14238,7 @@
         </p:blipFill>
         <p:spPr>
           <a:xfrm rot="5400000">
-            <a:off x="1120965" y="440625"/>
+            <a:off x="951992" y="519674"/>
             <a:ext cx="4311269" cy="5976747"/>
           </a:xfrm>
           <a:prstGeom prst="rect">
@@ -14189,7 +14249,7 @@
     </p:spTree>
     <p:extLst>
       <p:ext uri="{BB962C8B-B14F-4D97-AF65-F5344CB8AC3E}">
-        <p14:creationId xmlns:p14="http://schemas.microsoft.com/office/powerpoint/2010/main" val="3190397916"/>
+        <p14:creationId xmlns:p14="http://schemas.microsoft.com/office/powerpoint/2010/main" val="362127072"/>
       </p:ext>
     </p:extLst>
   </p:cSld>
@@ -14273,10 +14333,10 @@
             <a:r>
               <a:rPr lang="en-US" sz="2800" u="sng" dirty="0">
                 <a:solidFill>
-                  <a:srgbClr val="FF0000"/>
+                  <a:srgbClr val="00B0F0"/>
                 </a:solidFill>
               </a:rPr>
-              <a:t>2017</a:t>
+              <a:t>2016</a:t>
             </a:r>
           </a:p>
         </p:txBody>
@@ -14334,7 +14394,7 @@
           <a:p>
             <a:fld id="{3DBB7BD0-9B8D-1F47-8ABF-BE3CF9BD2848}" type="datetime1">
               <a:rPr lang="en-US" smtClean="0"/>
-              <a:t>9/8/20</a:t>
+              <a:t>9/9/20</a:t>
             </a:fld>
             <a:endParaRPr lang="en-US" dirty="0"/>
           </a:p>
@@ -14342,10 +14402,10 @@
       </p:sp>
       <p:sp>
         <p:nvSpPr>
-          <p:cNvPr id="6" name="Rectangle 5">
-            <a:extLst>
-              <a:ext uri="{FF2B5EF4-FFF2-40B4-BE49-F238E27FC236}">
-                <a16:creationId xmlns:a16="http://schemas.microsoft.com/office/drawing/2014/main" id="{5AB3FE67-AA01-F347-9076-DFDDE3AF33FF}"/>
+          <p:cNvPr id="10" name="Rectangle 9">
+            <a:extLst>
+              <a:ext uri="{FF2B5EF4-FFF2-40B4-BE49-F238E27FC236}">
+                <a16:creationId xmlns:a16="http://schemas.microsoft.com/office/drawing/2014/main" id="{A1334FD7-6EF5-CD44-B073-2C85FC74BD62}"/>
               </a:ext>
             </a:extLst>
           </p:cNvPr>
@@ -14377,10 +14437,10 @@
       </p:sp>
       <p:sp>
         <p:nvSpPr>
-          <p:cNvPr id="8" name="Rectangle 7">
-            <a:extLst>
-              <a:ext uri="{FF2B5EF4-FFF2-40B4-BE49-F238E27FC236}">
-                <a16:creationId xmlns:a16="http://schemas.microsoft.com/office/drawing/2014/main" id="{2F505FA0-B1C0-D44E-84C5-FFB2B413843D}"/>
+          <p:cNvPr id="11" name="Rectangle 10">
+            <a:extLst>
+              <a:ext uri="{FF2B5EF4-FFF2-40B4-BE49-F238E27FC236}">
+                <a16:creationId xmlns:a16="http://schemas.microsoft.com/office/drawing/2014/main" id="{0A4D987A-2F55-CC41-8B67-11ACEC81DE99}"/>
               </a:ext>
             </a:extLst>
           </p:cNvPr>
@@ -14412,10 +14472,10 @@
       </p:sp>
       <p:pic>
         <p:nvPicPr>
-          <p:cNvPr id="16" name="Picture 15">
-            <a:extLst>
-              <a:ext uri="{FF2B5EF4-FFF2-40B4-BE49-F238E27FC236}">
-                <a16:creationId xmlns:a16="http://schemas.microsoft.com/office/drawing/2014/main" id="{86EC36D8-16DC-6F4D-B75A-4F76C32F5998}"/>
+          <p:cNvPr id="18" name="Picture 17">
+            <a:extLst>
+              <a:ext uri="{FF2B5EF4-FFF2-40B4-BE49-F238E27FC236}">
+                <a16:creationId xmlns:a16="http://schemas.microsoft.com/office/drawing/2014/main" id="{E981C6E8-BA98-DC49-9D57-56206FAA4C5E}"/>
               </a:ext>
             </a:extLst>
           </p:cNvPr>
@@ -14432,7 +14492,7 @@
         </p:blipFill>
         <p:spPr>
           <a:xfrm rot="5400000">
-            <a:off x="6928739" y="429656"/>
+            <a:off x="6928739" y="440626"/>
             <a:ext cx="4311269" cy="5976747"/>
           </a:xfrm>
           <a:prstGeom prst="rect">
@@ -14442,10 +14502,10 @@
       </p:pic>
       <p:pic>
         <p:nvPicPr>
-          <p:cNvPr id="4" name="Picture 3">
-            <a:extLst>
-              <a:ext uri="{FF2B5EF4-FFF2-40B4-BE49-F238E27FC236}">
-                <a16:creationId xmlns:a16="http://schemas.microsoft.com/office/drawing/2014/main" id="{CE6694ED-2E18-F04C-B566-D6D3CE547FB1}"/>
+          <p:cNvPr id="20" name="Picture 19">
+            <a:extLst>
+              <a:ext uri="{FF2B5EF4-FFF2-40B4-BE49-F238E27FC236}">
+                <a16:creationId xmlns:a16="http://schemas.microsoft.com/office/drawing/2014/main" id="{99BC40FC-1EDA-E54C-A42A-822BD0A75E51}"/>
               </a:ext>
             </a:extLst>
           </p:cNvPr>
@@ -14462,7 +14522,7 @@
         </p:blipFill>
         <p:spPr>
           <a:xfrm rot="5400000">
-            <a:off x="957756" y="429655"/>
+            <a:off x="1120965" y="440625"/>
             <a:ext cx="4311269" cy="5976747"/>
           </a:xfrm>
           <a:prstGeom prst="rect">
@@ -14473,7 +14533,7 @@
     </p:spTree>
     <p:extLst>
       <p:ext uri="{BB962C8B-B14F-4D97-AF65-F5344CB8AC3E}">
-        <p14:creationId xmlns:p14="http://schemas.microsoft.com/office/powerpoint/2010/main" val="2388977479"/>
+        <p14:creationId xmlns:p14="http://schemas.microsoft.com/office/powerpoint/2010/main" val="3190397916"/>
       </p:ext>
     </p:extLst>
   </p:cSld>
@@ -14618,7 +14678,7 @@
           <a:p>
             <a:fld id="{3DBB7BD0-9B8D-1F47-8ABF-BE3CF9BD2848}" type="datetime1">
               <a:rPr lang="en-US" smtClean="0"/>
-              <a:t>9/8/20</a:t>
+              <a:t>9/9/20</a:t>
             </a:fld>
             <a:endParaRPr lang="en-US" dirty="0"/>
           </a:p>
@@ -14696,10 +14756,10 @@
       </p:sp>
       <p:pic>
         <p:nvPicPr>
-          <p:cNvPr id="15" name="Picture 14">
-            <a:extLst>
-              <a:ext uri="{FF2B5EF4-FFF2-40B4-BE49-F238E27FC236}">
-                <a16:creationId xmlns:a16="http://schemas.microsoft.com/office/drawing/2014/main" id="{A9FC9636-4673-974F-86EC-07EC8D5FB5FB}"/>
+          <p:cNvPr id="16" name="Picture 15">
+            <a:extLst>
+              <a:ext uri="{FF2B5EF4-FFF2-40B4-BE49-F238E27FC236}">
+                <a16:creationId xmlns:a16="http://schemas.microsoft.com/office/drawing/2014/main" id="{86EC36D8-16DC-6F4D-B75A-4F76C32F5998}"/>
               </a:ext>
             </a:extLst>
           </p:cNvPr>
@@ -14716,7 +14776,7 @@
         </p:blipFill>
         <p:spPr>
           <a:xfrm rot="5400000">
-            <a:off x="6904059" y="440626"/>
+            <a:off x="6928739" y="429656"/>
             <a:ext cx="4311269" cy="5976747"/>
           </a:xfrm>
           <a:prstGeom prst="rect">
@@ -14726,10 +14786,10 @@
       </p:pic>
       <p:pic>
         <p:nvPicPr>
-          <p:cNvPr id="19" name="Picture 18">
-            <a:extLst>
-              <a:ext uri="{FF2B5EF4-FFF2-40B4-BE49-F238E27FC236}">
-                <a16:creationId xmlns:a16="http://schemas.microsoft.com/office/drawing/2014/main" id="{D23B0793-3125-A24B-9693-DC01336E6E65}"/>
+          <p:cNvPr id="4" name="Picture 3">
+            <a:extLst>
+              <a:ext uri="{FF2B5EF4-FFF2-40B4-BE49-F238E27FC236}">
+                <a16:creationId xmlns:a16="http://schemas.microsoft.com/office/drawing/2014/main" id="{CE6694ED-2E18-F04C-B566-D6D3CE547FB1}"/>
               </a:ext>
             </a:extLst>
           </p:cNvPr>
@@ -14746,7 +14806,7 @@
         </p:blipFill>
         <p:spPr>
           <a:xfrm rot="5400000">
-            <a:off x="927312" y="440625"/>
+            <a:off x="957756" y="429655"/>
             <a:ext cx="4311269" cy="5976747"/>
           </a:xfrm>
           <a:prstGeom prst="rect">
@@ -14757,7 +14817,7 @@
     </p:spTree>
     <p:extLst>
       <p:ext uri="{BB962C8B-B14F-4D97-AF65-F5344CB8AC3E}">
-        <p14:creationId xmlns:p14="http://schemas.microsoft.com/office/powerpoint/2010/main" val="3087177974"/>
+        <p14:creationId xmlns:p14="http://schemas.microsoft.com/office/powerpoint/2010/main" val="2388977479"/>
       </p:ext>
     </p:extLst>
   </p:cSld>
@@ -14841,10 +14901,10 @@
             <a:r>
               <a:rPr lang="en-US" sz="2800" u="sng" dirty="0">
                 <a:solidFill>
-                  <a:srgbClr val="00B050"/>
+                  <a:srgbClr val="FF0000"/>
                 </a:solidFill>
               </a:rPr>
-              <a:t>2018</a:t>
+              <a:t>2017</a:t>
             </a:r>
           </a:p>
         </p:txBody>
@@ -14902,7 +14962,7 @@
           <a:p>
             <a:fld id="{3DBB7BD0-9B8D-1F47-8ABF-BE3CF9BD2848}" type="datetime1">
               <a:rPr lang="en-US" smtClean="0"/>
-              <a:t>9/8/20</a:t>
+              <a:t>9/9/20</a:t>
             </a:fld>
             <a:endParaRPr lang="en-US" dirty="0"/>
           </a:p>
@@ -14913,7 +14973,7 @@
           <p:cNvPr id="6" name="Rectangle 5">
             <a:extLst>
               <a:ext uri="{FF2B5EF4-FFF2-40B4-BE49-F238E27FC236}">
-                <a16:creationId xmlns:a16="http://schemas.microsoft.com/office/drawing/2014/main" id="{1D3A9800-C923-F943-ACA5-B4B9B9A1D73D}"/>
+                <a16:creationId xmlns:a16="http://schemas.microsoft.com/office/drawing/2014/main" id="{5AB3FE67-AA01-F347-9076-DFDDE3AF33FF}"/>
               </a:ext>
             </a:extLst>
           </p:cNvPr>
@@ -14948,7 +15008,7 @@
           <p:cNvPr id="8" name="Rectangle 7">
             <a:extLst>
               <a:ext uri="{FF2B5EF4-FFF2-40B4-BE49-F238E27FC236}">
-                <a16:creationId xmlns:a16="http://schemas.microsoft.com/office/drawing/2014/main" id="{FE0D63A0-1633-E841-944F-B91BFC6F0FEB}"/>
+                <a16:creationId xmlns:a16="http://schemas.microsoft.com/office/drawing/2014/main" id="{2F505FA0-B1C0-D44E-84C5-FFB2B413843D}"/>
               </a:ext>
             </a:extLst>
           </p:cNvPr>
@@ -14980,10 +15040,10 @@
       </p:sp>
       <p:pic>
         <p:nvPicPr>
-          <p:cNvPr id="16" name="Picture 15">
-            <a:extLst>
-              <a:ext uri="{FF2B5EF4-FFF2-40B4-BE49-F238E27FC236}">
-                <a16:creationId xmlns:a16="http://schemas.microsoft.com/office/drawing/2014/main" id="{943DECBC-0963-F941-B274-FC163F24EF10}"/>
+          <p:cNvPr id="15" name="Picture 14">
+            <a:extLst>
+              <a:ext uri="{FF2B5EF4-FFF2-40B4-BE49-F238E27FC236}">
+                <a16:creationId xmlns:a16="http://schemas.microsoft.com/office/drawing/2014/main" id="{A9FC9636-4673-974F-86EC-07EC8D5FB5FB}"/>
               </a:ext>
             </a:extLst>
           </p:cNvPr>
@@ -15000,7 +15060,7 @@
         </p:blipFill>
         <p:spPr>
           <a:xfrm rot="5400000">
-            <a:off x="6928739" y="440626"/>
+            <a:off x="6904059" y="440626"/>
             <a:ext cx="4311269" cy="5976747"/>
           </a:xfrm>
           <a:prstGeom prst="rect">
@@ -15010,10 +15070,10 @@
       </p:pic>
       <p:pic>
         <p:nvPicPr>
-          <p:cNvPr id="4" name="Picture 3">
-            <a:extLst>
-              <a:ext uri="{FF2B5EF4-FFF2-40B4-BE49-F238E27FC236}">
-                <a16:creationId xmlns:a16="http://schemas.microsoft.com/office/drawing/2014/main" id="{0C80D813-0C04-E445-A3B0-0FB8AECD3A53}"/>
+          <p:cNvPr id="19" name="Picture 18">
+            <a:extLst>
+              <a:ext uri="{FF2B5EF4-FFF2-40B4-BE49-F238E27FC236}">
+                <a16:creationId xmlns:a16="http://schemas.microsoft.com/office/drawing/2014/main" id="{D23B0793-3125-A24B-9693-DC01336E6E65}"/>
               </a:ext>
             </a:extLst>
           </p:cNvPr>
@@ -15030,7 +15090,7 @@
         </p:blipFill>
         <p:spPr>
           <a:xfrm rot="5400000">
-            <a:off x="951992" y="440625"/>
+            <a:off x="927312" y="440625"/>
             <a:ext cx="4311269" cy="5976747"/>
           </a:xfrm>
           <a:prstGeom prst="rect">
@@ -15041,7 +15101,7 @@
     </p:spTree>
     <p:extLst>
       <p:ext uri="{BB962C8B-B14F-4D97-AF65-F5344CB8AC3E}">
-        <p14:creationId xmlns:p14="http://schemas.microsoft.com/office/powerpoint/2010/main" val="2010860954"/>
+        <p14:creationId xmlns:p14="http://schemas.microsoft.com/office/powerpoint/2010/main" val="3087177974"/>
       </p:ext>
     </p:extLst>
   </p:cSld>
@@ -15186,7 +15246,7 @@
           <a:p>
             <a:fld id="{3DBB7BD0-9B8D-1F47-8ABF-BE3CF9BD2848}" type="datetime1">
               <a:rPr lang="en-US" smtClean="0"/>
-              <a:t>9/8/20</a:t>
+              <a:t>9/9/20</a:t>
             </a:fld>
             <a:endParaRPr lang="en-US" dirty="0"/>
           </a:p>
@@ -15264,10 +15324,40 @@
       </p:sp>
       <p:pic>
         <p:nvPicPr>
-          <p:cNvPr id="15" name="Picture 14">
-            <a:extLst>
-              <a:ext uri="{FF2B5EF4-FFF2-40B4-BE49-F238E27FC236}">
-                <a16:creationId xmlns:a16="http://schemas.microsoft.com/office/drawing/2014/main" id="{9B68C47D-2630-144F-BF84-2A2023928ECA}"/>
+          <p:cNvPr id="16" name="Picture 15">
+            <a:extLst>
+              <a:ext uri="{FF2B5EF4-FFF2-40B4-BE49-F238E27FC236}">
+                <a16:creationId xmlns:a16="http://schemas.microsoft.com/office/drawing/2014/main" id="{943DECBC-0963-F941-B274-FC163F24EF10}"/>
+              </a:ext>
+            </a:extLst>
+          </p:cNvPr>
+          <p:cNvPicPr>
+            <a:picLocks noChangeAspect="1"/>
+          </p:cNvPicPr>
+          <p:nvPr/>
+        </p:nvPicPr>
+        <p:blipFill>
+          <a:blip r:embed="rId2"/>
+          <a:stretch>
+            <a:fillRect/>
+          </a:stretch>
+        </p:blipFill>
+        <p:spPr>
+          <a:xfrm rot="5400000">
+            <a:off x="6928739" y="440626"/>
+            <a:ext cx="4311269" cy="5976747"/>
+          </a:xfrm>
+          <a:prstGeom prst="rect">
+            <a:avLst/>
+          </a:prstGeom>
+        </p:spPr>
+      </p:pic>
+      <p:pic>
+        <p:nvPicPr>
+          <p:cNvPr id="4" name="Picture 3">
+            <a:extLst>
+              <a:ext uri="{FF2B5EF4-FFF2-40B4-BE49-F238E27FC236}">
+                <a16:creationId xmlns:a16="http://schemas.microsoft.com/office/drawing/2014/main" id="{0C80D813-0C04-E445-A3B0-0FB8AECD3A53}"/>
               </a:ext>
             </a:extLst>
           </p:cNvPr>
@@ -15284,37 +15374,7 @@
         </p:blipFill>
         <p:spPr>
           <a:xfrm rot="5400000">
-            <a:off x="6904059" y="440625"/>
-            <a:ext cx="4311269" cy="5976747"/>
-          </a:xfrm>
-          <a:prstGeom prst="rect">
-            <a:avLst/>
-          </a:prstGeom>
-        </p:spPr>
-      </p:pic>
-      <p:pic>
-        <p:nvPicPr>
-          <p:cNvPr id="18" name="Picture 17">
-            <a:extLst>
-              <a:ext uri="{FF2B5EF4-FFF2-40B4-BE49-F238E27FC236}">
-                <a16:creationId xmlns:a16="http://schemas.microsoft.com/office/drawing/2014/main" id="{437CEE0D-9E8E-A449-B107-EEFE4481DB70}"/>
-              </a:ext>
-            </a:extLst>
-          </p:cNvPr>
-          <p:cNvPicPr>
-            <a:picLocks noChangeAspect="1"/>
-          </p:cNvPicPr>
-          <p:nvPr/>
-        </p:nvPicPr>
-        <p:blipFill>
-          <a:blip r:embed="rId4"/>
-          <a:stretch>
-            <a:fillRect/>
-          </a:stretch>
-        </p:blipFill>
-        <p:spPr>
-          <a:xfrm rot="5400000">
-            <a:off x="927312" y="440625"/>
+            <a:off x="951992" y="440625"/>
             <a:ext cx="4311269" cy="5976747"/>
           </a:xfrm>
           <a:prstGeom prst="rect">
@@ -15325,7 +15385,7 @@
     </p:spTree>
     <p:extLst>
       <p:ext uri="{BB962C8B-B14F-4D97-AF65-F5344CB8AC3E}">
-        <p14:creationId xmlns:p14="http://schemas.microsoft.com/office/powerpoint/2010/main" val="4293879573"/>
+        <p14:creationId xmlns:p14="http://schemas.microsoft.com/office/powerpoint/2010/main" val="2010860954"/>
       </p:ext>
     </p:extLst>
   </p:cSld>
@@ -15404,13 +15464,16 @@
             <a:pPr algn="ctr"/>
             <a:r>
               <a:rPr lang="en-US" sz="2800" u="sng" dirty="0"/>
-              <a:t>Tag And Probe</a:t>
-            </a:r>
-            <a:endParaRPr lang="en-US" sz="2800" u="sng" dirty="0">
-              <a:solidFill>
-                <a:srgbClr val="00B050"/>
-              </a:solidFill>
-            </a:endParaRPr>
+              <a:t>Signal Extraction </a:t>
+            </a:r>
+            <a:r>
+              <a:rPr lang="en-US" sz="2800" u="sng" dirty="0">
+                <a:solidFill>
+                  <a:srgbClr val="00B050"/>
+                </a:solidFill>
+              </a:rPr>
+              <a:t>2018</a:t>
+            </a:r>
           </a:p>
         </p:txBody>
       </p:sp>
@@ -15467,7 +15530,1450 @@
           <a:p>
             <a:fld id="{3DBB7BD0-9B8D-1F47-8ABF-BE3CF9BD2848}" type="datetime1">
               <a:rPr lang="en-US" smtClean="0"/>
-              <a:t>9/8/20</a:t>
+              <a:t>9/9/20</a:t>
+            </a:fld>
+            <a:endParaRPr lang="en-US" dirty="0"/>
+          </a:p>
+        </p:txBody>
+      </p:sp>
+      <p:sp>
+        <p:nvSpPr>
+          <p:cNvPr id="6" name="Rectangle 5">
+            <a:extLst>
+              <a:ext uri="{FF2B5EF4-FFF2-40B4-BE49-F238E27FC236}">
+                <a16:creationId xmlns:a16="http://schemas.microsoft.com/office/drawing/2014/main" id="{1D3A9800-C923-F943-ACA5-B4B9B9A1D73D}"/>
+              </a:ext>
+            </a:extLst>
+          </p:cNvPr>
+          <p:cNvSpPr/>
+          <p:nvPr/>
+        </p:nvSpPr>
+        <p:spPr>
+          <a:xfrm>
+            <a:off x="7939701" y="638586"/>
+            <a:ext cx="2289346" cy="369332"/>
+          </a:xfrm>
+          <a:prstGeom prst="rect">
+            <a:avLst/>
+          </a:prstGeom>
+        </p:spPr>
+        <p:txBody>
+          <a:bodyPr wrap="none">
+            <a:spAutoFit/>
+          </a:bodyPr>
+          <a:lstStyle/>
+          <a:p>
+            <a:pPr algn="ctr"/>
+            <a:r>
+              <a:rPr lang="en-US" u="sng" dirty="0"/>
+              <a:t>without b tagging SF’s </a:t>
+            </a:r>
+          </a:p>
+        </p:txBody>
+      </p:sp>
+      <p:sp>
+        <p:nvSpPr>
+          <p:cNvPr id="8" name="Rectangle 7">
+            <a:extLst>
+              <a:ext uri="{FF2B5EF4-FFF2-40B4-BE49-F238E27FC236}">
+                <a16:creationId xmlns:a16="http://schemas.microsoft.com/office/drawing/2014/main" id="{FE0D63A0-1633-E841-944F-B91BFC6F0FEB}"/>
+              </a:ext>
+            </a:extLst>
+          </p:cNvPr>
+          <p:cNvSpPr/>
+          <p:nvPr/>
+        </p:nvSpPr>
+        <p:spPr>
+          <a:xfrm>
+            <a:off x="2333415" y="638586"/>
+            <a:ext cx="1499065" cy="369332"/>
+          </a:xfrm>
+          <a:prstGeom prst="rect">
+            <a:avLst/>
+          </a:prstGeom>
+        </p:spPr>
+        <p:txBody>
+          <a:bodyPr wrap="none">
+            <a:spAutoFit/>
+          </a:bodyPr>
+          <a:lstStyle/>
+          <a:p>
+            <a:pPr algn="ctr"/>
+            <a:r>
+              <a:rPr lang="en-US" u="sng" dirty="0"/>
+              <a:t>b tagging SF’s </a:t>
+            </a:r>
+          </a:p>
+        </p:txBody>
+      </p:sp>
+      <p:pic>
+        <p:nvPicPr>
+          <p:cNvPr id="15" name="Picture 14">
+            <a:extLst>
+              <a:ext uri="{FF2B5EF4-FFF2-40B4-BE49-F238E27FC236}">
+                <a16:creationId xmlns:a16="http://schemas.microsoft.com/office/drawing/2014/main" id="{9B68C47D-2630-144F-BF84-2A2023928ECA}"/>
+              </a:ext>
+            </a:extLst>
+          </p:cNvPr>
+          <p:cNvPicPr>
+            <a:picLocks noChangeAspect="1"/>
+          </p:cNvPicPr>
+          <p:nvPr/>
+        </p:nvPicPr>
+        <p:blipFill>
+          <a:blip r:embed="rId3"/>
+          <a:stretch>
+            <a:fillRect/>
+          </a:stretch>
+        </p:blipFill>
+        <p:spPr>
+          <a:xfrm rot="5400000">
+            <a:off x="6904059" y="440625"/>
+            <a:ext cx="4311269" cy="5976747"/>
+          </a:xfrm>
+          <a:prstGeom prst="rect">
+            <a:avLst/>
+          </a:prstGeom>
+        </p:spPr>
+      </p:pic>
+      <p:pic>
+        <p:nvPicPr>
+          <p:cNvPr id="18" name="Picture 17">
+            <a:extLst>
+              <a:ext uri="{FF2B5EF4-FFF2-40B4-BE49-F238E27FC236}">
+                <a16:creationId xmlns:a16="http://schemas.microsoft.com/office/drawing/2014/main" id="{437CEE0D-9E8E-A449-B107-EEFE4481DB70}"/>
+              </a:ext>
+            </a:extLst>
+          </p:cNvPr>
+          <p:cNvPicPr>
+            <a:picLocks noChangeAspect="1"/>
+          </p:cNvPicPr>
+          <p:nvPr/>
+        </p:nvPicPr>
+        <p:blipFill>
+          <a:blip r:embed="rId4"/>
+          <a:stretch>
+            <a:fillRect/>
+          </a:stretch>
+        </p:blipFill>
+        <p:spPr>
+          <a:xfrm rot="5400000">
+            <a:off x="927312" y="440625"/>
+            <a:ext cx="4311269" cy="5976747"/>
+          </a:xfrm>
+          <a:prstGeom prst="rect">
+            <a:avLst/>
+          </a:prstGeom>
+        </p:spPr>
+      </p:pic>
+    </p:spTree>
+    <p:extLst>
+      <p:ext uri="{BB962C8B-B14F-4D97-AF65-F5344CB8AC3E}">
+        <p14:creationId xmlns:p14="http://schemas.microsoft.com/office/powerpoint/2010/main" val="4293879573"/>
+      </p:ext>
+    </p:extLst>
+  </p:cSld>
+  <p:clrMapOvr>
+    <a:masterClrMapping/>
+  </p:clrMapOvr>
+</p:sld>
+</file>
+
+<file path=ppt/slides/slide3.xml><?xml version="1.0" encoding="utf-8"?>
+<p:sld xmlns:a="http://schemas.openxmlformats.org/drawingml/2006/main" xmlns:r="http://schemas.openxmlformats.org/officeDocument/2006/relationships" xmlns:p="http://schemas.openxmlformats.org/presentationml/2006/main">
+  <p:cSld>
+    <p:spTree>
+      <p:nvGrpSpPr>
+        <p:cNvPr id="1" name=""/>
+        <p:cNvGrpSpPr/>
+        <p:nvPr/>
+      </p:nvGrpSpPr>
+      <p:grpSpPr>
+        <a:xfrm>
+          <a:off x="0" y="0"/>
+          <a:ext cx="0" cy="0"/>
+          <a:chOff x="0" y="0"/>
+          <a:chExt cx="0" cy="0"/>
+        </a:xfrm>
+      </p:grpSpPr>
+      <p:sp>
+        <p:nvSpPr>
+          <p:cNvPr id="3" name="Footer Placeholder 2"/>
+          <p:cNvSpPr>
+            <a:spLocks noGrp="1"/>
+          </p:cNvSpPr>
+          <p:nvPr>
+            <p:ph type="ftr" sz="quarter" idx="11"/>
+          </p:nvPr>
+        </p:nvSpPr>
+        <p:spPr/>
+        <p:txBody>
+          <a:bodyPr/>
+          <a:lstStyle/>
+          <a:p>
+            <a:r>
+              <a:rPr lang="fi-FI" dirty="0"/>
+              <a:t>NTUA G. </a:t>
+            </a:r>
+            <a:r>
+              <a:rPr lang="fi-FI" dirty="0" err="1"/>
+              <a:t>Bakas</a:t>
+            </a:r>
+            <a:endParaRPr lang="en-US" dirty="0"/>
+          </a:p>
+        </p:txBody>
+      </p:sp>
+      <p:sp>
+        <p:nvSpPr>
+          <p:cNvPr id="6" name="TextBox 5">
+            <a:extLst>
+              <a:ext uri="{FF2B5EF4-FFF2-40B4-BE49-F238E27FC236}">
+                <a16:creationId xmlns:a16="http://schemas.microsoft.com/office/drawing/2014/main" id="{1DDE6F7F-FC19-F840-A70E-C84BA99E0247}"/>
+              </a:ext>
+            </a:extLst>
+          </p:cNvPr>
+          <p:cNvSpPr txBox="1"/>
+          <p:nvPr/>
+        </p:nvSpPr>
+        <p:spPr>
+          <a:xfrm>
+            <a:off x="2574438" y="65430"/>
+            <a:ext cx="1990226" cy="430887"/>
+          </a:xfrm>
+          <a:prstGeom prst="rect">
+            <a:avLst/>
+          </a:prstGeom>
+          <a:noFill/>
+        </p:spPr>
+        <p:txBody>
+          <a:bodyPr wrap="square" rtlCol="0">
+            <a:spAutoFit/>
+          </a:bodyPr>
+          <a:lstStyle/>
+          <a:p>
+            <a:r>
+              <a:rPr lang="en-US" sz="2200" dirty="0">
+                <a:solidFill>
+                  <a:srgbClr val="00B050"/>
+                </a:solidFill>
+                <a:sym typeface="Wingdings" pitchFamily="2" charset="2"/>
+              </a:rPr>
+              <a:t>Signal Selection</a:t>
+            </a:r>
+          </a:p>
+        </p:txBody>
+      </p:sp>
+      <p:sp>
+        <p:nvSpPr>
+          <p:cNvPr id="5" name="Slide Number Placeholder 4">
+            <a:extLst>
+              <a:ext uri="{FF2B5EF4-FFF2-40B4-BE49-F238E27FC236}">
+                <a16:creationId xmlns:a16="http://schemas.microsoft.com/office/drawing/2014/main" id="{69A96869-DB60-5345-ACD9-F1C41035B064}"/>
+              </a:ext>
+            </a:extLst>
+          </p:cNvPr>
+          <p:cNvSpPr>
+            <a:spLocks noGrp="1"/>
+          </p:cNvSpPr>
+          <p:nvPr>
+            <p:ph type="sldNum" sz="quarter" idx="12"/>
+          </p:nvPr>
+        </p:nvSpPr>
+        <p:spPr/>
+        <p:txBody>
+          <a:bodyPr/>
+          <a:lstStyle/>
+          <a:p>
+            <a:fld id="{4FAB73BC-B049-4115-A692-8D63A059BFB8}" type="slidenum">
+              <a:rPr lang="en-US" smtClean="0"/>
+              <a:pPr/>
+              <a:t>3</a:t>
+            </a:fld>
+            <a:endParaRPr lang="en-US" dirty="0"/>
+          </a:p>
+        </p:txBody>
+      </p:sp>
+      <p:sp>
+        <p:nvSpPr>
+          <p:cNvPr id="24" name="Date Placeholder 23">
+            <a:extLst>
+              <a:ext uri="{FF2B5EF4-FFF2-40B4-BE49-F238E27FC236}">
+                <a16:creationId xmlns:a16="http://schemas.microsoft.com/office/drawing/2014/main" id="{056D71EF-2E89-4043-8F92-90A4D46A3E69}"/>
+              </a:ext>
+            </a:extLst>
+          </p:cNvPr>
+          <p:cNvSpPr>
+            <a:spLocks noGrp="1"/>
+          </p:cNvSpPr>
+          <p:nvPr>
+            <p:ph type="dt" sz="half" idx="10"/>
+          </p:nvPr>
+        </p:nvSpPr>
+        <p:spPr/>
+        <p:txBody>
+          <a:bodyPr/>
+          <a:lstStyle/>
+          <a:p>
+            <a:fld id="{F7AFF6A5-F1FB-284A-BF72-2836D5A0B341}" type="datetime1">
+              <a:rPr lang="en-US" smtClean="0"/>
+              <a:t>9/9/20</a:t>
+            </a:fld>
+            <a:endParaRPr lang="en-US" dirty="0"/>
+          </a:p>
+        </p:txBody>
+      </p:sp>
+      <p:graphicFrame>
+        <p:nvGraphicFramePr>
+          <p:cNvPr id="4" name="Table 3">
+            <a:extLst>
+              <a:ext uri="{FF2B5EF4-FFF2-40B4-BE49-F238E27FC236}">
+                <a16:creationId xmlns:a16="http://schemas.microsoft.com/office/drawing/2014/main" id="{9FB11E00-21A0-484F-B127-1B964919B378}"/>
+              </a:ext>
+            </a:extLst>
+          </p:cNvPr>
+          <p:cNvGraphicFramePr>
+            <a:graphicFrameLocks noGrp="1"/>
+          </p:cNvGraphicFramePr>
+          <p:nvPr>
+            <p:extLst>
+              <p:ext uri="{D42A27DB-BD31-4B8C-83A1-F6EECF244321}">
+                <p14:modId xmlns:p14="http://schemas.microsoft.com/office/powerpoint/2010/main" val="2639218893"/>
+              </p:ext>
+            </p:extLst>
+          </p:nvPr>
+        </p:nvGraphicFramePr>
+        <p:xfrm>
+          <a:off x="1348101" y="557850"/>
+          <a:ext cx="4368118" cy="5455057"/>
+        </p:xfrm>
+        <a:graphic>
+          <a:graphicData uri="http://schemas.openxmlformats.org/drawingml/2006/table">
+            <a:tbl>
+              <a:tblPr firstRow="1" bandRow="1">
+                <a:tableStyleId>{46F890A9-2807-4EBB-B81D-B2AA78EC7F39}</a:tableStyleId>
+              </a:tblPr>
+              <a:tblGrid>
+                <a:gridCol w="2184059">
+                  <a:extLst>
+                    <a:ext uri="{9D8B030D-6E8A-4147-A177-3AD203B41FA5}">
+                      <a16:colId xmlns:a16="http://schemas.microsoft.com/office/drawing/2014/main" val="3731337435"/>
+                    </a:ext>
+                  </a:extLst>
+                </a:gridCol>
+                <a:gridCol w="2184059">
+                  <a:extLst>
+                    <a:ext uri="{9D8B030D-6E8A-4147-A177-3AD203B41FA5}">
+                      <a16:colId xmlns:a16="http://schemas.microsoft.com/office/drawing/2014/main" val="3688698510"/>
+                    </a:ext>
+                  </a:extLst>
+                </a:gridCol>
+              </a:tblGrid>
+              <a:tr h="462602">
+                <a:tc>
+                  <a:txBody>
+                    <a:bodyPr/>
+                    <a:lstStyle/>
+                    <a:p>
+                      <a:pPr algn="ctr"/>
+                      <a:r>
+                        <a:rPr lang="en-GR" dirty="0"/>
+                        <a:t>Variables</a:t>
+                      </a:r>
+                    </a:p>
+                  </a:txBody>
+                  <a:tcPr/>
+                </a:tc>
+                <a:tc>
+                  <a:txBody>
+                    <a:bodyPr/>
+                    <a:lstStyle/>
+                    <a:p>
+                      <a:pPr algn="ctr"/>
+                      <a:r>
+                        <a:rPr lang="en-GR" dirty="0"/>
+                        <a:t>Selected Cut</a:t>
+                      </a:r>
+                    </a:p>
+                  </a:txBody>
+                  <a:tcPr/>
+                </a:tc>
+                <a:extLst>
+                  <a:ext uri="{0D108BD9-81ED-4DB2-BD59-A6C34878D82A}">
+                    <a16:rowId xmlns:a16="http://schemas.microsoft.com/office/drawing/2014/main" val="1233017762"/>
+                  </a:ext>
+                </a:extLst>
+              </a:tr>
+              <a:tr h="462602">
+                <a:tc>
+                  <a:txBody>
+                    <a:bodyPr/>
+                    <a:lstStyle/>
+                    <a:p>
+                      <a:pPr algn="ctr"/>
+                      <a:r>
+                        <a:rPr lang="en-GR" dirty="0"/>
+                        <a:t>pT (both leading jets) </a:t>
+                      </a:r>
+                    </a:p>
+                  </a:txBody>
+                  <a:tcPr/>
+                </a:tc>
+                <a:tc>
+                  <a:txBody>
+                    <a:bodyPr/>
+                    <a:lstStyle/>
+                    <a:p>
+                      <a:pPr algn="ctr"/>
+                      <a:r>
+                        <a:rPr lang="en-GR" dirty="0"/>
+                        <a:t>&gt; 400 GeV</a:t>
+                      </a:r>
+                    </a:p>
+                  </a:txBody>
+                  <a:tcPr/>
+                </a:tc>
+                <a:extLst>
+                  <a:ext uri="{0D108BD9-81ED-4DB2-BD59-A6C34878D82A}">
+                    <a16:rowId xmlns:a16="http://schemas.microsoft.com/office/drawing/2014/main" val="1455770781"/>
+                  </a:ext>
+                </a:extLst>
+              </a:tr>
+              <a:tr h="462602">
+                <a:tc>
+                  <a:txBody>
+                    <a:bodyPr/>
+                    <a:lstStyle/>
+                    <a:p>
+                      <a:pPr algn="ctr"/>
+                      <a:r>
+                        <a:rPr lang="en-GR" dirty="0"/>
+                        <a:t>Njets </a:t>
+                      </a:r>
+                    </a:p>
+                  </a:txBody>
+                  <a:tcPr/>
+                </a:tc>
+                <a:tc>
+                  <a:txBody>
+                    <a:bodyPr/>
+                    <a:lstStyle/>
+                    <a:p>
+                      <a:pPr algn="ctr"/>
+                      <a:r>
+                        <a:rPr lang="en-GR" dirty="0"/>
+                        <a:t>&gt; 1</a:t>
+                      </a:r>
+                    </a:p>
+                  </a:txBody>
+                  <a:tcPr/>
+                </a:tc>
+                <a:extLst>
+                  <a:ext uri="{0D108BD9-81ED-4DB2-BD59-A6C34878D82A}">
+                    <a16:rowId xmlns:a16="http://schemas.microsoft.com/office/drawing/2014/main" val="4073963215"/>
+                  </a:ext>
+                </a:extLst>
+              </a:tr>
+              <a:tr h="462602">
+                <a:tc>
+                  <a:txBody>
+                    <a:bodyPr/>
+                    <a:lstStyle/>
+                    <a:p>
+                      <a:pPr algn="ctr"/>
+                      <a:r>
+                        <a:rPr lang="en-GR" dirty="0"/>
+                        <a:t>N leptons</a:t>
+                      </a:r>
+                    </a:p>
+                  </a:txBody>
+                  <a:tcPr/>
+                </a:tc>
+                <a:tc>
+                  <a:txBody>
+                    <a:bodyPr/>
+                    <a:lstStyle/>
+                    <a:p>
+                      <a:pPr algn="ctr"/>
+                      <a:r>
+                        <a:rPr lang="en-GR" dirty="0"/>
+                        <a:t>= 0</a:t>
+                      </a:r>
+                    </a:p>
+                  </a:txBody>
+                  <a:tcPr/>
+                </a:tc>
+                <a:extLst>
+                  <a:ext uri="{0D108BD9-81ED-4DB2-BD59-A6C34878D82A}">
+                    <a16:rowId xmlns:a16="http://schemas.microsoft.com/office/drawing/2014/main" val="1636792577"/>
+                  </a:ext>
+                </a:extLst>
+              </a:tr>
+              <a:tr h="581727">
+                <a:tc>
+                  <a:txBody>
+                    <a:bodyPr/>
+                    <a:lstStyle/>
+                    <a:p>
+                      <a:pPr algn="ctr"/>
+                      <a:r>
+                        <a:rPr lang="en-GR" dirty="0"/>
+                        <a:t>|eta| (both leading jets)</a:t>
+                      </a:r>
+                    </a:p>
+                  </a:txBody>
+                  <a:tcPr/>
+                </a:tc>
+                <a:tc>
+                  <a:txBody>
+                    <a:bodyPr/>
+                    <a:lstStyle/>
+                    <a:p>
+                      <a:pPr algn="ctr"/>
+                      <a:r>
+                        <a:rPr lang="en-GR" dirty="0"/>
+                        <a:t>&lt; 2.4</a:t>
+                      </a:r>
+                    </a:p>
+                  </a:txBody>
+                  <a:tcPr/>
+                </a:tc>
+                <a:extLst>
+                  <a:ext uri="{0D108BD9-81ED-4DB2-BD59-A6C34878D82A}">
+                    <a16:rowId xmlns:a16="http://schemas.microsoft.com/office/drawing/2014/main" val="2646382854"/>
+                  </a:ext>
+                </a:extLst>
+              </a:tr>
+              <a:tr h="462602">
+                <a:tc>
+                  <a:txBody>
+                    <a:bodyPr/>
+                    <a:lstStyle/>
+                    <a:p>
+                      <a:pPr algn="ctr"/>
+                      <a:r>
+                        <a:rPr lang="en-GR" dirty="0"/>
+                        <a:t>mJJ</a:t>
+                      </a:r>
+                    </a:p>
+                  </a:txBody>
+                  <a:tcPr/>
+                </a:tc>
+                <a:tc>
+                  <a:txBody>
+                    <a:bodyPr/>
+                    <a:lstStyle/>
+                    <a:p>
+                      <a:pPr algn="ctr"/>
+                      <a:r>
+                        <a:rPr lang="en-GR" dirty="0"/>
+                        <a:t>&gt; 1000 GeV</a:t>
+                      </a:r>
+                    </a:p>
+                  </a:txBody>
+                  <a:tcPr/>
+                </a:tc>
+                <a:extLst>
+                  <a:ext uri="{0D108BD9-81ED-4DB2-BD59-A6C34878D82A}">
+                    <a16:rowId xmlns:a16="http://schemas.microsoft.com/office/drawing/2014/main" val="1717255047"/>
+                  </a:ext>
+                </a:extLst>
+              </a:tr>
+              <a:tr h="581727">
+                <a:tc>
+                  <a:txBody>
+                    <a:bodyPr/>
+                    <a:lstStyle/>
+                    <a:p>
+                      <a:pPr algn="ctr"/>
+                      <a:r>
+                        <a:rPr lang="en-GR" dirty="0"/>
+                        <a:t>jetMassSoftDrop (only for fit)</a:t>
+                      </a:r>
+                    </a:p>
+                  </a:txBody>
+                  <a:tcPr/>
+                </a:tc>
+                <a:tc>
+                  <a:txBody>
+                    <a:bodyPr/>
+                    <a:lstStyle/>
+                    <a:p>
+                      <a:pPr algn="ctr"/>
+                      <a:r>
+                        <a:rPr lang="en-GR" dirty="0"/>
+                        <a:t>(50,300) GeV</a:t>
+                      </a:r>
+                    </a:p>
+                  </a:txBody>
+                  <a:tcPr/>
+                </a:tc>
+                <a:extLst>
+                  <a:ext uri="{0D108BD9-81ED-4DB2-BD59-A6C34878D82A}">
+                    <a16:rowId xmlns:a16="http://schemas.microsoft.com/office/drawing/2014/main" val="4172697806"/>
+                  </a:ext>
+                </a:extLst>
+              </a:tr>
+              <a:tr h="581727">
+                <a:tc>
+                  <a:txBody>
+                    <a:bodyPr/>
+                    <a:lstStyle/>
+                    <a:p>
+                      <a:pPr marL="0" marR="0" lvl="0" indent="0" algn="ctr" defTabSz="914400" rtl="0" eaLnBrk="1" fontAlgn="auto" latinLnBrk="0" hangingPunct="1">
+                        <a:lnSpc>
+                          <a:spcPct val="100000"/>
+                        </a:lnSpc>
+                        <a:spcBef>
+                          <a:spcPts val="0"/>
+                        </a:spcBef>
+                        <a:spcAft>
+                          <a:spcPts val="0"/>
+                        </a:spcAft>
+                        <a:buClrTx/>
+                        <a:buSzTx/>
+                        <a:buFontTx/>
+                        <a:buNone/>
+                        <a:tabLst/>
+                        <a:defRPr/>
+                      </a:pPr>
+                      <a:r>
+                        <a:rPr lang="en-GB" dirty="0"/>
+                        <a:t>T</a:t>
+                      </a:r>
+                      <a:r>
+                        <a:rPr lang="en-GR" dirty="0"/>
+                        <a:t>op Tagger</a:t>
+                      </a:r>
+                    </a:p>
+                    <a:p>
+                      <a:pPr algn="ctr"/>
+                      <a:endParaRPr lang="en-GR" dirty="0"/>
+                    </a:p>
+                  </a:txBody>
+                  <a:tcPr/>
+                </a:tc>
+                <a:tc>
+                  <a:txBody>
+                    <a:bodyPr/>
+                    <a:lstStyle/>
+                    <a:p>
+                      <a:pPr algn="ctr"/>
+                      <a:r>
+                        <a:rPr lang="en-GR" dirty="0"/>
+                        <a:t>&gt; </a:t>
+                      </a:r>
+                      <a:r>
+                        <a:rPr lang="en-GR" dirty="0">
+                          <a:solidFill>
+                            <a:srgbClr val="00B0F0"/>
+                          </a:solidFill>
+                        </a:rPr>
+                        <a:t>0.2</a:t>
+                      </a:r>
+                      <a:r>
+                        <a:rPr lang="en-GR" dirty="0"/>
+                        <a:t>, </a:t>
+                      </a:r>
+                      <a:r>
+                        <a:rPr lang="en-GR" dirty="0">
+                          <a:solidFill>
+                            <a:srgbClr val="FF0000"/>
+                          </a:solidFill>
+                        </a:rPr>
+                        <a:t>0</a:t>
+                      </a:r>
+                      <a:r>
+                        <a:rPr lang="en-GR" dirty="0"/>
+                        <a:t>, </a:t>
+                      </a:r>
+                      <a:r>
+                        <a:rPr lang="en-GR" dirty="0">
+                          <a:solidFill>
+                            <a:srgbClr val="00B050"/>
+                          </a:solidFill>
+                        </a:rPr>
+                        <a:t>0.1</a:t>
+                      </a:r>
+                    </a:p>
+                  </a:txBody>
+                  <a:tcPr/>
+                </a:tc>
+                <a:extLst>
+                  <a:ext uri="{0D108BD9-81ED-4DB2-BD59-A6C34878D82A}">
+                    <a16:rowId xmlns:a16="http://schemas.microsoft.com/office/drawing/2014/main" val="1785673893"/>
+                  </a:ext>
+                </a:extLst>
+              </a:tr>
+              <a:tr h="581727">
+                <a:tc>
+                  <a:txBody>
+                    <a:bodyPr/>
+                    <a:lstStyle/>
+                    <a:p>
+                      <a:pPr algn="ctr"/>
+                      <a:r>
+                        <a:rPr lang="en-GR" dirty="0"/>
+                        <a:t>B tagging (2 btagged jets)</a:t>
+                      </a:r>
+                    </a:p>
+                  </a:txBody>
+                  <a:tcPr/>
+                </a:tc>
+                <a:tc>
+                  <a:txBody>
+                    <a:bodyPr/>
+                    <a:lstStyle/>
+                    <a:p>
+                      <a:pPr algn="ctr"/>
+                      <a:r>
+                        <a:rPr lang="en-GR" dirty="0"/>
+                        <a:t>&gt; </a:t>
+                      </a:r>
+                      <a:r>
+                        <a:rPr lang="en-GR" dirty="0">
+                          <a:solidFill>
+                            <a:srgbClr val="FF0000"/>
+                          </a:solidFill>
+                        </a:rPr>
+                        <a:t>Medium</a:t>
+                      </a:r>
+                      <a:r>
+                        <a:rPr lang="en-GR" dirty="0"/>
+                        <a:t> WP</a:t>
+                      </a:r>
+                    </a:p>
+                  </a:txBody>
+                  <a:tcPr/>
+                </a:tc>
+                <a:extLst>
+                  <a:ext uri="{0D108BD9-81ED-4DB2-BD59-A6C34878D82A}">
+                    <a16:rowId xmlns:a16="http://schemas.microsoft.com/office/drawing/2014/main" val="770137147"/>
+                  </a:ext>
+                </a:extLst>
+              </a:tr>
+              <a:tr h="581727">
+                <a:tc>
+                  <a:txBody>
+                    <a:bodyPr/>
+                    <a:lstStyle/>
+                    <a:p>
+                      <a:pPr algn="ctr"/>
+                      <a:r>
+                        <a:rPr lang="en-GR" dirty="0"/>
+                        <a:t>Signal Trigger</a:t>
+                      </a:r>
+                    </a:p>
+                  </a:txBody>
+                  <a:tcPr/>
+                </a:tc>
+                <a:tc>
+                  <a:txBody>
+                    <a:bodyPr/>
+                    <a:lstStyle/>
+                    <a:p>
+                      <a:pPr algn="ctr"/>
+                      <a:endParaRPr lang="en-GR" dirty="0"/>
+                    </a:p>
+                  </a:txBody>
+                  <a:tcPr/>
+                </a:tc>
+                <a:extLst>
+                  <a:ext uri="{0D108BD9-81ED-4DB2-BD59-A6C34878D82A}">
+                    <a16:rowId xmlns:a16="http://schemas.microsoft.com/office/drawing/2014/main" val="2405045937"/>
+                  </a:ext>
+                </a:extLst>
+              </a:tr>
+            </a:tbl>
+          </a:graphicData>
+        </a:graphic>
+      </p:graphicFrame>
+      <p:graphicFrame>
+        <p:nvGraphicFramePr>
+          <p:cNvPr id="10" name="Table 9">
+            <a:extLst>
+              <a:ext uri="{FF2B5EF4-FFF2-40B4-BE49-F238E27FC236}">
+                <a16:creationId xmlns:a16="http://schemas.microsoft.com/office/drawing/2014/main" id="{DAB3EDC7-2C81-A141-8F2F-14CEB014A448}"/>
+              </a:ext>
+            </a:extLst>
+          </p:cNvPr>
+          <p:cNvGraphicFramePr>
+            <a:graphicFrameLocks noGrp="1"/>
+          </p:cNvGraphicFramePr>
+          <p:nvPr>
+            <p:extLst>
+              <p:ext uri="{D42A27DB-BD31-4B8C-83A1-F6EECF244321}">
+                <p14:modId xmlns:p14="http://schemas.microsoft.com/office/powerpoint/2010/main" val="2930218800"/>
+              </p:ext>
+            </p:extLst>
+          </p:nvPr>
+        </p:nvGraphicFramePr>
+        <p:xfrm>
+          <a:off x="6844365" y="557852"/>
+          <a:ext cx="4368118" cy="5498871"/>
+        </p:xfrm>
+        <a:graphic>
+          <a:graphicData uri="http://schemas.openxmlformats.org/drawingml/2006/table">
+            <a:tbl>
+              <a:tblPr firstRow="1" bandRow="1">
+                <a:tableStyleId>{0660B408-B3CF-4A94-85FC-2B1E0A45F4A2}</a:tableStyleId>
+              </a:tblPr>
+              <a:tblGrid>
+                <a:gridCol w="2184059">
+                  <a:extLst>
+                    <a:ext uri="{9D8B030D-6E8A-4147-A177-3AD203B41FA5}">
+                      <a16:colId xmlns:a16="http://schemas.microsoft.com/office/drawing/2014/main" val="3731337435"/>
+                    </a:ext>
+                  </a:extLst>
+                </a:gridCol>
+                <a:gridCol w="2184059">
+                  <a:extLst>
+                    <a:ext uri="{9D8B030D-6E8A-4147-A177-3AD203B41FA5}">
+                      <a16:colId xmlns:a16="http://schemas.microsoft.com/office/drawing/2014/main" val="3688698510"/>
+                    </a:ext>
+                  </a:extLst>
+                </a:gridCol>
+              </a:tblGrid>
+              <a:tr h="430967">
+                <a:tc>
+                  <a:txBody>
+                    <a:bodyPr/>
+                    <a:lstStyle/>
+                    <a:p>
+                      <a:pPr algn="ctr"/>
+                      <a:r>
+                        <a:rPr lang="en-GR" dirty="0"/>
+                        <a:t>Variables</a:t>
+                      </a:r>
+                    </a:p>
+                  </a:txBody>
+                  <a:tcPr/>
+                </a:tc>
+                <a:tc>
+                  <a:txBody>
+                    <a:bodyPr/>
+                    <a:lstStyle/>
+                    <a:p>
+                      <a:pPr algn="ctr"/>
+                      <a:r>
+                        <a:rPr lang="en-GR" dirty="0"/>
+                        <a:t>Selected Cut</a:t>
+                      </a:r>
+                    </a:p>
+                  </a:txBody>
+                  <a:tcPr/>
+                </a:tc>
+                <a:extLst>
+                  <a:ext uri="{0D108BD9-81ED-4DB2-BD59-A6C34878D82A}">
+                    <a16:rowId xmlns:a16="http://schemas.microsoft.com/office/drawing/2014/main" val="1233017762"/>
+                  </a:ext>
+                </a:extLst>
+              </a:tr>
+              <a:tr h="494428">
+                <a:tc>
+                  <a:txBody>
+                    <a:bodyPr/>
+                    <a:lstStyle/>
+                    <a:p>
+                      <a:pPr algn="ctr"/>
+                      <a:r>
+                        <a:rPr lang="en-GR" dirty="0"/>
+                        <a:t>pT (both leading jets) </a:t>
+                      </a:r>
+                    </a:p>
+                  </a:txBody>
+                  <a:tcPr/>
+                </a:tc>
+                <a:tc>
+                  <a:txBody>
+                    <a:bodyPr/>
+                    <a:lstStyle/>
+                    <a:p>
+                      <a:pPr algn="ctr"/>
+                      <a:r>
+                        <a:rPr lang="en-GR" dirty="0"/>
+                        <a:t>&gt; 400 GeV</a:t>
+                      </a:r>
+                    </a:p>
+                  </a:txBody>
+                  <a:tcPr/>
+                </a:tc>
+                <a:extLst>
+                  <a:ext uri="{0D108BD9-81ED-4DB2-BD59-A6C34878D82A}">
+                    <a16:rowId xmlns:a16="http://schemas.microsoft.com/office/drawing/2014/main" val="1455770781"/>
+                  </a:ext>
+                </a:extLst>
+              </a:tr>
+              <a:tr h="430967">
+                <a:tc>
+                  <a:txBody>
+                    <a:bodyPr/>
+                    <a:lstStyle/>
+                    <a:p>
+                      <a:pPr algn="ctr"/>
+                      <a:r>
+                        <a:rPr lang="en-GR" dirty="0"/>
+                        <a:t>Njets </a:t>
+                      </a:r>
+                    </a:p>
+                  </a:txBody>
+                  <a:tcPr/>
+                </a:tc>
+                <a:tc>
+                  <a:txBody>
+                    <a:bodyPr/>
+                    <a:lstStyle/>
+                    <a:p>
+                      <a:pPr algn="ctr"/>
+                      <a:r>
+                        <a:rPr lang="en-GR" dirty="0"/>
+                        <a:t>&gt; 1</a:t>
+                      </a:r>
+                    </a:p>
+                  </a:txBody>
+                  <a:tcPr/>
+                </a:tc>
+                <a:extLst>
+                  <a:ext uri="{0D108BD9-81ED-4DB2-BD59-A6C34878D82A}">
+                    <a16:rowId xmlns:a16="http://schemas.microsoft.com/office/drawing/2014/main" val="3320086472"/>
+                  </a:ext>
+                </a:extLst>
+              </a:tr>
+              <a:tr h="605786">
+                <a:tc>
+                  <a:txBody>
+                    <a:bodyPr/>
+                    <a:lstStyle/>
+                    <a:p>
+                      <a:pPr marL="0" marR="0" lvl="0" indent="0" algn="ctr" defTabSz="914400" rtl="0" eaLnBrk="1" fontAlgn="auto" latinLnBrk="0" hangingPunct="1">
+                        <a:lnSpc>
+                          <a:spcPct val="100000"/>
+                        </a:lnSpc>
+                        <a:spcBef>
+                          <a:spcPts val="0"/>
+                        </a:spcBef>
+                        <a:spcAft>
+                          <a:spcPts val="0"/>
+                        </a:spcAft>
+                        <a:buClrTx/>
+                        <a:buSzTx/>
+                        <a:buFontTx/>
+                        <a:buNone/>
+                        <a:tabLst/>
+                        <a:defRPr/>
+                      </a:pPr>
+                      <a:r>
+                        <a:rPr lang="en-GR" dirty="0"/>
+                        <a:t>N leptons</a:t>
+                      </a:r>
+                    </a:p>
+                  </a:txBody>
+                  <a:tcPr/>
+                </a:tc>
+                <a:tc>
+                  <a:txBody>
+                    <a:bodyPr/>
+                    <a:lstStyle/>
+                    <a:p>
+                      <a:pPr algn="ctr"/>
+                      <a:r>
+                        <a:rPr lang="en-GR" dirty="0"/>
+                        <a:t>= 0</a:t>
+                      </a:r>
+                    </a:p>
+                  </a:txBody>
+                  <a:tcPr/>
+                </a:tc>
+                <a:extLst>
+                  <a:ext uri="{0D108BD9-81ED-4DB2-BD59-A6C34878D82A}">
+                    <a16:rowId xmlns:a16="http://schemas.microsoft.com/office/drawing/2014/main" val="1978738799"/>
+                  </a:ext>
+                </a:extLst>
+              </a:tr>
+              <a:tr h="629126">
+                <a:tc>
+                  <a:txBody>
+                    <a:bodyPr/>
+                    <a:lstStyle/>
+                    <a:p>
+                      <a:pPr algn="ctr"/>
+                      <a:r>
+                        <a:rPr lang="en-GR" dirty="0"/>
+                        <a:t>|eta| (both leading jets)</a:t>
+                      </a:r>
+                    </a:p>
+                  </a:txBody>
+                  <a:tcPr/>
+                </a:tc>
+                <a:tc>
+                  <a:txBody>
+                    <a:bodyPr/>
+                    <a:lstStyle/>
+                    <a:p>
+                      <a:pPr algn="ctr"/>
+                      <a:r>
+                        <a:rPr lang="en-GR" dirty="0"/>
+                        <a:t>&lt; 2.4</a:t>
+                      </a:r>
+                    </a:p>
+                  </a:txBody>
+                  <a:tcPr/>
+                </a:tc>
+                <a:extLst>
+                  <a:ext uri="{0D108BD9-81ED-4DB2-BD59-A6C34878D82A}">
+                    <a16:rowId xmlns:a16="http://schemas.microsoft.com/office/drawing/2014/main" val="2646382854"/>
+                  </a:ext>
+                </a:extLst>
+              </a:tr>
+              <a:tr h="430967">
+                <a:tc>
+                  <a:txBody>
+                    <a:bodyPr/>
+                    <a:lstStyle/>
+                    <a:p>
+                      <a:pPr algn="ctr"/>
+                      <a:r>
+                        <a:rPr lang="en-GR" dirty="0"/>
+                        <a:t>mJJ</a:t>
+                      </a:r>
+                    </a:p>
+                  </a:txBody>
+                  <a:tcPr/>
+                </a:tc>
+                <a:tc>
+                  <a:txBody>
+                    <a:bodyPr/>
+                    <a:lstStyle/>
+                    <a:p>
+                      <a:pPr algn="ctr"/>
+                      <a:r>
+                        <a:rPr lang="en-GR" dirty="0"/>
+                        <a:t>&gt; 1000 GeV</a:t>
+                      </a:r>
+                    </a:p>
+                  </a:txBody>
+                  <a:tcPr/>
+                </a:tc>
+                <a:extLst>
+                  <a:ext uri="{0D108BD9-81ED-4DB2-BD59-A6C34878D82A}">
+                    <a16:rowId xmlns:a16="http://schemas.microsoft.com/office/drawing/2014/main" val="1717255047"/>
+                  </a:ext>
+                </a:extLst>
+              </a:tr>
+              <a:tr h="629126">
+                <a:tc>
+                  <a:txBody>
+                    <a:bodyPr/>
+                    <a:lstStyle/>
+                    <a:p>
+                      <a:pPr algn="ctr"/>
+                      <a:r>
+                        <a:rPr lang="en-GR" dirty="0"/>
+                        <a:t>jetMassSoftDrop (only for fit)</a:t>
+                      </a:r>
+                    </a:p>
+                  </a:txBody>
+                  <a:tcPr/>
+                </a:tc>
+                <a:tc>
+                  <a:txBody>
+                    <a:bodyPr/>
+                    <a:lstStyle/>
+                    <a:p>
+                      <a:pPr algn="ctr"/>
+                      <a:r>
+                        <a:rPr lang="en-GR" dirty="0"/>
+                        <a:t>(50,300) GeV</a:t>
+                      </a:r>
+                    </a:p>
+                  </a:txBody>
+                  <a:tcPr/>
+                </a:tc>
+                <a:extLst>
+                  <a:ext uri="{0D108BD9-81ED-4DB2-BD59-A6C34878D82A}">
+                    <a16:rowId xmlns:a16="http://schemas.microsoft.com/office/drawing/2014/main" val="4172697806"/>
+                  </a:ext>
+                </a:extLst>
+              </a:tr>
+              <a:tr h="629126">
+                <a:tc>
+                  <a:txBody>
+                    <a:bodyPr/>
+                    <a:lstStyle/>
+                    <a:p>
+                      <a:pPr marL="0" marR="0" lvl="0" indent="0" algn="ctr" defTabSz="914400" rtl="0" eaLnBrk="1" fontAlgn="auto" latinLnBrk="0" hangingPunct="1">
+                        <a:lnSpc>
+                          <a:spcPct val="100000"/>
+                        </a:lnSpc>
+                        <a:spcBef>
+                          <a:spcPts val="0"/>
+                        </a:spcBef>
+                        <a:spcAft>
+                          <a:spcPts val="0"/>
+                        </a:spcAft>
+                        <a:buClrTx/>
+                        <a:buSzTx/>
+                        <a:buFontTx/>
+                        <a:buNone/>
+                        <a:tabLst/>
+                        <a:defRPr/>
+                      </a:pPr>
+                      <a:r>
+                        <a:rPr lang="en-GB" dirty="0"/>
+                        <a:t>T</a:t>
+                      </a:r>
+                      <a:r>
+                        <a:rPr lang="en-GR" dirty="0"/>
+                        <a:t>op Tagger</a:t>
+                      </a:r>
+                    </a:p>
+                    <a:p>
+                      <a:pPr algn="ctr"/>
+                      <a:endParaRPr lang="en-GR" dirty="0"/>
+                    </a:p>
+                  </a:txBody>
+                  <a:tcPr/>
+                </a:tc>
+                <a:tc>
+                  <a:txBody>
+                    <a:bodyPr/>
+                    <a:lstStyle/>
+                    <a:p>
+                      <a:pPr marL="0" marR="0" lvl="0" indent="0" algn="ctr" defTabSz="914400" rtl="0" eaLnBrk="1" fontAlgn="auto" latinLnBrk="0" hangingPunct="1">
+                        <a:lnSpc>
+                          <a:spcPct val="100000"/>
+                        </a:lnSpc>
+                        <a:spcBef>
+                          <a:spcPts val="0"/>
+                        </a:spcBef>
+                        <a:spcAft>
+                          <a:spcPts val="0"/>
+                        </a:spcAft>
+                        <a:buClrTx/>
+                        <a:buSzTx/>
+                        <a:buFontTx/>
+                        <a:buNone/>
+                        <a:tabLst/>
+                        <a:defRPr/>
+                      </a:pPr>
+                      <a:r>
+                        <a:rPr lang="en-GR" dirty="0"/>
+                        <a:t>&gt; </a:t>
+                      </a:r>
+                      <a:r>
+                        <a:rPr lang="en-GR" dirty="0">
+                          <a:solidFill>
+                            <a:srgbClr val="00B0F0"/>
+                          </a:solidFill>
+                        </a:rPr>
+                        <a:t>0.2</a:t>
+                      </a:r>
+                      <a:r>
+                        <a:rPr lang="en-GR" dirty="0"/>
+                        <a:t>, </a:t>
+                      </a:r>
+                      <a:r>
+                        <a:rPr lang="en-GR" dirty="0">
+                          <a:solidFill>
+                            <a:srgbClr val="FF0000"/>
+                          </a:solidFill>
+                        </a:rPr>
+                        <a:t>0</a:t>
+                      </a:r>
+                      <a:r>
+                        <a:rPr lang="en-GR" dirty="0"/>
+                        <a:t>, </a:t>
+                      </a:r>
+                      <a:r>
+                        <a:rPr lang="en-GR" dirty="0">
+                          <a:solidFill>
+                            <a:srgbClr val="00B050"/>
+                          </a:solidFill>
+                        </a:rPr>
+                        <a:t>0.1</a:t>
+                      </a:r>
+                    </a:p>
+                    <a:p>
+                      <a:pPr algn="ctr"/>
+                      <a:endParaRPr lang="en-GR" dirty="0"/>
+                    </a:p>
+                  </a:txBody>
+                  <a:tcPr/>
+                </a:tc>
+                <a:extLst>
+                  <a:ext uri="{0D108BD9-81ED-4DB2-BD59-A6C34878D82A}">
+                    <a16:rowId xmlns:a16="http://schemas.microsoft.com/office/drawing/2014/main" val="1785673893"/>
+                  </a:ext>
+                </a:extLst>
+              </a:tr>
+              <a:tr h="629126">
+                <a:tc>
+                  <a:txBody>
+                    <a:bodyPr/>
+                    <a:lstStyle/>
+                    <a:p>
+                      <a:pPr algn="ctr"/>
+                      <a:r>
+                        <a:rPr lang="en-GR" dirty="0"/>
+                        <a:t>B tagging (0 btagged jets)</a:t>
+                      </a:r>
+                    </a:p>
+                  </a:txBody>
+                  <a:tcPr/>
+                </a:tc>
+                <a:tc>
+                  <a:txBody>
+                    <a:bodyPr/>
+                    <a:lstStyle/>
+                    <a:p>
+                      <a:pPr algn="ctr"/>
+                      <a:r>
+                        <a:rPr lang="en-GR" dirty="0"/>
+                        <a:t>&lt; </a:t>
+                      </a:r>
+                      <a:r>
+                        <a:rPr lang="en-GR" dirty="0">
+                          <a:solidFill>
+                            <a:srgbClr val="FF0000"/>
+                          </a:solidFill>
+                        </a:rPr>
+                        <a:t>Medium</a:t>
+                      </a:r>
+                      <a:r>
+                        <a:rPr lang="en-GR" dirty="0"/>
+                        <a:t> WP</a:t>
+                      </a:r>
+                    </a:p>
+                  </a:txBody>
+                  <a:tcPr/>
+                </a:tc>
+                <a:extLst>
+                  <a:ext uri="{0D108BD9-81ED-4DB2-BD59-A6C34878D82A}">
+                    <a16:rowId xmlns:a16="http://schemas.microsoft.com/office/drawing/2014/main" val="770137147"/>
+                  </a:ext>
+                </a:extLst>
+              </a:tr>
+              <a:tr h="545436">
+                <a:tc>
+                  <a:txBody>
+                    <a:bodyPr/>
+                    <a:lstStyle/>
+                    <a:p>
+                      <a:pPr algn="ctr"/>
+                      <a:r>
+                        <a:rPr lang="en-GR" dirty="0"/>
+                        <a:t>Control Trigger</a:t>
+                      </a:r>
+                    </a:p>
+                  </a:txBody>
+                  <a:tcPr/>
+                </a:tc>
+                <a:tc>
+                  <a:txBody>
+                    <a:bodyPr/>
+                    <a:lstStyle/>
+                    <a:p>
+                      <a:pPr algn="ctr"/>
+                      <a:endParaRPr lang="en-GR" dirty="0"/>
+                    </a:p>
+                  </a:txBody>
+                  <a:tcPr/>
+                </a:tc>
+                <a:extLst>
+                  <a:ext uri="{0D108BD9-81ED-4DB2-BD59-A6C34878D82A}">
+                    <a16:rowId xmlns:a16="http://schemas.microsoft.com/office/drawing/2014/main" val="1181864082"/>
+                  </a:ext>
+                </a:extLst>
+              </a:tr>
+            </a:tbl>
+          </a:graphicData>
+        </a:graphic>
+      </p:graphicFrame>
+      <p:sp>
+        <p:nvSpPr>
+          <p:cNvPr id="11" name="TextBox 10">
+            <a:extLst>
+              <a:ext uri="{FF2B5EF4-FFF2-40B4-BE49-F238E27FC236}">
+                <a16:creationId xmlns:a16="http://schemas.microsoft.com/office/drawing/2014/main" id="{9E9DDF71-90B0-C245-8A52-0A505D755F00}"/>
+              </a:ext>
+            </a:extLst>
+          </p:cNvPr>
+          <p:cNvSpPr txBox="1"/>
+          <p:nvPr/>
+        </p:nvSpPr>
+        <p:spPr>
+          <a:xfrm>
+            <a:off x="7423707" y="65430"/>
+            <a:ext cx="3291946" cy="430887"/>
+          </a:xfrm>
+          <a:prstGeom prst="rect">
+            <a:avLst/>
+          </a:prstGeom>
+          <a:noFill/>
+        </p:spPr>
+        <p:txBody>
+          <a:bodyPr wrap="square" rtlCol="0">
+            <a:spAutoFit/>
+          </a:bodyPr>
+          <a:lstStyle/>
+          <a:p>
+            <a:r>
+              <a:rPr lang="en-US" sz="2200" dirty="0">
+                <a:solidFill>
+                  <a:srgbClr val="FF0000"/>
+                </a:solidFill>
+                <a:sym typeface="Wingdings" pitchFamily="2" charset="2"/>
+              </a:rPr>
+              <a:t>Control Region Selection</a:t>
+            </a:r>
+          </a:p>
+        </p:txBody>
+      </p:sp>
+    </p:spTree>
+    <p:extLst>
+      <p:ext uri="{BB962C8B-B14F-4D97-AF65-F5344CB8AC3E}">
+        <p14:creationId xmlns:p14="http://schemas.microsoft.com/office/powerpoint/2010/main" val="701700304"/>
+      </p:ext>
+    </p:extLst>
+  </p:cSld>
+  <p:clrMapOvr>
+    <a:masterClrMapping/>
+  </p:clrMapOvr>
+</p:sld>
+</file>
+
+<file path=ppt/slides/slide30.xml><?xml version="1.0" encoding="utf-8"?>
+<p:sld xmlns:a="http://schemas.openxmlformats.org/drawingml/2006/main" xmlns:r="http://schemas.openxmlformats.org/officeDocument/2006/relationships" xmlns:p="http://schemas.openxmlformats.org/presentationml/2006/main">
+  <p:cSld>
+    <p:spTree>
+      <p:nvGrpSpPr>
+        <p:cNvPr id="1" name=""/>
+        <p:cNvGrpSpPr/>
+        <p:nvPr/>
+      </p:nvGrpSpPr>
+      <p:grpSpPr>
+        <a:xfrm>
+          <a:off x="0" y="0"/>
+          <a:ext cx="0" cy="0"/>
+          <a:chOff x="0" y="0"/>
+          <a:chExt cx="0" cy="0"/>
+        </a:xfrm>
+      </p:grpSpPr>
+      <p:sp>
+        <p:nvSpPr>
+          <p:cNvPr id="3" name="Footer Placeholder 2"/>
+          <p:cNvSpPr>
+            <a:spLocks noGrp="1"/>
+          </p:cNvSpPr>
+          <p:nvPr>
+            <p:ph type="ftr" sz="quarter" idx="11"/>
+          </p:nvPr>
+        </p:nvSpPr>
+        <p:spPr/>
+        <p:txBody>
+          <a:bodyPr/>
+          <a:lstStyle/>
+          <a:p>
+            <a:r>
+              <a:rPr lang="fi-FI" dirty="0"/>
+              <a:t>NTUA G. </a:t>
+            </a:r>
+            <a:r>
+              <a:rPr lang="fi-FI" dirty="0" err="1"/>
+              <a:t>Bakas</a:t>
+            </a:r>
+            <a:endParaRPr lang="en-US" dirty="0"/>
+          </a:p>
+        </p:txBody>
+      </p:sp>
+      <p:sp>
+        <p:nvSpPr>
+          <p:cNvPr id="7" name="TextBox 6"/>
+          <p:cNvSpPr txBox="1"/>
+          <p:nvPr/>
+        </p:nvSpPr>
+        <p:spPr>
+          <a:xfrm>
+            <a:off x="3276600" y="33090"/>
+            <a:ext cx="5638800" cy="523220"/>
+          </a:xfrm>
+          <a:prstGeom prst="rect">
+            <a:avLst/>
+          </a:prstGeom>
+          <a:noFill/>
+        </p:spPr>
+        <p:txBody>
+          <a:bodyPr wrap="square" rtlCol="0">
+            <a:spAutoFit/>
+          </a:bodyPr>
+          <a:lstStyle/>
+          <a:p>
+            <a:pPr algn="ctr"/>
+            <a:r>
+              <a:rPr lang="en-US" sz="2800" u="sng" dirty="0"/>
+              <a:t>Tag And Probe</a:t>
+            </a:r>
+            <a:endParaRPr lang="en-US" sz="2800" u="sng" dirty="0">
+              <a:solidFill>
+                <a:srgbClr val="00B050"/>
+              </a:solidFill>
+            </a:endParaRPr>
+          </a:p>
+        </p:txBody>
+      </p:sp>
+      <p:sp>
+        <p:nvSpPr>
+          <p:cNvPr id="5" name="Slide Number Placeholder 4">
+            <a:extLst>
+              <a:ext uri="{FF2B5EF4-FFF2-40B4-BE49-F238E27FC236}">
+                <a16:creationId xmlns:a16="http://schemas.microsoft.com/office/drawing/2014/main" id="{69A96869-DB60-5345-ACD9-F1C41035B064}"/>
+              </a:ext>
+            </a:extLst>
+          </p:cNvPr>
+          <p:cNvSpPr>
+            <a:spLocks noGrp="1"/>
+          </p:cNvSpPr>
+          <p:nvPr>
+            <p:ph type="sldNum" sz="quarter" idx="12"/>
+          </p:nvPr>
+        </p:nvSpPr>
+        <p:spPr/>
+        <p:txBody>
+          <a:bodyPr/>
+          <a:lstStyle/>
+          <a:p>
+            <a:fld id="{4FAB73BC-B049-4115-A692-8D63A059BFB8}" type="slidenum">
+              <a:rPr lang="en-US" smtClean="0"/>
+              <a:pPr/>
+              <a:t>30</a:t>
+            </a:fld>
+            <a:endParaRPr lang="en-US" dirty="0"/>
+          </a:p>
+        </p:txBody>
+      </p:sp>
+      <p:sp>
+        <p:nvSpPr>
+          <p:cNvPr id="24" name="Date Placeholder 23">
+            <a:extLst>
+              <a:ext uri="{FF2B5EF4-FFF2-40B4-BE49-F238E27FC236}">
+                <a16:creationId xmlns:a16="http://schemas.microsoft.com/office/drawing/2014/main" id="{056D71EF-2E89-4043-8F92-90A4D46A3E69}"/>
+              </a:ext>
+            </a:extLst>
+          </p:cNvPr>
+          <p:cNvSpPr>
+            <a:spLocks noGrp="1"/>
+          </p:cNvSpPr>
+          <p:nvPr>
+            <p:ph type="dt" sz="half" idx="10"/>
+          </p:nvPr>
+        </p:nvSpPr>
+        <p:spPr/>
+        <p:txBody>
+          <a:bodyPr/>
+          <a:lstStyle/>
+          <a:p>
+            <a:fld id="{3DBB7BD0-9B8D-1F47-8ABF-BE3CF9BD2848}" type="datetime1">
+              <a:rPr lang="en-US" smtClean="0"/>
+              <a:t>9/9/20</a:t>
             </a:fld>
             <a:endParaRPr lang="en-US" dirty="0"/>
           </a:p>
@@ -16189,1621 +17695,6 @@
 </p:sld>
 </file>
 
-<file path=ppt/slides/slide3.xml><?xml version="1.0" encoding="utf-8"?>
-<p:sld xmlns:a="http://schemas.openxmlformats.org/drawingml/2006/main" xmlns:r="http://schemas.openxmlformats.org/officeDocument/2006/relationships" xmlns:p="http://schemas.openxmlformats.org/presentationml/2006/main">
-  <p:cSld>
-    <p:spTree>
-      <p:nvGrpSpPr>
-        <p:cNvPr id="1" name=""/>
-        <p:cNvGrpSpPr/>
-        <p:nvPr/>
-      </p:nvGrpSpPr>
-      <p:grpSpPr>
-        <a:xfrm>
-          <a:off x="0" y="0"/>
-          <a:ext cx="0" cy="0"/>
-          <a:chOff x="0" y="0"/>
-          <a:chExt cx="0" cy="0"/>
-        </a:xfrm>
-      </p:grpSpPr>
-      <p:sp>
-        <p:nvSpPr>
-          <p:cNvPr id="3" name="Footer Placeholder 2"/>
-          <p:cNvSpPr>
-            <a:spLocks noGrp="1"/>
-          </p:cNvSpPr>
-          <p:nvPr>
-            <p:ph type="ftr" sz="quarter" idx="11"/>
-          </p:nvPr>
-        </p:nvSpPr>
-        <p:spPr/>
-        <p:txBody>
-          <a:bodyPr/>
-          <a:lstStyle/>
-          <a:p>
-            <a:r>
-              <a:rPr lang="fi-FI" dirty="0"/>
-              <a:t>NTUA G. </a:t>
-            </a:r>
-            <a:r>
-              <a:rPr lang="fi-FI" dirty="0" err="1"/>
-              <a:t>Bakas</a:t>
-            </a:r>
-            <a:endParaRPr lang="en-US" dirty="0"/>
-          </a:p>
-        </p:txBody>
-      </p:sp>
-      <p:sp>
-        <p:nvSpPr>
-          <p:cNvPr id="6" name="TextBox 5">
-            <a:extLst>
-              <a:ext uri="{FF2B5EF4-FFF2-40B4-BE49-F238E27FC236}">
-                <a16:creationId xmlns:a16="http://schemas.microsoft.com/office/drawing/2014/main" id="{1DDE6F7F-FC19-F840-A70E-C84BA99E0247}"/>
-              </a:ext>
-            </a:extLst>
-          </p:cNvPr>
-          <p:cNvSpPr txBox="1"/>
-          <p:nvPr/>
-        </p:nvSpPr>
-        <p:spPr>
-          <a:xfrm>
-            <a:off x="2574438" y="65430"/>
-            <a:ext cx="1990226" cy="430887"/>
-          </a:xfrm>
-          <a:prstGeom prst="rect">
-            <a:avLst/>
-          </a:prstGeom>
-          <a:noFill/>
-        </p:spPr>
-        <p:txBody>
-          <a:bodyPr wrap="square" rtlCol="0">
-            <a:spAutoFit/>
-          </a:bodyPr>
-          <a:lstStyle/>
-          <a:p>
-            <a:r>
-              <a:rPr lang="en-US" sz="2200" dirty="0">
-                <a:solidFill>
-                  <a:srgbClr val="00B050"/>
-                </a:solidFill>
-                <a:sym typeface="Wingdings" pitchFamily="2" charset="2"/>
-              </a:rPr>
-              <a:t>Signal Selection</a:t>
-            </a:r>
-          </a:p>
-        </p:txBody>
-      </p:sp>
-      <p:sp>
-        <p:nvSpPr>
-          <p:cNvPr id="5" name="Slide Number Placeholder 4">
-            <a:extLst>
-              <a:ext uri="{FF2B5EF4-FFF2-40B4-BE49-F238E27FC236}">
-                <a16:creationId xmlns:a16="http://schemas.microsoft.com/office/drawing/2014/main" id="{69A96869-DB60-5345-ACD9-F1C41035B064}"/>
-              </a:ext>
-            </a:extLst>
-          </p:cNvPr>
-          <p:cNvSpPr>
-            <a:spLocks noGrp="1"/>
-          </p:cNvSpPr>
-          <p:nvPr>
-            <p:ph type="sldNum" sz="quarter" idx="12"/>
-          </p:nvPr>
-        </p:nvSpPr>
-        <p:spPr/>
-        <p:txBody>
-          <a:bodyPr/>
-          <a:lstStyle/>
-          <a:p>
-            <a:fld id="{4FAB73BC-B049-4115-A692-8D63A059BFB8}" type="slidenum">
-              <a:rPr lang="en-US" smtClean="0"/>
-              <a:pPr/>
-              <a:t>3</a:t>
-            </a:fld>
-            <a:endParaRPr lang="en-US" dirty="0"/>
-          </a:p>
-        </p:txBody>
-      </p:sp>
-      <p:sp>
-        <p:nvSpPr>
-          <p:cNvPr id="24" name="Date Placeholder 23">
-            <a:extLst>
-              <a:ext uri="{FF2B5EF4-FFF2-40B4-BE49-F238E27FC236}">
-                <a16:creationId xmlns:a16="http://schemas.microsoft.com/office/drawing/2014/main" id="{056D71EF-2E89-4043-8F92-90A4D46A3E69}"/>
-              </a:ext>
-            </a:extLst>
-          </p:cNvPr>
-          <p:cNvSpPr>
-            <a:spLocks noGrp="1"/>
-          </p:cNvSpPr>
-          <p:nvPr>
-            <p:ph type="dt" sz="half" idx="10"/>
-          </p:nvPr>
-        </p:nvSpPr>
-        <p:spPr/>
-        <p:txBody>
-          <a:bodyPr/>
-          <a:lstStyle/>
-          <a:p>
-            <a:fld id="{F7AFF6A5-F1FB-284A-BF72-2836D5A0B341}" type="datetime1">
-              <a:rPr lang="en-US" smtClean="0"/>
-              <a:t>9/8/20</a:t>
-            </a:fld>
-            <a:endParaRPr lang="en-US" dirty="0"/>
-          </a:p>
-        </p:txBody>
-      </p:sp>
-      <p:graphicFrame>
-        <p:nvGraphicFramePr>
-          <p:cNvPr id="4" name="Table 3">
-            <a:extLst>
-              <a:ext uri="{FF2B5EF4-FFF2-40B4-BE49-F238E27FC236}">
-                <a16:creationId xmlns:a16="http://schemas.microsoft.com/office/drawing/2014/main" id="{9FB11E00-21A0-484F-B127-1B964919B378}"/>
-              </a:ext>
-            </a:extLst>
-          </p:cNvPr>
-          <p:cNvGraphicFramePr>
-            <a:graphicFrameLocks noGrp="1"/>
-          </p:cNvGraphicFramePr>
-          <p:nvPr>
-            <p:extLst>
-              <p:ext uri="{D42A27DB-BD31-4B8C-83A1-F6EECF244321}">
-                <p14:modId xmlns:p14="http://schemas.microsoft.com/office/powerpoint/2010/main" val="2639218893"/>
-              </p:ext>
-            </p:extLst>
-          </p:nvPr>
-        </p:nvGraphicFramePr>
-        <p:xfrm>
-          <a:off x="1348101" y="557850"/>
-          <a:ext cx="4368118" cy="5455057"/>
-        </p:xfrm>
-        <a:graphic>
-          <a:graphicData uri="http://schemas.openxmlformats.org/drawingml/2006/table">
-            <a:tbl>
-              <a:tblPr firstRow="1" bandRow="1">
-                <a:tableStyleId>{46F890A9-2807-4EBB-B81D-B2AA78EC7F39}</a:tableStyleId>
-              </a:tblPr>
-              <a:tblGrid>
-                <a:gridCol w="2184059">
-                  <a:extLst>
-                    <a:ext uri="{9D8B030D-6E8A-4147-A177-3AD203B41FA5}">
-                      <a16:colId xmlns:a16="http://schemas.microsoft.com/office/drawing/2014/main" val="3731337435"/>
-                    </a:ext>
-                  </a:extLst>
-                </a:gridCol>
-                <a:gridCol w="2184059">
-                  <a:extLst>
-                    <a:ext uri="{9D8B030D-6E8A-4147-A177-3AD203B41FA5}">
-                      <a16:colId xmlns:a16="http://schemas.microsoft.com/office/drawing/2014/main" val="3688698510"/>
-                    </a:ext>
-                  </a:extLst>
-                </a:gridCol>
-              </a:tblGrid>
-              <a:tr h="462602">
-                <a:tc>
-                  <a:txBody>
-                    <a:bodyPr/>
-                    <a:lstStyle/>
-                    <a:p>
-                      <a:pPr algn="ctr"/>
-                      <a:r>
-                        <a:rPr lang="en-GR" dirty="0"/>
-                        <a:t>Variables</a:t>
-                      </a:r>
-                    </a:p>
-                  </a:txBody>
-                  <a:tcPr/>
-                </a:tc>
-                <a:tc>
-                  <a:txBody>
-                    <a:bodyPr/>
-                    <a:lstStyle/>
-                    <a:p>
-                      <a:pPr algn="ctr"/>
-                      <a:r>
-                        <a:rPr lang="en-GR" dirty="0"/>
-                        <a:t>Selected Cut</a:t>
-                      </a:r>
-                    </a:p>
-                  </a:txBody>
-                  <a:tcPr/>
-                </a:tc>
-                <a:extLst>
-                  <a:ext uri="{0D108BD9-81ED-4DB2-BD59-A6C34878D82A}">
-                    <a16:rowId xmlns:a16="http://schemas.microsoft.com/office/drawing/2014/main" val="1233017762"/>
-                  </a:ext>
-                </a:extLst>
-              </a:tr>
-              <a:tr h="462602">
-                <a:tc>
-                  <a:txBody>
-                    <a:bodyPr/>
-                    <a:lstStyle/>
-                    <a:p>
-                      <a:pPr algn="ctr"/>
-                      <a:r>
-                        <a:rPr lang="en-GR" dirty="0"/>
-                        <a:t>pT (both leading jets) </a:t>
-                      </a:r>
-                    </a:p>
-                  </a:txBody>
-                  <a:tcPr/>
-                </a:tc>
-                <a:tc>
-                  <a:txBody>
-                    <a:bodyPr/>
-                    <a:lstStyle/>
-                    <a:p>
-                      <a:pPr algn="ctr"/>
-                      <a:r>
-                        <a:rPr lang="en-GR" dirty="0"/>
-                        <a:t>&gt; 400 GeV</a:t>
-                      </a:r>
-                    </a:p>
-                  </a:txBody>
-                  <a:tcPr/>
-                </a:tc>
-                <a:extLst>
-                  <a:ext uri="{0D108BD9-81ED-4DB2-BD59-A6C34878D82A}">
-                    <a16:rowId xmlns:a16="http://schemas.microsoft.com/office/drawing/2014/main" val="1455770781"/>
-                  </a:ext>
-                </a:extLst>
-              </a:tr>
-              <a:tr h="462602">
-                <a:tc>
-                  <a:txBody>
-                    <a:bodyPr/>
-                    <a:lstStyle/>
-                    <a:p>
-                      <a:pPr algn="ctr"/>
-                      <a:r>
-                        <a:rPr lang="en-GR" dirty="0"/>
-                        <a:t>Njets </a:t>
-                      </a:r>
-                    </a:p>
-                  </a:txBody>
-                  <a:tcPr/>
-                </a:tc>
-                <a:tc>
-                  <a:txBody>
-                    <a:bodyPr/>
-                    <a:lstStyle/>
-                    <a:p>
-                      <a:pPr algn="ctr"/>
-                      <a:r>
-                        <a:rPr lang="en-GR" dirty="0"/>
-                        <a:t>&gt; 1</a:t>
-                      </a:r>
-                    </a:p>
-                  </a:txBody>
-                  <a:tcPr/>
-                </a:tc>
-                <a:extLst>
-                  <a:ext uri="{0D108BD9-81ED-4DB2-BD59-A6C34878D82A}">
-                    <a16:rowId xmlns:a16="http://schemas.microsoft.com/office/drawing/2014/main" val="4073963215"/>
-                  </a:ext>
-                </a:extLst>
-              </a:tr>
-              <a:tr h="462602">
-                <a:tc>
-                  <a:txBody>
-                    <a:bodyPr/>
-                    <a:lstStyle/>
-                    <a:p>
-                      <a:pPr algn="ctr"/>
-                      <a:r>
-                        <a:rPr lang="en-GR" dirty="0"/>
-                        <a:t>N leptons</a:t>
-                      </a:r>
-                    </a:p>
-                  </a:txBody>
-                  <a:tcPr/>
-                </a:tc>
-                <a:tc>
-                  <a:txBody>
-                    <a:bodyPr/>
-                    <a:lstStyle/>
-                    <a:p>
-                      <a:pPr algn="ctr"/>
-                      <a:r>
-                        <a:rPr lang="en-GR" dirty="0"/>
-                        <a:t>= 0</a:t>
-                      </a:r>
-                    </a:p>
-                  </a:txBody>
-                  <a:tcPr/>
-                </a:tc>
-                <a:extLst>
-                  <a:ext uri="{0D108BD9-81ED-4DB2-BD59-A6C34878D82A}">
-                    <a16:rowId xmlns:a16="http://schemas.microsoft.com/office/drawing/2014/main" val="1636792577"/>
-                  </a:ext>
-                </a:extLst>
-              </a:tr>
-              <a:tr h="581727">
-                <a:tc>
-                  <a:txBody>
-                    <a:bodyPr/>
-                    <a:lstStyle/>
-                    <a:p>
-                      <a:pPr algn="ctr"/>
-                      <a:r>
-                        <a:rPr lang="en-GR" dirty="0"/>
-                        <a:t>|eta| (both leading jets)</a:t>
-                      </a:r>
-                    </a:p>
-                  </a:txBody>
-                  <a:tcPr/>
-                </a:tc>
-                <a:tc>
-                  <a:txBody>
-                    <a:bodyPr/>
-                    <a:lstStyle/>
-                    <a:p>
-                      <a:pPr algn="ctr"/>
-                      <a:r>
-                        <a:rPr lang="en-GR" dirty="0"/>
-                        <a:t>&lt; 2.4</a:t>
-                      </a:r>
-                    </a:p>
-                  </a:txBody>
-                  <a:tcPr/>
-                </a:tc>
-                <a:extLst>
-                  <a:ext uri="{0D108BD9-81ED-4DB2-BD59-A6C34878D82A}">
-                    <a16:rowId xmlns:a16="http://schemas.microsoft.com/office/drawing/2014/main" val="2646382854"/>
-                  </a:ext>
-                </a:extLst>
-              </a:tr>
-              <a:tr h="462602">
-                <a:tc>
-                  <a:txBody>
-                    <a:bodyPr/>
-                    <a:lstStyle/>
-                    <a:p>
-                      <a:pPr algn="ctr"/>
-                      <a:r>
-                        <a:rPr lang="en-GR" dirty="0"/>
-                        <a:t>mJJ</a:t>
-                      </a:r>
-                    </a:p>
-                  </a:txBody>
-                  <a:tcPr/>
-                </a:tc>
-                <a:tc>
-                  <a:txBody>
-                    <a:bodyPr/>
-                    <a:lstStyle/>
-                    <a:p>
-                      <a:pPr algn="ctr"/>
-                      <a:r>
-                        <a:rPr lang="en-GR" dirty="0"/>
-                        <a:t>&gt; 1000 GeV</a:t>
-                      </a:r>
-                    </a:p>
-                  </a:txBody>
-                  <a:tcPr/>
-                </a:tc>
-                <a:extLst>
-                  <a:ext uri="{0D108BD9-81ED-4DB2-BD59-A6C34878D82A}">
-                    <a16:rowId xmlns:a16="http://schemas.microsoft.com/office/drawing/2014/main" val="1717255047"/>
-                  </a:ext>
-                </a:extLst>
-              </a:tr>
-              <a:tr h="581727">
-                <a:tc>
-                  <a:txBody>
-                    <a:bodyPr/>
-                    <a:lstStyle/>
-                    <a:p>
-                      <a:pPr algn="ctr"/>
-                      <a:r>
-                        <a:rPr lang="en-GR" dirty="0"/>
-                        <a:t>jetMassSoftDrop (only for fit)</a:t>
-                      </a:r>
-                    </a:p>
-                  </a:txBody>
-                  <a:tcPr/>
-                </a:tc>
-                <a:tc>
-                  <a:txBody>
-                    <a:bodyPr/>
-                    <a:lstStyle/>
-                    <a:p>
-                      <a:pPr algn="ctr"/>
-                      <a:r>
-                        <a:rPr lang="en-GR" dirty="0"/>
-                        <a:t>(50,300) GeV</a:t>
-                      </a:r>
-                    </a:p>
-                  </a:txBody>
-                  <a:tcPr/>
-                </a:tc>
-                <a:extLst>
-                  <a:ext uri="{0D108BD9-81ED-4DB2-BD59-A6C34878D82A}">
-                    <a16:rowId xmlns:a16="http://schemas.microsoft.com/office/drawing/2014/main" val="4172697806"/>
-                  </a:ext>
-                </a:extLst>
-              </a:tr>
-              <a:tr h="581727">
-                <a:tc>
-                  <a:txBody>
-                    <a:bodyPr/>
-                    <a:lstStyle/>
-                    <a:p>
-                      <a:pPr marL="0" marR="0" lvl="0" indent="0" algn="ctr" defTabSz="914400" rtl="0" eaLnBrk="1" fontAlgn="auto" latinLnBrk="0" hangingPunct="1">
-                        <a:lnSpc>
-                          <a:spcPct val="100000"/>
-                        </a:lnSpc>
-                        <a:spcBef>
-                          <a:spcPts val="0"/>
-                        </a:spcBef>
-                        <a:spcAft>
-                          <a:spcPts val="0"/>
-                        </a:spcAft>
-                        <a:buClrTx/>
-                        <a:buSzTx/>
-                        <a:buFontTx/>
-                        <a:buNone/>
-                        <a:tabLst/>
-                        <a:defRPr/>
-                      </a:pPr>
-                      <a:r>
-                        <a:rPr lang="en-GB" dirty="0"/>
-                        <a:t>T</a:t>
-                      </a:r>
-                      <a:r>
-                        <a:rPr lang="en-GR" dirty="0"/>
-                        <a:t>op Tagger</a:t>
-                      </a:r>
-                    </a:p>
-                    <a:p>
-                      <a:pPr algn="ctr"/>
-                      <a:endParaRPr lang="en-GR" dirty="0"/>
-                    </a:p>
-                  </a:txBody>
-                  <a:tcPr/>
-                </a:tc>
-                <a:tc>
-                  <a:txBody>
-                    <a:bodyPr/>
-                    <a:lstStyle/>
-                    <a:p>
-                      <a:pPr algn="ctr"/>
-                      <a:r>
-                        <a:rPr lang="en-GR" dirty="0"/>
-                        <a:t>&gt; </a:t>
-                      </a:r>
-                      <a:r>
-                        <a:rPr lang="en-GR" dirty="0">
-                          <a:solidFill>
-                            <a:srgbClr val="00B0F0"/>
-                          </a:solidFill>
-                        </a:rPr>
-                        <a:t>0.2</a:t>
-                      </a:r>
-                      <a:r>
-                        <a:rPr lang="en-GR" dirty="0"/>
-                        <a:t>, </a:t>
-                      </a:r>
-                      <a:r>
-                        <a:rPr lang="en-GR" dirty="0">
-                          <a:solidFill>
-                            <a:srgbClr val="FF0000"/>
-                          </a:solidFill>
-                        </a:rPr>
-                        <a:t>0</a:t>
-                      </a:r>
-                      <a:r>
-                        <a:rPr lang="en-GR" dirty="0"/>
-                        <a:t>, </a:t>
-                      </a:r>
-                      <a:r>
-                        <a:rPr lang="en-GR" dirty="0">
-                          <a:solidFill>
-                            <a:srgbClr val="00B050"/>
-                          </a:solidFill>
-                        </a:rPr>
-                        <a:t>0.1</a:t>
-                      </a:r>
-                    </a:p>
-                  </a:txBody>
-                  <a:tcPr/>
-                </a:tc>
-                <a:extLst>
-                  <a:ext uri="{0D108BD9-81ED-4DB2-BD59-A6C34878D82A}">
-                    <a16:rowId xmlns:a16="http://schemas.microsoft.com/office/drawing/2014/main" val="1785673893"/>
-                  </a:ext>
-                </a:extLst>
-              </a:tr>
-              <a:tr h="581727">
-                <a:tc>
-                  <a:txBody>
-                    <a:bodyPr/>
-                    <a:lstStyle/>
-                    <a:p>
-                      <a:pPr algn="ctr"/>
-                      <a:r>
-                        <a:rPr lang="en-GR" dirty="0"/>
-                        <a:t>B tagging (2 btagged jets)</a:t>
-                      </a:r>
-                    </a:p>
-                  </a:txBody>
-                  <a:tcPr/>
-                </a:tc>
-                <a:tc>
-                  <a:txBody>
-                    <a:bodyPr/>
-                    <a:lstStyle/>
-                    <a:p>
-                      <a:pPr algn="ctr"/>
-                      <a:r>
-                        <a:rPr lang="en-GR" dirty="0"/>
-                        <a:t>&gt; </a:t>
-                      </a:r>
-                      <a:r>
-                        <a:rPr lang="en-GR" dirty="0">
-                          <a:solidFill>
-                            <a:srgbClr val="FF0000"/>
-                          </a:solidFill>
-                        </a:rPr>
-                        <a:t>Medium</a:t>
-                      </a:r>
-                      <a:r>
-                        <a:rPr lang="en-GR" dirty="0"/>
-                        <a:t> WP</a:t>
-                      </a:r>
-                    </a:p>
-                  </a:txBody>
-                  <a:tcPr/>
-                </a:tc>
-                <a:extLst>
-                  <a:ext uri="{0D108BD9-81ED-4DB2-BD59-A6C34878D82A}">
-                    <a16:rowId xmlns:a16="http://schemas.microsoft.com/office/drawing/2014/main" val="770137147"/>
-                  </a:ext>
-                </a:extLst>
-              </a:tr>
-              <a:tr h="581727">
-                <a:tc>
-                  <a:txBody>
-                    <a:bodyPr/>
-                    <a:lstStyle/>
-                    <a:p>
-                      <a:pPr algn="ctr"/>
-                      <a:r>
-                        <a:rPr lang="en-GR" dirty="0"/>
-                        <a:t>Signal Trigger</a:t>
-                      </a:r>
-                    </a:p>
-                  </a:txBody>
-                  <a:tcPr/>
-                </a:tc>
-                <a:tc>
-                  <a:txBody>
-                    <a:bodyPr/>
-                    <a:lstStyle/>
-                    <a:p>
-                      <a:pPr algn="ctr"/>
-                      <a:endParaRPr lang="en-GR" dirty="0"/>
-                    </a:p>
-                  </a:txBody>
-                  <a:tcPr/>
-                </a:tc>
-                <a:extLst>
-                  <a:ext uri="{0D108BD9-81ED-4DB2-BD59-A6C34878D82A}">
-                    <a16:rowId xmlns:a16="http://schemas.microsoft.com/office/drawing/2014/main" val="2405045937"/>
-                  </a:ext>
-                </a:extLst>
-              </a:tr>
-            </a:tbl>
-          </a:graphicData>
-        </a:graphic>
-      </p:graphicFrame>
-      <p:graphicFrame>
-        <p:nvGraphicFramePr>
-          <p:cNvPr id="10" name="Table 9">
-            <a:extLst>
-              <a:ext uri="{FF2B5EF4-FFF2-40B4-BE49-F238E27FC236}">
-                <a16:creationId xmlns:a16="http://schemas.microsoft.com/office/drawing/2014/main" id="{DAB3EDC7-2C81-A141-8F2F-14CEB014A448}"/>
-              </a:ext>
-            </a:extLst>
-          </p:cNvPr>
-          <p:cNvGraphicFramePr>
-            <a:graphicFrameLocks noGrp="1"/>
-          </p:cNvGraphicFramePr>
-          <p:nvPr>
-            <p:extLst>
-              <p:ext uri="{D42A27DB-BD31-4B8C-83A1-F6EECF244321}">
-                <p14:modId xmlns:p14="http://schemas.microsoft.com/office/powerpoint/2010/main" val="2930218800"/>
-              </p:ext>
-            </p:extLst>
-          </p:nvPr>
-        </p:nvGraphicFramePr>
-        <p:xfrm>
-          <a:off x="6844365" y="557852"/>
-          <a:ext cx="4368118" cy="5498871"/>
-        </p:xfrm>
-        <a:graphic>
-          <a:graphicData uri="http://schemas.openxmlformats.org/drawingml/2006/table">
-            <a:tbl>
-              <a:tblPr firstRow="1" bandRow="1">
-                <a:tableStyleId>{0660B408-B3CF-4A94-85FC-2B1E0A45F4A2}</a:tableStyleId>
-              </a:tblPr>
-              <a:tblGrid>
-                <a:gridCol w="2184059">
-                  <a:extLst>
-                    <a:ext uri="{9D8B030D-6E8A-4147-A177-3AD203B41FA5}">
-                      <a16:colId xmlns:a16="http://schemas.microsoft.com/office/drawing/2014/main" val="3731337435"/>
-                    </a:ext>
-                  </a:extLst>
-                </a:gridCol>
-                <a:gridCol w="2184059">
-                  <a:extLst>
-                    <a:ext uri="{9D8B030D-6E8A-4147-A177-3AD203B41FA5}">
-                      <a16:colId xmlns:a16="http://schemas.microsoft.com/office/drawing/2014/main" val="3688698510"/>
-                    </a:ext>
-                  </a:extLst>
-                </a:gridCol>
-              </a:tblGrid>
-              <a:tr h="430967">
-                <a:tc>
-                  <a:txBody>
-                    <a:bodyPr/>
-                    <a:lstStyle/>
-                    <a:p>
-                      <a:pPr algn="ctr"/>
-                      <a:r>
-                        <a:rPr lang="en-GR" dirty="0"/>
-                        <a:t>Variables</a:t>
-                      </a:r>
-                    </a:p>
-                  </a:txBody>
-                  <a:tcPr/>
-                </a:tc>
-                <a:tc>
-                  <a:txBody>
-                    <a:bodyPr/>
-                    <a:lstStyle/>
-                    <a:p>
-                      <a:pPr algn="ctr"/>
-                      <a:r>
-                        <a:rPr lang="en-GR" dirty="0"/>
-                        <a:t>Selected Cut</a:t>
-                      </a:r>
-                    </a:p>
-                  </a:txBody>
-                  <a:tcPr/>
-                </a:tc>
-                <a:extLst>
-                  <a:ext uri="{0D108BD9-81ED-4DB2-BD59-A6C34878D82A}">
-                    <a16:rowId xmlns:a16="http://schemas.microsoft.com/office/drawing/2014/main" val="1233017762"/>
-                  </a:ext>
-                </a:extLst>
-              </a:tr>
-              <a:tr h="494428">
-                <a:tc>
-                  <a:txBody>
-                    <a:bodyPr/>
-                    <a:lstStyle/>
-                    <a:p>
-                      <a:pPr algn="ctr"/>
-                      <a:r>
-                        <a:rPr lang="en-GR" dirty="0"/>
-                        <a:t>pT (both leading jets) </a:t>
-                      </a:r>
-                    </a:p>
-                  </a:txBody>
-                  <a:tcPr/>
-                </a:tc>
-                <a:tc>
-                  <a:txBody>
-                    <a:bodyPr/>
-                    <a:lstStyle/>
-                    <a:p>
-                      <a:pPr algn="ctr"/>
-                      <a:r>
-                        <a:rPr lang="en-GR" dirty="0"/>
-                        <a:t>&gt; 400 GeV</a:t>
-                      </a:r>
-                    </a:p>
-                  </a:txBody>
-                  <a:tcPr/>
-                </a:tc>
-                <a:extLst>
-                  <a:ext uri="{0D108BD9-81ED-4DB2-BD59-A6C34878D82A}">
-                    <a16:rowId xmlns:a16="http://schemas.microsoft.com/office/drawing/2014/main" val="1455770781"/>
-                  </a:ext>
-                </a:extLst>
-              </a:tr>
-              <a:tr h="430967">
-                <a:tc>
-                  <a:txBody>
-                    <a:bodyPr/>
-                    <a:lstStyle/>
-                    <a:p>
-                      <a:pPr algn="ctr"/>
-                      <a:r>
-                        <a:rPr lang="en-GR" dirty="0"/>
-                        <a:t>Njets </a:t>
-                      </a:r>
-                    </a:p>
-                  </a:txBody>
-                  <a:tcPr/>
-                </a:tc>
-                <a:tc>
-                  <a:txBody>
-                    <a:bodyPr/>
-                    <a:lstStyle/>
-                    <a:p>
-                      <a:pPr algn="ctr"/>
-                      <a:r>
-                        <a:rPr lang="en-GR" dirty="0"/>
-                        <a:t>&gt; 1</a:t>
-                      </a:r>
-                    </a:p>
-                  </a:txBody>
-                  <a:tcPr/>
-                </a:tc>
-                <a:extLst>
-                  <a:ext uri="{0D108BD9-81ED-4DB2-BD59-A6C34878D82A}">
-                    <a16:rowId xmlns:a16="http://schemas.microsoft.com/office/drawing/2014/main" val="3320086472"/>
-                  </a:ext>
-                </a:extLst>
-              </a:tr>
-              <a:tr h="605786">
-                <a:tc>
-                  <a:txBody>
-                    <a:bodyPr/>
-                    <a:lstStyle/>
-                    <a:p>
-                      <a:pPr marL="0" marR="0" lvl="0" indent="0" algn="ctr" defTabSz="914400" rtl="0" eaLnBrk="1" fontAlgn="auto" latinLnBrk="0" hangingPunct="1">
-                        <a:lnSpc>
-                          <a:spcPct val="100000"/>
-                        </a:lnSpc>
-                        <a:spcBef>
-                          <a:spcPts val="0"/>
-                        </a:spcBef>
-                        <a:spcAft>
-                          <a:spcPts val="0"/>
-                        </a:spcAft>
-                        <a:buClrTx/>
-                        <a:buSzTx/>
-                        <a:buFontTx/>
-                        <a:buNone/>
-                        <a:tabLst/>
-                        <a:defRPr/>
-                      </a:pPr>
-                      <a:r>
-                        <a:rPr lang="en-GR" dirty="0"/>
-                        <a:t>N leptons</a:t>
-                      </a:r>
-                    </a:p>
-                  </a:txBody>
-                  <a:tcPr/>
-                </a:tc>
-                <a:tc>
-                  <a:txBody>
-                    <a:bodyPr/>
-                    <a:lstStyle/>
-                    <a:p>
-                      <a:pPr algn="ctr"/>
-                      <a:r>
-                        <a:rPr lang="en-GR" dirty="0"/>
-                        <a:t>= 0</a:t>
-                      </a:r>
-                    </a:p>
-                  </a:txBody>
-                  <a:tcPr/>
-                </a:tc>
-                <a:extLst>
-                  <a:ext uri="{0D108BD9-81ED-4DB2-BD59-A6C34878D82A}">
-                    <a16:rowId xmlns:a16="http://schemas.microsoft.com/office/drawing/2014/main" val="1978738799"/>
-                  </a:ext>
-                </a:extLst>
-              </a:tr>
-              <a:tr h="629126">
-                <a:tc>
-                  <a:txBody>
-                    <a:bodyPr/>
-                    <a:lstStyle/>
-                    <a:p>
-                      <a:pPr algn="ctr"/>
-                      <a:r>
-                        <a:rPr lang="en-GR" dirty="0"/>
-                        <a:t>|eta| (both leading jets)</a:t>
-                      </a:r>
-                    </a:p>
-                  </a:txBody>
-                  <a:tcPr/>
-                </a:tc>
-                <a:tc>
-                  <a:txBody>
-                    <a:bodyPr/>
-                    <a:lstStyle/>
-                    <a:p>
-                      <a:pPr algn="ctr"/>
-                      <a:r>
-                        <a:rPr lang="en-GR" dirty="0"/>
-                        <a:t>&lt; 2.4</a:t>
-                      </a:r>
-                    </a:p>
-                  </a:txBody>
-                  <a:tcPr/>
-                </a:tc>
-                <a:extLst>
-                  <a:ext uri="{0D108BD9-81ED-4DB2-BD59-A6C34878D82A}">
-                    <a16:rowId xmlns:a16="http://schemas.microsoft.com/office/drawing/2014/main" val="2646382854"/>
-                  </a:ext>
-                </a:extLst>
-              </a:tr>
-              <a:tr h="430967">
-                <a:tc>
-                  <a:txBody>
-                    <a:bodyPr/>
-                    <a:lstStyle/>
-                    <a:p>
-                      <a:pPr algn="ctr"/>
-                      <a:r>
-                        <a:rPr lang="en-GR" dirty="0"/>
-                        <a:t>mJJ</a:t>
-                      </a:r>
-                    </a:p>
-                  </a:txBody>
-                  <a:tcPr/>
-                </a:tc>
-                <a:tc>
-                  <a:txBody>
-                    <a:bodyPr/>
-                    <a:lstStyle/>
-                    <a:p>
-                      <a:pPr algn="ctr"/>
-                      <a:r>
-                        <a:rPr lang="en-GR" dirty="0"/>
-                        <a:t>&gt; 1000 GeV</a:t>
-                      </a:r>
-                    </a:p>
-                  </a:txBody>
-                  <a:tcPr/>
-                </a:tc>
-                <a:extLst>
-                  <a:ext uri="{0D108BD9-81ED-4DB2-BD59-A6C34878D82A}">
-                    <a16:rowId xmlns:a16="http://schemas.microsoft.com/office/drawing/2014/main" val="1717255047"/>
-                  </a:ext>
-                </a:extLst>
-              </a:tr>
-              <a:tr h="629126">
-                <a:tc>
-                  <a:txBody>
-                    <a:bodyPr/>
-                    <a:lstStyle/>
-                    <a:p>
-                      <a:pPr algn="ctr"/>
-                      <a:r>
-                        <a:rPr lang="en-GR" dirty="0"/>
-                        <a:t>jetMassSoftDrop (only for fit)</a:t>
-                      </a:r>
-                    </a:p>
-                  </a:txBody>
-                  <a:tcPr/>
-                </a:tc>
-                <a:tc>
-                  <a:txBody>
-                    <a:bodyPr/>
-                    <a:lstStyle/>
-                    <a:p>
-                      <a:pPr algn="ctr"/>
-                      <a:r>
-                        <a:rPr lang="en-GR" dirty="0"/>
-                        <a:t>(50,300) GeV</a:t>
-                      </a:r>
-                    </a:p>
-                  </a:txBody>
-                  <a:tcPr/>
-                </a:tc>
-                <a:extLst>
-                  <a:ext uri="{0D108BD9-81ED-4DB2-BD59-A6C34878D82A}">
-                    <a16:rowId xmlns:a16="http://schemas.microsoft.com/office/drawing/2014/main" val="4172697806"/>
-                  </a:ext>
-                </a:extLst>
-              </a:tr>
-              <a:tr h="629126">
-                <a:tc>
-                  <a:txBody>
-                    <a:bodyPr/>
-                    <a:lstStyle/>
-                    <a:p>
-                      <a:pPr marL="0" marR="0" lvl="0" indent="0" algn="ctr" defTabSz="914400" rtl="0" eaLnBrk="1" fontAlgn="auto" latinLnBrk="0" hangingPunct="1">
-                        <a:lnSpc>
-                          <a:spcPct val="100000"/>
-                        </a:lnSpc>
-                        <a:spcBef>
-                          <a:spcPts val="0"/>
-                        </a:spcBef>
-                        <a:spcAft>
-                          <a:spcPts val="0"/>
-                        </a:spcAft>
-                        <a:buClrTx/>
-                        <a:buSzTx/>
-                        <a:buFontTx/>
-                        <a:buNone/>
-                        <a:tabLst/>
-                        <a:defRPr/>
-                      </a:pPr>
-                      <a:r>
-                        <a:rPr lang="en-GB" dirty="0"/>
-                        <a:t>T</a:t>
-                      </a:r>
-                      <a:r>
-                        <a:rPr lang="en-GR" dirty="0"/>
-                        <a:t>op Tagger</a:t>
-                      </a:r>
-                    </a:p>
-                    <a:p>
-                      <a:pPr algn="ctr"/>
-                      <a:endParaRPr lang="en-GR" dirty="0"/>
-                    </a:p>
-                  </a:txBody>
-                  <a:tcPr/>
-                </a:tc>
-                <a:tc>
-                  <a:txBody>
-                    <a:bodyPr/>
-                    <a:lstStyle/>
-                    <a:p>
-                      <a:pPr marL="0" marR="0" lvl="0" indent="0" algn="ctr" defTabSz="914400" rtl="0" eaLnBrk="1" fontAlgn="auto" latinLnBrk="0" hangingPunct="1">
-                        <a:lnSpc>
-                          <a:spcPct val="100000"/>
-                        </a:lnSpc>
-                        <a:spcBef>
-                          <a:spcPts val="0"/>
-                        </a:spcBef>
-                        <a:spcAft>
-                          <a:spcPts val="0"/>
-                        </a:spcAft>
-                        <a:buClrTx/>
-                        <a:buSzTx/>
-                        <a:buFontTx/>
-                        <a:buNone/>
-                        <a:tabLst/>
-                        <a:defRPr/>
-                      </a:pPr>
-                      <a:r>
-                        <a:rPr lang="en-GR" dirty="0"/>
-                        <a:t>&gt; </a:t>
-                      </a:r>
-                      <a:r>
-                        <a:rPr lang="en-GR" dirty="0">
-                          <a:solidFill>
-                            <a:srgbClr val="00B0F0"/>
-                          </a:solidFill>
-                        </a:rPr>
-                        <a:t>0.2</a:t>
-                      </a:r>
-                      <a:r>
-                        <a:rPr lang="en-GR" dirty="0"/>
-                        <a:t>, </a:t>
-                      </a:r>
-                      <a:r>
-                        <a:rPr lang="en-GR" dirty="0">
-                          <a:solidFill>
-                            <a:srgbClr val="FF0000"/>
-                          </a:solidFill>
-                        </a:rPr>
-                        <a:t>0</a:t>
-                      </a:r>
-                      <a:r>
-                        <a:rPr lang="en-GR" dirty="0"/>
-                        <a:t>, </a:t>
-                      </a:r>
-                      <a:r>
-                        <a:rPr lang="en-GR" dirty="0">
-                          <a:solidFill>
-                            <a:srgbClr val="00B050"/>
-                          </a:solidFill>
-                        </a:rPr>
-                        <a:t>0.1</a:t>
-                      </a:r>
-                    </a:p>
-                    <a:p>
-                      <a:pPr algn="ctr"/>
-                      <a:endParaRPr lang="en-GR" dirty="0"/>
-                    </a:p>
-                  </a:txBody>
-                  <a:tcPr/>
-                </a:tc>
-                <a:extLst>
-                  <a:ext uri="{0D108BD9-81ED-4DB2-BD59-A6C34878D82A}">
-                    <a16:rowId xmlns:a16="http://schemas.microsoft.com/office/drawing/2014/main" val="1785673893"/>
-                  </a:ext>
-                </a:extLst>
-              </a:tr>
-              <a:tr h="629126">
-                <a:tc>
-                  <a:txBody>
-                    <a:bodyPr/>
-                    <a:lstStyle/>
-                    <a:p>
-                      <a:pPr algn="ctr"/>
-                      <a:r>
-                        <a:rPr lang="en-GR" dirty="0"/>
-                        <a:t>B tagging (0 btagged jets)</a:t>
-                      </a:r>
-                    </a:p>
-                  </a:txBody>
-                  <a:tcPr/>
-                </a:tc>
-                <a:tc>
-                  <a:txBody>
-                    <a:bodyPr/>
-                    <a:lstStyle/>
-                    <a:p>
-                      <a:pPr algn="ctr"/>
-                      <a:r>
-                        <a:rPr lang="en-GR" dirty="0"/>
-                        <a:t>&lt; </a:t>
-                      </a:r>
-                      <a:r>
-                        <a:rPr lang="en-GR" dirty="0">
-                          <a:solidFill>
-                            <a:srgbClr val="FF0000"/>
-                          </a:solidFill>
-                        </a:rPr>
-                        <a:t>Medium</a:t>
-                      </a:r>
-                      <a:r>
-                        <a:rPr lang="en-GR" dirty="0"/>
-                        <a:t> WP</a:t>
-                      </a:r>
-                    </a:p>
-                  </a:txBody>
-                  <a:tcPr/>
-                </a:tc>
-                <a:extLst>
-                  <a:ext uri="{0D108BD9-81ED-4DB2-BD59-A6C34878D82A}">
-                    <a16:rowId xmlns:a16="http://schemas.microsoft.com/office/drawing/2014/main" val="770137147"/>
-                  </a:ext>
-                </a:extLst>
-              </a:tr>
-              <a:tr h="545436">
-                <a:tc>
-                  <a:txBody>
-                    <a:bodyPr/>
-                    <a:lstStyle/>
-                    <a:p>
-                      <a:pPr algn="ctr"/>
-                      <a:r>
-                        <a:rPr lang="en-GR" dirty="0"/>
-                        <a:t>Control Trigger</a:t>
-                      </a:r>
-                    </a:p>
-                  </a:txBody>
-                  <a:tcPr/>
-                </a:tc>
-                <a:tc>
-                  <a:txBody>
-                    <a:bodyPr/>
-                    <a:lstStyle/>
-                    <a:p>
-                      <a:pPr algn="ctr"/>
-                      <a:endParaRPr lang="en-GR" dirty="0"/>
-                    </a:p>
-                  </a:txBody>
-                  <a:tcPr/>
-                </a:tc>
-                <a:extLst>
-                  <a:ext uri="{0D108BD9-81ED-4DB2-BD59-A6C34878D82A}">
-                    <a16:rowId xmlns:a16="http://schemas.microsoft.com/office/drawing/2014/main" val="1181864082"/>
-                  </a:ext>
-                </a:extLst>
-              </a:tr>
-            </a:tbl>
-          </a:graphicData>
-        </a:graphic>
-      </p:graphicFrame>
-      <p:sp>
-        <p:nvSpPr>
-          <p:cNvPr id="11" name="TextBox 10">
-            <a:extLst>
-              <a:ext uri="{FF2B5EF4-FFF2-40B4-BE49-F238E27FC236}">
-                <a16:creationId xmlns:a16="http://schemas.microsoft.com/office/drawing/2014/main" id="{9E9DDF71-90B0-C245-8A52-0A505D755F00}"/>
-              </a:ext>
-            </a:extLst>
-          </p:cNvPr>
-          <p:cNvSpPr txBox="1"/>
-          <p:nvPr/>
-        </p:nvSpPr>
-        <p:spPr>
-          <a:xfrm>
-            <a:off x="7423707" y="65430"/>
-            <a:ext cx="3291946" cy="430887"/>
-          </a:xfrm>
-          <a:prstGeom prst="rect">
-            <a:avLst/>
-          </a:prstGeom>
-          <a:noFill/>
-        </p:spPr>
-        <p:txBody>
-          <a:bodyPr wrap="square" rtlCol="0">
-            <a:spAutoFit/>
-          </a:bodyPr>
-          <a:lstStyle/>
-          <a:p>
-            <a:r>
-              <a:rPr lang="en-US" sz="2200" dirty="0">
-                <a:solidFill>
-                  <a:srgbClr val="FF0000"/>
-                </a:solidFill>
-                <a:sym typeface="Wingdings" pitchFamily="2" charset="2"/>
-              </a:rPr>
-              <a:t>Control Region Selection</a:t>
-            </a:r>
-          </a:p>
-        </p:txBody>
-      </p:sp>
-    </p:spTree>
-    <p:extLst>
-      <p:ext uri="{BB962C8B-B14F-4D97-AF65-F5344CB8AC3E}">
-        <p14:creationId xmlns:p14="http://schemas.microsoft.com/office/powerpoint/2010/main" val="701700304"/>
-      </p:ext>
-    </p:extLst>
-  </p:cSld>
-  <p:clrMapOvr>
-    <a:masterClrMapping/>
-  </p:clrMapOvr>
-</p:sld>
-</file>
-
-<file path=ppt/slides/slide30.xml><?xml version="1.0" encoding="utf-8"?>
-<p:sld xmlns:a="http://schemas.openxmlformats.org/drawingml/2006/main" xmlns:r="http://schemas.openxmlformats.org/officeDocument/2006/relationships" xmlns:p="http://schemas.openxmlformats.org/presentationml/2006/main">
-  <p:cSld>
-    <p:spTree>
-      <p:nvGrpSpPr>
-        <p:cNvPr id="1" name=""/>
-        <p:cNvGrpSpPr/>
-        <p:nvPr/>
-      </p:nvGrpSpPr>
-      <p:grpSpPr>
-        <a:xfrm>
-          <a:off x="0" y="0"/>
-          <a:ext cx="0" cy="0"/>
-          <a:chOff x="0" y="0"/>
-          <a:chExt cx="0" cy="0"/>
-        </a:xfrm>
-      </p:grpSpPr>
-      <p:sp>
-        <p:nvSpPr>
-          <p:cNvPr id="3" name="Footer Placeholder 2"/>
-          <p:cNvSpPr>
-            <a:spLocks noGrp="1"/>
-          </p:cNvSpPr>
-          <p:nvPr>
-            <p:ph type="ftr" sz="quarter" idx="11"/>
-          </p:nvPr>
-        </p:nvSpPr>
-        <p:spPr/>
-        <p:txBody>
-          <a:bodyPr/>
-          <a:lstStyle/>
-          <a:p>
-            <a:r>
-              <a:rPr lang="fi-FI" dirty="0"/>
-              <a:t>NTUA G. </a:t>
-            </a:r>
-            <a:r>
-              <a:rPr lang="fi-FI" dirty="0" err="1"/>
-              <a:t>Bakas</a:t>
-            </a:r>
-            <a:endParaRPr lang="en-US" dirty="0"/>
-          </a:p>
-        </p:txBody>
-      </p:sp>
-      <p:sp>
-        <p:nvSpPr>
-          <p:cNvPr id="7" name="TextBox 6"/>
-          <p:cNvSpPr txBox="1"/>
-          <p:nvPr/>
-        </p:nvSpPr>
-        <p:spPr>
-          <a:xfrm>
-            <a:off x="3276600" y="33090"/>
-            <a:ext cx="5638800" cy="523220"/>
-          </a:xfrm>
-          <a:prstGeom prst="rect">
-            <a:avLst/>
-          </a:prstGeom>
-          <a:noFill/>
-        </p:spPr>
-        <p:txBody>
-          <a:bodyPr wrap="square" rtlCol="0">
-            <a:spAutoFit/>
-          </a:bodyPr>
-          <a:lstStyle/>
-          <a:p>
-            <a:pPr algn="ctr"/>
-            <a:r>
-              <a:rPr lang="en-US" sz="2800" u="sng" dirty="0"/>
-              <a:t>Tag And Probe Calculations </a:t>
-            </a:r>
-            <a:r>
-              <a:rPr lang="en-US" sz="2800" u="sng" dirty="0">
-                <a:solidFill>
-                  <a:srgbClr val="00B0F0"/>
-                </a:solidFill>
-              </a:rPr>
-              <a:t>2016</a:t>
-            </a:r>
-            <a:r>
-              <a:rPr lang="en-US" sz="2800" u="sng" dirty="0"/>
-              <a:t> </a:t>
-            </a:r>
-            <a:endParaRPr lang="en-US" sz="2800" u="sng" dirty="0">
-              <a:solidFill>
-                <a:srgbClr val="00B050"/>
-              </a:solidFill>
-            </a:endParaRPr>
-          </a:p>
-        </p:txBody>
-      </p:sp>
-      <p:sp>
-        <p:nvSpPr>
-          <p:cNvPr id="5" name="Slide Number Placeholder 4">
-            <a:extLst>
-              <a:ext uri="{FF2B5EF4-FFF2-40B4-BE49-F238E27FC236}">
-                <a16:creationId xmlns:a16="http://schemas.microsoft.com/office/drawing/2014/main" id="{69A96869-DB60-5345-ACD9-F1C41035B064}"/>
-              </a:ext>
-            </a:extLst>
-          </p:cNvPr>
-          <p:cNvSpPr>
-            <a:spLocks noGrp="1"/>
-          </p:cNvSpPr>
-          <p:nvPr>
-            <p:ph type="sldNum" sz="quarter" idx="12"/>
-          </p:nvPr>
-        </p:nvSpPr>
-        <p:spPr/>
-        <p:txBody>
-          <a:bodyPr/>
-          <a:lstStyle/>
-          <a:p>
-            <a:fld id="{4FAB73BC-B049-4115-A692-8D63A059BFB8}" type="slidenum">
-              <a:rPr lang="en-US" smtClean="0"/>
-              <a:pPr/>
-              <a:t>30</a:t>
-            </a:fld>
-            <a:endParaRPr lang="en-US" dirty="0"/>
-          </a:p>
-        </p:txBody>
-      </p:sp>
-      <p:sp>
-        <p:nvSpPr>
-          <p:cNvPr id="24" name="Date Placeholder 23">
-            <a:extLst>
-              <a:ext uri="{FF2B5EF4-FFF2-40B4-BE49-F238E27FC236}">
-                <a16:creationId xmlns:a16="http://schemas.microsoft.com/office/drawing/2014/main" id="{056D71EF-2E89-4043-8F92-90A4D46A3E69}"/>
-              </a:ext>
-            </a:extLst>
-          </p:cNvPr>
-          <p:cNvSpPr>
-            <a:spLocks noGrp="1"/>
-          </p:cNvSpPr>
-          <p:nvPr>
-            <p:ph type="dt" sz="half" idx="10"/>
-          </p:nvPr>
-        </p:nvSpPr>
-        <p:spPr/>
-        <p:txBody>
-          <a:bodyPr/>
-          <a:lstStyle/>
-          <a:p>
-            <a:fld id="{3DBB7BD0-9B8D-1F47-8ABF-BE3CF9BD2848}" type="datetime1">
-              <a:rPr lang="en-US" smtClean="0"/>
-              <a:t>9/8/20</a:t>
-            </a:fld>
-            <a:endParaRPr lang="en-US" dirty="0"/>
-          </a:p>
-        </p:txBody>
-      </p:sp>
-      <p:sp>
-        <p:nvSpPr>
-          <p:cNvPr id="6" name="Rectangle 5">
-            <a:extLst>
-              <a:ext uri="{FF2B5EF4-FFF2-40B4-BE49-F238E27FC236}">
-                <a16:creationId xmlns:a16="http://schemas.microsoft.com/office/drawing/2014/main" id="{1D3A9800-C923-F943-ACA5-B4B9B9A1D73D}"/>
-              </a:ext>
-            </a:extLst>
-          </p:cNvPr>
-          <p:cNvSpPr/>
-          <p:nvPr/>
-        </p:nvSpPr>
-        <p:spPr>
-          <a:xfrm>
-            <a:off x="7939701" y="638586"/>
-            <a:ext cx="2289346" cy="369332"/>
-          </a:xfrm>
-          <a:prstGeom prst="rect">
-            <a:avLst/>
-          </a:prstGeom>
-        </p:spPr>
-        <p:txBody>
-          <a:bodyPr wrap="none">
-            <a:spAutoFit/>
-          </a:bodyPr>
-          <a:lstStyle/>
-          <a:p>
-            <a:pPr algn="ctr"/>
-            <a:r>
-              <a:rPr lang="en-US" u="sng" dirty="0"/>
-              <a:t>without b tagging SF’s </a:t>
-            </a:r>
-          </a:p>
-        </p:txBody>
-      </p:sp>
-      <p:sp>
-        <p:nvSpPr>
-          <p:cNvPr id="8" name="Rectangle 7">
-            <a:extLst>
-              <a:ext uri="{FF2B5EF4-FFF2-40B4-BE49-F238E27FC236}">
-                <a16:creationId xmlns:a16="http://schemas.microsoft.com/office/drawing/2014/main" id="{FE0D63A0-1633-E841-944F-B91BFC6F0FEB}"/>
-              </a:ext>
-            </a:extLst>
-          </p:cNvPr>
-          <p:cNvSpPr/>
-          <p:nvPr/>
-        </p:nvSpPr>
-        <p:spPr>
-          <a:xfrm>
-            <a:off x="2333415" y="638586"/>
-            <a:ext cx="1499065" cy="369332"/>
-          </a:xfrm>
-          <a:prstGeom prst="rect">
-            <a:avLst/>
-          </a:prstGeom>
-        </p:spPr>
-        <p:txBody>
-          <a:bodyPr wrap="none">
-            <a:spAutoFit/>
-          </a:bodyPr>
-          <a:lstStyle/>
-          <a:p>
-            <a:pPr algn="ctr"/>
-            <a:r>
-              <a:rPr lang="en-US" u="sng" dirty="0"/>
-              <a:t>b tagging SF’s </a:t>
-            </a:r>
-          </a:p>
-        </p:txBody>
-      </p:sp>
-      <p:sp>
-        <p:nvSpPr>
-          <p:cNvPr id="4" name="Rectangle 3">
-            <a:extLst>
-              <a:ext uri="{FF2B5EF4-FFF2-40B4-BE49-F238E27FC236}">
-                <a16:creationId xmlns:a16="http://schemas.microsoft.com/office/drawing/2014/main" id="{5C3FEF86-DEE2-7A46-9297-5B0B54F82785}"/>
-              </a:ext>
-            </a:extLst>
-          </p:cNvPr>
-          <p:cNvSpPr/>
-          <p:nvPr/>
-        </p:nvSpPr>
-        <p:spPr>
-          <a:xfrm>
-            <a:off x="1237088" y="1582339"/>
-            <a:ext cx="3691717" cy="3693319"/>
-          </a:xfrm>
-          <a:prstGeom prst="rect">
-            <a:avLst/>
-          </a:prstGeom>
-        </p:spPr>
-        <p:txBody>
-          <a:bodyPr wrap="square">
-            <a:spAutoFit/>
-          </a:bodyPr>
-          <a:lstStyle/>
-          <a:p>
-            <a:r>
-              <a:rPr lang="en-GR" dirty="0"/>
-              <a:t>Efficiency--with btagging SF's</a:t>
-            </a:r>
-          </a:p>
-          <a:p>
-            <a:r>
-              <a:rPr lang="en-GR" dirty="0"/>
-              <a:t>eff data: 0.781 ± 0.038</a:t>
-            </a:r>
-          </a:p>
-          <a:p>
-            <a:r>
-              <a:rPr lang="en-GR" b="1" u="sng" dirty="0">
-                <a:solidFill>
-                  <a:srgbClr val="00B0F0"/>
-                </a:solidFill>
-              </a:rPr>
-              <a:t>eff ttbar: 0.772 ± 0.014</a:t>
-            </a:r>
-          </a:p>
-          <a:p>
-            <a:r>
-              <a:rPr lang="en-GR" dirty="0"/>
-              <a:t>-----------</a:t>
-            </a:r>
-          </a:p>
-          <a:p>
-            <a:r>
-              <a:rPr lang="en-GR" dirty="0"/>
-              <a:t>Efficiency per Pt region</a:t>
-            </a:r>
-          </a:p>
-          <a:p>
-            <a:r>
-              <a:rPr lang="en-GR" dirty="0"/>
-              <a:t>eff data pT[400-600]: 0.761 ± 0.042</a:t>
-            </a:r>
-          </a:p>
-          <a:p>
-            <a:r>
-              <a:rPr lang="en-GR" dirty="0"/>
-              <a:t>eff ttbar pT[400-600]: 0.778 ± 0.016</a:t>
-            </a:r>
-          </a:p>
-          <a:p>
-            <a:r>
-              <a:rPr lang="en-GR" dirty="0"/>
-              <a:t>-----------</a:t>
-            </a:r>
-          </a:p>
-          <a:p>
-            <a:r>
-              <a:rPr lang="en-GR" dirty="0"/>
-              <a:t>eff data pT[600-800]: 0.851 ± 0.100</a:t>
-            </a:r>
-          </a:p>
-          <a:p>
-            <a:r>
-              <a:rPr lang="en-GR" dirty="0"/>
-              <a:t>eff ttbar pT[600-800]: 0.748 ± 0.031</a:t>
-            </a:r>
-          </a:p>
-          <a:p>
-            <a:r>
-              <a:rPr lang="en-GR" dirty="0"/>
-              <a:t>-----------</a:t>
-            </a:r>
-          </a:p>
-          <a:p>
-            <a:r>
-              <a:rPr lang="en-GR" dirty="0"/>
-              <a:t>eff data pT[800-Inf]: 0.886 ± 0.160</a:t>
-            </a:r>
-          </a:p>
-          <a:p>
-            <a:r>
-              <a:rPr lang="en-GR" dirty="0"/>
-              <a:t>eff ttbar pT[800-Inf]: 0.775 ± 0.063</a:t>
-            </a:r>
-          </a:p>
-        </p:txBody>
-      </p:sp>
-      <p:sp>
-        <p:nvSpPr>
-          <p:cNvPr id="9" name="Rectangle 8">
-            <a:extLst>
-              <a:ext uri="{FF2B5EF4-FFF2-40B4-BE49-F238E27FC236}">
-                <a16:creationId xmlns:a16="http://schemas.microsoft.com/office/drawing/2014/main" id="{B6B55A27-C83E-6643-BB7E-E5EEB2946D8C}"/>
-              </a:ext>
-            </a:extLst>
-          </p:cNvPr>
-          <p:cNvSpPr/>
-          <p:nvPr/>
-        </p:nvSpPr>
-        <p:spPr>
-          <a:xfrm>
-            <a:off x="7069541" y="1582338"/>
-            <a:ext cx="3691717" cy="3693319"/>
-          </a:xfrm>
-          <a:prstGeom prst="rect">
-            <a:avLst/>
-          </a:prstGeom>
-        </p:spPr>
-        <p:txBody>
-          <a:bodyPr wrap="square">
-            <a:spAutoFit/>
-          </a:bodyPr>
-          <a:lstStyle/>
-          <a:p>
-            <a:r>
-              <a:rPr lang="en-GR" dirty="0"/>
-              <a:t>Efficiency--without btagging SF's</a:t>
-            </a:r>
-          </a:p>
-          <a:p>
-            <a:r>
-              <a:rPr lang="en-GR" dirty="0"/>
-              <a:t>eff data: 0.782 ± 0.039</a:t>
-            </a:r>
-          </a:p>
-          <a:p>
-            <a:r>
-              <a:rPr lang="en-GR" dirty="0">
-                <a:solidFill>
-                  <a:srgbClr val="00B0F0"/>
-                </a:solidFill>
-              </a:rPr>
-              <a:t>eff ttbar: 0.772 ± 0.014</a:t>
-            </a:r>
-          </a:p>
-          <a:p>
-            <a:r>
-              <a:rPr lang="en-GR" dirty="0"/>
-              <a:t>-----------</a:t>
-            </a:r>
-          </a:p>
-          <a:p>
-            <a:r>
-              <a:rPr lang="en-GR" dirty="0"/>
-              <a:t>Efficiency per Pt region</a:t>
-            </a:r>
-          </a:p>
-          <a:p>
-            <a:r>
-              <a:rPr lang="en-GR" dirty="0"/>
-              <a:t>eff data pT[400-600]: 0.762 ± 0.043 </a:t>
-            </a:r>
-          </a:p>
-          <a:p>
-            <a:r>
-              <a:rPr lang="en-GR" dirty="0"/>
-              <a:t>eff ttbar pT[400-600]: 0.778 ± 0.016</a:t>
-            </a:r>
-          </a:p>
-          <a:p>
-            <a:r>
-              <a:rPr lang="en-GR" dirty="0"/>
-              <a:t>-----------</a:t>
-            </a:r>
-          </a:p>
-          <a:p>
-            <a:r>
-              <a:rPr lang="en-GR" dirty="0"/>
-              <a:t>eff data pT[600-800]: 0.854 ± 0.103</a:t>
-            </a:r>
-          </a:p>
-          <a:p>
-            <a:r>
-              <a:rPr lang="en-GR" dirty="0"/>
-              <a:t>eff ttbar pT[600-800]: 0.748 ± 0.031</a:t>
-            </a:r>
-          </a:p>
-          <a:p>
-            <a:r>
-              <a:rPr lang="en-GR" dirty="0"/>
-              <a:t>-----------</a:t>
-            </a:r>
-          </a:p>
-          <a:p>
-            <a:r>
-              <a:rPr lang="en-GR" dirty="0"/>
-              <a:t>eff data pT[800-Inf]: 0.888 ± 0.161</a:t>
-            </a:r>
-          </a:p>
-          <a:p>
-            <a:r>
-              <a:rPr lang="en-GR" dirty="0"/>
-              <a:t>eff ttbar pT[800-Inf]: 0.775 ± 0.064</a:t>
-            </a:r>
-          </a:p>
-        </p:txBody>
-      </p:sp>
-    </p:spTree>
-    <p:extLst>
-      <p:ext uri="{BB962C8B-B14F-4D97-AF65-F5344CB8AC3E}">
-        <p14:creationId xmlns:p14="http://schemas.microsoft.com/office/powerpoint/2010/main" val="3727702470"/>
-      </p:ext>
-    </p:extLst>
-  </p:cSld>
-  <p:clrMapOvr>
-    <a:masterClrMapping/>
-  </p:clrMapOvr>
-</p:sld>
-</file>
-
 <file path=ppt/slides/slide31.xml><?xml version="1.0" encoding="utf-8"?>
 <p:sld xmlns:a="http://schemas.openxmlformats.org/drawingml/2006/main" xmlns:r="http://schemas.openxmlformats.org/officeDocument/2006/relationships" xmlns:p="http://schemas.openxmlformats.org/presentationml/2006/main">
   <p:cSld>
@@ -17850,6 +17741,53 @@
       </p:sp>
       <p:sp>
         <p:nvSpPr>
+          <p:cNvPr id="7" name="TextBox 6"/>
+          <p:cNvSpPr txBox="1"/>
+          <p:nvPr/>
+        </p:nvSpPr>
+        <p:spPr>
+          <a:xfrm>
+            <a:off x="3276600" y="33090"/>
+            <a:ext cx="5638800" cy="523220"/>
+          </a:xfrm>
+          <a:prstGeom prst="rect">
+            <a:avLst/>
+          </a:prstGeom>
+          <a:noFill/>
+        </p:spPr>
+        <p:txBody>
+          <a:bodyPr wrap="square" rtlCol="0">
+            <a:spAutoFit/>
+          </a:bodyPr>
+          <a:lstStyle/>
+          <a:p>
+            <a:pPr algn="ctr"/>
+            <a:r>
+              <a:rPr lang="en-US" sz="2800" u="sng" dirty="0"/>
+              <a:t>Tag And Probe Calculations </a:t>
+            </a:r>
+            <a:r>
+              <a:rPr lang="en-US" sz="2800" u="sng" dirty="0">
+                <a:solidFill>
+                  <a:srgbClr val="00B0F0"/>
+                </a:solidFill>
+              </a:rPr>
+              <a:t>2016</a:t>
+            </a:r>
+            <a:r>
+              <a:rPr lang="en-US" sz="2800" u="sng" dirty="0"/>
+              <a:t> </a:t>
+            </a:r>
+            <a:endParaRPr lang="en-US" sz="2800" u="sng" dirty="0">
+              <a:solidFill>
+                <a:srgbClr val="00B050"/>
+              </a:solidFill>
+            </a:endParaRPr>
+          </a:p>
+        </p:txBody>
+      </p:sp>
+      <p:sp>
+        <p:nvSpPr>
           <p:cNvPr id="5" name="Slide Number Placeholder 4">
             <a:extLst>
               <a:ext uri="{FF2B5EF4-FFF2-40B4-BE49-F238E27FC236}">
@@ -17899,331 +17837,300 @@
           <a:bodyPr/>
           <a:lstStyle/>
           <a:p>
-            <a:fld id="{D52D66B2-0E0A-F441-A1DA-8039F615D612}" type="datetime1">
+            <a:fld id="{3DBB7BD0-9B8D-1F47-8ABF-BE3CF9BD2848}" type="datetime1">
               <a:rPr lang="en-US" smtClean="0"/>
-              <a:t>9/8/20</a:t>
+              <a:t>9/9/20</a:t>
             </a:fld>
             <a:endParaRPr lang="en-US" dirty="0"/>
           </a:p>
         </p:txBody>
       </p:sp>
-      <p:pic>
-        <p:nvPicPr>
-          <p:cNvPr id="14" name="Picture 13">
-            <a:extLst>
-              <a:ext uri="{FF2B5EF4-FFF2-40B4-BE49-F238E27FC236}">
-                <a16:creationId xmlns:a16="http://schemas.microsoft.com/office/drawing/2014/main" id="{484BB678-EF03-1E4B-8F08-99BE279810A5}"/>
-              </a:ext>
-            </a:extLst>
-          </p:cNvPr>
-          <p:cNvPicPr>
-            <a:picLocks noChangeAspect="1"/>
-          </p:cNvPicPr>
+      <p:sp>
+        <p:nvSpPr>
+          <p:cNvPr id="6" name="Rectangle 5">
+            <a:extLst>
+              <a:ext uri="{FF2B5EF4-FFF2-40B4-BE49-F238E27FC236}">
+                <a16:creationId xmlns:a16="http://schemas.microsoft.com/office/drawing/2014/main" id="{1D3A9800-C923-F943-ACA5-B4B9B9A1D73D}"/>
+              </a:ext>
+            </a:extLst>
+          </p:cNvPr>
+          <p:cNvSpPr/>
           <p:nvPr/>
-        </p:nvPicPr>
-        <p:blipFill>
-          <a:blip r:embed="rId2"/>
-          <a:stretch>
-            <a:fillRect/>
-          </a:stretch>
-        </p:blipFill>
-        <p:spPr>
-          <a:xfrm rot="5400000">
-            <a:off x="7944248" y="-147063"/>
-            <a:ext cx="3012694" cy="4176522"/>
+        </p:nvSpPr>
+        <p:spPr>
+          <a:xfrm>
+            <a:off x="7939701" y="638586"/>
+            <a:ext cx="2289346" cy="369332"/>
           </a:xfrm>
           <a:prstGeom prst="rect">
             <a:avLst/>
           </a:prstGeom>
         </p:spPr>
-      </p:pic>
-      <p:pic>
-        <p:nvPicPr>
-          <p:cNvPr id="16" name="Picture 15">
-            <a:extLst>
-              <a:ext uri="{FF2B5EF4-FFF2-40B4-BE49-F238E27FC236}">
-                <a16:creationId xmlns:a16="http://schemas.microsoft.com/office/drawing/2014/main" id="{9D6EE389-A52D-4F4C-A2D8-E6BDAB28B6D9}"/>
-              </a:ext>
-            </a:extLst>
-          </p:cNvPr>
-          <p:cNvPicPr>
-            <a:picLocks noChangeAspect="1"/>
-          </p:cNvPicPr>
+        <p:txBody>
+          <a:bodyPr wrap="none">
+            <a:spAutoFit/>
+          </a:bodyPr>
+          <a:lstStyle/>
+          <a:p>
+            <a:pPr algn="ctr"/>
+            <a:r>
+              <a:rPr lang="en-US" u="sng" dirty="0"/>
+              <a:t>without b tagging SF’s </a:t>
+            </a:r>
+          </a:p>
+        </p:txBody>
+      </p:sp>
+      <p:sp>
+        <p:nvSpPr>
+          <p:cNvPr id="8" name="Rectangle 7">
+            <a:extLst>
+              <a:ext uri="{FF2B5EF4-FFF2-40B4-BE49-F238E27FC236}">
+                <a16:creationId xmlns:a16="http://schemas.microsoft.com/office/drawing/2014/main" id="{FE0D63A0-1633-E841-944F-B91BFC6F0FEB}"/>
+              </a:ext>
+            </a:extLst>
+          </p:cNvPr>
+          <p:cNvSpPr/>
           <p:nvPr/>
-        </p:nvPicPr>
-        <p:blipFill>
-          <a:blip r:embed="rId3"/>
-          <a:stretch>
-            <a:fillRect/>
-          </a:stretch>
-        </p:blipFill>
-        <p:spPr>
-          <a:xfrm rot="5400000">
-            <a:off x="7944248" y="2883723"/>
-            <a:ext cx="3012694" cy="4176522"/>
+        </p:nvSpPr>
+        <p:spPr>
+          <a:xfrm>
+            <a:off x="2333415" y="638586"/>
+            <a:ext cx="1499065" cy="369332"/>
           </a:xfrm>
           <a:prstGeom prst="rect">
             <a:avLst/>
           </a:prstGeom>
         </p:spPr>
-      </p:pic>
-      <p:sp>
-        <p:nvSpPr>
-          <p:cNvPr id="12" name="TextBox 11">
-            <a:extLst>
-              <a:ext uri="{FF2B5EF4-FFF2-40B4-BE49-F238E27FC236}">
-                <a16:creationId xmlns:a16="http://schemas.microsoft.com/office/drawing/2014/main" id="{0DA88F88-061A-7948-9105-8D7B2578CE9D}"/>
-              </a:ext>
-            </a:extLst>
-          </p:cNvPr>
-          <p:cNvSpPr txBox="1"/>
+        <p:txBody>
+          <a:bodyPr wrap="none">
+            <a:spAutoFit/>
+          </a:bodyPr>
+          <a:lstStyle/>
+          <a:p>
+            <a:pPr algn="ctr"/>
+            <a:r>
+              <a:rPr lang="en-US" u="sng" dirty="0"/>
+              <a:t>b tagging SF’s </a:t>
+            </a:r>
+          </a:p>
+        </p:txBody>
+      </p:sp>
+      <p:sp>
+        <p:nvSpPr>
+          <p:cNvPr id="4" name="Rectangle 3">
+            <a:extLst>
+              <a:ext uri="{FF2B5EF4-FFF2-40B4-BE49-F238E27FC236}">
+                <a16:creationId xmlns:a16="http://schemas.microsoft.com/office/drawing/2014/main" id="{5C3FEF86-DEE2-7A46-9297-5B0B54F82785}"/>
+              </a:ext>
+            </a:extLst>
+          </p:cNvPr>
+          <p:cNvSpPr/>
           <p:nvPr/>
         </p:nvSpPr>
         <p:spPr>
           <a:xfrm>
-            <a:off x="3752850" y="-76347"/>
-            <a:ext cx="4686300" cy="523220"/>
+            <a:off x="1237088" y="1582339"/>
+            <a:ext cx="3691717" cy="3693319"/>
           </a:xfrm>
           <a:prstGeom prst="rect">
             <a:avLst/>
           </a:prstGeom>
-          <a:noFill/>
-        </p:spPr>
-        <p:txBody>
-          <a:bodyPr wrap="square" rtlCol="0">
+        </p:spPr>
+        <p:txBody>
+          <a:bodyPr wrap="square">
             <a:spAutoFit/>
           </a:bodyPr>
           <a:lstStyle/>
           <a:p>
             <a:r>
-              <a:rPr lang="en-GR" sz="2800" u="sng" dirty="0"/>
-              <a:t>TagAndProbe Efficiency </a:t>
-            </a:r>
-            <a:r>
-              <a:rPr lang="en-US" sz="2800" u="sng" dirty="0"/>
-              <a:t>(</a:t>
-            </a:r>
-            <a:r>
-              <a:rPr lang="en-US" sz="2800" u="sng" dirty="0">
+              <a:rPr lang="en-GR" dirty="0"/>
+              <a:t>Efficiency--with btagging SF's</a:t>
+            </a:r>
+          </a:p>
+          <a:p>
+            <a:r>
+              <a:rPr lang="en-GR" dirty="0"/>
+              <a:t>eff data: 0.781 ± 0.038</a:t>
+            </a:r>
+          </a:p>
+          <a:p>
+            <a:r>
+              <a:rPr lang="en-GR" b="1" u="sng" dirty="0">
                 <a:solidFill>
                   <a:srgbClr val="00B0F0"/>
                 </a:solidFill>
               </a:rPr>
-              <a:t>2016</a:t>
-            </a:r>
-            <a:r>
-              <a:rPr lang="en-US" sz="2800" u="sng" dirty="0"/>
-              <a:t>)</a:t>
-            </a:r>
-          </a:p>
-        </p:txBody>
-      </p:sp>
-      <p:pic>
-        <p:nvPicPr>
-          <p:cNvPr id="4" name="Picture 3">
-            <a:extLst>
-              <a:ext uri="{FF2B5EF4-FFF2-40B4-BE49-F238E27FC236}">
-                <a16:creationId xmlns:a16="http://schemas.microsoft.com/office/drawing/2014/main" id="{445DFE14-0581-C04E-BF1A-15D93312C5B0}"/>
-              </a:ext>
-            </a:extLst>
-          </p:cNvPr>
-          <p:cNvPicPr>
-            <a:picLocks noChangeAspect="1"/>
-          </p:cNvPicPr>
+              <a:t>eff ttbar: 0.772 ± 0.014</a:t>
+            </a:r>
+          </a:p>
+          <a:p>
+            <a:r>
+              <a:rPr lang="en-GR" dirty="0"/>
+              <a:t>-----------</a:t>
+            </a:r>
+          </a:p>
+          <a:p>
+            <a:r>
+              <a:rPr lang="en-GR" dirty="0"/>
+              <a:t>Efficiency per Pt region</a:t>
+            </a:r>
+          </a:p>
+          <a:p>
+            <a:r>
+              <a:rPr lang="en-GR" dirty="0"/>
+              <a:t>eff data pT[400-600]: 0.761 ± 0.042</a:t>
+            </a:r>
+          </a:p>
+          <a:p>
+            <a:r>
+              <a:rPr lang="en-GR" dirty="0"/>
+              <a:t>eff ttbar pT[400-600]: 0.778 ± 0.016</a:t>
+            </a:r>
+          </a:p>
+          <a:p>
+            <a:r>
+              <a:rPr lang="en-GR" dirty="0"/>
+              <a:t>-----------</a:t>
+            </a:r>
+          </a:p>
+          <a:p>
+            <a:r>
+              <a:rPr lang="en-GR" dirty="0"/>
+              <a:t>eff data pT[600-800]: 0.851 ± 0.100</a:t>
+            </a:r>
+          </a:p>
+          <a:p>
+            <a:r>
+              <a:rPr lang="en-GR" dirty="0"/>
+              <a:t>eff ttbar pT[600-800]: 0.748 ± 0.031</a:t>
+            </a:r>
+          </a:p>
+          <a:p>
+            <a:r>
+              <a:rPr lang="en-GR" dirty="0"/>
+              <a:t>-----------</a:t>
+            </a:r>
+          </a:p>
+          <a:p>
+            <a:r>
+              <a:rPr lang="en-GR" dirty="0"/>
+              <a:t>eff data pT[800-Inf]: 0.886 ± 0.160</a:t>
+            </a:r>
+          </a:p>
+          <a:p>
+            <a:r>
+              <a:rPr lang="en-GR" dirty="0"/>
+              <a:t>eff ttbar pT[800-Inf]: 0.775 ± 0.063</a:t>
+            </a:r>
+          </a:p>
+        </p:txBody>
+      </p:sp>
+      <p:sp>
+        <p:nvSpPr>
+          <p:cNvPr id="9" name="Rectangle 8">
+            <a:extLst>
+              <a:ext uri="{FF2B5EF4-FFF2-40B4-BE49-F238E27FC236}">
+                <a16:creationId xmlns:a16="http://schemas.microsoft.com/office/drawing/2014/main" id="{B6B55A27-C83E-6643-BB7E-E5EEB2946D8C}"/>
+              </a:ext>
+            </a:extLst>
+          </p:cNvPr>
+          <p:cNvSpPr/>
           <p:nvPr/>
-        </p:nvPicPr>
-        <p:blipFill>
-          <a:blip r:embed="rId4"/>
-          <a:stretch>
-            <a:fillRect/>
-          </a:stretch>
-        </p:blipFill>
-        <p:spPr>
-          <a:xfrm rot="5400000">
-            <a:off x="1450594" y="-223701"/>
-            <a:ext cx="3012694" cy="4176522"/>
+        </p:nvSpPr>
+        <p:spPr>
+          <a:xfrm>
+            <a:off x="7069541" y="1582338"/>
+            <a:ext cx="3691717" cy="3693319"/>
           </a:xfrm>
           <a:prstGeom prst="rect">
             <a:avLst/>
           </a:prstGeom>
         </p:spPr>
-      </p:pic>
-      <p:pic>
-        <p:nvPicPr>
-          <p:cNvPr id="8" name="Picture 7">
-            <a:extLst>
-              <a:ext uri="{FF2B5EF4-FFF2-40B4-BE49-F238E27FC236}">
-                <a16:creationId xmlns:a16="http://schemas.microsoft.com/office/drawing/2014/main" id="{17C44605-60F4-E547-9DEF-B768885A5780}"/>
-              </a:ext>
-            </a:extLst>
-          </p:cNvPr>
-          <p:cNvPicPr>
-            <a:picLocks noChangeAspect="1"/>
-          </p:cNvPicPr>
-          <p:nvPr/>
-        </p:nvPicPr>
-        <p:blipFill>
-          <a:blip r:embed="rId5"/>
-          <a:stretch>
-            <a:fillRect/>
-          </a:stretch>
-        </p:blipFill>
-        <p:spPr>
-          <a:xfrm rot="5400000">
-            <a:off x="1450594" y="2859107"/>
-            <a:ext cx="3012694" cy="4176522"/>
-          </a:xfrm>
-          <a:prstGeom prst="rect">
-            <a:avLst/>
-          </a:prstGeom>
-        </p:spPr>
-      </p:pic>
-      <p:sp>
-        <p:nvSpPr>
-          <p:cNvPr id="22" name="TextBox 21">
-            <a:extLst>
-              <a:ext uri="{FF2B5EF4-FFF2-40B4-BE49-F238E27FC236}">
-                <a16:creationId xmlns:a16="http://schemas.microsoft.com/office/drawing/2014/main" id="{EA21A52B-1999-2A4B-A31D-E57CC60160A2}"/>
-              </a:ext>
-            </a:extLst>
-          </p:cNvPr>
-          <p:cNvSpPr txBox="1"/>
-          <p:nvPr/>
-        </p:nvSpPr>
-        <p:spPr>
-          <a:xfrm>
-            <a:off x="4683689" y="4680680"/>
-            <a:ext cx="3243263" cy="369332"/>
-          </a:xfrm>
-          <a:prstGeom prst="rect">
-            <a:avLst/>
-          </a:prstGeom>
-          <a:noFill/>
-        </p:spPr>
-        <p:txBody>
-          <a:bodyPr wrap="square" rtlCol="0">
+        <p:txBody>
+          <a:bodyPr wrap="square">
             <a:spAutoFit/>
           </a:bodyPr>
           <a:lstStyle/>
           <a:p>
-            <a:pPr algn="ctr"/>
             <a:r>
               <a:rPr lang="en-GR" dirty="0"/>
-              <a:t>Tight TopTagger + Probe</a:t>
-            </a:r>
-          </a:p>
-        </p:txBody>
-      </p:sp>
-      <p:sp>
-        <p:nvSpPr>
-          <p:cNvPr id="19" name="TextBox 18">
-            <a:extLst>
-              <a:ext uri="{FF2B5EF4-FFF2-40B4-BE49-F238E27FC236}">
-                <a16:creationId xmlns:a16="http://schemas.microsoft.com/office/drawing/2014/main" id="{491F4ED5-8A54-D243-B516-026EF6F12778}"/>
-              </a:ext>
-            </a:extLst>
-          </p:cNvPr>
-          <p:cNvSpPr txBox="1"/>
-          <p:nvPr/>
-        </p:nvSpPr>
-        <p:spPr>
-          <a:xfrm>
-            <a:off x="4559413" y="1807989"/>
-            <a:ext cx="3243263" cy="369332"/>
-          </a:xfrm>
-          <a:prstGeom prst="rect">
-            <a:avLst/>
-          </a:prstGeom>
-          <a:noFill/>
-        </p:spPr>
-        <p:txBody>
-          <a:bodyPr wrap="square" rtlCol="0">
-            <a:spAutoFit/>
-          </a:bodyPr>
-          <a:lstStyle/>
-          <a:p>
-            <a:pPr algn="ctr"/>
+              <a:t>Efficiency--without btagging SF's</a:t>
+            </a:r>
+          </a:p>
+          <a:p>
             <a:r>
               <a:rPr lang="en-GR" dirty="0"/>
-              <a:t>Tight TopTagger + SR TopTagger</a:t>
-            </a:r>
-          </a:p>
-        </p:txBody>
-      </p:sp>
-      <p:sp>
-        <p:nvSpPr>
-          <p:cNvPr id="17" name="Rectangle 16">
-            <a:extLst>
-              <a:ext uri="{FF2B5EF4-FFF2-40B4-BE49-F238E27FC236}">
-                <a16:creationId xmlns:a16="http://schemas.microsoft.com/office/drawing/2014/main" id="{77F1A5DE-010C-8A49-9DFD-F714D88BF2CC}"/>
-              </a:ext>
-            </a:extLst>
-          </p:cNvPr>
-          <p:cNvSpPr/>
-          <p:nvPr/>
-        </p:nvSpPr>
-        <p:spPr>
-          <a:xfrm>
-            <a:off x="2049125" y="3186241"/>
-            <a:ext cx="1520674" cy="369332"/>
-          </a:xfrm>
-          <a:prstGeom prst="rect">
-            <a:avLst/>
-          </a:prstGeom>
-        </p:spPr>
-        <p:txBody>
-          <a:bodyPr wrap="none">
-            <a:spAutoFit/>
-          </a:bodyPr>
-          <a:lstStyle/>
-          <a:p>
-            <a:pPr algn="ctr"/>
-            <a:r>
-              <a:rPr lang="en-US" b="1" u="sng" dirty="0">
+              <a:t>eff data: 0.782 ± 0.039</a:t>
+            </a:r>
+          </a:p>
+          <a:p>
+            <a:r>
+              <a:rPr lang="en-GR" dirty="0">
                 <a:solidFill>
-                  <a:srgbClr val="FF0000"/>
+                  <a:srgbClr val="00B0F0"/>
                 </a:solidFill>
               </a:rPr>
-              <a:t>b tagging SF’s </a:t>
-            </a:r>
-          </a:p>
-        </p:txBody>
-      </p:sp>
-      <p:sp>
-        <p:nvSpPr>
-          <p:cNvPr id="21" name="Rectangle 20">
-            <a:extLst>
-              <a:ext uri="{FF2B5EF4-FFF2-40B4-BE49-F238E27FC236}">
-                <a16:creationId xmlns:a16="http://schemas.microsoft.com/office/drawing/2014/main" id="{D299BB8B-A7C3-284A-BF5C-C54CD55AAB5A}"/>
-              </a:ext>
-            </a:extLst>
-          </p:cNvPr>
-          <p:cNvSpPr/>
-          <p:nvPr/>
-        </p:nvSpPr>
-        <p:spPr>
-          <a:xfrm>
-            <a:off x="8457894" y="3204932"/>
-            <a:ext cx="1849289" cy="369332"/>
-          </a:xfrm>
-          <a:prstGeom prst="rect">
-            <a:avLst/>
-          </a:prstGeom>
-        </p:spPr>
-        <p:txBody>
-          <a:bodyPr wrap="none">
-            <a:spAutoFit/>
-          </a:bodyPr>
-          <a:lstStyle/>
-          <a:p>
-            <a:pPr algn="ctr"/>
-            <a:r>
-              <a:rPr lang="en-US" b="1" u="sng" dirty="0">
-                <a:solidFill>
-                  <a:srgbClr val="FF0000"/>
-                </a:solidFill>
-              </a:rPr>
-              <a:t>No b tagging SF’s </a:t>
+              <a:t>eff ttbar: 0.772 ± 0.014</a:t>
+            </a:r>
+          </a:p>
+          <a:p>
+            <a:r>
+              <a:rPr lang="en-GR" dirty="0"/>
+              <a:t>-----------</a:t>
+            </a:r>
+          </a:p>
+          <a:p>
+            <a:r>
+              <a:rPr lang="en-GR" dirty="0"/>
+              <a:t>Efficiency per Pt region</a:t>
+            </a:r>
+          </a:p>
+          <a:p>
+            <a:r>
+              <a:rPr lang="en-GR" dirty="0"/>
+              <a:t>eff data pT[400-600]: 0.762 ± 0.043 </a:t>
+            </a:r>
+          </a:p>
+          <a:p>
+            <a:r>
+              <a:rPr lang="en-GR" dirty="0"/>
+              <a:t>eff ttbar pT[400-600]: 0.778 ± 0.016</a:t>
+            </a:r>
+          </a:p>
+          <a:p>
+            <a:r>
+              <a:rPr lang="en-GR" dirty="0"/>
+              <a:t>-----------</a:t>
+            </a:r>
+          </a:p>
+          <a:p>
+            <a:r>
+              <a:rPr lang="en-GR" dirty="0"/>
+              <a:t>eff data pT[600-800]: 0.854 ± 0.103</a:t>
+            </a:r>
+          </a:p>
+          <a:p>
+            <a:r>
+              <a:rPr lang="en-GR" dirty="0"/>
+              <a:t>eff ttbar pT[600-800]: 0.748 ± 0.031</a:t>
+            </a:r>
+          </a:p>
+          <a:p>
+            <a:r>
+              <a:rPr lang="en-GR" dirty="0"/>
+              <a:t>-----------</a:t>
+            </a:r>
+          </a:p>
+          <a:p>
+            <a:r>
+              <a:rPr lang="en-GR" dirty="0"/>
+              <a:t>eff data pT[800-Inf]: 0.888 ± 0.161</a:t>
+            </a:r>
+          </a:p>
+          <a:p>
+            <a:r>
+              <a:rPr lang="en-GR" dirty="0"/>
+              <a:t>eff ttbar pT[800-Inf]: 0.775 ± 0.064</a:t>
             </a:r>
           </a:p>
         </p:txBody>
@@ -18231,7 +18138,7 @@
     </p:spTree>
     <p:extLst>
       <p:ext uri="{BB962C8B-B14F-4D97-AF65-F5344CB8AC3E}">
-        <p14:creationId xmlns:p14="http://schemas.microsoft.com/office/powerpoint/2010/main" val="2146348735"/>
+        <p14:creationId xmlns:p14="http://schemas.microsoft.com/office/powerpoint/2010/main" val="3727702470"/>
       </p:ext>
     </p:extLst>
   </p:cSld>
@@ -18287,53 +18194,6 @@
       </p:sp>
       <p:sp>
         <p:nvSpPr>
-          <p:cNvPr id="7" name="TextBox 6"/>
-          <p:cNvSpPr txBox="1"/>
-          <p:nvPr/>
-        </p:nvSpPr>
-        <p:spPr>
-          <a:xfrm>
-            <a:off x="3276600" y="33090"/>
-            <a:ext cx="5638800" cy="523220"/>
-          </a:xfrm>
-          <a:prstGeom prst="rect">
-            <a:avLst/>
-          </a:prstGeom>
-          <a:noFill/>
-        </p:spPr>
-        <p:txBody>
-          <a:bodyPr wrap="square" rtlCol="0">
-            <a:spAutoFit/>
-          </a:bodyPr>
-          <a:lstStyle/>
-          <a:p>
-            <a:pPr algn="ctr"/>
-            <a:r>
-              <a:rPr lang="en-US" sz="2800" u="sng" dirty="0"/>
-              <a:t>Tag And Probe Calculations </a:t>
-            </a:r>
-            <a:r>
-              <a:rPr lang="en-US" sz="2800" u="sng" dirty="0">
-                <a:solidFill>
-                  <a:srgbClr val="FF0000"/>
-                </a:solidFill>
-              </a:rPr>
-              <a:t>2017</a:t>
-            </a:r>
-            <a:r>
-              <a:rPr lang="en-US" sz="2800" u="sng" dirty="0"/>
-              <a:t> </a:t>
-            </a:r>
-            <a:endParaRPr lang="en-US" sz="2800" u="sng" dirty="0">
-              <a:solidFill>
-                <a:srgbClr val="00B050"/>
-              </a:solidFill>
-            </a:endParaRPr>
-          </a:p>
-        </p:txBody>
-      </p:sp>
-      <p:sp>
-        <p:nvSpPr>
           <p:cNvPr id="5" name="Slide Number Placeholder 4">
             <a:extLst>
               <a:ext uri="{FF2B5EF4-FFF2-40B4-BE49-F238E27FC236}">
@@ -18383,35 +18243,278 @@
           <a:bodyPr/>
           <a:lstStyle/>
           <a:p>
-            <a:fld id="{3DBB7BD0-9B8D-1F47-8ABF-BE3CF9BD2848}" type="datetime1">
+            <a:fld id="{D52D66B2-0E0A-F441-A1DA-8039F615D612}" type="datetime1">
               <a:rPr lang="en-US" smtClean="0"/>
-              <a:t>9/8/20</a:t>
+              <a:t>9/9/20</a:t>
             </a:fld>
             <a:endParaRPr lang="en-US" dirty="0"/>
           </a:p>
         </p:txBody>
       </p:sp>
-      <p:sp>
-        <p:nvSpPr>
-          <p:cNvPr id="6" name="Rectangle 5">
-            <a:extLst>
-              <a:ext uri="{FF2B5EF4-FFF2-40B4-BE49-F238E27FC236}">
-                <a16:creationId xmlns:a16="http://schemas.microsoft.com/office/drawing/2014/main" id="{1D3A9800-C923-F943-ACA5-B4B9B9A1D73D}"/>
-              </a:ext>
-            </a:extLst>
-          </p:cNvPr>
-          <p:cNvSpPr/>
+      <p:pic>
+        <p:nvPicPr>
+          <p:cNvPr id="14" name="Picture 13">
+            <a:extLst>
+              <a:ext uri="{FF2B5EF4-FFF2-40B4-BE49-F238E27FC236}">
+                <a16:creationId xmlns:a16="http://schemas.microsoft.com/office/drawing/2014/main" id="{484BB678-EF03-1E4B-8F08-99BE279810A5}"/>
+              </a:ext>
+            </a:extLst>
+          </p:cNvPr>
+          <p:cNvPicPr>
+            <a:picLocks noChangeAspect="1"/>
+          </p:cNvPicPr>
           <p:nvPr/>
-        </p:nvSpPr>
-        <p:spPr>
-          <a:xfrm>
-            <a:off x="7939701" y="638586"/>
-            <a:ext cx="2289346" cy="369332"/>
+        </p:nvPicPr>
+        <p:blipFill>
+          <a:blip r:embed="rId2"/>
+          <a:stretch>
+            <a:fillRect/>
+          </a:stretch>
+        </p:blipFill>
+        <p:spPr>
+          <a:xfrm rot="5400000">
+            <a:off x="7944248" y="-147063"/>
+            <a:ext cx="3012694" cy="4176522"/>
           </a:xfrm>
           <a:prstGeom prst="rect">
             <a:avLst/>
           </a:prstGeom>
         </p:spPr>
+      </p:pic>
+      <p:pic>
+        <p:nvPicPr>
+          <p:cNvPr id="16" name="Picture 15">
+            <a:extLst>
+              <a:ext uri="{FF2B5EF4-FFF2-40B4-BE49-F238E27FC236}">
+                <a16:creationId xmlns:a16="http://schemas.microsoft.com/office/drawing/2014/main" id="{9D6EE389-A52D-4F4C-A2D8-E6BDAB28B6D9}"/>
+              </a:ext>
+            </a:extLst>
+          </p:cNvPr>
+          <p:cNvPicPr>
+            <a:picLocks noChangeAspect="1"/>
+          </p:cNvPicPr>
+          <p:nvPr/>
+        </p:nvPicPr>
+        <p:blipFill>
+          <a:blip r:embed="rId3"/>
+          <a:stretch>
+            <a:fillRect/>
+          </a:stretch>
+        </p:blipFill>
+        <p:spPr>
+          <a:xfrm rot="5400000">
+            <a:off x="7944248" y="2883723"/>
+            <a:ext cx="3012694" cy="4176522"/>
+          </a:xfrm>
+          <a:prstGeom prst="rect">
+            <a:avLst/>
+          </a:prstGeom>
+        </p:spPr>
+      </p:pic>
+      <p:sp>
+        <p:nvSpPr>
+          <p:cNvPr id="12" name="TextBox 11">
+            <a:extLst>
+              <a:ext uri="{FF2B5EF4-FFF2-40B4-BE49-F238E27FC236}">
+                <a16:creationId xmlns:a16="http://schemas.microsoft.com/office/drawing/2014/main" id="{0DA88F88-061A-7948-9105-8D7B2578CE9D}"/>
+              </a:ext>
+            </a:extLst>
+          </p:cNvPr>
+          <p:cNvSpPr txBox="1"/>
+          <p:nvPr/>
+        </p:nvSpPr>
+        <p:spPr>
+          <a:xfrm>
+            <a:off x="3752850" y="-76347"/>
+            <a:ext cx="4686300" cy="523220"/>
+          </a:xfrm>
+          <a:prstGeom prst="rect">
+            <a:avLst/>
+          </a:prstGeom>
+          <a:noFill/>
+        </p:spPr>
+        <p:txBody>
+          <a:bodyPr wrap="square" rtlCol="0">
+            <a:spAutoFit/>
+          </a:bodyPr>
+          <a:lstStyle/>
+          <a:p>
+            <a:r>
+              <a:rPr lang="en-GR" sz="2800" u="sng" dirty="0"/>
+              <a:t>TagAndProbe Efficiency </a:t>
+            </a:r>
+            <a:r>
+              <a:rPr lang="en-US" sz="2800" u="sng" dirty="0"/>
+              <a:t>(</a:t>
+            </a:r>
+            <a:r>
+              <a:rPr lang="en-US" sz="2800" u="sng" dirty="0">
+                <a:solidFill>
+                  <a:srgbClr val="00B0F0"/>
+                </a:solidFill>
+              </a:rPr>
+              <a:t>2016</a:t>
+            </a:r>
+            <a:r>
+              <a:rPr lang="en-US" sz="2800" u="sng" dirty="0"/>
+              <a:t>)</a:t>
+            </a:r>
+          </a:p>
+        </p:txBody>
+      </p:sp>
+      <p:pic>
+        <p:nvPicPr>
+          <p:cNvPr id="4" name="Picture 3">
+            <a:extLst>
+              <a:ext uri="{FF2B5EF4-FFF2-40B4-BE49-F238E27FC236}">
+                <a16:creationId xmlns:a16="http://schemas.microsoft.com/office/drawing/2014/main" id="{445DFE14-0581-C04E-BF1A-15D93312C5B0}"/>
+              </a:ext>
+            </a:extLst>
+          </p:cNvPr>
+          <p:cNvPicPr>
+            <a:picLocks noChangeAspect="1"/>
+          </p:cNvPicPr>
+          <p:nvPr/>
+        </p:nvPicPr>
+        <p:blipFill>
+          <a:blip r:embed="rId4"/>
+          <a:stretch>
+            <a:fillRect/>
+          </a:stretch>
+        </p:blipFill>
+        <p:spPr>
+          <a:xfrm rot="5400000">
+            <a:off x="1450594" y="-223701"/>
+            <a:ext cx="3012694" cy="4176522"/>
+          </a:xfrm>
+          <a:prstGeom prst="rect">
+            <a:avLst/>
+          </a:prstGeom>
+        </p:spPr>
+      </p:pic>
+      <p:pic>
+        <p:nvPicPr>
+          <p:cNvPr id="8" name="Picture 7">
+            <a:extLst>
+              <a:ext uri="{FF2B5EF4-FFF2-40B4-BE49-F238E27FC236}">
+                <a16:creationId xmlns:a16="http://schemas.microsoft.com/office/drawing/2014/main" id="{17C44605-60F4-E547-9DEF-B768885A5780}"/>
+              </a:ext>
+            </a:extLst>
+          </p:cNvPr>
+          <p:cNvPicPr>
+            <a:picLocks noChangeAspect="1"/>
+          </p:cNvPicPr>
+          <p:nvPr/>
+        </p:nvPicPr>
+        <p:blipFill>
+          <a:blip r:embed="rId5"/>
+          <a:stretch>
+            <a:fillRect/>
+          </a:stretch>
+        </p:blipFill>
+        <p:spPr>
+          <a:xfrm rot="5400000">
+            <a:off x="1450594" y="2859107"/>
+            <a:ext cx="3012694" cy="4176522"/>
+          </a:xfrm>
+          <a:prstGeom prst="rect">
+            <a:avLst/>
+          </a:prstGeom>
+        </p:spPr>
+      </p:pic>
+      <p:sp>
+        <p:nvSpPr>
+          <p:cNvPr id="22" name="TextBox 21">
+            <a:extLst>
+              <a:ext uri="{FF2B5EF4-FFF2-40B4-BE49-F238E27FC236}">
+                <a16:creationId xmlns:a16="http://schemas.microsoft.com/office/drawing/2014/main" id="{EA21A52B-1999-2A4B-A31D-E57CC60160A2}"/>
+              </a:ext>
+            </a:extLst>
+          </p:cNvPr>
+          <p:cNvSpPr txBox="1"/>
+          <p:nvPr/>
+        </p:nvSpPr>
+        <p:spPr>
+          <a:xfrm>
+            <a:off x="4683689" y="4680680"/>
+            <a:ext cx="3243263" cy="369332"/>
+          </a:xfrm>
+          <a:prstGeom prst="rect">
+            <a:avLst/>
+          </a:prstGeom>
+          <a:noFill/>
+        </p:spPr>
+        <p:txBody>
+          <a:bodyPr wrap="square" rtlCol="0">
+            <a:spAutoFit/>
+          </a:bodyPr>
+          <a:lstStyle/>
+          <a:p>
+            <a:pPr algn="ctr"/>
+            <a:r>
+              <a:rPr lang="en-GR" dirty="0"/>
+              <a:t>Tight TopTagger + Probe</a:t>
+            </a:r>
+          </a:p>
+        </p:txBody>
+      </p:sp>
+      <p:sp>
+        <p:nvSpPr>
+          <p:cNvPr id="19" name="TextBox 18">
+            <a:extLst>
+              <a:ext uri="{FF2B5EF4-FFF2-40B4-BE49-F238E27FC236}">
+                <a16:creationId xmlns:a16="http://schemas.microsoft.com/office/drawing/2014/main" id="{491F4ED5-8A54-D243-B516-026EF6F12778}"/>
+              </a:ext>
+            </a:extLst>
+          </p:cNvPr>
+          <p:cNvSpPr txBox="1"/>
+          <p:nvPr/>
+        </p:nvSpPr>
+        <p:spPr>
+          <a:xfrm>
+            <a:off x="4559413" y="1807989"/>
+            <a:ext cx="3243263" cy="369332"/>
+          </a:xfrm>
+          <a:prstGeom prst="rect">
+            <a:avLst/>
+          </a:prstGeom>
+          <a:noFill/>
+        </p:spPr>
+        <p:txBody>
+          <a:bodyPr wrap="square" rtlCol="0">
+            <a:spAutoFit/>
+          </a:bodyPr>
+          <a:lstStyle/>
+          <a:p>
+            <a:pPr algn="ctr"/>
+            <a:r>
+              <a:rPr lang="en-GR" dirty="0"/>
+              <a:t>Tight TopTagger + SR TopTagger</a:t>
+            </a:r>
+          </a:p>
+        </p:txBody>
+      </p:sp>
+      <p:sp>
+        <p:nvSpPr>
+          <p:cNvPr id="17" name="Rectangle 16">
+            <a:extLst>
+              <a:ext uri="{FF2B5EF4-FFF2-40B4-BE49-F238E27FC236}">
+                <a16:creationId xmlns:a16="http://schemas.microsoft.com/office/drawing/2014/main" id="{77F1A5DE-010C-8A49-9DFD-F714D88BF2CC}"/>
+              </a:ext>
+            </a:extLst>
+          </p:cNvPr>
+          <p:cNvSpPr/>
+          <p:nvPr/>
+        </p:nvSpPr>
+        <p:spPr>
+          <a:xfrm>
+            <a:off x="2049125" y="3186241"/>
+            <a:ext cx="1520674" cy="369332"/>
+          </a:xfrm>
+          <a:prstGeom prst="rect">
+            <a:avLst/>
+          </a:prstGeom>
+        </p:spPr>
         <p:txBody>
           <a:bodyPr wrap="none">
             <a:spAutoFit/>
@@ -18420,163 +18523,22 @@
           <a:p>
             <a:pPr algn="ctr"/>
             <a:r>
-              <a:rPr lang="en-US" u="sng" dirty="0"/>
-              <a:t>without b tagging SF’s </a:t>
-            </a:r>
-          </a:p>
-        </p:txBody>
-      </p:sp>
-      <p:sp>
-        <p:nvSpPr>
-          <p:cNvPr id="8" name="Rectangle 7">
-            <a:extLst>
-              <a:ext uri="{FF2B5EF4-FFF2-40B4-BE49-F238E27FC236}">
-                <a16:creationId xmlns:a16="http://schemas.microsoft.com/office/drawing/2014/main" id="{FE0D63A0-1633-E841-944F-B91BFC6F0FEB}"/>
-              </a:ext>
-            </a:extLst>
-          </p:cNvPr>
-          <p:cNvSpPr/>
-          <p:nvPr/>
-        </p:nvSpPr>
-        <p:spPr>
-          <a:xfrm>
-            <a:off x="2333415" y="638586"/>
-            <a:ext cx="1499065" cy="369332"/>
-          </a:xfrm>
-          <a:prstGeom prst="rect">
-            <a:avLst/>
-          </a:prstGeom>
-        </p:spPr>
-        <p:txBody>
-          <a:bodyPr wrap="none">
-            <a:spAutoFit/>
-          </a:bodyPr>
-          <a:lstStyle/>
-          <a:p>
-            <a:pPr algn="ctr"/>
-            <a:r>
-              <a:rPr lang="en-US" u="sng" dirty="0"/>
-              <a:t>b tagging SF’s </a:t>
-            </a:r>
-          </a:p>
-        </p:txBody>
-      </p:sp>
-      <p:sp>
-        <p:nvSpPr>
-          <p:cNvPr id="2" name="Rectangle 1">
-            <a:extLst>
-              <a:ext uri="{FF2B5EF4-FFF2-40B4-BE49-F238E27FC236}">
-                <a16:creationId xmlns:a16="http://schemas.microsoft.com/office/drawing/2014/main" id="{2DC1FF26-71A8-0242-A173-4ED7A7EC3B5E}"/>
-              </a:ext>
-            </a:extLst>
-          </p:cNvPr>
-          <p:cNvSpPr/>
-          <p:nvPr/>
-        </p:nvSpPr>
-        <p:spPr>
-          <a:xfrm>
-            <a:off x="1211284" y="1582339"/>
-            <a:ext cx="3743325" cy="3693319"/>
-          </a:xfrm>
-          <a:prstGeom prst="rect">
-            <a:avLst/>
-          </a:prstGeom>
-        </p:spPr>
-        <p:txBody>
-          <a:bodyPr wrap="square">
-            <a:spAutoFit/>
-          </a:bodyPr>
-          <a:lstStyle/>
-          <a:p>
-            <a:r>
-              <a:rPr lang="en-GR" dirty="0"/>
-              <a:t>Efficiency-- with btagging SF's</a:t>
-            </a:r>
-          </a:p>
-          <a:p>
-            <a:r>
-              <a:rPr lang="en-GR" dirty="0"/>
-              <a:t>eff data: 0.857 ± 0.040</a:t>
-            </a:r>
-          </a:p>
-          <a:p>
-            <a:r>
-              <a:rPr lang="en-GR" b="1" u="sng" dirty="0">
+              <a:rPr lang="en-US" b="1" u="sng" dirty="0">
                 <a:solidFill>
                   <a:srgbClr val="FF0000"/>
                 </a:solidFill>
               </a:rPr>
-              <a:t>eff ttbar: 0.875 ± 0.0072</a:t>
-            </a:r>
-          </a:p>
-          <a:p>
-            <a:r>
-              <a:rPr lang="en-GR" dirty="0"/>
-              <a:t>-----------</a:t>
-            </a:r>
-          </a:p>
-          <a:p>
-            <a:r>
-              <a:rPr lang="en-GR" dirty="0"/>
-              <a:t>Efficiency per Pt region</a:t>
-            </a:r>
-          </a:p>
-          <a:p>
-            <a:r>
-              <a:rPr lang="en-GR" dirty="0"/>
-              <a:t>eff data pT[400-600]: 0.872 ± 0.047</a:t>
-            </a:r>
-          </a:p>
-          <a:p>
-            <a:r>
-              <a:rPr lang="en-GR" dirty="0"/>
-              <a:t>eff ttbar pT[400-600]: 0.874 ± 0.008</a:t>
-            </a:r>
-          </a:p>
-          <a:p>
-            <a:r>
-              <a:rPr lang="en-GR" dirty="0"/>
-              <a:t>-----------</a:t>
-            </a:r>
-          </a:p>
-          <a:p>
-            <a:r>
-              <a:rPr lang="en-GR" dirty="0"/>
-              <a:t>eff data pT[600-800]: 0.795 ± 0.088</a:t>
-            </a:r>
-          </a:p>
-          <a:p>
-            <a:r>
-              <a:rPr lang="en-GR" dirty="0"/>
-              <a:t>eff ttbar pT[600-800]: 0.876 ± 0.018</a:t>
-            </a:r>
-          </a:p>
-          <a:p>
-            <a:r>
-              <a:rPr lang="en-GR" dirty="0"/>
-              <a:t>-----------</a:t>
-            </a:r>
-          </a:p>
-          <a:p>
-            <a:r>
-              <a:rPr lang="en-GR" dirty="0"/>
-              <a:t>eff data pT[800-Inf]: 0.797 ± 0.186</a:t>
-            </a:r>
-          </a:p>
-          <a:p>
-            <a:r>
-              <a:rPr lang="en-GR" dirty="0"/>
-              <a:t>eff ttbar pT[800-Inf]: 0.899 ± 0.045</a:t>
-            </a:r>
-          </a:p>
-        </p:txBody>
-      </p:sp>
-      <p:sp>
-        <p:nvSpPr>
-          <p:cNvPr id="4" name="Rectangle 3">
-            <a:extLst>
-              <a:ext uri="{FF2B5EF4-FFF2-40B4-BE49-F238E27FC236}">
-                <a16:creationId xmlns:a16="http://schemas.microsoft.com/office/drawing/2014/main" id="{17DD903E-E2EE-ED4A-B9BA-6BDA6FAA4776}"/>
+              <a:t>b tagging SF’s </a:t>
+            </a:r>
+          </a:p>
+        </p:txBody>
+      </p:sp>
+      <p:sp>
+        <p:nvSpPr>
+          <p:cNvPr id="21" name="Rectangle 20">
+            <a:extLst>
+              <a:ext uri="{FF2B5EF4-FFF2-40B4-BE49-F238E27FC236}">
+                <a16:creationId xmlns:a16="http://schemas.microsoft.com/office/drawing/2014/main" id="{D299BB8B-A7C3-284A-BF5C-C54CD55AAB5A}"/>
               </a:ext>
             </a:extLst>
           </p:cNvPr>
@@ -18585,98 +18547,27 @@
         </p:nvSpPr>
         <p:spPr>
           <a:xfrm>
-            <a:off x="7212711" y="1582339"/>
-            <a:ext cx="3743325" cy="3693319"/>
+            <a:off x="8457894" y="3204932"/>
+            <a:ext cx="1849289" cy="369332"/>
           </a:xfrm>
           <a:prstGeom prst="rect">
             <a:avLst/>
           </a:prstGeom>
         </p:spPr>
         <p:txBody>
-          <a:bodyPr wrap="square">
+          <a:bodyPr wrap="none">
             <a:spAutoFit/>
           </a:bodyPr>
           <a:lstStyle/>
           <a:p>
-            <a:r>
-              <a:rPr lang="en-GR" dirty="0"/>
-              <a:t>Efficiency-- without btagging SF's</a:t>
-            </a:r>
-          </a:p>
-          <a:p>
-            <a:r>
-              <a:rPr lang="en-GR" dirty="0"/>
-              <a:t>eff data: 0.864 ± 0.043</a:t>
-            </a:r>
-          </a:p>
-          <a:p>
-            <a:r>
-              <a:rPr lang="en-GR" dirty="0">
+            <a:pPr algn="ctr"/>
+            <a:r>
+              <a:rPr lang="en-US" b="1" u="sng" dirty="0">
                 <a:solidFill>
                   <a:srgbClr val="FF0000"/>
                 </a:solidFill>
               </a:rPr>
-              <a:t>eff ttbar: 0.875 ± 0.007</a:t>
-            </a:r>
-          </a:p>
-          <a:p>
-            <a:r>
-              <a:rPr lang="en-GR" dirty="0"/>
-              <a:t>-----------</a:t>
-            </a:r>
-          </a:p>
-          <a:p>
-            <a:r>
-              <a:rPr lang="en-GR" dirty="0"/>
-              <a:t>Efficiency per Pt region</a:t>
-            </a:r>
-          </a:p>
-          <a:p>
-            <a:r>
-              <a:rPr lang="en-GR" dirty="0"/>
-              <a:t>eff data pT[400-600]: 0.880 ± 0.049</a:t>
-            </a:r>
-          </a:p>
-          <a:p>
-            <a:r>
-              <a:rPr lang="en-GR" dirty="0"/>
-              <a:t>eff ttbar pT[400-600]: 0.874 ± 0.008</a:t>
-            </a:r>
-          </a:p>
-          <a:p>
-            <a:r>
-              <a:rPr lang="en-GR" dirty="0"/>
-              <a:t>-----------</a:t>
-            </a:r>
-          </a:p>
-          <a:p>
-            <a:r>
-              <a:rPr lang="en-GR" dirty="0"/>
-              <a:t>eff data pT[600-800]: 0.8 ± 0.091</a:t>
-            </a:r>
-          </a:p>
-          <a:p>
-            <a:r>
-              <a:rPr lang="en-GR" dirty="0"/>
-              <a:t>eff ttbar pT[600-800]: 0.876 ± 0.018</a:t>
-            </a:r>
-          </a:p>
-          <a:p>
-            <a:r>
-              <a:rPr lang="en-GR" dirty="0"/>
-              <a:t>-----------</a:t>
-            </a:r>
-          </a:p>
-          <a:p>
-            <a:r>
-              <a:rPr lang="en-GR" dirty="0"/>
-              <a:t>eff data pT[800-Inf]: 0.796 ± 0.2</a:t>
-            </a:r>
-          </a:p>
-          <a:p>
-            <a:r>
-              <a:rPr lang="en-GR" dirty="0"/>
-              <a:t>eff ttbar pT[800-Inf]: 0.898 ± 0.045</a:t>
+              <a:t>No b tagging SF’s </a:t>
             </a:r>
           </a:p>
         </p:txBody>
@@ -18684,7 +18575,7 @@
     </p:spTree>
     <p:extLst>
       <p:ext uri="{BB962C8B-B14F-4D97-AF65-F5344CB8AC3E}">
-        <p14:creationId xmlns:p14="http://schemas.microsoft.com/office/powerpoint/2010/main" val="305433567"/>
+        <p14:creationId xmlns:p14="http://schemas.microsoft.com/office/powerpoint/2010/main" val="2146348735"/>
       </p:ext>
     </p:extLst>
   </p:cSld>
@@ -18740,6 +18631,53 @@
       </p:sp>
       <p:sp>
         <p:nvSpPr>
+          <p:cNvPr id="7" name="TextBox 6"/>
+          <p:cNvSpPr txBox="1"/>
+          <p:nvPr/>
+        </p:nvSpPr>
+        <p:spPr>
+          <a:xfrm>
+            <a:off x="3276600" y="33090"/>
+            <a:ext cx="5638800" cy="523220"/>
+          </a:xfrm>
+          <a:prstGeom prst="rect">
+            <a:avLst/>
+          </a:prstGeom>
+          <a:noFill/>
+        </p:spPr>
+        <p:txBody>
+          <a:bodyPr wrap="square" rtlCol="0">
+            <a:spAutoFit/>
+          </a:bodyPr>
+          <a:lstStyle/>
+          <a:p>
+            <a:pPr algn="ctr"/>
+            <a:r>
+              <a:rPr lang="en-US" sz="2800" u="sng" dirty="0"/>
+              <a:t>Tag And Probe Calculations </a:t>
+            </a:r>
+            <a:r>
+              <a:rPr lang="en-US" sz="2800" u="sng" dirty="0">
+                <a:solidFill>
+                  <a:srgbClr val="FF0000"/>
+                </a:solidFill>
+              </a:rPr>
+              <a:t>2017</a:t>
+            </a:r>
+            <a:r>
+              <a:rPr lang="en-US" sz="2800" u="sng" dirty="0"/>
+              <a:t> </a:t>
+            </a:r>
+            <a:endParaRPr lang="en-US" sz="2800" u="sng" dirty="0">
+              <a:solidFill>
+                <a:srgbClr val="00B050"/>
+              </a:solidFill>
+            </a:endParaRPr>
+          </a:p>
+        </p:txBody>
+      </p:sp>
+      <p:sp>
+        <p:nvSpPr>
           <p:cNvPr id="5" name="Slide Number Placeholder 4">
             <a:extLst>
               <a:ext uri="{FF2B5EF4-FFF2-40B4-BE49-F238E27FC236}">
@@ -18789,331 +18727,300 @@
           <a:bodyPr/>
           <a:lstStyle/>
           <a:p>
-            <a:fld id="{D52D66B2-0E0A-F441-A1DA-8039F615D612}" type="datetime1">
+            <a:fld id="{3DBB7BD0-9B8D-1F47-8ABF-BE3CF9BD2848}" type="datetime1">
               <a:rPr lang="en-US" smtClean="0"/>
-              <a:t>9/8/20</a:t>
+              <a:t>9/9/20</a:t>
             </a:fld>
             <a:endParaRPr lang="en-US" dirty="0"/>
           </a:p>
         </p:txBody>
       </p:sp>
-      <p:pic>
-        <p:nvPicPr>
-          <p:cNvPr id="6" name="Picture 5">
-            <a:extLst>
-              <a:ext uri="{FF2B5EF4-FFF2-40B4-BE49-F238E27FC236}">
-                <a16:creationId xmlns:a16="http://schemas.microsoft.com/office/drawing/2014/main" id="{76577AAD-70A0-9B43-8DBE-57FA2136BB3A}"/>
-              </a:ext>
-            </a:extLst>
-          </p:cNvPr>
-          <p:cNvPicPr>
-            <a:picLocks noChangeAspect="1"/>
-          </p:cNvPicPr>
+      <p:sp>
+        <p:nvSpPr>
+          <p:cNvPr id="6" name="Rectangle 5">
+            <a:extLst>
+              <a:ext uri="{FF2B5EF4-FFF2-40B4-BE49-F238E27FC236}">
+                <a16:creationId xmlns:a16="http://schemas.microsoft.com/office/drawing/2014/main" id="{1D3A9800-C923-F943-ACA5-B4B9B9A1D73D}"/>
+              </a:ext>
+            </a:extLst>
+          </p:cNvPr>
+          <p:cNvSpPr/>
           <p:nvPr/>
-        </p:nvPicPr>
-        <p:blipFill>
-          <a:blip r:embed="rId2"/>
-          <a:stretch>
-            <a:fillRect/>
-          </a:stretch>
-        </p:blipFill>
-        <p:spPr>
-          <a:xfrm rot="5400000">
-            <a:off x="7709105" y="-192065"/>
-            <a:ext cx="3012694" cy="4176522"/>
+        </p:nvSpPr>
+        <p:spPr>
+          <a:xfrm>
+            <a:off x="7939701" y="638586"/>
+            <a:ext cx="2289346" cy="369332"/>
           </a:xfrm>
           <a:prstGeom prst="rect">
             <a:avLst/>
           </a:prstGeom>
         </p:spPr>
-      </p:pic>
-      <p:pic>
-        <p:nvPicPr>
-          <p:cNvPr id="9" name="Picture 8">
-            <a:extLst>
-              <a:ext uri="{FF2B5EF4-FFF2-40B4-BE49-F238E27FC236}">
-                <a16:creationId xmlns:a16="http://schemas.microsoft.com/office/drawing/2014/main" id="{E69FA34F-44BB-8144-9394-18EA05CD1FF7}"/>
-              </a:ext>
-            </a:extLst>
-          </p:cNvPr>
-          <p:cNvPicPr>
-            <a:picLocks noChangeAspect="1"/>
-          </p:cNvPicPr>
+        <p:txBody>
+          <a:bodyPr wrap="none">
+            <a:spAutoFit/>
+          </a:bodyPr>
+          <a:lstStyle/>
+          <a:p>
+            <a:pPr algn="ctr"/>
+            <a:r>
+              <a:rPr lang="en-US" u="sng" dirty="0"/>
+              <a:t>without b tagging SF’s </a:t>
+            </a:r>
+          </a:p>
+        </p:txBody>
+      </p:sp>
+      <p:sp>
+        <p:nvSpPr>
+          <p:cNvPr id="8" name="Rectangle 7">
+            <a:extLst>
+              <a:ext uri="{FF2B5EF4-FFF2-40B4-BE49-F238E27FC236}">
+                <a16:creationId xmlns:a16="http://schemas.microsoft.com/office/drawing/2014/main" id="{FE0D63A0-1633-E841-944F-B91BFC6F0FEB}"/>
+              </a:ext>
+            </a:extLst>
+          </p:cNvPr>
+          <p:cNvSpPr/>
           <p:nvPr/>
-        </p:nvPicPr>
-        <p:blipFill>
-          <a:blip r:embed="rId3"/>
-          <a:stretch>
-            <a:fillRect/>
-          </a:stretch>
-        </p:blipFill>
-        <p:spPr>
-          <a:xfrm rot="5400000">
-            <a:off x="7711792" y="2820629"/>
-            <a:ext cx="3012694" cy="4176522"/>
+        </p:nvSpPr>
+        <p:spPr>
+          <a:xfrm>
+            <a:off x="2333415" y="638586"/>
+            <a:ext cx="1499065" cy="369332"/>
           </a:xfrm>
           <a:prstGeom prst="rect">
             <a:avLst/>
           </a:prstGeom>
         </p:spPr>
-      </p:pic>
-      <p:sp>
-        <p:nvSpPr>
-          <p:cNvPr id="12" name="TextBox 11">
-            <a:extLst>
-              <a:ext uri="{FF2B5EF4-FFF2-40B4-BE49-F238E27FC236}">
-                <a16:creationId xmlns:a16="http://schemas.microsoft.com/office/drawing/2014/main" id="{9235591C-B2E3-1F4E-A8D0-58AEACB0FD0A}"/>
-              </a:ext>
-            </a:extLst>
-          </p:cNvPr>
-          <p:cNvSpPr txBox="1"/>
+        <p:txBody>
+          <a:bodyPr wrap="none">
+            <a:spAutoFit/>
+          </a:bodyPr>
+          <a:lstStyle/>
+          <a:p>
+            <a:pPr algn="ctr"/>
+            <a:r>
+              <a:rPr lang="en-US" u="sng" dirty="0"/>
+              <a:t>b tagging SF’s </a:t>
+            </a:r>
+          </a:p>
+        </p:txBody>
+      </p:sp>
+      <p:sp>
+        <p:nvSpPr>
+          <p:cNvPr id="2" name="Rectangle 1">
+            <a:extLst>
+              <a:ext uri="{FF2B5EF4-FFF2-40B4-BE49-F238E27FC236}">
+                <a16:creationId xmlns:a16="http://schemas.microsoft.com/office/drawing/2014/main" id="{2DC1FF26-71A8-0242-A173-4ED7A7EC3B5E}"/>
+              </a:ext>
+            </a:extLst>
+          </p:cNvPr>
+          <p:cNvSpPr/>
           <p:nvPr/>
         </p:nvSpPr>
         <p:spPr>
           <a:xfrm>
-            <a:off x="3752850" y="-76347"/>
-            <a:ext cx="4686300" cy="523220"/>
+            <a:off x="1211284" y="1582339"/>
+            <a:ext cx="3743325" cy="3693319"/>
           </a:xfrm>
           <a:prstGeom prst="rect">
             <a:avLst/>
           </a:prstGeom>
-          <a:noFill/>
-        </p:spPr>
-        <p:txBody>
-          <a:bodyPr wrap="square" rtlCol="0">
+        </p:spPr>
+        <p:txBody>
+          <a:bodyPr wrap="square">
             <a:spAutoFit/>
           </a:bodyPr>
           <a:lstStyle/>
           <a:p>
             <a:r>
-              <a:rPr lang="en-GR" sz="2800" u="sng" dirty="0"/>
-              <a:t>TagAndProbe Efficiency </a:t>
-            </a:r>
-            <a:r>
-              <a:rPr lang="en-US" sz="2800" u="sng" dirty="0"/>
-              <a:t>(</a:t>
-            </a:r>
-            <a:r>
-              <a:rPr lang="en-US" sz="2800" u="sng" dirty="0">
+              <a:rPr lang="en-GR" dirty="0"/>
+              <a:t>Efficiency-- with btagging SF's</a:t>
+            </a:r>
+          </a:p>
+          <a:p>
+            <a:r>
+              <a:rPr lang="en-GR" dirty="0"/>
+              <a:t>eff data: 0.857 ± 0.040</a:t>
+            </a:r>
+          </a:p>
+          <a:p>
+            <a:r>
+              <a:rPr lang="en-GR" b="1" u="sng" dirty="0">
                 <a:solidFill>
                   <a:srgbClr val="FF0000"/>
                 </a:solidFill>
               </a:rPr>
-              <a:t>2017</a:t>
-            </a:r>
-            <a:r>
-              <a:rPr lang="en-US" sz="2800" u="sng" dirty="0"/>
-              <a:t>)</a:t>
-            </a:r>
-          </a:p>
-        </p:txBody>
-      </p:sp>
-      <p:pic>
-        <p:nvPicPr>
-          <p:cNvPr id="4" name="Picture 3">
-            <a:extLst>
-              <a:ext uri="{FF2B5EF4-FFF2-40B4-BE49-F238E27FC236}">
-                <a16:creationId xmlns:a16="http://schemas.microsoft.com/office/drawing/2014/main" id="{2A0B0CBB-9430-DB4A-8230-417D7635DCEF}"/>
-              </a:ext>
-            </a:extLst>
-          </p:cNvPr>
-          <p:cNvPicPr>
-            <a:picLocks noChangeAspect="1"/>
-          </p:cNvPicPr>
+              <a:t>eff ttbar: 0.875 ± 0.0072</a:t>
+            </a:r>
+          </a:p>
+          <a:p>
+            <a:r>
+              <a:rPr lang="en-GR" dirty="0"/>
+              <a:t>-----------</a:t>
+            </a:r>
+          </a:p>
+          <a:p>
+            <a:r>
+              <a:rPr lang="en-GR" dirty="0"/>
+              <a:t>Efficiency per Pt region</a:t>
+            </a:r>
+          </a:p>
+          <a:p>
+            <a:r>
+              <a:rPr lang="en-GR" dirty="0"/>
+              <a:t>eff data pT[400-600]: 0.872 ± 0.047</a:t>
+            </a:r>
+          </a:p>
+          <a:p>
+            <a:r>
+              <a:rPr lang="en-GR" dirty="0"/>
+              <a:t>eff ttbar pT[400-600]: 0.874 ± 0.008</a:t>
+            </a:r>
+          </a:p>
+          <a:p>
+            <a:r>
+              <a:rPr lang="en-GR" dirty="0"/>
+              <a:t>-----------</a:t>
+            </a:r>
+          </a:p>
+          <a:p>
+            <a:r>
+              <a:rPr lang="en-GR" dirty="0"/>
+              <a:t>eff data pT[600-800]: 0.795 ± 0.088</a:t>
+            </a:r>
+          </a:p>
+          <a:p>
+            <a:r>
+              <a:rPr lang="en-GR" dirty="0"/>
+              <a:t>eff ttbar pT[600-800]: 0.876 ± 0.018</a:t>
+            </a:r>
+          </a:p>
+          <a:p>
+            <a:r>
+              <a:rPr lang="en-GR" dirty="0"/>
+              <a:t>-----------</a:t>
+            </a:r>
+          </a:p>
+          <a:p>
+            <a:r>
+              <a:rPr lang="en-GR" dirty="0"/>
+              <a:t>eff data pT[800-Inf]: 0.797 ± 0.186</a:t>
+            </a:r>
+          </a:p>
+          <a:p>
+            <a:r>
+              <a:rPr lang="en-GR" dirty="0"/>
+              <a:t>eff ttbar pT[800-Inf]: 0.899 ± 0.045</a:t>
+            </a:r>
+          </a:p>
+        </p:txBody>
+      </p:sp>
+      <p:sp>
+        <p:nvSpPr>
+          <p:cNvPr id="4" name="Rectangle 3">
+            <a:extLst>
+              <a:ext uri="{FF2B5EF4-FFF2-40B4-BE49-F238E27FC236}">
+                <a16:creationId xmlns:a16="http://schemas.microsoft.com/office/drawing/2014/main" id="{17DD903E-E2EE-ED4A-B9BA-6BDA6FAA4776}"/>
+              </a:ext>
+            </a:extLst>
+          </p:cNvPr>
+          <p:cNvSpPr/>
           <p:nvPr/>
-        </p:nvPicPr>
-        <p:blipFill>
-          <a:blip r:embed="rId4"/>
-          <a:stretch>
-            <a:fillRect/>
-          </a:stretch>
-        </p:blipFill>
-        <p:spPr>
-          <a:xfrm rot="5400000">
-            <a:off x="1341824" y="-192065"/>
-            <a:ext cx="3012694" cy="4176522"/>
+        </p:nvSpPr>
+        <p:spPr>
+          <a:xfrm>
+            <a:off x="7212711" y="1582339"/>
+            <a:ext cx="3743325" cy="3693319"/>
           </a:xfrm>
           <a:prstGeom prst="rect">
             <a:avLst/>
           </a:prstGeom>
         </p:spPr>
-      </p:pic>
-      <p:pic>
-        <p:nvPicPr>
-          <p:cNvPr id="10" name="Picture 9">
-            <a:extLst>
-              <a:ext uri="{FF2B5EF4-FFF2-40B4-BE49-F238E27FC236}">
-                <a16:creationId xmlns:a16="http://schemas.microsoft.com/office/drawing/2014/main" id="{C82386EE-D7CA-224B-9B0C-7F5E3D376BCD}"/>
-              </a:ext>
-            </a:extLst>
-          </p:cNvPr>
-          <p:cNvPicPr>
-            <a:picLocks noChangeAspect="1"/>
-          </p:cNvPicPr>
-          <p:nvPr/>
-        </p:nvPicPr>
-        <p:blipFill>
-          <a:blip r:embed="rId5"/>
-          <a:stretch>
-            <a:fillRect/>
-          </a:stretch>
-        </p:blipFill>
-        <p:spPr>
-          <a:xfrm rot="5400000">
-            <a:off x="1341824" y="2820629"/>
-            <a:ext cx="3012694" cy="4176522"/>
-          </a:xfrm>
-          <a:prstGeom prst="rect">
-            <a:avLst/>
-          </a:prstGeom>
-        </p:spPr>
-      </p:pic>
-      <p:sp>
-        <p:nvSpPr>
-          <p:cNvPr id="17" name="TextBox 16">
-            <a:extLst>
-              <a:ext uri="{FF2B5EF4-FFF2-40B4-BE49-F238E27FC236}">
-                <a16:creationId xmlns:a16="http://schemas.microsoft.com/office/drawing/2014/main" id="{2CCEE914-8706-CD47-AD02-11049E45D610}"/>
-              </a:ext>
-            </a:extLst>
-          </p:cNvPr>
-          <p:cNvSpPr txBox="1"/>
-          <p:nvPr/>
-        </p:nvSpPr>
-        <p:spPr>
-          <a:xfrm>
-            <a:off x="4564347" y="1926143"/>
-            <a:ext cx="3243263" cy="369332"/>
-          </a:xfrm>
-          <a:prstGeom prst="rect">
-            <a:avLst/>
-          </a:prstGeom>
-          <a:noFill/>
-        </p:spPr>
-        <p:txBody>
-          <a:bodyPr wrap="square" rtlCol="0">
+        <p:txBody>
+          <a:bodyPr wrap="square">
             <a:spAutoFit/>
           </a:bodyPr>
           <a:lstStyle/>
           <a:p>
-            <a:pPr algn="ctr"/>
             <a:r>
               <a:rPr lang="en-GR" dirty="0"/>
-              <a:t>Tight TopTagger + SR TopTagger</a:t>
-            </a:r>
-          </a:p>
-        </p:txBody>
-      </p:sp>
-      <p:sp>
-        <p:nvSpPr>
-          <p:cNvPr id="18" name="TextBox 17">
-            <a:extLst>
-              <a:ext uri="{FF2B5EF4-FFF2-40B4-BE49-F238E27FC236}">
-                <a16:creationId xmlns:a16="http://schemas.microsoft.com/office/drawing/2014/main" id="{6C7E105D-5296-2242-84F9-5547FDE0873C}"/>
-              </a:ext>
-            </a:extLst>
-          </p:cNvPr>
-          <p:cNvSpPr txBox="1"/>
-          <p:nvPr/>
-        </p:nvSpPr>
-        <p:spPr>
-          <a:xfrm>
-            <a:off x="4564348" y="4747191"/>
-            <a:ext cx="3243263" cy="369332"/>
-          </a:xfrm>
-          <a:prstGeom prst="rect">
-            <a:avLst/>
-          </a:prstGeom>
-          <a:noFill/>
-        </p:spPr>
-        <p:txBody>
-          <a:bodyPr wrap="square" rtlCol="0">
-            <a:spAutoFit/>
-          </a:bodyPr>
-          <a:lstStyle/>
-          <a:p>
-            <a:pPr algn="ctr"/>
+              <a:t>Efficiency-- without btagging SF's</a:t>
+            </a:r>
+          </a:p>
+          <a:p>
             <a:r>
               <a:rPr lang="en-GR" dirty="0"/>
-              <a:t>Tight TopTagger + Probe</a:t>
-            </a:r>
-          </a:p>
-        </p:txBody>
-      </p:sp>
-      <p:sp>
-        <p:nvSpPr>
-          <p:cNvPr id="19" name="Rectangle 18">
-            <a:extLst>
-              <a:ext uri="{FF2B5EF4-FFF2-40B4-BE49-F238E27FC236}">
-                <a16:creationId xmlns:a16="http://schemas.microsoft.com/office/drawing/2014/main" id="{F18E505C-0E8D-5D4F-9340-1B44147C83AA}"/>
-              </a:ext>
-            </a:extLst>
-          </p:cNvPr>
-          <p:cNvSpPr/>
-          <p:nvPr/>
-        </p:nvSpPr>
-        <p:spPr>
-          <a:xfrm>
-            <a:off x="2049125" y="3186241"/>
-            <a:ext cx="1520674" cy="369332"/>
-          </a:xfrm>
-          <a:prstGeom prst="rect">
-            <a:avLst/>
-          </a:prstGeom>
-        </p:spPr>
-        <p:txBody>
-          <a:bodyPr wrap="none">
-            <a:spAutoFit/>
-          </a:bodyPr>
-          <a:lstStyle/>
-          <a:p>
-            <a:pPr algn="ctr"/>
-            <a:r>
-              <a:rPr lang="en-US" b="1" u="sng" dirty="0">
+              <a:t>eff data: 0.864 ± 0.043</a:t>
+            </a:r>
+          </a:p>
+          <a:p>
+            <a:r>
+              <a:rPr lang="en-GR" dirty="0">
                 <a:solidFill>
                   <a:srgbClr val="FF0000"/>
                 </a:solidFill>
               </a:rPr>
-              <a:t>b tagging SF’s </a:t>
-            </a:r>
-          </a:p>
-        </p:txBody>
-      </p:sp>
-      <p:sp>
-        <p:nvSpPr>
-          <p:cNvPr id="20" name="Rectangle 19">
-            <a:extLst>
-              <a:ext uri="{FF2B5EF4-FFF2-40B4-BE49-F238E27FC236}">
-                <a16:creationId xmlns:a16="http://schemas.microsoft.com/office/drawing/2014/main" id="{67D4E5C2-0B92-0048-8D4F-4E4A55880973}"/>
-              </a:ext>
-            </a:extLst>
-          </p:cNvPr>
-          <p:cNvSpPr/>
-          <p:nvPr/>
-        </p:nvSpPr>
-        <p:spPr>
-          <a:xfrm>
-            <a:off x="8457894" y="3204932"/>
-            <a:ext cx="1849289" cy="369332"/>
-          </a:xfrm>
-          <a:prstGeom prst="rect">
-            <a:avLst/>
-          </a:prstGeom>
-        </p:spPr>
-        <p:txBody>
-          <a:bodyPr wrap="none">
-            <a:spAutoFit/>
-          </a:bodyPr>
-          <a:lstStyle/>
-          <a:p>
-            <a:pPr algn="ctr"/>
-            <a:r>
-              <a:rPr lang="en-US" b="1" u="sng" dirty="0">
-                <a:solidFill>
-                  <a:srgbClr val="FF0000"/>
-                </a:solidFill>
-              </a:rPr>
-              <a:t>No b tagging SF’s </a:t>
+              <a:t>eff ttbar: 0.875 ± 0.007</a:t>
+            </a:r>
+          </a:p>
+          <a:p>
+            <a:r>
+              <a:rPr lang="en-GR" dirty="0"/>
+              <a:t>-----------</a:t>
+            </a:r>
+          </a:p>
+          <a:p>
+            <a:r>
+              <a:rPr lang="en-GR" dirty="0"/>
+              <a:t>Efficiency per Pt region</a:t>
+            </a:r>
+          </a:p>
+          <a:p>
+            <a:r>
+              <a:rPr lang="en-GR" dirty="0"/>
+              <a:t>eff data pT[400-600]: 0.880 ± 0.049</a:t>
+            </a:r>
+          </a:p>
+          <a:p>
+            <a:r>
+              <a:rPr lang="en-GR" dirty="0"/>
+              <a:t>eff ttbar pT[400-600]: 0.874 ± 0.008</a:t>
+            </a:r>
+          </a:p>
+          <a:p>
+            <a:r>
+              <a:rPr lang="en-GR" dirty="0"/>
+              <a:t>-----------</a:t>
+            </a:r>
+          </a:p>
+          <a:p>
+            <a:r>
+              <a:rPr lang="en-GR" dirty="0"/>
+              <a:t>eff data pT[600-800]: 0.8 ± 0.091</a:t>
+            </a:r>
+          </a:p>
+          <a:p>
+            <a:r>
+              <a:rPr lang="en-GR" dirty="0"/>
+              <a:t>eff ttbar pT[600-800]: 0.876 ± 0.018</a:t>
+            </a:r>
+          </a:p>
+          <a:p>
+            <a:r>
+              <a:rPr lang="en-GR" dirty="0"/>
+              <a:t>-----------</a:t>
+            </a:r>
+          </a:p>
+          <a:p>
+            <a:r>
+              <a:rPr lang="en-GR" dirty="0"/>
+              <a:t>eff data pT[800-Inf]: 0.796 ± 0.2</a:t>
+            </a:r>
+          </a:p>
+          <a:p>
+            <a:r>
+              <a:rPr lang="en-GR" dirty="0"/>
+              <a:t>eff ttbar pT[800-Inf]: 0.898 ± 0.045</a:t>
             </a:r>
           </a:p>
         </p:txBody>
@@ -19121,7 +19028,7 @@
     </p:spTree>
     <p:extLst>
       <p:ext uri="{BB962C8B-B14F-4D97-AF65-F5344CB8AC3E}">
-        <p14:creationId xmlns:p14="http://schemas.microsoft.com/office/powerpoint/2010/main" val="4150945209"/>
+        <p14:creationId xmlns:p14="http://schemas.microsoft.com/office/powerpoint/2010/main" val="305433567"/>
       </p:ext>
     </p:extLst>
   </p:cSld>
@@ -19177,53 +19084,6 @@
       </p:sp>
       <p:sp>
         <p:nvSpPr>
-          <p:cNvPr id="7" name="TextBox 6"/>
-          <p:cNvSpPr txBox="1"/>
-          <p:nvPr/>
-        </p:nvSpPr>
-        <p:spPr>
-          <a:xfrm>
-            <a:off x="3276600" y="33090"/>
-            <a:ext cx="5638800" cy="523220"/>
-          </a:xfrm>
-          <a:prstGeom prst="rect">
-            <a:avLst/>
-          </a:prstGeom>
-          <a:noFill/>
-        </p:spPr>
-        <p:txBody>
-          <a:bodyPr wrap="square" rtlCol="0">
-            <a:spAutoFit/>
-          </a:bodyPr>
-          <a:lstStyle/>
-          <a:p>
-            <a:pPr algn="ctr"/>
-            <a:r>
-              <a:rPr lang="en-US" sz="2800" u="sng" dirty="0"/>
-              <a:t>Tag And Probe Calculations </a:t>
-            </a:r>
-            <a:r>
-              <a:rPr lang="en-US" sz="2800" u="sng" dirty="0">
-                <a:solidFill>
-                  <a:srgbClr val="00B050"/>
-                </a:solidFill>
-              </a:rPr>
-              <a:t>2018</a:t>
-            </a:r>
-            <a:r>
-              <a:rPr lang="en-US" sz="2800" u="sng" dirty="0"/>
-              <a:t> </a:t>
-            </a:r>
-            <a:endParaRPr lang="en-US" sz="2800" u="sng" dirty="0">
-              <a:solidFill>
-                <a:srgbClr val="00B050"/>
-              </a:solidFill>
-            </a:endParaRPr>
-          </a:p>
-        </p:txBody>
-      </p:sp>
-      <p:sp>
-        <p:nvSpPr>
           <p:cNvPr id="5" name="Slide Number Placeholder 4">
             <a:extLst>
               <a:ext uri="{FF2B5EF4-FFF2-40B4-BE49-F238E27FC236}">
@@ -19273,35 +19133,278 @@
           <a:bodyPr/>
           <a:lstStyle/>
           <a:p>
-            <a:fld id="{3DBB7BD0-9B8D-1F47-8ABF-BE3CF9BD2848}" type="datetime1">
+            <a:fld id="{D52D66B2-0E0A-F441-A1DA-8039F615D612}" type="datetime1">
               <a:rPr lang="en-US" smtClean="0"/>
-              <a:t>9/8/20</a:t>
+              <a:t>9/9/20</a:t>
             </a:fld>
             <a:endParaRPr lang="en-US" dirty="0"/>
           </a:p>
         </p:txBody>
       </p:sp>
-      <p:sp>
-        <p:nvSpPr>
-          <p:cNvPr id="6" name="Rectangle 5">
-            <a:extLst>
-              <a:ext uri="{FF2B5EF4-FFF2-40B4-BE49-F238E27FC236}">
-                <a16:creationId xmlns:a16="http://schemas.microsoft.com/office/drawing/2014/main" id="{1D3A9800-C923-F943-ACA5-B4B9B9A1D73D}"/>
-              </a:ext>
-            </a:extLst>
-          </p:cNvPr>
-          <p:cNvSpPr/>
+      <p:pic>
+        <p:nvPicPr>
+          <p:cNvPr id="6" name="Picture 5">
+            <a:extLst>
+              <a:ext uri="{FF2B5EF4-FFF2-40B4-BE49-F238E27FC236}">
+                <a16:creationId xmlns:a16="http://schemas.microsoft.com/office/drawing/2014/main" id="{76577AAD-70A0-9B43-8DBE-57FA2136BB3A}"/>
+              </a:ext>
+            </a:extLst>
+          </p:cNvPr>
+          <p:cNvPicPr>
+            <a:picLocks noChangeAspect="1"/>
+          </p:cNvPicPr>
           <p:nvPr/>
-        </p:nvSpPr>
-        <p:spPr>
-          <a:xfrm>
-            <a:off x="7939701" y="638586"/>
-            <a:ext cx="2289346" cy="369332"/>
+        </p:nvPicPr>
+        <p:blipFill>
+          <a:blip r:embed="rId2"/>
+          <a:stretch>
+            <a:fillRect/>
+          </a:stretch>
+        </p:blipFill>
+        <p:spPr>
+          <a:xfrm rot="5400000">
+            <a:off x="7709105" y="-192065"/>
+            <a:ext cx="3012694" cy="4176522"/>
           </a:xfrm>
           <a:prstGeom prst="rect">
             <a:avLst/>
           </a:prstGeom>
         </p:spPr>
+      </p:pic>
+      <p:pic>
+        <p:nvPicPr>
+          <p:cNvPr id="9" name="Picture 8">
+            <a:extLst>
+              <a:ext uri="{FF2B5EF4-FFF2-40B4-BE49-F238E27FC236}">
+                <a16:creationId xmlns:a16="http://schemas.microsoft.com/office/drawing/2014/main" id="{E69FA34F-44BB-8144-9394-18EA05CD1FF7}"/>
+              </a:ext>
+            </a:extLst>
+          </p:cNvPr>
+          <p:cNvPicPr>
+            <a:picLocks noChangeAspect="1"/>
+          </p:cNvPicPr>
+          <p:nvPr/>
+        </p:nvPicPr>
+        <p:blipFill>
+          <a:blip r:embed="rId3"/>
+          <a:stretch>
+            <a:fillRect/>
+          </a:stretch>
+        </p:blipFill>
+        <p:spPr>
+          <a:xfrm rot="5400000">
+            <a:off x="7711792" y="2820629"/>
+            <a:ext cx="3012694" cy="4176522"/>
+          </a:xfrm>
+          <a:prstGeom prst="rect">
+            <a:avLst/>
+          </a:prstGeom>
+        </p:spPr>
+      </p:pic>
+      <p:sp>
+        <p:nvSpPr>
+          <p:cNvPr id="12" name="TextBox 11">
+            <a:extLst>
+              <a:ext uri="{FF2B5EF4-FFF2-40B4-BE49-F238E27FC236}">
+                <a16:creationId xmlns:a16="http://schemas.microsoft.com/office/drawing/2014/main" id="{9235591C-B2E3-1F4E-A8D0-58AEACB0FD0A}"/>
+              </a:ext>
+            </a:extLst>
+          </p:cNvPr>
+          <p:cNvSpPr txBox="1"/>
+          <p:nvPr/>
+        </p:nvSpPr>
+        <p:spPr>
+          <a:xfrm>
+            <a:off x="3752850" y="-76347"/>
+            <a:ext cx="4686300" cy="523220"/>
+          </a:xfrm>
+          <a:prstGeom prst="rect">
+            <a:avLst/>
+          </a:prstGeom>
+          <a:noFill/>
+        </p:spPr>
+        <p:txBody>
+          <a:bodyPr wrap="square" rtlCol="0">
+            <a:spAutoFit/>
+          </a:bodyPr>
+          <a:lstStyle/>
+          <a:p>
+            <a:r>
+              <a:rPr lang="en-GR" sz="2800" u="sng" dirty="0"/>
+              <a:t>TagAndProbe Efficiency </a:t>
+            </a:r>
+            <a:r>
+              <a:rPr lang="en-US" sz="2800" u="sng" dirty="0"/>
+              <a:t>(</a:t>
+            </a:r>
+            <a:r>
+              <a:rPr lang="en-US" sz="2800" u="sng" dirty="0">
+                <a:solidFill>
+                  <a:srgbClr val="FF0000"/>
+                </a:solidFill>
+              </a:rPr>
+              <a:t>2017</a:t>
+            </a:r>
+            <a:r>
+              <a:rPr lang="en-US" sz="2800" u="sng" dirty="0"/>
+              <a:t>)</a:t>
+            </a:r>
+          </a:p>
+        </p:txBody>
+      </p:sp>
+      <p:pic>
+        <p:nvPicPr>
+          <p:cNvPr id="4" name="Picture 3">
+            <a:extLst>
+              <a:ext uri="{FF2B5EF4-FFF2-40B4-BE49-F238E27FC236}">
+                <a16:creationId xmlns:a16="http://schemas.microsoft.com/office/drawing/2014/main" id="{2A0B0CBB-9430-DB4A-8230-417D7635DCEF}"/>
+              </a:ext>
+            </a:extLst>
+          </p:cNvPr>
+          <p:cNvPicPr>
+            <a:picLocks noChangeAspect="1"/>
+          </p:cNvPicPr>
+          <p:nvPr/>
+        </p:nvPicPr>
+        <p:blipFill>
+          <a:blip r:embed="rId4"/>
+          <a:stretch>
+            <a:fillRect/>
+          </a:stretch>
+        </p:blipFill>
+        <p:spPr>
+          <a:xfrm rot="5400000">
+            <a:off x="1341824" y="-192065"/>
+            <a:ext cx="3012694" cy="4176522"/>
+          </a:xfrm>
+          <a:prstGeom prst="rect">
+            <a:avLst/>
+          </a:prstGeom>
+        </p:spPr>
+      </p:pic>
+      <p:pic>
+        <p:nvPicPr>
+          <p:cNvPr id="10" name="Picture 9">
+            <a:extLst>
+              <a:ext uri="{FF2B5EF4-FFF2-40B4-BE49-F238E27FC236}">
+                <a16:creationId xmlns:a16="http://schemas.microsoft.com/office/drawing/2014/main" id="{C82386EE-D7CA-224B-9B0C-7F5E3D376BCD}"/>
+              </a:ext>
+            </a:extLst>
+          </p:cNvPr>
+          <p:cNvPicPr>
+            <a:picLocks noChangeAspect="1"/>
+          </p:cNvPicPr>
+          <p:nvPr/>
+        </p:nvPicPr>
+        <p:blipFill>
+          <a:blip r:embed="rId5"/>
+          <a:stretch>
+            <a:fillRect/>
+          </a:stretch>
+        </p:blipFill>
+        <p:spPr>
+          <a:xfrm rot="5400000">
+            <a:off x="1341824" y="2820629"/>
+            <a:ext cx="3012694" cy="4176522"/>
+          </a:xfrm>
+          <a:prstGeom prst="rect">
+            <a:avLst/>
+          </a:prstGeom>
+        </p:spPr>
+      </p:pic>
+      <p:sp>
+        <p:nvSpPr>
+          <p:cNvPr id="17" name="TextBox 16">
+            <a:extLst>
+              <a:ext uri="{FF2B5EF4-FFF2-40B4-BE49-F238E27FC236}">
+                <a16:creationId xmlns:a16="http://schemas.microsoft.com/office/drawing/2014/main" id="{2CCEE914-8706-CD47-AD02-11049E45D610}"/>
+              </a:ext>
+            </a:extLst>
+          </p:cNvPr>
+          <p:cNvSpPr txBox="1"/>
+          <p:nvPr/>
+        </p:nvSpPr>
+        <p:spPr>
+          <a:xfrm>
+            <a:off x="4564347" y="1926143"/>
+            <a:ext cx="3243263" cy="369332"/>
+          </a:xfrm>
+          <a:prstGeom prst="rect">
+            <a:avLst/>
+          </a:prstGeom>
+          <a:noFill/>
+        </p:spPr>
+        <p:txBody>
+          <a:bodyPr wrap="square" rtlCol="0">
+            <a:spAutoFit/>
+          </a:bodyPr>
+          <a:lstStyle/>
+          <a:p>
+            <a:pPr algn="ctr"/>
+            <a:r>
+              <a:rPr lang="en-GR" dirty="0"/>
+              <a:t>Tight TopTagger + SR TopTagger</a:t>
+            </a:r>
+          </a:p>
+        </p:txBody>
+      </p:sp>
+      <p:sp>
+        <p:nvSpPr>
+          <p:cNvPr id="18" name="TextBox 17">
+            <a:extLst>
+              <a:ext uri="{FF2B5EF4-FFF2-40B4-BE49-F238E27FC236}">
+                <a16:creationId xmlns:a16="http://schemas.microsoft.com/office/drawing/2014/main" id="{6C7E105D-5296-2242-84F9-5547FDE0873C}"/>
+              </a:ext>
+            </a:extLst>
+          </p:cNvPr>
+          <p:cNvSpPr txBox="1"/>
+          <p:nvPr/>
+        </p:nvSpPr>
+        <p:spPr>
+          <a:xfrm>
+            <a:off x="4564348" y="4747191"/>
+            <a:ext cx="3243263" cy="369332"/>
+          </a:xfrm>
+          <a:prstGeom prst="rect">
+            <a:avLst/>
+          </a:prstGeom>
+          <a:noFill/>
+        </p:spPr>
+        <p:txBody>
+          <a:bodyPr wrap="square" rtlCol="0">
+            <a:spAutoFit/>
+          </a:bodyPr>
+          <a:lstStyle/>
+          <a:p>
+            <a:pPr algn="ctr"/>
+            <a:r>
+              <a:rPr lang="en-GR" dirty="0"/>
+              <a:t>Tight TopTagger + Probe</a:t>
+            </a:r>
+          </a:p>
+        </p:txBody>
+      </p:sp>
+      <p:sp>
+        <p:nvSpPr>
+          <p:cNvPr id="19" name="Rectangle 18">
+            <a:extLst>
+              <a:ext uri="{FF2B5EF4-FFF2-40B4-BE49-F238E27FC236}">
+                <a16:creationId xmlns:a16="http://schemas.microsoft.com/office/drawing/2014/main" id="{F18E505C-0E8D-5D4F-9340-1B44147C83AA}"/>
+              </a:ext>
+            </a:extLst>
+          </p:cNvPr>
+          <p:cNvSpPr/>
+          <p:nvPr/>
+        </p:nvSpPr>
+        <p:spPr>
+          <a:xfrm>
+            <a:off x="2049125" y="3186241"/>
+            <a:ext cx="1520674" cy="369332"/>
+          </a:xfrm>
+          <a:prstGeom prst="rect">
+            <a:avLst/>
+          </a:prstGeom>
+        </p:spPr>
         <p:txBody>
           <a:bodyPr wrap="none">
             <a:spAutoFit/>
@@ -19310,18 +19413,22 @@
           <a:p>
             <a:pPr algn="ctr"/>
             <a:r>
-              <a:rPr lang="en-US" u="sng" dirty="0"/>
-              <a:t>without b tagging SF’s </a:t>
-            </a:r>
-          </a:p>
-        </p:txBody>
-      </p:sp>
-      <p:sp>
-        <p:nvSpPr>
-          <p:cNvPr id="8" name="Rectangle 7">
-            <a:extLst>
-              <a:ext uri="{FF2B5EF4-FFF2-40B4-BE49-F238E27FC236}">
-                <a16:creationId xmlns:a16="http://schemas.microsoft.com/office/drawing/2014/main" id="{FE0D63A0-1633-E841-944F-B91BFC6F0FEB}"/>
+              <a:rPr lang="en-US" b="1" u="sng" dirty="0">
+                <a:solidFill>
+                  <a:srgbClr val="FF0000"/>
+                </a:solidFill>
+              </a:rPr>
+              <a:t>b tagging SF’s </a:t>
+            </a:r>
+          </a:p>
+        </p:txBody>
+      </p:sp>
+      <p:sp>
+        <p:nvSpPr>
+          <p:cNvPr id="20" name="Rectangle 19">
+            <a:extLst>
+              <a:ext uri="{FF2B5EF4-FFF2-40B4-BE49-F238E27FC236}">
+                <a16:creationId xmlns:a16="http://schemas.microsoft.com/office/drawing/2014/main" id="{67D4E5C2-0B92-0048-8D4F-4E4A55880973}"/>
               </a:ext>
             </a:extLst>
           </p:cNvPr>
@@ -19330,8 +19437,8 @@
         </p:nvSpPr>
         <p:spPr>
           <a:xfrm>
-            <a:off x="2333415" y="638586"/>
-            <a:ext cx="1499065" cy="369332"/>
+            <a:off x="8457894" y="3204932"/>
+            <a:ext cx="1849289" cy="369332"/>
           </a:xfrm>
           <a:prstGeom prst="rect">
             <a:avLst/>
@@ -19345,242 +19452,12 @@
           <a:p>
             <a:pPr algn="ctr"/>
             <a:r>
-              <a:rPr lang="en-US" u="sng" dirty="0"/>
-              <a:t>b tagging SF’s </a:t>
-            </a:r>
-          </a:p>
-        </p:txBody>
-      </p:sp>
-      <p:sp>
-        <p:nvSpPr>
-          <p:cNvPr id="2" name="Rectangle 1">
-            <a:extLst>
-              <a:ext uri="{FF2B5EF4-FFF2-40B4-BE49-F238E27FC236}">
-                <a16:creationId xmlns:a16="http://schemas.microsoft.com/office/drawing/2014/main" id="{5C0AC30A-7E8B-5E44-B107-1CFE415896F6}"/>
-              </a:ext>
-            </a:extLst>
-          </p:cNvPr>
-          <p:cNvSpPr/>
-          <p:nvPr/>
-        </p:nvSpPr>
-        <p:spPr>
-          <a:xfrm>
-            <a:off x="1180718" y="1582339"/>
-            <a:ext cx="3804458" cy="3693319"/>
-          </a:xfrm>
-          <a:prstGeom prst="rect">
-            <a:avLst/>
-          </a:prstGeom>
-        </p:spPr>
-        <p:txBody>
-          <a:bodyPr wrap="square">
-            <a:spAutoFit/>
-          </a:bodyPr>
-          <a:lstStyle/>
-          <a:p>
-            <a:r>
-              <a:rPr lang="en-GR" dirty="0"/>
-              <a:t>Efficiency-- with tag SF's</a:t>
-            </a:r>
-          </a:p>
-          <a:p>
-            <a:r>
-              <a:rPr lang="en-GR" dirty="0">
+              <a:rPr lang="en-US" b="1" u="sng" dirty="0">
                 <a:solidFill>
-                  <a:schemeClr val="tx1">
-                    <a:lumMod val="95000"/>
-                    <a:lumOff val="5000"/>
-                  </a:schemeClr>
+                  <a:srgbClr val="FF0000"/>
                 </a:solidFill>
               </a:rPr>
-              <a:t>eff data: 0.816 ± 0.032</a:t>
-            </a:r>
-          </a:p>
-          <a:p>
-            <a:r>
-              <a:rPr lang="en-GR" b="1" u="sng" dirty="0">
-                <a:solidFill>
-                  <a:srgbClr val="00B050"/>
-                </a:solidFill>
-              </a:rPr>
-              <a:t>eff ttbar: 0.839 ± 0.005</a:t>
-            </a:r>
-          </a:p>
-          <a:p>
-            <a:r>
-              <a:rPr lang="en-GR" dirty="0"/>
-              <a:t>-----------</a:t>
-            </a:r>
-          </a:p>
-          <a:p>
-            <a:r>
-              <a:rPr lang="en-GR" dirty="0"/>
-              <a:t>Efficiency per Pt region</a:t>
-            </a:r>
-          </a:p>
-          <a:p>
-            <a:r>
-              <a:rPr lang="en-GR" dirty="0"/>
-              <a:t>eff data pT[400-600]: 0.8176 ± 0.038</a:t>
-            </a:r>
-          </a:p>
-          <a:p>
-            <a:r>
-              <a:rPr lang="en-GR" dirty="0"/>
-              <a:t>eff ttbar pT[400-600]: 0.837 ± 0.006</a:t>
-            </a:r>
-          </a:p>
-          <a:p>
-            <a:r>
-              <a:rPr lang="en-GR" dirty="0"/>
-              <a:t>-----------</a:t>
-            </a:r>
-          </a:p>
-          <a:p>
-            <a:r>
-              <a:rPr lang="en-GR" dirty="0"/>
-              <a:t>eff data pT[600-800]: 0.809 ± 0.063</a:t>
-            </a:r>
-          </a:p>
-          <a:p>
-            <a:r>
-              <a:rPr lang="en-GR" dirty="0"/>
-              <a:t>eff ttbar pT[600-800]: 0.847 ± 0.013</a:t>
-            </a:r>
-          </a:p>
-          <a:p>
-            <a:r>
-              <a:rPr lang="en-GR" dirty="0"/>
-              <a:t>-----------</a:t>
-            </a:r>
-          </a:p>
-          <a:p>
-            <a:r>
-              <a:rPr lang="en-GR" dirty="0"/>
-              <a:t>eff data pT[800-Inf]: 0.772 ± 0.132</a:t>
-            </a:r>
-          </a:p>
-          <a:p>
-            <a:r>
-              <a:rPr lang="en-GR" dirty="0"/>
-              <a:t>eff ttbar pT[800-Inf]: 0.868 ± 0.032</a:t>
-            </a:r>
-          </a:p>
-        </p:txBody>
-      </p:sp>
-      <p:sp>
-        <p:nvSpPr>
-          <p:cNvPr id="4" name="Rectangle 3">
-            <a:extLst>
-              <a:ext uri="{FF2B5EF4-FFF2-40B4-BE49-F238E27FC236}">
-                <a16:creationId xmlns:a16="http://schemas.microsoft.com/office/drawing/2014/main" id="{6A55B372-F163-CB40-91A8-4182F6465250}"/>
-              </a:ext>
-            </a:extLst>
-          </p:cNvPr>
-          <p:cNvSpPr/>
-          <p:nvPr/>
-        </p:nvSpPr>
-        <p:spPr>
-          <a:xfrm>
-            <a:off x="7182145" y="1582339"/>
-            <a:ext cx="3804458" cy="3693319"/>
-          </a:xfrm>
-          <a:prstGeom prst="rect">
-            <a:avLst/>
-          </a:prstGeom>
-        </p:spPr>
-        <p:txBody>
-          <a:bodyPr wrap="square">
-            <a:spAutoFit/>
-          </a:bodyPr>
-          <a:lstStyle/>
-          <a:p>
-            <a:r>
-              <a:rPr lang="en-GR" dirty="0"/>
-              <a:t>Efficiency-- without tag sf's</a:t>
-            </a:r>
-          </a:p>
-          <a:p>
-            <a:r>
-              <a:rPr lang="en-GR" dirty="0">
-                <a:solidFill>
-                  <a:schemeClr val="tx1">
-                    <a:lumMod val="95000"/>
-                    <a:lumOff val="5000"/>
-                  </a:schemeClr>
-                </a:solidFill>
-              </a:rPr>
-              <a:t>eff data: 0.822 ± 0.034</a:t>
-            </a:r>
-          </a:p>
-          <a:p>
-            <a:r>
-              <a:rPr lang="en-GR" dirty="0">
-                <a:solidFill>
-                  <a:srgbClr val="00B050"/>
-                </a:solidFill>
-              </a:rPr>
-              <a:t>eff ttbar: 0.839 ± 0.005</a:t>
-            </a:r>
-          </a:p>
-          <a:p>
-            <a:r>
-              <a:rPr lang="en-GR" dirty="0"/>
-              <a:t>-----------</a:t>
-            </a:r>
-          </a:p>
-          <a:p>
-            <a:r>
-              <a:rPr lang="en-GR" dirty="0"/>
-              <a:t>Efficiency per Pt region</a:t>
-            </a:r>
-          </a:p>
-          <a:p>
-            <a:r>
-              <a:rPr lang="en-GR" dirty="0"/>
-              <a:t>eff data pT[400-600]: 0.824 ± 0.039</a:t>
-            </a:r>
-          </a:p>
-          <a:p>
-            <a:r>
-              <a:rPr lang="en-GR" dirty="0"/>
-              <a:t>eff ttbar pT[400-600]: 0.837 ± 0.006</a:t>
-            </a:r>
-          </a:p>
-          <a:p>
-            <a:r>
-              <a:rPr lang="en-GR" dirty="0"/>
-              <a:t>-----------</a:t>
-            </a:r>
-          </a:p>
-          <a:p>
-            <a:r>
-              <a:rPr lang="en-GR" dirty="0"/>
-              <a:t>eff data pT[600-800]: 0.819 ± 0.066</a:t>
-            </a:r>
-          </a:p>
-          <a:p>
-            <a:r>
-              <a:rPr lang="en-GR" dirty="0"/>
-              <a:t>eff ttbar pT[600-800]: 0.847 ± 0.013</a:t>
-            </a:r>
-          </a:p>
-          <a:p>
-            <a:r>
-              <a:rPr lang="en-GR" dirty="0"/>
-              <a:t>-----------</a:t>
-            </a:r>
-          </a:p>
-          <a:p>
-            <a:r>
-              <a:rPr lang="en-GR" dirty="0"/>
-              <a:t>eff data pT[800-Inf]: 0.789 ± 0.141</a:t>
-            </a:r>
-          </a:p>
-          <a:p>
-            <a:r>
-              <a:rPr lang="en-GR" dirty="0"/>
-              <a:t>eff ttbar pT[800-Inf]: 0.868 ± 0.032</a:t>
+              <a:t>No b tagging SF’s </a:t>
             </a:r>
           </a:p>
         </p:txBody>
@@ -19588,7 +19465,7 @@
     </p:spTree>
     <p:extLst>
       <p:ext uri="{BB962C8B-B14F-4D97-AF65-F5344CB8AC3E}">
-        <p14:creationId xmlns:p14="http://schemas.microsoft.com/office/powerpoint/2010/main" val="4027163055"/>
+        <p14:creationId xmlns:p14="http://schemas.microsoft.com/office/powerpoint/2010/main" val="4150945209"/>
       </p:ext>
     </p:extLst>
   </p:cSld>
@@ -19644,6 +19521,53 @@
       </p:sp>
       <p:sp>
         <p:nvSpPr>
+          <p:cNvPr id="7" name="TextBox 6"/>
+          <p:cNvSpPr txBox="1"/>
+          <p:nvPr/>
+        </p:nvSpPr>
+        <p:spPr>
+          <a:xfrm>
+            <a:off x="3276600" y="33090"/>
+            <a:ext cx="5638800" cy="523220"/>
+          </a:xfrm>
+          <a:prstGeom prst="rect">
+            <a:avLst/>
+          </a:prstGeom>
+          <a:noFill/>
+        </p:spPr>
+        <p:txBody>
+          <a:bodyPr wrap="square" rtlCol="0">
+            <a:spAutoFit/>
+          </a:bodyPr>
+          <a:lstStyle/>
+          <a:p>
+            <a:pPr algn="ctr"/>
+            <a:r>
+              <a:rPr lang="en-US" sz="2800" u="sng" dirty="0"/>
+              <a:t>Tag And Probe Calculations </a:t>
+            </a:r>
+            <a:r>
+              <a:rPr lang="en-US" sz="2800" u="sng" dirty="0">
+                <a:solidFill>
+                  <a:srgbClr val="00B050"/>
+                </a:solidFill>
+              </a:rPr>
+              <a:t>2018</a:t>
+            </a:r>
+            <a:r>
+              <a:rPr lang="en-US" sz="2800" u="sng" dirty="0"/>
+              <a:t> </a:t>
+            </a:r>
+            <a:endParaRPr lang="en-US" sz="2800" u="sng" dirty="0">
+              <a:solidFill>
+                <a:srgbClr val="00B050"/>
+              </a:solidFill>
+            </a:endParaRPr>
+          </a:p>
+        </p:txBody>
+      </p:sp>
+      <p:sp>
+        <p:nvSpPr>
           <p:cNvPr id="5" name="Slide Number Placeholder 4">
             <a:extLst>
               <a:ext uri="{FF2B5EF4-FFF2-40B4-BE49-F238E27FC236}">
@@ -19693,325 +19617,314 @@
           <a:bodyPr/>
           <a:lstStyle/>
           <a:p>
-            <a:fld id="{D52D66B2-0E0A-F441-A1DA-8039F615D612}" type="datetime1">
+            <a:fld id="{3DBB7BD0-9B8D-1F47-8ABF-BE3CF9BD2848}" type="datetime1">
               <a:rPr lang="en-US" smtClean="0"/>
-              <a:t>9/8/20</a:t>
+              <a:t>9/9/20</a:t>
             </a:fld>
             <a:endParaRPr lang="en-US" dirty="0"/>
           </a:p>
         </p:txBody>
       </p:sp>
-      <p:pic>
-        <p:nvPicPr>
-          <p:cNvPr id="8" name="Picture 7">
-            <a:extLst>
-              <a:ext uri="{FF2B5EF4-FFF2-40B4-BE49-F238E27FC236}">
-                <a16:creationId xmlns:a16="http://schemas.microsoft.com/office/drawing/2014/main" id="{08124A33-50C0-BB46-BE06-3467BA03726B}"/>
-              </a:ext>
-            </a:extLst>
-          </p:cNvPr>
-          <p:cNvPicPr>
-            <a:picLocks noChangeAspect="1"/>
-          </p:cNvPicPr>
+      <p:sp>
+        <p:nvSpPr>
+          <p:cNvPr id="6" name="Rectangle 5">
+            <a:extLst>
+              <a:ext uri="{FF2B5EF4-FFF2-40B4-BE49-F238E27FC236}">
+                <a16:creationId xmlns:a16="http://schemas.microsoft.com/office/drawing/2014/main" id="{1D3A9800-C923-F943-ACA5-B4B9B9A1D73D}"/>
+              </a:ext>
+            </a:extLst>
+          </p:cNvPr>
+          <p:cNvSpPr/>
           <p:nvPr/>
-        </p:nvPicPr>
-        <p:blipFill>
-          <a:blip r:embed="rId2"/>
-          <a:stretch>
-            <a:fillRect/>
-          </a:stretch>
-        </p:blipFill>
-        <p:spPr>
-          <a:xfrm rot="5400000">
-            <a:off x="7617875" y="-241793"/>
-            <a:ext cx="3012694" cy="4176522"/>
+        </p:nvSpPr>
+        <p:spPr>
+          <a:xfrm>
+            <a:off x="7939701" y="638586"/>
+            <a:ext cx="2289346" cy="369332"/>
           </a:xfrm>
           <a:prstGeom prst="rect">
             <a:avLst/>
           </a:prstGeom>
         </p:spPr>
-      </p:pic>
-      <p:pic>
-        <p:nvPicPr>
-          <p:cNvPr id="11" name="Picture 10">
-            <a:extLst>
-              <a:ext uri="{FF2B5EF4-FFF2-40B4-BE49-F238E27FC236}">
-                <a16:creationId xmlns:a16="http://schemas.microsoft.com/office/drawing/2014/main" id="{4744943B-E532-864E-8A77-D62B2B7A8DFA}"/>
-              </a:ext>
-            </a:extLst>
-          </p:cNvPr>
-          <p:cNvPicPr>
-            <a:picLocks noChangeAspect="1"/>
-          </p:cNvPicPr>
+        <p:txBody>
+          <a:bodyPr wrap="none">
+            <a:spAutoFit/>
+          </a:bodyPr>
+          <a:lstStyle/>
+          <a:p>
+            <a:pPr algn="ctr"/>
+            <a:r>
+              <a:rPr lang="en-US" u="sng" dirty="0"/>
+              <a:t>without b tagging SF’s </a:t>
+            </a:r>
+          </a:p>
+        </p:txBody>
+      </p:sp>
+      <p:sp>
+        <p:nvSpPr>
+          <p:cNvPr id="8" name="Rectangle 7">
+            <a:extLst>
+              <a:ext uri="{FF2B5EF4-FFF2-40B4-BE49-F238E27FC236}">
+                <a16:creationId xmlns:a16="http://schemas.microsoft.com/office/drawing/2014/main" id="{FE0D63A0-1633-E841-944F-B91BFC6F0FEB}"/>
+              </a:ext>
+            </a:extLst>
+          </p:cNvPr>
+          <p:cNvSpPr/>
           <p:nvPr/>
-        </p:nvPicPr>
-        <p:blipFill>
-          <a:blip r:embed="rId3"/>
-          <a:stretch>
-            <a:fillRect/>
-          </a:stretch>
-        </p:blipFill>
-        <p:spPr>
-          <a:xfrm rot="5400000">
-            <a:off x="7617875" y="2837987"/>
-            <a:ext cx="3012694" cy="4176522"/>
+        </p:nvSpPr>
+        <p:spPr>
+          <a:xfrm>
+            <a:off x="2333415" y="638586"/>
+            <a:ext cx="1499065" cy="369332"/>
           </a:xfrm>
           <a:prstGeom prst="rect">
             <a:avLst/>
           </a:prstGeom>
         </p:spPr>
-      </p:pic>
-      <p:sp>
-        <p:nvSpPr>
-          <p:cNvPr id="7" name="TextBox 6"/>
-          <p:cNvSpPr txBox="1"/>
+        <p:txBody>
+          <a:bodyPr wrap="none">
+            <a:spAutoFit/>
+          </a:bodyPr>
+          <a:lstStyle/>
+          <a:p>
+            <a:pPr algn="ctr"/>
+            <a:r>
+              <a:rPr lang="en-US" u="sng" dirty="0"/>
+              <a:t>b tagging SF’s </a:t>
+            </a:r>
+          </a:p>
+        </p:txBody>
+      </p:sp>
+      <p:sp>
+        <p:nvSpPr>
+          <p:cNvPr id="2" name="Rectangle 1">
+            <a:extLst>
+              <a:ext uri="{FF2B5EF4-FFF2-40B4-BE49-F238E27FC236}">
+                <a16:creationId xmlns:a16="http://schemas.microsoft.com/office/drawing/2014/main" id="{5C0AC30A-7E8B-5E44-B107-1CFE415896F6}"/>
+              </a:ext>
+            </a:extLst>
+          </p:cNvPr>
+          <p:cNvSpPr/>
           <p:nvPr/>
         </p:nvSpPr>
         <p:spPr>
           <a:xfrm>
-            <a:off x="3752850" y="-76347"/>
-            <a:ext cx="4686300" cy="523220"/>
+            <a:off x="1180718" y="1582339"/>
+            <a:ext cx="3804458" cy="3693319"/>
           </a:xfrm>
           <a:prstGeom prst="rect">
             <a:avLst/>
           </a:prstGeom>
-          <a:noFill/>
-        </p:spPr>
-        <p:txBody>
-          <a:bodyPr wrap="square" rtlCol="0">
+        </p:spPr>
+        <p:txBody>
+          <a:bodyPr wrap="square">
             <a:spAutoFit/>
           </a:bodyPr>
           <a:lstStyle/>
           <a:p>
             <a:r>
-              <a:rPr lang="en-GR" sz="2800" u="sng" dirty="0"/>
-              <a:t>TagAndProbe Efficiency </a:t>
-            </a:r>
-            <a:r>
-              <a:rPr lang="en-US" sz="2800" u="sng" dirty="0"/>
-              <a:t>(</a:t>
-            </a:r>
-            <a:r>
-              <a:rPr lang="en-US" sz="2800" u="sng" dirty="0">
+              <a:rPr lang="en-GR" dirty="0"/>
+              <a:t>Efficiency-- with tag SF's</a:t>
+            </a:r>
+          </a:p>
+          <a:p>
+            <a:r>
+              <a:rPr lang="en-GR" dirty="0">
+                <a:solidFill>
+                  <a:schemeClr val="tx1">
+                    <a:lumMod val="95000"/>
+                    <a:lumOff val="5000"/>
+                  </a:schemeClr>
+                </a:solidFill>
+              </a:rPr>
+              <a:t>eff data: 0.816 ± 0.032</a:t>
+            </a:r>
+          </a:p>
+          <a:p>
+            <a:r>
+              <a:rPr lang="en-GR" b="1" u="sng" dirty="0">
                 <a:solidFill>
                   <a:srgbClr val="00B050"/>
                 </a:solidFill>
               </a:rPr>
-              <a:t>2018</a:t>
-            </a:r>
-            <a:r>
-              <a:rPr lang="en-US" sz="2800" u="sng" dirty="0"/>
-              <a:t>)</a:t>
-            </a:r>
-          </a:p>
-        </p:txBody>
-      </p:sp>
-      <p:pic>
-        <p:nvPicPr>
-          <p:cNvPr id="4" name="Picture 3">
-            <a:extLst>
-              <a:ext uri="{FF2B5EF4-FFF2-40B4-BE49-F238E27FC236}">
-                <a16:creationId xmlns:a16="http://schemas.microsoft.com/office/drawing/2014/main" id="{5F632B27-92BD-1E45-8665-EF48ACC1307B}"/>
-              </a:ext>
-            </a:extLst>
-          </p:cNvPr>
-          <p:cNvPicPr>
-            <a:picLocks noChangeAspect="1"/>
-          </p:cNvPicPr>
+              <a:t>eff ttbar: 0.839 ± 0.005</a:t>
+            </a:r>
+          </a:p>
+          <a:p>
+            <a:r>
+              <a:rPr lang="en-GR" dirty="0"/>
+              <a:t>-----------</a:t>
+            </a:r>
+          </a:p>
+          <a:p>
+            <a:r>
+              <a:rPr lang="en-GR" dirty="0"/>
+              <a:t>Efficiency per Pt region</a:t>
+            </a:r>
+          </a:p>
+          <a:p>
+            <a:r>
+              <a:rPr lang="en-GR" dirty="0"/>
+              <a:t>eff data pT[400-600]: 0.8176 ± 0.038</a:t>
+            </a:r>
+          </a:p>
+          <a:p>
+            <a:r>
+              <a:rPr lang="en-GR" dirty="0"/>
+              <a:t>eff ttbar pT[400-600]: 0.837 ± 0.006</a:t>
+            </a:r>
+          </a:p>
+          <a:p>
+            <a:r>
+              <a:rPr lang="en-GR" dirty="0"/>
+              <a:t>-----------</a:t>
+            </a:r>
+          </a:p>
+          <a:p>
+            <a:r>
+              <a:rPr lang="en-GR" dirty="0"/>
+              <a:t>eff data pT[600-800]: 0.809 ± 0.063</a:t>
+            </a:r>
+          </a:p>
+          <a:p>
+            <a:r>
+              <a:rPr lang="en-GR" dirty="0"/>
+              <a:t>eff ttbar pT[600-800]: 0.847 ± 0.013</a:t>
+            </a:r>
+          </a:p>
+          <a:p>
+            <a:r>
+              <a:rPr lang="en-GR" dirty="0"/>
+              <a:t>-----------</a:t>
+            </a:r>
+          </a:p>
+          <a:p>
+            <a:r>
+              <a:rPr lang="en-GR" dirty="0"/>
+              <a:t>eff data pT[800-Inf]: 0.772 ± 0.132</a:t>
+            </a:r>
+          </a:p>
+          <a:p>
+            <a:r>
+              <a:rPr lang="en-GR" dirty="0"/>
+              <a:t>eff ttbar pT[800-Inf]: 0.868 ± 0.032</a:t>
+            </a:r>
+          </a:p>
+        </p:txBody>
+      </p:sp>
+      <p:sp>
+        <p:nvSpPr>
+          <p:cNvPr id="4" name="Rectangle 3">
+            <a:extLst>
+              <a:ext uri="{FF2B5EF4-FFF2-40B4-BE49-F238E27FC236}">
+                <a16:creationId xmlns:a16="http://schemas.microsoft.com/office/drawing/2014/main" id="{6A55B372-F163-CB40-91A8-4182F6465250}"/>
+              </a:ext>
+            </a:extLst>
+          </p:cNvPr>
+          <p:cNvSpPr/>
           <p:nvPr/>
-        </p:nvPicPr>
-        <p:blipFill>
-          <a:blip r:embed="rId4"/>
-          <a:stretch>
-            <a:fillRect/>
-          </a:stretch>
-        </p:blipFill>
-        <p:spPr>
-          <a:xfrm rot="5400000">
-            <a:off x="1204475" y="-241793"/>
-            <a:ext cx="3012694" cy="4176522"/>
+        </p:nvSpPr>
+        <p:spPr>
+          <a:xfrm>
+            <a:off x="7182145" y="1582339"/>
+            <a:ext cx="3804458" cy="3693319"/>
           </a:xfrm>
           <a:prstGeom prst="rect">
             <a:avLst/>
           </a:prstGeom>
         </p:spPr>
-      </p:pic>
-      <p:pic>
-        <p:nvPicPr>
-          <p:cNvPr id="9" name="Picture 8">
-            <a:extLst>
-              <a:ext uri="{FF2B5EF4-FFF2-40B4-BE49-F238E27FC236}">
-                <a16:creationId xmlns:a16="http://schemas.microsoft.com/office/drawing/2014/main" id="{CC987474-2518-244B-A899-90EA804E300B}"/>
-              </a:ext>
-            </a:extLst>
-          </p:cNvPr>
-          <p:cNvPicPr>
-            <a:picLocks noChangeAspect="1"/>
-          </p:cNvPicPr>
-          <p:nvPr/>
-        </p:nvPicPr>
-        <p:blipFill>
-          <a:blip r:embed="rId5"/>
-          <a:stretch>
-            <a:fillRect/>
-          </a:stretch>
-        </p:blipFill>
-        <p:spPr>
-          <a:xfrm rot="5400000">
-            <a:off x="1204475" y="2822489"/>
-            <a:ext cx="3012694" cy="4176522"/>
-          </a:xfrm>
-          <a:prstGeom prst="rect">
-            <a:avLst/>
-          </a:prstGeom>
-        </p:spPr>
-      </p:pic>
-      <p:sp>
-        <p:nvSpPr>
-          <p:cNvPr id="19" name="TextBox 18">
-            <a:extLst>
-              <a:ext uri="{FF2B5EF4-FFF2-40B4-BE49-F238E27FC236}">
-                <a16:creationId xmlns:a16="http://schemas.microsoft.com/office/drawing/2014/main" id="{87A7433F-F7CC-2844-A37A-B9EF728D6FE8}"/>
-              </a:ext>
-            </a:extLst>
-          </p:cNvPr>
-          <p:cNvSpPr txBox="1"/>
-          <p:nvPr/>
-        </p:nvSpPr>
-        <p:spPr>
-          <a:xfrm>
-            <a:off x="4271791" y="4994770"/>
-            <a:ext cx="3243263" cy="369332"/>
-          </a:xfrm>
-          <a:prstGeom prst="rect">
-            <a:avLst/>
-          </a:prstGeom>
-          <a:noFill/>
-        </p:spPr>
-        <p:txBody>
-          <a:bodyPr wrap="square" rtlCol="0">
+        <p:txBody>
+          <a:bodyPr wrap="square">
             <a:spAutoFit/>
           </a:bodyPr>
           <a:lstStyle/>
           <a:p>
-            <a:pPr algn="ctr"/>
             <a:r>
               <a:rPr lang="en-GR" dirty="0"/>
-              <a:t>Tight TopTagger + Probe</a:t>
-            </a:r>
-          </a:p>
-        </p:txBody>
-      </p:sp>
-      <p:sp>
-        <p:nvSpPr>
-          <p:cNvPr id="18" name="TextBox 17">
-            <a:extLst>
-              <a:ext uri="{FF2B5EF4-FFF2-40B4-BE49-F238E27FC236}">
-                <a16:creationId xmlns:a16="http://schemas.microsoft.com/office/drawing/2014/main" id="{531AB382-FCD2-4B43-82A6-0D98FF6E618F}"/>
-              </a:ext>
-            </a:extLst>
-          </p:cNvPr>
-          <p:cNvSpPr txBox="1"/>
-          <p:nvPr/>
-        </p:nvSpPr>
-        <p:spPr>
-          <a:xfrm>
-            <a:off x="4271790" y="1557986"/>
-            <a:ext cx="3243263" cy="369332"/>
-          </a:xfrm>
-          <a:prstGeom prst="rect">
-            <a:avLst/>
-          </a:prstGeom>
-          <a:noFill/>
-        </p:spPr>
-        <p:txBody>
-          <a:bodyPr wrap="square" rtlCol="0">
-            <a:spAutoFit/>
-          </a:bodyPr>
-          <a:lstStyle/>
-          <a:p>
-            <a:pPr algn="ctr"/>
-            <a:r>
-              <a:rPr lang="en-GR" dirty="0"/>
-              <a:t>Tight TopTagger + SR TopTagger</a:t>
-            </a:r>
-          </a:p>
-        </p:txBody>
-      </p:sp>
-      <p:sp>
-        <p:nvSpPr>
-          <p:cNvPr id="17" name="Rectangle 16">
-            <a:extLst>
-              <a:ext uri="{FF2B5EF4-FFF2-40B4-BE49-F238E27FC236}">
-                <a16:creationId xmlns:a16="http://schemas.microsoft.com/office/drawing/2014/main" id="{7F2195D5-6AF3-B94D-B444-5C47384FD281}"/>
-              </a:ext>
-            </a:extLst>
-          </p:cNvPr>
-          <p:cNvSpPr/>
-          <p:nvPr/>
-        </p:nvSpPr>
-        <p:spPr>
-          <a:xfrm>
-            <a:off x="2049125" y="3186241"/>
-            <a:ext cx="1520674" cy="369332"/>
-          </a:xfrm>
-          <a:prstGeom prst="rect">
-            <a:avLst/>
-          </a:prstGeom>
-        </p:spPr>
-        <p:txBody>
-          <a:bodyPr wrap="none">
-            <a:spAutoFit/>
-          </a:bodyPr>
-          <a:lstStyle/>
-          <a:p>
-            <a:pPr algn="ctr"/>
-            <a:r>
-              <a:rPr lang="en-US" b="1" u="sng" dirty="0">
+              <a:t>Efficiency-- without tag sf's</a:t>
+            </a:r>
+          </a:p>
+          <a:p>
+            <a:r>
+              <a:rPr lang="en-GR" dirty="0">
                 <a:solidFill>
-                  <a:srgbClr val="FF0000"/>
+                  <a:schemeClr val="tx1">
+                    <a:lumMod val="95000"/>
+                    <a:lumOff val="5000"/>
+                  </a:schemeClr>
                 </a:solidFill>
               </a:rPr>
-              <a:t>b tagging SF’s </a:t>
-            </a:r>
-          </a:p>
-        </p:txBody>
-      </p:sp>
-      <p:sp>
-        <p:nvSpPr>
-          <p:cNvPr id="20" name="Rectangle 19">
-            <a:extLst>
-              <a:ext uri="{FF2B5EF4-FFF2-40B4-BE49-F238E27FC236}">
-                <a16:creationId xmlns:a16="http://schemas.microsoft.com/office/drawing/2014/main" id="{43E24579-13E4-6140-97A9-7386D280E896}"/>
-              </a:ext>
-            </a:extLst>
-          </p:cNvPr>
-          <p:cNvSpPr/>
-          <p:nvPr/>
-        </p:nvSpPr>
-        <p:spPr>
-          <a:xfrm>
-            <a:off x="8457894" y="3204932"/>
-            <a:ext cx="1849289" cy="369332"/>
-          </a:xfrm>
-          <a:prstGeom prst="rect">
-            <a:avLst/>
-          </a:prstGeom>
-        </p:spPr>
-        <p:txBody>
-          <a:bodyPr wrap="none">
-            <a:spAutoFit/>
-          </a:bodyPr>
-          <a:lstStyle/>
-          <a:p>
-            <a:pPr algn="ctr"/>
-            <a:r>
-              <a:rPr lang="en-US" b="1" u="sng" dirty="0">
+              <a:t>eff data: 0.822 ± 0.034</a:t>
+            </a:r>
+          </a:p>
+          <a:p>
+            <a:r>
+              <a:rPr lang="en-GR" dirty="0">
                 <a:solidFill>
-                  <a:srgbClr val="FF0000"/>
+                  <a:srgbClr val="00B050"/>
                 </a:solidFill>
               </a:rPr>
-              <a:t>No b tagging SF’s </a:t>
+              <a:t>eff ttbar: 0.839 ± 0.005</a:t>
+            </a:r>
+          </a:p>
+          <a:p>
+            <a:r>
+              <a:rPr lang="en-GR" dirty="0"/>
+              <a:t>-----------</a:t>
+            </a:r>
+          </a:p>
+          <a:p>
+            <a:r>
+              <a:rPr lang="en-GR" dirty="0"/>
+              <a:t>Efficiency per Pt region</a:t>
+            </a:r>
+          </a:p>
+          <a:p>
+            <a:r>
+              <a:rPr lang="en-GR" dirty="0"/>
+              <a:t>eff data pT[400-600]: 0.824 ± 0.039</a:t>
+            </a:r>
+          </a:p>
+          <a:p>
+            <a:r>
+              <a:rPr lang="en-GR" dirty="0"/>
+              <a:t>eff ttbar pT[400-600]: 0.837 ± 0.006</a:t>
+            </a:r>
+          </a:p>
+          <a:p>
+            <a:r>
+              <a:rPr lang="en-GR" dirty="0"/>
+              <a:t>-----------</a:t>
+            </a:r>
+          </a:p>
+          <a:p>
+            <a:r>
+              <a:rPr lang="en-GR" dirty="0"/>
+              <a:t>eff data pT[600-800]: 0.819 ± 0.066</a:t>
+            </a:r>
+          </a:p>
+          <a:p>
+            <a:r>
+              <a:rPr lang="en-GR" dirty="0"/>
+              <a:t>eff ttbar pT[600-800]: 0.847 ± 0.013</a:t>
+            </a:r>
+          </a:p>
+          <a:p>
+            <a:r>
+              <a:rPr lang="en-GR" dirty="0"/>
+              <a:t>-----------</a:t>
+            </a:r>
+          </a:p>
+          <a:p>
+            <a:r>
+              <a:rPr lang="en-GR" dirty="0"/>
+              <a:t>eff data pT[800-Inf]: 0.789 ± 0.141</a:t>
+            </a:r>
+          </a:p>
+          <a:p>
+            <a:r>
+              <a:rPr lang="en-GR" dirty="0"/>
+              <a:t>eff ttbar pT[800-Inf]: 0.868 ± 0.032</a:t>
             </a:r>
           </a:p>
         </p:txBody>
@@ -20019,7 +19932,7 @@
     </p:spTree>
     <p:extLst>
       <p:ext uri="{BB962C8B-B14F-4D97-AF65-F5344CB8AC3E}">
-        <p14:creationId xmlns:p14="http://schemas.microsoft.com/office/powerpoint/2010/main" val="270366993"/>
+        <p14:creationId xmlns:p14="http://schemas.microsoft.com/office/powerpoint/2010/main" val="4027163055"/>
       </p:ext>
     </p:extLst>
   </p:cSld>
@@ -20075,53 +19988,6 @@
       </p:sp>
       <p:sp>
         <p:nvSpPr>
-          <p:cNvPr id="7" name="TextBox 6"/>
-          <p:cNvSpPr txBox="1"/>
-          <p:nvPr/>
-        </p:nvSpPr>
-        <p:spPr>
-          <a:xfrm>
-            <a:off x="2805007" y="33090"/>
-            <a:ext cx="6581985" cy="523220"/>
-          </a:xfrm>
-          <a:prstGeom prst="rect">
-            <a:avLst/>
-          </a:prstGeom>
-          <a:noFill/>
-        </p:spPr>
-        <p:txBody>
-          <a:bodyPr wrap="square" rtlCol="0">
-            <a:spAutoFit/>
-          </a:bodyPr>
-          <a:lstStyle/>
-          <a:p>
-            <a:pPr algn="ctr"/>
-            <a:r>
-              <a:rPr lang="en-US" sz="2800" u="sng" dirty="0"/>
-              <a:t>Data Vs MC Stacks for BDT output </a:t>
-            </a:r>
-            <a:r>
-              <a:rPr lang="en-US" sz="2800" u="sng" dirty="0">
-                <a:solidFill>
-                  <a:srgbClr val="00B0F0"/>
-                </a:solidFill>
-              </a:rPr>
-              <a:t>2016</a:t>
-            </a:r>
-            <a:r>
-              <a:rPr lang="en-US" sz="2800" u="sng" dirty="0"/>
-              <a:t> </a:t>
-            </a:r>
-            <a:endParaRPr lang="en-US" sz="2800" u="sng" dirty="0">
-              <a:solidFill>
-                <a:srgbClr val="00B050"/>
-              </a:solidFill>
-            </a:endParaRPr>
-          </a:p>
-        </p:txBody>
-      </p:sp>
-      <p:sp>
-        <p:nvSpPr>
           <p:cNvPr id="5" name="Slide Number Placeholder 4">
             <a:extLst>
               <a:ext uri="{FF2B5EF4-FFF2-40B4-BE49-F238E27FC236}">
@@ -20171,90 +20037,20 @@
           <a:bodyPr/>
           <a:lstStyle/>
           <a:p>
-            <a:fld id="{3DBB7BD0-9B8D-1F47-8ABF-BE3CF9BD2848}" type="datetime1">
+            <a:fld id="{D52D66B2-0E0A-F441-A1DA-8039F615D612}" type="datetime1">
               <a:rPr lang="en-US" smtClean="0"/>
-              <a:t>9/8/20</a:t>
+              <a:t>9/9/20</a:t>
             </a:fld>
             <a:endParaRPr lang="en-US" dirty="0"/>
           </a:p>
         </p:txBody>
       </p:sp>
-      <p:sp>
-        <p:nvSpPr>
-          <p:cNvPr id="6" name="Rectangle 5">
-            <a:extLst>
-              <a:ext uri="{FF2B5EF4-FFF2-40B4-BE49-F238E27FC236}">
-                <a16:creationId xmlns:a16="http://schemas.microsoft.com/office/drawing/2014/main" id="{1D3A9800-C923-F943-ACA5-B4B9B9A1D73D}"/>
-              </a:ext>
-            </a:extLst>
-          </p:cNvPr>
-          <p:cNvSpPr/>
-          <p:nvPr/>
-        </p:nvSpPr>
-        <p:spPr>
-          <a:xfrm>
-            <a:off x="7907044" y="1609457"/>
-            <a:ext cx="2289346" cy="369332"/>
-          </a:xfrm>
-          <a:prstGeom prst="rect">
-            <a:avLst/>
-          </a:prstGeom>
-        </p:spPr>
-        <p:txBody>
-          <a:bodyPr wrap="none">
-            <a:spAutoFit/>
-          </a:bodyPr>
-          <a:lstStyle/>
-          <a:p>
-            <a:pPr algn="ctr"/>
-            <a:r>
-              <a:rPr lang="en-US" u="sng" dirty="0"/>
-              <a:t>without b tagging SF’s </a:t>
-            </a:r>
-          </a:p>
-        </p:txBody>
-      </p:sp>
-      <p:sp>
-        <p:nvSpPr>
-          <p:cNvPr id="8" name="Rectangle 7">
-            <a:extLst>
-              <a:ext uri="{FF2B5EF4-FFF2-40B4-BE49-F238E27FC236}">
-                <a16:creationId xmlns:a16="http://schemas.microsoft.com/office/drawing/2014/main" id="{FE0D63A0-1633-E841-944F-B91BFC6F0FEB}"/>
-              </a:ext>
-            </a:extLst>
-          </p:cNvPr>
-          <p:cNvSpPr/>
-          <p:nvPr/>
-        </p:nvSpPr>
-        <p:spPr>
-          <a:xfrm>
-            <a:off x="2300758" y="1609457"/>
-            <a:ext cx="1499065" cy="369332"/>
-          </a:xfrm>
-          <a:prstGeom prst="rect">
-            <a:avLst/>
-          </a:prstGeom>
-        </p:spPr>
-        <p:txBody>
-          <a:bodyPr wrap="none">
-            <a:spAutoFit/>
-          </a:bodyPr>
-          <a:lstStyle/>
-          <a:p>
-            <a:pPr algn="ctr"/>
-            <a:r>
-              <a:rPr lang="en-US" u="sng" dirty="0"/>
-              <a:t>b tagging SF’s </a:t>
-            </a:r>
-          </a:p>
-        </p:txBody>
-      </p:sp>
       <p:pic>
         <p:nvPicPr>
-          <p:cNvPr id="4" name="Picture 3">
-            <a:extLst>
-              <a:ext uri="{FF2B5EF4-FFF2-40B4-BE49-F238E27FC236}">
-                <a16:creationId xmlns:a16="http://schemas.microsoft.com/office/drawing/2014/main" id="{0479B1E7-F202-554C-ADE3-707F5402EA48}"/>
+          <p:cNvPr id="8" name="Picture 7">
+            <a:extLst>
+              <a:ext uri="{FF2B5EF4-FFF2-40B4-BE49-F238E27FC236}">
+                <a16:creationId xmlns:a16="http://schemas.microsoft.com/office/drawing/2014/main" id="{08124A33-50C0-BB46-BE06-3467BA03726B}"/>
               </a:ext>
             </a:extLst>
           </p:cNvPr>
@@ -20271,8 +20067,8 @@
         </p:blipFill>
         <p:spPr>
           <a:xfrm rot="5400000">
-            <a:off x="832739" y="1202626"/>
-            <a:ext cx="4311269" cy="5976747"/>
+            <a:off x="7617875" y="-241793"/>
+            <a:ext cx="3012694" cy="4176522"/>
           </a:xfrm>
           <a:prstGeom prst="rect">
             <a:avLst/>
@@ -20281,10 +20077,10 @@
       </p:pic>
       <p:pic>
         <p:nvPicPr>
-          <p:cNvPr id="10" name="Picture 9">
-            <a:extLst>
-              <a:ext uri="{FF2B5EF4-FFF2-40B4-BE49-F238E27FC236}">
-                <a16:creationId xmlns:a16="http://schemas.microsoft.com/office/drawing/2014/main" id="{B59D90DA-3524-084C-9B71-560A98282EE8}"/>
+          <p:cNvPr id="11" name="Picture 10">
+            <a:extLst>
+              <a:ext uri="{FF2B5EF4-FFF2-40B4-BE49-F238E27FC236}">
+                <a16:creationId xmlns:a16="http://schemas.microsoft.com/office/drawing/2014/main" id="{4744943B-E532-864E-8A77-D62B2B7A8DFA}"/>
               </a:ext>
             </a:extLst>
           </p:cNvPr>
@@ -20301,8 +20097,8 @@
         </p:blipFill>
         <p:spPr>
           <a:xfrm rot="5400000">
-            <a:off x="6928739" y="1202626"/>
-            <a:ext cx="4311269" cy="5976747"/>
+            <a:off x="7617875" y="2837987"/>
+            <a:ext cx="3012694" cy="4176522"/>
           </a:xfrm>
           <a:prstGeom prst="rect">
             <a:avLst/>
@@ -20311,88 +20107,255 @@
       </p:pic>
       <p:sp>
         <p:nvSpPr>
-          <p:cNvPr id="11" name="Rectangle 10">
-            <a:extLst>
-              <a:ext uri="{FF2B5EF4-FFF2-40B4-BE49-F238E27FC236}">
-                <a16:creationId xmlns:a16="http://schemas.microsoft.com/office/drawing/2014/main" id="{1D28A1BE-C6D3-D043-8F96-A4E1CBE3A9EB}"/>
-              </a:ext>
-            </a:extLst>
-          </p:cNvPr>
-          <p:cNvSpPr/>
+          <p:cNvPr id="7" name="TextBox 6"/>
+          <p:cNvSpPr txBox="1"/>
           <p:nvPr/>
         </p:nvSpPr>
         <p:spPr>
           <a:xfrm>
-            <a:off x="163285" y="537218"/>
-            <a:ext cx="12028715" cy="1015663"/>
+            <a:off x="3752850" y="-76347"/>
+            <a:ext cx="4686300" cy="523220"/>
           </a:xfrm>
           <a:prstGeom prst="rect">
             <a:avLst/>
           </a:prstGeom>
-        </p:spPr>
-        <p:txBody>
-          <a:bodyPr wrap="square">
+          <a:noFill/>
+        </p:spPr>
+        <p:txBody>
+          <a:bodyPr wrap="square" rtlCol="0">
             <a:spAutoFit/>
           </a:bodyPr>
           <a:lstStyle/>
           <a:p>
-            <a:pPr marL="285750" indent="-285750">
-              <a:buClr>
-                <a:schemeClr val="accent1"/>
-              </a:buClr>
-              <a:buFont typeface="Arial" panose="020B0604020202020204" pitchFamily="34" charset="0"/>
-              <a:buChar char="•"/>
-            </a:pPr>
-            <a:r>
-              <a:rPr lang="en-US" sz="2000" u="sng" dirty="0"/>
-              <a:t>BDT Output scores SR</a:t>
-            </a:r>
-            <a:r>
-              <a:rPr lang="en-US" sz="2000" u="sng" baseline="-25000" dirty="0"/>
-              <a:t>B</a:t>
-            </a:r>
-            <a:endParaRPr lang="en-US" sz="2000" u="sng" dirty="0"/>
-          </a:p>
-          <a:p>
-            <a:pPr marL="742950" lvl="1" indent="-285750">
-              <a:buClr>
-                <a:schemeClr val="accent1"/>
-              </a:buClr>
-              <a:buFont typeface="Arial" panose="020B0604020202020204" pitchFamily="34" charset="0"/>
-              <a:buChar char="•"/>
-            </a:pPr>
-            <a:r>
-              <a:rPr lang="en-US" sz="2000" dirty="0"/>
-              <a:t>SR</a:t>
-            </a:r>
-            <a:r>
-              <a:rPr lang="en-US" sz="2000" baseline="-25000" dirty="0"/>
-              <a:t>B </a:t>
-            </a:r>
-            <a:r>
-              <a:rPr lang="en-US" sz="2000" dirty="0"/>
-              <a:t>: Baseline selection + tight Mass Cut  (120,220) GeV, no </a:t>
-            </a:r>
-            <a:r>
-              <a:rPr lang="en-US" sz="2000" dirty="0" err="1"/>
-              <a:t>TopTagger</a:t>
-            </a:r>
-            <a:r>
-              <a:rPr lang="en-US" sz="2000" dirty="0"/>
-              <a:t> Selection </a:t>
-            </a:r>
-          </a:p>
-          <a:p>
-            <a:pPr marL="742950" lvl="1" indent="-285750">
-              <a:buClr>
-                <a:schemeClr val="accent1"/>
-              </a:buClr>
-              <a:buFont typeface="Arial" panose="020B0604020202020204" pitchFamily="34" charset="0"/>
-              <a:buChar char="•"/>
-            </a:pPr>
-            <a:r>
-              <a:rPr lang="en-US" sz="2000" dirty="0"/>
-              <a:t>QCD scaled to data (k-factor)</a:t>
+            <a:r>
+              <a:rPr lang="en-GR" sz="2800" u="sng" dirty="0"/>
+              <a:t>TagAndProbe Efficiency </a:t>
+            </a:r>
+            <a:r>
+              <a:rPr lang="en-US" sz="2800" u="sng" dirty="0"/>
+              <a:t>(</a:t>
+            </a:r>
+            <a:r>
+              <a:rPr lang="en-US" sz="2800" u="sng" dirty="0">
+                <a:solidFill>
+                  <a:srgbClr val="00B050"/>
+                </a:solidFill>
+              </a:rPr>
+              <a:t>2018</a:t>
+            </a:r>
+            <a:r>
+              <a:rPr lang="en-US" sz="2800" u="sng" dirty="0"/>
+              <a:t>)</a:t>
+            </a:r>
+          </a:p>
+        </p:txBody>
+      </p:sp>
+      <p:pic>
+        <p:nvPicPr>
+          <p:cNvPr id="4" name="Picture 3">
+            <a:extLst>
+              <a:ext uri="{FF2B5EF4-FFF2-40B4-BE49-F238E27FC236}">
+                <a16:creationId xmlns:a16="http://schemas.microsoft.com/office/drawing/2014/main" id="{5F632B27-92BD-1E45-8665-EF48ACC1307B}"/>
+              </a:ext>
+            </a:extLst>
+          </p:cNvPr>
+          <p:cNvPicPr>
+            <a:picLocks noChangeAspect="1"/>
+          </p:cNvPicPr>
+          <p:nvPr/>
+        </p:nvPicPr>
+        <p:blipFill>
+          <a:blip r:embed="rId4"/>
+          <a:stretch>
+            <a:fillRect/>
+          </a:stretch>
+        </p:blipFill>
+        <p:spPr>
+          <a:xfrm rot="5400000">
+            <a:off x="1204475" y="-241793"/>
+            <a:ext cx="3012694" cy="4176522"/>
+          </a:xfrm>
+          <a:prstGeom prst="rect">
+            <a:avLst/>
+          </a:prstGeom>
+        </p:spPr>
+      </p:pic>
+      <p:pic>
+        <p:nvPicPr>
+          <p:cNvPr id="9" name="Picture 8">
+            <a:extLst>
+              <a:ext uri="{FF2B5EF4-FFF2-40B4-BE49-F238E27FC236}">
+                <a16:creationId xmlns:a16="http://schemas.microsoft.com/office/drawing/2014/main" id="{CC987474-2518-244B-A899-90EA804E300B}"/>
+              </a:ext>
+            </a:extLst>
+          </p:cNvPr>
+          <p:cNvPicPr>
+            <a:picLocks noChangeAspect="1"/>
+          </p:cNvPicPr>
+          <p:nvPr/>
+        </p:nvPicPr>
+        <p:blipFill>
+          <a:blip r:embed="rId5"/>
+          <a:stretch>
+            <a:fillRect/>
+          </a:stretch>
+        </p:blipFill>
+        <p:spPr>
+          <a:xfrm rot="5400000">
+            <a:off x="1204475" y="2822489"/>
+            <a:ext cx="3012694" cy="4176522"/>
+          </a:xfrm>
+          <a:prstGeom prst="rect">
+            <a:avLst/>
+          </a:prstGeom>
+        </p:spPr>
+      </p:pic>
+      <p:sp>
+        <p:nvSpPr>
+          <p:cNvPr id="19" name="TextBox 18">
+            <a:extLst>
+              <a:ext uri="{FF2B5EF4-FFF2-40B4-BE49-F238E27FC236}">
+                <a16:creationId xmlns:a16="http://schemas.microsoft.com/office/drawing/2014/main" id="{87A7433F-F7CC-2844-A37A-B9EF728D6FE8}"/>
+              </a:ext>
+            </a:extLst>
+          </p:cNvPr>
+          <p:cNvSpPr txBox="1"/>
+          <p:nvPr/>
+        </p:nvSpPr>
+        <p:spPr>
+          <a:xfrm>
+            <a:off x="4271791" y="4994770"/>
+            <a:ext cx="3243263" cy="369332"/>
+          </a:xfrm>
+          <a:prstGeom prst="rect">
+            <a:avLst/>
+          </a:prstGeom>
+          <a:noFill/>
+        </p:spPr>
+        <p:txBody>
+          <a:bodyPr wrap="square" rtlCol="0">
+            <a:spAutoFit/>
+          </a:bodyPr>
+          <a:lstStyle/>
+          <a:p>
+            <a:pPr algn="ctr"/>
+            <a:r>
+              <a:rPr lang="en-GR" dirty="0"/>
+              <a:t>Tight TopTagger + Probe</a:t>
+            </a:r>
+          </a:p>
+        </p:txBody>
+      </p:sp>
+      <p:sp>
+        <p:nvSpPr>
+          <p:cNvPr id="18" name="TextBox 17">
+            <a:extLst>
+              <a:ext uri="{FF2B5EF4-FFF2-40B4-BE49-F238E27FC236}">
+                <a16:creationId xmlns:a16="http://schemas.microsoft.com/office/drawing/2014/main" id="{531AB382-FCD2-4B43-82A6-0D98FF6E618F}"/>
+              </a:ext>
+            </a:extLst>
+          </p:cNvPr>
+          <p:cNvSpPr txBox="1"/>
+          <p:nvPr/>
+        </p:nvSpPr>
+        <p:spPr>
+          <a:xfrm>
+            <a:off x="4271790" y="1557986"/>
+            <a:ext cx="3243263" cy="369332"/>
+          </a:xfrm>
+          <a:prstGeom prst="rect">
+            <a:avLst/>
+          </a:prstGeom>
+          <a:noFill/>
+        </p:spPr>
+        <p:txBody>
+          <a:bodyPr wrap="square" rtlCol="0">
+            <a:spAutoFit/>
+          </a:bodyPr>
+          <a:lstStyle/>
+          <a:p>
+            <a:pPr algn="ctr"/>
+            <a:r>
+              <a:rPr lang="en-GR" dirty="0"/>
+              <a:t>Tight TopTagger + SR TopTagger</a:t>
+            </a:r>
+          </a:p>
+        </p:txBody>
+      </p:sp>
+      <p:sp>
+        <p:nvSpPr>
+          <p:cNvPr id="17" name="Rectangle 16">
+            <a:extLst>
+              <a:ext uri="{FF2B5EF4-FFF2-40B4-BE49-F238E27FC236}">
+                <a16:creationId xmlns:a16="http://schemas.microsoft.com/office/drawing/2014/main" id="{7F2195D5-6AF3-B94D-B444-5C47384FD281}"/>
+              </a:ext>
+            </a:extLst>
+          </p:cNvPr>
+          <p:cNvSpPr/>
+          <p:nvPr/>
+        </p:nvSpPr>
+        <p:spPr>
+          <a:xfrm>
+            <a:off x="2049125" y="3186241"/>
+            <a:ext cx="1520674" cy="369332"/>
+          </a:xfrm>
+          <a:prstGeom prst="rect">
+            <a:avLst/>
+          </a:prstGeom>
+        </p:spPr>
+        <p:txBody>
+          <a:bodyPr wrap="none">
+            <a:spAutoFit/>
+          </a:bodyPr>
+          <a:lstStyle/>
+          <a:p>
+            <a:pPr algn="ctr"/>
+            <a:r>
+              <a:rPr lang="en-US" b="1" u="sng" dirty="0">
+                <a:solidFill>
+                  <a:srgbClr val="FF0000"/>
+                </a:solidFill>
+              </a:rPr>
+              <a:t>b tagging SF’s </a:t>
+            </a:r>
+          </a:p>
+        </p:txBody>
+      </p:sp>
+      <p:sp>
+        <p:nvSpPr>
+          <p:cNvPr id="20" name="Rectangle 19">
+            <a:extLst>
+              <a:ext uri="{FF2B5EF4-FFF2-40B4-BE49-F238E27FC236}">
+                <a16:creationId xmlns:a16="http://schemas.microsoft.com/office/drawing/2014/main" id="{43E24579-13E4-6140-97A9-7386D280E896}"/>
+              </a:ext>
+            </a:extLst>
+          </p:cNvPr>
+          <p:cNvSpPr/>
+          <p:nvPr/>
+        </p:nvSpPr>
+        <p:spPr>
+          <a:xfrm>
+            <a:off x="8457894" y="3204932"/>
+            <a:ext cx="1849289" cy="369332"/>
+          </a:xfrm>
+          <a:prstGeom prst="rect">
+            <a:avLst/>
+          </a:prstGeom>
+        </p:spPr>
+        <p:txBody>
+          <a:bodyPr wrap="none">
+            <a:spAutoFit/>
+          </a:bodyPr>
+          <a:lstStyle/>
+          <a:p>
+            <a:pPr algn="ctr"/>
+            <a:r>
+              <a:rPr lang="en-US" b="1" u="sng" dirty="0">
+                <a:solidFill>
+                  <a:srgbClr val="FF0000"/>
+                </a:solidFill>
+              </a:rPr>
+              <a:t>No b tagging SF’s </a:t>
             </a:r>
           </a:p>
         </p:txBody>
@@ -20400,7 +20363,7 @@
     </p:spTree>
     <p:extLst>
       <p:ext uri="{BB962C8B-B14F-4D97-AF65-F5344CB8AC3E}">
-        <p14:creationId xmlns:p14="http://schemas.microsoft.com/office/powerpoint/2010/main" val="83094305"/>
+        <p14:creationId xmlns:p14="http://schemas.microsoft.com/office/powerpoint/2010/main" val="270366993"/>
       </p:ext>
     </p:extLst>
   </p:cSld>
@@ -20484,10 +20447,10 @@
             <a:r>
               <a:rPr lang="en-US" sz="2800" u="sng" dirty="0">
                 <a:solidFill>
-                  <a:srgbClr val="FF0000"/>
+                  <a:srgbClr val="00B0F0"/>
                 </a:solidFill>
               </a:rPr>
-              <a:t>2017</a:t>
+              <a:t>2016</a:t>
             </a:r>
             <a:r>
               <a:rPr lang="en-US" sz="2800" u="sng" dirty="0"/>
@@ -20554,7 +20517,7 @@
           <a:p>
             <a:fld id="{3DBB7BD0-9B8D-1F47-8ABF-BE3CF9BD2848}" type="datetime1">
               <a:rPr lang="en-US" smtClean="0"/>
-              <a:t>9/8/20</a:t>
+              <a:t>9/9/20</a:t>
             </a:fld>
             <a:endParaRPr lang="en-US" dirty="0"/>
           </a:p>
@@ -20574,7 +20537,7 @@
         </p:nvSpPr>
         <p:spPr>
           <a:xfrm>
-            <a:off x="7939701" y="638586"/>
+            <a:off x="7907044" y="1609457"/>
             <a:ext cx="2289346" cy="369332"/>
           </a:xfrm>
           <a:prstGeom prst="rect">
@@ -20609,7 +20572,7 @@
         </p:nvSpPr>
         <p:spPr>
           <a:xfrm>
-            <a:off x="2333415" y="638586"/>
+            <a:off x="2300758" y="1609457"/>
             <a:ext cx="1499065" cy="369332"/>
           </a:xfrm>
           <a:prstGeom prst="rect">
@@ -20635,7 +20598,7 @@
           <p:cNvPr id="4" name="Picture 3">
             <a:extLst>
               <a:ext uri="{FF2B5EF4-FFF2-40B4-BE49-F238E27FC236}">
-                <a16:creationId xmlns:a16="http://schemas.microsoft.com/office/drawing/2014/main" id="{A37CDE29-0165-8540-AFD9-47BF96CD3E63}"/>
+                <a16:creationId xmlns:a16="http://schemas.microsoft.com/office/drawing/2014/main" id="{0479B1E7-F202-554C-ADE3-707F5402EA48}"/>
               </a:ext>
             </a:extLst>
           </p:cNvPr>
@@ -20652,7 +20615,7 @@
         </p:blipFill>
         <p:spPr>
           <a:xfrm rot="5400000">
-            <a:off x="927312" y="440626"/>
+            <a:off x="832739" y="1202626"/>
             <a:ext cx="4311269" cy="5976747"/>
           </a:xfrm>
           <a:prstGeom prst="rect">
@@ -20662,10 +20625,10 @@
       </p:pic>
       <p:pic>
         <p:nvPicPr>
-          <p:cNvPr id="11" name="Picture 10">
-            <a:extLst>
-              <a:ext uri="{FF2B5EF4-FFF2-40B4-BE49-F238E27FC236}">
-                <a16:creationId xmlns:a16="http://schemas.microsoft.com/office/drawing/2014/main" id="{F1BD224C-3E78-0A47-9667-7B654BD6FB2A}"/>
+          <p:cNvPr id="10" name="Picture 9">
+            <a:extLst>
+              <a:ext uri="{FF2B5EF4-FFF2-40B4-BE49-F238E27FC236}">
+                <a16:creationId xmlns:a16="http://schemas.microsoft.com/office/drawing/2014/main" id="{B59D90DA-3524-084C-9B71-560A98282EE8}"/>
               </a:ext>
             </a:extLst>
           </p:cNvPr>
@@ -20682,7 +20645,7 @@
         </p:blipFill>
         <p:spPr>
           <a:xfrm rot="5400000">
-            <a:off x="6904059" y="440626"/>
+            <a:off x="6928739" y="1202626"/>
             <a:ext cx="4311269" cy="5976747"/>
           </a:xfrm>
           <a:prstGeom prst="rect">
@@ -20690,10 +20653,98 @@
           </a:prstGeom>
         </p:spPr>
       </p:pic>
+      <p:sp>
+        <p:nvSpPr>
+          <p:cNvPr id="11" name="Rectangle 10">
+            <a:extLst>
+              <a:ext uri="{FF2B5EF4-FFF2-40B4-BE49-F238E27FC236}">
+                <a16:creationId xmlns:a16="http://schemas.microsoft.com/office/drawing/2014/main" id="{1D28A1BE-C6D3-D043-8F96-A4E1CBE3A9EB}"/>
+              </a:ext>
+            </a:extLst>
+          </p:cNvPr>
+          <p:cNvSpPr/>
+          <p:nvPr/>
+        </p:nvSpPr>
+        <p:spPr>
+          <a:xfrm>
+            <a:off x="163285" y="537218"/>
+            <a:ext cx="12028715" cy="1015663"/>
+          </a:xfrm>
+          <a:prstGeom prst="rect">
+            <a:avLst/>
+          </a:prstGeom>
+        </p:spPr>
+        <p:txBody>
+          <a:bodyPr wrap="square">
+            <a:spAutoFit/>
+          </a:bodyPr>
+          <a:lstStyle/>
+          <a:p>
+            <a:pPr marL="285750" indent="-285750">
+              <a:buClr>
+                <a:schemeClr val="accent1"/>
+              </a:buClr>
+              <a:buFont typeface="Arial" panose="020B0604020202020204" pitchFamily="34" charset="0"/>
+              <a:buChar char="•"/>
+            </a:pPr>
+            <a:r>
+              <a:rPr lang="en-US" sz="2000" u="sng" dirty="0"/>
+              <a:t>BDT Output scores SR</a:t>
+            </a:r>
+            <a:r>
+              <a:rPr lang="en-US" sz="2000" u="sng" baseline="-25000" dirty="0"/>
+              <a:t>B</a:t>
+            </a:r>
+            <a:endParaRPr lang="en-US" sz="2000" u="sng" dirty="0"/>
+          </a:p>
+          <a:p>
+            <a:pPr marL="742950" lvl="1" indent="-285750">
+              <a:buClr>
+                <a:schemeClr val="accent1"/>
+              </a:buClr>
+              <a:buFont typeface="Arial" panose="020B0604020202020204" pitchFamily="34" charset="0"/>
+              <a:buChar char="•"/>
+            </a:pPr>
+            <a:r>
+              <a:rPr lang="en-US" sz="2000" dirty="0"/>
+              <a:t>SR</a:t>
+            </a:r>
+            <a:r>
+              <a:rPr lang="en-US" sz="2000" baseline="-25000" dirty="0"/>
+              <a:t>B </a:t>
+            </a:r>
+            <a:r>
+              <a:rPr lang="en-US" sz="2000" dirty="0"/>
+              <a:t>: Baseline selection + tight Mass Cut  (120,220) GeV, no </a:t>
+            </a:r>
+            <a:r>
+              <a:rPr lang="en-US" sz="2000" dirty="0" err="1"/>
+              <a:t>TopTagger</a:t>
+            </a:r>
+            <a:r>
+              <a:rPr lang="en-US" sz="2000" dirty="0"/>
+              <a:t> Selection </a:t>
+            </a:r>
+          </a:p>
+          <a:p>
+            <a:pPr marL="742950" lvl="1" indent="-285750">
+              <a:buClr>
+                <a:schemeClr val="accent1"/>
+              </a:buClr>
+              <a:buFont typeface="Arial" panose="020B0604020202020204" pitchFamily="34" charset="0"/>
+              <a:buChar char="•"/>
+            </a:pPr>
+            <a:r>
+              <a:rPr lang="en-US" sz="2000" dirty="0"/>
+              <a:t>QCD scaled to data (k-factor)</a:t>
+            </a:r>
+          </a:p>
+        </p:txBody>
+      </p:sp>
     </p:spTree>
     <p:extLst>
       <p:ext uri="{BB962C8B-B14F-4D97-AF65-F5344CB8AC3E}">
-        <p14:creationId xmlns:p14="http://schemas.microsoft.com/office/powerpoint/2010/main" val="2071165039"/>
+        <p14:creationId xmlns:p14="http://schemas.microsoft.com/office/powerpoint/2010/main" val="83094305"/>
       </p:ext>
     </p:extLst>
   </p:cSld>
@@ -20777,10 +20828,10 @@
             <a:r>
               <a:rPr lang="en-US" sz="2800" u="sng" dirty="0">
                 <a:solidFill>
-                  <a:srgbClr val="00B050"/>
+                  <a:srgbClr val="FF0000"/>
                 </a:solidFill>
               </a:rPr>
-              <a:t>2018</a:t>
+              <a:t>2017</a:t>
             </a:r>
             <a:r>
               <a:rPr lang="en-US" sz="2800" u="sng" dirty="0"/>
@@ -20847,7 +20898,7 @@
           <a:p>
             <a:fld id="{3DBB7BD0-9B8D-1F47-8ABF-BE3CF9BD2848}" type="datetime1">
               <a:rPr lang="en-US" smtClean="0"/>
-              <a:t>9/8/20</a:t>
+              <a:t>9/9/20</a:t>
             </a:fld>
             <a:endParaRPr lang="en-US" dirty="0"/>
           </a:p>
@@ -20925,10 +20976,10 @@
       </p:sp>
       <p:pic>
         <p:nvPicPr>
-          <p:cNvPr id="9" name="Picture 8">
-            <a:extLst>
-              <a:ext uri="{FF2B5EF4-FFF2-40B4-BE49-F238E27FC236}">
-                <a16:creationId xmlns:a16="http://schemas.microsoft.com/office/drawing/2014/main" id="{2E336555-93F3-FD4F-B090-6BE11BE0DBFF}"/>
+          <p:cNvPr id="4" name="Picture 3">
+            <a:extLst>
+              <a:ext uri="{FF2B5EF4-FFF2-40B4-BE49-F238E27FC236}">
+                <a16:creationId xmlns:a16="http://schemas.microsoft.com/office/drawing/2014/main" id="{A37CDE29-0165-8540-AFD9-47BF96CD3E63}"/>
               </a:ext>
             </a:extLst>
           </p:cNvPr>
@@ -20945,7 +20996,7 @@
         </p:blipFill>
         <p:spPr>
           <a:xfrm rot="5400000">
-            <a:off x="951991" y="439725"/>
+            <a:off x="927312" y="440626"/>
             <a:ext cx="4311269" cy="5976747"/>
           </a:xfrm>
           <a:prstGeom prst="rect">
@@ -20958,7 +21009,7 @@
           <p:cNvPr id="11" name="Picture 10">
             <a:extLst>
               <a:ext uri="{FF2B5EF4-FFF2-40B4-BE49-F238E27FC236}">
-                <a16:creationId xmlns:a16="http://schemas.microsoft.com/office/drawing/2014/main" id="{10CBFBAD-304D-7948-AD39-DEB83BD977DD}"/>
+                <a16:creationId xmlns:a16="http://schemas.microsoft.com/office/drawing/2014/main" id="{F1BD224C-3E78-0A47-9667-7B654BD6FB2A}"/>
               </a:ext>
             </a:extLst>
           </p:cNvPr>
@@ -20975,7 +21026,7 @@
         </p:blipFill>
         <p:spPr>
           <a:xfrm rot="5400000">
-            <a:off x="6928738" y="439724"/>
+            <a:off x="6904059" y="440626"/>
             <a:ext cx="4311269" cy="5976747"/>
           </a:xfrm>
           <a:prstGeom prst="rect">
@@ -20986,7 +21037,7 @@
     </p:spTree>
     <p:extLst>
       <p:ext uri="{BB962C8B-B14F-4D97-AF65-F5344CB8AC3E}">
-        <p14:creationId xmlns:p14="http://schemas.microsoft.com/office/powerpoint/2010/main" val="1051090531"/>
+        <p14:creationId xmlns:p14="http://schemas.microsoft.com/office/powerpoint/2010/main" val="2071165039"/>
       </p:ext>
     </p:extLst>
   </p:cSld>
@@ -21048,8 +21099,8 @@
         </p:nvSpPr>
         <p:spPr>
           <a:xfrm>
-            <a:off x="3276600" y="2640823"/>
-            <a:ext cx="5638800" cy="523220"/>
+            <a:off x="2805007" y="33090"/>
+            <a:ext cx="6581985" cy="523220"/>
           </a:xfrm>
           <a:prstGeom prst="rect">
             <a:avLst/>
@@ -21065,8 +21116,25 @@
             <a:pPr algn="ctr"/>
             <a:r>
               <a:rPr lang="en-US" sz="2800" u="sng" dirty="0"/>
-              <a:t>BACKUP SLIDES</a:t>
-            </a:r>
+              <a:t>Data Vs MC Stacks for BDT output </a:t>
+            </a:r>
+            <a:r>
+              <a:rPr lang="en-US" sz="2800" u="sng" dirty="0">
+                <a:solidFill>
+                  <a:srgbClr val="00B050"/>
+                </a:solidFill>
+              </a:rPr>
+              <a:t>2018</a:t>
+            </a:r>
+            <a:r>
+              <a:rPr lang="en-US" sz="2800" u="sng" dirty="0"/>
+              <a:t> </a:t>
+            </a:r>
+            <a:endParaRPr lang="en-US" sz="2800" u="sng" dirty="0">
+              <a:solidFill>
+                <a:srgbClr val="00B050"/>
+              </a:solidFill>
+            </a:endParaRPr>
           </a:p>
         </p:txBody>
       </p:sp>
@@ -21123,16 +21191,146 @@
           <a:p>
             <a:fld id="{3DBB7BD0-9B8D-1F47-8ABF-BE3CF9BD2848}" type="datetime1">
               <a:rPr lang="en-US" smtClean="0"/>
-              <a:t>9/8/20</a:t>
+              <a:t>9/9/20</a:t>
             </a:fld>
             <a:endParaRPr lang="en-US" dirty="0"/>
           </a:p>
         </p:txBody>
       </p:sp>
+      <p:sp>
+        <p:nvSpPr>
+          <p:cNvPr id="6" name="Rectangle 5">
+            <a:extLst>
+              <a:ext uri="{FF2B5EF4-FFF2-40B4-BE49-F238E27FC236}">
+                <a16:creationId xmlns:a16="http://schemas.microsoft.com/office/drawing/2014/main" id="{1D3A9800-C923-F943-ACA5-B4B9B9A1D73D}"/>
+              </a:ext>
+            </a:extLst>
+          </p:cNvPr>
+          <p:cNvSpPr/>
+          <p:nvPr/>
+        </p:nvSpPr>
+        <p:spPr>
+          <a:xfrm>
+            <a:off x="7939701" y="638586"/>
+            <a:ext cx="2289346" cy="369332"/>
+          </a:xfrm>
+          <a:prstGeom prst="rect">
+            <a:avLst/>
+          </a:prstGeom>
+        </p:spPr>
+        <p:txBody>
+          <a:bodyPr wrap="none">
+            <a:spAutoFit/>
+          </a:bodyPr>
+          <a:lstStyle/>
+          <a:p>
+            <a:pPr algn="ctr"/>
+            <a:r>
+              <a:rPr lang="en-US" u="sng" dirty="0"/>
+              <a:t>without b tagging SF’s </a:t>
+            </a:r>
+          </a:p>
+        </p:txBody>
+      </p:sp>
+      <p:sp>
+        <p:nvSpPr>
+          <p:cNvPr id="8" name="Rectangle 7">
+            <a:extLst>
+              <a:ext uri="{FF2B5EF4-FFF2-40B4-BE49-F238E27FC236}">
+                <a16:creationId xmlns:a16="http://schemas.microsoft.com/office/drawing/2014/main" id="{FE0D63A0-1633-E841-944F-B91BFC6F0FEB}"/>
+              </a:ext>
+            </a:extLst>
+          </p:cNvPr>
+          <p:cNvSpPr/>
+          <p:nvPr/>
+        </p:nvSpPr>
+        <p:spPr>
+          <a:xfrm>
+            <a:off x="2333415" y="638586"/>
+            <a:ext cx="1499065" cy="369332"/>
+          </a:xfrm>
+          <a:prstGeom prst="rect">
+            <a:avLst/>
+          </a:prstGeom>
+        </p:spPr>
+        <p:txBody>
+          <a:bodyPr wrap="none">
+            <a:spAutoFit/>
+          </a:bodyPr>
+          <a:lstStyle/>
+          <a:p>
+            <a:pPr algn="ctr"/>
+            <a:r>
+              <a:rPr lang="en-US" u="sng" dirty="0"/>
+              <a:t>b tagging SF’s </a:t>
+            </a:r>
+          </a:p>
+        </p:txBody>
+      </p:sp>
+      <p:pic>
+        <p:nvPicPr>
+          <p:cNvPr id="9" name="Picture 8">
+            <a:extLst>
+              <a:ext uri="{FF2B5EF4-FFF2-40B4-BE49-F238E27FC236}">
+                <a16:creationId xmlns:a16="http://schemas.microsoft.com/office/drawing/2014/main" id="{2E336555-93F3-FD4F-B090-6BE11BE0DBFF}"/>
+              </a:ext>
+            </a:extLst>
+          </p:cNvPr>
+          <p:cNvPicPr>
+            <a:picLocks noChangeAspect="1"/>
+          </p:cNvPicPr>
+          <p:nvPr/>
+        </p:nvPicPr>
+        <p:blipFill>
+          <a:blip r:embed="rId2"/>
+          <a:stretch>
+            <a:fillRect/>
+          </a:stretch>
+        </p:blipFill>
+        <p:spPr>
+          <a:xfrm rot="5400000">
+            <a:off x="951991" y="439725"/>
+            <a:ext cx="4311269" cy="5976747"/>
+          </a:xfrm>
+          <a:prstGeom prst="rect">
+            <a:avLst/>
+          </a:prstGeom>
+        </p:spPr>
+      </p:pic>
+      <p:pic>
+        <p:nvPicPr>
+          <p:cNvPr id="11" name="Picture 10">
+            <a:extLst>
+              <a:ext uri="{FF2B5EF4-FFF2-40B4-BE49-F238E27FC236}">
+                <a16:creationId xmlns:a16="http://schemas.microsoft.com/office/drawing/2014/main" id="{10CBFBAD-304D-7948-AD39-DEB83BD977DD}"/>
+              </a:ext>
+            </a:extLst>
+          </p:cNvPr>
+          <p:cNvPicPr>
+            <a:picLocks noChangeAspect="1"/>
+          </p:cNvPicPr>
+          <p:nvPr/>
+        </p:nvPicPr>
+        <p:blipFill>
+          <a:blip r:embed="rId3"/>
+          <a:stretch>
+            <a:fillRect/>
+          </a:stretch>
+        </p:blipFill>
+        <p:spPr>
+          <a:xfrm rot="5400000">
+            <a:off x="6928738" y="439724"/>
+            <a:ext cx="4311269" cy="5976747"/>
+          </a:xfrm>
+          <a:prstGeom prst="rect">
+            <a:avLst/>
+          </a:prstGeom>
+        </p:spPr>
+      </p:pic>
     </p:spTree>
     <p:extLst>
       <p:ext uri="{BB962C8B-B14F-4D97-AF65-F5344CB8AC3E}">
-        <p14:creationId xmlns:p14="http://schemas.microsoft.com/office/powerpoint/2010/main" val="1998869109"/>
+        <p14:creationId xmlns:p14="http://schemas.microsoft.com/office/powerpoint/2010/main" val="1051090531"/>
       </p:ext>
     </p:extLst>
   </p:cSld>
@@ -21273,7 +21471,7 @@
           <a:p>
             <a:fld id="{01554C39-4607-164F-AA23-65A72270ACF7}" type="datetime1">
               <a:rPr lang="en-US" smtClean="0"/>
-              <a:t>9/8/20</a:t>
+              <a:t>9/9/20</a:t>
             </a:fld>
             <a:endParaRPr lang="en-US" dirty="0"/>
           </a:p>
@@ -21434,8 +21632,8 @@
         </p:nvSpPr>
         <p:spPr>
           <a:xfrm>
-            <a:off x="504044" y="33090"/>
-            <a:ext cx="10940340" cy="523220"/>
+            <a:off x="3276600" y="2640823"/>
+            <a:ext cx="5638800" cy="523220"/>
           </a:xfrm>
           <a:prstGeom prst="rect">
             <a:avLst/>
@@ -21451,15 +21649,7 @@
             <a:pPr algn="ctr"/>
             <a:r>
               <a:rPr lang="en-US" sz="2800" u="sng" dirty="0"/>
-              <a:t>Response Matrices </a:t>
-            </a:r>
-            <a:r>
-              <a:rPr lang="en-US" sz="2800" u="sng" dirty="0">
-                <a:solidFill>
-                  <a:srgbClr val="00B0F0"/>
-                </a:solidFill>
-              </a:rPr>
-              <a:t>2016</a:t>
+              <a:t>BACKUP SLIDES</a:t>
             </a:r>
           </a:p>
         </p:txBody>
@@ -21515,148 +21705,18 @@
           <a:bodyPr/>
           <a:lstStyle/>
           <a:p>
-            <a:fld id="{01554C39-4607-164F-AA23-65A72270ACF7}" type="datetime1">
+            <a:fld id="{3DBB7BD0-9B8D-1F47-8ABF-BE3CF9BD2848}" type="datetime1">
               <a:rPr lang="en-US" smtClean="0"/>
-              <a:t>9/8/20</a:t>
+              <a:t>9/9/20</a:t>
             </a:fld>
             <a:endParaRPr lang="en-US" dirty="0"/>
           </a:p>
         </p:txBody>
       </p:sp>
-      <p:sp>
-        <p:nvSpPr>
-          <p:cNvPr id="8" name="Rectangle 7">
-            <a:extLst>
-              <a:ext uri="{FF2B5EF4-FFF2-40B4-BE49-F238E27FC236}">
-                <a16:creationId xmlns:a16="http://schemas.microsoft.com/office/drawing/2014/main" id="{137E0740-341B-B64B-AE26-A2C5357809F1}"/>
-              </a:ext>
-            </a:extLst>
-          </p:cNvPr>
-          <p:cNvSpPr/>
-          <p:nvPr/>
-        </p:nvSpPr>
-        <p:spPr>
-          <a:xfrm>
-            <a:off x="7939701" y="638586"/>
-            <a:ext cx="2289346" cy="369332"/>
-          </a:xfrm>
-          <a:prstGeom prst="rect">
-            <a:avLst/>
-          </a:prstGeom>
-        </p:spPr>
-        <p:txBody>
-          <a:bodyPr wrap="none">
-            <a:spAutoFit/>
-          </a:bodyPr>
-          <a:lstStyle/>
-          <a:p>
-            <a:pPr algn="ctr"/>
-            <a:r>
-              <a:rPr lang="en-US" u="sng" dirty="0"/>
-              <a:t>without b tagging SF’s </a:t>
-            </a:r>
-          </a:p>
-        </p:txBody>
-      </p:sp>
-      <p:sp>
-        <p:nvSpPr>
-          <p:cNvPr id="15" name="Rectangle 14">
-            <a:extLst>
-              <a:ext uri="{FF2B5EF4-FFF2-40B4-BE49-F238E27FC236}">
-                <a16:creationId xmlns:a16="http://schemas.microsoft.com/office/drawing/2014/main" id="{F855E7F2-8E22-A345-8A7F-56F49B61AE54}"/>
-              </a:ext>
-            </a:extLst>
-          </p:cNvPr>
-          <p:cNvSpPr/>
-          <p:nvPr/>
-        </p:nvSpPr>
-        <p:spPr>
-          <a:xfrm>
-            <a:off x="2333415" y="638586"/>
-            <a:ext cx="1499065" cy="369332"/>
-          </a:xfrm>
-          <a:prstGeom prst="rect">
-            <a:avLst/>
-          </a:prstGeom>
-        </p:spPr>
-        <p:txBody>
-          <a:bodyPr wrap="none">
-            <a:spAutoFit/>
-          </a:bodyPr>
-          <a:lstStyle/>
-          <a:p>
-            <a:pPr algn="ctr"/>
-            <a:r>
-              <a:rPr lang="en-US" u="sng" dirty="0"/>
-              <a:t>b tagging SF’s </a:t>
-            </a:r>
-          </a:p>
-        </p:txBody>
-      </p:sp>
-      <p:pic>
-        <p:nvPicPr>
-          <p:cNvPr id="6" name="Picture 5">
-            <a:extLst>
-              <a:ext uri="{FF2B5EF4-FFF2-40B4-BE49-F238E27FC236}">
-                <a16:creationId xmlns:a16="http://schemas.microsoft.com/office/drawing/2014/main" id="{B916B196-3F50-1042-AB31-52400AFC2C68}"/>
-              </a:ext>
-            </a:extLst>
-          </p:cNvPr>
-          <p:cNvPicPr>
-            <a:picLocks noChangeAspect="1"/>
-          </p:cNvPicPr>
-          <p:nvPr/>
-        </p:nvPicPr>
-        <p:blipFill>
-          <a:blip r:embed="rId2"/>
-          <a:stretch>
-            <a:fillRect/>
-          </a:stretch>
-        </p:blipFill>
-        <p:spPr>
-          <a:xfrm rot="5400000">
-            <a:off x="951992" y="691187"/>
-            <a:ext cx="4311269" cy="5976747"/>
-          </a:xfrm>
-          <a:prstGeom prst="rect">
-            <a:avLst/>
-          </a:prstGeom>
-        </p:spPr>
-      </p:pic>
-      <p:pic>
-        <p:nvPicPr>
-          <p:cNvPr id="11" name="Picture 10">
-            <a:extLst>
-              <a:ext uri="{FF2B5EF4-FFF2-40B4-BE49-F238E27FC236}">
-                <a16:creationId xmlns:a16="http://schemas.microsoft.com/office/drawing/2014/main" id="{6FB3C2F5-1028-5449-B5C2-93EE2A79669C}"/>
-              </a:ext>
-            </a:extLst>
-          </p:cNvPr>
-          <p:cNvPicPr>
-            <a:picLocks noChangeAspect="1"/>
-          </p:cNvPicPr>
-          <p:nvPr/>
-        </p:nvPicPr>
-        <p:blipFill>
-          <a:blip r:embed="rId3"/>
-          <a:stretch>
-            <a:fillRect/>
-          </a:stretch>
-        </p:blipFill>
-        <p:spPr>
-          <a:xfrm rot="5400000">
-            <a:off x="7047992" y="691187"/>
-            <a:ext cx="4311269" cy="5976747"/>
-          </a:xfrm>
-          <a:prstGeom prst="rect">
-            <a:avLst/>
-          </a:prstGeom>
-        </p:spPr>
-      </p:pic>
     </p:spTree>
     <p:extLst>
       <p:ext uri="{BB962C8B-B14F-4D97-AF65-F5344CB8AC3E}">
-        <p14:creationId xmlns:p14="http://schemas.microsoft.com/office/powerpoint/2010/main" val="1218244233"/>
+        <p14:creationId xmlns:p14="http://schemas.microsoft.com/office/powerpoint/2010/main" val="1998869109"/>
       </p:ext>
     </p:extLst>
   </p:cSld>
@@ -21740,10 +21800,10 @@
             <a:r>
               <a:rPr lang="en-US" sz="2800" u="sng" dirty="0">
                 <a:solidFill>
-                  <a:srgbClr val="FF0000"/>
+                  <a:srgbClr val="00B0F0"/>
                 </a:solidFill>
               </a:rPr>
-              <a:t>2017</a:t>
+              <a:t>2016</a:t>
             </a:r>
           </a:p>
         </p:txBody>
@@ -21801,7 +21861,7 @@
           <a:p>
             <a:fld id="{01554C39-4607-164F-AA23-65A72270ACF7}" type="datetime1">
               <a:rPr lang="en-US" smtClean="0"/>
-              <a:t>9/8/20</a:t>
+              <a:t>9/9/20</a:t>
             </a:fld>
             <a:endParaRPr lang="en-US" dirty="0"/>
           </a:p>
@@ -21879,10 +21939,10 @@
       </p:sp>
       <p:pic>
         <p:nvPicPr>
-          <p:cNvPr id="4" name="Picture 3">
-            <a:extLst>
-              <a:ext uri="{FF2B5EF4-FFF2-40B4-BE49-F238E27FC236}">
-                <a16:creationId xmlns:a16="http://schemas.microsoft.com/office/drawing/2014/main" id="{22F19D61-6B3F-2C4C-B756-CB9ED5548A92}"/>
+          <p:cNvPr id="6" name="Picture 5">
+            <a:extLst>
+              <a:ext uri="{FF2B5EF4-FFF2-40B4-BE49-F238E27FC236}">
+                <a16:creationId xmlns:a16="http://schemas.microsoft.com/office/drawing/2014/main" id="{B916B196-3F50-1042-AB31-52400AFC2C68}"/>
               </a:ext>
             </a:extLst>
           </p:cNvPr>
@@ -21899,7 +21959,7 @@
         </p:blipFill>
         <p:spPr>
           <a:xfrm rot="5400000">
-            <a:off x="832739" y="702986"/>
+            <a:off x="951992" y="691187"/>
             <a:ext cx="4311269" cy="5976747"/>
           </a:xfrm>
           <a:prstGeom prst="rect">
@@ -21909,10 +21969,10 @@
       </p:pic>
       <p:pic>
         <p:nvPicPr>
-          <p:cNvPr id="9" name="Picture 8">
-            <a:extLst>
-              <a:ext uri="{FF2B5EF4-FFF2-40B4-BE49-F238E27FC236}">
-                <a16:creationId xmlns:a16="http://schemas.microsoft.com/office/drawing/2014/main" id="{88C1BB65-3065-F74E-B7A9-01E27DF2352D}"/>
+          <p:cNvPr id="11" name="Picture 10">
+            <a:extLst>
+              <a:ext uri="{FF2B5EF4-FFF2-40B4-BE49-F238E27FC236}">
+                <a16:creationId xmlns:a16="http://schemas.microsoft.com/office/drawing/2014/main" id="{6FB3C2F5-1028-5449-B5C2-93EE2A79669C}"/>
               </a:ext>
             </a:extLst>
           </p:cNvPr>
@@ -21929,7 +21989,7 @@
         </p:blipFill>
         <p:spPr>
           <a:xfrm rot="5400000">
-            <a:off x="6953421" y="702986"/>
+            <a:off x="7047992" y="691187"/>
             <a:ext cx="4311269" cy="5976747"/>
           </a:xfrm>
           <a:prstGeom prst="rect">
@@ -21940,7 +22000,7 @@
     </p:spTree>
     <p:extLst>
       <p:ext uri="{BB962C8B-B14F-4D97-AF65-F5344CB8AC3E}">
-        <p14:creationId xmlns:p14="http://schemas.microsoft.com/office/powerpoint/2010/main" val="585653806"/>
+        <p14:creationId xmlns:p14="http://schemas.microsoft.com/office/powerpoint/2010/main" val="1218244233"/>
       </p:ext>
     </p:extLst>
   </p:cSld>
@@ -22024,10 +22084,10 @@
             <a:r>
               <a:rPr lang="en-US" sz="2800" u="sng" dirty="0">
                 <a:solidFill>
-                  <a:srgbClr val="00B050"/>
+                  <a:srgbClr val="FF0000"/>
                 </a:solidFill>
               </a:rPr>
-              <a:t>2018</a:t>
+              <a:t>2017</a:t>
             </a:r>
           </a:p>
         </p:txBody>
@@ -22085,7 +22145,291 @@
           <a:p>
             <a:fld id="{01554C39-4607-164F-AA23-65A72270ACF7}" type="datetime1">
               <a:rPr lang="en-US" smtClean="0"/>
-              <a:t>9/8/20</a:t>
+              <a:t>9/9/20</a:t>
+            </a:fld>
+            <a:endParaRPr lang="en-US" dirty="0"/>
+          </a:p>
+        </p:txBody>
+      </p:sp>
+      <p:sp>
+        <p:nvSpPr>
+          <p:cNvPr id="8" name="Rectangle 7">
+            <a:extLst>
+              <a:ext uri="{FF2B5EF4-FFF2-40B4-BE49-F238E27FC236}">
+                <a16:creationId xmlns:a16="http://schemas.microsoft.com/office/drawing/2014/main" id="{137E0740-341B-B64B-AE26-A2C5357809F1}"/>
+              </a:ext>
+            </a:extLst>
+          </p:cNvPr>
+          <p:cNvSpPr/>
+          <p:nvPr/>
+        </p:nvSpPr>
+        <p:spPr>
+          <a:xfrm>
+            <a:off x="7939701" y="638586"/>
+            <a:ext cx="2289346" cy="369332"/>
+          </a:xfrm>
+          <a:prstGeom prst="rect">
+            <a:avLst/>
+          </a:prstGeom>
+        </p:spPr>
+        <p:txBody>
+          <a:bodyPr wrap="none">
+            <a:spAutoFit/>
+          </a:bodyPr>
+          <a:lstStyle/>
+          <a:p>
+            <a:pPr algn="ctr"/>
+            <a:r>
+              <a:rPr lang="en-US" u="sng" dirty="0"/>
+              <a:t>without b tagging SF’s </a:t>
+            </a:r>
+          </a:p>
+        </p:txBody>
+      </p:sp>
+      <p:sp>
+        <p:nvSpPr>
+          <p:cNvPr id="15" name="Rectangle 14">
+            <a:extLst>
+              <a:ext uri="{FF2B5EF4-FFF2-40B4-BE49-F238E27FC236}">
+                <a16:creationId xmlns:a16="http://schemas.microsoft.com/office/drawing/2014/main" id="{F855E7F2-8E22-A345-8A7F-56F49B61AE54}"/>
+              </a:ext>
+            </a:extLst>
+          </p:cNvPr>
+          <p:cNvSpPr/>
+          <p:nvPr/>
+        </p:nvSpPr>
+        <p:spPr>
+          <a:xfrm>
+            <a:off x="2333415" y="638586"/>
+            <a:ext cx="1499065" cy="369332"/>
+          </a:xfrm>
+          <a:prstGeom prst="rect">
+            <a:avLst/>
+          </a:prstGeom>
+        </p:spPr>
+        <p:txBody>
+          <a:bodyPr wrap="none">
+            <a:spAutoFit/>
+          </a:bodyPr>
+          <a:lstStyle/>
+          <a:p>
+            <a:pPr algn="ctr"/>
+            <a:r>
+              <a:rPr lang="en-US" u="sng" dirty="0"/>
+              <a:t>b tagging SF’s </a:t>
+            </a:r>
+          </a:p>
+        </p:txBody>
+      </p:sp>
+      <p:pic>
+        <p:nvPicPr>
+          <p:cNvPr id="4" name="Picture 3">
+            <a:extLst>
+              <a:ext uri="{FF2B5EF4-FFF2-40B4-BE49-F238E27FC236}">
+                <a16:creationId xmlns:a16="http://schemas.microsoft.com/office/drawing/2014/main" id="{22F19D61-6B3F-2C4C-B756-CB9ED5548A92}"/>
+              </a:ext>
+            </a:extLst>
+          </p:cNvPr>
+          <p:cNvPicPr>
+            <a:picLocks noChangeAspect="1"/>
+          </p:cNvPicPr>
+          <p:nvPr/>
+        </p:nvPicPr>
+        <p:blipFill>
+          <a:blip r:embed="rId2"/>
+          <a:stretch>
+            <a:fillRect/>
+          </a:stretch>
+        </p:blipFill>
+        <p:spPr>
+          <a:xfrm rot="5400000">
+            <a:off x="832739" y="702986"/>
+            <a:ext cx="4311269" cy="5976747"/>
+          </a:xfrm>
+          <a:prstGeom prst="rect">
+            <a:avLst/>
+          </a:prstGeom>
+        </p:spPr>
+      </p:pic>
+      <p:pic>
+        <p:nvPicPr>
+          <p:cNvPr id="9" name="Picture 8">
+            <a:extLst>
+              <a:ext uri="{FF2B5EF4-FFF2-40B4-BE49-F238E27FC236}">
+                <a16:creationId xmlns:a16="http://schemas.microsoft.com/office/drawing/2014/main" id="{88C1BB65-3065-F74E-B7A9-01E27DF2352D}"/>
+              </a:ext>
+            </a:extLst>
+          </p:cNvPr>
+          <p:cNvPicPr>
+            <a:picLocks noChangeAspect="1"/>
+          </p:cNvPicPr>
+          <p:nvPr/>
+        </p:nvPicPr>
+        <p:blipFill>
+          <a:blip r:embed="rId3"/>
+          <a:stretch>
+            <a:fillRect/>
+          </a:stretch>
+        </p:blipFill>
+        <p:spPr>
+          <a:xfrm rot="5400000">
+            <a:off x="6953421" y="702986"/>
+            <a:ext cx="4311269" cy="5976747"/>
+          </a:xfrm>
+          <a:prstGeom prst="rect">
+            <a:avLst/>
+          </a:prstGeom>
+        </p:spPr>
+      </p:pic>
+    </p:spTree>
+    <p:extLst>
+      <p:ext uri="{BB962C8B-B14F-4D97-AF65-F5344CB8AC3E}">
+        <p14:creationId xmlns:p14="http://schemas.microsoft.com/office/powerpoint/2010/main" val="585653806"/>
+      </p:ext>
+    </p:extLst>
+  </p:cSld>
+  <p:clrMapOvr>
+    <a:masterClrMapping/>
+  </p:clrMapOvr>
+</p:sld>
+</file>
+
+<file path=ppt/slides/slide43.xml><?xml version="1.0" encoding="utf-8"?>
+<p:sld xmlns:a="http://schemas.openxmlformats.org/drawingml/2006/main" xmlns:r="http://schemas.openxmlformats.org/officeDocument/2006/relationships" xmlns:p="http://schemas.openxmlformats.org/presentationml/2006/main">
+  <p:cSld>
+    <p:spTree>
+      <p:nvGrpSpPr>
+        <p:cNvPr id="1" name=""/>
+        <p:cNvGrpSpPr/>
+        <p:nvPr/>
+      </p:nvGrpSpPr>
+      <p:grpSpPr>
+        <a:xfrm>
+          <a:off x="0" y="0"/>
+          <a:ext cx="0" cy="0"/>
+          <a:chOff x="0" y="0"/>
+          <a:chExt cx="0" cy="0"/>
+        </a:xfrm>
+      </p:grpSpPr>
+      <p:sp>
+        <p:nvSpPr>
+          <p:cNvPr id="3" name="Footer Placeholder 2"/>
+          <p:cNvSpPr>
+            <a:spLocks noGrp="1"/>
+          </p:cNvSpPr>
+          <p:nvPr>
+            <p:ph type="ftr" sz="quarter" idx="11"/>
+          </p:nvPr>
+        </p:nvSpPr>
+        <p:spPr/>
+        <p:txBody>
+          <a:bodyPr/>
+          <a:lstStyle/>
+          <a:p>
+            <a:r>
+              <a:rPr lang="fi-FI" dirty="0"/>
+              <a:t>NTUA G. </a:t>
+            </a:r>
+            <a:r>
+              <a:rPr lang="fi-FI" dirty="0" err="1"/>
+              <a:t>Bakas</a:t>
+            </a:r>
+            <a:endParaRPr lang="en-US" dirty="0"/>
+          </a:p>
+        </p:txBody>
+      </p:sp>
+      <p:sp>
+        <p:nvSpPr>
+          <p:cNvPr id="7" name="TextBox 6"/>
+          <p:cNvSpPr txBox="1"/>
+          <p:nvPr/>
+        </p:nvSpPr>
+        <p:spPr>
+          <a:xfrm>
+            <a:off x="504044" y="33090"/>
+            <a:ext cx="10940340" cy="523220"/>
+          </a:xfrm>
+          <a:prstGeom prst="rect">
+            <a:avLst/>
+          </a:prstGeom>
+          <a:noFill/>
+        </p:spPr>
+        <p:txBody>
+          <a:bodyPr wrap="square" rtlCol="0">
+            <a:spAutoFit/>
+          </a:bodyPr>
+          <a:lstStyle/>
+          <a:p>
+            <a:pPr algn="ctr"/>
+            <a:r>
+              <a:rPr lang="en-US" sz="2800" u="sng" dirty="0"/>
+              <a:t>Response Matrices </a:t>
+            </a:r>
+            <a:r>
+              <a:rPr lang="en-US" sz="2800" u="sng" dirty="0">
+                <a:solidFill>
+                  <a:srgbClr val="00B050"/>
+                </a:solidFill>
+              </a:rPr>
+              <a:t>2018</a:t>
+            </a:r>
+          </a:p>
+        </p:txBody>
+      </p:sp>
+      <p:sp>
+        <p:nvSpPr>
+          <p:cNvPr id="5" name="Slide Number Placeholder 4">
+            <a:extLst>
+              <a:ext uri="{FF2B5EF4-FFF2-40B4-BE49-F238E27FC236}">
+                <a16:creationId xmlns:a16="http://schemas.microsoft.com/office/drawing/2014/main" id="{69A96869-DB60-5345-ACD9-F1C41035B064}"/>
+              </a:ext>
+            </a:extLst>
+          </p:cNvPr>
+          <p:cNvSpPr>
+            <a:spLocks noGrp="1"/>
+          </p:cNvSpPr>
+          <p:nvPr>
+            <p:ph type="sldNum" sz="quarter" idx="12"/>
+          </p:nvPr>
+        </p:nvSpPr>
+        <p:spPr/>
+        <p:txBody>
+          <a:bodyPr/>
+          <a:lstStyle/>
+          <a:p>
+            <a:fld id="{4FAB73BC-B049-4115-A692-8D63A059BFB8}" type="slidenum">
+              <a:rPr lang="en-US" smtClean="0"/>
+              <a:pPr/>
+              <a:t>43</a:t>
+            </a:fld>
+            <a:endParaRPr lang="en-US" dirty="0"/>
+          </a:p>
+        </p:txBody>
+      </p:sp>
+      <p:sp>
+        <p:nvSpPr>
+          <p:cNvPr id="24" name="Date Placeholder 23">
+            <a:extLst>
+              <a:ext uri="{FF2B5EF4-FFF2-40B4-BE49-F238E27FC236}">
+                <a16:creationId xmlns:a16="http://schemas.microsoft.com/office/drawing/2014/main" id="{056D71EF-2E89-4043-8F92-90A4D46A3E69}"/>
+              </a:ext>
+            </a:extLst>
+          </p:cNvPr>
+          <p:cNvSpPr>
+            <a:spLocks noGrp="1"/>
+          </p:cNvSpPr>
+          <p:nvPr>
+            <p:ph type="dt" sz="half" idx="10"/>
+          </p:nvPr>
+        </p:nvSpPr>
+        <p:spPr/>
+        <p:txBody>
+          <a:bodyPr/>
+          <a:lstStyle/>
+          <a:p>
+            <a:fld id="{01554C39-4607-164F-AA23-65A72270ACF7}" type="datetime1">
+              <a:rPr lang="en-US" smtClean="0"/>
+              <a:t>9/9/20</a:t>
             </a:fld>
             <a:endParaRPr lang="en-US" dirty="0"/>
           </a:p>
@@ -22366,7 +22710,7 @@
           <a:p>
             <a:fld id="{01554C39-4607-164F-AA23-65A72270ACF7}" type="datetime1">
               <a:rPr lang="en-US" smtClean="0"/>
-              <a:t>9/8/20</a:t>
+              <a:t>9/9/20</a:t>
             </a:fld>
             <a:endParaRPr lang="en-US" dirty="0"/>
           </a:p>
@@ -22647,7 +22991,7 @@
           <a:p>
             <a:fld id="{01554C39-4607-164F-AA23-65A72270ACF7}" type="datetime1">
               <a:rPr lang="en-US" smtClean="0"/>
-              <a:t>9/8/20</a:t>
+              <a:t>9/9/20</a:t>
             </a:fld>
             <a:endParaRPr lang="en-US" dirty="0"/>
           </a:p>
@@ -22928,7 +23272,7 @@
           <a:p>
             <a:fld id="{01554C39-4607-164F-AA23-65A72270ACF7}" type="datetime1">
               <a:rPr lang="en-US" smtClean="0"/>
-              <a:t>9/8/20</a:t>
+              <a:t>9/9/20</a:t>
             </a:fld>
             <a:endParaRPr lang="en-US" dirty="0"/>
           </a:p>
@@ -23209,7 +23553,7 @@
           <a:p>
             <a:fld id="{01554C39-4607-164F-AA23-65A72270ACF7}" type="datetime1">
               <a:rPr lang="en-US" smtClean="0"/>
-              <a:t>9/8/20</a:t>
+              <a:t>9/9/20</a:t>
             </a:fld>
             <a:endParaRPr lang="en-US" dirty="0"/>
           </a:p>
@@ -23493,7 +23837,7 @@
           <a:p>
             <a:fld id="{01554C39-4607-164F-AA23-65A72270ACF7}" type="datetime1">
               <a:rPr lang="en-US" smtClean="0"/>
-              <a:t>9/8/20</a:t>
+              <a:t>9/9/20</a:t>
             </a:fld>
             <a:endParaRPr lang="en-US" dirty="0"/>
           </a:p>
